--- a/PPT/Polkadot-PPT.pptx
+++ b/PPT/Polkadot-PPT.pptx
@@ -5,10 +5,10 @@
     <p:sldMasterId id="2147483802" r:id="rId1"/>
   </p:sldMasterIdLst>
   <p:notesMasterIdLst>
-    <p:notesMasterId r:id="rId24"/>
+    <p:notesMasterId r:id="rId25"/>
   </p:notesMasterIdLst>
   <p:handoutMasterIdLst>
-    <p:handoutMasterId r:id="rId25"/>
+    <p:handoutMasterId r:id="rId26"/>
   </p:handoutMasterIdLst>
   <p:sldIdLst>
     <p:sldId id="259" r:id="rId2"/>
@@ -21,18 +21,19 @@
     <p:sldId id="264" r:id="rId9"/>
     <p:sldId id="288" r:id="rId10"/>
     <p:sldId id="289" r:id="rId11"/>
-    <p:sldId id="290" r:id="rId12"/>
-    <p:sldId id="291" r:id="rId13"/>
-    <p:sldId id="292" r:id="rId14"/>
-    <p:sldId id="270" r:id="rId15"/>
-    <p:sldId id="293" r:id="rId16"/>
-    <p:sldId id="294" r:id="rId17"/>
-    <p:sldId id="295" r:id="rId18"/>
-    <p:sldId id="296" r:id="rId19"/>
-    <p:sldId id="276" r:id="rId20"/>
-    <p:sldId id="297" r:id="rId21"/>
-    <p:sldId id="280" r:id="rId22"/>
-    <p:sldId id="282" r:id="rId23"/>
+    <p:sldId id="291" r:id="rId12"/>
+    <p:sldId id="290" r:id="rId13"/>
+    <p:sldId id="298" r:id="rId14"/>
+    <p:sldId id="292" r:id="rId15"/>
+    <p:sldId id="270" r:id="rId16"/>
+    <p:sldId id="293" r:id="rId17"/>
+    <p:sldId id="294" r:id="rId18"/>
+    <p:sldId id="295" r:id="rId19"/>
+    <p:sldId id="296" r:id="rId20"/>
+    <p:sldId id="276" r:id="rId21"/>
+    <p:sldId id="297" r:id="rId22"/>
+    <p:sldId id="280" r:id="rId23"/>
+    <p:sldId id="282" r:id="rId24"/>
   </p:sldIdLst>
   <p:sldSz cx="9144000" cy="6858000" type="screen4x3"/>
   <p:notesSz cx="6858000" cy="9144000"/>
@@ -224,7 +225,7 @@
           <a:p>
             <a:fld id="{202C1FBA-CF23-45CA-A289-03E32D160964}" type="datetimeFigureOut">
               <a:rPr lang="zh-CN" altLang="en-US" smtClean="0"/>
-              <a:t>2020/12/15</a:t>
+              <a:t>2020/12/16</a:t>
             </a:fld>
             <a:endParaRPr lang="zh-CN" altLang="en-US"/>
           </a:p>
@@ -389,7 +390,7 @@
           <a:p>
             <a:fld id="{6D966BD8-0FC1-456F-BDC6-7D0CA8E36566}" type="datetimeFigureOut">
               <a:rPr lang="zh-CN" altLang="en-US" smtClean="0"/>
-              <a:t>2020/12/15</a:t>
+              <a:t>2020/12/16</a:t>
             </a:fld>
             <a:endParaRPr lang="zh-CN" altLang="en-US"/>
           </a:p>
@@ -7478,103 +7479,76 @@
           <a:lstStyle/>
           <a:p>
             <a:r>
+              <a:rPr lang="en-US" altLang="zh-CN" dirty="0"/>
+              <a:t>Relay chain block format</a:t>
+            </a:r>
+          </a:p>
+          <a:p>
+            <a:pPr lvl="1"/>
+            <a:r>
+              <a:rPr lang="en-US" altLang="zh-CN" dirty="0"/>
+              <a:t>Header</a:t>
+            </a:r>
+          </a:p>
+          <a:p>
+            <a:pPr lvl="2"/>
+            <a:r>
+              <a:rPr lang="en-US" altLang="zh-CN" dirty="0"/>
+              <a:t>Hash of parent block</a:t>
+            </a:r>
+          </a:p>
+          <a:p>
+            <a:pPr lvl="2"/>
+            <a:r>
+              <a:rPr lang="en-US" altLang="zh-CN" dirty="0"/>
+              <a:t>Block number</a:t>
+            </a:r>
+          </a:p>
+          <a:p>
+            <a:pPr lvl="2"/>
+            <a:r>
+              <a:rPr lang="en-US" altLang="zh-CN" dirty="0"/>
+              <a:t>The root of the state tree</a:t>
+            </a:r>
+          </a:p>
+          <a:p>
+            <a:pPr lvl="2"/>
+            <a:r>
+              <a:rPr lang="en-US" altLang="zh-CN" dirty="0"/>
+              <a:t>The root of the Merkle tree</a:t>
+            </a:r>
+          </a:p>
+          <a:p>
+            <a:pPr lvl="2"/>
+            <a:r>
+              <a:rPr lang="en-US" altLang="zh-CN" dirty="0"/>
+              <a:t>Digest</a:t>
+            </a:r>
+          </a:p>
+          <a:p>
+            <a:pPr lvl="3"/>
+            <a:r>
+              <a:rPr lang="en-US" altLang="zh-CN" dirty="0"/>
+              <a:t>Store auxiliary information from the consensus engines for validating the block</a:t>
+            </a:r>
+          </a:p>
+          <a:p>
+            <a:pPr lvl="1"/>
+            <a:r>
+              <a:rPr lang="en-US" altLang="zh-CN" dirty="0"/>
+              <a:t>Body</a:t>
+            </a:r>
+          </a:p>
+          <a:p>
+            <a:pPr lvl="2"/>
+            <a:r>
+              <a:rPr lang="en-US" altLang="zh-CN" dirty="0"/>
+              <a:t>A list of </a:t>
+            </a:r>
+            <a:r>
               <a:rPr lang="en-US" altLang="zh-CN" dirty="0" err="1"/>
-              <a:t>Extrinsics</a:t>
-            </a:r>
-            <a:r>
-              <a:rPr lang="en-US" altLang="zh-CN" dirty="0"/>
-              <a:t>, an executing ordered set of instructions</a:t>
-            </a:r>
-          </a:p>
-          <a:p>
-            <a:pPr lvl="1"/>
-            <a:r>
-              <a:rPr lang="en-US" altLang="zh-CN" dirty="0"/>
-              <a:t>are the input data supplied to the Relay-chain state machine to transition to new states.</a:t>
-            </a:r>
-          </a:p>
-          <a:p>
-            <a:pPr lvl="1"/>
-            <a:r>
-              <a:rPr lang="en-US" altLang="zh-CN" dirty="0"/>
-              <a:t> be stored into blocks of the relay chain  to achieve consensus among the state machine replica.</a:t>
-            </a:r>
-          </a:p>
-          <a:p>
-            <a:r>
-              <a:rPr lang="en-US" altLang="zh-CN" dirty="0"/>
-              <a:t>Two categories of </a:t>
-            </a:r>
-            <a:r>
-              <a:rPr lang="en-US" altLang="zh-CN" dirty="0" err="1"/>
-              <a:t>Extrinsics</a:t>
-            </a:r>
-            <a:endParaRPr lang="en-US" altLang="zh-CN" dirty="0"/>
-          </a:p>
-          <a:p>
-            <a:pPr lvl="1"/>
-            <a:r>
-              <a:rPr lang="en-US" altLang="zh-CN" dirty="0"/>
-              <a:t>Transactions</a:t>
-            </a:r>
-          </a:p>
-          <a:p>
-            <a:pPr lvl="2"/>
-            <a:r>
-              <a:rPr lang="en-US" altLang="zh-CN" dirty="0"/>
-              <a:t>Examples: </a:t>
-            </a:r>
-            <a:r>
-              <a:rPr lang="en-US" altLang="zh-CN" dirty="0" err="1"/>
-              <a:t>set_code</a:t>
-            </a:r>
-            <a:r>
-              <a:rPr lang="en-US" altLang="zh-CN" dirty="0"/>
-              <a:t>, transfer, bond, validate, nominate, vote</a:t>
-            </a:r>
-          </a:p>
-          <a:p>
-            <a:pPr lvl="2"/>
-            <a:r>
-              <a:rPr lang="en-US" altLang="zh-CN" dirty="0"/>
-              <a:t>Signed and gossiped</a:t>
-            </a:r>
-          </a:p>
-          <a:p>
-            <a:pPr lvl="1"/>
-            <a:r>
-              <a:rPr lang="en-US" altLang="zh-CN" dirty="0"/>
-              <a:t>“</a:t>
-            </a:r>
-            <a:r>
-              <a:rPr lang="en-US" altLang="zh-CN" dirty="0" err="1"/>
-              <a:t>inherents</a:t>
-            </a:r>
-            <a:r>
-              <a:rPr lang="en-US" altLang="zh-CN" dirty="0"/>
-              <a:t>”, the data that is inherent to a relay chain block. </a:t>
-            </a:r>
-          </a:p>
-          <a:p>
-            <a:pPr lvl="2"/>
-            <a:r>
-              <a:rPr lang="en-US" altLang="zh-CN" dirty="0"/>
-              <a:t>Example: The timestamp t of blocks</a:t>
-            </a:r>
-          </a:p>
-          <a:p>
-            <a:pPr lvl="2"/>
-            <a:r>
-              <a:rPr lang="en-US" altLang="zh-CN" dirty="0"/>
-              <a:t>Not signed and not gossiped, rather only when they are included in a block</a:t>
-            </a:r>
-          </a:p>
-          <a:p>
-            <a:pPr lvl="2"/>
-            <a:endParaRPr lang="en-US" altLang="zh-CN" dirty="0"/>
-          </a:p>
-          <a:p>
-            <a:pPr lvl="1"/>
+              <a:t>extrinsics</a:t>
+            </a:r>
             <a:endParaRPr lang="en-US" altLang="zh-CN" dirty="0"/>
           </a:p>
           <a:p>
@@ -7620,10 +7594,40 @@
           </a:p>
         </p:txBody>
       </p:sp>
+      <p:pic>
+        <p:nvPicPr>
+          <p:cNvPr id="4" name="图片 3">
+            <a:extLst>
+              <a:ext uri="{FF2B5EF4-FFF2-40B4-BE49-F238E27FC236}">
+                <a16:creationId xmlns:a16="http://schemas.microsoft.com/office/drawing/2014/main" id="{A9F7B1D4-8F6C-433F-9CF6-A8CF4EFD1362}"/>
+              </a:ext>
+            </a:extLst>
+          </p:cNvPr>
+          <p:cNvPicPr>
+            <a:picLocks noChangeAspect="1"/>
+          </p:cNvPicPr>
+          <p:nvPr/>
+        </p:nvPicPr>
+        <p:blipFill>
+          <a:blip r:embed="rId2"/>
+          <a:stretch>
+            <a:fillRect/>
+          </a:stretch>
+        </p:blipFill>
+        <p:spPr>
+          <a:xfrm>
+            <a:off x="4736606" y="1629654"/>
+            <a:ext cx="4072113" cy="2607066"/>
+          </a:xfrm>
+          <a:prstGeom prst="rect">
+            <a:avLst/>
+          </a:prstGeom>
+        </p:spPr>
+      </p:pic>
     </p:spTree>
     <p:extLst>
       <p:ext uri="{BB962C8B-B14F-4D97-AF65-F5344CB8AC3E}">
-        <p14:creationId xmlns:p14="http://schemas.microsoft.com/office/powerpoint/2010/main" val="4185833312"/>
+        <p14:creationId xmlns:p14="http://schemas.microsoft.com/office/powerpoint/2010/main" val="848296587"/>
       </p:ext>
     </p:extLst>
   </p:cSld>
@@ -7679,76 +7683,103 @@
           <a:lstStyle/>
           <a:p>
             <a:r>
+              <a:rPr lang="en-US" altLang="zh-CN" dirty="0" err="1"/>
+              <a:t>Extrinsics</a:t>
+            </a:r>
+            <a:r>
               <a:rPr lang="en-US" altLang="zh-CN" dirty="0"/>
-              <a:t>Relay chain block format</a:t>
+              <a:t>, an executing ordered set of instructions</a:t>
             </a:r>
           </a:p>
           <a:p>
             <a:pPr lvl="1"/>
             <a:r>
               <a:rPr lang="en-US" altLang="zh-CN" dirty="0"/>
-              <a:t>Header</a:t>
+              <a:t>are the input data supplied to the Relay-chain state machine to transition to new states.</a:t>
+            </a:r>
+          </a:p>
+          <a:p>
+            <a:pPr lvl="1"/>
+            <a:r>
+              <a:rPr lang="en-US" altLang="zh-CN" dirty="0"/>
+              <a:t> be stored into blocks of the relay chain  to achieve consensus among the state machine replica.</a:t>
+            </a:r>
+          </a:p>
+          <a:p>
+            <a:r>
+              <a:rPr lang="en-US" altLang="zh-CN" dirty="0"/>
+              <a:t>Two categories of </a:t>
+            </a:r>
+            <a:r>
+              <a:rPr lang="en-US" altLang="zh-CN" dirty="0" err="1"/>
+              <a:t>Extrinsics</a:t>
+            </a:r>
+            <a:endParaRPr lang="en-US" altLang="zh-CN" dirty="0"/>
+          </a:p>
+          <a:p>
+            <a:pPr lvl="1"/>
+            <a:r>
+              <a:rPr lang="en-US" altLang="zh-CN" dirty="0"/>
+              <a:t>Transactions</a:t>
             </a:r>
           </a:p>
           <a:p>
             <a:pPr lvl="2"/>
             <a:r>
               <a:rPr lang="en-US" altLang="zh-CN" dirty="0"/>
-              <a:t>Hash of parent block</a:t>
+              <a:t>Examples: </a:t>
+            </a:r>
+            <a:r>
+              <a:rPr lang="en-US" altLang="zh-CN" dirty="0" err="1"/>
+              <a:t>set_code</a:t>
+            </a:r>
+            <a:r>
+              <a:rPr lang="en-US" altLang="zh-CN" dirty="0"/>
+              <a:t>, transfer, bond, validate, nominate, vote</a:t>
             </a:r>
           </a:p>
           <a:p>
             <a:pPr lvl="2"/>
             <a:r>
               <a:rPr lang="en-US" altLang="zh-CN" dirty="0"/>
-              <a:t>Block number</a:t>
+              <a:t>Signed and unsigned</a:t>
+            </a:r>
+          </a:p>
+          <a:p>
+            <a:pPr lvl="1"/>
+            <a:r>
+              <a:rPr lang="en-US" altLang="zh-CN" dirty="0"/>
+              <a:t>“</a:t>
+            </a:r>
+            <a:r>
+              <a:rPr lang="en-US" altLang="zh-CN" dirty="0" err="1"/>
+              <a:t>inherents</a:t>
+            </a:r>
+            <a:r>
+              <a:rPr lang="en-US" altLang="zh-CN" dirty="0"/>
+              <a:t>”, the data that is inherent to a relay chain block. </a:t>
             </a:r>
           </a:p>
           <a:p>
             <a:pPr lvl="2"/>
             <a:r>
               <a:rPr lang="en-US" altLang="zh-CN" dirty="0"/>
-              <a:t>The root of the state tree</a:t>
+              <a:t>Example: The timestamp t of blocks</a:t>
             </a:r>
           </a:p>
           <a:p>
             <a:pPr lvl="2"/>
             <a:r>
               <a:rPr lang="en-US" altLang="zh-CN" dirty="0"/>
-              <a:t>The root of the Merkle tree</a:t>
+              <a:t>Not signed and not gossiped, rather only when they are included in a block</a:t>
             </a:r>
           </a:p>
           <a:p>
             <a:pPr lvl="2"/>
-            <a:r>
-              <a:rPr lang="en-US" altLang="zh-CN" dirty="0"/>
-              <a:t>Digest</a:t>
-            </a:r>
-          </a:p>
-          <a:p>
-            <a:pPr lvl="3"/>
-            <a:r>
-              <a:rPr lang="en-US" altLang="zh-CN" dirty="0"/>
-              <a:t>Store auxiliary information from the consensus engines for validating the block</a:t>
-            </a:r>
+            <a:endParaRPr lang="en-US" altLang="zh-CN" dirty="0"/>
           </a:p>
           <a:p>
             <a:pPr lvl="1"/>
-            <a:r>
-              <a:rPr lang="en-US" altLang="zh-CN" dirty="0"/>
-              <a:t>Body</a:t>
-            </a:r>
-          </a:p>
-          <a:p>
-            <a:pPr lvl="2"/>
-            <a:r>
-              <a:rPr lang="en-US" altLang="zh-CN" dirty="0"/>
-              <a:t>A list of </a:t>
-            </a:r>
-            <a:r>
-              <a:rPr lang="en-US" altLang="zh-CN" dirty="0" err="1"/>
-              <a:t>extrinsics</a:t>
-            </a:r>
             <a:endParaRPr lang="en-US" altLang="zh-CN" dirty="0"/>
           </a:p>
           <a:p>
@@ -7797,7 +7828,7 @@
     </p:spTree>
     <p:extLst>
       <p:ext uri="{BB962C8B-B14F-4D97-AF65-F5344CB8AC3E}">
-        <p14:creationId xmlns:p14="http://schemas.microsoft.com/office/powerpoint/2010/main" val="848296587"/>
+        <p14:creationId xmlns:p14="http://schemas.microsoft.com/office/powerpoint/2010/main" val="4185833312"/>
       </p:ext>
     </p:extLst>
   </p:cSld>
@@ -7853,58 +7884,12 @@
           <a:lstStyle/>
           <a:p>
             <a:r>
+              <a:rPr lang="en-US" altLang="zh-CN" dirty="0" err="1"/>
+              <a:t>Extrinsics</a:t>
+            </a:r>
+            <a:r>
               <a:rPr lang="en-US" altLang="zh-CN" dirty="0"/>
-              <a:t>the validator’s operations for building relay chain block</a:t>
-            </a:r>
-          </a:p>
-          <a:p>
-            <a:pPr lvl="1"/>
-            <a:r>
-              <a:rPr lang="en-US" altLang="zh-CN" dirty="0"/>
-              <a:t>Step one: each relay chain Validators privately knows the time when they should produce a block </a:t>
-            </a:r>
-          </a:p>
-          <a:p>
-            <a:pPr lvl="1"/>
-            <a:r>
-              <a:rPr lang="en-US" altLang="zh-CN" dirty="0"/>
-              <a:t>Step two: transactions (validated </a:t>
-            </a:r>
-            <a:r>
-              <a:rPr lang="en-US" altLang="zh-CN" dirty="0" err="1"/>
-              <a:t>parachain</a:t>
-            </a:r>
-            <a:r>
-              <a:rPr lang="en-US" altLang="zh-CN" dirty="0"/>
-              <a:t> block hash, transfer, staking, nomination or slashing for violation) are submitted to relay chain validators.</a:t>
-            </a:r>
-          </a:p>
-          <a:p>
-            <a:pPr lvl="1"/>
-            <a:r>
-              <a:rPr lang="en-US" altLang="zh-CN" dirty="0"/>
-              <a:t>Step three: relay chain validators examine the validity and store them in their transaction pool</a:t>
-            </a:r>
-          </a:p>
-          <a:p>
-            <a:pPr lvl="1"/>
-            <a:r>
-              <a:rPr lang="en-US" altLang="zh-CN" dirty="0"/>
-              <a:t>Step four: When the validator should produce a block, it will estimate the block which most likely represents the state which is going to be finalized by the finality protocol and set it as the current state of the relay chain.</a:t>
-            </a:r>
-          </a:p>
-          <a:p>
-            <a:pPr lvl="1"/>
-            <a:r>
-              <a:rPr lang="en-US" altLang="zh-CN" dirty="0"/>
-              <a:t>Step five: Validator select and executes transactions and updates the state.</a:t>
-            </a:r>
-          </a:p>
-          <a:p>
-            <a:pPr lvl="1"/>
-            <a:r>
-              <a:rPr lang="en-US" altLang="zh-CN" dirty="0"/>
-              <a:t>Step Six: Validator attaches a digest of the final stage of relay chain, then signs and publishes the built block.</a:t>
+              <a:t>, an executing ordered set of instructions</a:t>
             </a:r>
           </a:p>
           <a:p>
@@ -7957,6 +7942,598 @@
           </a:p>
         </p:txBody>
       </p:sp>
+      <p:pic>
+        <p:nvPicPr>
+          <p:cNvPr id="4" name="图片 3">
+            <a:extLst>
+              <a:ext uri="{FF2B5EF4-FFF2-40B4-BE49-F238E27FC236}">
+                <a16:creationId xmlns:a16="http://schemas.microsoft.com/office/drawing/2014/main" id="{AFBEB4A9-6A7A-48CE-B2FD-5FD9E7D41D22}"/>
+              </a:ext>
+            </a:extLst>
+          </p:cNvPr>
+          <p:cNvPicPr>
+            <a:picLocks noChangeAspect="1"/>
+          </p:cNvPicPr>
+          <p:nvPr/>
+        </p:nvPicPr>
+        <p:blipFill>
+          <a:blip r:embed="rId2"/>
+          <a:stretch>
+            <a:fillRect/>
+          </a:stretch>
+        </p:blipFill>
+        <p:spPr>
+          <a:xfrm>
+            <a:off x="1549400" y="2107024"/>
+            <a:ext cx="6334760" cy="4440057"/>
+          </a:xfrm>
+          <a:prstGeom prst="rect">
+            <a:avLst/>
+          </a:prstGeom>
+        </p:spPr>
+      </p:pic>
+      <p:sp>
+        <p:nvSpPr>
+          <p:cNvPr id="5" name="矩形 4">
+            <a:extLst>
+              <a:ext uri="{FF2B5EF4-FFF2-40B4-BE49-F238E27FC236}">
+                <a16:creationId xmlns:a16="http://schemas.microsoft.com/office/drawing/2014/main" id="{24F6A571-1999-43FE-B0BF-818338B9AAC1}"/>
+              </a:ext>
+            </a:extLst>
+          </p:cNvPr>
+          <p:cNvSpPr/>
+          <p:nvPr/>
+        </p:nvSpPr>
+        <p:spPr>
+          <a:xfrm>
+            <a:off x="1600200" y="2489200"/>
+            <a:ext cx="4577080" cy="1671320"/>
+          </a:xfrm>
+          <a:prstGeom prst="rect">
+            <a:avLst/>
+          </a:prstGeom>
+          <a:noFill/>
+          <a:ln>
+            <a:solidFill>
+              <a:schemeClr val="accent1"/>
+            </a:solidFill>
+          </a:ln>
+        </p:spPr>
+        <p:style>
+          <a:lnRef idx="2">
+            <a:schemeClr val="accent1">
+              <a:shade val="50000"/>
+            </a:schemeClr>
+          </a:lnRef>
+          <a:fillRef idx="1">
+            <a:schemeClr val="accent1"/>
+          </a:fillRef>
+          <a:effectRef idx="0">
+            <a:schemeClr val="accent1"/>
+          </a:effectRef>
+          <a:fontRef idx="minor">
+            <a:schemeClr val="lt1"/>
+          </a:fontRef>
+        </p:style>
+        <p:txBody>
+          <a:bodyPr rtlCol="0" anchor="ctr"/>
+          <a:lstStyle/>
+          <a:p>
+            <a:pPr algn="ctr"/>
+            <a:endParaRPr lang="zh-CN" altLang="en-US"/>
+          </a:p>
+        </p:txBody>
+      </p:sp>
+      <p:cxnSp>
+        <p:nvCxnSpPr>
+          <p:cNvPr id="9" name="直接箭头连接符 8">
+            <a:extLst>
+              <a:ext uri="{FF2B5EF4-FFF2-40B4-BE49-F238E27FC236}">
+                <a16:creationId xmlns:a16="http://schemas.microsoft.com/office/drawing/2014/main" id="{5352E759-A2BC-4B18-8B20-138E0288FA59}"/>
+              </a:ext>
+            </a:extLst>
+          </p:cNvPr>
+          <p:cNvCxnSpPr>
+            <a:cxnSpLocks/>
+            <a:stCxn id="5" idx="1"/>
+          </p:cNvCxnSpPr>
+          <p:nvPr/>
+        </p:nvCxnSpPr>
+        <p:spPr>
+          <a:xfrm flipH="1" flipV="1">
+            <a:off x="1143000" y="3141980"/>
+            <a:ext cx="457200" cy="182880"/>
+          </a:xfrm>
+          <a:prstGeom prst="straightConnector1">
+            <a:avLst/>
+          </a:prstGeom>
+          <a:ln w="12700">
+            <a:tailEnd type="triangle"/>
+          </a:ln>
+        </p:spPr>
+        <p:style>
+          <a:lnRef idx="1">
+            <a:schemeClr val="accent1"/>
+          </a:lnRef>
+          <a:fillRef idx="0">
+            <a:schemeClr val="accent1"/>
+          </a:fillRef>
+          <a:effectRef idx="0">
+            <a:schemeClr val="accent1"/>
+          </a:effectRef>
+          <a:fontRef idx="minor">
+            <a:schemeClr val="tx1"/>
+          </a:fontRef>
+        </p:style>
+      </p:cxnSp>
+      <p:sp>
+        <p:nvSpPr>
+          <p:cNvPr id="11" name="文本框 10">
+            <a:extLst>
+              <a:ext uri="{FF2B5EF4-FFF2-40B4-BE49-F238E27FC236}">
+                <a16:creationId xmlns:a16="http://schemas.microsoft.com/office/drawing/2014/main" id="{5BA36DF0-F244-4244-A480-0A2590783C80}"/>
+              </a:ext>
+            </a:extLst>
+          </p:cNvPr>
+          <p:cNvSpPr txBox="1"/>
+          <p:nvPr/>
+        </p:nvSpPr>
+        <p:spPr>
+          <a:xfrm>
+            <a:off x="0" y="2704040"/>
+            <a:ext cx="1452880" cy="369332"/>
+          </a:xfrm>
+          <a:prstGeom prst="rect">
+            <a:avLst/>
+          </a:prstGeom>
+          <a:noFill/>
+        </p:spPr>
+        <p:txBody>
+          <a:bodyPr wrap="square" rtlCol="0">
+            <a:spAutoFit/>
+          </a:bodyPr>
+          <a:lstStyle/>
+          <a:p>
+            <a:r>
+              <a:rPr lang="en-US" altLang="zh-CN" dirty="0"/>
+              <a:t>“</a:t>
+            </a:r>
+            <a:r>
+              <a:rPr lang="en-US" altLang="zh-CN" dirty="0" err="1"/>
+              <a:t>Inherents</a:t>
+            </a:r>
+            <a:r>
+              <a:rPr lang="en-US" altLang="zh-CN" dirty="0"/>
+              <a:t>”</a:t>
+            </a:r>
+            <a:endParaRPr lang="zh-CN" altLang="en-US" dirty="0"/>
+          </a:p>
+        </p:txBody>
+      </p:sp>
+      <p:sp>
+        <p:nvSpPr>
+          <p:cNvPr id="15" name="矩形 14">
+            <a:extLst>
+              <a:ext uri="{FF2B5EF4-FFF2-40B4-BE49-F238E27FC236}">
+                <a16:creationId xmlns:a16="http://schemas.microsoft.com/office/drawing/2014/main" id="{9D527624-D4C4-41EB-ACAC-11C762D8F29E}"/>
+              </a:ext>
+            </a:extLst>
+          </p:cNvPr>
+          <p:cNvSpPr/>
+          <p:nvPr/>
+        </p:nvSpPr>
+        <p:spPr>
+          <a:xfrm>
+            <a:off x="1600200" y="4272280"/>
+            <a:ext cx="6223000" cy="2199640"/>
+          </a:xfrm>
+          <a:prstGeom prst="rect">
+            <a:avLst/>
+          </a:prstGeom>
+          <a:noFill/>
+          <a:ln>
+            <a:solidFill>
+              <a:schemeClr val="accent1"/>
+            </a:solidFill>
+          </a:ln>
+        </p:spPr>
+        <p:style>
+          <a:lnRef idx="2">
+            <a:schemeClr val="accent1">
+              <a:shade val="50000"/>
+            </a:schemeClr>
+          </a:lnRef>
+          <a:fillRef idx="1">
+            <a:schemeClr val="accent1"/>
+          </a:fillRef>
+          <a:effectRef idx="0">
+            <a:schemeClr val="accent1"/>
+          </a:effectRef>
+          <a:fontRef idx="minor">
+            <a:schemeClr val="lt1"/>
+          </a:fontRef>
+        </p:style>
+        <p:txBody>
+          <a:bodyPr rtlCol="0" anchor="ctr"/>
+          <a:lstStyle/>
+          <a:p>
+            <a:pPr algn="ctr"/>
+            <a:endParaRPr lang="zh-CN" altLang="en-US"/>
+          </a:p>
+        </p:txBody>
+      </p:sp>
+      <p:cxnSp>
+        <p:nvCxnSpPr>
+          <p:cNvPr id="18" name="直接箭头连接符 17">
+            <a:extLst>
+              <a:ext uri="{FF2B5EF4-FFF2-40B4-BE49-F238E27FC236}">
+                <a16:creationId xmlns:a16="http://schemas.microsoft.com/office/drawing/2014/main" id="{F1AED48E-0F4F-44BA-A1E5-C5A44F4916A4}"/>
+              </a:ext>
+            </a:extLst>
+          </p:cNvPr>
+          <p:cNvCxnSpPr>
+            <a:stCxn id="15" idx="1"/>
+          </p:cNvCxnSpPr>
+          <p:nvPr/>
+        </p:nvCxnSpPr>
+        <p:spPr>
+          <a:xfrm flipH="1" flipV="1">
+            <a:off x="919480" y="5267960"/>
+            <a:ext cx="680720" cy="104140"/>
+          </a:xfrm>
+          <a:prstGeom prst="straightConnector1">
+            <a:avLst/>
+          </a:prstGeom>
+          <a:ln w="12700">
+            <a:tailEnd type="triangle"/>
+          </a:ln>
+        </p:spPr>
+        <p:style>
+          <a:lnRef idx="1">
+            <a:schemeClr val="accent1"/>
+          </a:lnRef>
+          <a:fillRef idx="0">
+            <a:schemeClr val="accent1"/>
+          </a:fillRef>
+          <a:effectRef idx="0">
+            <a:schemeClr val="accent1"/>
+          </a:effectRef>
+          <a:fontRef idx="minor">
+            <a:schemeClr val="tx1"/>
+          </a:fontRef>
+        </p:style>
+      </p:cxnSp>
+      <p:sp>
+        <p:nvSpPr>
+          <p:cNvPr id="19" name="文本框 18">
+            <a:extLst>
+              <a:ext uri="{FF2B5EF4-FFF2-40B4-BE49-F238E27FC236}">
+                <a16:creationId xmlns:a16="http://schemas.microsoft.com/office/drawing/2014/main" id="{CF8E7907-92E5-46F5-A6B7-D5121945C169}"/>
+              </a:ext>
+            </a:extLst>
+          </p:cNvPr>
+          <p:cNvSpPr txBox="1"/>
+          <p:nvPr/>
+        </p:nvSpPr>
+        <p:spPr>
+          <a:xfrm>
+            <a:off x="96520" y="4551345"/>
+            <a:ext cx="1452880" cy="646331"/>
+          </a:xfrm>
+          <a:prstGeom prst="rect">
+            <a:avLst/>
+          </a:prstGeom>
+          <a:noFill/>
+        </p:spPr>
+        <p:txBody>
+          <a:bodyPr wrap="square" rtlCol="0">
+            <a:spAutoFit/>
+          </a:bodyPr>
+          <a:lstStyle/>
+          <a:p>
+            <a:r>
+              <a:rPr lang="en-US" altLang="zh-CN" dirty="0"/>
+              <a:t>Signed transaction</a:t>
+            </a:r>
+            <a:endParaRPr lang="zh-CN" altLang="en-US" dirty="0"/>
+          </a:p>
+        </p:txBody>
+      </p:sp>
+      <p:sp>
+        <p:nvSpPr>
+          <p:cNvPr id="20" name="矩形 19">
+            <a:extLst>
+              <a:ext uri="{FF2B5EF4-FFF2-40B4-BE49-F238E27FC236}">
+                <a16:creationId xmlns:a16="http://schemas.microsoft.com/office/drawing/2014/main" id="{9DCB6E6E-59CF-480D-B366-E2B97235D783}"/>
+              </a:ext>
+            </a:extLst>
+          </p:cNvPr>
+          <p:cNvSpPr/>
+          <p:nvPr/>
+        </p:nvSpPr>
+        <p:spPr>
+          <a:xfrm>
+            <a:off x="4033520" y="2250440"/>
+            <a:ext cx="2479040" cy="3708400"/>
+          </a:xfrm>
+          <a:prstGeom prst="rect">
+            <a:avLst/>
+          </a:prstGeom>
+          <a:noFill/>
+          <a:ln>
+            <a:solidFill>
+              <a:schemeClr val="accent1"/>
+            </a:solidFill>
+          </a:ln>
+        </p:spPr>
+        <p:style>
+          <a:lnRef idx="2">
+            <a:schemeClr val="accent1">
+              <a:shade val="50000"/>
+            </a:schemeClr>
+          </a:lnRef>
+          <a:fillRef idx="1">
+            <a:schemeClr val="accent1"/>
+          </a:fillRef>
+          <a:effectRef idx="0">
+            <a:schemeClr val="accent1"/>
+          </a:effectRef>
+          <a:fontRef idx="minor">
+            <a:schemeClr val="lt1"/>
+          </a:fontRef>
+        </p:style>
+        <p:txBody>
+          <a:bodyPr rot="0" spcFirstLastPara="0" vertOverflow="overflow" horzOverflow="overflow" vert="horz" wrap="square" lIns="91440" tIns="45720" rIns="91440" bIns="45720" numCol="1" spcCol="0" rtlCol="0" fromWordArt="0" anchor="ctr" anchorCtr="0" forceAA="0" compatLnSpc="1">
+            <a:prstTxWarp prst="textNoShape">
+              <a:avLst/>
+            </a:prstTxWarp>
+            <a:noAutofit/>
+          </a:bodyPr>
+          <a:lstStyle/>
+          <a:p>
+            <a:pPr algn="ctr"/>
+            <a:endParaRPr lang="zh-CN" altLang="en-US"/>
+          </a:p>
+        </p:txBody>
+      </p:sp>
+      <p:cxnSp>
+        <p:nvCxnSpPr>
+          <p:cNvPr id="22" name="直接箭头连接符 21">
+            <a:extLst>
+              <a:ext uri="{FF2B5EF4-FFF2-40B4-BE49-F238E27FC236}">
+                <a16:creationId xmlns:a16="http://schemas.microsoft.com/office/drawing/2014/main" id="{B5E4A5EC-0404-450A-983C-78929E9220B6}"/>
+              </a:ext>
+            </a:extLst>
+          </p:cNvPr>
+          <p:cNvCxnSpPr/>
+          <p:nvPr/>
+        </p:nvCxnSpPr>
+        <p:spPr>
+          <a:xfrm flipV="1">
+            <a:off x="6512560" y="3570300"/>
+            <a:ext cx="1600200" cy="548011"/>
+          </a:xfrm>
+          <a:prstGeom prst="straightConnector1">
+            <a:avLst/>
+          </a:prstGeom>
+          <a:ln w="12700">
+            <a:tailEnd type="triangle"/>
+          </a:ln>
+        </p:spPr>
+        <p:style>
+          <a:lnRef idx="1">
+            <a:schemeClr val="accent1"/>
+          </a:lnRef>
+          <a:fillRef idx="0">
+            <a:schemeClr val="accent1"/>
+          </a:fillRef>
+          <a:effectRef idx="0">
+            <a:schemeClr val="accent1"/>
+          </a:effectRef>
+          <a:fontRef idx="minor">
+            <a:schemeClr val="tx1"/>
+          </a:fontRef>
+        </p:style>
+      </p:cxnSp>
+      <p:sp>
+        <p:nvSpPr>
+          <p:cNvPr id="23" name="文本框 22">
+            <a:extLst>
+              <a:ext uri="{FF2B5EF4-FFF2-40B4-BE49-F238E27FC236}">
+                <a16:creationId xmlns:a16="http://schemas.microsoft.com/office/drawing/2014/main" id="{51E1D524-DE41-4F13-B62A-D3FEA785C7EE}"/>
+              </a:ext>
+            </a:extLst>
+          </p:cNvPr>
+          <p:cNvSpPr txBox="1"/>
+          <p:nvPr/>
+        </p:nvSpPr>
+        <p:spPr>
+          <a:xfrm>
+            <a:off x="8219440" y="3429000"/>
+            <a:ext cx="803425" cy="369332"/>
+          </a:xfrm>
+          <a:prstGeom prst="rect">
+            <a:avLst/>
+          </a:prstGeom>
+          <a:noFill/>
+        </p:spPr>
+        <p:txBody>
+          <a:bodyPr wrap="none" rtlCol="0">
+            <a:spAutoFit/>
+          </a:bodyPr>
+          <a:lstStyle/>
+          <a:p>
+            <a:r>
+              <a:rPr lang="en-US" altLang="zh-CN" dirty="0"/>
+              <a:t>Events</a:t>
+            </a:r>
+            <a:endParaRPr lang="zh-CN" altLang="en-US" dirty="0"/>
+          </a:p>
+        </p:txBody>
+      </p:sp>
+    </p:spTree>
+    <p:extLst>
+      <p:ext uri="{BB962C8B-B14F-4D97-AF65-F5344CB8AC3E}">
+        <p14:creationId xmlns:p14="http://schemas.microsoft.com/office/powerpoint/2010/main" val="1167778820"/>
+      </p:ext>
+    </p:extLst>
+  </p:cSld>
+  <p:clrMapOvr>
+    <a:masterClrMapping/>
+  </p:clrMapOvr>
+</p:sld>
+</file>
+
+<file path=ppt/slides/slide14.xml><?xml version="1.0" encoding="utf-8"?>
+<p:sld xmlns:a="http://schemas.openxmlformats.org/drawingml/2006/main" xmlns:r="http://schemas.openxmlformats.org/officeDocument/2006/relationships" xmlns:p="http://schemas.openxmlformats.org/presentationml/2006/main">
+  <p:cSld>
+    <p:spTree>
+      <p:nvGrpSpPr>
+        <p:cNvPr id="1" name=""/>
+        <p:cNvGrpSpPr/>
+        <p:nvPr/>
+      </p:nvGrpSpPr>
+      <p:grpSpPr>
+        <a:xfrm>
+          <a:off x="0" y="0"/>
+          <a:ext cx="0" cy="0"/>
+          <a:chOff x="0" y="0"/>
+          <a:chExt cx="0" cy="0"/>
+        </a:xfrm>
+      </p:grpSpPr>
+      <p:sp>
+        <p:nvSpPr>
+          <p:cNvPr id="2" name="内容占位符 1">
+            <a:extLst>
+              <a:ext uri="{FF2B5EF4-FFF2-40B4-BE49-F238E27FC236}">
+                <a16:creationId xmlns:a16="http://schemas.microsoft.com/office/drawing/2014/main" id="{AF3ED768-F4AC-4570-9A14-87BFBBA452E6}"/>
+              </a:ext>
+            </a:extLst>
+          </p:cNvPr>
+          <p:cNvSpPr>
+            <a:spLocks noGrp="1"/>
+          </p:cNvSpPr>
+          <p:nvPr>
+            <p:ph sz="quarter" idx="10"/>
+          </p:nvPr>
+        </p:nvSpPr>
+        <p:spPr>
+          <a:xfrm>
+            <a:off x="494025" y="1685677"/>
+            <a:ext cx="8070855" cy="5015373"/>
+          </a:xfrm>
+        </p:spPr>
+        <p:txBody>
+          <a:bodyPr>
+            <a:normAutofit/>
+          </a:bodyPr>
+          <a:lstStyle/>
+          <a:p>
+            <a:r>
+              <a:rPr lang="en-US" altLang="zh-CN" dirty="0"/>
+              <a:t>the validator’s operations for building relay chain block</a:t>
+            </a:r>
+          </a:p>
+          <a:p>
+            <a:pPr lvl="1"/>
+            <a:r>
+              <a:rPr lang="en-US" altLang="zh-CN" dirty="0"/>
+              <a:t>Step one: each relay chain Validators privately knows the time when they should produce a block </a:t>
+            </a:r>
+          </a:p>
+          <a:p>
+            <a:pPr lvl="1"/>
+            <a:r>
+              <a:rPr lang="en-US" altLang="zh-CN" dirty="0"/>
+              <a:t>Step two: transactions (validated </a:t>
+            </a:r>
+            <a:r>
+              <a:rPr lang="en-US" altLang="zh-CN" dirty="0" err="1"/>
+              <a:t>parachain</a:t>
+            </a:r>
+            <a:r>
+              <a:rPr lang="en-US" altLang="zh-CN" dirty="0"/>
+              <a:t> block hash, transfer, staking, nomination or slashing for violation) are submitted to relay chain validators.</a:t>
+            </a:r>
+          </a:p>
+          <a:p>
+            <a:pPr lvl="1"/>
+            <a:r>
+              <a:rPr lang="en-US" altLang="zh-CN" dirty="0"/>
+              <a:t>Step three: relay chain validators examine the validity and store them in their transaction pool</a:t>
+            </a:r>
+          </a:p>
+          <a:p>
+            <a:pPr lvl="1"/>
+            <a:r>
+              <a:rPr lang="en-US" altLang="zh-CN" dirty="0"/>
+              <a:t>Step four: When the validator should produce a block, it will estimate the block which most likely represents the state which is going to be finalized by the finality protocol and set it as the current state of the relay chain.</a:t>
+            </a:r>
+          </a:p>
+          <a:p>
+            <a:pPr lvl="1"/>
+            <a:r>
+              <a:rPr lang="en-US" altLang="zh-CN" dirty="0"/>
+              <a:t>Step five: Validator select and executes transactions and updates the state.</a:t>
+            </a:r>
+          </a:p>
+          <a:p>
+            <a:pPr lvl="1"/>
+            <a:r>
+              <a:rPr lang="en-US" altLang="zh-CN" dirty="0"/>
+              <a:t>Step Six: Validator attaches a digest of the final stage of relay chain, then signs and publishes the built block.</a:t>
+            </a:r>
+          </a:p>
+          <a:p>
+            <a:endParaRPr lang="en-US" altLang="zh-CN" dirty="0"/>
+          </a:p>
+          <a:p>
+            <a:pPr lvl="1"/>
+            <a:endParaRPr lang="en-US" altLang="zh-CN" dirty="0"/>
+          </a:p>
+          <a:p>
+            <a:pPr lvl="1"/>
+            <a:endParaRPr lang="en-US" altLang="zh-CN" dirty="0"/>
+          </a:p>
+          <a:p>
+            <a:pPr lvl="1"/>
+            <a:endParaRPr lang="en-US" altLang="zh-CN" dirty="0"/>
+          </a:p>
+          <a:p>
+            <a:pPr lvl="1"/>
+            <a:endParaRPr lang="en-US" altLang="zh-CN" dirty="0"/>
+          </a:p>
+        </p:txBody>
+      </p:sp>
+      <p:sp>
+        <p:nvSpPr>
+          <p:cNvPr id="3" name="标题 2">
+            <a:extLst>
+              <a:ext uri="{FF2B5EF4-FFF2-40B4-BE49-F238E27FC236}">
+                <a16:creationId xmlns:a16="http://schemas.microsoft.com/office/drawing/2014/main" id="{CDC1A08A-FFC4-4FE8-B7F5-70FBB0F936C3}"/>
+              </a:ext>
+            </a:extLst>
+          </p:cNvPr>
+          <p:cNvSpPr>
+            <a:spLocks noGrp="1"/>
+          </p:cNvSpPr>
+          <p:nvPr>
+            <p:ph type="title"/>
+          </p:nvPr>
+        </p:nvSpPr>
+        <p:spPr/>
+        <p:txBody>
+          <a:bodyPr/>
+          <a:lstStyle/>
+          <a:p>
+            <a:r>
+              <a:rPr lang="en-US" altLang="zh-CN" dirty="0"/>
+              <a:t>Relay Chain protocol: A state machine</a:t>
+            </a:r>
+            <a:endParaRPr lang="zh-CN" altLang="en-US" dirty="0"/>
+          </a:p>
+        </p:txBody>
+      </p:sp>
     </p:spTree>
     <p:extLst>
       <p:ext uri="{BB962C8B-B14F-4D97-AF65-F5344CB8AC3E}">
@@ -7970,7 +8547,7 @@
 </p:sld>
 </file>
 
-<file path=ppt/slides/slide14.xml><?xml version="1.0" encoding="utf-8"?>
+<file path=ppt/slides/slide15.xml><?xml version="1.0" encoding="utf-8"?>
 <p:sld xmlns:a="http://schemas.openxmlformats.org/drawingml/2006/main" xmlns:r="http://schemas.openxmlformats.org/officeDocument/2006/relationships" xmlns:p="http://schemas.openxmlformats.org/presentationml/2006/main">
   <p:cSld>
     <p:spTree>
@@ -9315,7 +9892,7 @@
 </p:sld>
 </file>
 
-<file path=ppt/slides/slide15.xml><?xml version="1.0" encoding="utf-8"?>
+<file path=ppt/slides/slide16.xml><?xml version="1.0" encoding="utf-8"?>
 <p:sld xmlns:a="http://schemas.openxmlformats.org/drawingml/2006/main" xmlns:r="http://schemas.openxmlformats.org/officeDocument/2006/relationships" xmlns:p="http://schemas.openxmlformats.org/presentationml/2006/main">
   <p:cSld>
     <p:spTree>
@@ -9561,7 +10138,7 @@
 </p:sld>
 </file>
 
-<file path=ppt/slides/slide16.xml><?xml version="1.0" encoding="utf-8"?>
+<file path=ppt/slides/slide17.xml><?xml version="1.0" encoding="utf-8"?>
 <p:sld xmlns:a="http://schemas.openxmlformats.org/drawingml/2006/main" xmlns:r="http://schemas.openxmlformats.org/officeDocument/2006/relationships" xmlns:p="http://schemas.openxmlformats.org/presentationml/2006/main">
   <p:cSld>
     <p:spTree>
@@ -10004,7 +10581,7 @@
 </p:sld>
 </file>
 
-<file path=ppt/slides/slide17.xml><?xml version="1.0" encoding="utf-8"?>
+<file path=ppt/slides/slide18.xml><?xml version="1.0" encoding="utf-8"?>
 <p:sld xmlns:a="http://schemas.openxmlformats.org/drawingml/2006/main" xmlns:r="http://schemas.openxmlformats.org/officeDocument/2006/relationships" xmlns:p="http://schemas.openxmlformats.org/presentationml/2006/main">
   <p:cSld>
     <p:spTree>
@@ -10566,7 +11143,7 @@
 </p:sld>
 </file>
 
-<file path=ppt/slides/slide18.xml><?xml version="1.0" encoding="utf-8"?>
+<file path=ppt/slides/slide19.xml><?xml version="1.0" encoding="utf-8"?>
 <p:sld xmlns:a="http://schemas.openxmlformats.org/drawingml/2006/main" xmlns:r="http://schemas.openxmlformats.org/officeDocument/2006/relationships" xmlns:p="http://schemas.openxmlformats.org/presentationml/2006/main">
   <p:cSld>
     <p:spTree>
@@ -10690,1346 +11267,6 @@
     <p:extLst>
       <p:ext uri="{BB962C8B-B14F-4D97-AF65-F5344CB8AC3E}">
         <p14:creationId xmlns:p14="http://schemas.microsoft.com/office/powerpoint/2010/main" val="433964219"/>
-      </p:ext>
-    </p:extLst>
-  </p:cSld>
-  <p:clrMapOvr>
-    <a:masterClrMapping/>
-  </p:clrMapOvr>
-</p:sld>
-</file>
-
-<file path=ppt/slides/slide19.xml><?xml version="1.0" encoding="utf-8"?>
-<p:sld xmlns:a="http://schemas.openxmlformats.org/drawingml/2006/main" xmlns:r="http://schemas.openxmlformats.org/officeDocument/2006/relationships" xmlns:p="http://schemas.openxmlformats.org/presentationml/2006/main">
-  <p:cSld>
-    <p:spTree>
-      <p:nvGrpSpPr>
-        <p:cNvPr id="1" name=""/>
-        <p:cNvGrpSpPr/>
-        <p:nvPr/>
-      </p:nvGrpSpPr>
-      <p:grpSpPr>
-        <a:xfrm>
-          <a:off x="0" y="0"/>
-          <a:ext cx="0" cy="0"/>
-          <a:chOff x="0" y="0"/>
-          <a:chExt cx="0" cy="0"/>
-        </a:xfrm>
-      </p:grpSpPr>
-      <p:sp>
-        <p:nvSpPr>
-          <p:cNvPr id="2" name="标题 1"/>
-          <p:cNvSpPr>
-            <a:spLocks noGrp="1"/>
-          </p:cNvSpPr>
-          <p:nvPr>
-            <p:ph type="title"/>
-          </p:nvPr>
-        </p:nvSpPr>
-        <p:spPr/>
-        <p:txBody>
-          <a:bodyPr>
-            <a:normAutofit fontScale="90000"/>
-          </a:bodyPr>
-          <a:lstStyle/>
-          <a:p>
-            <a:r>
-              <a:rPr lang="en-US" altLang="zh-CN" dirty="0">
-                <a:latin typeface="微软雅黑" panose="020B0503020204020204" pitchFamily="34" charset="-122"/>
-                <a:ea typeface="微软雅黑" panose="020B0503020204020204" pitchFamily="34" charset="-122"/>
-              </a:rPr>
-              <a:t>Contents</a:t>
-            </a:r>
-            <a:endParaRPr lang="zh-CN" altLang="en-US" dirty="0">
-              <a:latin typeface="微软雅黑" panose="020B0503020204020204" pitchFamily="34" charset="-122"/>
-              <a:ea typeface="微软雅黑" panose="020B0503020204020204" pitchFamily="34" charset="-122"/>
-            </a:endParaRPr>
-          </a:p>
-        </p:txBody>
-      </p:sp>
-      <p:sp>
-        <p:nvSpPr>
-          <p:cNvPr id="4" name="Freeform 10"/>
-          <p:cNvSpPr>
-            <a:spLocks noChangeAspect="1"/>
-          </p:cNvSpPr>
-          <p:nvPr userDrawn="1"/>
-        </p:nvSpPr>
-        <p:spPr bwMode="auto">
-          <a:xfrm>
-            <a:off x="1841535" y="1367357"/>
-            <a:ext cx="843427" cy="343858"/>
-          </a:xfrm>
-          <a:custGeom>
-            <a:avLst/>
-            <a:gdLst>
-              <a:gd name="T0" fmla="*/ 3120 w 3800"/>
-              <a:gd name="T1" fmla="*/ 0 h 1532"/>
-              <a:gd name="T2" fmla="*/ 682 w 3800"/>
-              <a:gd name="T3" fmla="*/ 0 h 1532"/>
-              <a:gd name="T4" fmla="*/ 682 w 3800"/>
-              <a:gd name="T5" fmla="*/ 284 h 1532"/>
-              <a:gd name="T6" fmla="*/ 0 w 3800"/>
-              <a:gd name="T7" fmla="*/ 766 h 1532"/>
-              <a:gd name="T8" fmla="*/ 682 w 3800"/>
-              <a:gd name="T9" fmla="*/ 1248 h 1532"/>
-              <a:gd name="T10" fmla="*/ 682 w 3800"/>
-              <a:gd name="T11" fmla="*/ 1532 h 1532"/>
-              <a:gd name="T12" fmla="*/ 3120 w 3800"/>
-              <a:gd name="T13" fmla="*/ 1532 h 1532"/>
-              <a:gd name="T14" fmla="*/ 3120 w 3800"/>
-              <a:gd name="T15" fmla="*/ 1248 h 1532"/>
-              <a:gd name="T16" fmla="*/ 3800 w 3800"/>
-              <a:gd name="T17" fmla="*/ 766 h 1532"/>
-              <a:gd name="T18" fmla="*/ 3120 w 3800"/>
-              <a:gd name="T19" fmla="*/ 284 h 1532"/>
-              <a:gd name="T20" fmla="*/ 3120 w 3800"/>
-              <a:gd name="T21" fmla="*/ 0 h 1532"/>
-            </a:gdLst>
-            <a:ahLst/>
-            <a:cxnLst>
-              <a:cxn ang="0">
-                <a:pos x="T0" y="T1"/>
-              </a:cxn>
-              <a:cxn ang="0">
-                <a:pos x="T2" y="T3"/>
-              </a:cxn>
-              <a:cxn ang="0">
-                <a:pos x="T4" y="T5"/>
-              </a:cxn>
-              <a:cxn ang="0">
-                <a:pos x="T6" y="T7"/>
-              </a:cxn>
-              <a:cxn ang="0">
-                <a:pos x="T8" y="T9"/>
-              </a:cxn>
-              <a:cxn ang="0">
-                <a:pos x="T10" y="T11"/>
-              </a:cxn>
-              <a:cxn ang="0">
-                <a:pos x="T12" y="T13"/>
-              </a:cxn>
-              <a:cxn ang="0">
-                <a:pos x="T14" y="T15"/>
-              </a:cxn>
-              <a:cxn ang="0">
-                <a:pos x="T16" y="T17"/>
-              </a:cxn>
-              <a:cxn ang="0">
-                <a:pos x="T18" y="T19"/>
-              </a:cxn>
-              <a:cxn ang="0">
-                <a:pos x="T20" y="T21"/>
-              </a:cxn>
-            </a:cxnLst>
-            <a:rect l="0" t="0" r="r" b="b"/>
-            <a:pathLst>
-              <a:path w="3800" h="1532">
-                <a:moveTo>
-                  <a:pt x="3120" y="0"/>
-                </a:moveTo>
-                <a:lnTo>
-                  <a:pt x="682" y="0"/>
-                </a:lnTo>
-                <a:lnTo>
-                  <a:pt x="682" y="284"/>
-                </a:lnTo>
-                <a:lnTo>
-                  <a:pt x="0" y="766"/>
-                </a:lnTo>
-                <a:lnTo>
-                  <a:pt x="682" y="1248"/>
-                </a:lnTo>
-                <a:lnTo>
-                  <a:pt x="682" y="1532"/>
-                </a:lnTo>
-                <a:lnTo>
-                  <a:pt x="3120" y="1532"/>
-                </a:lnTo>
-                <a:lnTo>
-                  <a:pt x="3120" y="1248"/>
-                </a:lnTo>
-                <a:lnTo>
-                  <a:pt x="3800" y="766"/>
-                </a:lnTo>
-                <a:lnTo>
-                  <a:pt x="3120" y="284"/>
-                </a:lnTo>
-                <a:lnTo>
-                  <a:pt x="3120" y="0"/>
-                </a:lnTo>
-                <a:close/>
-              </a:path>
-            </a:pathLst>
-          </a:custGeom>
-          <a:solidFill>
-            <a:schemeClr val="bg2"/>
-          </a:solidFill>
-          <a:ln>
-            <a:noFill/>
-          </a:ln>
-        </p:spPr>
-        <p:txBody>
-          <a:bodyPr vert="horz" wrap="square" lIns="91440" tIns="45720" rIns="91440" bIns="45720" numCol="1" anchor="ctr" anchorCtr="0" compatLnSpc="1">
-            <a:prstTxWarp prst="textNoShape">
-              <a:avLst/>
-            </a:prstTxWarp>
-            <a:noAutofit/>
-          </a:bodyPr>
-          <a:lstStyle/>
-          <a:p>
-            <a:pPr algn="ctr"/>
-            <a:endParaRPr lang="zh-CN" altLang="en-US" sz="3200" b="1"/>
-          </a:p>
-        </p:txBody>
-      </p:sp>
-      <p:sp>
-        <p:nvSpPr>
-          <p:cNvPr id="5" name="文本框 4"/>
-          <p:cNvSpPr txBox="1">
-            <a:spLocks/>
-          </p:cNvSpPr>
-          <p:nvPr userDrawn="1"/>
-        </p:nvSpPr>
-        <p:spPr>
-          <a:xfrm>
-            <a:off x="2071646" y="1303550"/>
-            <a:ext cx="383206" cy="443226"/>
-          </a:xfrm>
-          <a:prstGeom prst="rect">
-            <a:avLst/>
-          </a:prstGeom>
-          <a:noFill/>
-        </p:spPr>
-        <p:txBody>
-          <a:bodyPr wrap="none" rtlCol="0" anchor="ctr">
-            <a:noAutofit/>
-          </a:bodyPr>
-          <a:lstStyle/>
-          <a:p>
-            <a:pPr algn="ctr"/>
-            <a:r>
-              <a:rPr lang="en-US" altLang="zh-CN" b="1" dirty="0">
-                <a:solidFill>
-                  <a:schemeClr val="bg1"/>
-                </a:solidFill>
-                <a:latin typeface="微软雅黑" panose="020B0503020204020204" pitchFamily="34" charset="-122"/>
-                <a:ea typeface="微软雅黑" panose="020B0503020204020204" pitchFamily="34" charset="-122"/>
-              </a:rPr>
-              <a:t>1</a:t>
-            </a:r>
-            <a:endParaRPr lang="zh-CN" altLang="en-US" b="1" dirty="0">
-              <a:solidFill>
-                <a:schemeClr val="bg1"/>
-              </a:solidFill>
-              <a:latin typeface="微软雅黑" panose="020B0503020204020204" pitchFamily="34" charset="-122"/>
-              <a:ea typeface="微软雅黑" panose="020B0503020204020204" pitchFamily="34" charset="-122"/>
-            </a:endParaRPr>
-          </a:p>
-        </p:txBody>
-      </p:sp>
-      <p:cxnSp>
-        <p:nvCxnSpPr>
-          <p:cNvPr id="7" name="直接连接符 6"/>
-          <p:cNvCxnSpPr>
-            <a:stCxn id="4" idx="6"/>
-          </p:cNvCxnSpPr>
-          <p:nvPr/>
-        </p:nvCxnSpPr>
-        <p:spPr>
-          <a:xfrm>
-            <a:off x="2534033" y="1711215"/>
-            <a:ext cx="4500000" cy="0"/>
-          </a:xfrm>
-          <a:prstGeom prst="line">
-            <a:avLst/>
-          </a:prstGeom>
-          <a:ln>
-            <a:solidFill>
-              <a:schemeClr val="bg2"/>
-            </a:solidFill>
-          </a:ln>
-        </p:spPr>
-        <p:style>
-          <a:lnRef idx="1">
-            <a:schemeClr val="accent1"/>
-          </a:lnRef>
-          <a:fillRef idx="0">
-            <a:schemeClr val="accent1"/>
-          </a:fillRef>
-          <a:effectRef idx="0">
-            <a:schemeClr val="accent1"/>
-          </a:effectRef>
-          <a:fontRef idx="minor">
-            <a:schemeClr val="tx1"/>
-          </a:fontRef>
-        </p:style>
-      </p:cxnSp>
-      <p:sp>
-        <p:nvSpPr>
-          <p:cNvPr id="13" name="Freeform 10"/>
-          <p:cNvSpPr>
-            <a:spLocks noChangeAspect="1"/>
-          </p:cNvSpPr>
-          <p:nvPr userDrawn="1"/>
-        </p:nvSpPr>
-        <p:spPr bwMode="auto">
-          <a:xfrm>
-            <a:off x="1841535" y="2287330"/>
-            <a:ext cx="843427" cy="343858"/>
-          </a:xfrm>
-          <a:custGeom>
-            <a:avLst/>
-            <a:gdLst>
-              <a:gd name="T0" fmla="*/ 3120 w 3800"/>
-              <a:gd name="T1" fmla="*/ 0 h 1532"/>
-              <a:gd name="T2" fmla="*/ 682 w 3800"/>
-              <a:gd name="T3" fmla="*/ 0 h 1532"/>
-              <a:gd name="T4" fmla="*/ 682 w 3800"/>
-              <a:gd name="T5" fmla="*/ 284 h 1532"/>
-              <a:gd name="T6" fmla="*/ 0 w 3800"/>
-              <a:gd name="T7" fmla="*/ 766 h 1532"/>
-              <a:gd name="T8" fmla="*/ 682 w 3800"/>
-              <a:gd name="T9" fmla="*/ 1248 h 1532"/>
-              <a:gd name="T10" fmla="*/ 682 w 3800"/>
-              <a:gd name="T11" fmla="*/ 1532 h 1532"/>
-              <a:gd name="T12" fmla="*/ 3120 w 3800"/>
-              <a:gd name="T13" fmla="*/ 1532 h 1532"/>
-              <a:gd name="T14" fmla="*/ 3120 w 3800"/>
-              <a:gd name="T15" fmla="*/ 1248 h 1532"/>
-              <a:gd name="T16" fmla="*/ 3800 w 3800"/>
-              <a:gd name="T17" fmla="*/ 766 h 1532"/>
-              <a:gd name="T18" fmla="*/ 3120 w 3800"/>
-              <a:gd name="T19" fmla="*/ 284 h 1532"/>
-              <a:gd name="T20" fmla="*/ 3120 w 3800"/>
-              <a:gd name="T21" fmla="*/ 0 h 1532"/>
-            </a:gdLst>
-            <a:ahLst/>
-            <a:cxnLst>
-              <a:cxn ang="0">
-                <a:pos x="T0" y="T1"/>
-              </a:cxn>
-              <a:cxn ang="0">
-                <a:pos x="T2" y="T3"/>
-              </a:cxn>
-              <a:cxn ang="0">
-                <a:pos x="T4" y="T5"/>
-              </a:cxn>
-              <a:cxn ang="0">
-                <a:pos x="T6" y="T7"/>
-              </a:cxn>
-              <a:cxn ang="0">
-                <a:pos x="T8" y="T9"/>
-              </a:cxn>
-              <a:cxn ang="0">
-                <a:pos x="T10" y="T11"/>
-              </a:cxn>
-              <a:cxn ang="0">
-                <a:pos x="T12" y="T13"/>
-              </a:cxn>
-              <a:cxn ang="0">
-                <a:pos x="T14" y="T15"/>
-              </a:cxn>
-              <a:cxn ang="0">
-                <a:pos x="T16" y="T17"/>
-              </a:cxn>
-              <a:cxn ang="0">
-                <a:pos x="T18" y="T19"/>
-              </a:cxn>
-              <a:cxn ang="0">
-                <a:pos x="T20" y="T21"/>
-              </a:cxn>
-            </a:cxnLst>
-            <a:rect l="0" t="0" r="r" b="b"/>
-            <a:pathLst>
-              <a:path w="3800" h="1532">
-                <a:moveTo>
-                  <a:pt x="3120" y="0"/>
-                </a:moveTo>
-                <a:lnTo>
-                  <a:pt x="682" y="0"/>
-                </a:lnTo>
-                <a:lnTo>
-                  <a:pt x="682" y="284"/>
-                </a:lnTo>
-                <a:lnTo>
-                  <a:pt x="0" y="766"/>
-                </a:lnTo>
-                <a:lnTo>
-                  <a:pt x="682" y="1248"/>
-                </a:lnTo>
-                <a:lnTo>
-                  <a:pt x="682" y="1532"/>
-                </a:lnTo>
-                <a:lnTo>
-                  <a:pt x="3120" y="1532"/>
-                </a:lnTo>
-                <a:lnTo>
-                  <a:pt x="3120" y="1248"/>
-                </a:lnTo>
-                <a:lnTo>
-                  <a:pt x="3800" y="766"/>
-                </a:lnTo>
-                <a:lnTo>
-                  <a:pt x="3120" y="284"/>
-                </a:lnTo>
-                <a:lnTo>
-                  <a:pt x="3120" y="0"/>
-                </a:lnTo>
-                <a:close/>
-              </a:path>
-            </a:pathLst>
-          </a:custGeom>
-          <a:solidFill>
-            <a:schemeClr val="bg2"/>
-          </a:solidFill>
-          <a:ln>
-            <a:noFill/>
-          </a:ln>
-        </p:spPr>
-        <p:txBody>
-          <a:bodyPr vert="horz" wrap="square" lIns="91440" tIns="45720" rIns="91440" bIns="45720" numCol="1" anchor="ctr" anchorCtr="0" compatLnSpc="1">
-            <a:prstTxWarp prst="textNoShape">
-              <a:avLst/>
-            </a:prstTxWarp>
-            <a:noAutofit/>
-          </a:bodyPr>
-          <a:lstStyle/>
-          <a:p>
-            <a:pPr algn="ctr"/>
-            <a:endParaRPr lang="zh-CN" altLang="en-US" sz="3200" b="1"/>
-          </a:p>
-        </p:txBody>
-      </p:sp>
-      <p:sp>
-        <p:nvSpPr>
-          <p:cNvPr id="14" name="文本框 13"/>
-          <p:cNvSpPr txBox="1"/>
-          <p:nvPr userDrawn="1"/>
-        </p:nvSpPr>
-        <p:spPr>
-          <a:xfrm>
-            <a:off x="2071646" y="2223523"/>
-            <a:ext cx="383206" cy="443226"/>
-          </a:xfrm>
-          <a:prstGeom prst="rect">
-            <a:avLst/>
-          </a:prstGeom>
-          <a:noFill/>
-        </p:spPr>
-        <p:txBody>
-          <a:bodyPr wrap="none" rtlCol="0" anchor="ctr">
-            <a:noAutofit/>
-          </a:bodyPr>
-          <a:lstStyle/>
-          <a:p>
-            <a:pPr algn="ctr"/>
-            <a:r>
-              <a:rPr lang="en-US" altLang="zh-CN" b="1" dirty="0">
-                <a:solidFill>
-                  <a:schemeClr val="bg1"/>
-                </a:solidFill>
-                <a:latin typeface="微软雅黑" panose="020B0503020204020204" pitchFamily="34" charset="-122"/>
-                <a:ea typeface="微软雅黑" panose="020B0503020204020204" pitchFamily="34" charset="-122"/>
-              </a:rPr>
-              <a:t>2</a:t>
-            </a:r>
-            <a:endParaRPr lang="zh-CN" altLang="en-US" b="1" dirty="0">
-              <a:solidFill>
-                <a:schemeClr val="bg1"/>
-              </a:solidFill>
-              <a:latin typeface="微软雅黑" panose="020B0503020204020204" pitchFamily="34" charset="-122"/>
-              <a:ea typeface="微软雅黑" panose="020B0503020204020204" pitchFamily="34" charset="-122"/>
-            </a:endParaRPr>
-          </a:p>
-        </p:txBody>
-      </p:sp>
-      <p:cxnSp>
-        <p:nvCxnSpPr>
-          <p:cNvPr id="15" name="直接连接符 14"/>
-          <p:cNvCxnSpPr>
-            <a:stCxn id="13" idx="6"/>
-          </p:cNvCxnSpPr>
-          <p:nvPr/>
-        </p:nvCxnSpPr>
-        <p:spPr>
-          <a:xfrm>
-            <a:off x="2534033" y="2631188"/>
-            <a:ext cx="4500000" cy="0"/>
-          </a:xfrm>
-          <a:prstGeom prst="line">
-            <a:avLst/>
-          </a:prstGeom>
-          <a:ln>
-            <a:solidFill>
-              <a:schemeClr val="bg2"/>
-            </a:solidFill>
-          </a:ln>
-        </p:spPr>
-        <p:style>
-          <a:lnRef idx="1">
-            <a:schemeClr val="accent1"/>
-          </a:lnRef>
-          <a:fillRef idx="0">
-            <a:schemeClr val="accent1"/>
-          </a:fillRef>
-          <a:effectRef idx="0">
-            <a:schemeClr val="accent1"/>
-          </a:effectRef>
-          <a:fontRef idx="minor">
-            <a:schemeClr val="tx1"/>
-          </a:fontRef>
-        </p:style>
-      </p:cxnSp>
-      <p:sp>
-        <p:nvSpPr>
-          <p:cNvPr id="18" name="Freeform 10"/>
-          <p:cNvSpPr>
-            <a:spLocks noChangeAspect="1"/>
-          </p:cNvSpPr>
-          <p:nvPr userDrawn="1"/>
-        </p:nvSpPr>
-        <p:spPr bwMode="auto">
-          <a:xfrm>
-            <a:off x="1841535" y="3207303"/>
-            <a:ext cx="843427" cy="343858"/>
-          </a:xfrm>
-          <a:custGeom>
-            <a:avLst/>
-            <a:gdLst>
-              <a:gd name="T0" fmla="*/ 3120 w 3800"/>
-              <a:gd name="T1" fmla="*/ 0 h 1532"/>
-              <a:gd name="T2" fmla="*/ 682 w 3800"/>
-              <a:gd name="T3" fmla="*/ 0 h 1532"/>
-              <a:gd name="T4" fmla="*/ 682 w 3800"/>
-              <a:gd name="T5" fmla="*/ 284 h 1532"/>
-              <a:gd name="T6" fmla="*/ 0 w 3800"/>
-              <a:gd name="T7" fmla="*/ 766 h 1532"/>
-              <a:gd name="T8" fmla="*/ 682 w 3800"/>
-              <a:gd name="T9" fmla="*/ 1248 h 1532"/>
-              <a:gd name="T10" fmla="*/ 682 w 3800"/>
-              <a:gd name="T11" fmla="*/ 1532 h 1532"/>
-              <a:gd name="T12" fmla="*/ 3120 w 3800"/>
-              <a:gd name="T13" fmla="*/ 1532 h 1532"/>
-              <a:gd name="T14" fmla="*/ 3120 w 3800"/>
-              <a:gd name="T15" fmla="*/ 1248 h 1532"/>
-              <a:gd name="T16" fmla="*/ 3800 w 3800"/>
-              <a:gd name="T17" fmla="*/ 766 h 1532"/>
-              <a:gd name="T18" fmla="*/ 3120 w 3800"/>
-              <a:gd name="T19" fmla="*/ 284 h 1532"/>
-              <a:gd name="T20" fmla="*/ 3120 w 3800"/>
-              <a:gd name="T21" fmla="*/ 0 h 1532"/>
-            </a:gdLst>
-            <a:ahLst/>
-            <a:cxnLst>
-              <a:cxn ang="0">
-                <a:pos x="T0" y="T1"/>
-              </a:cxn>
-              <a:cxn ang="0">
-                <a:pos x="T2" y="T3"/>
-              </a:cxn>
-              <a:cxn ang="0">
-                <a:pos x="T4" y="T5"/>
-              </a:cxn>
-              <a:cxn ang="0">
-                <a:pos x="T6" y="T7"/>
-              </a:cxn>
-              <a:cxn ang="0">
-                <a:pos x="T8" y="T9"/>
-              </a:cxn>
-              <a:cxn ang="0">
-                <a:pos x="T10" y="T11"/>
-              </a:cxn>
-              <a:cxn ang="0">
-                <a:pos x="T12" y="T13"/>
-              </a:cxn>
-              <a:cxn ang="0">
-                <a:pos x="T14" y="T15"/>
-              </a:cxn>
-              <a:cxn ang="0">
-                <a:pos x="T16" y="T17"/>
-              </a:cxn>
-              <a:cxn ang="0">
-                <a:pos x="T18" y="T19"/>
-              </a:cxn>
-              <a:cxn ang="0">
-                <a:pos x="T20" y="T21"/>
-              </a:cxn>
-            </a:cxnLst>
-            <a:rect l="0" t="0" r="r" b="b"/>
-            <a:pathLst>
-              <a:path w="3800" h="1532">
-                <a:moveTo>
-                  <a:pt x="3120" y="0"/>
-                </a:moveTo>
-                <a:lnTo>
-                  <a:pt x="682" y="0"/>
-                </a:lnTo>
-                <a:lnTo>
-                  <a:pt x="682" y="284"/>
-                </a:lnTo>
-                <a:lnTo>
-                  <a:pt x="0" y="766"/>
-                </a:lnTo>
-                <a:lnTo>
-                  <a:pt x="682" y="1248"/>
-                </a:lnTo>
-                <a:lnTo>
-                  <a:pt x="682" y="1532"/>
-                </a:lnTo>
-                <a:lnTo>
-                  <a:pt x="3120" y="1532"/>
-                </a:lnTo>
-                <a:lnTo>
-                  <a:pt x="3120" y="1248"/>
-                </a:lnTo>
-                <a:lnTo>
-                  <a:pt x="3800" y="766"/>
-                </a:lnTo>
-                <a:lnTo>
-                  <a:pt x="3120" y="284"/>
-                </a:lnTo>
-                <a:lnTo>
-                  <a:pt x="3120" y="0"/>
-                </a:lnTo>
-                <a:close/>
-              </a:path>
-            </a:pathLst>
-          </a:custGeom>
-          <a:solidFill>
-            <a:schemeClr val="bg2"/>
-          </a:solidFill>
-          <a:ln>
-            <a:noFill/>
-          </a:ln>
-        </p:spPr>
-        <p:txBody>
-          <a:bodyPr vert="horz" wrap="square" lIns="91440" tIns="45720" rIns="91440" bIns="45720" numCol="1" anchor="ctr" anchorCtr="0" compatLnSpc="1">
-            <a:prstTxWarp prst="textNoShape">
-              <a:avLst/>
-            </a:prstTxWarp>
-            <a:noAutofit/>
-          </a:bodyPr>
-          <a:lstStyle/>
-          <a:p>
-            <a:pPr algn="ctr"/>
-            <a:endParaRPr lang="zh-CN" altLang="en-US" sz="3200" b="1"/>
-          </a:p>
-        </p:txBody>
-      </p:sp>
-      <p:sp>
-        <p:nvSpPr>
-          <p:cNvPr id="19" name="文本框 18"/>
-          <p:cNvSpPr txBox="1"/>
-          <p:nvPr userDrawn="1"/>
-        </p:nvSpPr>
-        <p:spPr>
-          <a:xfrm>
-            <a:off x="2071646" y="3143496"/>
-            <a:ext cx="383206" cy="443226"/>
-          </a:xfrm>
-          <a:prstGeom prst="rect">
-            <a:avLst/>
-          </a:prstGeom>
-          <a:noFill/>
-        </p:spPr>
-        <p:txBody>
-          <a:bodyPr wrap="none" rtlCol="0" anchor="ctr">
-            <a:noAutofit/>
-          </a:bodyPr>
-          <a:lstStyle/>
-          <a:p>
-            <a:pPr algn="ctr"/>
-            <a:r>
-              <a:rPr lang="en-US" altLang="zh-CN" b="1" dirty="0">
-                <a:solidFill>
-                  <a:schemeClr val="bg1"/>
-                </a:solidFill>
-                <a:latin typeface="微软雅黑" panose="020B0503020204020204" pitchFamily="34" charset="-122"/>
-                <a:ea typeface="微软雅黑" panose="020B0503020204020204" pitchFamily="34" charset="-122"/>
-              </a:rPr>
-              <a:t>3</a:t>
-            </a:r>
-            <a:endParaRPr lang="zh-CN" altLang="en-US" b="1" dirty="0">
-              <a:solidFill>
-                <a:schemeClr val="bg1"/>
-              </a:solidFill>
-              <a:latin typeface="微软雅黑" panose="020B0503020204020204" pitchFamily="34" charset="-122"/>
-              <a:ea typeface="微软雅黑" panose="020B0503020204020204" pitchFamily="34" charset="-122"/>
-            </a:endParaRPr>
-          </a:p>
-        </p:txBody>
-      </p:sp>
-      <p:cxnSp>
-        <p:nvCxnSpPr>
-          <p:cNvPr id="20" name="直接连接符 19"/>
-          <p:cNvCxnSpPr>
-            <a:stCxn id="18" idx="6"/>
-          </p:cNvCxnSpPr>
-          <p:nvPr/>
-        </p:nvCxnSpPr>
-        <p:spPr>
-          <a:xfrm>
-            <a:off x="2534033" y="3551161"/>
-            <a:ext cx="4500000" cy="0"/>
-          </a:xfrm>
-          <a:prstGeom prst="line">
-            <a:avLst/>
-          </a:prstGeom>
-          <a:ln>
-            <a:solidFill>
-              <a:schemeClr val="bg2"/>
-            </a:solidFill>
-          </a:ln>
-        </p:spPr>
-        <p:style>
-          <a:lnRef idx="1">
-            <a:schemeClr val="accent1"/>
-          </a:lnRef>
-          <a:fillRef idx="0">
-            <a:schemeClr val="accent1"/>
-          </a:fillRef>
-          <a:effectRef idx="0">
-            <a:schemeClr val="accent1"/>
-          </a:effectRef>
-          <a:fontRef idx="minor">
-            <a:schemeClr val="tx1"/>
-          </a:fontRef>
-        </p:style>
-      </p:cxnSp>
-      <p:sp>
-        <p:nvSpPr>
-          <p:cNvPr id="23" name="Freeform 10"/>
-          <p:cNvSpPr>
-            <a:spLocks noChangeAspect="1"/>
-          </p:cNvSpPr>
-          <p:nvPr userDrawn="1"/>
-        </p:nvSpPr>
-        <p:spPr bwMode="auto">
-          <a:xfrm>
-            <a:off x="1841535" y="4127276"/>
-            <a:ext cx="843427" cy="343858"/>
-          </a:xfrm>
-          <a:custGeom>
-            <a:avLst/>
-            <a:gdLst>
-              <a:gd name="T0" fmla="*/ 3120 w 3800"/>
-              <a:gd name="T1" fmla="*/ 0 h 1532"/>
-              <a:gd name="T2" fmla="*/ 682 w 3800"/>
-              <a:gd name="T3" fmla="*/ 0 h 1532"/>
-              <a:gd name="T4" fmla="*/ 682 w 3800"/>
-              <a:gd name="T5" fmla="*/ 284 h 1532"/>
-              <a:gd name="T6" fmla="*/ 0 w 3800"/>
-              <a:gd name="T7" fmla="*/ 766 h 1532"/>
-              <a:gd name="T8" fmla="*/ 682 w 3800"/>
-              <a:gd name="T9" fmla="*/ 1248 h 1532"/>
-              <a:gd name="T10" fmla="*/ 682 w 3800"/>
-              <a:gd name="T11" fmla="*/ 1532 h 1532"/>
-              <a:gd name="T12" fmla="*/ 3120 w 3800"/>
-              <a:gd name="T13" fmla="*/ 1532 h 1532"/>
-              <a:gd name="T14" fmla="*/ 3120 w 3800"/>
-              <a:gd name="T15" fmla="*/ 1248 h 1532"/>
-              <a:gd name="T16" fmla="*/ 3800 w 3800"/>
-              <a:gd name="T17" fmla="*/ 766 h 1532"/>
-              <a:gd name="T18" fmla="*/ 3120 w 3800"/>
-              <a:gd name="T19" fmla="*/ 284 h 1532"/>
-              <a:gd name="T20" fmla="*/ 3120 w 3800"/>
-              <a:gd name="T21" fmla="*/ 0 h 1532"/>
-            </a:gdLst>
-            <a:ahLst/>
-            <a:cxnLst>
-              <a:cxn ang="0">
-                <a:pos x="T0" y="T1"/>
-              </a:cxn>
-              <a:cxn ang="0">
-                <a:pos x="T2" y="T3"/>
-              </a:cxn>
-              <a:cxn ang="0">
-                <a:pos x="T4" y="T5"/>
-              </a:cxn>
-              <a:cxn ang="0">
-                <a:pos x="T6" y="T7"/>
-              </a:cxn>
-              <a:cxn ang="0">
-                <a:pos x="T8" y="T9"/>
-              </a:cxn>
-              <a:cxn ang="0">
-                <a:pos x="T10" y="T11"/>
-              </a:cxn>
-              <a:cxn ang="0">
-                <a:pos x="T12" y="T13"/>
-              </a:cxn>
-              <a:cxn ang="0">
-                <a:pos x="T14" y="T15"/>
-              </a:cxn>
-              <a:cxn ang="0">
-                <a:pos x="T16" y="T17"/>
-              </a:cxn>
-              <a:cxn ang="0">
-                <a:pos x="T18" y="T19"/>
-              </a:cxn>
-              <a:cxn ang="0">
-                <a:pos x="T20" y="T21"/>
-              </a:cxn>
-            </a:cxnLst>
-            <a:rect l="0" t="0" r="r" b="b"/>
-            <a:pathLst>
-              <a:path w="3800" h="1532">
-                <a:moveTo>
-                  <a:pt x="3120" y="0"/>
-                </a:moveTo>
-                <a:lnTo>
-                  <a:pt x="682" y="0"/>
-                </a:lnTo>
-                <a:lnTo>
-                  <a:pt x="682" y="284"/>
-                </a:lnTo>
-                <a:lnTo>
-                  <a:pt x="0" y="766"/>
-                </a:lnTo>
-                <a:lnTo>
-                  <a:pt x="682" y="1248"/>
-                </a:lnTo>
-                <a:lnTo>
-                  <a:pt x="682" y="1532"/>
-                </a:lnTo>
-                <a:lnTo>
-                  <a:pt x="3120" y="1532"/>
-                </a:lnTo>
-                <a:lnTo>
-                  <a:pt x="3120" y="1248"/>
-                </a:lnTo>
-                <a:lnTo>
-                  <a:pt x="3800" y="766"/>
-                </a:lnTo>
-                <a:lnTo>
-                  <a:pt x="3120" y="284"/>
-                </a:lnTo>
-                <a:lnTo>
-                  <a:pt x="3120" y="0"/>
-                </a:lnTo>
-                <a:close/>
-              </a:path>
-            </a:pathLst>
-          </a:custGeom>
-          <a:solidFill>
-            <a:schemeClr val="accent1"/>
-          </a:solidFill>
-          <a:ln>
-            <a:noFill/>
-          </a:ln>
-        </p:spPr>
-        <p:txBody>
-          <a:bodyPr vert="horz" wrap="square" lIns="91440" tIns="45720" rIns="91440" bIns="45720" numCol="1" anchor="ctr" anchorCtr="0" compatLnSpc="1">
-            <a:prstTxWarp prst="textNoShape">
-              <a:avLst/>
-            </a:prstTxWarp>
-            <a:noAutofit/>
-          </a:bodyPr>
-          <a:lstStyle/>
-          <a:p>
-            <a:pPr algn="ctr"/>
-            <a:endParaRPr lang="zh-CN" altLang="en-US" sz="3200" b="1"/>
-          </a:p>
-        </p:txBody>
-      </p:sp>
-      <p:sp>
-        <p:nvSpPr>
-          <p:cNvPr id="24" name="文本框 23"/>
-          <p:cNvSpPr txBox="1"/>
-          <p:nvPr userDrawn="1"/>
-        </p:nvSpPr>
-        <p:spPr>
-          <a:xfrm>
-            <a:off x="2071646" y="4063469"/>
-            <a:ext cx="383206" cy="443226"/>
-          </a:xfrm>
-          <a:prstGeom prst="rect">
-            <a:avLst/>
-          </a:prstGeom>
-          <a:noFill/>
-        </p:spPr>
-        <p:txBody>
-          <a:bodyPr wrap="none" rtlCol="0" anchor="ctr">
-            <a:noAutofit/>
-          </a:bodyPr>
-          <a:lstStyle/>
-          <a:p>
-            <a:pPr algn="ctr"/>
-            <a:r>
-              <a:rPr lang="en-US" altLang="zh-CN" b="1" dirty="0">
-                <a:solidFill>
-                  <a:schemeClr val="bg1"/>
-                </a:solidFill>
-                <a:latin typeface="微软雅黑" panose="020B0503020204020204" pitchFamily="34" charset="-122"/>
-                <a:ea typeface="微软雅黑" panose="020B0503020204020204" pitchFamily="34" charset="-122"/>
-              </a:rPr>
-              <a:t>4</a:t>
-            </a:r>
-            <a:endParaRPr lang="zh-CN" altLang="en-US" b="1" dirty="0">
-              <a:solidFill>
-                <a:schemeClr val="bg1"/>
-              </a:solidFill>
-              <a:latin typeface="微软雅黑" panose="020B0503020204020204" pitchFamily="34" charset="-122"/>
-              <a:ea typeface="微软雅黑" panose="020B0503020204020204" pitchFamily="34" charset="-122"/>
-            </a:endParaRPr>
-          </a:p>
-        </p:txBody>
-      </p:sp>
-      <p:cxnSp>
-        <p:nvCxnSpPr>
-          <p:cNvPr id="25" name="直接连接符 24"/>
-          <p:cNvCxnSpPr>
-            <a:stCxn id="23" idx="6"/>
-          </p:cNvCxnSpPr>
-          <p:nvPr/>
-        </p:nvCxnSpPr>
-        <p:spPr>
-          <a:xfrm>
-            <a:off x="2534033" y="4471134"/>
-            <a:ext cx="4500000" cy="0"/>
-          </a:xfrm>
-          <a:prstGeom prst="line">
-            <a:avLst/>
-          </a:prstGeom>
-          <a:ln>
-            <a:solidFill>
-              <a:schemeClr val="accent1"/>
-            </a:solidFill>
-          </a:ln>
-        </p:spPr>
-        <p:style>
-          <a:lnRef idx="1">
-            <a:schemeClr val="accent1"/>
-          </a:lnRef>
-          <a:fillRef idx="0">
-            <a:schemeClr val="accent1"/>
-          </a:fillRef>
-          <a:effectRef idx="0">
-            <a:schemeClr val="accent1"/>
-          </a:effectRef>
-          <a:fontRef idx="minor">
-            <a:schemeClr val="tx1"/>
-          </a:fontRef>
-        </p:style>
-      </p:cxnSp>
-      <p:sp>
-        <p:nvSpPr>
-          <p:cNvPr id="33" name="Freeform 10"/>
-          <p:cNvSpPr>
-            <a:spLocks noChangeAspect="1"/>
-          </p:cNvSpPr>
-          <p:nvPr userDrawn="1"/>
-        </p:nvSpPr>
-        <p:spPr bwMode="auto">
-          <a:xfrm>
-            <a:off x="1841535" y="5047251"/>
-            <a:ext cx="843427" cy="343858"/>
-          </a:xfrm>
-          <a:custGeom>
-            <a:avLst/>
-            <a:gdLst>
-              <a:gd name="T0" fmla="*/ 3120 w 3800"/>
-              <a:gd name="T1" fmla="*/ 0 h 1532"/>
-              <a:gd name="T2" fmla="*/ 682 w 3800"/>
-              <a:gd name="T3" fmla="*/ 0 h 1532"/>
-              <a:gd name="T4" fmla="*/ 682 w 3800"/>
-              <a:gd name="T5" fmla="*/ 284 h 1532"/>
-              <a:gd name="T6" fmla="*/ 0 w 3800"/>
-              <a:gd name="T7" fmla="*/ 766 h 1532"/>
-              <a:gd name="T8" fmla="*/ 682 w 3800"/>
-              <a:gd name="T9" fmla="*/ 1248 h 1532"/>
-              <a:gd name="T10" fmla="*/ 682 w 3800"/>
-              <a:gd name="T11" fmla="*/ 1532 h 1532"/>
-              <a:gd name="T12" fmla="*/ 3120 w 3800"/>
-              <a:gd name="T13" fmla="*/ 1532 h 1532"/>
-              <a:gd name="T14" fmla="*/ 3120 w 3800"/>
-              <a:gd name="T15" fmla="*/ 1248 h 1532"/>
-              <a:gd name="T16" fmla="*/ 3800 w 3800"/>
-              <a:gd name="T17" fmla="*/ 766 h 1532"/>
-              <a:gd name="T18" fmla="*/ 3120 w 3800"/>
-              <a:gd name="T19" fmla="*/ 284 h 1532"/>
-              <a:gd name="T20" fmla="*/ 3120 w 3800"/>
-              <a:gd name="T21" fmla="*/ 0 h 1532"/>
-            </a:gdLst>
-            <a:ahLst/>
-            <a:cxnLst>
-              <a:cxn ang="0">
-                <a:pos x="T0" y="T1"/>
-              </a:cxn>
-              <a:cxn ang="0">
-                <a:pos x="T2" y="T3"/>
-              </a:cxn>
-              <a:cxn ang="0">
-                <a:pos x="T4" y="T5"/>
-              </a:cxn>
-              <a:cxn ang="0">
-                <a:pos x="T6" y="T7"/>
-              </a:cxn>
-              <a:cxn ang="0">
-                <a:pos x="T8" y="T9"/>
-              </a:cxn>
-              <a:cxn ang="0">
-                <a:pos x="T10" y="T11"/>
-              </a:cxn>
-              <a:cxn ang="0">
-                <a:pos x="T12" y="T13"/>
-              </a:cxn>
-              <a:cxn ang="0">
-                <a:pos x="T14" y="T15"/>
-              </a:cxn>
-              <a:cxn ang="0">
-                <a:pos x="T16" y="T17"/>
-              </a:cxn>
-              <a:cxn ang="0">
-                <a:pos x="T18" y="T19"/>
-              </a:cxn>
-              <a:cxn ang="0">
-                <a:pos x="T20" y="T21"/>
-              </a:cxn>
-            </a:cxnLst>
-            <a:rect l="0" t="0" r="r" b="b"/>
-            <a:pathLst>
-              <a:path w="3800" h="1532">
-                <a:moveTo>
-                  <a:pt x="3120" y="0"/>
-                </a:moveTo>
-                <a:lnTo>
-                  <a:pt x="682" y="0"/>
-                </a:lnTo>
-                <a:lnTo>
-                  <a:pt x="682" y="284"/>
-                </a:lnTo>
-                <a:lnTo>
-                  <a:pt x="0" y="766"/>
-                </a:lnTo>
-                <a:lnTo>
-                  <a:pt x="682" y="1248"/>
-                </a:lnTo>
-                <a:lnTo>
-                  <a:pt x="682" y="1532"/>
-                </a:lnTo>
-                <a:lnTo>
-                  <a:pt x="3120" y="1532"/>
-                </a:lnTo>
-                <a:lnTo>
-                  <a:pt x="3120" y="1248"/>
-                </a:lnTo>
-                <a:lnTo>
-                  <a:pt x="3800" y="766"/>
-                </a:lnTo>
-                <a:lnTo>
-                  <a:pt x="3120" y="284"/>
-                </a:lnTo>
-                <a:lnTo>
-                  <a:pt x="3120" y="0"/>
-                </a:lnTo>
-                <a:close/>
-              </a:path>
-            </a:pathLst>
-          </a:custGeom>
-          <a:solidFill>
-            <a:schemeClr val="bg2"/>
-          </a:solidFill>
-          <a:ln>
-            <a:noFill/>
-          </a:ln>
-        </p:spPr>
-        <p:txBody>
-          <a:bodyPr vert="horz" wrap="square" lIns="91440" tIns="45720" rIns="91440" bIns="45720" numCol="1" anchor="ctr" anchorCtr="0" compatLnSpc="1">
-            <a:prstTxWarp prst="textNoShape">
-              <a:avLst/>
-            </a:prstTxWarp>
-            <a:noAutofit/>
-          </a:bodyPr>
-          <a:lstStyle/>
-          <a:p>
-            <a:pPr algn="ctr"/>
-            <a:endParaRPr lang="zh-CN" altLang="en-US" sz="3200" b="1"/>
-          </a:p>
-        </p:txBody>
-      </p:sp>
-      <p:sp>
-        <p:nvSpPr>
-          <p:cNvPr id="34" name="文本框 33"/>
-          <p:cNvSpPr txBox="1"/>
-          <p:nvPr userDrawn="1"/>
-        </p:nvSpPr>
-        <p:spPr>
-          <a:xfrm>
-            <a:off x="2071646" y="4983444"/>
-            <a:ext cx="383206" cy="443226"/>
-          </a:xfrm>
-          <a:prstGeom prst="rect">
-            <a:avLst/>
-          </a:prstGeom>
-          <a:noFill/>
-        </p:spPr>
-        <p:txBody>
-          <a:bodyPr wrap="none" rtlCol="0" anchor="ctr">
-            <a:noAutofit/>
-          </a:bodyPr>
-          <a:lstStyle/>
-          <a:p>
-            <a:pPr algn="ctr"/>
-            <a:r>
-              <a:rPr lang="en-US" altLang="zh-CN" b="1" dirty="0">
-                <a:solidFill>
-                  <a:schemeClr val="bg1"/>
-                </a:solidFill>
-                <a:latin typeface="微软雅黑" panose="020B0503020204020204" pitchFamily="34" charset="-122"/>
-                <a:ea typeface="微软雅黑" panose="020B0503020204020204" pitchFamily="34" charset="-122"/>
-              </a:rPr>
-              <a:t>5</a:t>
-            </a:r>
-            <a:endParaRPr lang="zh-CN" altLang="en-US" b="1" dirty="0">
-              <a:solidFill>
-                <a:schemeClr val="bg1"/>
-              </a:solidFill>
-              <a:latin typeface="微软雅黑" panose="020B0503020204020204" pitchFamily="34" charset="-122"/>
-              <a:ea typeface="微软雅黑" panose="020B0503020204020204" pitchFamily="34" charset="-122"/>
-            </a:endParaRPr>
-          </a:p>
-        </p:txBody>
-      </p:sp>
-      <p:cxnSp>
-        <p:nvCxnSpPr>
-          <p:cNvPr id="35" name="直接连接符 34"/>
-          <p:cNvCxnSpPr>
-            <a:stCxn id="33" idx="6"/>
-          </p:cNvCxnSpPr>
-          <p:nvPr/>
-        </p:nvCxnSpPr>
-        <p:spPr>
-          <a:xfrm>
-            <a:off x="2534033" y="5391109"/>
-            <a:ext cx="4500000" cy="0"/>
-          </a:xfrm>
-          <a:prstGeom prst="line">
-            <a:avLst/>
-          </a:prstGeom>
-          <a:ln>
-            <a:solidFill>
-              <a:schemeClr val="bg2"/>
-            </a:solidFill>
-          </a:ln>
-        </p:spPr>
-        <p:style>
-          <a:lnRef idx="1">
-            <a:schemeClr val="accent1"/>
-          </a:lnRef>
-          <a:fillRef idx="0">
-            <a:schemeClr val="accent1"/>
-          </a:fillRef>
-          <a:effectRef idx="0">
-            <a:schemeClr val="accent1"/>
-          </a:effectRef>
-          <a:fontRef idx="minor">
-            <a:schemeClr val="tx1"/>
-          </a:fontRef>
-        </p:style>
-      </p:cxnSp>
-      <p:sp>
-        <p:nvSpPr>
-          <p:cNvPr id="27" name="文本框 26">
-            <a:extLst>
-              <a:ext uri="{FF2B5EF4-FFF2-40B4-BE49-F238E27FC236}">
-                <a16:creationId xmlns:a16="http://schemas.microsoft.com/office/drawing/2014/main" id="{C9E08AC9-4FB0-4550-A1CB-816188F7BA49}"/>
-              </a:ext>
-            </a:extLst>
-          </p:cNvPr>
-          <p:cNvSpPr txBox="1"/>
-          <p:nvPr/>
-        </p:nvSpPr>
-        <p:spPr>
-          <a:xfrm>
-            <a:off x="2915072" y="1274734"/>
-            <a:ext cx="6125295" cy="461665"/>
-          </a:xfrm>
-          <a:prstGeom prst="rect">
-            <a:avLst/>
-          </a:prstGeom>
-          <a:noFill/>
-        </p:spPr>
-        <p:txBody>
-          <a:bodyPr wrap="square" rtlCol="0">
-            <a:spAutoFit/>
-          </a:bodyPr>
-          <a:lstStyle/>
-          <a:p>
-            <a:r>
-              <a:rPr lang="en-GB" altLang="zh-CN" sz="2400" dirty="0" err="1"/>
-              <a:t>NPoS</a:t>
-            </a:r>
-            <a:r>
-              <a:rPr lang="en-GB" altLang="zh-CN" sz="2400" dirty="0"/>
-              <a:t> and Validator election</a:t>
-            </a:r>
-            <a:endParaRPr lang="zh-CN" altLang="en-US" sz="2400" dirty="0"/>
-          </a:p>
-        </p:txBody>
-      </p:sp>
-      <p:sp>
-        <p:nvSpPr>
-          <p:cNvPr id="28" name="文本框 27">
-            <a:extLst>
-              <a:ext uri="{FF2B5EF4-FFF2-40B4-BE49-F238E27FC236}">
-                <a16:creationId xmlns:a16="http://schemas.microsoft.com/office/drawing/2014/main" id="{DCEE20DD-9900-4544-99E0-9CF98F12850C}"/>
-              </a:ext>
-            </a:extLst>
-          </p:cNvPr>
-          <p:cNvSpPr txBox="1"/>
-          <p:nvPr/>
-        </p:nvSpPr>
-        <p:spPr>
-          <a:xfrm>
-            <a:off x="2915073" y="2194707"/>
-            <a:ext cx="4387392" cy="461665"/>
-          </a:xfrm>
-          <a:prstGeom prst="rect">
-            <a:avLst/>
-          </a:prstGeom>
-          <a:noFill/>
-        </p:spPr>
-        <p:txBody>
-          <a:bodyPr wrap="square" rtlCol="0">
-            <a:spAutoFit/>
-          </a:bodyPr>
-          <a:lstStyle/>
-          <a:p>
-            <a:r>
-              <a:rPr lang="en-US" altLang="zh-CN" sz="2400" dirty="0">
-                <a:solidFill>
-                  <a:schemeClr val="tx1">
-                    <a:lumMod val="75000"/>
-                    <a:lumOff val="25000"/>
-                  </a:schemeClr>
-                </a:solidFill>
-              </a:rPr>
-              <a:t>Relay Chain State Machine</a:t>
-            </a:r>
-            <a:endParaRPr lang="zh-CN" altLang="en-US" sz="2400" dirty="0">
-              <a:solidFill>
-                <a:schemeClr val="tx1">
-                  <a:lumMod val="75000"/>
-                  <a:lumOff val="25000"/>
-                </a:schemeClr>
-              </a:solidFill>
-            </a:endParaRPr>
-          </a:p>
-        </p:txBody>
-      </p:sp>
-      <p:sp>
-        <p:nvSpPr>
-          <p:cNvPr id="29" name="文本框 28">
-            <a:extLst>
-              <a:ext uri="{FF2B5EF4-FFF2-40B4-BE49-F238E27FC236}">
-                <a16:creationId xmlns:a16="http://schemas.microsoft.com/office/drawing/2014/main" id="{F8A501EB-494C-402A-B6AA-166DC15EC702}"/>
-              </a:ext>
-            </a:extLst>
-          </p:cNvPr>
-          <p:cNvSpPr txBox="1"/>
-          <p:nvPr/>
-        </p:nvSpPr>
-        <p:spPr>
-          <a:xfrm>
-            <a:off x="2915073" y="3114680"/>
-            <a:ext cx="4387392" cy="461665"/>
-          </a:xfrm>
-          <a:prstGeom prst="rect">
-            <a:avLst/>
-          </a:prstGeom>
-          <a:noFill/>
-        </p:spPr>
-        <p:txBody>
-          <a:bodyPr wrap="square" rtlCol="0">
-            <a:spAutoFit/>
-          </a:bodyPr>
-          <a:lstStyle/>
-          <a:p>
-            <a:r>
-              <a:rPr lang="en-US" altLang="zh-CN" sz="2400" dirty="0"/>
-              <a:t>Consensus</a:t>
-            </a:r>
-          </a:p>
-        </p:txBody>
-      </p:sp>
-      <p:sp>
-        <p:nvSpPr>
-          <p:cNvPr id="30" name="文本框 29">
-            <a:extLst>
-              <a:ext uri="{FF2B5EF4-FFF2-40B4-BE49-F238E27FC236}">
-                <a16:creationId xmlns:a16="http://schemas.microsoft.com/office/drawing/2014/main" id="{FAEEC2EF-63E0-41AC-8096-B58B0901F43E}"/>
-              </a:ext>
-            </a:extLst>
-          </p:cNvPr>
-          <p:cNvSpPr txBox="1"/>
-          <p:nvPr/>
-        </p:nvSpPr>
-        <p:spPr>
-          <a:xfrm>
-            <a:off x="2915073" y="4034653"/>
-            <a:ext cx="4387392" cy="461665"/>
-          </a:xfrm>
-          <a:prstGeom prst="rect">
-            <a:avLst/>
-          </a:prstGeom>
-          <a:noFill/>
-        </p:spPr>
-        <p:txBody>
-          <a:bodyPr wrap="square" rtlCol="0">
-            <a:spAutoFit/>
-          </a:bodyPr>
-          <a:lstStyle/>
-          <a:p>
-            <a:r>
-              <a:rPr lang="en-US" altLang="zh-CN" sz="2400" dirty="0" err="1"/>
-              <a:t>Parachains</a:t>
-            </a:r>
-            <a:endParaRPr lang="zh-CN" altLang="en-US" sz="2400" dirty="0"/>
-          </a:p>
-        </p:txBody>
-      </p:sp>
-      <p:sp>
-        <p:nvSpPr>
-          <p:cNvPr id="31" name="文本框 30">
-            <a:extLst>
-              <a:ext uri="{FF2B5EF4-FFF2-40B4-BE49-F238E27FC236}">
-                <a16:creationId xmlns:a16="http://schemas.microsoft.com/office/drawing/2014/main" id="{5B1E82B5-785F-4746-8986-90B1431A45D7}"/>
-              </a:ext>
-            </a:extLst>
-          </p:cNvPr>
-          <p:cNvSpPr txBox="1"/>
-          <p:nvPr/>
-        </p:nvSpPr>
-        <p:spPr>
-          <a:xfrm>
-            <a:off x="2915073" y="4954628"/>
-            <a:ext cx="5137744" cy="461665"/>
-          </a:xfrm>
-          <a:prstGeom prst="rect">
-            <a:avLst/>
-          </a:prstGeom>
-          <a:noFill/>
-        </p:spPr>
-        <p:txBody>
-          <a:bodyPr wrap="square" rtlCol="0">
-            <a:spAutoFit/>
-          </a:bodyPr>
-          <a:lstStyle/>
-          <a:p>
-            <a:r>
-              <a:rPr lang="en-US" altLang="zh-CN" sz="2400" dirty="0"/>
-              <a:t>Economics, Incentive and Governance</a:t>
-            </a:r>
-            <a:endParaRPr lang="zh-CN" altLang="en-US" sz="2400" dirty="0"/>
-          </a:p>
-        </p:txBody>
-      </p:sp>
-    </p:spTree>
-    <p:extLst>
-      <p:ext uri="{BB962C8B-B14F-4D97-AF65-F5344CB8AC3E}">
-        <p14:creationId xmlns:p14="http://schemas.microsoft.com/office/powerpoint/2010/main" val="3578238027"/>
       </p:ext>
     </p:extLst>
   </p:cSld>
@@ -13457,46 +12694,7 @@
       </p:grpSpPr>
       <p:sp>
         <p:nvSpPr>
-          <p:cNvPr id="2" name="内容占位符 1">
-            <a:extLst>
-              <a:ext uri="{FF2B5EF4-FFF2-40B4-BE49-F238E27FC236}">
-                <a16:creationId xmlns:a16="http://schemas.microsoft.com/office/drawing/2014/main" id="{2A548508-DD86-443D-A98C-0D26CE09E53D}"/>
-              </a:ext>
-            </a:extLst>
-          </p:cNvPr>
-          <p:cNvSpPr>
-            <a:spLocks noGrp="1"/>
-          </p:cNvSpPr>
-          <p:nvPr>
-            <p:ph sz="quarter" idx="10"/>
-          </p:nvPr>
-        </p:nvSpPr>
-        <p:spPr/>
-        <p:txBody>
-          <a:bodyPr/>
-          <a:lstStyle/>
-          <a:p>
-            <a:r>
-              <a:rPr lang="en-US" altLang="zh-CN" dirty="0"/>
-              <a:t>General </a:t>
-            </a:r>
-            <a:r>
-              <a:rPr lang="en-US" altLang="zh-CN" dirty="0" err="1"/>
-              <a:t>parachains</a:t>
-            </a:r>
-            <a:endParaRPr lang="en-US" altLang="zh-CN" dirty="0"/>
-          </a:p>
-        </p:txBody>
-      </p:sp>
-      <p:sp>
-        <p:nvSpPr>
-          <p:cNvPr id="3" name="标题 2">
-            <a:extLst>
-              <a:ext uri="{FF2B5EF4-FFF2-40B4-BE49-F238E27FC236}">
-                <a16:creationId xmlns:a16="http://schemas.microsoft.com/office/drawing/2014/main" id="{FC36AE11-1E6D-4449-BDC7-6403AFDC25CA}"/>
-              </a:ext>
-            </a:extLst>
-          </p:cNvPr>
+          <p:cNvPr id="2" name="标题 1"/>
           <p:cNvSpPr>
             <a:spLocks noGrp="1"/>
           </p:cNvSpPr>
@@ -13506,25 +12704,1308 @@
         </p:nvSpPr>
         <p:spPr/>
         <p:txBody>
-          <a:bodyPr/>
+          <a:bodyPr>
+            <a:normAutofit fontScale="90000"/>
+          </a:bodyPr>
           <a:lstStyle/>
           <a:p>
             <a:r>
-              <a:rPr lang="en-US" altLang="zh-CN" dirty="0" err="1"/>
+              <a:rPr lang="en-US" altLang="zh-CN" dirty="0">
+                <a:latin typeface="微软雅黑" panose="020B0503020204020204" pitchFamily="34" charset="-122"/>
+                <a:ea typeface="微软雅黑" panose="020B0503020204020204" pitchFamily="34" charset="-122"/>
+              </a:rPr>
+              <a:t>Contents</a:t>
+            </a:r>
+            <a:endParaRPr lang="zh-CN" altLang="en-US" dirty="0">
+              <a:latin typeface="微软雅黑" panose="020B0503020204020204" pitchFamily="34" charset="-122"/>
+              <a:ea typeface="微软雅黑" panose="020B0503020204020204" pitchFamily="34" charset="-122"/>
+            </a:endParaRPr>
+          </a:p>
+        </p:txBody>
+      </p:sp>
+      <p:sp>
+        <p:nvSpPr>
+          <p:cNvPr id="4" name="Freeform 10"/>
+          <p:cNvSpPr>
+            <a:spLocks noChangeAspect="1"/>
+          </p:cNvSpPr>
+          <p:nvPr userDrawn="1"/>
+        </p:nvSpPr>
+        <p:spPr bwMode="auto">
+          <a:xfrm>
+            <a:off x="1841535" y="1367357"/>
+            <a:ext cx="843427" cy="343858"/>
+          </a:xfrm>
+          <a:custGeom>
+            <a:avLst/>
+            <a:gdLst>
+              <a:gd name="T0" fmla="*/ 3120 w 3800"/>
+              <a:gd name="T1" fmla="*/ 0 h 1532"/>
+              <a:gd name="T2" fmla="*/ 682 w 3800"/>
+              <a:gd name="T3" fmla="*/ 0 h 1532"/>
+              <a:gd name="T4" fmla="*/ 682 w 3800"/>
+              <a:gd name="T5" fmla="*/ 284 h 1532"/>
+              <a:gd name="T6" fmla="*/ 0 w 3800"/>
+              <a:gd name="T7" fmla="*/ 766 h 1532"/>
+              <a:gd name="T8" fmla="*/ 682 w 3800"/>
+              <a:gd name="T9" fmla="*/ 1248 h 1532"/>
+              <a:gd name="T10" fmla="*/ 682 w 3800"/>
+              <a:gd name="T11" fmla="*/ 1532 h 1532"/>
+              <a:gd name="T12" fmla="*/ 3120 w 3800"/>
+              <a:gd name="T13" fmla="*/ 1532 h 1532"/>
+              <a:gd name="T14" fmla="*/ 3120 w 3800"/>
+              <a:gd name="T15" fmla="*/ 1248 h 1532"/>
+              <a:gd name="T16" fmla="*/ 3800 w 3800"/>
+              <a:gd name="T17" fmla="*/ 766 h 1532"/>
+              <a:gd name="T18" fmla="*/ 3120 w 3800"/>
+              <a:gd name="T19" fmla="*/ 284 h 1532"/>
+              <a:gd name="T20" fmla="*/ 3120 w 3800"/>
+              <a:gd name="T21" fmla="*/ 0 h 1532"/>
+            </a:gdLst>
+            <a:ahLst/>
+            <a:cxnLst>
+              <a:cxn ang="0">
+                <a:pos x="T0" y="T1"/>
+              </a:cxn>
+              <a:cxn ang="0">
+                <a:pos x="T2" y="T3"/>
+              </a:cxn>
+              <a:cxn ang="0">
+                <a:pos x="T4" y="T5"/>
+              </a:cxn>
+              <a:cxn ang="0">
+                <a:pos x="T6" y="T7"/>
+              </a:cxn>
+              <a:cxn ang="0">
+                <a:pos x="T8" y="T9"/>
+              </a:cxn>
+              <a:cxn ang="0">
+                <a:pos x="T10" y="T11"/>
+              </a:cxn>
+              <a:cxn ang="0">
+                <a:pos x="T12" y="T13"/>
+              </a:cxn>
+              <a:cxn ang="0">
+                <a:pos x="T14" y="T15"/>
+              </a:cxn>
+              <a:cxn ang="0">
+                <a:pos x="T16" y="T17"/>
+              </a:cxn>
+              <a:cxn ang="0">
+                <a:pos x="T18" y="T19"/>
+              </a:cxn>
+              <a:cxn ang="0">
+                <a:pos x="T20" y="T21"/>
+              </a:cxn>
+            </a:cxnLst>
+            <a:rect l="0" t="0" r="r" b="b"/>
+            <a:pathLst>
+              <a:path w="3800" h="1532">
+                <a:moveTo>
+                  <a:pt x="3120" y="0"/>
+                </a:moveTo>
+                <a:lnTo>
+                  <a:pt x="682" y="0"/>
+                </a:lnTo>
+                <a:lnTo>
+                  <a:pt x="682" y="284"/>
+                </a:lnTo>
+                <a:lnTo>
+                  <a:pt x="0" y="766"/>
+                </a:lnTo>
+                <a:lnTo>
+                  <a:pt x="682" y="1248"/>
+                </a:lnTo>
+                <a:lnTo>
+                  <a:pt x="682" y="1532"/>
+                </a:lnTo>
+                <a:lnTo>
+                  <a:pt x="3120" y="1532"/>
+                </a:lnTo>
+                <a:lnTo>
+                  <a:pt x="3120" y="1248"/>
+                </a:lnTo>
+                <a:lnTo>
+                  <a:pt x="3800" y="766"/>
+                </a:lnTo>
+                <a:lnTo>
+                  <a:pt x="3120" y="284"/>
+                </a:lnTo>
+                <a:lnTo>
+                  <a:pt x="3120" y="0"/>
+                </a:lnTo>
+                <a:close/>
+              </a:path>
+            </a:pathLst>
+          </a:custGeom>
+          <a:solidFill>
+            <a:schemeClr val="bg2"/>
+          </a:solidFill>
+          <a:ln>
+            <a:noFill/>
+          </a:ln>
+        </p:spPr>
+        <p:txBody>
+          <a:bodyPr vert="horz" wrap="square" lIns="91440" tIns="45720" rIns="91440" bIns="45720" numCol="1" anchor="ctr" anchorCtr="0" compatLnSpc="1">
+            <a:prstTxWarp prst="textNoShape">
+              <a:avLst/>
+            </a:prstTxWarp>
+            <a:noAutofit/>
+          </a:bodyPr>
+          <a:lstStyle/>
+          <a:p>
+            <a:pPr algn="ctr"/>
+            <a:endParaRPr lang="zh-CN" altLang="en-US" sz="3200" b="1"/>
+          </a:p>
+        </p:txBody>
+      </p:sp>
+      <p:sp>
+        <p:nvSpPr>
+          <p:cNvPr id="5" name="文本框 4"/>
+          <p:cNvSpPr txBox="1">
+            <a:spLocks/>
+          </p:cNvSpPr>
+          <p:nvPr userDrawn="1"/>
+        </p:nvSpPr>
+        <p:spPr>
+          <a:xfrm>
+            <a:off x="2071646" y="1303550"/>
+            <a:ext cx="383206" cy="443226"/>
+          </a:xfrm>
+          <a:prstGeom prst="rect">
+            <a:avLst/>
+          </a:prstGeom>
+          <a:noFill/>
+        </p:spPr>
+        <p:txBody>
+          <a:bodyPr wrap="none" rtlCol="0" anchor="ctr">
+            <a:noAutofit/>
+          </a:bodyPr>
+          <a:lstStyle/>
+          <a:p>
+            <a:pPr algn="ctr"/>
+            <a:r>
+              <a:rPr lang="en-US" altLang="zh-CN" b="1" dirty="0">
+                <a:solidFill>
+                  <a:schemeClr val="bg1"/>
+                </a:solidFill>
+                <a:latin typeface="微软雅黑" panose="020B0503020204020204" pitchFamily="34" charset="-122"/>
+                <a:ea typeface="微软雅黑" panose="020B0503020204020204" pitchFamily="34" charset="-122"/>
+              </a:rPr>
+              <a:t>1</a:t>
+            </a:r>
+            <a:endParaRPr lang="zh-CN" altLang="en-US" b="1" dirty="0">
+              <a:solidFill>
+                <a:schemeClr val="bg1"/>
+              </a:solidFill>
+              <a:latin typeface="微软雅黑" panose="020B0503020204020204" pitchFamily="34" charset="-122"/>
+              <a:ea typeface="微软雅黑" panose="020B0503020204020204" pitchFamily="34" charset="-122"/>
+            </a:endParaRPr>
+          </a:p>
+        </p:txBody>
+      </p:sp>
+      <p:cxnSp>
+        <p:nvCxnSpPr>
+          <p:cNvPr id="7" name="直接连接符 6"/>
+          <p:cNvCxnSpPr>
+            <a:stCxn id="4" idx="6"/>
+          </p:cNvCxnSpPr>
+          <p:nvPr/>
+        </p:nvCxnSpPr>
+        <p:spPr>
+          <a:xfrm>
+            <a:off x="2534033" y="1711215"/>
+            <a:ext cx="4500000" cy="0"/>
+          </a:xfrm>
+          <a:prstGeom prst="line">
+            <a:avLst/>
+          </a:prstGeom>
+          <a:ln>
+            <a:solidFill>
+              <a:schemeClr val="bg2"/>
+            </a:solidFill>
+          </a:ln>
+        </p:spPr>
+        <p:style>
+          <a:lnRef idx="1">
+            <a:schemeClr val="accent1"/>
+          </a:lnRef>
+          <a:fillRef idx="0">
+            <a:schemeClr val="accent1"/>
+          </a:fillRef>
+          <a:effectRef idx="0">
+            <a:schemeClr val="accent1"/>
+          </a:effectRef>
+          <a:fontRef idx="minor">
+            <a:schemeClr val="tx1"/>
+          </a:fontRef>
+        </p:style>
+      </p:cxnSp>
+      <p:sp>
+        <p:nvSpPr>
+          <p:cNvPr id="13" name="Freeform 10"/>
+          <p:cNvSpPr>
+            <a:spLocks noChangeAspect="1"/>
+          </p:cNvSpPr>
+          <p:nvPr userDrawn="1"/>
+        </p:nvSpPr>
+        <p:spPr bwMode="auto">
+          <a:xfrm>
+            <a:off x="1841535" y="2287330"/>
+            <a:ext cx="843427" cy="343858"/>
+          </a:xfrm>
+          <a:custGeom>
+            <a:avLst/>
+            <a:gdLst>
+              <a:gd name="T0" fmla="*/ 3120 w 3800"/>
+              <a:gd name="T1" fmla="*/ 0 h 1532"/>
+              <a:gd name="T2" fmla="*/ 682 w 3800"/>
+              <a:gd name="T3" fmla="*/ 0 h 1532"/>
+              <a:gd name="T4" fmla="*/ 682 w 3800"/>
+              <a:gd name="T5" fmla="*/ 284 h 1532"/>
+              <a:gd name="T6" fmla="*/ 0 w 3800"/>
+              <a:gd name="T7" fmla="*/ 766 h 1532"/>
+              <a:gd name="T8" fmla="*/ 682 w 3800"/>
+              <a:gd name="T9" fmla="*/ 1248 h 1532"/>
+              <a:gd name="T10" fmla="*/ 682 w 3800"/>
+              <a:gd name="T11" fmla="*/ 1532 h 1532"/>
+              <a:gd name="T12" fmla="*/ 3120 w 3800"/>
+              <a:gd name="T13" fmla="*/ 1532 h 1532"/>
+              <a:gd name="T14" fmla="*/ 3120 w 3800"/>
+              <a:gd name="T15" fmla="*/ 1248 h 1532"/>
+              <a:gd name="T16" fmla="*/ 3800 w 3800"/>
+              <a:gd name="T17" fmla="*/ 766 h 1532"/>
+              <a:gd name="T18" fmla="*/ 3120 w 3800"/>
+              <a:gd name="T19" fmla="*/ 284 h 1532"/>
+              <a:gd name="T20" fmla="*/ 3120 w 3800"/>
+              <a:gd name="T21" fmla="*/ 0 h 1532"/>
+            </a:gdLst>
+            <a:ahLst/>
+            <a:cxnLst>
+              <a:cxn ang="0">
+                <a:pos x="T0" y="T1"/>
+              </a:cxn>
+              <a:cxn ang="0">
+                <a:pos x="T2" y="T3"/>
+              </a:cxn>
+              <a:cxn ang="0">
+                <a:pos x="T4" y="T5"/>
+              </a:cxn>
+              <a:cxn ang="0">
+                <a:pos x="T6" y="T7"/>
+              </a:cxn>
+              <a:cxn ang="0">
+                <a:pos x="T8" y="T9"/>
+              </a:cxn>
+              <a:cxn ang="0">
+                <a:pos x="T10" y="T11"/>
+              </a:cxn>
+              <a:cxn ang="0">
+                <a:pos x="T12" y="T13"/>
+              </a:cxn>
+              <a:cxn ang="0">
+                <a:pos x="T14" y="T15"/>
+              </a:cxn>
+              <a:cxn ang="0">
+                <a:pos x="T16" y="T17"/>
+              </a:cxn>
+              <a:cxn ang="0">
+                <a:pos x="T18" y="T19"/>
+              </a:cxn>
+              <a:cxn ang="0">
+                <a:pos x="T20" y="T21"/>
+              </a:cxn>
+            </a:cxnLst>
+            <a:rect l="0" t="0" r="r" b="b"/>
+            <a:pathLst>
+              <a:path w="3800" h="1532">
+                <a:moveTo>
+                  <a:pt x="3120" y="0"/>
+                </a:moveTo>
+                <a:lnTo>
+                  <a:pt x="682" y="0"/>
+                </a:lnTo>
+                <a:lnTo>
+                  <a:pt x="682" y="284"/>
+                </a:lnTo>
+                <a:lnTo>
+                  <a:pt x="0" y="766"/>
+                </a:lnTo>
+                <a:lnTo>
+                  <a:pt x="682" y="1248"/>
+                </a:lnTo>
+                <a:lnTo>
+                  <a:pt x="682" y="1532"/>
+                </a:lnTo>
+                <a:lnTo>
+                  <a:pt x="3120" y="1532"/>
+                </a:lnTo>
+                <a:lnTo>
+                  <a:pt x="3120" y="1248"/>
+                </a:lnTo>
+                <a:lnTo>
+                  <a:pt x="3800" y="766"/>
+                </a:lnTo>
+                <a:lnTo>
+                  <a:pt x="3120" y="284"/>
+                </a:lnTo>
+                <a:lnTo>
+                  <a:pt x="3120" y="0"/>
+                </a:lnTo>
+                <a:close/>
+              </a:path>
+            </a:pathLst>
+          </a:custGeom>
+          <a:solidFill>
+            <a:schemeClr val="bg2"/>
+          </a:solidFill>
+          <a:ln>
+            <a:noFill/>
+          </a:ln>
+        </p:spPr>
+        <p:txBody>
+          <a:bodyPr vert="horz" wrap="square" lIns="91440" tIns="45720" rIns="91440" bIns="45720" numCol="1" anchor="ctr" anchorCtr="0" compatLnSpc="1">
+            <a:prstTxWarp prst="textNoShape">
+              <a:avLst/>
+            </a:prstTxWarp>
+            <a:noAutofit/>
+          </a:bodyPr>
+          <a:lstStyle/>
+          <a:p>
+            <a:pPr algn="ctr"/>
+            <a:endParaRPr lang="zh-CN" altLang="en-US" sz="3200" b="1"/>
+          </a:p>
+        </p:txBody>
+      </p:sp>
+      <p:sp>
+        <p:nvSpPr>
+          <p:cNvPr id="14" name="文本框 13"/>
+          <p:cNvSpPr txBox="1"/>
+          <p:nvPr userDrawn="1"/>
+        </p:nvSpPr>
+        <p:spPr>
+          <a:xfrm>
+            <a:off x="2071646" y="2223523"/>
+            <a:ext cx="383206" cy="443226"/>
+          </a:xfrm>
+          <a:prstGeom prst="rect">
+            <a:avLst/>
+          </a:prstGeom>
+          <a:noFill/>
+        </p:spPr>
+        <p:txBody>
+          <a:bodyPr wrap="none" rtlCol="0" anchor="ctr">
+            <a:noAutofit/>
+          </a:bodyPr>
+          <a:lstStyle/>
+          <a:p>
+            <a:pPr algn="ctr"/>
+            <a:r>
+              <a:rPr lang="en-US" altLang="zh-CN" b="1" dirty="0">
+                <a:solidFill>
+                  <a:schemeClr val="bg1"/>
+                </a:solidFill>
+                <a:latin typeface="微软雅黑" panose="020B0503020204020204" pitchFamily="34" charset="-122"/>
+                <a:ea typeface="微软雅黑" panose="020B0503020204020204" pitchFamily="34" charset="-122"/>
+              </a:rPr>
+              <a:t>2</a:t>
+            </a:r>
+            <a:endParaRPr lang="zh-CN" altLang="en-US" b="1" dirty="0">
+              <a:solidFill>
+                <a:schemeClr val="bg1"/>
+              </a:solidFill>
+              <a:latin typeface="微软雅黑" panose="020B0503020204020204" pitchFamily="34" charset="-122"/>
+              <a:ea typeface="微软雅黑" panose="020B0503020204020204" pitchFamily="34" charset="-122"/>
+            </a:endParaRPr>
+          </a:p>
+        </p:txBody>
+      </p:sp>
+      <p:cxnSp>
+        <p:nvCxnSpPr>
+          <p:cNvPr id="15" name="直接连接符 14"/>
+          <p:cNvCxnSpPr>
+            <a:stCxn id="13" idx="6"/>
+          </p:cNvCxnSpPr>
+          <p:nvPr/>
+        </p:nvCxnSpPr>
+        <p:spPr>
+          <a:xfrm>
+            <a:off x="2534033" y="2631188"/>
+            <a:ext cx="4500000" cy="0"/>
+          </a:xfrm>
+          <a:prstGeom prst="line">
+            <a:avLst/>
+          </a:prstGeom>
+          <a:ln>
+            <a:solidFill>
+              <a:schemeClr val="bg2"/>
+            </a:solidFill>
+          </a:ln>
+        </p:spPr>
+        <p:style>
+          <a:lnRef idx="1">
+            <a:schemeClr val="accent1"/>
+          </a:lnRef>
+          <a:fillRef idx="0">
+            <a:schemeClr val="accent1"/>
+          </a:fillRef>
+          <a:effectRef idx="0">
+            <a:schemeClr val="accent1"/>
+          </a:effectRef>
+          <a:fontRef idx="minor">
+            <a:schemeClr val="tx1"/>
+          </a:fontRef>
+        </p:style>
+      </p:cxnSp>
+      <p:sp>
+        <p:nvSpPr>
+          <p:cNvPr id="18" name="Freeform 10"/>
+          <p:cNvSpPr>
+            <a:spLocks noChangeAspect="1"/>
+          </p:cNvSpPr>
+          <p:nvPr userDrawn="1"/>
+        </p:nvSpPr>
+        <p:spPr bwMode="auto">
+          <a:xfrm>
+            <a:off x="1841535" y="3207303"/>
+            <a:ext cx="843427" cy="343858"/>
+          </a:xfrm>
+          <a:custGeom>
+            <a:avLst/>
+            <a:gdLst>
+              <a:gd name="T0" fmla="*/ 3120 w 3800"/>
+              <a:gd name="T1" fmla="*/ 0 h 1532"/>
+              <a:gd name="T2" fmla="*/ 682 w 3800"/>
+              <a:gd name="T3" fmla="*/ 0 h 1532"/>
+              <a:gd name="T4" fmla="*/ 682 w 3800"/>
+              <a:gd name="T5" fmla="*/ 284 h 1532"/>
+              <a:gd name="T6" fmla="*/ 0 w 3800"/>
+              <a:gd name="T7" fmla="*/ 766 h 1532"/>
+              <a:gd name="T8" fmla="*/ 682 w 3800"/>
+              <a:gd name="T9" fmla="*/ 1248 h 1532"/>
+              <a:gd name="T10" fmla="*/ 682 w 3800"/>
+              <a:gd name="T11" fmla="*/ 1532 h 1532"/>
+              <a:gd name="T12" fmla="*/ 3120 w 3800"/>
+              <a:gd name="T13" fmla="*/ 1532 h 1532"/>
+              <a:gd name="T14" fmla="*/ 3120 w 3800"/>
+              <a:gd name="T15" fmla="*/ 1248 h 1532"/>
+              <a:gd name="T16" fmla="*/ 3800 w 3800"/>
+              <a:gd name="T17" fmla="*/ 766 h 1532"/>
+              <a:gd name="T18" fmla="*/ 3120 w 3800"/>
+              <a:gd name="T19" fmla="*/ 284 h 1532"/>
+              <a:gd name="T20" fmla="*/ 3120 w 3800"/>
+              <a:gd name="T21" fmla="*/ 0 h 1532"/>
+            </a:gdLst>
+            <a:ahLst/>
+            <a:cxnLst>
+              <a:cxn ang="0">
+                <a:pos x="T0" y="T1"/>
+              </a:cxn>
+              <a:cxn ang="0">
+                <a:pos x="T2" y="T3"/>
+              </a:cxn>
+              <a:cxn ang="0">
+                <a:pos x="T4" y="T5"/>
+              </a:cxn>
+              <a:cxn ang="0">
+                <a:pos x="T6" y="T7"/>
+              </a:cxn>
+              <a:cxn ang="0">
+                <a:pos x="T8" y="T9"/>
+              </a:cxn>
+              <a:cxn ang="0">
+                <a:pos x="T10" y="T11"/>
+              </a:cxn>
+              <a:cxn ang="0">
+                <a:pos x="T12" y="T13"/>
+              </a:cxn>
+              <a:cxn ang="0">
+                <a:pos x="T14" y="T15"/>
+              </a:cxn>
+              <a:cxn ang="0">
+                <a:pos x="T16" y="T17"/>
+              </a:cxn>
+              <a:cxn ang="0">
+                <a:pos x="T18" y="T19"/>
+              </a:cxn>
+              <a:cxn ang="0">
+                <a:pos x="T20" y="T21"/>
+              </a:cxn>
+            </a:cxnLst>
+            <a:rect l="0" t="0" r="r" b="b"/>
+            <a:pathLst>
+              <a:path w="3800" h="1532">
+                <a:moveTo>
+                  <a:pt x="3120" y="0"/>
+                </a:moveTo>
+                <a:lnTo>
+                  <a:pt x="682" y="0"/>
+                </a:lnTo>
+                <a:lnTo>
+                  <a:pt x="682" y="284"/>
+                </a:lnTo>
+                <a:lnTo>
+                  <a:pt x="0" y="766"/>
+                </a:lnTo>
+                <a:lnTo>
+                  <a:pt x="682" y="1248"/>
+                </a:lnTo>
+                <a:lnTo>
+                  <a:pt x="682" y="1532"/>
+                </a:lnTo>
+                <a:lnTo>
+                  <a:pt x="3120" y="1532"/>
+                </a:lnTo>
+                <a:lnTo>
+                  <a:pt x="3120" y="1248"/>
+                </a:lnTo>
+                <a:lnTo>
+                  <a:pt x="3800" y="766"/>
+                </a:lnTo>
+                <a:lnTo>
+                  <a:pt x="3120" y="284"/>
+                </a:lnTo>
+                <a:lnTo>
+                  <a:pt x="3120" y="0"/>
+                </a:lnTo>
+                <a:close/>
+              </a:path>
+            </a:pathLst>
+          </a:custGeom>
+          <a:solidFill>
+            <a:schemeClr val="bg2"/>
+          </a:solidFill>
+          <a:ln>
+            <a:noFill/>
+          </a:ln>
+        </p:spPr>
+        <p:txBody>
+          <a:bodyPr vert="horz" wrap="square" lIns="91440" tIns="45720" rIns="91440" bIns="45720" numCol="1" anchor="ctr" anchorCtr="0" compatLnSpc="1">
+            <a:prstTxWarp prst="textNoShape">
+              <a:avLst/>
+            </a:prstTxWarp>
+            <a:noAutofit/>
+          </a:bodyPr>
+          <a:lstStyle/>
+          <a:p>
+            <a:pPr algn="ctr"/>
+            <a:endParaRPr lang="zh-CN" altLang="en-US" sz="3200" b="1"/>
+          </a:p>
+        </p:txBody>
+      </p:sp>
+      <p:sp>
+        <p:nvSpPr>
+          <p:cNvPr id="19" name="文本框 18"/>
+          <p:cNvSpPr txBox="1"/>
+          <p:nvPr userDrawn="1"/>
+        </p:nvSpPr>
+        <p:spPr>
+          <a:xfrm>
+            <a:off x="2071646" y="3143496"/>
+            <a:ext cx="383206" cy="443226"/>
+          </a:xfrm>
+          <a:prstGeom prst="rect">
+            <a:avLst/>
+          </a:prstGeom>
+          <a:noFill/>
+        </p:spPr>
+        <p:txBody>
+          <a:bodyPr wrap="none" rtlCol="0" anchor="ctr">
+            <a:noAutofit/>
+          </a:bodyPr>
+          <a:lstStyle/>
+          <a:p>
+            <a:pPr algn="ctr"/>
+            <a:r>
+              <a:rPr lang="en-US" altLang="zh-CN" b="1" dirty="0">
+                <a:solidFill>
+                  <a:schemeClr val="bg1"/>
+                </a:solidFill>
+                <a:latin typeface="微软雅黑" panose="020B0503020204020204" pitchFamily="34" charset="-122"/>
+                <a:ea typeface="微软雅黑" panose="020B0503020204020204" pitchFamily="34" charset="-122"/>
+              </a:rPr>
+              <a:t>3</a:t>
+            </a:r>
+            <a:endParaRPr lang="zh-CN" altLang="en-US" b="1" dirty="0">
+              <a:solidFill>
+                <a:schemeClr val="bg1"/>
+              </a:solidFill>
+              <a:latin typeface="微软雅黑" panose="020B0503020204020204" pitchFamily="34" charset="-122"/>
+              <a:ea typeface="微软雅黑" panose="020B0503020204020204" pitchFamily="34" charset="-122"/>
+            </a:endParaRPr>
+          </a:p>
+        </p:txBody>
+      </p:sp>
+      <p:cxnSp>
+        <p:nvCxnSpPr>
+          <p:cNvPr id="20" name="直接连接符 19"/>
+          <p:cNvCxnSpPr>
+            <a:stCxn id="18" idx="6"/>
+          </p:cNvCxnSpPr>
+          <p:nvPr/>
+        </p:nvCxnSpPr>
+        <p:spPr>
+          <a:xfrm>
+            <a:off x="2534033" y="3551161"/>
+            <a:ext cx="4500000" cy="0"/>
+          </a:xfrm>
+          <a:prstGeom prst="line">
+            <a:avLst/>
+          </a:prstGeom>
+          <a:ln>
+            <a:solidFill>
+              <a:schemeClr val="bg2"/>
+            </a:solidFill>
+          </a:ln>
+        </p:spPr>
+        <p:style>
+          <a:lnRef idx="1">
+            <a:schemeClr val="accent1"/>
+          </a:lnRef>
+          <a:fillRef idx="0">
+            <a:schemeClr val="accent1"/>
+          </a:fillRef>
+          <a:effectRef idx="0">
+            <a:schemeClr val="accent1"/>
+          </a:effectRef>
+          <a:fontRef idx="minor">
+            <a:schemeClr val="tx1"/>
+          </a:fontRef>
+        </p:style>
+      </p:cxnSp>
+      <p:sp>
+        <p:nvSpPr>
+          <p:cNvPr id="23" name="Freeform 10"/>
+          <p:cNvSpPr>
+            <a:spLocks noChangeAspect="1"/>
+          </p:cNvSpPr>
+          <p:nvPr userDrawn="1"/>
+        </p:nvSpPr>
+        <p:spPr bwMode="auto">
+          <a:xfrm>
+            <a:off x="1841535" y="4127276"/>
+            <a:ext cx="843427" cy="343858"/>
+          </a:xfrm>
+          <a:custGeom>
+            <a:avLst/>
+            <a:gdLst>
+              <a:gd name="T0" fmla="*/ 3120 w 3800"/>
+              <a:gd name="T1" fmla="*/ 0 h 1532"/>
+              <a:gd name="T2" fmla="*/ 682 w 3800"/>
+              <a:gd name="T3" fmla="*/ 0 h 1532"/>
+              <a:gd name="T4" fmla="*/ 682 w 3800"/>
+              <a:gd name="T5" fmla="*/ 284 h 1532"/>
+              <a:gd name="T6" fmla="*/ 0 w 3800"/>
+              <a:gd name="T7" fmla="*/ 766 h 1532"/>
+              <a:gd name="T8" fmla="*/ 682 w 3800"/>
+              <a:gd name="T9" fmla="*/ 1248 h 1532"/>
+              <a:gd name="T10" fmla="*/ 682 w 3800"/>
+              <a:gd name="T11" fmla="*/ 1532 h 1532"/>
+              <a:gd name="T12" fmla="*/ 3120 w 3800"/>
+              <a:gd name="T13" fmla="*/ 1532 h 1532"/>
+              <a:gd name="T14" fmla="*/ 3120 w 3800"/>
+              <a:gd name="T15" fmla="*/ 1248 h 1532"/>
+              <a:gd name="T16" fmla="*/ 3800 w 3800"/>
+              <a:gd name="T17" fmla="*/ 766 h 1532"/>
+              <a:gd name="T18" fmla="*/ 3120 w 3800"/>
+              <a:gd name="T19" fmla="*/ 284 h 1532"/>
+              <a:gd name="T20" fmla="*/ 3120 w 3800"/>
+              <a:gd name="T21" fmla="*/ 0 h 1532"/>
+            </a:gdLst>
+            <a:ahLst/>
+            <a:cxnLst>
+              <a:cxn ang="0">
+                <a:pos x="T0" y="T1"/>
+              </a:cxn>
+              <a:cxn ang="0">
+                <a:pos x="T2" y="T3"/>
+              </a:cxn>
+              <a:cxn ang="0">
+                <a:pos x="T4" y="T5"/>
+              </a:cxn>
+              <a:cxn ang="0">
+                <a:pos x="T6" y="T7"/>
+              </a:cxn>
+              <a:cxn ang="0">
+                <a:pos x="T8" y="T9"/>
+              </a:cxn>
+              <a:cxn ang="0">
+                <a:pos x="T10" y="T11"/>
+              </a:cxn>
+              <a:cxn ang="0">
+                <a:pos x="T12" y="T13"/>
+              </a:cxn>
+              <a:cxn ang="0">
+                <a:pos x="T14" y="T15"/>
+              </a:cxn>
+              <a:cxn ang="0">
+                <a:pos x="T16" y="T17"/>
+              </a:cxn>
+              <a:cxn ang="0">
+                <a:pos x="T18" y="T19"/>
+              </a:cxn>
+              <a:cxn ang="0">
+                <a:pos x="T20" y="T21"/>
+              </a:cxn>
+            </a:cxnLst>
+            <a:rect l="0" t="0" r="r" b="b"/>
+            <a:pathLst>
+              <a:path w="3800" h="1532">
+                <a:moveTo>
+                  <a:pt x="3120" y="0"/>
+                </a:moveTo>
+                <a:lnTo>
+                  <a:pt x="682" y="0"/>
+                </a:lnTo>
+                <a:lnTo>
+                  <a:pt x="682" y="284"/>
+                </a:lnTo>
+                <a:lnTo>
+                  <a:pt x="0" y="766"/>
+                </a:lnTo>
+                <a:lnTo>
+                  <a:pt x="682" y="1248"/>
+                </a:lnTo>
+                <a:lnTo>
+                  <a:pt x="682" y="1532"/>
+                </a:lnTo>
+                <a:lnTo>
+                  <a:pt x="3120" y="1532"/>
+                </a:lnTo>
+                <a:lnTo>
+                  <a:pt x="3120" y="1248"/>
+                </a:lnTo>
+                <a:lnTo>
+                  <a:pt x="3800" y="766"/>
+                </a:lnTo>
+                <a:lnTo>
+                  <a:pt x="3120" y="284"/>
+                </a:lnTo>
+                <a:lnTo>
+                  <a:pt x="3120" y="0"/>
+                </a:lnTo>
+                <a:close/>
+              </a:path>
+            </a:pathLst>
+          </a:custGeom>
+          <a:solidFill>
+            <a:schemeClr val="accent1"/>
+          </a:solidFill>
+          <a:ln>
+            <a:noFill/>
+          </a:ln>
+        </p:spPr>
+        <p:txBody>
+          <a:bodyPr vert="horz" wrap="square" lIns="91440" tIns="45720" rIns="91440" bIns="45720" numCol="1" anchor="ctr" anchorCtr="0" compatLnSpc="1">
+            <a:prstTxWarp prst="textNoShape">
+              <a:avLst/>
+            </a:prstTxWarp>
+            <a:noAutofit/>
+          </a:bodyPr>
+          <a:lstStyle/>
+          <a:p>
+            <a:pPr algn="ctr"/>
+            <a:endParaRPr lang="zh-CN" altLang="en-US" sz="3200" b="1"/>
+          </a:p>
+        </p:txBody>
+      </p:sp>
+      <p:sp>
+        <p:nvSpPr>
+          <p:cNvPr id="24" name="文本框 23"/>
+          <p:cNvSpPr txBox="1"/>
+          <p:nvPr userDrawn="1"/>
+        </p:nvSpPr>
+        <p:spPr>
+          <a:xfrm>
+            <a:off x="2071646" y="4063469"/>
+            <a:ext cx="383206" cy="443226"/>
+          </a:xfrm>
+          <a:prstGeom prst="rect">
+            <a:avLst/>
+          </a:prstGeom>
+          <a:noFill/>
+        </p:spPr>
+        <p:txBody>
+          <a:bodyPr wrap="none" rtlCol="0" anchor="ctr">
+            <a:noAutofit/>
+          </a:bodyPr>
+          <a:lstStyle/>
+          <a:p>
+            <a:pPr algn="ctr"/>
+            <a:r>
+              <a:rPr lang="en-US" altLang="zh-CN" b="1" dirty="0">
+                <a:solidFill>
+                  <a:schemeClr val="bg1"/>
+                </a:solidFill>
+                <a:latin typeface="微软雅黑" panose="020B0503020204020204" pitchFamily="34" charset="-122"/>
+                <a:ea typeface="微软雅黑" panose="020B0503020204020204" pitchFamily="34" charset="-122"/>
+              </a:rPr>
+              <a:t>4</a:t>
+            </a:r>
+            <a:endParaRPr lang="zh-CN" altLang="en-US" b="1" dirty="0">
+              <a:solidFill>
+                <a:schemeClr val="bg1"/>
+              </a:solidFill>
+              <a:latin typeface="微软雅黑" panose="020B0503020204020204" pitchFamily="34" charset="-122"/>
+              <a:ea typeface="微软雅黑" panose="020B0503020204020204" pitchFamily="34" charset="-122"/>
+            </a:endParaRPr>
+          </a:p>
+        </p:txBody>
+      </p:sp>
+      <p:cxnSp>
+        <p:nvCxnSpPr>
+          <p:cNvPr id="25" name="直接连接符 24"/>
+          <p:cNvCxnSpPr>
+            <a:stCxn id="23" idx="6"/>
+          </p:cNvCxnSpPr>
+          <p:nvPr/>
+        </p:nvCxnSpPr>
+        <p:spPr>
+          <a:xfrm>
+            <a:off x="2534033" y="4471134"/>
+            <a:ext cx="4500000" cy="0"/>
+          </a:xfrm>
+          <a:prstGeom prst="line">
+            <a:avLst/>
+          </a:prstGeom>
+          <a:ln>
+            <a:solidFill>
+              <a:schemeClr val="accent1"/>
+            </a:solidFill>
+          </a:ln>
+        </p:spPr>
+        <p:style>
+          <a:lnRef idx="1">
+            <a:schemeClr val="accent1"/>
+          </a:lnRef>
+          <a:fillRef idx="0">
+            <a:schemeClr val="accent1"/>
+          </a:fillRef>
+          <a:effectRef idx="0">
+            <a:schemeClr val="accent1"/>
+          </a:effectRef>
+          <a:fontRef idx="minor">
+            <a:schemeClr val="tx1"/>
+          </a:fontRef>
+        </p:style>
+      </p:cxnSp>
+      <p:sp>
+        <p:nvSpPr>
+          <p:cNvPr id="33" name="Freeform 10"/>
+          <p:cNvSpPr>
+            <a:spLocks noChangeAspect="1"/>
+          </p:cNvSpPr>
+          <p:nvPr userDrawn="1"/>
+        </p:nvSpPr>
+        <p:spPr bwMode="auto">
+          <a:xfrm>
+            <a:off x="1841535" y="5047251"/>
+            <a:ext cx="843427" cy="343858"/>
+          </a:xfrm>
+          <a:custGeom>
+            <a:avLst/>
+            <a:gdLst>
+              <a:gd name="T0" fmla="*/ 3120 w 3800"/>
+              <a:gd name="T1" fmla="*/ 0 h 1532"/>
+              <a:gd name="T2" fmla="*/ 682 w 3800"/>
+              <a:gd name="T3" fmla="*/ 0 h 1532"/>
+              <a:gd name="T4" fmla="*/ 682 w 3800"/>
+              <a:gd name="T5" fmla="*/ 284 h 1532"/>
+              <a:gd name="T6" fmla="*/ 0 w 3800"/>
+              <a:gd name="T7" fmla="*/ 766 h 1532"/>
+              <a:gd name="T8" fmla="*/ 682 w 3800"/>
+              <a:gd name="T9" fmla="*/ 1248 h 1532"/>
+              <a:gd name="T10" fmla="*/ 682 w 3800"/>
+              <a:gd name="T11" fmla="*/ 1532 h 1532"/>
+              <a:gd name="T12" fmla="*/ 3120 w 3800"/>
+              <a:gd name="T13" fmla="*/ 1532 h 1532"/>
+              <a:gd name="T14" fmla="*/ 3120 w 3800"/>
+              <a:gd name="T15" fmla="*/ 1248 h 1532"/>
+              <a:gd name="T16" fmla="*/ 3800 w 3800"/>
+              <a:gd name="T17" fmla="*/ 766 h 1532"/>
+              <a:gd name="T18" fmla="*/ 3120 w 3800"/>
+              <a:gd name="T19" fmla="*/ 284 h 1532"/>
+              <a:gd name="T20" fmla="*/ 3120 w 3800"/>
+              <a:gd name="T21" fmla="*/ 0 h 1532"/>
+            </a:gdLst>
+            <a:ahLst/>
+            <a:cxnLst>
+              <a:cxn ang="0">
+                <a:pos x="T0" y="T1"/>
+              </a:cxn>
+              <a:cxn ang="0">
+                <a:pos x="T2" y="T3"/>
+              </a:cxn>
+              <a:cxn ang="0">
+                <a:pos x="T4" y="T5"/>
+              </a:cxn>
+              <a:cxn ang="0">
+                <a:pos x="T6" y="T7"/>
+              </a:cxn>
+              <a:cxn ang="0">
+                <a:pos x="T8" y="T9"/>
+              </a:cxn>
+              <a:cxn ang="0">
+                <a:pos x="T10" y="T11"/>
+              </a:cxn>
+              <a:cxn ang="0">
+                <a:pos x="T12" y="T13"/>
+              </a:cxn>
+              <a:cxn ang="0">
+                <a:pos x="T14" y="T15"/>
+              </a:cxn>
+              <a:cxn ang="0">
+                <a:pos x="T16" y="T17"/>
+              </a:cxn>
+              <a:cxn ang="0">
+                <a:pos x="T18" y="T19"/>
+              </a:cxn>
+              <a:cxn ang="0">
+                <a:pos x="T20" y="T21"/>
+              </a:cxn>
+            </a:cxnLst>
+            <a:rect l="0" t="0" r="r" b="b"/>
+            <a:pathLst>
+              <a:path w="3800" h="1532">
+                <a:moveTo>
+                  <a:pt x="3120" y="0"/>
+                </a:moveTo>
+                <a:lnTo>
+                  <a:pt x="682" y="0"/>
+                </a:lnTo>
+                <a:lnTo>
+                  <a:pt x="682" y="284"/>
+                </a:lnTo>
+                <a:lnTo>
+                  <a:pt x="0" y="766"/>
+                </a:lnTo>
+                <a:lnTo>
+                  <a:pt x="682" y="1248"/>
+                </a:lnTo>
+                <a:lnTo>
+                  <a:pt x="682" y="1532"/>
+                </a:lnTo>
+                <a:lnTo>
+                  <a:pt x="3120" y="1532"/>
+                </a:lnTo>
+                <a:lnTo>
+                  <a:pt x="3120" y="1248"/>
+                </a:lnTo>
+                <a:lnTo>
+                  <a:pt x="3800" y="766"/>
+                </a:lnTo>
+                <a:lnTo>
+                  <a:pt x="3120" y="284"/>
+                </a:lnTo>
+                <a:lnTo>
+                  <a:pt x="3120" y="0"/>
+                </a:lnTo>
+                <a:close/>
+              </a:path>
+            </a:pathLst>
+          </a:custGeom>
+          <a:solidFill>
+            <a:schemeClr val="bg2"/>
+          </a:solidFill>
+          <a:ln>
+            <a:noFill/>
+          </a:ln>
+        </p:spPr>
+        <p:txBody>
+          <a:bodyPr vert="horz" wrap="square" lIns="91440" tIns="45720" rIns="91440" bIns="45720" numCol="1" anchor="ctr" anchorCtr="0" compatLnSpc="1">
+            <a:prstTxWarp prst="textNoShape">
+              <a:avLst/>
+            </a:prstTxWarp>
+            <a:noAutofit/>
+          </a:bodyPr>
+          <a:lstStyle/>
+          <a:p>
+            <a:pPr algn="ctr"/>
+            <a:endParaRPr lang="zh-CN" altLang="en-US" sz="3200" b="1"/>
+          </a:p>
+        </p:txBody>
+      </p:sp>
+      <p:sp>
+        <p:nvSpPr>
+          <p:cNvPr id="34" name="文本框 33"/>
+          <p:cNvSpPr txBox="1"/>
+          <p:nvPr userDrawn="1"/>
+        </p:nvSpPr>
+        <p:spPr>
+          <a:xfrm>
+            <a:off x="2071646" y="4983444"/>
+            <a:ext cx="383206" cy="443226"/>
+          </a:xfrm>
+          <a:prstGeom prst="rect">
+            <a:avLst/>
+          </a:prstGeom>
+          <a:noFill/>
+        </p:spPr>
+        <p:txBody>
+          <a:bodyPr wrap="none" rtlCol="0" anchor="ctr">
+            <a:noAutofit/>
+          </a:bodyPr>
+          <a:lstStyle/>
+          <a:p>
+            <a:pPr algn="ctr"/>
+            <a:r>
+              <a:rPr lang="en-US" altLang="zh-CN" b="1" dirty="0">
+                <a:solidFill>
+                  <a:schemeClr val="bg1"/>
+                </a:solidFill>
+                <a:latin typeface="微软雅黑" panose="020B0503020204020204" pitchFamily="34" charset="-122"/>
+                <a:ea typeface="微软雅黑" panose="020B0503020204020204" pitchFamily="34" charset="-122"/>
+              </a:rPr>
+              <a:t>5</a:t>
+            </a:r>
+            <a:endParaRPr lang="zh-CN" altLang="en-US" b="1" dirty="0">
+              <a:solidFill>
+                <a:schemeClr val="bg1"/>
+              </a:solidFill>
+              <a:latin typeface="微软雅黑" panose="020B0503020204020204" pitchFamily="34" charset="-122"/>
+              <a:ea typeface="微软雅黑" panose="020B0503020204020204" pitchFamily="34" charset="-122"/>
+            </a:endParaRPr>
+          </a:p>
+        </p:txBody>
+      </p:sp>
+      <p:cxnSp>
+        <p:nvCxnSpPr>
+          <p:cNvPr id="35" name="直接连接符 34"/>
+          <p:cNvCxnSpPr>
+            <a:stCxn id="33" idx="6"/>
+          </p:cNvCxnSpPr>
+          <p:nvPr/>
+        </p:nvCxnSpPr>
+        <p:spPr>
+          <a:xfrm>
+            <a:off x="2534033" y="5391109"/>
+            <a:ext cx="4500000" cy="0"/>
+          </a:xfrm>
+          <a:prstGeom prst="line">
+            <a:avLst/>
+          </a:prstGeom>
+          <a:ln>
+            <a:solidFill>
+              <a:schemeClr val="bg2"/>
+            </a:solidFill>
+          </a:ln>
+        </p:spPr>
+        <p:style>
+          <a:lnRef idx="1">
+            <a:schemeClr val="accent1"/>
+          </a:lnRef>
+          <a:fillRef idx="0">
+            <a:schemeClr val="accent1"/>
+          </a:fillRef>
+          <a:effectRef idx="0">
+            <a:schemeClr val="accent1"/>
+          </a:effectRef>
+          <a:fontRef idx="minor">
+            <a:schemeClr val="tx1"/>
+          </a:fontRef>
+        </p:style>
+      </p:cxnSp>
+      <p:sp>
+        <p:nvSpPr>
+          <p:cNvPr id="27" name="文本框 26">
+            <a:extLst>
+              <a:ext uri="{FF2B5EF4-FFF2-40B4-BE49-F238E27FC236}">
+                <a16:creationId xmlns:a16="http://schemas.microsoft.com/office/drawing/2014/main" id="{C9E08AC9-4FB0-4550-A1CB-816188F7BA49}"/>
+              </a:ext>
+            </a:extLst>
+          </p:cNvPr>
+          <p:cNvSpPr txBox="1"/>
+          <p:nvPr/>
+        </p:nvSpPr>
+        <p:spPr>
+          <a:xfrm>
+            <a:off x="2915072" y="1274734"/>
+            <a:ext cx="6125295" cy="461665"/>
+          </a:xfrm>
+          <a:prstGeom prst="rect">
+            <a:avLst/>
+          </a:prstGeom>
+          <a:noFill/>
+        </p:spPr>
+        <p:txBody>
+          <a:bodyPr wrap="square" rtlCol="0">
+            <a:spAutoFit/>
+          </a:bodyPr>
+          <a:lstStyle/>
+          <a:p>
+            <a:r>
+              <a:rPr lang="en-GB" altLang="zh-CN" sz="2400" dirty="0" err="1"/>
+              <a:t>NPoS</a:t>
+            </a:r>
+            <a:r>
+              <a:rPr lang="en-GB" altLang="zh-CN" sz="2400" dirty="0"/>
+              <a:t> and Validator election</a:t>
+            </a:r>
+            <a:endParaRPr lang="zh-CN" altLang="en-US" sz="2400" dirty="0"/>
+          </a:p>
+        </p:txBody>
+      </p:sp>
+      <p:sp>
+        <p:nvSpPr>
+          <p:cNvPr id="28" name="文本框 27">
+            <a:extLst>
+              <a:ext uri="{FF2B5EF4-FFF2-40B4-BE49-F238E27FC236}">
+                <a16:creationId xmlns:a16="http://schemas.microsoft.com/office/drawing/2014/main" id="{DCEE20DD-9900-4544-99E0-9CF98F12850C}"/>
+              </a:ext>
+            </a:extLst>
+          </p:cNvPr>
+          <p:cNvSpPr txBox="1"/>
+          <p:nvPr/>
+        </p:nvSpPr>
+        <p:spPr>
+          <a:xfrm>
+            <a:off x="2915073" y="2194707"/>
+            <a:ext cx="4387392" cy="461665"/>
+          </a:xfrm>
+          <a:prstGeom prst="rect">
+            <a:avLst/>
+          </a:prstGeom>
+          <a:noFill/>
+        </p:spPr>
+        <p:txBody>
+          <a:bodyPr wrap="square" rtlCol="0">
+            <a:spAutoFit/>
+          </a:bodyPr>
+          <a:lstStyle/>
+          <a:p>
+            <a:r>
+              <a:rPr lang="en-US" altLang="zh-CN" sz="2400" dirty="0">
+                <a:solidFill>
+                  <a:schemeClr val="tx1">
+                    <a:lumMod val="75000"/>
+                    <a:lumOff val="25000"/>
+                  </a:schemeClr>
+                </a:solidFill>
+              </a:rPr>
+              <a:t>Relay Chain State Machine</a:t>
+            </a:r>
+            <a:endParaRPr lang="zh-CN" altLang="en-US" sz="2400" dirty="0">
+              <a:solidFill>
+                <a:schemeClr val="tx1">
+                  <a:lumMod val="75000"/>
+                  <a:lumOff val="25000"/>
+                </a:schemeClr>
+              </a:solidFill>
+            </a:endParaRPr>
+          </a:p>
+        </p:txBody>
+      </p:sp>
+      <p:sp>
+        <p:nvSpPr>
+          <p:cNvPr id="29" name="文本框 28">
+            <a:extLst>
+              <a:ext uri="{FF2B5EF4-FFF2-40B4-BE49-F238E27FC236}">
+                <a16:creationId xmlns:a16="http://schemas.microsoft.com/office/drawing/2014/main" id="{F8A501EB-494C-402A-B6AA-166DC15EC702}"/>
+              </a:ext>
+            </a:extLst>
+          </p:cNvPr>
+          <p:cNvSpPr txBox="1"/>
+          <p:nvPr/>
+        </p:nvSpPr>
+        <p:spPr>
+          <a:xfrm>
+            <a:off x="2915073" y="3114680"/>
+            <a:ext cx="4387392" cy="461665"/>
+          </a:xfrm>
+          <a:prstGeom prst="rect">
+            <a:avLst/>
+          </a:prstGeom>
+          <a:noFill/>
+        </p:spPr>
+        <p:txBody>
+          <a:bodyPr wrap="square" rtlCol="0">
+            <a:spAutoFit/>
+          </a:bodyPr>
+          <a:lstStyle/>
+          <a:p>
+            <a:r>
+              <a:rPr lang="en-US" altLang="zh-CN" sz="2400" dirty="0"/>
+              <a:t>Consensus</a:t>
+            </a:r>
+          </a:p>
+        </p:txBody>
+      </p:sp>
+      <p:sp>
+        <p:nvSpPr>
+          <p:cNvPr id="30" name="文本框 29">
+            <a:extLst>
+              <a:ext uri="{FF2B5EF4-FFF2-40B4-BE49-F238E27FC236}">
+                <a16:creationId xmlns:a16="http://schemas.microsoft.com/office/drawing/2014/main" id="{FAEEC2EF-63E0-41AC-8096-B58B0901F43E}"/>
+              </a:ext>
+            </a:extLst>
+          </p:cNvPr>
+          <p:cNvSpPr txBox="1"/>
+          <p:nvPr/>
+        </p:nvSpPr>
+        <p:spPr>
+          <a:xfrm>
+            <a:off x="2915073" y="4034653"/>
+            <a:ext cx="4387392" cy="461665"/>
+          </a:xfrm>
+          <a:prstGeom prst="rect">
+            <a:avLst/>
+          </a:prstGeom>
+          <a:noFill/>
+        </p:spPr>
+        <p:txBody>
+          <a:bodyPr wrap="square" rtlCol="0">
+            <a:spAutoFit/>
+          </a:bodyPr>
+          <a:lstStyle/>
+          <a:p>
+            <a:r>
+              <a:rPr lang="en-US" altLang="zh-CN" sz="2400" dirty="0" err="1"/>
               <a:t>Parachains</a:t>
             </a:r>
-            <a:r>
-              <a:rPr lang="en-US" altLang="zh-CN" dirty="0"/>
-              <a:t>: Block Production</a:t>
-            </a:r>
-            <a:endParaRPr lang="zh-CN" altLang="en-US" dirty="0"/>
+            <a:endParaRPr lang="zh-CN" altLang="en-US" sz="2400" dirty="0"/>
+          </a:p>
+        </p:txBody>
+      </p:sp>
+      <p:sp>
+        <p:nvSpPr>
+          <p:cNvPr id="31" name="文本框 30">
+            <a:extLst>
+              <a:ext uri="{FF2B5EF4-FFF2-40B4-BE49-F238E27FC236}">
+                <a16:creationId xmlns:a16="http://schemas.microsoft.com/office/drawing/2014/main" id="{5B1E82B5-785F-4746-8986-90B1431A45D7}"/>
+              </a:ext>
+            </a:extLst>
+          </p:cNvPr>
+          <p:cNvSpPr txBox="1"/>
+          <p:nvPr/>
+        </p:nvSpPr>
+        <p:spPr>
+          <a:xfrm>
+            <a:off x="2915073" y="4954628"/>
+            <a:ext cx="5137744" cy="461665"/>
+          </a:xfrm>
+          <a:prstGeom prst="rect">
+            <a:avLst/>
+          </a:prstGeom>
+          <a:noFill/>
+        </p:spPr>
+        <p:txBody>
+          <a:bodyPr wrap="square" rtlCol="0">
+            <a:spAutoFit/>
+          </a:bodyPr>
+          <a:lstStyle/>
+          <a:p>
+            <a:r>
+              <a:rPr lang="en-US" altLang="zh-CN" sz="2400" dirty="0"/>
+              <a:t>Economics, Incentive and Governance</a:t>
+            </a:r>
+            <a:endParaRPr lang="zh-CN" altLang="en-US" sz="2400" dirty="0"/>
           </a:p>
         </p:txBody>
       </p:sp>
     </p:spTree>
     <p:extLst>
       <p:ext uri="{BB962C8B-B14F-4D97-AF65-F5344CB8AC3E}">
-        <p14:creationId xmlns:p14="http://schemas.microsoft.com/office/powerpoint/2010/main" val="1482135135"/>
+        <p14:creationId xmlns:p14="http://schemas.microsoft.com/office/powerpoint/2010/main" val="3578238027"/>
       </p:ext>
     </p:extLst>
   </p:cSld>
@@ -13553,6 +14034,102 @@
       </p:grpSpPr>
       <p:sp>
         <p:nvSpPr>
+          <p:cNvPr id="2" name="内容占位符 1">
+            <a:extLst>
+              <a:ext uri="{FF2B5EF4-FFF2-40B4-BE49-F238E27FC236}">
+                <a16:creationId xmlns:a16="http://schemas.microsoft.com/office/drawing/2014/main" id="{2A548508-DD86-443D-A98C-0D26CE09E53D}"/>
+              </a:ext>
+            </a:extLst>
+          </p:cNvPr>
+          <p:cNvSpPr>
+            <a:spLocks noGrp="1"/>
+          </p:cNvSpPr>
+          <p:nvPr>
+            <p:ph sz="quarter" idx="10"/>
+          </p:nvPr>
+        </p:nvSpPr>
+        <p:spPr/>
+        <p:txBody>
+          <a:bodyPr/>
+          <a:lstStyle/>
+          <a:p>
+            <a:r>
+              <a:rPr lang="en-US" altLang="zh-CN" dirty="0"/>
+              <a:t>General </a:t>
+            </a:r>
+            <a:r>
+              <a:rPr lang="en-US" altLang="zh-CN" dirty="0" err="1"/>
+              <a:t>parachains</a:t>
+            </a:r>
+            <a:endParaRPr lang="en-US" altLang="zh-CN" dirty="0"/>
+          </a:p>
+        </p:txBody>
+      </p:sp>
+      <p:sp>
+        <p:nvSpPr>
+          <p:cNvPr id="3" name="标题 2">
+            <a:extLst>
+              <a:ext uri="{FF2B5EF4-FFF2-40B4-BE49-F238E27FC236}">
+                <a16:creationId xmlns:a16="http://schemas.microsoft.com/office/drawing/2014/main" id="{FC36AE11-1E6D-4449-BDC7-6403AFDC25CA}"/>
+              </a:ext>
+            </a:extLst>
+          </p:cNvPr>
+          <p:cNvSpPr>
+            <a:spLocks noGrp="1"/>
+          </p:cNvSpPr>
+          <p:nvPr>
+            <p:ph type="title"/>
+          </p:nvPr>
+        </p:nvSpPr>
+        <p:spPr/>
+        <p:txBody>
+          <a:bodyPr/>
+          <a:lstStyle/>
+          <a:p>
+            <a:r>
+              <a:rPr lang="en-US" altLang="zh-CN" dirty="0" err="1"/>
+              <a:t>Parachains</a:t>
+            </a:r>
+            <a:r>
+              <a:rPr lang="en-US" altLang="zh-CN" dirty="0"/>
+              <a:t>: Block Production</a:t>
+            </a:r>
+            <a:endParaRPr lang="zh-CN" altLang="en-US" dirty="0"/>
+          </a:p>
+        </p:txBody>
+      </p:sp>
+    </p:spTree>
+    <p:extLst>
+      <p:ext uri="{BB962C8B-B14F-4D97-AF65-F5344CB8AC3E}">
+        <p14:creationId xmlns:p14="http://schemas.microsoft.com/office/powerpoint/2010/main" val="1482135135"/>
+      </p:ext>
+    </p:extLst>
+  </p:cSld>
+  <p:clrMapOvr>
+    <a:masterClrMapping/>
+  </p:clrMapOvr>
+</p:sld>
+</file>
+
+<file path=ppt/slides/slide22.xml><?xml version="1.0" encoding="utf-8"?>
+<p:sld xmlns:a="http://schemas.openxmlformats.org/drawingml/2006/main" xmlns:r="http://schemas.openxmlformats.org/officeDocument/2006/relationships" xmlns:p="http://schemas.openxmlformats.org/presentationml/2006/main">
+  <p:cSld>
+    <p:spTree>
+      <p:nvGrpSpPr>
+        <p:cNvPr id="1" name=""/>
+        <p:cNvGrpSpPr/>
+        <p:nvPr/>
+      </p:nvGrpSpPr>
+      <p:grpSpPr>
+        <a:xfrm>
+          <a:off x="0" y="0"/>
+          <a:ext cx="0" cy="0"/>
+          <a:chOff x="0" y="0"/>
+          <a:chExt cx="0" cy="0"/>
+        </a:xfrm>
+      </p:grpSpPr>
+      <p:sp>
+        <p:nvSpPr>
           <p:cNvPr id="4" name="Freeform 10"/>
           <p:cNvSpPr>
             <a:spLocks/>
@@ -14878,7 +15455,7 @@
 </p:sld>
 </file>
 
-<file path=ppt/slides/slide22.xml><?xml version="1.0" encoding="utf-8"?>
+<file path=ppt/slides/slide23.xml><?xml version="1.0" encoding="utf-8"?>
 <p:sld xmlns:a="http://schemas.openxmlformats.org/drawingml/2006/main" xmlns:r="http://schemas.openxmlformats.org/officeDocument/2006/relationships" xmlns:p="http://schemas.openxmlformats.org/presentationml/2006/main">
   <p:cSld>
     <p:spTree>
@@ -20620,8 +21197,11 @@
   <a:objectDefaults>
     <a:spDef>
       <a:spPr>
+        <a:noFill/>
         <a:ln>
-          <a:noFill/>
+          <a:solidFill>
+            <a:schemeClr val="accent1"/>
+          </a:solidFill>
         </a:ln>
       </a:spPr>
       <a:bodyPr rtlCol="0" anchor="ctr"/>
@@ -20647,6 +21227,29 @@
         </a:fontRef>
       </a:style>
     </a:spDef>
+    <a:lnDef>
+      <a:spPr>
+        <a:ln w="12700">
+          <a:tailEnd type="triangle"/>
+        </a:ln>
+      </a:spPr>
+      <a:bodyPr/>
+      <a:lstStyle/>
+      <a:style>
+        <a:lnRef idx="1">
+          <a:schemeClr val="accent1"/>
+        </a:lnRef>
+        <a:fillRef idx="0">
+          <a:schemeClr val="accent1"/>
+        </a:fillRef>
+        <a:effectRef idx="0">
+          <a:schemeClr val="accent1"/>
+        </a:effectRef>
+        <a:fontRef idx="minor">
+          <a:schemeClr val="tx1"/>
+        </a:fontRef>
+      </a:style>
+    </a:lnDef>
   </a:objectDefaults>
   <a:extraClrSchemeLst/>
   <a:extLst>

--- a/PPT/Polkadot-PPT.pptx
+++ b/PPT/Polkadot-PPT.pptx
@@ -5,10 +5,10 @@
     <p:sldMasterId id="2147483802" r:id="rId1"/>
   </p:sldMasterIdLst>
   <p:notesMasterIdLst>
-    <p:notesMasterId r:id="rId29"/>
+    <p:notesMasterId r:id="rId30"/>
   </p:notesMasterIdLst>
   <p:handoutMasterIdLst>
-    <p:handoutMasterId r:id="rId30"/>
+    <p:handoutMasterId r:id="rId31"/>
   </p:handoutMasterIdLst>
   <p:sldIdLst>
     <p:sldId id="259" r:id="rId2"/>
@@ -22,22 +22,23 @@
     <p:sldId id="302" r:id="rId10"/>
     <p:sldId id="285" r:id="rId11"/>
     <p:sldId id="303" r:id="rId12"/>
-    <p:sldId id="264" r:id="rId13"/>
-    <p:sldId id="288" r:id="rId14"/>
-    <p:sldId id="289" r:id="rId15"/>
-    <p:sldId id="291" r:id="rId16"/>
-    <p:sldId id="290" r:id="rId17"/>
-    <p:sldId id="298" r:id="rId18"/>
-    <p:sldId id="292" r:id="rId19"/>
-    <p:sldId id="270" r:id="rId20"/>
-    <p:sldId id="293" r:id="rId21"/>
-    <p:sldId id="294" r:id="rId22"/>
-    <p:sldId id="295" r:id="rId23"/>
-    <p:sldId id="296" r:id="rId24"/>
-    <p:sldId id="276" r:id="rId25"/>
-    <p:sldId id="297" r:id="rId26"/>
-    <p:sldId id="280" r:id="rId27"/>
-    <p:sldId id="282" r:id="rId28"/>
+    <p:sldId id="304" r:id="rId13"/>
+    <p:sldId id="264" r:id="rId14"/>
+    <p:sldId id="288" r:id="rId15"/>
+    <p:sldId id="289" r:id="rId16"/>
+    <p:sldId id="291" r:id="rId17"/>
+    <p:sldId id="290" r:id="rId18"/>
+    <p:sldId id="298" r:id="rId19"/>
+    <p:sldId id="292" r:id="rId20"/>
+    <p:sldId id="270" r:id="rId21"/>
+    <p:sldId id="293" r:id="rId22"/>
+    <p:sldId id="294" r:id="rId23"/>
+    <p:sldId id="295" r:id="rId24"/>
+    <p:sldId id="296" r:id="rId25"/>
+    <p:sldId id="276" r:id="rId26"/>
+    <p:sldId id="297" r:id="rId27"/>
+    <p:sldId id="280" r:id="rId28"/>
+    <p:sldId id="282" r:id="rId29"/>
   </p:sldIdLst>
   <p:sldSz cx="9144000" cy="6858000" type="screen4x3"/>
   <p:notesSz cx="6858000" cy="9144000"/>
@@ -8358,9 +8359,198 @@
           <a:chExt cx="0" cy="0"/>
         </a:xfrm>
       </p:grpSpPr>
+      <mc:AlternateContent xmlns:mc="http://schemas.openxmlformats.org/markup-compatibility/2006">
+        <mc:Choice xmlns:a14="http://schemas.microsoft.com/office/drawing/2010/main" Requires="a14">
+          <p:sp>
+            <p:nvSpPr>
+              <p:cNvPr id="2" name="内容占位符 1">
+                <a:extLst>
+                  <a:ext uri="{FF2B5EF4-FFF2-40B4-BE49-F238E27FC236}">
+                    <a16:creationId xmlns:a16="http://schemas.microsoft.com/office/drawing/2014/main" id="{B6664D18-C24E-44BB-9961-8B19A319425B}"/>
+                  </a:ext>
+                </a:extLst>
+              </p:cNvPr>
+              <p:cNvSpPr>
+                <a:spLocks noGrp="1"/>
+              </p:cNvSpPr>
+              <p:nvPr>
+                <p:ph sz="quarter" idx="10"/>
+              </p:nvPr>
+            </p:nvSpPr>
+            <p:spPr/>
+            <p:txBody>
+              <a:bodyPr/>
+              <a:lstStyle/>
+              <a:p>
+                <a:r>
+                  <a:rPr lang="en-US" altLang="zh-CN" dirty="0"/>
+                  <a:t>Related axioms</a:t>
+                </a:r>
+              </a:p>
+              <a:p>
+                <a:pPr lvl="1"/>
+                <a:r>
+                  <a:rPr lang="en-US" altLang="zh-CN" dirty="0"/>
+                  <a:t>Justified representation(JR)</a:t>
+                </a:r>
+              </a:p>
+              <a:p>
+                <a:pPr lvl="2"/>
+                <a:r>
+                  <a:rPr lang="en-US" altLang="zh-CN" dirty="0"/>
+                  <a:t>If a large enough group of voters exhibits agreement by supporting the same candidate, then at least one voter in this group has an approved candidate in the winning committee.</a:t>
+                </a:r>
+              </a:p>
+              <a:p>
+                <a:pPr lvl="1"/>
+                <a:r>
+                  <a:rPr lang="en-US" altLang="zh-CN" dirty="0"/>
+                  <a:t>Proportional justified representation(PJR)</a:t>
+                </a:r>
+              </a:p>
+              <a:p>
+                <a:pPr lvl="2"/>
+                <a14:m>
+                  <m:oMath xmlns:m="http://schemas.openxmlformats.org/officeDocument/2006/math">
+                    <m:sSup>
+                      <m:sSupPr>
+                        <m:ctrlPr>
+                          <a:rPr lang="en-US" altLang="zh-CN" b="0" i="1" smtClean="0">
+                            <a:latin typeface="Cambria Math" panose="02040503050406030204" pitchFamily="18" charset="0"/>
+                          </a:rPr>
+                        </m:ctrlPr>
+                      </m:sSupPr>
+                      <m:e>
+                        <m:r>
+                          <a:rPr lang="en-US" altLang="zh-CN" b="0" i="1" smtClean="0">
+                            <a:latin typeface="Cambria Math" panose="02040503050406030204" pitchFamily="18" charset="0"/>
+                          </a:rPr>
+                          <m:t>𝑁</m:t>
+                        </m:r>
+                      </m:e>
+                      <m:sup>
+                        <m:r>
+                          <a:rPr lang="en-US" altLang="zh-CN" b="0" i="1" smtClean="0">
+                            <a:latin typeface="Cambria Math" panose="02040503050406030204" pitchFamily="18" charset="0"/>
+                          </a:rPr>
+                          <m:t>′</m:t>
+                        </m:r>
+                      </m:sup>
+                    </m:sSup>
+                  </m:oMath>
+                </a14:m>
+                <a:r>
+                  <a:rPr lang="zh-CN" altLang="en-US" dirty="0"/>
+                  <a:t> </a:t>
+                </a:r>
+                <a:r>
+                  <a:rPr lang="en-US" altLang="zh-CN" dirty="0"/>
+                  <a:t>deserves not just one but certain number of representatives according its vote strength, where a committee member represent the group as long as it represents any voter in it.</a:t>
+                </a:r>
+              </a:p>
+              <a:p>
+                <a:pPr lvl="1"/>
+                <a:r>
+                  <a:rPr lang="en-US" altLang="zh-CN" dirty="0"/>
+                  <a:t>Extended justified representation(EJR)</a:t>
+                </a:r>
+              </a:p>
+              <a:p>
+                <a:pPr lvl="2"/>
+                <a:r>
+                  <a:rPr lang="en-US" altLang="zh-CN" dirty="0"/>
+                  <a:t>Required not only that </a:t>
+                </a:r>
+                <a14:m>
+                  <m:oMath xmlns:m="http://schemas.openxmlformats.org/officeDocument/2006/math">
+                    <m:sSup>
+                      <m:sSupPr>
+                        <m:ctrlPr>
+                          <a:rPr lang="en-US" altLang="zh-CN" b="0" i="1" smtClean="0">
+                            <a:latin typeface="Cambria Math" panose="02040503050406030204" pitchFamily="18" charset="0"/>
+                          </a:rPr>
+                        </m:ctrlPr>
+                      </m:sSupPr>
+                      <m:e>
+                        <m:r>
+                          <a:rPr lang="en-US" altLang="zh-CN" b="0" i="1" smtClean="0">
+                            <a:latin typeface="Cambria Math" panose="02040503050406030204" pitchFamily="18" charset="0"/>
+                          </a:rPr>
+                          <m:t>𝑁</m:t>
+                        </m:r>
+                      </m:e>
+                      <m:sup>
+                        <m:r>
+                          <a:rPr lang="en-US" altLang="zh-CN" b="0" i="1" smtClean="0">
+                            <a:latin typeface="Cambria Math" panose="02040503050406030204" pitchFamily="18" charset="0"/>
+                          </a:rPr>
+                          <m:t>′</m:t>
+                        </m:r>
+                      </m:sup>
+                    </m:sSup>
+                  </m:oMath>
+                </a14:m>
+                <a:r>
+                  <a:rPr lang="en-US" altLang="zh-CN" dirty="0"/>
+                  <a:t> have enough representatives as a group, but some voter in it must have enough representatives individually.</a:t>
+                </a:r>
+              </a:p>
+              <a:p>
+                <a:pPr lvl="2"/>
+                <a:endParaRPr lang="zh-CN" altLang="en-US" dirty="0"/>
+              </a:p>
+            </p:txBody>
+          </p:sp>
+        </mc:Choice>
+        <mc:Fallback>
+          <p:sp>
+            <p:nvSpPr>
+              <p:cNvPr id="2" name="内容占位符 1">
+                <a:extLst>
+                  <a:ext uri="{FF2B5EF4-FFF2-40B4-BE49-F238E27FC236}">
+                    <a16:creationId xmlns:a16="http://schemas.microsoft.com/office/drawing/2014/main" id="{B6664D18-C24E-44BB-9961-8B19A319425B}"/>
+                  </a:ext>
+                </a:extLst>
+              </p:cNvPr>
+              <p:cNvSpPr>
+                <a:spLocks noGrp="1" noRot="1" noChangeAspect="1" noMove="1" noResize="1" noEditPoints="1" noAdjustHandles="1" noChangeArrowheads="1" noChangeShapeType="1" noTextEdit="1"/>
+              </p:cNvSpPr>
+              <p:nvPr>
+                <p:ph sz="quarter" idx="10"/>
+              </p:nvPr>
+            </p:nvSpPr>
+            <p:spPr>
+              <a:blipFill>
+                <a:blip r:embed="rId2"/>
+                <a:stretch>
+                  <a:fillRect l="-801" t="-124" r="-437"/>
+                </a:stretch>
+              </a:blipFill>
+            </p:spPr>
+            <p:txBody>
+              <a:bodyPr/>
+              <a:lstStyle/>
+              <a:p>
+                <a:r>
+                  <a:rPr lang="zh-CN" altLang="en-US">
+                    <a:noFill/>
+                  </a:rPr>
+                  <a:t> </a:t>
+                </a:r>
+              </a:p>
+            </p:txBody>
+          </p:sp>
+        </mc:Fallback>
+      </mc:AlternateContent>
       <p:sp>
         <p:nvSpPr>
-          <p:cNvPr id="2" name="标题 1"/>
+          <p:cNvPr id="3" name="标题 2">
+            <a:extLst>
+              <a:ext uri="{FF2B5EF4-FFF2-40B4-BE49-F238E27FC236}">
+                <a16:creationId xmlns:a16="http://schemas.microsoft.com/office/drawing/2014/main" id="{862ABB27-AA8C-4F42-9531-91B0E89774C4}"/>
+              </a:ext>
+            </a:extLst>
+          </p:cNvPr>
           <p:cNvSpPr>
             <a:spLocks noGrp="1"/>
           </p:cNvSpPr>
@@ -8370,1307 +8560,25 @@
         </p:nvSpPr>
         <p:spPr/>
         <p:txBody>
-          <a:bodyPr>
-            <a:normAutofit fontScale="90000"/>
-          </a:bodyPr>
+          <a:bodyPr/>
           <a:lstStyle/>
           <a:p>
             <a:r>
-              <a:rPr lang="zh-CN" altLang="en-US" dirty="0">
-                <a:latin typeface="微软雅黑" panose="020B0503020204020204" pitchFamily="34" charset="-122"/>
-                <a:ea typeface="微软雅黑" panose="020B0503020204020204" pitchFamily="34" charset="-122"/>
-              </a:rPr>
-              <a:t>目录 </a:t>
-            </a:r>
-            <a:r>
-              <a:rPr lang="en-US" altLang="zh-CN" dirty="0">
-                <a:latin typeface="微软雅黑" panose="020B0503020204020204" pitchFamily="34" charset="-122"/>
-                <a:ea typeface="微软雅黑" panose="020B0503020204020204" pitchFamily="34" charset="-122"/>
-              </a:rPr>
-              <a:t>Contents</a:t>
-            </a:r>
-            <a:endParaRPr lang="zh-CN" altLang="en-US" dirty="0">
-              <a:latin typeface="微软雅黑" panose="020B0503020204020204" pitchFamily="34" charset="-122"/>
-              <a:ea typeface="微软雅黑" panose="020B0503020204020204" pitchFamily="34" charset="-122"/>
-            </a:endParaRPr>
-          </a:p>
-        </p:txBody>
-      </p:sp>
-      <p:sp>
-        <p:nvSpPr>
-          <p:cNvPr id="4" name="Freeform 10"/>
-          <p:cNvSpPr>
-            <a:spLocks/>
-          </p:cNvSpPr>
-          <p:nvPr userDrawn="1"/>
-        </p:nvSpPr>
-        <p:spPr bwMode="auto">
-          <a:xfrm>
-            <a:off x="1841535" y="1367357"/>
-            <a:ext cx="843427" cy="343858"/>
-          </a:xfrm>
-          <a:custGeom>
-            <a:avLst/>
-            <a:gdLst>
-              <a:gd name="T0" fmla="*/ 3120 w 3800"/>
-              <a:gd name="T1" fmla="*/ 0 h 1532"/>
-              <a:gd name="T2" fmla="*/ 682 w 3800"/>
-              <a:gd name="T3" fmla="*/ 0 h 1532"/>
-              <a:gd name="T4" fmla="*/ 682 w 3800"/>
-              <a:gd name="T5" fmla="*/ 284 h 1532"/>
-              <a:gd name="T6" fmla="*/ 0 w 3800"/>
-              <a:gd name="T7" fmla="*/ 766 h 1532"/>
-              <a:gd name="T8" fmla="*/ 682 w 3800"/>
-              <a:gd name="T9" fmla="*/ 1248 h 1532"/>
-              <a:gd name="T10" fmla="*/ 682 w 3800"/>
-              <a:gd name="T11" fmla="*/ 1532 h 1532"/>
-              <a:gd name="T12" fmla="*/ 3120 w 3800"/>
-              <a:gd name="T13" fmla="*/ 1532 h 1532"/>
-              <a:gd name="T14" fmla="*/ 3120 w 3800"/>
-              <a:gd name="T15" fmla="*/ 1248 h 1532"/>
-              <a:gd name="T16" fmla="*/ 3800 w 3800"/>
-              <a:gd name="T17" fmla="*/ 766 h 1532"/>
-              <a:gd name="T18" fmla="*/ 3120 w 3800"/>
-              <a:gd name="T19" fmla="*/ 284 h 1532"/>
-              <a:gd name="T20" fmla="*/ 3120 w 3800"/>
-              <a:gd name="T21" fmla="*/ 0 h 1532"/>
-            </a:gdLst>
-            <a:ahLst/>
-            <a:cxnLst>
-              <a:cxn ang="0">
-                <a:pos x="T0" y="T1"/>
-              </a:cxn>
-              <a:cxn ang="0">
-                <a:pos x="T2" y="T3"/>
-              </a:cxn>
-              <a:cxn ang="0">
-                <a:pos x="T4" y="T5"/>
-              </a:cxn>
-              <a:cxn ang="0">
-                <a:pos x="T6" y="T7"/>
-              </a:cxn>
-              <a:cxn ang="0">
-                <a:pos x="T8" y="T9"/>
-              </a:cxn>
-              <a:cxn ang="0">
-                <a:pos x="T10" y="T11"/>
-              </a:cxn>
-              <a:cxn ang="0">
-                <a:pos x="T12" y="T13"/>
-              </a:cxn>
-              <a:cxn ang="0">
-                <a:pos x="T14" y="T15"/>
-              </a:cxn>
-              <a:cxn ang="0">
-                <a:pos x="T16" y="T17"/>
-              </a:cxn>
-              <a:cxn ang="0">
-                <a:pos x="T18" y="T19"/>
-              </a:cxn>
-              <a:cxn ang="0">
-                <a:pos x="T20" y="T21"/>
-              </a:cxn>
-            </a:cxnLst>
-            <a:rect l="0" t="0" r="r" b="b"/>
-            <a:pathLst>
-              <a:path w="3800" h="1532">
-                <a:moveTo>
-                  <a:pt x="3120" y="0"/>
-                </a:moveTo>
-                <a:lnTo>
-                  <a:pt x="682" y="0"/>
-                </a:lnTo>
-                <a:lnTo>
-                  <a:pt x="682" y="284"/>
-                </a:lnTo>
-                <a:lnTo>
-                  <a:pt x="0" y="766"/>
-                </a:lnTo>
-                <a:lnTo>
-                  <a:pt x="682" y="1248"/>
-                </a:lnTo>
-                <a:lnTo>
-                  <a:pt x="682" y="1532"/>
-                </a:lnTo>
-                <a:lnTo>
-                  <a:pt x="3120" y="1532"/>
-                </a:lnTo>
-                <a:lnTo>
-                  <a:pt x="3120" y="1248"/>
-                </a:lnTo>
-                <a:lnTo>
-                  <a:pt x="3800" y="766"/>
-                </a:lnTo>
-                <a:lnTo>
-                  <a:pt x="3120" y="284"/>
-                </a:lnTo>
-                <a:lnTo>
-                  <a:pt x="3120" y="0"/>
-                </a:lnTo>
-                <a:close/>
-              </a:path>
-            </a:pathLst>
-          </a:custGeom>
-          <a:solidFill>
-            <a:schemeClr val="bg2"/>
-          </a:solidFill>
-          <a:ln>
-            <a:noFill/>
-          </a:ln>
-        </p:spPr>
-        <p:txBody>
-          <a:bodyPr vert="horz" wrap="square" lIns="91440" tIns="45720" rIns="91440" bIns="45720" numCol="1" anchor="ctr" anchorCtr="0" compatLnSpc="1">
-            <a:prstTxWarp prst="textNoShape">
-              <a:avLst/>
-            </a:prstTxWarp>
-            <a:noAutofit/>
-          </a:bodyPr>
-          <a:lstStyle/>
-          <a:p>
-            <a:pPr algn="ctr"/>
-            <a:endParaRPr lang="zh-CN" altLang="en-US" sz="3200" b="1"/>
-          </a:p>
-        </p:txBody>
-      </p:sp>
-      <p:sp>
-        <p:nvSpPr>
-          <p:cNvPr id="5" name="文本框 4"/>
-          <p:cNvSpPr txBox="1"/>
-          <p:nvPr userDrawn="1"/>
-        </p:nvSpPr>
-        <p:spPr>
-          <a:xfrm>
-            <a:off x="2071646" y="1303550"/>
-            <a:ext cx="383206" cy="443226"/>
-          </a:xfrm>
-          <a:prstGeom prst="rect">
-            <a:avLst/>
-          </a:prstGeom>
-          <a:noFill/>
-        </p:spPr>
-        <p:txBody>
-          <a:bodyPr wrap="none" rtlCol="0" anchor="ctr">
-            <a:noAutofit/>
-          </a:bodyPr>
-          <a:lstStyle/>
-          <a:p>
-            <a:pPr algn="ctr"/>
-            <a:r>
-              <a:rPr lang="en-US" altLang="zh-CN" b="1" dirty="0">
-                <a:solidFill>
-                  <a:schemeClr val="bg1"/>
-                </a:solidFill>
-                <a:latin typeface="微软雅黑" panose="020B0503020204020204" pitchFamily="34" charset="-122"/>
-                <a:ea typeface="微软雅黑" panose="020B0503020204020204" pitchFamily="34" charset="-122"/>
-              </a:rPr>
-              <a:t>1</a:t>
-            </a:r>
-            <a:endParaRPr lang="zh-CN" altLang="en-US" b="1" dirty="0">
-              <a:solidFill>
-                <a:schemeClr val="bg1"/>
-              </a:solidFill>
-              <a:latin typeface="微软雅黑" panose="020B0503020204020204" pitchFamily="34" charset="-122"/>
-              <a:ea typeface="微软雅黑" panose="020B0503020204020204" pitchFamily="34" charset="-122"/>
-            </a:endParaRPr>
-          </a:p>
-        </p:txBody>
-      </p:sp>
-      <p:cxnSp>
-        <p:nvCxnSpPr>
-          <p:cNvPr id="7" name="直接连接符 6"/>
-          <p:cNvCxnSpPr>
-            <a:stCxn id="4" idx="6"/>
-          </p:cNvCxnSpPr>
-          <p:nvPr/>
-        </p:nvCxnSpPr>
-        <p:spPr>
-          <a:xfrm>
-            <a:off x="2534033" y="1711215"/>
-            <a:ext cx="4500000" cy="0"/>
-          </a:xfrm>
-          <a:prstGeom prst="line">
-            <a:avLst/>
-          </a:prstGeom>
-          <a:ln>
-            <a:solidFill>
-              <a:schemeClr val="bg2"/>
-            </a:solidFill>
-          </a:ln>
-        </p:spPr>
-        <p:style>
-          <a:lnRef idx="1">
-            <a:schemeClr val="accent1"/>
-          </a:lnRef>
-          <a:fillRef idx="0">
-            <a:schemeClr val="accent1"/>
-          </a:fillRef>
-          <a:effectRef idx="0">
-            <a:schemeClr val="accent1"/>
-          </a:effectRef>
-          <a:fontRef idx="minor">
-            <a:schemeClr val="tx1"/>
-          </a:fontRef>
-        </p:style>
-      </p:cxnSp>
-      <p:sp>
-        <p:nvSpPr>
-          <p:cNvPr id="13" name="Freeform 10"/>
-          <p:cNvSpPr>
-            <a:spLocks/>
-          </p:cNvSpPr>
-          <p:nvPr userDrawn="1"/>
-        </p:nvSpPr>
-        <p:spPr bwMode="auto">
-          <a:xfrm>
-            <a:off x="1841535" y="2287330"/>
-            <a:ext cx="843427" cy="343858"/>
-          </a:xfrm>
-          <a:custGeom>
-            <a:avLst/>
-            <a:gdLst>
-              <a:gd name="T0" fmla="*/ 3120 w 3800"/>
-              <a:gd name="T1" fmla="*/ 0 h 1532"/>
-              <a:gd name="T2" fmla="*/ 682 w 3800"/>
-              <a:gd name="T3" fmla="*/ 0 h 1532"/>
-              <a:gd name="T4" fmla="*/ 682 w 3800"/>
-              <a:gd name="T5" fmla="*/ 284 h 1532"/>
-              <a:gd name="T6" fmla="*/ 0 w 3800"/>
-              <a:gd name="T7" fmla="*/ 766 h 1532"/>
-              <a:gd name="T8" fmla="*/ 682 w 3800"/>
-              <a:gd name="T9" fmla="*/ 1248 h 1532"/>
-              <a:gd name="T10" fmla="*/ 682 w 3800"/>
-              <a:gd name="T11" fmla="*/ 1532 h 1532"/>
-              <a:gd name="T12" fmla="*/ 3120 w 3800"/>
-              <a:gd name="T13" fmla="*/ 1532 h 1532"/>
-              <a:gd name="T14" fmla="*/ 3120 w 3800"/>
-              <a:gd name="T15" fmla="*/ 1248 h 1532"/>
-              <a:gd name="T16" fmla="*/ 3800 w 3800"/>
-              <a:gd name="T17" fmla="*/ 766 h 1532"/>
-              <a:gd name="T18" fmla="*/ 3120 w 3800"/>
-              <a:gd name="T19" fmla="*/ 284 h 1532"/>
-              <a:gd name="T20" fmla="*/ 3120 w 3800"/>
-              <a:gd name="T21" fmla="*/ 0 h 1532"/>
-            </a:gdLst>
-            <a:ahLst/>
-            <a:cxnLst>
-              <a:cxn ang="0">
-                <a:pos x="T0" y="T1"/>
-              </a:cxn>
-              <a:cxn ang="0">
-                <a:pos x="T2" y="T3"/>
-              </a:cxn>
-              <a:cxn ang="0">
-                <a:pos x="T4" y="T5"/>
-              </a:cxn>
-              <a:cxn ang="0">
-                <a:pos x="T6" y="T7"/>
-              </a:cxn>
-              <a:cxn ang="0">
-                <a:pos x="T8" y="T9"/>
-              </a:cxn>
-              <a:cxn ang="0">
-                <a:pos x="T10" y="T11"/>
-              </a:cxn>
-              <a:cxn ang="0">
-                <a:pos x="T12" y="T13"/>
-              </a:cxn>
-              <a:cxn ang="0">
-                <a:pos x="T14" y="T15"/>
-              </a:cxn>
-              <a:cxn ang="0">
-                <a:pos x="T16" y="T17"/>
-              </a:cxn>
-              <a:cxn ang="0">
-                <a:pos x="T18" y="T19"/>
-              </a:cxn>
-              <a:cxn ang="0">
-                <a:pos x="T20" y="T21"/>
-              </a:cxn>
-            </a:cxnLst>
-            <a:rect l="0" t="0" r="r" b="b"/>
-            <a:pathLst>
-              <a:path w="3800" h="1532">
-                <a:moveTo>
-                  <a:pt x="3120" y="0"/>
-                </a:moveTo>
-                <a:lnTo>
-                  <a:pt x="682" y="0"/>
-                </a:lnTo>
-                <a:lnTo>
-                  <a:pt x="682" y="284"/>
-                </a:lnTo>
-                <a:lnTo>
-                  <a:pt x="0" y="766"/>
-                </a:lnTo>
-                <a:lnTo>
-                  <a:pt x="682" y="1248"/>
-                </a:lnTo>
-                <a:lnTo>
-                  <a:pt x="682" y="1532"/>
-                </a:lnTo>
-                <a:lnTo>
-                  <a:pt x="3120" y="1532"/>
-                </a:lnTo>
-                <a:lnTo>
-                  <a:pt x="3120" y="1248"/>
-                </a:lnTo>
-                <a:lnTo>
-                  <a:pt x="3800" y="766"/>
-                </a:lnTo>
-                <a:lnTo>
-                  <a:pt x="3120" y="284"/>
-                </a:lnTo>
-                <a:lnTo>
-                  <a:pt x="3120" y="0"/>
-                </a:lnTo>
-                <a:close/>
-              </a:path>
-            </a:pathLst>
-          </a:custGeom>
-          <a:solidFill>
-            <a:schemeClr val="accent1"/>
-          </a:solidFill>
-          <a:ln>
-            <a:noFill/>
-          </a:ln>
-        </p:spPr>
-        <p:txBody>
-          <a:bodyPr vert="horz" wrap="square" lIns="91440" tIns="45720" rIns="91440" bIns="45720" numCol="1" anchor="ctr" anchorCtr="0" compatLnSpc="1">
-            <a:prstTxWarp prst="textNoShape">
-              <a:avLst/>
-            </a:prstTxWarp>
-            <a:noAutofit/>
-          </a:bodyPr>
-          <a:lstStyle/>
-          <a:p>
-            <a:pPr algn="ctr"/>
-            <a:endParaRPr lang="zh-CN" altLang="en-US" sz="3200" b="1"/>
-          </a:p>
-        </p:txBody>
-      </p:sp>
-      <p:sp>
-        <p:nvSpPr>
-          <p:cNvPr id="14" name="文本框 13"/>
-          <p:cNvSpPr txBox="1"/>
-          <p:nvPr userDrawn="1"/>
-        </p:nvSpPr>
-        <p:spPr>
-          <a:xfrm>
-            <a:off x="2071646" y="2223523"/>
-            <a:ext cx="383206" cy="443226"/>
-          </a:xfrm>
-          <a:prstGeom prst="rect">
-            <a:avLst/>
-          </a:prstGeom>
-          <a:noFill/>
-        </p:spPr>
-        <p:txBody>
-          <a:bodyPr wrap="none" rtlCol="0" anchor="ctr">
-            <a:noAutofit/>
-          </a:bodyPr>
-          <a:lstStyle/>
-          <a:p>
-            <a:pPr algn="ctr"/>
-            <a:r>
-              <a:rPr lang="en-US" altLang="zh-CN" b="1" dirty="0">
-                <a:solidFill>
-                  <a:schemeClr val="bg1"/>
-                </a:solidFill>
-                <a:latin typeface="微软雅黑" panose="020B0503020204020204" pitchFamily="34" charset="-122"/>
-                <a:ea typeface="微软雅黑" panose="020B0503020204020204" pitchFamily="34" charset="-122"/>
-              </a:rPr>
-              <a:t>2</a:t>
-            </a:r>
-            <a:endParaRPr lang="zh-CN" altLang="en-US" b="1" dirty="0">
-              <a:solidFill>
-                <a:schemeClr val="bg1"/>
-              </a:solidFill>
-              <a:latin typeface="微软雅黑" panose="020B0503020204020204" pitchFamily="34" charset="-122"/>
-              <a:ea typeface="微软雅黑" panose="020B0503020204020204" pitchFamily="34" charset="-122"/>
-            </a:endParaRPr>
-          </a:p>
-        </p:txBody>
-      </p:sp>
-      <p:cxnSp>
-        <p:nvCxnSpPr>
-          <p:cNvPr id="15" name="直接连接符 14"/>
-          <p:cNvCxnSpPr>
-            <a:stCxn id="13" idx="6"/>
-          </p:cNvCxnSpPr>
-          <p:nvPr/>
-        </p:nvCxnSpPr>
-        <p:spPr>
-          <a:xfrm>
-            <a:off x="2534033" y="2631188"/>
-            <a:ext cx="4500000" cy="0"/>
-          </a:xfrm>
-          <a:prstGeom prst="line">
-            <a:avLst/>
-          </a:prstGeom>
-          <a:ln>
-            <a:solidFill>
-              <a:schemeClr val="accent1"/>
-            </a:solidFill>
-          </a:ln>
-        </p:spPr>
-        <p:style>
-          <a:lnRef idx="1">
-            <a:schemeClr val="accent1"/>
-          </a:lnRef>
-          <a:fillRef idx="0">
-            <a:schemeClr val="accent1"/>
-          </a:fillRef>
-          <a:effectRef idx="0">
-            <a:schemeClr val="accent1"/>
-          </a:effectRef>
-          <a:fontRef idx="minor">
-            <a:schemeClr val="tx1"/>
-          </a:fontRef>
-        </p:style>
-      </p:cxnSp>
-      <p:sp>
-        <p:nvSpPr>
-          <p:cNvPr id="16" name="文本框 15"/>
-          <p:cNvSpPr txBox="1"/>
-          <p:nvPr/>
-        </p:nvSpPr>
-        <p:spPr>
-          <a:xfrm>
-            <a:off x="2915073" y="2194707"/>
-            <a:ext cx="4387392" cy="461665"/>
-          </a:xfrm>
-          <a:prstGeom prst="rect">
-            <a:avLst/>
-          </a:prstGeom>
-          <a:noFill/>
-        </p:spPr>
-        <p:txBody>
-          <a:bodyPr wrap="square" rtlCol="0">
-            <a:spAutoFit/>
-          </a:bodyPr>
-          <a:lstStyle/>
-          <a:p>
-            <a:r>
-              <a:rPr lang="en-US" altLang="zh-CN" sz="2400" dirty="0">
-                <a:solidFill>
-                  <a:schemeClr val="tx1">
-                    <a:lumMod val="75000"/>
-                    <a:lumOff val="25000"/>
-                  </a:schemeClr>
-                </a:solidFill>
-              </a:rPr>
-              <a:t>Relay Chain State Machine</a:t>
-            </a:r>
-            <a:endParaRPr lang="zh-CN" altLang="en-US" sz="2400" dirty="0">
-              <a:solidFill>
-                <a:schemeClr val="tx1">
-                  <a:lumMod val="75000"/>
-                  <a:lumOff val="25000"/>
-                </a:schemeClr>
-              </a:solidFill>
-            </a:endParaRPr>
-          </a:p>
-        </p:txBody>
-      </p:sp>
-      <p:sp>
-        <p:nvSpPr>
-          <p:cNvPr id="18" name="Freeform 10"/>
-          <p:cNvSpPr>
-            <a:spLocks/>
-          </p:cNvSpPr>
-          <p:nvPr userDrawn="1"/>
-        </p:nvSpPr>
-        <p:spPr bwMode="auto">
-          <a:xfrm>
-            <a:off x="1841535" y="3207303"/>
-            <a:ext cx="843427" cy="343858"/>
-          </a:xfrm>
-          <a:custGeom>
-            <a:avLst/>
-            <a:gdLst>
-              <a:gd name="T0" fmla="*/ 3120 w 3800"/>
-              <a:gd name="T1" fmla="*/ 0 h 1532"/>
-              <a:gd name="T2" fmla="*/ 682 w 3800"/>
-              <a:gd name="T3" fmla="*/ 0 h 1532"/>
-              <a:gd name="T4" fmla="*/ 682 w 3800"/>
-              <a:gd name="T5" fmla="*/ 284 h 1532"/>
-              <a:gd name="T6" fmla="*/ 0 w 3800"/>
-              <a:gd name="T7" fmla="*/ 766 h 1532"/>
-              <a:gd name="T8" fmla="*/ 682 w 3800"/>
-              <a:gd name="T9" fmla="*/ 1248 h 1532"/>
-              <a:gd name="T10" fmla="*/ 682 w 3800"/>
-              <a:gd name="T11" fmla="*/ 1532 h 1532"/>
-              <a:gd name="T12" fmla="*/ 3120 w 3800"/>
-              <a:gd name="T13" fmla="*/ 1532 h 1532"/>
-              <a:gd name="T14" fmla="*/ 3120 w 3800"/>
-              <a:gd name="T15" fmla="*/ 1248 h 1532"/>
-              <a:gd name="T16" fmla="*/ 3800 w 3800"/>
-              <a:gd name="T17" fmla="*/ 766 h 1532"/>
-              <a:gd name="T18" fmla="*/ 3120 w 3800"/>
-              <a:gd name="T19" fmla="*/ 284 h 1532"/>
-              <a:gd name="T20" fmla="*/ 3120 w 3800"/>
-              <a:gd name="T21" fmla="*/ 0 h 1532"/>
-            </a:gdLst>
-            <a:ahLst/>
-            <a:cxnLst>
-              <a:cxn ang="0">
-                <a:pos x="T0" y="T1"/>
-              </a:cxn>
-              <a:cxn ang="0">
-                <a:pos x="T2" y="T3"/>
-              </a:cxn>
-              <a:cxn ang="0">
-                <a:pos x="T4" y="T5"/>
-              </a:cxn>
-              <a:cxn ang="0">
-                <a:pos x="T6" y="T7"/>
-              </a:cxn>
-              <a:cxn ang="0">
-                <a:pos x="T8" y="T9"/>
-              </a:cxn>
-              <a:cxn ang="0">
-                <a:pos x="T10" y="T11"/>
-              </a:cxn>
-              <a:cxn ang="0">
-                <a:pos x="T12" y="T13"/>
-              </a:cxn>
-              <a:cxn ang="0">
-                <a:pos x="T14" y="T15"/>
-              </a:cxn>
-              <a:cxn ang="0">
-                <a:pos x="T16" y="T17"/>
-              </a:cxn>
-              <a:cxn ang="0">
-                <a:pos x="T18" y="T19"/>
-              </a:cxn>
-              <a:cxn ang="0">
-                <a:pos x="T20" y="T21"/>
-              </a:cxn>
-            </a:cxnLst>
-            <a:rect l="0" t="0" r="r" b="b"/>
-            <a:pathLst>
-              <a:path w="3800" h="1532">
-                <a:moveTo>
-                  <a:pt x="3120" y="0"/>
-                </a:moveTo>
-                <a:lnTo>
-                  <a:pt x="682" y="0"/>
-                </a:lnTo>
-                <a:lnTo>
-                  <a:pt x="682" y="284"/>
-                </a:lnTo>
-                <a:lnTo>
-                  <a:pt x="0" y="766"/>
-                </a:lnTo>
-                <a:lnTo>
-                  <a:pt x="682" y="1248"/>
-                </a:lnTo>
-                <a:lnTo>
-                  <a:pt x="682" y="1532"/>
-                </a:lnTo>
-                <a:lnTo>
-                  <a:pt x="3120" y="1532"/>
-                </a:lnTo>
-                <a:lnTo>
-                  <a:pt x="3120" y="1248"/>
-                </a:lnTo>
-                <a:lnTo>
-                  <a:pt x="3800" y="766"/>
-                </a:lnTo>
-                <a:lnTo>
-                  <a:pt x="3120" y="284"/>
-                </a:lnTo>
-                <a:lnTo>
-                  <a:pt x="3120" y="0"/>
-                </a:lnTo>
-                <a:close/>
-              </a:path>
-            </a:pathLst>
-          </a:custGeom>
-          <a:solidFill>
-            <a:schemeClr val="bg2"/>
-          </a:solidFill>
-          <a:ln>
-            <a:noFill/>
-          </a:ln>
-        </p:spPr>
-        <p:txBody>
-          <a:bodyPr vert="horz" wrap="square" lIns="91440" tIns="45720" rIns="91440" bIns="45720" numCol="1" anchor="ctr" anchorCtr="0" compatLnSpc="1">
-            <a:prstTxWarp prst="textNoShape">
-              <a:avLst/>
-            </a:prstTxWarp>
-            <a:noAutofit/>
-          </a:bodyPr>
-          <a:lstStyle/>
-          <a:p>
-            <a:pPr algn="ctr"/>
-            <a:endParaRPr lang="zh-CN" altLang="en-US" sz="3200" b="1"/>
-          </a:p>
-        </p:txBody>
-      </p:sp>
-      <p:sp>
-        <p:nvSpPr>
-          <p:cNvPr id="19" name="文本框 18"/>
-          <p:cNvSpPr txBox="1"/>
-          <p:nvPr userDrawn="1"/>
-        </p:nvSpPr>
-        <p:spPr>
-          <a:xfrm>
-            <a:off x="2071646" y="3143496"/>
-            <a:ext cx="383206" cy="443226"/>
-          </a:xfrm>
-          <a:prstGeom prst="rect">
-            <a:avLst/>
-          </a:prstGeom>
-          <a:noFill/>
-        </p:spPr>
-        <p:txBody>
-          <a:bodyPr wrap="none" rtlCol="0" anchor="ctr">
-            <a:noAutofit/>
-          </a:bodyPr>
-          <a:lstStyle/>
-          <a:p>
-            <a:pPr algn="ctr"/>
-            <a:r>
-              <a:rPr lang="en-US" altLang="zh-CN" b="1" dirty="0">
-                <a:solidFill>
-                  <a:schemeClr val="bg1"/>
-                </a:solidFill>
-                <a:latin typeface="微软雅黑" panose="020B0503020204020204" pitchFamily="34" charset="-122"/>
-                <a:ea typeface="微软雅黑" panose="020B0503020204020204" pitchFamily="34" charset="-122"/>
-              </a:rPr>
-              <a:t>3</a:t>
-            </a:r>
-            <a:endParaRPr lang="zh-CN" altLang="en-US" b="1" dirty="0">
-              <a:solidFill>
-                <a:schemeClr val="bg1"/>
-              </a:solidFill>
-              <a:latin typeface="微软雅黑" panose="020B0503020204020204" pitchFamily="34" charset="-122"/>
-              <a:ea typeface="微软雅黑" panose="020B0503020204020204" pitchFamily="34" charset="-122"/>
-            </a:endParaRPr>
-          </a:p>
-        </p:txBody>
-      </p:sp>
-      <p:cxnSp>
-        <p:nvCxnSpPr>
-          <p:cNvPr id="20" name="直接连接符 19"/>
-          <p:cNvCxnSpPr>
-            <a:stCxn id="18" idx="6"/>
-          </p:cNvCxnSpPr>
-          <p:nvPr/>
-        </p:nvCxnSpPr>
-        <p:spPr>
-          <a:xfrm>
-            <a:off x="2534033" y="3551161"/>
-            <a:ext cx="4500000" cy="0"/>
-          </a:xfrm>
-          <a:prstGeom prst="line">
-            <a:avLst/>
-          </a:prstGeom>
-          <a:ln>
-            <a:solidFill>
-              <a:schemeClr val="bg2"/>
-            </a:solidFill>
-          </a:ln>
-        </p:spPr>
-        <p:style>
-          <a:lnRef idx="1">
-            <a:schemeClr val="accent1"/>
-          </a:lnRef>
-          <a:fillRef idx="0">
-            <a:schemeClr val="accent1"/>
-          </a:fillRef>
-          <a:effectRef idx="0">
-            <a:schemeClr val="accent1"/>
-          </a:effectRef>
-          <a:fontRef idx="minor">
-            <a:schemeClr val="tx1"/>
-          </a:fontRef>
-        </p:style>
-      </p:cxnSp>
-      <p:sp>
-        <p:nvSpPr>
-          <p:cNvPr id="23" name="Freeform 10"/>
-          <p:cNvSpPr>
-            <a:spLocks/>
-          </p:cNvSpPr>
-          <p:nvPr userDrawn="1"/>
-        </p:nvSpPr>
-        <p:spPr bwMode="auto">
-          <a:xfrm>
-            <a:off x="1841535" y="4127276"/>
-            <a:ext cx="843427" cy="343858"/>
-          </a:xfrm>
-          <a:custGeom>
-            <a:avLst/>
-            <a:gdLst>
-              <a:gd name="T0" fmla="*/ 3120 w 3800"/>
-              <a:gd name="T1" fmla="*/ 0 h 1532"/>
-              <a:gd name="T2" fmla="*/ 682 w 3800"/>
-              <a:gd name="T3" fmla="*/ 0 h 1532"/>
-              <a:gd name="T4" fmla="*/ 682 w 3800"/>
-              <a:gd name="T5" fmla="*/ 284 h 1532"/>
-              <a:gd name="T6" fmla="*/ 0 w 3800"/>
-              <a:gd name="T7" fmla="*/ 766 h 1532"/>
-              <a:gd name="T8" fmla="*/ 682 w 3800"/>
-              <a:gd name="T9" fmla="*/ 1248 h 1532"/>
-              <a:gd name="T10" fmla="*/ 682 w 3800"/>
-              <a:gd name="T11" fmla="*/ 1532 h 1532"/>
-              <a:gd name="T12" fmla="*/ 3120 w 3800"/>
-              <a:gd name="T13" fmla="*/ 1532 h 1532"/>
-              <a:gd name="T14" fmla="*/ 3120 w 3800"/>
-              <a:gd name="T15" fmla="*/ 1248 h 1532"/>
-              <a:gd name="T16" fmla="*/ 3800 w 3800"/>
-              <a:gd name="T17" fmla="*/ 766 h 1532"/>
-              <a:gd name="T18" fmla="*/ 3120 w 3800"/>
-              <a:gd name="T19" fmla="*/ 284 h 1532"/>
-              <a:gd name="T20" fmla="*/ 3120 w 3800"/>
-              <a:gd name="T21" fmla="*/ 0 h 1532"/>
-            </a:gdLst>
-            <a:ahLst/>
-            <a:cxnLst>
-              <a:cxn ang="0">
-                <a:pos x="T0" y="T1"/>
-              </a:cxn>
-              <a:cxn ang="0">
-                <a:pos x="T2" y="T3"/>
-              </a:cxn>
-              <a:cxn ang="0">
-                <a:pos x="T4" y="T5"/>
-              </a:cxn>
-              <a:cxn ang="0">
-                <a:pos x="T6" y="T7"/>
-              </a:cxn>
-              <a:cxn ang="0">
-                <a:pos x="T8" y="T9"/>
-              </a:cxn>
-              <a:cxn ang="0">
-                <a:pos x="T10" y="T11"/>
-              </a:cxn>
-              <a:cxn ang="0">
-                <a:pos x="T12" y="T13"/>
-              </a:cxn>
-              <a:cxn ang="0">
-                <a:pos x="T14" y="T15"/>
-              </a:cxn>
-              <a:cxn ang="0">
-                <a:pos x="T16" y="T17"/>
-              </a:cxn>
-              <a:cxn ang="0">
-                <a:pos x="T18" y="T19"/>
-              </a:cxn>
-              <a:cxn ang="0">
-                <a:pos x="T20" y="T21"/>
-              </a:cxn>
-            </a:cxnLst>
-            <a:rect l="0" t="0" r="r" b="b"/>
-            <a:pathLst>
-              <a:path w="3800" h="1532">
-                <a:moveTo>
-                  <a:pt x="3120" y="0"/>
-                </a:moveTo>
-                <a:lnTo>
-                  <a:pt x="682" y="0"/>
-                </a:lnTo>
-                <a:lnTo>
-                  <a:pt x="682" y="284"/>
-                </a:lnTo>
-                <a:lnTo>
-                  <a:pt x="0" y="766"/>
-                </a:lnTo>
-                <a:lnTo>
-                  <a:pt x="682" y="1248"/>
-                </a:lnTo>
-                <a:lnTo>
-                  <a:pt x="682" y="1532"/>
-                </a:lnTo>
-                <a:lnTo>
-                  <a:pt x="3120" y="1532"/>
-                </a:lnTo>
-                <a:lnTo>
-                  <a:pt x="3120" y="1248"/>
-                </a:lnTo>
-                <a:lnTo>
-                  <a:pt x="3800" y="766"/>
-                </a:lnTo>
-                <a:lnTo>
-                  <a:pt x="3120" y="284"/>
-                </a:lnTo>
-                <a:lnTo>
-                  <a:pt x="3120" y="0"/>
-                </a:lnTo>
-                <a:close/>
-              </a:path>
-            </a:pathLst>
-          </a:custGeom>
-          <a:solidFill>
-            <a:schemeClr val="bg2"/>
-          </a:solidFill>
-          <a:ln>
-            <a:noFill/>
-          </a:ln>
-        </p:spPr>
-        <p:txBody>
-          <a:bodyPr vert="horz" wrap="square" lIns="91440" tIns="45720" rIns="91440" bIns="45720" numCol="1" anchor="ctr" anchorCtr="0" compatLnSpc="1">
-            <a:prstTxWarp prst="textNoShape">
-              <a:avLst/>
-            </a:prstTxWarp>
-            <a:noAutofit/>
-          </a:bodyPr>
-          <a:lstStyle/>
-          <a:p>
-            <a:pPr algn="ctr"/>
-            <a:endParaRPr lang="zh-CN" altLang="en-US" sz="3200" b="1"/>
-          </a:p>
-        </p:txBody>
-      </p:sp>
-      <p:sp>
-        <p:nvSpPr>
-          <p:cNvPr id="24" name="文本框 23"/>
-          <p:cNvSpPr txBox="1"/>
-          <p:nvPr userDrawn="1"/>
-        </p:nvSpPr>
-        <p:spPr>
-          <a:xfrm>
-            <a:off x="2071646" y="4063469"/>
-            <a:ext cx="383206" cy="443226"/>
-          </a:xfrm>
-          <a:prstGeom prst="rect">
-            <a:avLst/>
-          </a:prstGeom>
-          <a:noFill/>
-        </p:spPr>
-        <p:txBody>
-          <a:bodyPr wrap="none" rtlCol="0" anchor="ctr">
-            <a:noAutofit/>
-          </a:bodyPr>
-          <a:lstStyle/>
-          <a:p>
-            <a:pPr algn="ctr"/>
-            <a:r>
-              <a:rPr lang="en-US" altLang="zh-CN" b="1" dirty="0">
-                <a:solidFill>
-                  <a:schemeClr val="bg1"/>
-                </a:solidFill>
-                <a:latin typeface="微软雅黑" panose="020B0503020204020204" pitchFamily="34" charset="-122"/>
-                <a:ea typeface="微软雅黑" panose="020B0503020204020204" pitchFamily="34" charset="-122"/>
-              </a:rPr>
-              <a:t>4</a:t>
-            </a:r>
-            <a:endParaRPr lang="zh-CN" altLang="en-US" b="1" dirty="0">
-              <a:solidFill>
-                <a:schemeClr val="bg1"/>
-              </a:solidFill>
-              <a:latin typeface="微软雅黑" panose="020B0503020204020204" pitchFamily="34" charset="-122"/>
-              <a:ea typeface="微软雅黑" panose="020B0503020204020204" pitchFamily="34" charset="-122"/>
-            </a:endParaRPr>
-          </a:p>
-        </p:txBody>
-      </p:sp>
-      <p:cxnSp>
-        <p:nvCxnSpPr>
-          <p:cNvPr id="25" name="直接连接符 24"/>
-          <p:cNvCxnSpPr>
-            <a:stCxn id="23" idx="6"/>
-          </p:cNvCxnSpPr>
-          <p:nvPr/>
-        </p:nvCxnSpPr>
-        <p:spPr>
-          <a:xfrm>
-            <a:off x="2534033" y="4471134"/>
-            <a:ext cx="4500000" cy="0"/>
-          </a:xfrm>
-          <a:prstGeom prst="line">
-            <a:avLst/>
-          </a:prstGeom>
-          <a:ln>
-            <a:solidFill>
-              <a:schemeClr val="bg2"/>
-            </a:solidFill>
-          </a:ln>
-        </p:spPr>
-        <p:style>
-          <a:lnRef idx="1">
-            <a:schemeClr val="accent1"/>
-          </a:lnRef>
-          <a:fillRef idx="0">
-            <a:schemeClr val="accent1"/>
-          </a:fillRef>
-          <a:effectRef idx="0">
-            <a:schemeClr val="accent1"/>
-          </a:effectRef>
-          <a:fontRef idx="minor">
-            <a:schemeClr val="tx1"/>
-          </a:fontRef>
-        </p:style>
-      </p:cxnSp>
-      <p:sp>
-        <p:nvSpPr>
-          <p:cNvPr id="33" name="Freeform 10"/>
-          <p:cNvSpPr>
-            <a:spLocks/>
-          </p:cNvSpPr>
-          <p:nvPr userDrawn="1"/>
-        </p:nvSpPr>
-        <p:spPr bwMode="auto">
-          <a:xfrm>
-            <a:off x="1841535" y="5047251"/>
-            <a:ext cx="843427" cy="343858"/>
-          </a:xfrm>
-          <a:custGeom>
-            <a:avLst/>
-            <a:gdLst>
-              <a:gd name="T0" fmla="*/ 3120 w 3800"/>
-              <a:gd name="T1" fmla="*/ 0 h 1532"/>
-              <a:gd name="T2" fmla="*/ 682 w 3800"/>
-              <a:gd name="T3" fmla="*/ 0 h 1532"/>
-              <a:gd name="T4" fmla="*/ 682 w 3800"/>
-              <a:gd name="T5" fmla="*/ 284 h 1532"/>
-              <a:gd name="T6" fmla="*/ 0 w 3800"/>
-              <a:gd name="T7" fmla="*/ 766 h 1532"/>
-              <a:gd name="T8" fmla="*/ 682 w 3800"/>
-              <a:gd name="T9" fmla="*/ 1248 h 1532"/>
-              <a:gd name="T10" fmla="*/ 682 w 3800"/>
-              <a:gd name="T11" fmla="*/ 1532 h 1532"/>
-              <a:gd name="T12" fmla="*/ 3120 w 3800"/>
-              <a:gd name="T13" fmla="*/ 1532 h 1532"/>
-              <a:gd name="T14" fmla="*/ 3120 w 3800"/>
-              <a:gd name="T15" fmla="*/ 1248 h 1532"/>
-              <a:gd name="T16" fmla="*/ 3800 w 3800"/>
-              <a:gd name="T17" fmla="*/ 766 h 1532"/>
-              <a:gd name="T18" fmla="*/ 3120 w 3800"/>
-              <a:gd name="T19" fmla="*/ 284 h 1532"/>
-              <a:gd name="T20" fmla="*/ 3120 w 3800"/>
-              <a:gd name="T21" fmla="*/ 0 h 1532"/>
-            </a:gdLst>
-            <a:ahLst/>
-            <a:cxnLst>
-              <a:cxn ang="0">
-                <a:pos x="T0" y="T1"/>
-              </a:cxn>
-              <a:cxn ang="0">
-                <a:pos x="T2" y="T3"/>
-              </a:cxn>
-              <a:cxn ang="0">
-                <a:pos x="T4" y="T5"/>
-              </a:cxn>
-              <a:cxn ang="0">
-                <a:pos x="T6" y="T7"/>
-              </a:cxn>
-              <a:cxn ang="0">
-                <a:pos x="T8" y="T9"/>
-              </a:cxn>
-              <a:cxn ang="0">
-                <a:pos x="T10" y="T11"/>
-              </a:cxn>
-              <a:cxn ang="0">
-                <a:pos x="T12" y="T13"/>
-              </a:cxn>
-              <a:cxn ang="0">
-                <a:pos x="T14" y="T15"/>
-              </a:cxn>
-              <a:cxn ang="0">
-                <a:pos x="T16" y="T17"/>
-              </a:cxn>
-              <a:cxn ang="0">
-                <a:pos x="T18" y="T19"/>
-              </a:cxn>
-              <a:cxn ang="0">
-                <a:pos x="T20" y="T21"/>
-              </a:cxn>
-            </a:cxnLst>
-            <a:rect l="0" t="0" r="r" b="b"/>
-            <a:pathLst>
-              <a:path w="3800" h="1532">
-                <a:moveTo>
-                  <a:pt x="3120" y="0"/>
-                </a:moveTo>
-                <a:lnTo>
-                  <a:pt x="682" y="0"/>
-                </a:lnTo>
-                <a:lnTo>
-                  <a:pt x="682" y="284"/>
-                </a:lnTo>
-                <a:lnTo>
-                  <a:pt x="0" y="766"/>
-                </a:lnTo>
-                <a:lnTo>
-                  <a:pt x="682" y="1248"/>
-                </a:lnTo>
-                <a:lnTo>
-                  <a:pt x="682" y="1532"/>
-                </a:lnTo>
-                <a:lnTo>
-                  <a:pt x="3120" y="1532"/>
-                </a:lnTo>
-                <a:lnTo>
-                  <a:pt x="3120" y="1248"/>
-                </a:lnTo>
-                <a:lnTo>
-                  <a:pt x="3800" y="766"/>
-                </a:lnTo>
-                <a:lnTo>
-                  <a:pt x="3120" y="284"/>
-                </a:lnTo>
-                <a:lnTo>
-                  <a:pt x="3120" y="0"/>
-                </a:lnTo>
-                <a:close/>
-              </a:path>
-            </a:pathLst>
-          </a:custGeom>
-          <a:solidFill>
-            <a:schemeClr val="bg2"/>
-          </a:solidFill>
-          <a:ln>
-            <a:noFill/>
-          </a:ln>
-        </p:spPr>
-        <p:txBody>
-          <a:bodyPr vert="horz" wrap="square" lIns="91440" tIns="45720" rIns="91440" bIns="45720" numCol="1" anchor="ctr" anchorCtr="0" compatLnSpc="1">
-            <a:prstTxWarp prst="textNoShape">
-              <a:avLst/>
-            </a:prstTxWarp>
-            <a:noAutofit/>
-          </a:bodyPr>
-          <a:lstStyle/>
-          <a:p>
-            <a:pPr algn="ctr"/>
-            <a:endParaRPr lang="zh-CN" altLang="en-US" sz="3200" b="1"/>
-          </a:p>
-        </p:txBody>
-      </p:sp>
-      <p:sp>
-        <p:nvSpPr>
-          <p:cNvPr id="34" name="文本框 33"/>
-          <p:cNvSpPr txBox="1"/>
-          <p:nvPr userDrawn="1"/>
-        </p:nvSpPr>
-        <p:spPr>
-          <a:xfrm>
-            <a:off x="2071646" y="4983444"/>
-            <a:ext cx="383206" cy="443226"/>
-          </a:xfrm>
-          <a:prstGeom prst="rect">
-            <a:avLst/>
-          </a:prstGeom>
-          <a:noFill/>
-        </p:spPr>
-        <p:txBody>
-          <a:bodyPr wrap="none" rtlCol="0" anchor="ctr">
-            <a:noAutofit/>
-          </a:bodyPr>
-          <a:lstStyle/>
-          <a:p>
-            <a:pPr algn="ctr"/>
-            <a:r>
-              <a:rPr lang="en-US" altLang="zh-CN" b="1" dirty="0">
-                <a:solidFill>
-                  <a:schemeClr val="bg1"/>
-                </a:solidFill>
-                <a:latin typeface="微软雅黑" panose="020B0503020204020204" pitchFamily="34" charset="-122"/>
-                <a:ea typeface="微软雅黑" panose="020B0503020204020204" pitchFamily="34" charset="-122"/>
-              </a:rPr>
-              <a:t>5</a:t>
-            </a:r>
-            <a:endParaRPr lang="zh-CN" altLang="en-US" b="1" dirty="0">
-              <a:solidFill>
-                <a:schemeClr val="bg1"/>
-              </a:solidFill>
-              <a:latin typeface="微软雅黑" panose="020B0503020204020204" pitchFamily="34" charset="-122"/>
-              <a:ea typeface="微软雅黑" panose="020B0503020204020204" pitchFamily="34" charset="-122"/>
-            </a:endParaRPr>
-          </a:p>
-        </p:txBody>
-      </p:sp>
-      <p:cxnSp>
-        <p:nvCxnSpPr>
-          <p:cNvPr id="35" name="直接连接符 34"/>
-          <p:cNvCxnSpPr>
-            <a:stCxn id="33" idx="6"/>
-          </p:cNvCxnSpPr>
-          <p:nvPr/>
-        </p:nvCxnSpPr>
-        <p:spPr>
-          <a:xfrm>
-            <a:off x="2534033" y="5391109"/>
-            <a:ext cx="4500000" cy="0"/>
-          </a:xfrm>
-          <a:prstGeom prst="line">
-            <a:avLst/>
-          </a:prstGeom>
-          <a:ln>
-            <a:solidFill>
-              <a:schemeClr val="bg2"/>
-            </a:solidFill>
-          </a:ln>
-        </p:spPr>
-        <p:style>
-          <a:lnRef idx="1">
-            <a:schemeClr val="accent1"/>
-          </a:lnRef>
-          <a:fillRef idx="0">
-            <a:schemeClr val="accent1"/>
-          </a:fillRef>
-          <a:effectRef idx="0">
-            <a:schemeClr val="accent1"/>
-          </a:effectRef>
-          <a:fontRef idx="minor">
-            <a:schemeClr val="tx1"/>
-          </a:fontRef>
-        </p:style>
-      </p:cxnSp>
-      <p:sp>
-        <p:nvSpPr>
-          <p:cNvPr id="28" name="文本框 27">
-            <a:extLst>
-              <a:ext uri="{FF2B5EF4-FFF2-40B4-BE49-F238E27FC236}">
-                <a16:creationId xmlns:a16="http://schemas.microsoft.com/office/drawing/2014/main" id="{33740C1C-61C9-47D8-9E2A-A2444B479AD1}"/>
-              </a:ext>
-            </a:extLst>
-          </p:cNvPr>
-          <p:cNvSpPr txBox="1"/>
-          <p:nvPr/>
-        </p:nvSpPr>
-        <p:spPr>
-          <a:xfrm>
-            <a:off x="2915072" y="1274734"/>
-            <a:ext cx="6125295" cy="461665"/>
-          </a:xfrm>
-          <a:prstGeom prst="rect">
-            <a:avLst/>
-          </a:prstGeom>
-          <a:noFill/>
-        </p:spPr>
-        <p:txBody>
-          <a:bodyPr wrap="square" rtlCol="0">
-            <a:spAutoFit/>
-          </a:bodyPr>
-          <a:lstStyle/>
-          <a:p>
-            <a:r>
-              <a:rPr lang="en-GB" altLang="zh-CN" sz="2400" dirty="0" err="1"/>
+              <a:rPr lang="en-US" altLang="zh-CN" dirty="0"/>
+              <a:t>More Details about </a:t>
+            </a:r>
+            <a:r>
+              <a:rPr lang="en-US" altLang="zh-CN" dirty="0" err="1"/>
               <a:t>NPoS</a:t>
             </a:r>
-            <a:r>
-              <a:rPr lang="en-GB" altLang="zh-CN" sz="2400" dirty="0"/>
-              <a:t> and Validator election</a:t>
-            </a:r>
-            <a:endParaRPr lang="zh-CN" altLang="en-US" sz="2400" dirty="0"/>
-          </a:p>
-        </p:txBody>
-      </p:sp>
-      <p:sp>
-        <p:nvSpPr>
-          <p:cNvPr id="27" name="文本框 26">
-            <a:extLst>
-              <a:ext uri="{FF2B5EF4-FFF2-40B4-BE49-F238E27FC236}">
-                <a16:creationId xmlns:a16="http://schemas.microsoft.com/office/drawing/2014/main" id="{38F10A68-B2BB-4E03-BEE7-ACF1D623248C}"/>
-              </a:ext>
-            </a:extLst>
-          </p:cNvPr>
-          <p:cNvSpPr txBox="1"/>
-          <p:nvPr/>
-        </p:nvSpPr>
-        <p:spPr>
-          <a:xfrm>
-            <a:off x="2915073" y="3114680"/>
-            <a:ext cx="4387392" cy="461665"/>
-          </a:xfrm>
-          <a:prstGeom prst="rect">
-            <a:avLst/>
-          </a:prstGeom>
-          <a:noFill/>
-        </p:spPr>
-        <p:txBody>
-          <a:bodyPr wrap="square" rtlCol="0">
-            <a:spAutoFit/>
-          </a:bodyPr>
-          <a:lstStyle/>
-          <a:p>
-            <a:r>
-              <a:rPr lang="en-US" altLang="zh-CN" sz="2400" dirty="0"/>
-              <a:t>Consensus</a:t>
-            </a:r>
-          </a:p>
-        </p:txBody>
-      </p:sp>
-      <p:sp>
-        <p:nvSpPr>
-          <p:cNvPr id="29" name="文本框 28">
-            <a:extLst>
-              <a:ext uri="{FF2B5EF4-FFF2-40B4-BE49-F238E27FC236}">
-                <a16:creationId xmlns:a16="http://schemas.microsoft.com/office/drawing/2014/main" id="{C1B15F69-6774-4175-B851-B16CD1E49593}"/>
-              </a:ext>
-            </a:extLst>
-          </p:cNvPr>
-          <p:cNvSpPr txBox="1"/>
-          <p:nvPr/>
-        </p:nvSpPr>
-        <p:spPr>
-          <a:xfrm>
-            <a:off x="2915073" y="4034653"/>
-            <a:ext cx="4387392" cy="461665"/>
-          </a:xfrm>
-          <a:prstGeom prst="rect">
-            <a:avLst/>
-          </a:prstGeom>
-          <a:noFill/>
-        </p:spPr>
-        <p:txBody>
-          <a:bodyPr wrap="square" rtlCol="0">
-            <a:spAutoFit/>
-          </a:bodyPr>
-          <a:lstStyle/>
-          <a:p>
-            <a:r>
-              <a:rPr lang="en-US" altLang="zh-CN" sz="2400" dirty="0" err="1"/>
-              <a:t>Parachains</a:t>
-            </a:r>
-            <a:endParaRPr lang="zh-CN" altLang="en-US" sz="2400" dirty="0"/>
-          </a:p>
-        </p:txBody>
-      </p:sp>
-      <p:sp>
-        <p:nvSpPr>
-          <p:cNvPr id="30" name="文本框 29">
-            <a:extLst>
-              <a:ext uri="{FF2B5EF4-FFF2-40B4-BE49-F238E27FC236}">
-                <a16:creationId xmlns:a16="http://schemas.microsoft.com/office/drawing/2014/main" id="{B807BB52-D038-4AAF-8C7E-43CD09DECD5C}"/>
-              </a:ext>
-            </a:extLst>
-          </p:cNvPr>
-          <p:cNvSpPr txBox="1"/>
-          <p:nvPr/>
-        </p:nvSpPr>
-        <p:spPr>
-          <a:xfrm>
-            <a:off x="2915073" y="4954628"/>
-            <a:ext cx="5137744" cy="461665"/>
-          </a:xfrm>
-          <a:prstGeom prst="rect">
-            <a:avLst/>
-          </a:prstGeom>
-          <a:noFill/>
-        </p:spPr>
-        <p:txBody>
-          <a:bodyPr wrap="square" rtlCol="0">
-            <a:spAutoFit/>
-          </a:bodyPr>
-          <a:lstStyle/>
-          <a:p>
-            <a:r>
-              <a:rPr lang="en-US" altLang="zh-CN" sz="2400" dirty="0"/>
-              <a:t>Economics, Incentive and Governance</a:t>
-            </a:r>
-            <a:endParaRPr lang="zh-CN" altLang="en-US" sz="2400" dirty="0"/>
+            <a:endParaRPr lang="zh-CN" altLang="en-US" dirty="0"/>
           </a:p>
         </p:txBody>
       </p:sp>
     </p:spTree>
     <p:extLst>
       <p:ext uri="{BB962C8B-B14F-4D97-AF65-F5344CB8AC3E}">
-        <p14:creationId xmlns:p14="http://schemas.microsoft.com/office/powerpoint/2010/main" val="3595279237"/>
+        <p14:creationId xmlns:p14="http://schemas.microsoft.com/office/powerpoint/2010/main" val="3470068855"/>
       </p:ext>
     </p:extLst>
   </p:cSld>
@@ -9699,121 +8607,7 @@
       </p:grpSpPr>
       <p:sp>
         <p:nvSpPr>
-          <p:cNvPr id="2" name="内容占位符 1">
-            <a:extLst>
-              <a:ext uri="{FF2B5EF4-FFF2-40B4-BE49-F238E27FC236}">
-                <a16:creationId xmlns:a16="http://schemas.microsoft.com/office/drawing/2014/main" id="{AF3ED768-F4AC-4570-9A14-87BFBBA452E6}"/>
-              </a:ext>
-            </a:extLst>
-          </p:cNvPr>
-          <p:cNvSpPr>
-            <a:spLocks noGrp="1"/>
-          </p:cNvSpPr>
-          <p:nvPr>
-            <p:ph sz="quarter" idx="10"/>
-          </p:nvPr>
-        </p:nvSpPr>
-        <p:spPr>
-          <a:xfrm>
-            <a:off x="494025" y="1685678"/>
-            <a:ext cx="5467863" cy="4562722"/>
-          </a:xfrm>
-        </p:spPr>
-        <p:txBody>
-          <a:bodyPr/>
-          <a:lstStyle/>
-          <a:p>
-            <a:r>
-              <a:rPr lang="en-US" altLang="zh-CN" dirty="0"/>
-              <a:t>State</a:t>
-            </a:r>
-          </a:p>
-          <a:p>
-            <a:pPr lvl="1"/>
-            <a:r>
-              <a:rPr lang="en-US" altLang="zh-CN" dirty="0"/>
-              <a:t>Represented by an </a:t>
-            </a:r>
-            <a:r>
-              <a:rPr lang="en-US" altLang="zh-CN" b="1" i="1" dirty="0"/>
-              <a:t>associative array </a:t>
-            </a:r>
-            <a:r>
-              <a:rPr lang="en-US" altLang="zh-CN" dirty="0"/>
-              <a:t>data structure, composed by a collection of </a:t>
-            </a:r>
-            <a:r>
-              <a:rPr lang="en-US" altLang="zh-CN" b="1" dirty="0"/>
-              <a:t>key-value pairs</a:t>
-            </a:r>
-            <a:r>
-              <a:rPr lang="en-US" altLang="zh-CN" dirty="0"/>
-              <a:t> where each key is unique.</a:t>
-            </a:r>
-          </a:p>
-          <a:p>
-            <a:pPr lvl="1"/>
-            <a:r>
-              <a:rPr lang="en-US" altLang="zh-CN" dirty="0"/>
-              <a:t>Both key and value need to be </a:t>
-            </a:r>
-            <a:r>
-              <a:rPr lang="en-US" altLang="zh-CN" b="1" dirty="0"/>
-              <a:t>finite byte arrays</a:t>
-            </a:r>
-          </a:p>
-          <a:p>
-            <a:pPr lvl="1"/>
-            <a:r>
-              <a:rPr lang="en-US" altLang="zh-CN" dirty="0"/>
-              <a:t>K-V pairs are arranged in a </a:t>
-            </a:r>
-            <a:r>
-              <a:rPr lang="en-US" altLang="zh-CN" b="1" dirty="0"/>
-              <a:t>Merkel radix-16 tree</a:t>
-            </a:r>
-          </a:p>
-          <a:p>
-            <a:pPr lvl="2"/>
-            <a:r>
-              <a:rPr lang="en-US" altLang="zh-CN" dirty="0"/>
-              <a:t>whose root identifies the current state of the relay chain.</a:t>
-            </a:r>
-          </a:p>
-          <a:p>
-            <a:pPr lvl="2"/>
-            <a:r>
-              <a:rPr lang="en-US" altLang="zh-CN" dirty="0"/>
-              <a:t>provides an efficient mean to produce the proof of inclusion for an individual pair in the state.</a:t>
-            </a:r>
-          </a:p>
-          <a:p>
-            <a:pPr lvl="2"/>
-            <a:r>
-              <a:rPr lang="en-US" altLang="zh-CN" dirty="0"/>
-              <a:t>Shouldn’t store any information regarding the internal operation of the </a:t>
-            </a:r>
-            <a:r>
-              <a:rPr lang="en-US" altLang="zh-CN" dirty="0" err="1"/>
-              <a:t>parachains</a:t>
-            </a:r>
-            <a:r>
-              <a:rPr lang="en-US" altLang="zh-CN" dirty="0"/>
-              <a:t>.</a:t>
-            </a:r>
-            <a:endParaRPr lang="en-US" altLang="zh-CN" b="1" dirty="0"/>
-          </a:p>
-        </p:txBody>
-      </p:sp>
-      <p:sp>
-        <p:nvSpPr>
-          <p:cNvPr id="3" name="标题 2">
-            <a:extLst>
-              <a:ext uri="{FF2B5EF4-FFF2-40B4-BE49-F238E27FC236}">
-                <a16:creationId xmlns:a16="http://schemas.microsoft.com/office/drawing/2014/main" id="{CDC1A08A-FFC4-4FE8-B7F5-70FBB0F936C3}"/>
-              </a:ext>
-            </a:extLst>
-          </p:cNvPr>
+          <p:cNvPr id="2" name="标题 1"/>
           <p:cNvSpPr>
             <a:spLocks noGrp="1"/>
           </p:cNvSpPr>
@@ -9823,113 +8617,1307 @@
         </p:nvSpPr>
         <p:spPr/>
         <p:txBody>
-          <a:bodyPr/>
+          <a:bodyPr>
+            <a:normAutofit fontScale="90000"/>
+          </a:bodyPr>
           <a:lstStyle/>
           <a:p>
             <a:r>
-              <a:rPr lang="en-US" altLang="zh-CN" dirty="0"/>
-              <a:t>Relay Chain protocol: A state machine</a:t>
-            </a:r>
-            <a:endParaRPr lang="zh-CN" altLang="en-US" dirty="0"/>
+              <a:rPr lang="zh-CN" altLang="en-US" dirty="0">
+                <a:latin typeface="微软雅黑" panose="020B0503020204020204" pitchFamily="34" charset="-122"/>
+                <a:ea typeface="微软雅黑" panose="020B0503020204020204" pitchFamily="34" charset="-122"/>
+              </a:rPr>
+              <a:t>目录 </a:t>
+            </a:r>
+            <a:r>
+              <a:rPr lang="en-US" altLang="zh-CN" dirty="0">
+                <a:latin typeface="微软雅黑" panose="020B0503020204020204" pitchFamily="34" charset="-122"/>
+                <a:ea typeface="微软雅黑" panose="020B0503020204020204" pitchFamily="34" charset="-122"/>
+              </a:rPr>
+              <a:t>Contents</a:t>
+            </a:r>
+            <a:endParaRPr lang="zh-CN" altLang="en-US" dirty="0">
+              <a:latin typeface="微软雅黑" panose="020B0503020204020204" pitchFamily="34" charset="-122"/>
+              <a:ea typeface="微软雅黑" panose="020B0503020204020204" pitchFamily="34" charset="-122"/>
+            </a:endParaRPr>
           </a:p>
         </p:txBody>
       </p:sp>
-      <p:pic>
-        <p:nvPicPr>
-          <p:cNvPr id="1028" name="Picture 4" descr="Image for post">
+      <p:sp>
+        <p:nvSpPr>
+          <p:cNvPr id="4" name="Freeform 10"/>
+          <p:cNvSpPr>
+            <a:spLocks/>
+          </p:cNvSpPr>
+          <p:nvPr userDrawn="1"/>
+        </p:nvSpPr>
+        <p:spPr bwMode="auto">
+          <a:xfrm>
+            <a:off x="1841535" y="1367357"/>
+            <a:ext cx="843427" cy="343858"/>
+          </a:xfrm>
+          <a:custGeom>
+            <a:avLst/>
+            <a:gdLst>
+              <a:gd name="T0" fmla="*/ 3120 w 3800"/>
+              <a:gd name="T1" fmla="*/ 0 h 1532"/>
+              <a:gd name="T2" fmla="*/ 682 w 3800"/>
+              <a:gd name="T3" fmla="*/ 0 h 1532"/>
+              <a:gd name="T4" fmla="*/ 682 w 3800"/>
+              <a:gd name="T5" fmla="*/ 284 h 1532"/>
+              <a:gd name="T6" fmla="*/ 0 w 3800"/>
+              <a:gd name="T7" fmla="*/ 766 h 1532"/>
+              <a:gd name="T8" fmla="*/ 682 w 3800"/>
+              <a:gd name="T9" fmla="*/ 1248 h 1532"/>
+              <a:gd name="T10" fmla="*/ 682 w 3800"/>
+              <a:gd name="T11" fmla="*/ 1532 h 1532"/>
+              <a:gd name="T12" fmla="*/ 3120 w 3800"/>
+              <a:gd name="T13" fmla="*/ 1532 h 1532"/>
+              <a:gd name="T14" fmla="*/ 3120 w 3800"/>
+              <a:gd name="T15" fmla="*/ 1248 h 1532"/>
+              <a:gd name="T16" fmla="*/ 3800 w 3800"/>
+              <a:gd name="T17" fmla="*/ 766 h 1532"/>
+              <a:gd name="T18" fmla="*/ 3120 w 3800"/>
+              <a:gd name="T19" fmla="*/ 284 h 1532"/>
+              <a:gd name="T20" fmla="*/ 3120 w 3800"/>
+              <a:gd name="T21" fmla="*/ 0 h 1532"/>
+            </a:gdLst>
+            <a:ahLst/>
+            <a:cxnLst>
+              <a:cxn ang="0">
+                <a:pos x="T0" y="T1"/>
+              </a:cxn>
+              <a:cxn ang="0">
+                <a:pos x="T2" y="T3"/>
+              </a:cxn>
+              <a:cxn ang="0">
+                <a:pos x="T4" y="T5"/>
+              </a:cxn>
+              <a:cxn ang="0">
+                <a:pos x="T6" y="T7"/>
+              </a:cxn>
+              <a:cxn ang="0">
+                <a:pos x="T8" y="T9"/>
+              </a:cxn>
+              <a:cxn ang="0">
+                <a:pos x="T10" y="T11"/>
+              </a:cxn>
+              <a:cxn ang="0">
+                <a:pos x="T12" y="T13"/>
+              </a:cxn>
+              <a:cxn ang="0">
+                <a:pos x="T14" y="T15"/>
+              </a:cxn>
+              <a:cxn ang="0">
+                <a:pos x="T16" y="T17"/>
+              </a:cxn>
+              <a:cxn ang="0">
+                <a:pos x="T18" y="T19"/>
+              </a:cxn>
+              <a:cxn ang="0">
+                <a:pos x="T20" y="T21"/>
+              </a:cxn>
+            </a:cxnLst>
+            <a:rect l="0" t="0" r="r" b="b"/>
+            <a:pathLst>
+              <a:path w="3800" h="1532">
+                <a:moveTo>
+                  <a:pt x="3120" y="0"/>
+                </a:moveTo>
+                <a:lnTo>
+                  <a:pt x="682" y="0"/>
+                </a:lnTo>
+                <a:lnTo>
+                  <a:pt x="682" y="284"/>
+                </a:lnTo>
+                <a:lnTo>
+                  <a:pt x="0" y="766"/>
+                </a:lnTo>
+                <a:lnTo>
+                  <a:pt x="682" y="1248"/>
+                </a:lnTo>
+                <a:lnTo>
+                  <a:pt x="682" y="1532"/>
+                </a:lnTo>
+                <a:lnTo>
+                  <a:pt x="3120" y="1532"/>
+                </a:lnTo>
+                <a:lnTo>
+                  <a:pt x="3120" y="1248"/>
+                </a:lnTo>
+                <a:lnTo>
+                  <a:pt x="3800" y="766"/>
+                </a:lnTo>
+                <a:lnTo>
+                  <a:pt x="3120" y="284"/>
+                </a:lnTo>
+                <a:lnTo>
+                  <a:pt x="3120" y="0"/>
+                </a:lnTo>
+                <a:close/>
+              </a:path>
+            </a:pathLst>
+          </a:custGeom>
+          <a:solidFill>
+            <a:schemeClr val="bg2"/>
+          </a:solidFill>
+          <a:ln>
+            <a:noFill/>
+          </a:ln>
+        </p:spPr>
+        <p:txBody>
+          <a:bodyPr vert="horz" wrap="square" lIns="91440" tIns="45720" rIns="91440" bIns="45720" numCol="1" anchor="ctr" anchorCtr="0" compatLnSpc="1">
+            <a:prstTxWarp prst="textNoShape">
+              <a:avLst/>
+            </a:prstTxWarp>
+            <a:noAutofit/>
+          </a:bodyPr>
+          <a:lstStyle/>
+          <a:p>
+            <a:pPr algn="ctr"/>
+            <a:endParaRPr lang="zh-CN" altLang="en-US" sz="3200" b="1"/>
+          </a:p>
+        </p:txBody>
+      </p:sp>
+      <p:sp>
+        <p:nvSpPr>
+          <p:cNvPr id="5" name="文本框 4"/>
+          <p:cNvSpPr txBox="1"/>
+          <p:nvPr userDrawn="1"/>
+        </p:nvSpPr>
+        <p:spPr>
+          <a:xfrm>
+            <a:off x="2071646" y="1303550"/>
+            <a:ext cx="383206" cy="443226"/>
+          </a:xfrm>
+          <a:prstGeom prst="rect">
+            <a:avLst/>
+          </a:prstGeom>
+          <a:noFill/>
+        </p:spPr>
+        <p:txBody>
+          <a:bodyPr wrap="none" rtlCol="0" anchor="ctr">
+            <a:noAutofit/>
+          </a:bodyPr>
+          <a:lstStyle/>
+          <a:p>
+            <a:pPr algn="ctr"/>
+            <a:r>
+              <a:rPr lang="en-US" altLang="zh-CN" b="1" dirty="0">
+                <a:solidFill>
+                  <a:schemeClr val="bg1"/>
+                </a:solidFill>
+                <a:latin typeface="微软雅黑" panose="020B0503020204020204" pitchFamily="34" charset="-122"/>
+                <a:ea typeface="微软雅黑" panose="020B0503020204020204" pitchFamily="34" charset="-122"/>
+              </a:rPr>
+              <a:t>1</a:t>
+            </a:r>
+            <a:endParaRPr lang="zh-CN" altLang="en-US" b="1" dirty="0">
+              <a:solidFill>
+                <a:schemeClr val="bg1"/>
+              </a:solidFill>
+              <a:latin typeface="微软雅黑" panose="020B0503020204020204" pitchFamily="34" charset="-122"/>
+              <a:ea typeface="微软雅黑" panose="020B0503020204020204" pitchFamily="34" charset="-122"/>
+            </a:endParaRPr>
+          </a:p>
+        </p:txBody>
+      </p:sp>
+      <p:cxnSp>
+        <p:nvCxnSpPr>
+          <p:cNvPr id="7" name="直接连接符 6"/>
+          <p:cNvCxnSpPr>
+            <a:stCxn id="4" idx="6"/>
+          </p:cNvCxnSpPr>
+          <p:nvPr/>
+        </p:nvCxnSpPr>
+        <p:spPr>
+          <a:xfrm>
+            <a:off x="2534033" y="1711215"/>
+            <a:ext cx="4500000" cy="0"/>
+          </a:xfrm>
+          <a:prstGeom prst="line">
+            <a:avLst/>
+          </a:prstGeom>
+          <a:ln>
+            <a:solidFill>
+              <a:schemeClr val="bg2"/>
+            </a:solidFill>
+          </a:ln>
+        </p:spPr>
+        <p:style>
+          <a:lnRef idx="1">
+            <a:schemeClr val="accent1"/>
+          </a:lnRef>
+          <a:fillRef idx="0">
+            <a:schemeClr val="accent1"/>
+          </a:fillRef>
+          <a:effectRef idx="0">
+            <a:schemeClr val="accent1"/>
+          </a:effectRef>
+          <a:fontRef idx="minor">
+            <a:schemeClr val="tx1"/>
+          </a:fontRef>
+        </p:style>
+      </p:cxnSp>
+      <p:sp>
+        <p:nvSpPr>
+          <p:cNvPr id="13" name="Freeform 10"/>
+          <p:cNvSpPr>
+            <a:spLocks/>
+          </p:cNvSpPr>
+          <p:nvPr userDrawn="1"/>
+        </p:nvSpPr>
+        <p:spPr bwMode="auto">
+          <a:xfrm>
+            <a:off x="1841535" y="2287330"/>
+            <a:ext cx="843427" cy="343858"/>
+          </a:xfrm>
+          <a:custGeom>
+            <a:avLst/>
+            <a:gdLst>
+              <a:gd name="T0" fmla="*/ 3120 w 3800"/>
+              <a:gd name="T1" fmla="*/ 0 h 1532"/>
+              <a:gd name="T2" fmla="*/ 682 w 3800"/>
+              <a:gd name="T3" fmla="*/ 0 h 1532"/>
+              <a:gd name="T4" fmla="*/ 682 w 3800"/>
+              <a:gd name="T5" fmla="*/ 284 h 1532"/>
+              <a:gd name="T6" fmla="*/ 0 w 3800"/>
+              <a:gd name="T7" fmla="*/ 766 h 1532"/>
+              <a:gd name="T8" fmla="*/ 682 w 3800"/>
+              <a:gd name="T9" fmla="*/ 1248 h 1532"/>
+              <a:gd name="T10" fmla="*/ 682 w 3800"/>
+              <a:gd name="T11" fmla="*/ 1532 h 1532"/>
+              <a:gd name="T12" fmla="*/ 3120 w 3800"/>
+              <a:gd name="T13" fmla="*/ 1532 h 1532"/>
+              <a:gd name="T14" fmla="*/ 3120 w 3800"/>
+              <a:gd name="T15" fmla="*/ 1248 h 1532"/>
+              <a:gd name="T16" fmla="*/ 3800 w 3800"/>
+              <a:gd name="T17" fmla="*/ 766 h 1532"/>
+              <a:gd name="T18" fmla="*/ 3120 w 3800"/>
+              <a:gd name="T19" fmla="*/ 284 h 1532"/>
+              <a:gd name="T20" fmla="*/ 3120 w 3800"/>
+              <a:gd name="T21" fmla="*/ 0 h 1532"/>
+            </a:gdLst>
+            <a:ahLst/>
+            <a:cxnLst>
+              <a:cxn ang="0">
+                <a:pos x="T0" y="T1"/>
+              </a:cxn>
+              <a:cxn ang="0">
+                <a:pos x="T2" y="T3"/>
+              </a:cxn>
+              <a:cxn ang="0">
+                <a:pos x="T4" y="T5"/>
+              </a:cxn>
+              <a:cxn ang="0">
+                <a:pos x="T6" y="T7"/>
+              </a:cxn>
+              <a:cxn ang="0">
+                <a:pos x="T8" y="T9"/>
+              </a:cxn>
+              <a:cxn ang="0">
+                <a:pos x="T10" y="T11"/>
+              </a:cxn>
+              <a:cxn ang="0">
+                <a:pos x="T12" y="T13"/>
+              </a:cxn>
+              <a:cxn ang="0">
+                <a:pos x="T14" y="T15"/>
+              </a:cxn>
+              <a:cxn ang="0">
+                <a:pos x="T16" y="T17"/>
+              </a:cxn>
+              <a:cxn ang="0">
+                <a:pos x="T18" y="T19"/>
+              </a:cxn>
+              <a:cxn ang="0">
+                <a:pos x="T20" y="T21"/>
+              </a:cxn>
+            </a:cxnLst>
+            <a:rect l="0" t="0" r="r" b="b"/>
+            <a:pathLst>
+              <a:path w="3800" h="1532">
+                <a:moveTo>
+                  <a:pt x="3120" y="0"/>
+                </a:moveTo>
+                <a:lnTo>
+                  <a:pt x="682" y="0"/>
+                </a:lnTo>
+                <a:lnTo>
+                  <a:pt x="682" y="284"/>
+                </a:lnTo>
+                <a:lnTo>
+                  <a:pt x="0" y="766"/>
+                </a:lnTo>
+                <a:lnTo>
+                  <a:pt x="682" y="1248"/>
+                </a:lnTo>
+                <a:lnTo>
+                  <a:pt x="682" y="1532"/>
+                </a:lnTo>
+                <a:lnTo>
+                  <a:pt x="3120" y="1532"/>
+                </a:lnTo>
+                <a:lnTo>
+                  <a:pt x="3120" y="1248"/>
+                </a:lnTo>
+                <a:lnTo>
+                  <a:pt x="3800" y="766"/>
+                </a:lnTo>
+                <a:lnTo>
+                  <a:pt x="3120" y="284"/>
+                </a:lnTo>
+                <a:lnTo>
+                  <a:pt x="3120" y="0"/>
+                </a:lnTo>
+                <a:close/>
+              </a:path>
+            </a:pathLst>
+          </a:custGeom>
+          <a:solidFill>
+            <a:schemeClr val="accent1"/>
+          </a:solidFill>
+          <a:ln>
+            <a:noFill/>
+          </a:ln>
+        </p:spPr>
+        <p:txBody>
+          <a:bodyPr vert="horz" wrap="square" lIns="91440" tIns="45720" rIns="91440" bIns="45720" numCol="1" anchor="ctr" anchorCtr="0" compatLnSpc="1">
+            <a:prstTxWarp prst="textNoShape">
+              <a:avLst/>
+            </a:prstTxWarp>
+            <a:noAutofit/>
+          </a:bodyPr>
+          <a:lstStyle/>
+          <a:p>
+            <a:pPr algn="ctr"/>
+            <a:endParaRPr lang="zh-CN" altLang="en-US" sz="3200" b="1"/>
+          </a:p>
+        </p:txBody>
+      </p:sp>
+      <p:sp>
+        <p:nvSpPr>
+          <p:cNvPr id="14" name="文本框 13"/>
+          <p:cNvSpPr txBox="1"/>
+          <p:nvPr userDrawn="1"/>
+        </p:nvSpPr>
+        <p:spPr>
+          <a:xfrm>
+            <a:off x="2071646" y="2223523"/>
+            <a:ext cx="383206" cy="443226"/>
+          </a:xfrm>
+          <a:prstGeom prst="rect">
+            <a:avLst/>
+          </a:prstGeom>
+          <a:noFill/>
+        </p:spPr>
+        <p:txBody>
+          <a:bodyPr wrap="none" rtlCol="0" anchor="ctr">
+            <a:noAutofit/>
+          </a:bodyPr>
+          <a:lstStyle/>
+          <a:p>
+            <a:pPr algn="ctr"/>
+            <a:r>
+              <a:rPr lang="en-US" altLang="zh-CN" b="1" dirty="0">
+                <a:solidFill>
+                  <a:schemeClr val="bg1"/>
+                </a:solidFill>
+                <a:latin typeface="微软雅黑" panose="020B0503020204020204" pitchFamily="34" charset="-122"/>
+                <a:ea typeface="微软雅黑" panose="020B0503020204020204" pitchFamily="34" charset="-122"/>
+              </a:rPr>
+              <a:t>2</a:t>
+            </a:r>
+            <a:endParaRPr lang="zh-CN" altLang="en-US" b="1" dirty="0">
+              <a:solidFill>
+                <a:schemeClr val="bg1"/>
+              </a:solidFill>
+              <a:latin typeface="微软雅黑" panose="020B0503020204020204" pitchFamily="34" charset="-122"/>
+              <a:ea typeface="微软雅黑" panose="020B0503020204020204" pitchFamily="34" charset="-122"/>
+            </a:endParaRPr>
+          </a:p>
+        </p:txBody>
+      </p:sp>
+      <p:cxnSp>
+        <p:nvCxnSpPr>
+          <p:cNvPr id="15" name="直接连接符 14"/>
+          <p:cNvCxnSpPr>
+            <a:stCxn id="13" idx="6"/>
+          </p:cNvCxnSpPr>
+          <p:nvPr/>
+        </p:nvCxnSpPr>
+        <p:spPr>
+          <a:xfrm>
+            <a:off x="2534033" y="2631188"/>
+            <a:ext cx="4500000" cy="0"/>
+          </a:xfrm>
+          <a:prstGeom prst="line">
+            <a:avLst/>
+          </a:prstGeom>
+          <a:ln>
+            <a:solidFill>
+              <a:schemeClr val="accent1"/>
+            </a:solidFill>
+          </a:ln>
+        </p:spPr>
+        <p:style>
+          <a:lnRef idx="1">
+            <a:schemeClr val="accent1"/>
+          </a:lnRef>
+          <a:fillRef idx="0">
+            <a:schemeClr val="accent1"/>
+          </a:fillRef>
+          <a:effectRef idx="0">
+            <a:schemeClr val="accent1"/>
+          </a:effectRef>
+          <a:fontRef idx="minor">
+            <a:schemeClr val="tx1"/>
+          </a:fontRef>
+        </p:style>
+      </p:cxnSp>
+      <p:sp>
+        <p:nvSpPr>
+          <p:cNvPr id="16" name="文本框 15"/>
+          <p:cNvSpPr txBox="1"/>
+          <p:nvPr/>
+        </p:nvSpPr>
+        <p:spPr>
+          <a:xfrm>
+            <a:off x="2915073" y="2194707"/>
+            <a:ext cx="4387392" cy="461665"/>
+          </a:xfrm>
+          <a:prstGeom prst="rect">
+            <a:avLst/>
+          </a:prstGeom>
+          <a:noFill/>
+        </p:spPr>
+        <p:txBody>
+          <a:bodyPr wrap="square" rtlCol="0">
+            <a:spAutoFit/>
+          </a:bodyPr>
+          <a:lstStyle/>
+          <a:p>
+            <a:r>
+              <a:rPr lang="en-US" altLang="zh-CN" sz="2400" dirty="0">
+                <a:solidFill>
+                  <a:schemeClr val="tx1">
+                    <a:lumMod val="75000"/>
+                    <a:lumOff val="25000"/>
+                  </a:schemeClr>
+                </a:solidFill>
+              </a:rPr>
+              <a:t>Relay Chain State Machine</a:t>
+            </a:r>
+            <a:endParaRPr lang="zh-CN" altLang="en-US" sz="2400" dirty="0">
+              <a:solidFill>
+                <a:schemeClr val="tx1">
+                  <a:lumMod val="75000"/>
+                  <a:lumOff val="25000"/>
+                </a:schemeClr>
+              </a:solidFill>
+            </a:endParaRPr>
+          </a:p>
+        </p:txBody>
+      </p:sp>
+      <p:sp>
+        <p:nvSpPr>
+          <p:cNvPr id="18" name="Freeform 10"/>
+          <p:cNvSpPr>
+            <a:spLocks/>
+          </p:cNvSpPr>
+          <p:nvPr userDrawn="1"/>
+        </p:nvSpPr>
+        <p:spPr bwMode="auto">
+          <a:xfrm>
+            <a:off x="1841535" y="3207303"/>
+            <a:ext cx="843427" cy="343858"/>
+          </a:xfrm>
+          <a:custGeom>
+            <a:avLst/>
+            <a:gdLst>
+              <a:gd name="T0" fmla="*/ 3120 w 3800"/>
+              <a:gd name="T1" fmla="*/ 0 h 1532"/>
+              <a:gd name="T2" fmla="*/ 682 w 3800"/>
+              <a:gd name="T3" fmla="*/ 0 h 1532"/>
+              <a:gd name="T4" fmla="*/ 682 w 3800"/>
+              <a:gd name="T5" fmla="*/ 284 h 1532"/>
+              <a:gd name="T6" fmla="*/ 0 w 3800"/>
+              <a:gd name="T7" fmla="*/ 766 h 1532"/>
+              <a:gd name="T8" fmla="*/ 682 w 3800"/>
+              <a:gd name="T9" fmla="*/ 1248 h 1532"/>
+              <a:gd name="T10" fmla="*/ 682 w 3800"/>
+              <a:gd name="T11" fmla="*/ 1532 h 1532"/>
+              <a:gd name="T12" fmla="*/ 3120 w 3800"/>
+              <a:gd name="T13" fmla="*/ 1532 h 1532"/>
+              <a:gd name="T14" fmla="*/ 3120 w 3800"/>
+              <a:gd name="T15" fmla="*/ 1248 h 1532"/>
+              <a:gd name="T16" fmla="*/ 3800 w 3800"/>
+              <a:gd name="T17" fmla="*/ 766 h 1532"/>
+              <a:gd name="T18" fmla="*/ 3120 w 3800"/>
+              <a:gd name="T19" fmla="*/ 284 h 1532"/>
+              <a:gd name="T20" fmla="*/ 3120 w 3800"/>
+              <a:gd name="T21" fmla="*/ 0 h 1532"/>
+            </a:gdLst>
+            <a:ahLst/>
+            <a:cxnLst>
+              <a:cxn ang="0">
+                <a:pos x="T0" y="T1"/>
+              </a:cxn>
+              <a:cxn ang="0">
+                <a:pos x="T2" y="T3"/>
+              </a:cxn>
+              <a:cxn ang="0">
+                <a:pos x="T4" y="T5"/>
+              </a:cxn>
+              <a:cxn ang="0">
+                <a:pos x="T6" y="T7"/>
+              </a:cxn>
+              <a:cxn ang="0">
+                <a:pos x="T8" y="T9"/>
+              </a:cxn>
+              <a:cxn ang="0">
+                <a:pos x="T10" y="T11"/>
+              </a:cxn>
+              <a:cxn ang="0">
+                <a:pos x="T12" y="T13"/>
+              </a:cxn>
+              <a:cxn ang="0">
+                <a:pos x="T14" y="T15"/>
+              </a:cxn>
+              <a:cxn ang="0">
+                <a:pos x="T16" y="T17"/>
+              </a:cxn>
+              <a:cxn ang="0">
+                <a:pos x="T18" y="T19"/>
+              </a:cxn>
+              <a:cxn ang="0">
+                <a:pos x="T20" y="T21"/>
+              </a:cxn>
+            </a:cxnLst>
+            <a:rect l="0" t="0" r="r" b="b"/>
+            <a:pathLst>
+              <a:path w="3800" h="1532">
+                <a:moveTo>
+                  <a:pt x="3120" y="0"/>
+                </a:moveTo>
+                <a:lnTo>
+                  <a:pt x="682" y="0"/>
+                </a:lnTo>
+                <a:lnTo>
+                  <a:pt x="682" y="284"/>
+                </a:lnTo>
+                <a:lnTo>
+                  <a:pt x="0" y="766"/>
+                </a:lnTo>
+                <a:lnTo>
+                  <a:pt x="682" y="1248"/>
+                </a:lnTo>
+                <a:lnTo>
+                  <a:pt x="682" y="1532"/>
+                </a:lnTo>
+                <a:lnTo>
+                  <a:pt x="3120" y="1532"/>
+                </a:lnTo>
+                <a:lnTo>
+                  <a:pt x="3120" y="1248"/>
+                </a:lnTo>
+                <a:lnTo>
+                  <a:pt x="3800" y="766"/>
+                </a:lnTo>
+                <a:lnTo>
+                  <a:pt x="3120" y="284"/>
+                </a:lnTo>
+                <a:lnTo>
+                  <a:pt x="3120" y="0"/>
+                </a:lnTo>
+                <a:close/>
+              </a:path>
+            </a:pathLst>
+          </a:custGeom>
+          <a:solidFill>
+            <a:schemeClr val="bg2"/>
+          </a:solidFill>
+          <a:ln>
+            <a:noFill/>
+          </a:ln>
+        </p:spPr>
+        <p:txBody>
+          <a:bodyPr vert="horz" wrap="square" lIns="91440" tIns="45720" rIns="91440" bIns="45720" numCol="1" anchor="ctr" anchorCtr="0" compatLnSpc="1">
+            <a:prstTxWarp prst="textNoShape">
+              <a:avLst/>
+            </a:prstTxWarp>
+            <a:noAutofit/>
+          </a:bodyPr>
+          <a:lstStyle/>
+          <a:p>
+            <a:pPr algn="ctr"/>
+            <a:endParaRPr lang="zh-CN" altLang="en-US" sz="3200" b="1"/>
+          </a:p>
+        </p:txBody>
+      </p:sp>
+      <p:sp>
+        <p:nvSpPr>
+          <p:cNvPr id="19" name="文本框 18"/>
+          <p:cNvSpPr txBox="1"/>
+          <p:nvPr userDrawn="1"/>
+        </p:nvSpPr>
+        <p:spPr>
+          <a:xfrm>
+            <a:off x="2071646" y="3143496"/>
+            <a:ext cx="383206" cy="443226"/>
+          </a:xfrm>
+          <a:prstGeom prst="rect">
+            <a:avLst/>
+          </a:prstGeom>
+          <a:noFill/>
+        </p:spPr>
+        <p:txBody>
+          <a:bodyPr wrap="none" rtlCol="0" anchor="ctr">
+            <a:noAutofit/>
+          </a:bodyPr>
+          <a:lstStyle/>
+          <a:p>
+            <a:pPr algn="ctr"/>
+            <a:r>
+              <a:rPr lang="en-US" altLang="zh-CN" b="1" dirty="0">
+                <a:solidFill>
+                  <a:schemeClr val="bg1"/>
+                </a:solidFill>
+                <a:latin typeface="微软雅黑" panose="020B0503020204020204" pitchFamily="34" charset="-122"/>
+                <a:ea typeface="微软雅黑" panose="020B0503020204020204" pitchFamily="34" charset="-122"/>
+              </a:rPr>
+              <a:t>3</a:t>
+            </a:r>
+            <a:endParaRPr lang="zh-CN" altLang="en-US" b="1" dirty="0">
+              <a:solidFill>
+                <a:schemeClr val="bg1"/>
+              </a:solidFill>
+              <a:latin typeface="微软雅黑" panose="020B0503020204020204" pitchFamily="34" charset="-122"/>
+              <a:ea typeface="微软雅黑" panose="020B0503020204020204" pitchFamily="34" charset="-122"/>
+            </a:endParaRPr>
+          </a:p>
+        </p:txBody>
+      </p:sp>
+      <p:cxnSp>
+        <p:nvCxnSpPr>
+          <p:cNvPr id="20" name="直接连接符 19"/>
+          <p:cNvCxnSpPr>
+            <a:stCxn id="18" idx="6"/>
+          </p:cNvCxnSpPr>
+          <p:nvPr/>
+        </p:nvCxnSpPr>
+        <p:spPr>
+          <a:xfrm>
+            <a:off x="2534033" y="3551161"/>
+            <a:ext cx="4500000" cy="0"/>
+          </a:xfrm>
+          <a:prstGeom prst="line">
+            <a:avLst/>
+          </a:prstGeom>
+          <a:ln>
+            <a:solidFill>
+              <a:schemeClr val="bg2"/>
+            </a:solidFill>
+          </a:ln>
+        </p:spPr>
+        <p:style>
+          <a:lnRef idx="1">
+            <a:schemeClr val="accent1"/>
+          </a:lnRef>
+          <a:fillRef idx="0">
+            <a:schemeClr val="accent1"/>
+          </a:fillRef>
+          <a:effectRef idx="0">
+            <a:schemeClr val="accent1"/>
+          </a:effectRef>
+          <a:fontRef idx="minor">
+            <a:schemeClr val="tx1"/>
+          </a:fontRef>
+        </p:style>
+      </p:cxnSp>
+      <p:sp>
+        <p:nvSpPr>
+          <p:cNvPr id="23" name="Freeform 10"/>
+          <p:cNvSpPr>
+            <a:spLocks/>
+          </p:cNvSpPr>
+          <p:nvPr userDrawn="1"/>
+        </p:nvSpPr>
+        <p:spPr bwMode="auto">
+          <a:xfrm>
+            <a:off x="1841535" y="4127276"/>
+            <a:ext cx="843427" cy="343858"/>
+          </a:xfrm>
+          <a:custGeom>
+            <a:avLst/>
+            <a:gdLst>
+              <a:gd name="T0" fmla="*/ 3120 w 3800"/>
+              <a:gd name="T1" fmla="*/ 0 h 1532"/>
+              <a:gd name="T2" fmla="*/ 682 w 3800"/>
+              <a:gd name="T3" fmla="*/ 0 h 1532"/>
+              <a:gd name="T4" fmla="*/ 682 w 3800"/>
+              <a:gd name="T5" fmla="*/ 284 h 1532"/>
+              <a:gd name="T6" fmla="*/ 0 w 3800"/>
+              <a:gd name="T7" fmla="*/ 766 h 1532"/>
+              <a:gd name="T8" fmla="*/ 682 w 3800"/>
+              <a:gd name="T9" fmla="*/ 1248 h 1532"/>
+              <a:gd name="T10" fmla="*/ 682 w 3800"/>
+              <a:gd name="T11" fmla="*/ 1532 h 1532"/>
+              <a:gd name="T12" fmla="*/ 3120 w 3800"/>
+              <a:gd name="T13" fmla="*/ 1532 h 1532"/>
+              <a:gd name="T14" fmla="*/ 3120 w 3800"/>
+              <a:gd name="T15" fmla="*/ 1248 h 1532"/>
+              <a:gd name="T16" fmla="*/ 3800 w 3800"/>
+              <a:gd name="T17" fmla="*/ 766 h 1532"/>
+              <a:gd name="T18" fmla="*/ 3120 w 3800"/>
+              <a:gd name="T19" fmla="*/ 284 h 1532"/>
+              <a:gd name="T20" fmla="*/ 3120 w 3800"/>
+              <a:gd name="T21" fmla="*/ 0 h 1532"/>
+            </a:gdLst>
+            <a:ahLst/>
+            <a:cxnLst>
+              <a:cxn ang="0">
+                <a:pos x="T0" y="T1"/>
+              </a:cxn>
+              <a:cxn ang="0">
+                <a:pos x="T2" y="T3"/>
+              </a:cxn>
+              <a:cxn ang="0">
+                <a:pos x="T4" y="T5"/>
+              </a:cxn>
+              <a:cxn ang="0">
+                <a:pos x="T6" y="T7"/>
+              </a:cxn>
+              <a:cxn ang="0">
+                <a:pos x="T8" y="T9"/>
+              </a:cxn>
+              <a:cxn ang="0">
+                <a:pos x="T10" y="T11"/>
+              </a:cxn>
+              <a:cxn ang="0">
+                <a:pos x="T12" y="T13"/>
+              </a:cxn>
+              <a:cxn ang="0">
+                <a:pos x="T14" y="T15"/>
+              </a:cxn>
+              <a:cxn ang="0">
+                <a:pos x="T16" y="T17"/>
+              </a:cxn>
+              <a:cxn ang="0">
+                <a:pos x="T18" y="T19"/>
+              </a:cxn>
+              <a:cxn ang="0">
+                <a:pos x="T20" y="T21"/>
+              </a:cxn>
+            </a:cxnLst>
+            <a:rect l="0" t="0" r="r" b="b"/>
+            <a:pathLst>
+              <a:path w="3800" h="1532">
+                <a:moveTo>
+                  <a:pt x="3120" y="0"/>
+                </a:moveTo>
+                <a:lnTo>
+                  <a:pt x="682" y="0"/>
+                </a:lnTo>
+                <a:lnTo>
+                  <a:pt x="682" y="284"/>
+                </a:lnTo>
+                <a:lnTo>
+                  <a:pt x="0" y="766"/>
+                </a:lnTo>
+                <a:lnTo>
+                  <a:pt x="682" y="1248"/>
+                </a:lnTo>
+                <a:lnTo>
+                  <a:pt x="682" y="1532"/>
+                </a:lnTo>
+                <a:lnTo>
+                  <a:pt x="3120" y="1532"/>
+                </a:lnTo>
+                <a:lnTo>
+                  <a:pt x="3120" y="1248"/>
+                </a:lnTo>
+                <a:lnTo>
+                  <a:pt x="3800" y="766"/>
+                </a:lnTo>
+                <a:lnTo>
+                  <a:pt x="3120" y="284"/>
+                </a:lnTo>
+                <a:lnTo>
+                  <a:pt x="3120" y="0"/>
+                </a:lnTo>
+                <a:close/>
+              </a:path>
+            </a:pathLst>
+          </a:custGeom>
+          <a:solidFill>
+            <a:schemeClr val="bg2"/>
+          </a:solidFill>
+          <a:ln>
+            <a:noFill/>
+          </a:ln>
+        </p:spPr>
+        <p:txBody>
+          <a:bodyPr vert="horz" wrap="square" lIns="91440" tIns="45720" rIns="91440" bIns="45720" numCol="1" anchor="ctr" anchorCtr="0" compatLnSpc="1">
+            <a:prstTxWarp prst="textNoShape">
+              <a:avLst/>
+            </a:prstTxWarp>
+            <a:noAutofit/>
+          </a:bodyPr>
+          <a:lstStyle/>
+          <a:p>
+            <a:pPr algn="ctr"/>
+            <a:endParaRPr lang="zh-CN" altLang="en-US" sz="3200" b="1"/>
+          </a:p>
+        </p:txBody>
+      </p:sp>
+      <p:sp>
+        <p:nvSpPr>
+          <p:cNvPr id="24" name="文本框 23"/>
+          <p:cNvSpPr txBox="1"/>
+          <p:nvPr userDrawn="1"/>
+        </p:nvSpPr>
+        <p:spPr>
+          <a:xfrm>
+            <a:off x="2071646" y="4063469"/>
+            <a:ext cx="383206" cy="443226"/>
+          </a:xfrm>
+          <a:prstGeom prst="rect">
+            <a:avLst/>
+          </a:prstGeom>
+          <a:noFill/>
+        </p:spPr>
+        <p:txBody>
+          <a:bodyPr wrap="none" rtlCol="0" anchor="ctr">
+            <a:noAutofit/>
+          </a:bodyPr>
+          <a:lstStyle/>
+          <a:p>
+            <a:pPr algn="ctr"/>
+            <a:r>
+              <a:rPr lang="en-US" altLang="zh-CN" b="1" dirty="0">
+                <a:solidFill>
+                  <a:schemeClr val="bg1"/>
+                </a:solidFill>
+                <a:latin typeface="微软雅黑" panose="020B0503020204020204" pitchFamily="34" charset="-122"/>
+                <a:ea typeface="微软雅黑" panose="020B0503020204020204" pitchFamily="34" charset="-122"/>
+              </a:rPr>
+              <a:t>4</a:t>
+            </a:r>
+            <a:endParaRPr lang="zh-CN" altLang="en-US" b="1" dirty="0">
+              <a:solidFill>
+                <a:schemeClr val="bg1"/>
+              </a:solidFill>
+              <a:latin typeface="微软雅黑" panose="020B0503020204020204" pitchFamily="34" charset="-122"/>
+              <a:ea typeface="微软雅黑" panose="020B0503020204020204" pitchFamily="34" charset="-122"/>
+            </a:endParaRPr>
+          </a:p>
+        </p:txBody>
+      </p:sp>
+      <p:cxnSp>
+        <p:nvCxnSpPr>
+          <p:cNvPr id="25" name="直接连接符 24"/>
+          <p:cNvCxnSpPr>
+            <a:stCxn id="23" idx="6"/>
+          </p:cNvCxnSpPr>
+          <p:nvPr/>
+        </p:nvCxnSpPr>
+        <p:spPr>
+          <a:xfrm>
+            <a:off x="2534033" y="4471134"/>
+            <a:ext cx="4500000" cy="0"/>
+          </a:xfrm>
+          <a:prstGeom prst="line">
+            <a:avLst/>
+          </a:prstGeom>
+          <a:ln>
+            <a:solidFill>
+              <a:schemeClr val="bg2"/>
+            </a:solidFill>
+          </a:ln>
+        </p:spPr>
+        <p:style>
+          <a:lnRef idx="1">
+            <a:schemeClr val="accent1"/>
+          </a:lnRef>
+          <a:fillRef idx="0">
+            <a:schemeClr val="accent1"/>
+          </a:fillRef>
+          <a:effectRef idx="0">
+            <a:schemeClr val="accent1"/>
+          </a:effectRef>
+          <a:fontRef idx="minor">
+            <a:schemeClr val="tx1"/>
+          </a:fontRef>
+        </p:style>
+      </p:cxnSp>
+      <p:sp>
+        <p:nvSpPr>
+          <p:cNvPr id="33" name="Freeform 10"/>
+          <p:cNvSpPr>
+            <a:spLocks/>
+          </p:cNvSpPr>
+          <p:nvPr userDrawn="1"/>
+        </p:nvSpPr>
+        <p:spPr bwMode="auto">
+          <a:xfrm>
+            <a:off x="1841535" y="5047251"/>
+            <a:ext cx="843427" cy="343858"/>
+          </a:xfrm>
+          <a:custGeom>
+            <a:avLst/>
+            <a:gdLst>
+              <a:gd name="T0" fmla="*/ 3120 w 3800"/>
+              <a:gd name="T1" fmla="*/ 0 h 1532"/>
+              <a:gd name="T2" fmla="*/ 682 w 3800"/>
+              <a:gd name="T3" fmla="*/ 0 h 1532"/>
+              <a:gd name="T4" fmla="*/ 682 w 3800"/>
+              <a:gd name="T5" fmla="*/ 284 h 1532"/>
+              <a:gd name="T6" fmla="*/ 0 w 3800"/>
+              <a:gd name="T7" fmla="*/ 766 h 1532"/>
+              <a:gd name="T8" fmla="*/ 682 w 3800"/>
+              <a:gd name="T9" fmla="*/ 1248 h 1532"/>
+              <a:gd name="T10" fmla="*/ 682 w 3800"/>
+              <a:gd name="T11" fmla="*/ 1532 h 1532"/>
+              <a:gd name="T12" fmla="*/ 3120 w 3800"/>
+              <a:gd name="T13" fmla="*/ 1532 h 1532"/>
+              <a:gd name="T14" fmla="*/ 3120 w 3800"/>
+              <a:gd name="T15" fmla="*/ 1248 h 1532"/>
+              <a:gd name="T16" fmla="*/ 3800 w 3800"/>
+              <a:gd name="T17" fmla="*/ 766 h 1532"/>
+              <a:gd name="T18" fmla="*/ 3120 w 3800"/>
+              <a:gd name="T19" fmla="*/ 284 h 1532"/>
+              <a:gd name="T20" fmla="*/ 3120 w 3800"/>
+              <a:gd name="T21" fmla="*/ 0 h 1532"/>
+            </a:gdLst>
+            <a:ahLst/>
+            <a:cxnLst>
+              <a:cxn ang="0">
+                <a:pos x="T0" y="T1"/>
+              </a:cxn>
+              <a:cxn ang="0">
+                <a:pos x="T2" y="T3"/>
+              </a:cxn>
+              <a:cxn ang="0">
+                <a:pos x="T4" y="T5"/>
+              </a:cxn>
+              <a:cxn ang="0">
+                <a:pos x="T6" y="T7"/>
+              </a:cxn>
+              <a:cxn ang="0">
+                <a:pos x="T8" y="T9"/>
+              </a:cxn>
+              <a:cxn ang="0">
+                <a:pos x="T10" y="T11"/>
+              </a:cxn>
+              <a:cxn ang="0">
+                <a:pos x="T12" y="T13"/>
+              </a:cxn>
+              <a:cxn ang="0">
+                <a:pos x="T14" y="T15"/>
+              </a:cxn>
+              <a:cxn ang="0">
+                <a:pos x="T16" y="T17"/>
+              </a:cxn>
+              <a:cxn ang="0">
+                <a:pos x="T18" y="T19"/>
+              </a:cxn>
+              <a:cxn ang="0">
+                <a:pos x="T20" y="T21"/>
+              </a:cxn>
+            </a:cxnLst>
+            <a:rect l="0" t="0" r="r" b="b"/>
+            <a:pathLst>
+              <a:path w="3800" h="1532">
+                <a:moveTo>
+                  <a:pt x="3120" y="0"/>
+                </a:moveTo>
+                <a:lnTo>
+                  <a:pt x="682" y="0"/>
+                </a:lnTo>
+                <a:lnTo>
+                  <a:pt x="682" y="284"/>
+                </a:lnTo>
+                <a:lnTo>
+                  <a:pt x="0" y="766"/>
+                </a:lnTo>
+                <a:lnTo>
+                  <a:pt x="682" y="1248"/>
+                </a:lnTo>
+                <a:lnTo>
+                  <a:pt x="682" y="1532"/>
+                </a:lnTo>
+                <a:lnTo>
+                  <a:pt x="3120" y="1532"/>
+                </a:lnTo>
+                <a:lnTo>
+                  <a:pt x="3120" y="1248"/>
+                </a:lnTo>
+                <a:lnTo>
+                  <a:pt x="3800" y="766"/>
+                </a:lnTo>
+                <a:lnTo>
+                  <a:pt x="3120" y="284"/>
+                </a:lnTo>
+                <a:lnTo>
+                  <a:pt x="3120" y="0"/>
+                </a:lnTo>
+                <a:close/>
+              </a:path>
+            </a:pathLst>
+          </a:custGeom>
+          <a:solidFill>
+            <a:schemeClr val="bg2"/>
+          </a:solidFill>
+          <a:ln>
+            <a:noFill/>
+          </a:ln>
+        </p:spPr>
+        <p:txBody>
+          <a:bodyPr vert="horz" wrap="square" lIns="91440" tIns="45720" rIns="91440" bIns="45720" numCol="1" anchor="ctr" anchorCtr="0" compatLnSpc="1">
+            <a:prstTxWarp prst="textNoShape">
+              <a:avLst/>
+            </a:prstTxWarp>
+            <a:noAutofit/>
+          </a:bodyPr>
+          <a:lstStyle/>
+          <a:p>
+            <a:pPr algn="ctr"/>
+            <a:endParaRPr lang="zh-CN" altLang="en-US" sz="3200" b="1"/>
+          </a:p>
+        </p:txBody>
+      </p:sp>
+      <p:sp>
+        <p:nvSpPr>
+          <p:cNvPr id="34" name="文本框 33"/>
+          <p:cNvSpPr txBox="1"/>
+          <p:nvPr userDrawn="1"/>
+        </p:nvSpPr>
+        <p:spPr>
+          <a:xfrm>
+            <a:off x="2071646" y="4983444"/>
+            <a:ext cx="383206" cy="443226"/>
+          </a:xfrm>
+          <a:prstGeom prst="rect">
+            <a:avLst/>
+          </a:prstGeom>
+          <a:noFill/>
+        </p:spPr>
+        <p:txBody>
+          <a:bodyPr wrap="none" rtlCol="0" anchor="ctr">
+            <a:noAutofit/>
+          </a:bodyPr>
+          <a:lstStyle/>
+          <a:p>
+            <a:pPr algn="ctr"/>
+            <a:r>
+              <a:rPr lang="en-US" altLang="zh-CN" b="1" dirty="0">
+                <a:solidFill>
+                  <a:schemeClr val="bg1"/>
+                </a:solidFill>
+                <a:latin typeface="微软雅黑" panose="020B0503020204020204" pitchFamily="34" charset="-122"/>
+                <a:ea typeface="微软雅黑" panose="020B0503020204020204" pitchFamily="34" charset="-122"/>
+              </a:rPr>
+              <a:t>5</a:t>
+            </a:r>
+            <a:endParaRPr lang="zh-CN" altLang="en-US" b="1" dirty="0">
+              <a:solidFill>
+                <a:schemeClr val="bg1"/>
+              </a:solidFill>
+              <a:latin typeface="微软雅黑" panose="020B0503020204020204" pitchFamily="34" charset="-122"/>
+              <a:ea typeface="微软雅黑" panose="020B0503020204020204" pitchFamily="34" charset="-122"/>
+            </a:endParaRPr>
+          </a:p>
+        </p:txBody>
+      </p:sp>
+      <p:cxnSp>
+        <p:nvCxnSpPr>
+          <p:cNvPr id="35" name="直接连接符 34"/>
+          <p:cNvCxnSpPr>
+            <a:stCxn id="33" idx="6"/>
+          </p:cNvCxnSpPr>
+          <p:nvPr/>
+        </p:nvCxnSpPr>
+        <p:spPr>
+          <a:xfrm>
+            <a:off x="2534033" y="5391109"/>
+            <a:ext cx="4500000" cy="0"/>
+          </a:xfrm>
+          <a:prstGeom prst="line">
+            <a:avLst/>
+          </a:prstGeom>
+          <a:ln>
+            <a:solidFill>
+              <a:schemeClr val="bg2"/>
+            </a:solidFill>
+          </a:ln>
+        </p:spPr>
+        <p:style>
+          <a:lnRef idx="1">
+            <a:schemeClr val="accent1"/>
+          </a:lnRef>
+          <a:fillRef idx="0">
+            <a:schemeClr val="accent1"/>
+          </a:fillRef>
+          <a:effectRef idx="0">
+            <a:schemeClr val="accent1"/>
+          </a:effectRef>
+          <a:fontRef idx="minor">
+            <a:schemeClr val="tx1"/>
+          </a:fontRef>
+        </p:style>
+      </p:cxnSp>
+      <p:sp>
+        <p:nvSpPr>
+          <p:cNvPr id="28" name="文本框 27">
             <a:extLst>
               <a:ext uri="{FF2B5EF4-FFF2-40B4-BE49-F238E27FC236}">
-                <a16:creationId xmlns:a16="http://schemas.microsoft.com/office/drawing/2014/main" id="{894962E4-700B-49B9-872D-84F3BCB9FB80}"/>
+                <a16:creationId xmlns:a16="http://schemas.microsoft.com/office/drawing/2014/main" id="{33740C1C-61C9-47D8-9E2A-A2444B479AD1}"/>
               </a:ext>
             </a:extLst>
           </p:cNvPr>
-          <p:cNvPicPr>
-            <a:picLocks noChangeAspect="1" noChangeArrowheads="1"/>
-          </p:cNvPicPr>
+          <p:cNvSpPr txBox="1"/>
           <p:nvPr/>
-        </p:nvPicPr>
-        <p:blipFill>
-          <a:blip r:embed="rId2" cstate="print">
-            <a:extLst>
-              <a:ext uri="{28A0092B-C50C-407E-A947-70E740481C1C}">
-                <a14:useLocalDpi xmlns:a14="http://schemas.microsoft.com/office/drawing/2010/main" val="0"/>
-              </a:ext>
-            </a:extLst>
-          </a:blip>
-          <a:srcRect/>
-          <a:stretch>
-            <a:fillRect/>
-          </a:stretch>
-        </p:blipFill>
-        <p:spPr bwMode="auto">
-          <a:xfrm>
-            <a:off x="5911370" y="1826391"/>
-            <a:ext cx="3232630" cy="2056761"/>
+        </p:nvSpPr>
+        <p:spPr>
+          <a:xfrm>
+            <a:off x="2915072" y="1274734"/>
+            <a:ext cx="6125295" cy="461665"/>
           </a:xfrm>
           <a:prstGeom prst="rect">
             <a:avLst/>
           </a:prstGeom>
           <a:noFill/>
-          <a:extLst>
-            <a:ext uri="{909E8E84-426E-40DD-AFC4-6F175D3DCCD1}">
-              <a14:hiddenFill xmlns:a14="http://schemas.microsoft.com/office/drawing/2010/main">
-                <a:solidFill>
-                  <a:srgbClr val="FFFFFF"/>
-                </a:solidFill>
-              </a14:hiddenFill>
-            </a:ext>
-          </a:extLst>
-        </p:spPr>
-      </p:pic>
-      <p:pic>
-        <p:nvPicPr>
-          <p:cNvPr id="1032" name="Picture 8" descr="在这里插入图片描述">
+        </p:spPr>
+        <p:txBody>
+          <a:bodyPr wrap="square" rtlCol="0">
+            <a:spAutoFit/>
+          </a:bodyPr>
+          <a:lstStyle/>
+          <a:p>
+            <a:r>
+              <a:rPr lang="en-GB" altLang="zh-CN" sz="2400" dirty="0" err="1"/>
+              <a:t>NPoS</a:t>
+            </a:r>
+            <a:r>
+              <a:rPr lang="en-GB" altLang="zh-CN" sz="2400" dirty="0"/>
+              <a:t> and Validator election</a:t>
+            </a:r>
+            <a:endParaRPr lang="zh-CN" altLang="en-US" sz="2400" dirty="0"/>
+          </a:p>
+        </p:txBody>
+      </p:sp>
+      <p:sp>
+        <p:nvSpPr>
+          <p:cNvPr id="27" name="文本框 26">
             <a:extLst>
               <a:ext uri="{FF2B5EF4-FFF2-40B4-BE49-F238E27FC236}">
-                <a16:creationId xmlns:a16="http://schemas.microsoft.com/office/drawing/2014/main" id="{9AD33FE6-61C2-437A-B21E-9A57BE1D5478}"/>
+                <a16:creationId xmlns:a16="http://schemas.microsoft.com/office/drawing/2014/main" id="{38F10A68-B2BB-4E03-BEE7-ACF1D623248C}"/>
               </a:ext>
             </a:extLst>
           </p:cNvPr>
-          <p:cNvPicPr>
-            <a:picLocks noChangeAspect="1" noChangeArrowheads="1"/>
-          </p:cNvPicPr>
+          <p:cNvSpPr txBox="1"/>
           <p:nvPr/>
-        </p:nvPicPr>
-        <p:blipFill rotWithShape="1">
-          <a:blip r:embed="rId3" cstate="print">
+        </p:nvSpPr>
+        <p:spPr>
+          <a:xfrm>
+            <a:off x="2915073" y="3114680"/>
+            <a:ext cx="4387392" cy="461665"/>
+          </a:xfrm>
+          <a:prstGeom prst="rect">
+            <a:avLst/>
+          </a:prstGeom>
+          <a:noFill/>
+        </p:spPr>
+        <p:txBody>
+          <a:bodyPr wrap="square" rtlCol="0">
+            <a:spAutoFit/>
+          </a:bodyPr>
+          <a:lstStyle/>
+          <a:p>
+            <a:r>
+              <a:rPr lang="en-US" altLang="zh-CN" sz="2400" dirty="0"/>
+              <a:t>Consensus</a:t>
+            </a:r>
+          </a:p>
+        </p:txBody>
+      </p:sp>
+      <p:sp>
+        <p:nvSpPr>
+          <p:cNvPr id="29" name="文本框 28">
             <a:extLst>
-              <a:ext uri="{28A0092B-C50C-407E-A947-70E740481C1C}">
-                <a14:useLocalDpi xmlns:a14="http://schemas.microsoft.com/office/drawing/2010/main" val="0"/>
+              <a:ext uri="{FF2B5EF4-FFF2-40B4-BE49-F238E27FC236}">
+                <a16:creationId xmlns:a16="http://schemas.microsoft.com/office/drawing/2014/main" id="{C1B15F69-6774-4175-B851-B16CD1E49593}"/>
               </a:ext>
             </a:extLst>
-          </a:blip>
-          <a:srcRect r="4334" b="5235"/>
-          <a:stretch/>
-        </p:blipFill>
-        <p:spPr bwMode="auto">
-          <a:xfrm>
-            <a:off x="5961888" y="4161083"/>
-            <a:ext cx="2791719" cy="1695256"/>
+          </p:cNvPr>
+          <p:cNvSpPr txBox="1"/>
+          <p:nvPr/>
+        </p:nvSpPr>
+        <p:spPr>
+          <a:xfrm>
+            <a:off x="2915073" y="4034653"/>
+            <a:ext cx="4387392" cy="461665"/>
           </a:xfrm>
           <a:prstGeom prst="rect">
             <a:avLst/>
           </a:prstGeom>
           <a:noFill/>
-          <a:extLst>
-            <a:ext uri="{909E8E84-426E-40DD-AFC4-6F175D3DCCD1}">
-              <a14:hiddenFill xmlns:a14="http://schemas.microsoft.com/office/drawing/2010/main">
-                <a:solidFill>
-                  <a:srgbClr val="FFFFFF"/>
-                </a:solidFill>
-              </a14:hiddenFill>
-            </a:ext>
-          </a:extLst>
-        </p:spPr>
-      </p:pic>
+        </p:spPr>
+        <p:txBody>
+          <a:bodyPr wrap="square" rtlCol="0">
+            <a:spAutoFit/>
+          </a:bodyPr>
+          <a:lstStyle/>
+          <a:p>
+            <a:r>
+              <a:rPr lang="en-US" altLang="zh-CN" sz="2400" dirty="0" err="1"/>
+              <a:t>Parachains</a:t>
+            </a:r>
+            <a:endParaRPr lang="zh-CN" altLang="en-US" sz="2400" dirty="0"/>
+          </a:p>
+        </p:txBody>
+      </p:sp>
+      <p:sp>
+        <p:nvSpPr>
+          <p:cNvPr id="30" name="文本框 29">
+            <a:extLst>
+              <a:ext uri="{FF2B5EF4-FFF2-40B4-BE49-F238E27FC236}">
+                <a16:creationId xmlns:a16="http://schemas.microsoft.com/office/drawing/2014/main" id="{B807BB52-D038-4AAF-8C7E-43CD09DECD5C}"/>
+              </a:ext>
+            </a:extLst>
+          </p:cNvPr>
+          <p:cNvSpPr txBox="1"/>
+          <p:nvPr/>
+        </p:nvSpPr>
+        <p:spPr>
+          <a:xfrm>
+            <a:off x="2915073" y="4954628"/>
+            <a:ext cx="5137744" cy="461665"/>
+          </a:xfrm>
+          <a:prstGeom prst="rect">
+            <a:avLst/>
+          </a:prstGeom>
+          <a:noFill/>
+        </p:spPr>
+        <p:txBody>
+          <a:bodyPr wrap="square" rtlCol="0">
+            <a:spAutoFit/>
+          </a:bodyPr>
+          <a:lstStyle/>
+          <a:p>
+            <a:r>
+              <a:rPr lang="en-US" altLang="zh-CN" sz="2400" dirty="0"/>
+              <a:t>Economics, Incentive and Governance</a:t>
+            </a:r>
+            <a:endParaRPr lang="zh-CN" altLang="en-US" sz="2400" dirty="0"/>
+          </a:p>
+        </p:txBody>
+      </p:sp>
     </p:spTree>
     <p:extLst>
       <p:ext uri="{BB962C8B-B14F-4D97-AF65-F5344CB8AC3E}">
-        <p14:creationId xmlns:p14="http://schemas.microsoft.com/office/powerpoint/2010/main" val="3134510520"/>
+        <p14:creationId xmlns:p14="http://schemas.microsoft.com/office/powerpoint/2010/main" val="3595279237"/>
       </p:ext>
     </p:extLst>
   </p:cSld>
@@ -9974,123 +9962,93 @@
         </p:nvSpPr>
         <p:spPr>
           <a:xfrm>
-            <a:off x="494025" y="1685677"/>
-            <a:ext cx="8070855" cy="5015373"/>
+            <a:off x="494025" y="1685678"/>
+            <a:ext cx="5467863" cy="4562722"/>
           </a:xfrm>
         </p:spPr>
         <p:txBody>
-          <a:bodyPr>
-            <a:normAutofit/>
-          </a:bodyPr>
+          <a:bodyPr/>
           <a:lstStyle/>
           <a:p>
             <a:r>
               <a:rPr lang="en-US" altLang="zh-CN" dirty="0"/>
-              <a:t>State transition</a:t>
+              <a:t>State</a:t>
             </a:r>
           </a:p>
           <a:p>
             <a:pPr lvl="1"/>
             <a:r>
               <a:rPr lang="en-US" altLang="zh-CN" dirty="0"/>
-              <a:t>Via an executing ordered set of instructions, known as </a:t>
+              <a:t>Represented by an </a:t>
+            </a:r>
+            <a:r>
+              <a:rPr lang="en-US" altLang="zh-CN" b="1" i="1" dirty="0"/>
+              <a:t>associative array </a:t>
+            </a:r>
+            <a:r>
+              <a:rPr lang="en-US" altLang="zh-CN" dirty="0"/>
+              <a:t>data structure, composed by a collection of </a:t>
+            </a:r>
+            <a:r>
+              <a:rPr lang="en-US" altLang="zh-CN" b="1" dirty="0"/>
+              <a:t>key-value pairs</a:t>
+            </a:r>
+            <a:r>
+              <a:rPr lang="en-US" altLang="zh-CN" dirty="0"/>
+              <a:t> where each key is unique.</a:t>
+            </a:r>
+          </a:p>
+          <a:p>
+            <a:pPr lvl="1"/>
+            <a:r>
+              <a:rPr lang="en-US" altLang="zh-CN" dirty="0"/>
+              <a:t>Both key and value need to be </a:t>
+            </a:r>
+            <a:r>
+              <a:rPr lang="en-US" altLang="zh-CN" b="1" dirty="0"/>
+              <a:t>finite byte arrays</a:t>
+            </a:r>
+          </a:p>
+          <a:p>
+            <a:pPr lvl="1"/>
+            <a:r>
+              <a:rPr lang="en-US" altLang="zh-CN" dirty="0"/>
+              <a:t>K-V pairs are arranged in a </a:t>
+            </a:r>
+            <a:r>
+              <a:rPr lang="en-US" altLang="zh-CN" b="1" dirty="0"/>
+              <a:t>Merkel radix-16 tree</a:t>
+            </a:r>
+          </a:p>
+          <a:p>
+            <a:pPr lvl="2"/>
+            <a:r>
+              <a:rPr lang="en-US" altLang="zh-CN" dirty="0"/>
+              <a:t>whose root identifies the current state of the relay chain.</a:t>
+            </a:r>
+          </a:p>
+          <a:p>
+            <a:pPr lvl="2"/>
+            <a:r>
+              <a:rPr lang="en-US" altLang="zh-CN" dirty="0"/>
+              <a:t>provides an efficient mean to produce the proof of inclusion for an individual pair in the state.</a:t>
+            </a:r>
+          </a:p>
+          <a:p>
+            <a:pPr lvl="2"/>
+            <a:r>
+              <a:rPr lang="en-US" altLang="zh-CN" dirty="0"/>
+              <a:t>Shouldn’t store any information regarding the internal operation of the </a:t>
             </a:r>
             <a:r>
               <a:rPr lang="en-US" altLang="zh-CN" dirty="0" err="1"/>
-              <a:t>extrinsics</a:t>
+              <a:t>parachains</a:t>
             </a:r>
             <a:r>
               <a:rPr lang="en-US" altLang="zh-CN" dirty="0"/>
-              <a:t>, which include transactions submitted by the public and any data which can affect state transition.</a:t>
-            </a:r>
-          </a:p>
-          <a:p>
-            <a:pPr lvl="1"/>
-            <a:r>
-              <a:rPr lang="en-US" altLang="zh-CN" dirty="0"/>
-              <a:t>Relay chain is divided into “Runtime” and the “Runtime environment”</a:t>
-            </a:r>
-          </a:p>
-          <a:p>
-            <a:pPr lvl="2"/>
-            <a:r>
-              <a:rPr lang="en-US" altLang="zh-CN" dirty="0"/>
-              <a:t>The execution logic of State-transition function is encapsulated in Runtime</a:t>
-            </a:r>
-          </a:p>
-          <a:p>
-            <a:pPr lvl="2"/>
-            <a:r>
-              <a:rPr lang="en-US" altLang="zh-CN" dirty="0"/>
-              <a:t>Other generic operation are embedded into the runtime environment</a:t>
-            </a:r>
-          </a:p>
-          <a:p>
-            <a:pPr lvl="1"/>
-            <a:r>
-              <a:rPr lang="en-US" altLang="zh-CN" dirty="0"/>
-              <a:t>Runtime function</a:t>
-            </a:r>
-          </a:p>
-          <a:p>
-            <a:pPr lvl="2"/>
-            <a:r>
-              <a:rPr lang="en-US" altLang="zh-CN" dirty="0"/>
-              <a:t>Compiled into a </a:t>
-            </a:r>
-            <a:r>
-              <a:rPr lang="en-US" altLang="zh-CN" dirty="0" err="1"/>
-              <a:t>WebAssembly</a:t>
-            </a:r>
-            <a:r>
-              <a:rPr lang="en-US" altLang="zh-CN" dirty="0"/>
-              <a:t> module</a:t>
-            </a:r>
-          </a:p>
-          <a:p>
-            <a:pPr lvl="2"/>
-            <a:r>
-              <a:rPr lang="en-US" altLang="zh-CN" dirty="0"/>
-              <a:t>Stored as part of the state</a:t>
-            </a:r>
-          </a:p>
-          <a:p>
-            <a:pPr lvl="1"/>
-            <a:r>
-              <a:rPr lang="en-US" altLang="zh-CN" dirty="0"/>
-              <a:t>The Runtime environment communicates the </a:t>
-            </a:r>
-            <a:r>
-              <a:rPr lang="en-US" altLang="zh-CN" dirty="0" err="1"/>
-              <a:t>extrinsics</a:t>
-            </a:r>
-            <a:r>
-              <a:rPr lang="en-US" altLang="zh-CN" dirty="0"/>
-              <a:t> to the Runtime and interacts with it to execute the state transition. </a:t>
-            </a:r>
-          </a:p>
-          <a:p>
-            <a:pPr lvl="2"/>
-            <a:r>
-              <a:rPr lang="en-US" altLang="zh-CN" dirty="0"/>
-              <a:t>the state transition logic itself can be upgraded as a part of the state transition.</a:t>
-            </a:r>
-          </a:p>
-          <a:p>
-            <a:pPr lvl="1"/>
-            <a:endParaRPr lang="en-US" altLang="zh-CN" dirty="0"/>
-          </a:p>
-          <a:p>
-            <a:pPr lvl="1"/>
-            <a:endParaRPr lang="en-US" altLang="zh-CN" dirty="0"/>
-          </a:p>
-          <a:p>
-            <a:pPr lvl="1"/>
-            <a:endParaRPr lang="en-US" altLang="zh-CN" dirty="0"/>
-          </a:p>
-          <a:p>
-            <a:pPr lvl="1"/>
-            <a:endParaRPr lang="en-US" altLang="zh-CN" dirty="0"/>
+              <a:t>.</a:t>
+            </a:r>
+            <a:endParaRPr lang="en-US" altLang="zh-CN" b="1" dirty="0"/>
           </a:p>
         </p:txBody>
       </p:sp>
@@ -10123,10 +10081,102 @@
           </a:p>
         </p:txBody>
       </p:sp>
+      <p:pic>
+        <p:nvPicPr>
+          <p:cNvPr id="1028" name="Picture 4" descr="Image for post">
+            <a:extLst>
+              <a:ext uri="{FF2B5EF4-FFF2-40B4-BE49-F238E27FC236}">
+                <a16:creationId xmlns:a16="http://schemas.microsoft.com/office/drawing/2014/main" id="{894962E4-700B-49B9-872D-84F3BCB9FB80}"/>
+              </a:ext>
+            </a:extLst>
+          </p:cNvPr>
+          <p:cNvPicPr>
+            <a:picLocks noChangeAspect="1" noChangeArrowheads="1"/>
+          </p:cNvPicPr>
+          <p:nvPr/>
+        </p:nvPicPr>
+        <p:blipFill>
+          <a:blip r:embed="rId2" cstate="print">
+            <a:extLst>
+              <a:ext uri="{28A0092B-C50C-407E-A947-70E740481C1C}">
+                <a14:useLocalDpi xmlns:a14="http://schemas.microsoft.com/office/drawing/2010/main" val="0"/>
+              </a:ext>
+            </a:extLst>
+          </a:blip>
+          <a:srcRect/>
+          <a:stretch>
+            <a:fillRect/>
+          </a:stretch>
+        </p:blipFill>
+        <p:spPr bwMode="auto">
+          <a:xfrm>
+            <a:off x="5911370" y="1826391"/>
+            <a:ext cx="3232630" cy="2056761"/>
+          </a:xfrm>
+          <a:prstGeom prst="rect">
+            <a:avLst/>
+          </a:prstGeom>
+          <a:noFill/>
+          <a:extLst>
+            <a:ext uri="{909E8E84-426E-40DD-AFC4-6F175D3DCCD1}">
+              <a14:hiddenFill xmlns:a14="http://schemas.microsoft.com/office/drawing/2010/main">
+                <a:solidFill>
+                  <a:srgbClr val="FFFFFF"/>
+                </a:solidFill>
+              </a14:hiddenFill>
+            </a:ext>
+          </a:extLst>
+        </p:spPr>
+      </p:pic>
+      <p:pic>
+        <p:nvPicPr>
+          <p:cNvPr id="1032" name="Picture 8" descr="在这里插入图片描述">
+            <a:extLst>
+              <a:ext uri="{FF2B5EF4-FFF2-40B4-BE49-F238E27FC236}">
+                <a16:creationId xmlns:a16="http://schemas.microsoft.com/office/drawing/2014/main" id="{9AD33FE6-61C2-437A-B21E-9A57BE1D5478}"/>
+              </a:ext>
+            </a:extLst>
+          </p:cNvPr>
+          <p:cNvPicPr>
+            <a:picLocks noChangeAspect="1" noChangeArrowheads="1"/>
+          </p:cNvPicPr>
+          <p:nvPr/>
+        </p:nvPicPr>
+        <p:blipFill rotWithShape="1">
+          <a:blip r:embed="rId3" cstate="print">
+            <a:extLst>
+              <a:ext uri="{28A0092B-C50C-407E-A947-70E740481C1C}">
+                <a14:useLocalDpi xmlns:a14="http://schemas.microsoft.com/office/drawing/2010/main" val="0"/>
+              </a:ext>
+            </a:extLst>
+          </a:blip>
+          <a:srcRect r="4334" b="5235"/>
+          <a:stretch/>
+        </p:blipFill>
+        <p:spPr bwMode="auto">
+          <a:xfrm>
+            <a:off x="5961888" y="4161083"/>
+            <a:ext cx="2791719" cy="1695256"/>
+          </a:xfrm>
+          <a:prstGeom prst="rect">
+            <a:avLst/>
+          </a:prstGeom>
+          <a:noFill/>
+          <a:extLst>
+            <a:ext uri="{909E8E84-426E-40DD-AFC4-6F175D3DCCD1}">
+              <a14:hiddenFill xmlns:a14="http://schemas.microsoft.com/office/drawing/2010/main">
+                <a:solidFill>
+                  <a:srgbClr val="FFFFFF"/>
+                </a:solidFill>
+              </a14:hiddenFill>
+            </a:ext>
+          </a:extLst>
+        </p:spPr>
+      </p:pic>
     </p:spTree>
     <p:extLst>
       <p:ext uri="{BB962C8B-B14F-4D97-AF65-F5344CB8AC3E}">
-        <p14:creationId xmlns:p14="http://schemas.microsoft.com/office/powerpoint/2010/main" val="745560625"/>
+        <p14:creationId xmlns:p14="http://schemas.microsoft.com/office/powerpoint/2010/main" val="3134510520"/>
       </p:ext>
     </p:extLst>
   </p:cSld>
@@ -10183,75 +10233,98 @@
           <a:p>
             <a:r>
               <a:rPr lang="en-US" altLang="zh-CN" dirty="0"/>
-              <a:t>Relay chain block format</a:t>
+              <a:t>State transition</a:t>
             </a:r>
           </a:p>
           <a:p>
             <a:pPr lvl="1"/>
             <a:r>
               <a:rPr lang="en-US" altLang="zh-CN" dirty="0"/>
-              <a:t>Header</a:t>
-            </a:r>
-          </a:p>
-          <a:p>
-            <a:pPr lvl="2"/>
-            <a:r>
-              <a:rPr lang="en-US" altLang="zh-CN" dirty="0"/>
-              <a:t>Hash of parent block</a:t>
-            </a:r>
-          </a:p>
-          <a:p>
-            <a:pPr lvl="2"/>
-            <a:r>
-              <a:rPr lang="en-US" altLang="zh-CN" dirty="0"/>
-              <a:t>Block number</a:t>
-            </a:r>
-          </a:p>
-          <a:p>
-            <a:pPr lvl="2"/>
-            <a:r>
-              <a:rPr lang="en-US" altLang="zh-CN" dirty="0"/>
-              <a:t>The root of the state tree</a:t>
-            </a:r>
-          </a:p>
-          <a:p>
-            <a:pPr lvl="2"/>
-            <a:r>
-              <a:rPr lang="en-US" altLang="zh-CN" dirty="0"/>
-              <a:t>The root of the Merkle tree</a:t>
-            </a:r>
-          </a:p>
-          <a:p>
-            <a:pPr lvl="2"/>
-            <a:r>
-              <a:rPr lang="en-US" altLang="zh-CN" dirty="0"/>
-              <a:t>Digest</a:t>
-            </a:r>
-          </a:p>
-          <a:p>
-            <a:pPr lvl="3"/>
-            <a:r>
-              <a:rPr lang="en-US" altLang="zh-CN" dirty="0"/>
-              <a:t>Store auxiliary information from the consensus engines for validating the block</a:t>
-            </a:r>
-          </a:p>
-          <a:p>
-            <a:pPr lvl="1"/>
-            <a:r>
-              <a:rPr lang="en-US" altLang="zh-CN" dirty="0"/>
-              <a:t>Body</a:t>
-            </a:r>
-          </a:p>
-          <a:p>
-            <a:pPr lvl="2"/>
-            <a:r>
-              <a:rPr lang="en-US" altLang="zh-CN" dirty="0"/>
-              <a:t>A list of </a:t>
+              <a:t>Via an executing ordered set of instructions, known as </a:t>
             </a:r>
             <a:r>
               <a:rPr lang="en-US" altLang="zh-CN" dirty="0" err="1"/>
               <a:t>extrinsics</a:t>
             </a:r>
+            <a:r>
+              <a:rPr lang="en-US" altLang="zh-CN" dirty="0"/>
+              <a:t>, which include transactions submitted by the public and any data which can affect state transition.</a:t>
+            </a:r>
+          </a:p>
+          <a:p>
+            <a:pPr lvl="1"/>
+            <a:r>
+              <a:rPr lang="en-US" altLang="zh-CN" dirty="0"/>
+              <a:t>Relay chain is divided into “Runtime” and the “Runtime environment”</a:t>
+            </a:r>
+          </a:p>
+          <a:p>
+            <a:pPr lvl="2"/>
+            <a:r>
+              <a:rPr lang="en-US" altLang="zh-CN" dirty="0"/>
+              <a:t>The execution logic of State-transition function is encapsulated in Runtime</a:t>
+            </a:r>
+          </a:p>
+          <a:p>
+            <a:pPr lvl="2"/>
+            <a:r>
+              <a:rPr lang="en-US" altLang="zh-CN" dirty="0"/>
+              <a:t>Other generic operation are embedded into the runtime environment</a:t>
+            </a:r>
+          </a:p>
+          <a:p>
+            <a:pPr lvl="1"/>
+            <a:r>
+              <a:rPr lang="en-US" altLang="zh-CN" dirty="0"/>
+              <a:t>Runtime function</a:t>
+            </a:r>
+          </a:p>
+          <a:p>
+            <a:pPr lvl="2"/>
+            <a:r>
+              <a:rPr lang="en-US" altLang="zh-CN" dirty="0"/>
+              <a:t>Compiled into a </a:t>
+            </a:r>
+            <a:r>
+              <a:rPr lang="en-US" altLang="zh-CN" dirty="0" err="1"/>
+              <a:t>WebAssembly</a:t>
+            </a:r>
+            <a:r>
+              <a:rPr lang="en-US" altLang="zh-CN" dirty="0"/>
+              <a:t> module</a:t>
+            </a:r>
+          </a:p>
+          <a:p>
+            <a:pPr lvl="2"/>
+            <a:r>
+              <a:rPr lang="en-US" altLang="zh-CN" dirty="0"/>
+              <a:t>Stored as part of the state</a:t>
+            </a:r>
+          </a:p>
+          <a:p>
+            <a:pPr lvl="1"/>
+            <a:r>
+              <a:rPr lang="en-US" altLang="zh-CN" dirty="0"/>
+              <a:t>The Runtime environment communicates the </a:t>
+            </a:r>
+            <a:r>
+              <a:rPr lang="en-US" altLang="zh-CN" dirty="0" err="1"/>
+              <a:t>extrinsics</a:t>
+            </a:r>
+            <a:r>
+              <a:rPr lang="en-US" altLang="zh-CN" dirty="0"/>
+              <a:t> to the Runtime and interacts with it to execute the state transition. </a:t>
+            </a:r>
+          </a:p>
+          <a:p>
+            <a:pPr lvl="2"/>
+            <a:r>
+              <a:rPr lang="en-US" altLang="zh-CN" dirty="0"/>
+              <a:t>the state transition logic itself can be upgraded as a part of the state transition.</a:t>
+            </a:r>
+          </a:p>
+          <a:p>
+            <a:pPr lvl="1"/>
             <a:endParaRPr lang="en-US" altLang="zh-CN" dirty="0"/>
           </a:p>
           <a:p>
@@ -10297,40 +10370,10 @@
           </a:p>
         </p:txBody>
       </p:sp>
-      <p:pic>
-        <p:nvPicPr>
-          <p:cNvPr id="4" name="图片 3">
-            <a:extLst>
-              <a:ext uri="{FF2B5EF4-FFF2-40B4-BE49-F238E27FC236}">
-                <a16:creationId xmlns:a16="http://schemas.microsoft.com/office/drawing/2014/main" id="{A9F7B1D4-8F6C-433F-9CF6-A8CF4EFD1362}"/>
-              </a:ext>
-            </a:extLst>
-          </p:cNvPr>
-          <p:cNvPicPr>
-            <a:picLocks noChangeAspect="1"/>
-          </p:cNvPicPr>
-          <p:nvPr/>
-        </p:nvPicPr>
-        <p:blipFill>
-          <a:blip r:embed="rId2"/>
-          <a:stretch>
-            <a:fillRect/>
-          </a:stretch>
-        </p:blipFill>
-        <p:spPr>
-          <a:xfrm>
-            <a:off x="4736606" y="1629654"/>
-            <a:ext cx="4072113" cy="2607066"/>
-          </a:xfrm>
-          <a:prstGeom prst="rect">
-            <a:avLst/>
-          </a:prstGeom>
-        </p:spPr>
-      </p:pic>
     </p:spTree>
     <p:extLst>
       <p:ext uri="{BB962C8B-B14F-4D97-AF65-F5344CB8AC3E}">
-        <p14:creationId xmlns:p14="http://schemas.microsoft.com/office/powerpoint/2010/main" val="848296587"/>
+        <p14:creationId xmlns:p14="http://schemas.microsoft.com/office/powerpoint/2010/main" val="745560625"/>
       </p:ext>
     </p:extLst>
   </p:cSld>
@@ -10386,103 +10429,76 @@
           <a:lstStyle/>
           <a:p>
             <a:r>
+              <a:rPr lang="en-US" altLang="zh-CN" dirty="0"/>
+              <a:t>Relay chain block format</a:t>
+            </a:r>
+          </a:p>
+          <a:p>
+            <a:pPr lvl="1"/>
+            <a:r>
+              <a:rPr lang="en-US" altLang="zh-CN" dirty="0"/>
+              <a:t>Header</a:t>
+            </a:r>
+          </a:p>
+          <a:p>
+            <a:pPr lvl="2"/>
+            <a:r>
+              <a:rPr lang="en-US" altLang="zh-CN" dirty="0"/>
+              <a:t>Hash of parent block</a:t>
+            </a:r>
+          </a:p>
+          <a:p>
+            <a:pPr lvl="2"/>
+            <a:r>
+              <a:rPr lang="en-US" altLang="zh-CN" dirty="0"/>
+              <a:t>Block number</a:t>
+            </a:r>
+          </a:p>
+          <a:p>
+            <a:pPr lvl="2"/>
+            <a:r>
+              <a:rPr lang="en-US" altLang="zh-CN" dirty="0"/>
+              <a:t>The root of the state tree</a:t>
+            </a:r>
+          </a:p>
+          <a:p>
+            <a:pPr lvl="2"/>
+            <a:r>
+              <a:rPr lang="en-US" altLang="zh-CN" dirty="0"/>
+              <a:t>The root of the Merkle tree</a:t>
+            </a:r>
+          </a:p>
+          <a:p>
+            <a:pPr lvl="2"/>
+            <a:r>
+              <a:rPr lang="en-US" altLang="zh-CN" dirty="0"/>
+              <a:t>Digest</a:t>
+            </a:r>
+          </a:p>
+          <a:p>
+            <a:pPr lvl="3"/>
+            <a:r>
+              <a:rPr lang="en-US" altLang="zh-CN" dirty="0"/>
+              <a:t>Store auxiliary information from the consensus engines for validating the block</a:t>
+            </a:r>
+          </a:p>
+          <a:p>
+            <a:pPr lvl="1"/>
+            <a:r>
+              <a:rPr lang="en-US" altLang="zh-CN" dirty="0"/>
+              <a:t>Body</a:t>
+            </a:r>
+          </a:p>
+          <a:p>
+            <a:pPr lvl="2"/>
+            <a:r>
+              <a:rPr lang="en-US" altLang="zh-CN" dirty="0"/>
+              <a:t>A list of </a:t>
+            </a:r>
+            <a:r>
               <a:rPr lang="en-US" altLang="zh-CN" dirty="0" err="1"/>
-              <a:t>Extrinsics</a:t>
-            </a:r>
-            <a:r>
-              <a:rPr lang="en-US" altLang="zh-CN" dirty="0"/>
-              <a:t>, an executing ordered set of instructions</a:t>
-            </a:r>
-          </a:p>
-          <a:p>
-            <a:pPr lvl="1"/>
-            <a:r>
-              <a:rPr lang="en-US" altLang="zh-CN" dirty="0"/>
-              <a:t>are the input data supplied to the Relay-chain state machine to transition to new states.</a:t>
-            </a:r>
-          </a:p>
-          <a:p>
-            <a:pPr lvl="1"/>
-            <a:r>
-              <a:rPr lang="en-US" altLang="zh-CN" dirty="0"/>
-              <a:t> be stored into blocks of the relay chain  to achieve consensus among the state machine replica.</a:t>
-            </a:r>
-          </a:p>
-          <a:p>
-            <a:r>
-              <a:rPr lang="en-US" altLang="zh-CN" dirty="0"/>
-              <a:t>Two categories of </a:t>
-            </a:r>
-            <a:r>
-              <a:rPr lang="en-US" altLang="zh-CN" dirty="0" err="1"/>
-              <a:t>Extrinsics</a:t>
-            </a:r>
-            <a:endParaRPr lang="en-US" altLang="zh-CN" dirty="0"/>
-          </a:p>
-          <a:p>
-            <a:pPr lvl="1"/>
-            <a:r>
-              <a:rPr lang="en-US" altLang="zh-CN" dirty="0"/>
-              <a:t>Transactions</a:t>
-            </a:r>
-          </a:p>
-          <a:p>
-            <a:pPr lvl="2"/>
-            <a:r>
-              <a:rPr lang="en-US" altLang="zh-CN" dirty="0"/>
-              <a:t>Examples: </a:t>
-            </a:r>
-            <a:r>
-              <a:rPr lang="en-US" altLang="zh-CN" dirty="0" err="1"/>
-              <a:t>set_code</a:t>
-            </a:r>
-            <a:r>
-              <a:rPr lang="en-US" altLang="zh-CN" dirty="0"/>
-              <a:t>, transfer, bond, validate, nominate, vote</a:t>
-            </a:r>
-          </a:p>
-          <a:p>
-            <a:pPr lvl="2"/>
-            <a:r>
-              <a:rPr lang="en-US" altLang="zh-CN" dirty="0"/>
-              <a:t>Signed and unsigned</a:t>
-            </a:r>
-          </a:p>
-          <a:p>
-            <a:pPr lvl="1"/>
-            <a:r>
-              <a:rPr lang="en-US" altLang="zh-CN" dirty="0"/>
-              <a:t>“</a:t>
-            </a:r>
-            <a:r>
-              <a:rPr lang="en-US" altLang="zh-CN" dirty="0" err="1"/>
-              <a:t>inherents</a:t>
-            </a:r>
-            <a:r>
-              <a:rPr lang="en-US" altLang="zh-CN" dirty="0"/>
-              <a:t>”, the data that is inherent to a relay chain block. </a:t>
-            </a:r>
-          </a:p>
-          <a:p>
-            <a:pPr lvl="2"/>
-            <a:r>
-              <a:rPr lang="en-US" altLang="zh-CN" dirty="0"/>
-              <a:t>Example: The timestamp t of blocks</a:t>
-            </a:r>
-          </a:p>
-          <a:p>
-            <a:pPr lvl="2"/>
-            <a:r>
-              <a:rPr lang="en-US" altLang="zh-CN" dirty="0"/>
-              <a:t>Not signed and not gossiped, rather only when they are included in a block</a:t>
-            </a:r>
-          </a:p>
-          <a:p>
-            <a:pPr lvl="2"/>
-            <a:endParaRPr lang="en-US" altLang="zh-CN" dirty="0"/>
-          </a:p>
-          <a:p>
-            <a:pPr lvl="1"/>
+              <a:t>extrinsics</a:t>
+            </a:r>
             <a:endParaRPr lang="en-US" altLang="zh-CN" dirty="0"/>
           </a:p>
           <a:p>
@@ -10528,10 +10544,40 @@
           </a:p>
         </p:txBody>
       </p:sp>
+      <p:pic>
+        <p:nvPicPr>
+          <p:cNvPr id="4" name="图片 3">
+            <a:extLst>
+              <a:ext uri="{FF2B5EF4-FFF2-40B4-BE49-F238E27FC236}">
+                <a16:creationId xmlns:a16="http://schemas.microsoft.com/office/drawing/2014/main" id="{A9F7B1D4-8F6C-433F-9CF6-A8CF4EFD1362}"/>
+              </a:ext>
+            </a:extLst>
+          </p:cNvPr>
+          <p:cNvPicPr>
+            <a:picLocks noChangeAspect="1"/>
+          </p:cNvPicPr>
+          <p:nvPr/>
+        </p:nvPicPr>
+        <p:blipFill>
+          <a:blip r:embed="rId2"/>
+          <a:stretch>
+            <a:fillRect/>
+          </a:stretch>
+        </p:blipFill>
+        <p:spPr>
+          <a:xfrm>
+            <a:off x="4736606" y="1629654"/>
+            <a:ext cx="4072113" cy="2607066"/>
+          </a:xfrm>
+          <a:prstGeom prst="rect">
+            <a:avLst/>
+          </a:prstGeom>
+        </p:spPr>
+      </p:pic>
     </p:spTree>
     <p:extLst>
       <p:ext uri="{BB962C8B-B14F-4D97-AF65-F5344CB8AC3E}">
-        <p14:creationId xmlns:p14="http://schemas.microsoft.com/office/powerpoint/2010/main" val="4185833312"/>
+        <p14:creationId xmlns:p14="http://schemas.microsoft.com/office/powerpoint/2010/main" val="848296587"/>
       </p:ext>
     </p:extLst>
   </p:cSld>
@@ -10596,6 +10642,90 @@
             </a:r>
           </a:p>
           <a:p>
+            <a:pPr lvl="1"/>
+            <a:r>
+              <a:rPr lang="en-US" altLang="zh-CN" dirty="0"/>
+              <a:t>are the input data supplied to the Relay-chain state machine to transition to new states.</a:t>
+            </a:r>
+          </a:p>
+          <a:p>
+            <a:pPr lvl="1"/>
+            <a:r>
+              <a:rPr lang="en-US" altLang="zh-CN" dirty="0"/>
+              <a:t> be stored into blocks of the relay chain  to achieve consensus among the state machine replica.</a:t>
+            </a:r>
+          </a:p>
+          <a:p>
+            <a:r>
+              <a:rPr lang="en-US" altLang="zh-CN" dirty="0"/>
+              <a:t>Two categories of </a:t>
+            </a:r>
+            <a:r>
+              <a:rPr lang="en-US" altLang="zh-CN" dirty="0" err="1"/>
+              <a:t>Extrinsics</a:t>
+            </a:r>
+            <a:endParaRPr lang="en-US" altLang="zh-CN" dirty="0"/>
+          </a:p>
+          <a:p>
+            <a:pPr lvl="1"/>
+            <a:r>
+              <a:rPr lang="en-US" altLang="zh-CN" dirty="0"/>
+              <a:t>Transactions</a:t>
+            </a:r>
+          </a:p>
+          <a:p>
+            <a:pPr lvl="2"/>
+            <a:r>
+              <a:rPr lang="en-US" altLang="zh-CN" dirty="0"/>
+              <a:t>Examples: </a:t>
+            </a:r>
+            <a:r>
+              <a:rPr lang="en-US" altLang="zh-CN" dirty="0" err="1"/>
+              <a:t>set_code</a:t>
+            </a:r>
+            <a:r>
+              <a:rPr lang="en-US" altLang="zh-CN" dirty="0"/>
+              <a:t>, transfer, bond, validate, nominate, vote</a:t>
+            </a:r>
+          </a:p>
+          <a:p>
+            <a:pPr lvl="2"/>
+            <a:r>
+              <a:rPr lang="en-US" altLang="zh-CN" dirty="0"/>
+              <a:t>Signed and unsigned</a:t>
+            </a:r>
+          </a:p>
+          <a:p>
+            <a:pPr lvl="1"/>
+            <a:r>
+              <a:rPr lang="en-US" altLang="zh-CN" dirty="0"/>
+              <a:t>“</a:t>
+            </a:r>
+            <a:r>
+              <a:rPr lang="en-US" altLang="zh-CN" dirty="0" err="1"/>
+              <a:t>inherents</a:t>
+            </a:r>
+            <a:r>
+              <a:rPr lang="en-US" altLang="zh-CN" dirty="0"/>
+              <a:t>”, the data that is inherent to a relay chain block. </a:t>
+            </a:r>
+          </a:p>
+          <a:p>
+            <a:pPr lvl="2"/>
+            <a:r>
+              <a:rPr lang="en-US" altLang="zh-CN" dirty="0"/>
+              <a:t>Example: The timestamp t of blocks</a:t>
+            </a:r>
+          </a:p>
+          <a:p>
+            <a:pPr lvl="2"/>
+            <a:r>
+              <a:rPr lang="en-US" altLang="zh-CN" dirty="0"/>
+              <a:t>Not signed and not gossiped, rather only when they are included in a block</a:t>
+            </a:r>
+          </a:p>
+          <a:p>
+            <a:pPr lvl="2"/>
             <a:endParaRPr lang="en-US" altLang="zh-CN" dirty="0"/>
           </a:p>
           <a:p>
@@ -10645,439 +10775,10 @@
           </a:p>
         </p:txBody>
       </p:sp>
-      <p:pic>
-        <p:nvPicPr>
-          <p:cNvPr id="4" name="图片 3">
-            <a:extLst>
-              <a:ext uri="{FF2B5EF4-FFF2-40B4-BE49-F238E27FC236}">
-                <a16:creationId xmlns:a16="http://schemas.microsoft.com/office/drawing/2014/main" id="{AFBEB4A9-6A7A-48CE-B2FD-5FD9E7D41D22}"/>
-              </a:ext>
-            </a:extLst>
-          </p:cNvPr>
-          <p:cNvPicPr>
-            <a:picLocks noChangeAspect="1"/>
-          </p:cNvPicPr>
-          <p:nvPr/>
-        </p:nvPicPr>
-        <p:blipFill>
-          <a:blip r:embed="rId2"/>
-          <a:stretch>
-            <a:fillRect/>
-          </a:stretch>
-        </p:blipFill>
-        <p:spPr>
-          <a:xfrm>
-            <a:off x="1549400" y="2107024"/>
-            <a:ext cx="6334760" cy="4440057"/>
-          </a:xfrm>
-          <a:prstGeom prst="rect">
-            <a:avLst/>
-          </a:prstGeom>
-        </p:spPr>
-      </p:pic>
-      <p:sp>
-        <p:nvSpPr>
-          <p:cNvPr id="5" name="矩形 4">
-            <a:extLst>
-              <a:ext uri="{FF2B5EF4-FFF2-40B4-BE49-F238E27FC236}">
-                <a16:creationId xmlns:a16="http://schemas.microsoft.com/office/drawing/2014/main" id="{24F6A571-1999-43FE-B0BF-818338B9AAC1}"/>
-              </a:ext>
-            </a:extLst>
-          </p:cNvPr>
-          <p:cNvSpPr/>
-          <p:nvPr/>
-        </p:nvSpPr>
-        <p:spPr>
-          <a:xfrm>
-            <a:off x="1600200" y="2489200"/>
-            <a:ext cx="4577080" cy="1671320"/>
-          </a:xfrm>
-          <a:prstGeom prst="rect">
-            <a:avLst/>
-          </a:prstGeom>
-          <a:noFill/>
-          <a:ln>
-            <a:solidFill>
-              <a:schemeClr val="accent1"/>
-            </a:solidFill>
-          </a:ln>
-        </p:spPr>
-        <p:style>
-          <a:lnRef idx="2">
-            <a:schemeClr val="accent1">
-              <a:shade val="50000"/>
-            </a:schemeClr>
-          </a:lnRef>
-          <a:fillRef idx="1">
-            <a:schemeClr val="accent1"/>
-          </a:fillRef>
-          <a:effectRef idx="0">
-            <a:schemeClr val="accent1"/>
-          </a:effectRef>
-          <a:fontRef idx="minor">
-            <a:schemeClr val="lt1"/>
-          </a:fontRef>
-        </p:style>
-        <p:txBody>
-          <a:bodyPr rtlCol="0" anchor="ctr"/>
-          <a:lstStyle/>
-          <a:p>
-            <a:pPr algn="ctr"/>
-            <a:endParaRPr lang="zh-CN" altLang="en-US"/>
-          </a:p>
-        </p:txBody>
-      </p:sp>
-      <p:cxnSp>
-        <p:nvCxnSpPr>
-          <p:cNvPr id="9" name="直接箭头连接符 8">
-            <a:extLst>
-              <a:ext uri="{FF2B5EF4-FFF2-40B4-BE49-F238E27FC236}">
-                <a16:creationId xmlns:a16="http://schemas.microsoft.com/office/drawing/2014/main" id="{5352E759-A2BC-4B18-8B20-138E0288FA59}"/>
-              </a:ext>
-            </a:extLst>
-          </p:cNvPr>
-          <p:cNvCxnSpPr>
-            <a:cxnSpLocks/>
-            <a:stCxn id="5" idx="1"/>
-          </p:cNvCxnSpPr>
-          <p:nvPr/>
-        </p:nvCxnSpPr>
-        <p:spPr>
-          <a:xfrm flipH="1" flipV="1">
-            <a:off x="1143000" y="3141980"/>
-            <a:ext cx="457200" cy="182880"/>
-          </a:xfrm>
-          <a:prstGeom prst="straightConnector1">
-            <a:avLst/>
-          </a:prstGeom>
-          <a:ln w="12700">
-            <a:tailEnd type="triangle"/>
-          </a:ln>
-        </p:spPr>
-        <p:style>
-          <a:lnRef idx="1">
-            <a:schemeClr val="accent1"/>
-          </a:lnRef>
-          <a:fillRef idx="0">
-            <a:schemeClr val="accent1"/>
-          </a:fillRef>
-          <a:effectRef idx="0">
-            <a:schemeClr val="accent1"/>
-          </a:effectRef>
-          <a:fontRef idx="minor">
-            <a:schemeClr val="tx1"/>
-          </a:fontRef>
-        </p:style>
-      </p:cxnSp>
-      <p:sp>
-        <p:nvSpPr>
-          <p:cNvPr id="11" name="文本框 10">
-            <a:extLst>
-              <a:ext uri="{FF2B5EF4-FFF2-40B4-BE49-F238E27FC236}">
-                <a16:creationId xmlns:a16="http://schemas.microsoft.com/office/drawing/2014/main" id="{5BA36DF0-F244-4244-A480-0A2590783C80}"/>
-              </a:ext>
-            </a:extLst>
-          </p:cNvPr>
-          <p:cNvSpPr txBox="1"/>
-          <p:nvPr/>
-        </p:nvSpPr>
-        <p:spPr>
-          <a:xfrm>
-            <a:off x="0" y="2704040"/>
-            <a:ext cx="1452880" cy="369332"/>
-          </a:xfrm>
-          <a:prstGeom prst="rect">
-            <a:avLst/>
-          </a:prstGeom>
-          <a:noFill/>
-        </p:spPr>
-        <p:txBody>
-          <a:bodyPr wrap="square" rtlCol="0">
-            <a:spAutoFit/>
-          </a:bodyPr>
-          <a:lstStyle/>
-          <a:p>
-            <a:r>
-              <a:rPr lang="en-US" altLang="zh-CN" dirty="0"/>
-              <a:t>“</a:t>
-            </a:r>
-            <a:r>
-              <a:rPr lang="en-US" altLang="zh-CN" dirty="0" err="1"/>
-              <a:t>Inherents</a:t>
-            </a:r>
-            <a:r>
-              <a:rPr lang="en-US" altLang="zh-CN" dirty="0"/>
-              <a:t>”</a:t>
-            </a:r>
-            <a:endParaRPr lang="zh-CN" altLang="en-US" dirty="0"/>
-          </a:p>
-        </p:txBody>
-      </p:sp>
-      <p:sp>
-        <p:nvSpPr>
-          <p:cNvPr id="15" name="矩形 14">
-            <a:extLst>
-              <a:ext uri="{FF2B5EF4-FFF2-40B4-BE49-F238E27FC236}">
-                <a16:creationId xmlns:a16="http://schemas.microsoft.com/office/drawing/2014/main" id="{9D527624-D4C4-41EB-ACAC-11C762D8F29E}"/>
-              </a:ext>
-            </a:extLst>
-          </p:cNvPr>
-          <p:cNvSpPr/>
-          <p:nvPr/>
-        </p:nvSpPr>
-        <p:spPr>
-          <a:xfrm>
-            <a:off x="1600200" y="4272280"/>
-            <a:ext cx="6223000" cy="2199640"/>
-          </a:xfrm>
-          <a:prstGeom prst="rect">
-            <a:avLst/>
-          </a:prstGeom>
-          <a:noFill/>
-          <a:ln>
-            <a:solidFill>
-              <a:schemeClr val="accent1"/>
-            </a:solidFill>
-          </a:ln>
-        </p:spPr>
-        <p:style>
-          <a:lnRef idx="2">
-            <a:schemeClr val="accent1">
-              <a:shade val="50000"/>
-            </a:schemeClr>
-          </a:lnRef>
-          <a:fillRef idx="1">
-            <a:schemeClr val="accent1"/>
-          </a:fillRef>
-          <a:effectRef idx="0">
-            <a:schemeClr val="accent1"/>
-          </a:effectRef>
-          <a:fontRef idx="minor">
-            <a:schemeClr val="lt1"/>
-          </a:fontRef>
-        </p:style>
-        <p:txBody>
-          <a:bodyPr rtlCol="0" anchor="ctr"/>
-          <a:lstStyle/>
-          <a:p>
-            <a:pPr algn="ctr"/>
-            <a:endParaRPr lang="zh-CN" altLang="en-US"/>
-          </a:p>
-        </p:txBody>
-      </p:sp>
-      <p:cxnSp>
-        <p:nvCxnSpPr>
-          <p:cNvPr id="18" name="直接箭头连接符 17">
-            <a:extLst>
-              <a:ext uri="{FF2B5EF4-FFF2-40B4-BE49-F238E27FC236}">
-                <a16:creationId xmlns:a16="http://schemas.microsoft.com/office/drawing/2014/main" id="{F1AED48E-0F4F-44BA-A1E5-C5A44F4916A4}"/>
-              </a:ext>
-            </a:extLst>
-          </p:cNvPr>
-          <p:cNvCxnSpPr>
-            <a:stCxn id="15" idx="1"/>
-          </p:cNvCxnSpPr>
-          <p:nvPr/>
-        </p:nvCxnSpPr>
-        <p:spPr>
-          <a:xfrm flipH="1" flipV="1">
-            <a:off x="919480" y="5267960"/>
-            <a:ext cx="680720" cy="104140"/>
-          </a:xfrm>
-          <a:prstGeom prst="straightConnector1">
-            <a:avLst/>
-          </a:prstGeom>
-          <a:ln w="12700">
-            <a:tailEnd type="triangle"/>
-          </a:ln>
-        </p:spPr>
-        <p:style>
-          <a:lnRef idx="1">
-            <a:schemeClr val="accent1"/>
-          </a:lnRef>
-          <a:fillRef idx="0">
-            <a:schemeClr val="accent1"/>
-          </a:fillRef>
-          <a:effectRef idx="0">
-            <a:schemeClr val="accent1"/>
-          </a:effectRef>
-          <a:fontRef idx="minor">
-            <a:schemeClr val="tx1"/>
-          </a:fontRef>
-        </p:style>
-      </p:cxnSp>
-      <p:sp>
-        <p:nvSpPr>
-          <p:cNvPr id="19" name="文本框 18">
-            <a:extLst>
-              <a:ext uri="{FF2B5EF4-FFF2-40B4-BE49-F238E27FC236}">
-                <a16:creationId xmlns:a16="http://schemas.microsoft.com/office/drawing/2014/main" id="{CF8E7907-92E5-46F5-A6B7-D5121945C169}"/>
-              </a:ext>
-            </a:extLst>
-          </p:cNvPr>
-          <p:cNvSpPr txBox="1"/>
-          <p:nvPr/>
-        </p:nvSpPr>
-        <p:spPr>
-          <a:xfrm>
-            <a:off x="96520" y="4551345"/>
-            <a:ext cx="1452880" cy="646331"/>
-          </a:xfrm>
-          <a:prstGeom prst="rect">
-            <a:avLst/>
-          </a:prstGeom>
-          <a:noFill/>
-        </p:spPr>
-        <p:txBody>
-          <a:bodyPr wrap="square" rtlCol="0">
-            <a:spAutoFit/>
-          </a:bodyPr>
-          <a:lstStyle/>
-          <a:p>
-            <a:r>
-              <a:rPr lang="en-US" altLang="zh-CN" dirty="0"/>
-              <a:t>Signed transaction</a:t>
-            </a:r>
-            <a:endParaRPr lang="zh-CN" altLang="en-US" dirty="0"/>
-          </a:p>
-        </p:txBody>
-      </p:sp>
-      <p:sp>
-        <p:nvSpPr>
-          <p:cNvPr id="20" name="矩形 19">
-            <a:extLst>
-              <a:ext uri="{FF2B5EF4-FFF2-40B4-BE49-F238E27FC236}">
-                <a16:creationId xmlns:a16="http://schemas.microsoft.com/office/drawing/2014/main" id="{9DCB6E6E-59CF-480D-B366-E2B97235D783}"/>
-              </a:ext>
-            </a:extLst>
-          </p:cNvPr>
-          <p:cNvSpPr/>
-          <p:nvPr/>
-        </p:nvSpPr>
-        <p:spPr>
-          <a:xfrm>
-            <a:off x="4033520" y="2250440"/>
-            <a:ext cx="2479040" cy="3708400"/>
-          </a:xfrm>
-          <a:prstGeom prst="rect">
-            <a:avLst/>
-          </a:prstGeom>
-          <a:noFill/>
-          <a:ln>
-            <a:solidFill>
-              <a:schemeClr val="accent1"/>
-            </a:solidFill>
-          </a:ln>
-        </p:spPr>
-        <p:style>
-          <a:lnRef idx="2">
-            <a:schemeClr val="accent1">
-              <a:shade val="50000"/>
-            </a:schemeClr>
-          </a:lnRef>
-          <a:fillRef idx="1">
-            <a:schemeClr val="accent1"/>
-          </a:fillRef>
-          <a:effectRef idx="0">
-            <a:schemeClr val="accent1"/>
-          </a:effectRef>
-          <a:fontRef idx="minor">
-            <a:schemeClr val="lt1"/>
-          </a:fontRef>
-        </p:style>
-        <p:txBody>
-          <a:bodyPr rot="0" spcFirstLastPara="0" vertOverflow="overflow" horzOverflow="overflow" vert="horz" wrap="square" lIns="91440" tIns="45720" rIns="91440" bIns="45720" numCol="1" spcCol="0" rtlCol="0" fromWordArt="0" anchor="ctr" anchorCtr="0" forceAA="0" compatLnSpc="1">
-            <a:prstTxWarp prst="textNoShape">
-              <a:avLst/>
-            </a:prstTxWarp>
-            <a:noAutofit/>
-          </a:bodyPr>
-          <a:lstStyle/>
-          <a:p>
-            <a:pPr algn="ctr"/>
-            <a:endParaRPr lang="zh-CN" altLang="en-US"/>
-          </a:p>
-        </p:txBody>
-      </p:sp>
-      <p:cxnSp>
-        <p:nvCxnSpPr>
-          <p:cNvPr id="22" name="直接箭头连接符 21">
-            <a:extLst>
-              <a:ext uri="{FF2B5EF4-FFF2-40B4-BE49-F238E27FC236}">
-                <a16:creationId xmlns:a16="http://schemas.microsoft.com/office/drawing/2014/main" id="{B5E4A5EC-0404-450A-983C-78929E9220B6}"/>
-              </a:ext>
-            </a:extLst>
-          </p:cNvPr>
-          <p:cNvCxnSpPr/>
-          <p:nvPr/>
-        </p:nvCxnSpPr>
-        <p:spPr>
-          <a:xfrm flipV="1">
-            <a:off x="6512560" y="3570300"/>
-            <a:ext cx="1600200" cy="548011"/>
-          </a:xfrm>
-          <a:prstGeom prst="straightConnector1">
-            <a:avLst/>
-          </a:prstGeom>
-          <a:ln w="12700">
-            <a:tailEnd type="triangle"/>
-          </a:ln>
-        </p:spPr>
-        <p:style>
-          <a:lnRef idx="1">
-            <a:schemeClr val="accent1"/>
-          </a:lnRef>
-          <a:fillRef idx="0">
-            <a:schemeClr val="accent1"/>
-          </a:fillRef>
-          <a:effectRef idx="0">
-            <a:schemeClr val="accent1"/>
-          </a:effectRef>
-          <a:fontRef idx="minor">
-            <a:schemeClr val="tx1"/>
-          </a:fontRef>
-        </p:style>
-      </p:cxnSp>
-      <p:sp>
-        <p:nvSpPr>
-          <p:cNvPr id="23" name="文本框 22">
-            <a:extLst>
-              <a:ext uri="{FF2B5EF4-FFF2-40B4-BE49-F238E27FC236}">
-                <a16:creationId xmlns:a16="http://schemas.microsoft.com/office/drawing/2014/main" id="{51E1D524-DE41-4F13-B62A-D3FEA785C7EE}"/>
-              </a:ext>
-            </a:extLst>
-          </p:cNvPr>
-          <p:cNvSpPr txBox="1"/>
-          <p:nvPr/>
-        </p:nvSpPr>
-        <p:spPr>
-          <a:xfrm>
-            <a:off x="8219440" y="3429000"/>
-            <a:ext cx="803425" cy="369332"/>
-          </a:xfrm>
-          <a:prstGeom prst="rect">
-            <a:avLst/>
-          </a:prstGeom>
-          <a:noFill/>
-        </p:spPr>
-        <p:txBody>
-          <a:bodyPr wrap="none" rtlCol="0">
-            <a:spAutoFit/>
-          </a:bodyPr>
-          <a:lstStyle/>
-          <a:p>
-            <a:r>
-              <a:rPr lang="en-US" altLang="zh-CN" dirty="0"/>
-              <a:t>Events</a:t>
-            </a:r>
-            <a:endParaRPr lang="zh-CN" altLang="en-US" dirty="0"/>
-          </a:p>
-        </p:txBody>
-      </p:sp>
     </p:spTree>
     <p:extLst>
       <p:ext uri="{BB962C8B-B14F-4D97-AF65-F5344CB8AC3E}">
-        <p14:creationId xmlns:p14="http://schemas.microsoft.com/office/powerpoint/2010/main" val="1167778820"/>
+        <p14:creationId xmlns:p14="http://schemas.microsoft.com/office/powerpoint/2010/main" val="4185833312"/>
       </p:ext>
     </p:extLst>
   </p:cSld>
@@ -11133,58 +10834,12 @@
           <a:lstStyle/>
           <a:p>
             <a:r>
+              <a:rPr lang="en-US" altLang="zh-CN" dirty="0" err="1"/>
+              <a:t>Extrinsics</a:t>
+            </a:r>
+            <a:r>
               <a:rPr lang="en-US" altLang="zh-CN" dirty="0"/>
-              <a:t>the validator’s operations for building relay chain block</a:t>
-            </a:r>
-          </a:p>
-          <a:p>
-            <a:pPr lvl="1"/>
-            <a:r>
-              <a:rPr lang="en-US" altLang="zh-CN" dirty="0"/>
-              <a:t>Step one: each relay chain Validators privately knows the time when they should produce a block </a:t>
-            </a:r>
-          </a:p>
-          <a:p>
-            <a:pPr lvl="1"/>
-            <a:r>
-              <a:rPr lang="en-US" altLang="zh-CN" dirty="0"/>
-              <a:t>Step two: transactions (validated </a:t>
-            </a:r>
-            <a:r>
-              <a:rPr lang="en-US" altLang="zh-CN" dirty="0" err="1"/>
-              <a:t>parachain</a:t>
-            </a:r>
-            <a:r>
-              <a:rPr lang="en-US" altLang="zh-CN" dirty="0"/>
-              <a:t> block hash, transfer, staking, nomination or slashing for violation) are submitted to relay chain validators.</a:t>
-            </a:r>
-          </a:p>
-          <a:p>
-            <a:pPr lvl="1"/>
-            <a:r>
-              <a:rPr lang="en-US" altLang="zh-CN" dirty="0"/>
-              <a:t>Step three: relay chain validators examine the validity and store them in their transaction pool</a:t>
-            </a:r>
-          </a:p>
-          <a:p>
-            <a:pPr lvl="1"/>
-            <a:r>
-              <a:rPr lang="en-US" altLang="zh-CN" dirty="0"/>
-              <a:t>Step four: When the validator should produce a block, it will estimate the block which most likely represents the state which is going to be finalized by the finality protocol and set it as the current state of the relay chain.</a:t>
-            </a:r>
-          </a:p>
-          <a:p>
-            <a:pPr lvl="1"/>
-            <a:r>
-              <a:rPr lang="en-US" altLang="zh-CN" dirty="0"/>
-              <a:t>Step five: Validator select and executes transactions and updates the state.</a:t>
-            </a:r>
-          </a:p>
-          <a:p>
-            <a:pPr lvl="1"/>
-            <a:r>
-              <a:rPr lang="en-US" altLang="zh-CN" dirty="0"/>
-              <a:t>Step Six: Validator attaches a digest of the final stage of relay chain, then signs and publishes the built block.</a:t>
+              <a:t>, an executing ordered set of instructions</a:t>
             </a:r>
           </a:p>
           <a:p>
@@ -11237,10 +10892,439 @@
           </a:p>
         </p:txBody>
       </p:sp>
+      <p:pic>
+        <p:nvPicPr>
+          <p:cNvPr id="4" name="图片 3">
+            <a:extLst>
+              <a:ext uri="{FF2B5EF4-FFF2-40B4-BE49-F238E27FC236}">
+                <a16:creationId xmlns:a16="http://schemas.microsoft.com/office/drawing/2014/main" id="{AFBEB4A9-6A7A-48CE-B2FD-5FD9E7D41D22}"/>
+              </a:ext>
+            </a:extLst>
+          </p:cNvPr>
+          <p:cNvPicPr>
+            <a:picLocks noChangeAspect="1"/>
+          </p:cNvPicPr>
+          <p:nvPr/>
+        </p:nvPicPr>
+        <p:blipFill>
+          <a:blip r:embed="rId2"/>
+          <a:stretch>
+            <a:fillRect/>
+          </a:stretch>
+        </p:blipFill>
+        <p:spPr>
+          <a:xfrm>
+            <a:off x="1549400" y="2107024"/>
+            <a:ext cx="6334760" cy="4440057"/>
+          </a:xfrm>
+          <a:prstGeom prst="rect">
+            <a:avLst/>
+          </a:prstGeom>
+        </p:spPr>
+      </p:pic>
+      <p:sp>
+        <p:nvSpPr>
+          <p:cNvPr id="5" name="矩形 4">
+            <a:extLst>
+              <a:ext uri="{FF2B5EF4-FFF2-40B4-BE49-F238E27FC236}">
+                <a16:creationId xmlns:a16="http://schemas.microsoft.com/office/drawing/2014/main" id="{24F6A571-1999-43FE-B0BF-818338B9AAC1}"/>
+              </a:ext>
+            </a:extLst>
+          </p:cNvPr>
+          <p:cNvSpPr/>
+          <p:nvPr/>
+        </p:nvSpPr>
+        <p:spPr>
+          <a:xfrm>
+            <a:off x="1600200" y="2489200"/>
+            <a:ext cx="4577080" cy="1671320"/>
+          </a:xfrm>
+          <a:prstGeom prst="rect">
+            <a:avLst/>
+          </a:prstGeom>
+          <a:noFill/>
+          <a:ln>
+            <a:solidFill>
+              <a:schemeClr val="accent1"/>
+            </a:solidFill>
+          </a:ln>
+        </p:spPr>
+        <p:style>
+          <a:lnRef idx="2">
+            <a:schemeClr val="accent1">
+              <a:shade val="50000"/>
+            </a:schemeClr>
+          </a:lnRef>
+          <a:fillRef idx="1">
+            <a:schemeClr val="accent1"/>
+          </a:fillRef>
+          <a:effectRef idx="0">
+            <a:schemeClr val="accent1"/>
+          </a:effectRef>
+          <a:fontRef idx="minor">
+            <a:schemeClr val="lt1"/>
+          </a:fontRef>
+        </p:style>
+        <p:txBody>
+          <a:bodyPr rtlCol="0" anchor="ctr"/>
+          <a:lstStyle/>
+          <a:p>
+            <a:pPr algn="ctr"/>
+            <a:endParaRPr lang="zh-CN" altLang="en-US"/>
+          </a:p>
+        </p:txBody>
+      </p:sp>
+      <p:cxnSp>
+        <p:nvCxnSpPr>
+          <p:cNvPr id="9" name="直接箭头连接符 8">
+            <a:extLst>
+              <a:ext uri="{FF2B5EF4-FFF2-40B4-BE49-F238E27FC236}">
+                <a16:creationId xmlns:a16="http://schemas.microsoft.com/office/drawing/2014/main" id="{5352E759-A2BC-4B18-8B20-138E0288FA59}"/>
+              </a:ext>
+            </a:extLst>
+          </p:cNvPr>
+          <p:cNvCxnSpPr>
+            <a:cxnSpLocks/>
+            <a:stCxn id="5" idx="1"/>
+          </p:cNvCxnSpPr>
+          <p:nvPr/>
+        </p:nvCxnSpPr>
+        <p:spPr>
+          <a:xfrm flipH="1" flipV="1">
+            <a:off x="1143000" y="3141980"/>
+            <a:ext cx="457200" cy="182880"/>
+          </a:xfrm>
+          <a:prstGeom prst="straightConnector1">
+            <a:avLst/>
+          </a:prstGeom>
+          <a:ln w="12700">
+            <a:tailEnd type="triangle"/>
+          </a:ln>
+        </p:spPr>
+        <p:style>
+          <a:lnRef idx="1">
+            <a:schemeClr val="accent1"/>
+          </a:lnRef>
+          <a:fillRef idx="0">
+            <a:schemeClr val="accent1"/>
+          </a:fillRef>
+          <a:effectRef idx="0">
+            <a:schemeClr val="accent1"/>
+          </a:effectRef>
+          <a:fontRef idx="minor">
+            <a:schemeClr val="tx1"/>
+          </a:fontRef>
+        </p:style>
+      </p:cxnSp>
+      <p:sp>
+        <p:nvSpPr>
+          <p:cNvPr id="11" name="文本框 10">
+            <a:extLst>
+              <a:ext uri="{FF2B5EF4-FFF2-40B4-BE49-F238E27FC236}">
+                <a16:creationId xmlns:a16="http://schemas.microsoft.com/office/drawing/2014/main" id="{5BA36DF0-F244-4244-A480-0A2590783C80}"/>
+              </a:ext>
+            </a:extLst>
+          </p:cNvPr>
+          <p:cNvSpPr txBox="1"/>
+          <p:nvPr/>
+        </p:nvSpPr>
+        <p:spPr>
+          <a:xfrm>
+            <a:off x="0" y="2704040"/>
+            <a:ext cx="1452880" cy="369332"/>
+          </a:xfrm>
+          <a:prstGeom prst="rect">
+            <a:avLst/>
+          </a:prstGeom>
+          <a:noFill/>
+        </p:spPr>
+        <p:txBody>
+          <a:bodyPr wrap="square" rtlCol="0">
+            <a:spAutoFit/>
+          </a:bodyPr>
+          <a:lstStyle/>
+          <a:p>
+            <a:r>
+              <a:rPr lang="en-US" altLang="zh-CN" dirty="0"/>
+              <a:t>“</a:t>
+            </a:r>
+            <a:r>
+              <a:rPr lang="en-US" altLang="zh-CN" dirty="0" err="1"/>
+              <a:t>Inherents</a:t>
+            </a:r>
+            <a:r>
+              <a:rPr lang="en-US" altLang="zh-CN" dirty="0"/>
+              <a:t>”</a:t>
+            </a:r>
+            <a:endParaRPr lang="zh-CN" altLang="en-US" dirty="0"/>
+          </a:p>
+        </p:txBody>
+      </p:sp>
+      <p:sp>
+        <p:nvSpPr>
+          <p:cNvPr id="15" name="矩形 14">
+            <a:extLst>
+              <a:ext uri="{FF2B5EF4-FFF2-40B4-BE49-F238E27FC236}">
+                <a16:creationId xmlns:a16="http://schemas.microsoft.com/office/drawing/2014/main" id="{9D527624-D4C4-41EB-ACAC-11C762D8F29E}"/>
+              </a:ext>
+            </a:extLst>
+          </p:cNvPr>
+          <p:cNvSpPr/>
+          <p:nvPr/>
+        </p:nvSpPr>
+        <p:spPr>
+          <a:xfrm>
+            <a:off x="1600200" y="4272280"/>
+            <a:ext cx="6223000" cy="2199640"/>
+          </a:xfrm>
+          <a:prstGeom prst="rect">
+            <a:avLst/>
+          </a:prstGeom>
+          <a:noFill/>
+          <a:ln>
+            <a:solidFill>
+              <a:schemeClr val="accent1"/>
+            </a:solidFill>
+          </a:ln>
+        </p:spPr>
+        <p:style>
+          <a:lnRef idx="2">
+            <a:schemeClr val="accent1">
+              <a:shade val="50000"/>
+            </a:schemeClr>
+          </a:lnRef>
+          <a:fillRef idx="1">
+            <a:schemeClr val="accent1"/>
+          </a:fillRef>
+          <a:effectRef idx="0">
+            <a:schemeClr val="accent1"/>
+          </a:effectRef>
+          <a:fontRef idx="minor">
+            <a:schemeClr val="lt1"/>
+          </a:fontRef>
+        </p:style>
+        <p:txBody>
+          <a:bodyPr rtlCol="0" anchor="ctr"/>
+          <a:lstStyle/>
+          <a:p>
+            <a:pPr algn="ctr"/>
+            <a:endParaRPr lang="zh-CN" altLang="en-US"/>
+          </a:p>
+        </p:txBody>
+      </p:sp>
+      <p:cxnSp>
+        <p:nvCxnSpPr>
+          <p:cNvPr id="18" name="直接箭头连接符 17">
+            <a:extLst>
+              <a:ext uri="{FF2B5EF4-FFF2-40B4-BE49-F238E27FC236}">
+                <a16:creationId xmlns:a16="http://schemas.microsoft.com/office/drawing/2014/main" id="{F1AED48E-0F4F-44BA-A1E5-C5A44F4916A4}"/>
+              </a:ext>
+            </a:extLst>
+          </p:cNvPr>
+          <p:cNvCxnSpPr>
+            <a:stCxn id="15" idx="1"/>
+          </p:cNvCxnSpPr>
+          <p:nvPr/>
+        </p:nvCxnSpPr>
+        <p:spPr>
+          <a:xfrm flipH="1" flipV="1">
+            <a:off x="919480" y="5267960"/>
+            <a:ext cx="680720" cy="104140"/>
+          </a:xfrm>
+          <a:prstGeom prst="straightConnector1">
+            <a:avLst/>
+          </a:prstGeom>
+          <a:ln w="12700">
+            <a:tailEnd type="triangle"/>
+          </a:ln>
+        </p:spPr>
+        <p:style>
+          <a:lnRef idx="1">
+            <a:schemeClr val="accent1"/>
+          </a:lnRef>
+          <a:fillRef idx="0">
+            <a:schemeClr val="accent1"/>
+          </a:fillRef>
+          <a:effectRef idx="0">
+            <a:schemeClr val="accent1"/>
+          </a:effectRef>
+          <a:fontRef idx="minor">
+            <a:schemeClr val="tx1"/>
+          </a:fontRef>
+        </p:style>
+      </p:cxnSp>
+      <p:sp>
+        <p:nvSpPr>
+          <p:cNvPr id="19" name="文本框 18">
+            <a:extLst>
+              <a:ext uri="{FF2B5EF4-FFF2-40B4-BE49-F238E27FC236}">
+                <a16:creationId xmlns:a16="http://schemas.microsoft.com/office/drawing/2014/main" id="{CF8E7907-92E5-46F5-A6B7-D5121945C169}"/>
+              </a:ext>
+            </a:extLst>
+          </p:cNvPr>
+          <p:cNvSpPr txBox="1"/>
+          <p:nvPr/>
+        </p:nvSpPr>
+        <p:spPr>
+          <a:xfrm>
+            <a:off x="96520" y="4551345"/>
+            <a:ext cx="1452880" cy="646331"/>
+          </a:xfrm>
+          <a:prstGeom prst="rect">
+            <a:avLst/>
+          </a:prstGeom>
+          <a:noFill/>
+        </p:spPr>
+        <p:txBody>
+          <a:bodyPr wrap="square" rtlCol="0">
+            <a:spAutoFit/>
+          </a:bodyPr>
+          <a:lstStyle/>
+          <a:p>
+            <a:r>
+              <a:rPr lang="en-US" altLang="zh-CN" dirty="0"/>
+              <a:t>Signed transaction</a:t>
+            </a:r>
+            <a:endParaRPr lang="zh-CN" altLang="en-US" dirty="0"/>
+          </a:p>
+        </p:txBody>
+      </p:sp>
+      <p:sp>
+        <p:nvSpPr>
+          <p:cNvPr id="20" name="矩形 19">
+            <a:extLst>
+              <a:ext uri="{FF2B5EF4-FFF2-40B4-BE49-F238E27FC236}">
+                <a16:creationId xmlns:a16="http://schemas.microsoft.com/office/drawing/2014/main" id="{9DCB6E6E-59CF-480D-B366-E2B97235D783}"/>
+              </a:ext>
+            </a:extLst>
+          </p:cNvPr>
+          <p:cNvSpPr/>
+          <p:nvPr/>
+        </p:nvSpPr>
+        <p:spPr>
+          <a:xfrm>
+            <a:off x="4033520" y="2250440"/>
+            <a:ext cx="2479040" cy="3708400"/>
+          </a:xfrm>
+          <a:prstGeom prst="rect">
+            <a:avLst/>
+          </a:prstGeom>
+          <a:noFill/>
+          <a:ln>
+            <a:solidFill>
+              <a:schemeClr val="accent1"/>
+            </a:solidFill>
+          </a:ln>
+        </p:spPr>
+        <p:style>
+          <a:lnRef idx="2">
+            <a:schemeClr val="accent1">
+              <a:shade val="50000"/>
+            </a:schemeClr>
+          </a:lnRef>
+          <a:fillRef idx="1">
+            <a:schemeClr val="accent1"/>
+          </a:fillRef>
+          <a:effectRef idx="0">
+            <a:schemeClr val="accent1"/>
+          </a:effectRef>
+          <a:fontRef idx="minor">
+            <a:schemeClr val="lt1"/>
+          </a:fontRef>
+        </p:style>
+        <p:txBody>
+          <a:bodyPr rot="0" spcFirstLastPara="0" vertOverflow="overflow" horzOverflow="overflow" vert="horz" wrap="square" lIns="91440" tIns="45720" rIns="91440" bIns="45720" numCol="1" spcCol="0" rtlCol="0" fromWordArt="0" anchor="ctr" anchorCtr="0" forceAA="0" compatLnSpc="1">
+            <a:prstTxWarp prst="textNoShape">
+              <a:avLst/>
+            </a:prstTxWarp>
+            <a:noAutofit/>
+          </a:bodyPr>
+          <a:lstStyle/>
+          <a:p>
+            <a:pPr algn="ctr"/>
+            <a:endParaRPr lang="zh-CN" altLang="en-US"/>
+          </a:p>
+        </p:txBody>
+      </p:sp>
+      <p:cxnSp>
+        <p:nvCxnSpPr>
+          <p:cNvPr id="22" name="直接箭头连接符 21">
+            <a:extLst>
+              <a:ext uri="{FF2B5EF4-FFF2-40B4-BE49-F238E27FC236}">
+                <a16:creationId xmlns:a16="http://schemas.microsoft.com/office/drawing/2014/main" id="{B5E4A5EC-0404-450A-983C-78929E9220B6}"/>
+              </a:ext>
+            </a:extLst>
+          </p:cNvPr>
+          <p:cNvCxnSpPr/>
+          <p:nvPr/>
+        </p:nvCxnSpPr>
+        <p:spPr>
+          <a:xfrm flipV="1">
+            <a:off x="6512560" y="3570300"/>
+            <a:ext cx="1600200" cy="548011"/>
+          </a:xfrm>
+          <a:prstGeom prst="straightConnector1">
+            <a:avLst/>
+          </a:prstGeom>
+          <a:ln w="12700">
+            <a:tailEnd type="triangle"/>
+          </a:ln>
+        </p:spPr>
+        <p:style>
+          <a:lnRef idx="1">
+            <a:schemeClr val="accent1"/>
+          </a:lnRef>
+          <a:fillRef idx="0">
+            <a:schemeClr val="accent1"/>
+          </a:fillRef>
+          <a:effectRef idx="0">
+            <a:schemeClr val="accent1"/>
+          </a:effectRef>
+          <a:fontRef idx="minor">
+            <a:schemeClr val="tx1"/>
+          </a:fontRef>
+        </p:style>
+      </p:cxnSp>
+      <p:sp>
+        <p:nvSpPr>
+          <p:cNvPr id="23" name="文本框 22">
+            <a:extLst>
+              <a:ext uri="{FF2B5EF4-FFF2-40B4-BE49-F238E27FC236}">
+                <a16:creationId xmlns:a16="http://schemas.microsoft.com/office/drawing/2014/main" id="{51E1D524-DE41-4F13-B62A-D3FEA785C7EE}"/>
+              </a:ext>
+            </a:extLst>
+          </p:cNvPr>
+          <p:cNvSpPr txBox="1"/>
+          <p:nvPr/>
+        </p:nvSpPr>
+        <p:spPr>
+          <a:xfrm>
+            <a:off x="8219440" y="3429000"/>
+            <a:ext cx="803425" cy="369332"/>
+          </a:xfrm>
+          <a:prstGeom prst="rect">
+            <a:avLst/>
+          </a:prstGeom>
+          <a:noFill/>
+        </p:spPr>
+        <p:txBody>
+          <a:bodyPr wrap="none" rtlCol="0">
+            <a:spAutoFit/>
+          </a:bodyPr>
+          <a:lstStyle/>
+          <a:p>
+            <a:r>
+              <a:rPr lang="en-US" altLang="zh-CN" dirty="0"/>
+              <a:t>Events</a:t>
+            </a:r>
+            <a:endParaRPr lang="zh-CN" altLang="en-US" dirty="0"/>
+          </a:p>
+        </p:txBody>
+      </p:sp>
     </p:spTree>
     <p:extLst>
       <p:ext uri="{BB962C8B-B14F-4D97-AF65-F5344CB8AC3E}">
-        <p14:creationId xmlns:p14="http://schemas.microsoft.com/office/powerpoint/2010/main" val="3389679380"/>
+        <p14:creationId xmlns:p14="http://schemas.microsoft.com/office/powerpoint/2010/main" val="1167778820"/>
       </p:ext>
     </p:extLst>
   </p:cSld>
@@ -11269,7 +11353,117 @@
       </p:grpSpPr>
       <p:sp>
         <p:nvSpPr>
-          <p:cNvPr id="2" name="标题 1"/>
+          <p:cNvPr id="2" name="内容占位符 1">
+            <a:extLst>
+              <a:ext uri="{FF2B5EF4-FFF2-40B4-BE49-F238E27FC236}">
+                <a16:creationId xmlns:a16="http://schemas.microsoft.com/office/drawing/2014/main" id="{AF3ED768-F4AC-4570-9A14-87BFBBA452E6}"/>
+              </a:ext>
+            </a:extLst>
+          </p:cNvPr>
+          <p:cNvSpPr>
+            <a:spLocks noGrp="1"/>
+          </p:cNvSpPr>
+          <p:nvPr>
+            <p:ph sz="quarter" idx="10"/>
+          </p:nvPr>
+        </p:nvSpPr>
+        <p:spPr>
+          <a:xfrm>
+            <a:off x="494025" y="1685677"/>
+            <a:ext cx="8070855" cy="5015373"/>
+          </a:xfrm>
+        </p:spPr>
+        <p:txBody>
+          <a:bodyPr>
+            <a:normAutofit/>
+          </a:bodyPr>
+          <a:lstStyle/>
+          <a:p>
+            <a:r>
+              <a:rPr lang="en-US" altLang="zh-CN" dirty="0"/>
+              <a:t>the validator’s operations for building relay chain block</a:t>
+            </a:r>
+          </a:p>
+          <a:p>
+            <a:pPr lvl="1"/>
+            <a:r>
+              <a:rPr lang="en-US" altLang="zh-CN" dirty="0"/>
+              <a:t>Step one: each relay chain Validators privately knows the time when they should produce a block </a:t>
+            </a:r>
+          </a:p>
+          <a:p>
+            <a:pPr lvl="1"/>
+            <a:r>
+              <a:rPr lang="en-US" altLang="zh-CN" dirty="0"/>
+              <a:t>Step two: transactions (validated </a:t>
+            </a:r>
+            <a:r>
+              <a:rPr lang="en-US" altLang="zh-CN" dirty="0" err="1"/>
+              <a:t>parachain</a:t>
+            </a:r>
+            <a:r>
+              <a:rPr lang="en-US" altLang="zh-CN" dirty="0"/>
+              <a:t> block hash, transfer, staking, nomination or slashing for violation) are submitted to relay chain validators.</a:t>
+            </a:r>
+          </a:p>
+          <a:p>
+            <a:pPr lvl="1"/>
+            <a:r>
+              <a:rPr lang="en-US" altLang="zh-CN" dirty="0"/>
+              <a:t>Step three: relay chain validators examine the validity and store them in their transaction pool</a:t>
+            </a:r>
+          </a:p>
+          <a:p>
+            <a:pPr lvl="1"/>
+            <a:r>
+              <a:rPr lang="en-US" altLang="zh-CN" dirty="0"/>
+              <a:t>Step four: When the validator should produce a block, it will estimate the block which most likely represents the state which is going to be finalized by the finality protocol and set it as the current state of the relay chain.</a:t>
+            </a:r>
+          </a:p>
+          <a:p>
+            <a:pPr lvl="1"/>
+            <a:r>
+              <a:rPr lang="en-US" altLang="zh-CN" dirty="0"/>
+              <a:t>Step five: Validator select and executes transactions and updates the state.</a:t>
+            </a:r>
+          </a:p>
+          <a:p>
+            <a:pPr lvl="1"/>
+            <a:r>
+              <a:rPr lang="en-US" altLang="zh-CN" dirty="0"/>
+              <a:t>Step Six: Validator attaches a digest of the final stage of relay chain, then signs and publishes the built block.</a:t>
+            </a:r>
+          </a:p>
+          <a:p>
+            <a:endParaRPr lang="en-US" altLang="zh-CN" dirty="0"/>
+          </a:p>
+          <a:p>
+            <a:pPr lvl="1"/>
+            <a:endParaRPr lang="en-US" altLang="zh-CN" dirty="0"/>
+          </a:p>
+          <a:p>
+            <a:pPr lvl="1"/>
+            <a:endParaRPr lang="en-US" altLang="zh-CN" dirty="0"/>
+          </a:p>
+          <a:p>
+            <a:pPr lvl="1"/>
+            <a:endParaRPr lang="en-US" altLang="zh-CN" dirty="0"/>
+          </a:p>
+          <a:p>
+            <a:pPr lvl="1"/>
+            <a:endParaRPr lang="en-US" altLang="zh-CN" dirty="0"/>
+          </a:p>
+        </p:txBody>
+      </p:sp>
+      <p:sp>
+        <p:nvSpPr>
+          <p:cNvPr id="3" name="标题 2">
+            <a:extLst>
+              <a:ext uri="{FF2B5EF4-FFF2-40B4-BE49-F238E27FC236}">
+                <a16:creationId xmlns:a16="http://schemas.microsoft.com/office/drawing/2014/main" id="{CDC1A08A-FFC4-4FE8-B7F5-70FBB0F936C3}"/>
+              </a:ext>
+            </a:extLst>
+          </p:cNvPr>
           <p:cNvSpPr>
             <a:spLocks noGrp="1"/>
           </p:cNvSpPr>
@@ -11279,1313 +11473,21 @@
         </p:nvSpPr>
         <p:spPr/>
         <p:txBody>
-          <a:bodyPr>
-            <a:normAutofit fontScale="90000"/>
-          </a:bodyPr>
+          <a:bodyPr/>
           <a:lstStyle/>
           <a:p>
             <a:r>
-              <a:rPr lang="zh-CN" altLang="en-US" dirty="0">
-                <a:latin typeface="微软雅黑" panose="020B0503020204020204" pitchFamily="34" charset="-122"/>
-                <a:ea typeface="微软雅黑" panose="020B0503020204020204" pitchFamily="34" charset="-122"/>
-              </a:rPr>
-              <a:t>目录 </a:t>
-            </a:r>
-            <a:r>
-              <a:rPr lang="en-US" altLang="zh-CN" dirty="0">
-                <a:latin typeface="微软雅黑" panose="020B0503020204020204" pitchFamily="34" charset="-122"/>
-                <a:ea typeface="微软雅黑" panose="020B0503020204020204" pitchFamily="34" charset="-122"/>
-              </a:rPr>
-              <a:t>Contents</a:t>
-            </a:r>
-            <a:endParaRPr lang="zh-CN" altLang="en-US" dirty="0">
-              <a:latin typeface="微软雅黑" panose="020B0503020204020204" pitchFamily="34" charset="-122"/>
-              <a:ea typeface="微软雅黑" panose="020B0503020204020204" pitchFamily="34" charset="-122"/>
-            </a:endParaRPr>
-          </a:p>
-        </p:txBody>
-      </p:sp>
-      <p:sp>
-        <p:nvSpPr>
-          <p:cNvPr id="4" name="Freeform 10"/>
-          <p:cNvSpPr>
-            <a:spLocks/>
-          </p:cNvSpPr>
-          <p:nvPr userDrawn="1"/>
-        </p:nvSpPr>
-        <p:spPr bwMode="auto">
-          <a:xfrm>
-            <a:off x="1841535" y="1367357"/>
-            <a:ext cx="843427" cy="343858"/>
-          </a:xfrm>
-          <a:custGeom>
-            <a:avLst/>
-            <a:gdLst>
-              <a:gd name="T0" fmla="*/ 3120 w 3800"/>
-              <a:gd name="T1" fmla="*/ 0 h 1532"/>
-              <a:gd name="T2" fmla="*/ 682 w 3800"/>
-              <a:gd name="T3" fmla="*/ 0 h 1532"/>
-              <a:gd name="T4" fmla="*/ 682 w 3800"/>
-              <a:gd name="T5" fmla="*/ 284 h 1532"/>
-              <a:gd name="T6" fmla="*/ 0 w 3800"/>
-              <a:gd name="T7" fmla="*/ 766 h 1532"/>
-              <a:gd name="T8" fmla="*/ 682 w 3800"/>
-              <a:gd name="T9" fmla="*/ 1248 h 1532"/>
-              <a:gd name="T10" fmla="*/ 682 w 3800"/>
-              <a:gd name="T11" fmla="*/ 1532 h 1532"/>
-              <a:gd name="T12" fmla="*/ 3120 w 3800"/>
-              <a:gd name="T13" fmla="*/ 1532 h 1532"/>
-              <a:gd name="T14" fmla="*/ 3120 w 3800"/>
-              <a:gd name="T15" fmla="*/ 1248 h 1532"/>
-              <a:gd name="T16" fmla="*/ 3800 w 3800"/>
-              <a:gd name="T17" fmla="*/ 766 h 1532"/>
-              <a:gd name="T18" fmla="*/ 3120 w 3800"/>
-              <a:gd name="T19" fmla="*/ 284 h 1532"/>
-              <a:gd name="T20" fmla="*/ 3120 w 3800"/>
-              <a:gd name="T21" fmla="*/ 0 h 1532"/>
-            </a:gdLst>
-            <a:ahLst/>
-            <a:cxnLst>
-              <a:cxn ang="0">
-                <a:pos x="T0" y="T1"/>
-              </a:cxn>
-              <a:cxn ang="0">
-                <a:pos x="T2" y="T3"/>
-              </a:cxn>
-              <a:cxn ang="0">
-                <a:pos x="T4" y="T5"/>
-              </a:cxn>
-              <a:cxn ang="0">
-                <a:pos x="T6" y="T7"/>
-              </a:cxn>
-              <a:cxn ang="0">
-                <a:pos x="T8" y="T9"/>
-              </a:cxn>
-              <a:cxn ang="0">
-                <a:pos x="T10" y="T11"/>
-              </a:cxn>
-              <a:cxn ang="0">
-                <a:pos x="T12" y="T13"/>
-              </a:cxn>
-              <a:cxn ang="0">
-                <a:pos x="T14" y="T15"/>
-              </a:cxn>
-              <a:cxn ang="0">
-                <a:pos x="T16" y="T17"/>
-              </a:cxn>
-              <a:cxn ang="0">
-                <a:pos x="T18" y="T19"/>
-              </a:cxn>
-              <a:cxn ang="0">
-                <a:pos x="T20" y="T21"/>
-              </a:cxn>
-            </a:cxnLst>
-            <a:rect l="0" t="0" r="r" b="b"/>
-            <a:pathLst>
-              <a:path w="3800" h="1532">
-                <a:moveTo>
-                  <a:pt x="3120" y="0"/>
-                </a:moveTo>
-                <a:lnTo>
-                  <a:pt x="682" y="0"/>
-                </a:lnTo>
-                <a:lnTo>
-                  <a:pt x="682" y="284"/>
-                </a:lnTo>
-                <a:lnTo>
-                  <a:pt x="0" y="766"/>
-                </a:lnTo>
-                <a:lnTo>
-                  <a:pt x="682" y="1248"/>
-                </a:lnTo>
-                <a:lnTo>
-                  <a:pt x="682" y="1532"/>
-                </a:lnTo>
-                <a:lnTo>
-                  <a:pt x="3120" y="1532"/>
-                </a:lnTo>
-                <a:lnTo>
-                  <a:pt x="3120" y="1248"/>
-                </a:lnTo>
-                <a:lnTo>
-                  <a:pt x="3800" y="766"/>
-                </a:lnTo>
-                <a:lnTo>
-                  <a:pt x="3120" y="284"/>
-                </a:lnTo>
-                <a:lnTo>
-                  <a:pt x="3120" y="0"/>
-                </a:lnTo>
-                <a:close/>
-              </a:path>
-            </a:pathLst>
-          </a:custGeom>
-          <a:solidFill>
-            <a:schemeClr val="bg2"/>
-          </a:solidFill>
-          <a:ln>
-            <a:noFill/>
-          </a:ln>
-        </p:spPr>
-        <p:txBody>
-          <a:bodyPr vert="horz" wrap="square" lIns="91440" tIns="45720" rIns="91440" bIns="45720" numCol="1" anchor="ctr" anchorCtr="0" compatLnSpc="1">
-            <a:prstTxWarp prst="textNoShape">
-              <a:avLst/>
-            </a:prstTxWarp>
-            <a:noAutofit/>
-          </a:bodyPr>
-          <a:lstStyle/>
-          <a:p>
-            <a:pPr algn="ctr"/>
-            <a:endParaRPr lang="zh-CN" altLang="en-US" sz="3200" b="1"/>
-          </a:p>
-        </p:txBody>
-      </p:sp>
-      <p:sp>
-        <p:nvSpPr>
-          <p:cNvPr id="5" name="文本框 4"/>
-          <p:cNvSpPr txBox="1"/>
-          <p:nvPr userDrawn="1"/>
-        </p:nvSpPr>
-        <p:spPr>
-          <a:xfrm>
-            <a:off x="2071646" y="1303550"/>
-            <a:ext cx="383206" cy="443226"/>
-          </a:xfrm>
-          <a:prstGeom prst="rect">
-            <a:avLst/>
-          </a:prstGeom>
-          <a:noFill/>
-        </p:spPr>
-        <p:txBody>
-          <a:bodyPr wrap="none" rtlCol="0" anchor="ctr">
-            <a:noAutofit/>
-          </a:bodyPr>
-          <a:lstStyle/>
-          <a:p>
-            <a:pPr algn="ctr"/>
-            <a:r>
-              <a:rPr lang="en-US" altLang="zh-CN" b="1" dirty="0">
-                <a:solidFill>
-                  <a:schemeClr val="bg1"/>
-                </a:solidFill>
-                <a:latin typeface="微软雅黑" panose="020B0503020204020204" pitchFamily="34" charset="-122"/>
-                <a:ea typeface="微软雅黑" panose="020B0503020204020204" pitchFamily="34" charset="-122"/>
-              </a:rPr>
-              <a:t>1</a:t>
-            </a:r>
-            <a:endParaRPr lang="zh-CN" altLang="en-US" b="1" dirty="0">
-              <a:solidFill>
-                <a:schemeClr val="bg1"/>
-              </a:solidFill>
-              <a:latin typeface="微软雅黑" panose="020B0503020204020204" pitchFamily="34" charset="-122"/>
-              <a:ea typeface="微软雅黑" panose="020B0503020204020204" pitchFamily="34" charset="-122"/>
-            </a:endParaRPr>
-          </a:p>
-        </p:txBody>
-      </p:sp>
-      <p:cxnSp>
-        <p:nvCxnSpPr>
-          <p:cNvPr id="7" name="直接连接符 6"/>
-          <p:cNvCxnSpPr>
-            <a:stCxn id="4" idx="6"/>
-          </p:cNvCxnSpPr>
-          <p:nvPr/>
-        </p:nvCxnSpPr>
-        <p:spPr>
-          <a:xfrm>
-            <a:off x="2534033" y="1711215"/>
-            <a:ext cx="4500000" cy="0"/>
-          </a:xfrm>
-          <a:prstGeom prst="line">
-            <a:avLst/>
-          </a:prstGeom>
-          <a:ln>
-            <a:solidFill>
-              <a:schemeClr val="bg2"/>
-            </a:solidFill>
-          </a:ln>
-        </p:spPr>
-        <p:style>
-          <a:lnRef idx="1">
-            <a:schemeClr val="accent1"/>
-          </a:lnRef>
-          <a:fillRef idx="0">
-            <a:schemeClr val="accent1"/>
-          </a:fillRef>
-          <a:effectRef idx="0">
-            <a:schemeClr val="accent1"/>
-          </a:effectRef>
-          <a:fontRef idx="minor">
-            <a:schemeClr val="tx1"/>
-          </a:fontRef>
-        </p:style>
-      </p:cxnSp>
-      <p:sp>
-        <p:nvSpPr>
-          <p:cNvPr id="13" name="Freeform 10"/>
-          <p:cNvSpPr>
-            <a:spLocks/>
-          </p:cNvSpPr>
-          <p:nvPr userDrawn="1"/>
-        </p:nvSpPr>
-        <p:spPr bwMode="auto">
-          <a:xfrm>
-            <a:off x="1841535" y="2287330"/>
-            <a:ext cx="843427" cy="343858"/>
-          </a:xfrm>
-          <a:custGeom>
-            <a:avLst/>
-            <a:gdLst>
-              <a:gd name="T0" fmla="*/ 3120 w 3800"/>
-              <a:gd name="T1" fmla="*/ 0 h 1532"/>
-              <a:gd name="T2" fmla="*/ 682 w 3800"/>
-              <a:gd name="T3" fmla="*/ 0 h 1532"/>
-              <a:gd name="T4" fmla="*/ 682 w 3800"/>
-              <a:gd name="T5" fmla="*/ 284 h 1532"/>
-              <a:gd name="T6" fmla="*/ 0 w 3800"/>
-              <a:gd name="T7" fmla="*/ 766 h 1532"/>
-              <a:gd name="T8" fmla="*/ 682 w 3800"/>
-              <a:gd name="T9" fmla="*/ 1248 h 1532"/>
-              <a:gd name="T10" fmla="*/ 682 w 3800"/>
-              <a:gd name="T11" fmla="*/ 1532 h 1532"/>
-              <a:gd name="T12" fmla="*/ 3120 w 3800"/>
-              <a:gd name="T13" fmla="*/ 1532 h 1532"/>
-              <a:gd name="T14" fmla="*/ 3120 w 3800"/>
-              <a:gd name="T15" fmla="*/ 1248 h 1532"/>
-              <a:gd name="T16" fmla="*/ 3800 w 3800"/>
-              <a:gd name="T17" fmla="*/ 766 h 1532"/>
-              <a:gd name="T18" fmla="*/ 3120 w 3800"/>
-              <a:gd name="T19" fmla="*/ 284 h 1532"/>
-              <a:gd name="T20" fmla="*/ 3120 w 3800"/>
-              <a:gd name="T21" fmla="*/ 0 h 1532"/>
-            </a:gdLst>
-            <a:ahLst/>
-            <a:cxnLst>
-              <a:cxn ang="0">
-                <a:pos x="T0" y="T1"/>
-              </a:cxn>
-              <a:cxn ang="0">
-                <a:pos x="T2" y="T3"/>
-              </a:cxn>
-              <a:cxn ang="0">
-                <a:pos x="T4" y="T5"/>
-              </a:cxn>
-              <a:cxn ang="0">
-                <a:pos x="T6" y="T7"/>
-              </a:cxn>
-              <a:cxn ang="0">
-                <a:pos x="T8" y="T9"/>
-              </a:cxn>
-              <a:cxn ang="0">
-                <a:pos x="T10" y="T11"/>
-              </a:cxn>
-              <a:cxn ang="0">
-                <a:pos x="T12" y="T13"/>
-              </a:cxn>
-              <a:cxn ang="0">
-                <a:pos x="T14" y="T15"/>
-              </a:cxn>
-              <a:cxn ang="0">
-                <a:pos x="T16" y="T17"/>
-              </a:cxn>
-              <a:cxn ang="0">
-                <a:pos x="T18" y="T19"/>
-              </a:cxn>
-              <a:cxn ang="0">
-                <a:pos x="T20" y="T21"/>
-              </a:cxn>
-            </a:cxnLst>
-            <a:rect l="0" t="0" r="r" b="b"/>
-            <a:pathLst>
-              <a:path w="3800" h="1532">
-                <a:moveTo>
-                  <a:pt x="3120" y="0"/>
-                </a:moveTo>
-                <a:lnTo>
-                  <a:pt x="682" y="0"/>
-                </a:lnTo>
-                <a:lnTo>
-                  <a:pt x="682" y="284"/>
-                </a:lnTo>
-                <a:lnTo>
-                  <a:pt x="0" y="766"/>
-                </a:lnTo>
-                <a:lnTo>
-                  <a:pt x="682" y="1248"/>
-                </a:lnTo>
-                <a:lnTo>
-                  <a:pt x="682" y="1532"/>
-                </a:lnTo>
-                <a:lnTo>
-                  <a:pt x="3120" y="1532"/>
-                </a:lnTo>
-                <a:lnTo>
-                  <a:pt x="3120" y="1248"/>
-                </a:lnTo>
-                <a:lnTo>
-                  <a:pt x="3800" y="766"/>
-                </a:lnTo>
-                <a:lnTo>
-                  <a:pt x="3120" y="284"/>
-                </a:lnTo>
-                <a:lnTo>
-                  <a:pt x="3120" y="0"/>
-                </a:lnTo>
-                <a:close/>
-              </a:path>
-            </a:pathLst>
-          </a:custGeom>
-          <a:solidFill>
-            <a:schemeClr val="bg2"/>
-          </a:solidFill>
-          <a:ln>
-            <a:noFill/>
-          </a:ln>
-        </p:spPr>
-        <p:txBody>
-          <a:bodyPr vert="horz" wrap="square" lIns="91440" tIns="45720" rIns="91440" bIns="45720" numCol="1" anchor="ctr" anchorCtr="0" compatLnSpc="1">
-            <a:prstTxWarp prst="textNoShape">
-              <a:avLst/>
-            </a:prstTxWarp>
-            <a:noAutofit/>
-          </a:bodyPr>
-          <a:lstStyle/>
-          <a:p>
-            <a:pPr algn="ctr"/>
-            <a:endParaRPr lang="zh-CN" altLang="en-US" sz="3200" b="1"/>
-          </a:p>
-        </p:txBody>
-      </p:sp>
-      <p:sp>
-        <p:nvSpPr>
-          <p:cNvPr id="14" name="文本框 13"/>
-          <p:cNvSpPr txBox="1"/>
-          <p:nvPr userDrawn="1"/>
-        </p:nvSpPr>
-        <p:spPr>
-          <a:xfrm>
-            <a:off x="2071646" y="2223523"/>
-            <a:ext cx="383206" cy="443226"/>
-          </a:xfrm>
-          <a:prstGeom prst="rect">
-            <a:avLst/>
-          </a:prstGeom>
-          <a:noFill/>
-        </p:spPr>
-        <p:txBody>
-          <a:bodyPr wrap="none" rtlCol="0" anchor="ctr">
-            <a:noAutofit/>
-          </a:bodyPr>
-          <a:lstStyle/>
-          <a:p>
-            <a:pPr algn="ctr"/>
-            <a:r>
-              <a:rPr lang="en-US" altLang="zh-CN" b="1" dirty="0">
-                <a:solidFill>
-                  <a:schemeClr val="bg1"/>
-                </a:solidFill>
-                <a:latin typeface="微软雅黑" panose="020B0503020204020204" pitchFamily="34" charset="-122"/>
-                <a:ea typeface="微软雅黑" panose="020B0503020204020204" pitchFamily="34" charset="-122"/>
-              </a:rPr>
-              <a:t>2</a:t>
-            </a:r>
-            <a:endParaRPr lang="zh-CN" altLang="en-US" b="1" dirty="0">
-              <a:solidFill>
-                <a:schemeClr val="bg1"/>
-              </a:solidFill>
-              <a:latin typeface="微软雅黑" panose="020B0503020204020204" pitchFamily="34" charset="-122"/>
-              <a:ea typeface="微软雅黑" panose="020B0503020204020204" pitchFamily="34" charset="-122"/>
-            </a:endParaRPr>
-          </a:p>
-        </p:txBody>
-      </p:sp>
-      <p:cxnSp>
-        <p:nvCxnSpPr>
-          <p:cNvPr id="15" name="直接连接符 14"/>
-          <p:cNvCxnSpPr>
-            <a:stCxn id="13" idx="6"/>
-          </p:cNvCxnSpPr>
-          <p:nvPr/>
-        </p:nvCxnSpPr>
-        <p:spPr>
-          <a:xfrm>
-            <a:off x="2534033" y="2631188"/>
-            <a:ext cx="4500000" cy="0"/>
-          </a:xfrm>
-          <a:prstGeom prst="line">
-            <a:avLst/>
-          </a:prstGeom>
-          <a:ln>
-            <a:solidFill>
-              <a:schemeClr val="bg2"/>
-            </a:solidFill>
-          </a:ln>
-        </p:spPr>
-        <p:style>
-          <a:lnRef idx="1">
-            <a:schemeClr val="accent1"/>
-          </a:lnRef>
-          <a:fillRef idx="0">
-            <a:schemeClr val="accent1"/>
-          </a:fillRef>
-          <a:effectRef idx="0">
-            <a:schemeClr val="accent1"/>
-          </a:effectRef>
-          <a:fontRef idx="minor">
-            <a:schemeClr val="tx1"/>
-          </a:fontRef>
-        </p:style>
-      </p:cxnSp>
-      <p:sp>
-        <p:nvSpPr>
-          <p:cNvPr id="18" name="Freeform 10"/>
-          <p:cNvSpPr>
-            <a:spLocks/>
-          </p:cNvSpPr>
-          <p:nvPr userDrawn="1"/>
-        </p:nvSpPr>
-        <p:spPr bwMode="auto">
-          <a:xfrm>
-            <a:off x="1841535" y="3207303"/>
-            <a:ext cx="843427" cy="343858"/>
-          </a:xfrm>
-          <a:custGeom>
-            <a:avLst/>
-            <a:gdLst>
-              <a:gd name="T0" fmla="*/ 3120 w 3800"/>
-              <a:gd name="T1" fmla="*/ 0 h 1532"/>
-              <a:gd name="T2" fmla="*/ 682 w 3800"/>
-              <a:gd name="T3" fmla="*/ 0 h 1532"/>
-              <a:gd name="T4" fmla="*/ 682 w 3800"/>
-              <a:gd name="T5" fmla="*/ 284 h 1532"/>
-              <a:gd name="T6" fmla="*/ 0 w 3800"/>
-              <a:gd name="T7" fmla="*/ 766 h 1532"/>
-              <a:gd name="T8" fmla="*/ 682 w 3800"/>
-              <a:gd name="T9" fmla="*/ 1248 h 1532"/>
-              <a:gd name="T10" fmla="*/ 682 w 3800"/>
-              <a:gd name="T11" fmla="*/ 1532 h 1532"/>
-              <a:gd name="T12" fmla="*/ 3120 w 3800"/>
-              <a:gd name="T13" fmla="*/ 1532 h 1532"/>
-              <a:gd name="T14" fmla="*/ 3120 w 3800"/>
-              <a:gd name="T15" fmla="*/ 1248 h 1532"/>
-              <a:gd name="T16" fmla="*/ 3800 w 3800"/>
-              <a:gd name="T17" fmla="*/ 766 h 1532"/>
-              <a:gd name="T18" fmla="*/ 3120 w 3800"/>
-              <a:gd name="T19" fmla="*/ 284 h 1532"/>
-              <a:gd name="T20" fmla="*/ 3120 w 3800"/>
-              <a:gd name="T21" fmla="*/ 0 h 1532"/>
-            </a:gdLst>
-            <a:ahLst/>
-            <a:cxnLst>
-              <a:cxn ang="0">
-                <a:pos x="T0" y="T1"/>
-              </a:cxn>
-              <a:cxn ang="0">
-                <a:pos x="T2" y="T3"/>
-              </a:cxn>
-              <a:cxn ang="0">
-                <a:pos x="T4" y="T5"/>
-              </a:cxn>
-              <a:cxn ang="0">
-                <a:pos x="T6" y="T7"/>
-              </a:cxn>
-              <a:cxn ang="0">
-                <a:pos x="T8" y="T9"/>
-              </a:cxn>
-              <a:cxn ang="0">
-                <a:pos x="T10" y="T11"/>
-              </a:cxn>
-              <a:cxn ang="0">
-                <a:pos x="T12" y="T13"/>
-              </a:cxn>
-              <a:cxn ang="0">
-                <a:pos x="T14" y="T15"/>
-              </a:cxn>
-              <a:cxn ang="0">
-                <a:pos x="T16" y="T17"/>
-              </a:cxn>
-              <a:cxn ang="0">
-                <a:pos x="T18" y="T19"/>
-              </a:cxn>
-              <a:cxn ang="0">
-                <a:pos x="T20" y="T21"/>
-              </a:cxn>
-            </a:cxnLst>
-            <a:rect l="0" t="0" r="r" b="b"/>
-            <a:pathLst>
-              <a:path w="3800" h="1532">
-                <a:moveTo>
-                  <a:pt x="3120" y="0"/>
-                </a:moveTo>
-                <a:lnTo>
-                  <a:pt x="682" y="0"/>
-                </a:lnTo>
-                <a:lnTo>
-                  <a:pt x="682" y="284"/>
-                </a:lnTo>
-                <a:lnTo>
-                  <a:pt x="0" y="766"/>
-                </a:lnTo>
-                <a:lnTo>
-                  <a:pt x="682" y="1248"/>
-                </a:lnTo>
-                <a:lnTo>
-                  <a:pt x="682" y="1532"/>
-                </a:lnTo>
-                <a:lnTo>
-                  <a:pt x="3120" y="1532"/>
-                </a:lnTo>
-                <a:lnTo>
-                  <a:pt x="3120" y="1248"/>
-                </a:lnTo>
-                <a:lnTo>
-                  <a:pt x="3800" y="766"/>
-                </a:lnTo>
-                <a:lnTo>
-                  <a:pt x="3120" y="284"/>
-                </a:lnTo>
-                <a:lnTo>
-                  <a:pt x="3120" y="0"/>
-                </a:lnTo>
-                <a:close/>
-              </a:path>
-            </a:pathLst>
-          </a:custGeom>
-          <a:solidFill>
-            <a:schemeClr val="accent1"/>
-          </a:solidFill>
-          <a:ln>
-            <a:noFill/>
-          </a:ln>
-        </p:spPr>
-        <p:txBody>
-          <a:bodyPr vert="horz" wrap="square" lIns="91440" tIns="45720" rIns="91440" bIns="45720" numCol="1" anchor="ctr" anchorCtr="0" compatLnSpc="1">
-            <a:prstTxWarp prst="textNoShape">
-              <a:avLst/>
-            </a:prstTxWarp>
-            <a:noAutofit/>
-          </a:bodyPr>
-          <a:lstStyle/>
-          <a:p>
-            <a:pPr algn="ctr"/>
-            <a:endParaRPr lang="zh-CN" altLang="en-US" sz="3200" b="1"/>
-          </a:p>
-        </p:txBody>
-      </p:sp>
-      <p:sp>
-        <p:nvSpPr>
-          <p:cNvPr id="19" name="文本框 18"/>
-          <p:cNvSpPr txBox="1"/>
-          <p:nvPr userDrawn="1"/>
-        </p:nvSpPr>
-        <p:spPr>
-          <a:xfrm>
-            <a:off x="2071646" y="3143496"/>
-            <a:ext cx="383206" cy="443226"/>
-          </a:xfrm>
-          <a:prstGeom prst="rect">
-            <a:avLst/>
-          </a:prstGeom>
-          <a:noFill/>
-        </p:spPr>
-        <p:txBody>
-          <a:bodyPr wrap="none" rtlCol="0" anchor="ctr">
-            <a:noAutofit/>
-          </a:bodyPr>
-          <a:lstStyle/>
-          <a:p>
-            <a:pPr algn="ctr"/>
-            <a:r>
-              <a:rPr lang="en-US" altLang="zh-CN" b="1" dirty="0">
-                <a:solidFill>
-                  <a:schemeClr val="bg1"/>
-                </a:solidFill>
-                <a:latin typeface="微软雅黑" panose="020B0503020204020204" pitchFamily="34" charset="-122"/>
-                <a:ea typeface="微软雅黑" panose="020B0503020204020204" pitchFamily="34" charset="-122"/>
-              </a:rPr>
-              <a:t>3</a:t>
-            </a:r>
-            <a:endParaRPr lang="zh-CN" altLang="en-US" b="1" dirty="0">
-              <a:solidFill>
-                <a:schemeClr val="bg1"/>
-              </a:solidFill>
-              <a:latin typeface="微软雅黑" panose="020B0503020204020204" pitchFamily="34" charset="-122"/>
-              <a:ea typeface="微软雅黑" panose="020B0503020204020204" pitchFamily="34" charset="-122"/>
-            </a:endParaRPr>
-          </a:p>
-        </p:txBody>
-      </p:sp>
-      <p:cxnSp>
-        <p:nvCxnSpPr>
-          <p:cNvPr id="20" name="直接连接符 19"/>
-          <p:cNvCxnSpPr>
-            <a:stCxn id="18" idx="6"/>
-          </p:cNvCxnSpPr>
-          <p:nvPr/>
-        </p:nvCxnSpPr>
-        <p:spPr>
-          <a:xfrm>
-            <a:off x="2534033" y="3551161"/>
-            <a:ext cx="4500000" cy="0"/>
-          </a:xfrm>
-          <a:prstGeom prst="line">
-            <a:avLst/>
-          </a:prstGeom>
-          <a:ln>
-            <a:solidFill>
-              <a:schemeClr val="accent1"/>
-            </a:solidFill>
-          </a:ln>
-        </p:spPr>
-        <p:style>
-          <a:lnRef idx="1">
-            <a:schemeClr val="accent1"/>
-          </a:lnRef>
-          <a:fillRef idx="0">
-            <a:schemeClr val="accent1"/>
-          </a:fillRef>
-          <a:effectRef idx="0">
-            <a:schemeClr val="accent1"/>
-          </a:effectRef>
-          <a:fontRef idx="minor">
-            <a:schemeClr val="tx1"/>
-          </a:fontRef>
-        </p:style>
-      </p:cxnSp>
-      <p:sp>
-        <p:nvSpPr>
-          <p:cNvPr id="23" name="Freeform 10"/>
-          <p:cNvSpPr>
-            <a:spLocks/>
-          </p:cNvSpPr>
-          <p:nvPr userDrawn="1"/>
-        </p:nvSpPr>
-        <p:spPr bwMode="auto">
-          <a:xfrm>
-            <a:off x="1841535" y="4127276"/>
-            <a:ext cx="843427" cy="343858"/>
-          </a:xfrm>
-          <a:custGeom>
-            <a:avLst/>
-            <a:gdLst>
-              <a:gd name="T0" fmla="*/ 3120 w 3800"/>
-              <a:gd name="T1" fmla="*/ 0 h 1532"/>
-              <a:gd name="T2" fmla="*/ 682 w 3800"/>
-              <a:gd name="T3" fmla="*/ 0 h 1532"/>
-              <a:gd name="T4" fmla="*/ 682 w 3800"/>
-              <a:gd name="T5" fmla="*/ 284 h 1532"/>
-              <a:gd name="T6" fmla="*/ 0 w 3800"/>
-              <a:gd name="T7" fmla="*/ 766 h 1532"/>
-              <a:gd name="T8" fmla="*/ 682 w 3800"/>
-              <a:gd name="T9" fmla="*/ 1248 h 1532"/>
-              <a:gd name="T10" fmla="*/ 682 w 3800"/>
-              <a:gd name="T11" fmla="*/ 1532 h 1532"/>
-              <a:gd name="T12" fmla="*/ 3120 w 3800"/>
-              <a:gd name="T13" fmla="*/ 1532 h 1532"/>
-              <a:gd name="T14" fmla="*/ 3120 w 3800"/>
-              <a:gd name="T15" fmla="*/ 1248 h 1532"/>
-              <a:gd name="T16" fmla="*/ 3800 w 3800"/>
-              <a:gd name="T17" fmla="*/ 766 h 1532"/>
-              <a:gd name="T18" fmla="*/ 3120 w 3800"/>
-              <a:gd name="T19" fmla="*/ 284 h 1532"/>
-              <a:gd name="T20" fmla="*/ 3120 w 3800"/>
-              <a:gd name="T21" fmla="*/ 0 h 1532"/>
-            </a:gdLst>
-            <a:ahLst/>
-            <a:cxnLst>
-              <a:cxn ang="0">
-                <a:pos x="T0" y="T1"/>
-              </a:cxn>
-              <a:cxn ang="0">
-                <a:pos x="T2" y="T3"/>
-              </a:cxn>
-              <a:cxn ang="0">
-                <a:pos x="T4" y="T5"/>
-              </a:cxn>
-              <a:cxn ang="0">
-                <a:pos x="T6" y="T7"/>
-              </a:cxn>
-              <a:cxn ang="0">
-                <a:pos x="T8" y="T9"/>
-              </a:cxn>
-              <a:cxn ang="0">
-                <a:pos x="T10" y="T11"/>
-              </a:cxn>
-              <a:cxn ang="0">
-                <a:pos x="T12" y="T13"/>
-              </a:cxn>
-              <a:cxn ang="0">
-                <a:pos x="T14" y="T15"/>
-              </a:cxn>
-              <a:cxn ang="0">
-                <a:pos x="T16" y="T17"/>
-              </a:cxn>
-              <a:cxn ang="0">
-                <a:pos x="T18" y="T19"/>
-              </a:cxn>
-              <a:cxn ang="0">
-                <a:pos x="T20" y="T21"/>
-              </a:cxn>
-            </a:cxnLst>
-            <a:rect l="0" t="0" r="r" b="b"/>
-            <a:pathLst>
-              <a:path w="3800" h="1532">
-                <a:moveTo>
-                  <a:pt x="3120" y="0"/>
-                </a:moveTo>
-                <a:lnTo>
-                  <a:pt x="682" y="0"/>
-                </a:lnTo>
-                <a:lnTo>
-                  <a:pt x="682" y="284"/>
-                </a:lnTo>
-                <a:lnTo>
-                  <a:pt x="0" y="766"/>
-                </a:lnTo>
-                <a:lnTo>
-                  <a:pt x="682" y="1248"/>
-                </a:lnTo>
-                <a:lnTo>
-                  <a:pt x="682" y="1532"/>
-                </a:lnTo>
-                <a:lnTo>
-                  <a:pt x="3120" y="1532"/>
-                </a:lnTo>
-                <a:lnTo>
-                  <a:pt x="3120" y="1248"/>
-                </a:lnTo>
-                <a:lnTo>
-                  <a:pt x="3800" y="766"/>
-                </a:lnTo>
-                <a:lnTo>
-                  <a:pt x="3120" y="284"/>
-                </a:lnTo>
-                <a:lnTo>
-                  <a:pt x="3120" y="0"/>
-                </a:lnTo>
-                <a:close/>
-              </a:path>
-            </a:pathLst>
-          </a:custGeom>
-          <a:solidFill>
-            <a:schemeClr val="bg2"/>
-          </a:solidFill>
-          <a:ln>
-            <a:noFill/>
-          </a:ln>
-        </p:spPr>
-        <p:txBody>
-          <a:bodyPr vert="horz" wrap="square" lIns="91440" tIns="45720" rIns="91440" bIns="45720" numCol="1" anchor="ctr" anchorCtr="0" compatLnSpc="1">
-            <a:prstTxWarp prst="textNoShape">
-              <a:avLst/>
-            </a:prstTxWarp>
-            <a:noAutofit/>
-          </a:bodyPr>
-          <a:lstStyle/>
-          <a:p>
-            <a:pPr algn="ctr"/>
-            <a:endParaRPr lang="zh-CN" altLang="en-US" sz="3200" b="1"/>
-          </a:p>
-        </p:txBody>
-      </p:sp>
-      <p:sp>
-        <p:nvSpPr>
-          <p:cNvPr id="24" name="文本框 23"/>
-          <p:cNvSpPr txBox="1"/>
-          <p:nvPr userDrawn="1"/>
-        </p:nvSpPr>
-        <p:spPr>
-          <a:xfrm>
-            <a:off x="2071646" y="4063469"/>
-            <a:ext cx="383206" cy="443226"/>
-          </a:xfrm>
-          <a:prstGeom prst="rect">
-            <a:avLst/>
-          </a:prstGeom>
-          <a:noFill/>
-        </p:spPr>
-        <p:txBody>
-          <a:bodyPr wrap="none" rtlCol="0" anchor="ctr">
-            <a:noAutofit/>
-          </a:bodyPr>
-          <a:lstStyle/>
-          <a:p>
-            <a:pPr algn="ctr"/>
-            <a:r>
-              <a:rPr lang="en-US" altLang="zh-CN" b="1" dirty="0">
-                <a:solidFill>
-                  <a:schemeClr val="bg1"/>
-                </a:solidFill>
-                <a:latin typeface="微软雅黑" panose="020B0503020204020204" pitchFamily="34" charset="-122"/>
-                <a:ea typeface="微软雅黑" panose="020B0503020204020204" pitchFamily="34" charset="-122"/>
-              </a:rPr>
-              <a:t>4</a:t>
-            </a:r>
-            <a:endParaRPr lang="zh-CN" altLang="en-US" b="1" dirty="0">
-              <a:solidFill>
-                <a:schemeClr val="bg1"/>
-              </a:solidFill>
-              <a:latin typeface="微软雅黑" panose="020B0503020204020204" pitchFamily="34" charset="-122"/>
-              <a:ea typeface="微软雅黑" panose="020B0503020204020204" pitchFamily="34" charset="-122"/>
-            </a:endParaRPr>
-          </a:p>
-        </p:txBody>
-      </p:sp>
-      <p:cxnSp>
-        <p:nvCxnSpPr>
-          <p:cNvPr id="25" name="直接连接符 24"/>
-          <p:cNvCxnSpPr>
-            <a:stCxn id="23" idx="6"/>
-          </p:cNvCxnSpPr>
-          <p:nvPr/>
-        </p:nvCxnSpPr>
-        <p:spPr>
-          <a:xfrm>
-            <a:off x="2534033" y="4471134"/>
-            <a:ext cx="4500000" cy="0"/>
-          </a:xfrm>
-          <a:prstGeom prst="line">
-            <a:avLst/>
-          </a:prstGeom>
-          <a:ln>
-            <a:solidFill>
-              <a:schemeClr val="bg2"/>
-            </a:solidFill>
-          </a:ln>
-        </p:spPr>
-        <p:style>
-          <a:lnRef idx="1">
-            <a:schemeClr val="accent1"/>
-          </a:lnRef>
-          <a:fillRef idx="0">
-            <a:schemeClr val="accent1"/>
-          </a:fillRef>
-          <a:effectRef idx="0">
-            <a:schemeClr val="accent1"/>
-          </a:effectRef>
-          <a:fontRef idx="minor">
-            <a:schemeClr val="tx1"/>
-          </a:fontRef>
-        </p:style>
-      </p:cxnSp>
-      <p:sp>
-        <p:nvSpPr>
-          <p:cNvPr id="33" name="Freeform 10"/>
-          <p:cNvSpPr>
-            <a:spLocks/>
-          </p:cNvSpPr>
-          <p:nvPr userDrawn="1"/>
-        </p:nvSpPr>
-        <p:spPr bwMode="auto">
-          <a:xfrm>
-            <a:off x="1841535" y="5047251"/>
-            <a:ext cx="843427" cy="343858"/>
-          </a:xfrm>
-          <a:custGeom>
-            <a:avLst/>
-            <a:gdLst>
-              <a:gd name="T0" fmla="*/ 3120 w 3800"/>
-              <a:gd name="T1" fmla="*/ 0 h 1532"/>
-              <a:gd name="T2" fmla="*/ 682 w 3800"/>
-              <a:gd name="T3" fmla="*/ 0 h 1532"/>
-              <a:gd name="T4" fmla="*/ 682 w 3800"/>
-              <a:gd name="T5" fmla="*/ 284 h 1532"/>
-              <a:gd name="T6" fmla="*/ 0 w 3800"/>
-              <a:gd name="T7" fmla="*/ 766 h 1532"/>
-              <a:gd name="T8" fmla="*/ 682 w 3800"/>
-              <a:gd name="T9" fmla="*/ 1248 h 1532"/>
-              <a:gd name="T10" fmla="*/ 682 w 3800"/>
-              <a:gd name="T11" fmla="*/ 1532 h 1532"/>
-              <a:gd name="T12" fmla="*/ 3120 w 3800"/>
-              <a:gd name="T13" fmla="*/ 1532 h 1532"/>
-              <a:gd name="T14" fmla="*/ 3120 w 3800"/>
-              <a:gd name="T15" fmla="*/ 1248 h 1532"/>
-              <a:gd name="T16" fmla="*/ 3800 w 3800"/>
-              <a:gd name="T17" fmla="*/ 766 h 1532"/>
-              <a:gd name="T18" fmla="*/ 3120 w 3800"/>
-              <a:gd name="T19" fmla="*/ 284 h 1532"/>
-              <a:gd name="T20" fmla="*/ 3120 w 3800"/>
-              <a:gd name="T21" fmla="*/ 0 h 1532"/>
-            </a:gdLst>
-            <a:ahLst/>
-            <a:cxnLst>
-              <a:cxn ang="0">
-                <a:pos x="T0" y="T1"/>
-              </a:cxn>
-              <a:cxn ang="0">
-                <a:pos x="T2" y="T3"/>
-              </a:cxn>
-              <a:cxn ang="0">
-                <a:pos x="T4" y="T5"/>
-              </a:cxn>
-              <a:cxn ang="0">
-                <a:pos x="T6" y="T7"/>
-              </a:cxn>
-              <a:cxn ang="0">
-                <a:pos x="T8" y="T9"/>
-              </a:cxn>
-              <a:cxn ang="0">
-                <a:pos x="T10" y="T11"/>
-              </a:cxn>
-              <a:cxn ang="0">
-                <a:pos x="T12" y="T13"/>
-              </a:cxn>
-              <a:cxn ang="0">
-                <a:pos x="T14" y="T15"/>
-              </a:cxn>
-              <a:cxn ang="0">
-                <a:pos x="T16" y="T17"/>
-              </a:cxn>
-              <a:cxn ang="0">
-                <a:pos x="T18" y="T19"/>
-              </a:cxn>
-              <a:cxn ang="0">
-                <a:pos x="T20" y="T21"/>
-              </a:cxn>
-            </a:cxnLst>
-            <a:rect l="0" t="0" r="r" b="b"/>
-            <a:pathLst>
-              <a:path w="3800" h="1532">
-                <a:moveTo>
-                  <a:pt x="3120" y="0"/>
-                </a:moveTo>
-                <a:lnTo>
-                  <a:pt x="682" y="0"/>
-                </a:lnTo>
-                <a:lnTo>
-                  <a:pt x="682" y="284"/>
-                </a:lnTo>
-                <a:lnTo>
-                  <a:pt x="0" y="766"/>
-                </a:lnTo>
-                <a:lnTo>
-                  <a:pt x="682" y="1248"/>
-                </a:lnTo>
-                <a:lnTo>
-                  <a:pt x="682" y="1532"/>
-                </a:lnTo>
-                <a:lnTo>
-                  <a:pt x="3120" y="1532"/>
-                </a:lnTo>
-                <a:lnTo>
-                  <a:pt x="3120" y="1248"/>
-                </a:lnTo>
-                <a:lnTo>
-                  <a:pt x="3800" y="766"/>
-                </a:lnTo>
-                <a:lnTo>
-                  <a:pt x="3120" y="284"/>
-                </a:lnTo>
-                <a:lnTo>
-                  <a:pt x="3120" y="0"/>
-                </a:lnTo>
-                <a:close/>
-              </a:path>
-            </a:pathLst>
-          </a:custGeom>
-          <a:solidFill>
-            <a:schemeClr val="bg2"/>
-          </a:solidFill>
-          <a:ln>
-            <a:noFill/>
-          </a:ln>
-        </p:spPr>
-        <p:txBody>
-          <a:bodyPr vert="horz" wrap="square" lIns="91440" tIns="45720" rIns="91440" bIns="45720" numCol="1" anchor="ctr" anchorCtr="0" compatLnSpc="1">
-            <a:prstTxWarp prst="textNoShape">
-              <a:avLst/>
-            </a:prstTxWarp>
-            <a:noAutofit/>
-          </a:bodyPr>
-          <a:lstStyle/>
-          <a:p>
-            <a:pPr algn="ctr"/>
-            <a:endParaRPr lang="zh-CN" altLang="en-US" sz="3200" b="1"/>
-          </a:p>
-        </p:txBody>
-      </p:sp>
-      <p:sp>
-        <p:nvSpPr>
-          <p:cNvPr id="34" name="文本框 33"/>
-          <p:cNvSpPr txBox="1"/>
-          <p:nvPr userDrawn="1"/>
-        </p:nvSpPr>
-        <p:spPr>
-          <a:xfrm>
-            <a:off x="2071646" y="4983444"/>
-            <a:ext cx="383206" cy="443226"/>
-          </a:xfrm>
-          <a:prstGeom prst="rect">
-            <a:avLst/>
-          </a:prstGeom>
-          <a:noFill/>
-        </p:spPr>
-        <p:txBody>
-          <a:bodyPr wrap="none" rtlCol="0" anchor="ctr">
-            <a:noAutofit/>
-          </a:bodyPr>
-          <a:lstStyle/>
-          <a:p>
-            <a:pPr algn="ctr"/>
-            <a:r>
-              <a:rPr lang="en-US" altLang="zh-CN" b="1" dirty="0">
-                <a:solidFill>
-                  <a:schemeClr val="bg1"/>
-                </a:solidFill>
-                <a:latin typeface="微软雅黑" panose="020B0503020204020204" pitchFamily="34" charset="-122"/>
-                <a:ea typeface="微软雅黑" panose="020B0503020204020204" pitchFamily="34" charset="-122"/>
-              </a:rPr>
-              <a:t>5</a:t>
-            </a:r>
-            <a:endParaRPr lang="zh-CN" altLang="en-US" b="1" dirty="0">
-              <a:solidFill>
-                <a:schemeClr val="bg1"/>
-              </a:solidFill>
-              <a:latin typeface="微软雅黑" panose="020B0503020204020204" pitchFamily="34" charset="-122"/>
-              <a:ea typeface="微软雅黑" panose="020B0503020204020204" pitchFamily="34" charset="-122"/>
-            </a:endParaRPr>
-          </a:p>
-        </p:txBody>
-      </p:sp>
-      <p:cxnSp>
-        <p:nvCxnSpPr>
-          <p:cNvPr id="35" name="直接连接符 34"/>
-          <p:cNvCxnSpPr>
-            <a:stCxn id="33" idx="6"/>
-          </p:cNvCxnSpPr>
-          <p:nvPr/>
-        </p:nvCxnSpPr>
-        <p:spPr>
-          <a:xfrm>
-            <a:off x="2534033" y="5391109"/>
-            <a:ext cx="4500000" cy="0"/>
-          </a:xfrm>
-          <a:prstGeom prst="line">
-            <a:avLst/>
-          </a:prstGeom>
-          <a:ln>
-            <a:solidFill>
-              <a:schemeClr val="bg2"/>
-            </a:solidFill>
-          </a:ln>
-        </p:spPr>
-        <p:style>
-          <a:lnRef idx="1">
-            <a:schemeClr val="accent1"/>
-          </a:lnRef>
-          <a:fillRef idx="0">
-            <a:schemeClr val="accent1"/>
-          </a:fillRef>
-          <a:effectRef idx="0">
-            <a:schemeClr val="accent1"/>
-          </a:effectRef>
-          <a:fontRef idx="minor">
-            <a:schemeClr val="tx1"/>
-          </a:fontRef>
-        </p:style>
-      </p:cxnSp>
-      <p:sp>
-        <p:nvSpPr>
-          <p:cNvPr id="27" name="文本框 26">
-            <a:extLst>
-              <a:ext uri="{FF2B5EF4-FFF2-40B4-BE49-F238E27FC236}">
-                <a16:creationId xmlns:a16="http://schemas.microsoft.com/office/drawing/2014/main" id="{C293F93C-C1A3-439F-A262-E1905B2857D9}"/>
-              </a:ext>
-            </a:extLst>
-          </p:cNvPr>
-          <p:cNvSpPr txBox="1"/>
-          <p:nvPr/>
-        </p:nvSpPr>
-        <p:spPr>
-          <a:xfrm>
-            <a:off x="2915072" y="1274734"/>
-            <a:ext cx="6125295" cy="461665"/>
-          </a:xfrm>
-          <a:prstGeom prst="rect">
-            <a:avLst/>
-          </a:prstGeom>
-          <a:noFill/>
-        </p:spPr>
-        <p:txBody>
-          <a:bodyPr wrap="square" rtlCol="0">
-            <a:spAutoFit/>
-          </a:bodyPr>
-          <a:lstStyle/>
-          <a:p>
-            <a:r>
-              <a:rPr lang="en-GB" altLang="zh-CN" sz="2400" dirty="0" err="1"/>
-              <a:t>NPoS</a:t>
-            </a:r>
-            <a:r>
-              <a:rPr lang="en-GB" altLang="zh-CN" sz="2400" dirty="0"/>
-              <a:t> and Validator election</a:t>
-            </a:r>
-            <a:endParaRPr lang="zh-CN" altLang="en-US" sz="2400" dirty="0"/>
-          </a:p>
-        </p:txBody>
-      </p:sp>
-      <p:sp>
-        <p:nvSpPr>
-          <p:cNvPr id="28" name="文本框 27">
-            <a:extLst>
-              <a:ext uri="{FF2B5EF4-FFF2-40B4-BE49-F238E27FC236}">
-                <a16:creationId xmlns:a16="http://schemas.microsoft.com/office/drawing/2014/main" id="{99EAB6ED-066D-4735-9417-28930BB854F6}"/>
-              </a:ext>
-            </a:extLst>
-          </p:cNvPr>
-          <p:cNvSpPr txBox="1"/>
-          <p:nvPr/>
-        </p:nvSpPr>
-        <p:spPr>
-          <a:xfrm>
-            <a:off x="2915073" y="2194707"/>
-            <a:ext cx="4387392" cy="461665"/>
-          </a:xfrm>
-          <a:prstGeom prst="rect">
-            <a:avLst/>
-          </a:prstGeom>
-          <a:noFill/>
-        </p:spPr>
-        <p:txBody>
-          <a:bodyPr wrap="square" rtlCol="0">
-            <a:spAutoFit/>
-          </a:bodyPr>
-          <a:lstStyle/>
-          <a:p>
-            <a:r>
-              <a:rPr lang="en-US" altLang="zh-CN" sz="2400" dirty="0">
-                <a:solidFill>
-                  <a:schemeClr val="tx1">
-                    <a:lumMod val="75000"/>
-                    <a:lumOff val="25000"/>
-                  </a:schemeClr>
-                </a:solidFill>
-              </a:rPr>
-              <a:t>Relay Chain State Machine</a:t>
-            </a:r>
-            <a:endParaRPr lang="zh-CN" altLang="en-US" sz="2400" dirty="0">
-              <a:solidFill>
-                <a:schemeClr val="tx1">
-                  <a:lumMod val="75000"/>
-                  <a:lumOff val="25000"/>
-                </a:schemeClr>
-              </a:solidFill>
-            </a:endParaRPr>
-          </a:p>
-        </p:txBody>
-      </p:sp>
-      <p:sp>
-        <p:nvSpPr>
-          <p:cNvPr id="29" name="文本框 28">
-            <a:extLst>
-              <a:ext uri="{FF2B5EF4-FFF2-40B4-BE49-F238E27FC236}">
-                <a16:creationId xmlns:a16="http://schemas.microsoft.com/office/drawing/2014/main" id="{8FBC93C7-C074-4E41-BD1E-A1FC8D2C52AD}"/>
-              </a:ext>
-            </a:extLst>
-          </p:cNvPr>
-          <p:cNvSpPr txBox="1"/>
-          <p:nvPr/>
-        </p:nvSpPr>
-        <p:spPr>
-          <a:xfrm>
-            <a:off x="2915073" y="3114680"/>
-            <a:ext cx="4387392" cy="461665"/>
-          </a:xfrm>
-          <a:prstGeom prst="rect">
-            <a:avLst/>
-          </a:prstGeom>
-          <a:noFill/>
-        </p:spPr>
-        <p:txBody>
-          <a:bodyPr wrap="square" rtlCol="0">
-            <a:spAutoFit/>
-          </a:bodyPr>
-          <a:lstStyle/>
-          <a:p>
-            <a:r>
-              <a:rPr lang="en-US" altLang="zh-CN" sz="2400" dirty="0"/>
-              <a:t>Consensus</a:t>
-            </a:r>
-          </a:p>
-        </p:txBody>
-      </p:sp>
-      <p:sp>
-        <p:nvSpPr>
-          <p:cNvPr id="30" name="文本框 29">
-            <a:extLst>
-              <a:ext uri="{FF2B5EF4-FFF2-40B4-BE49-F238E27FC236}">
-                <a16:creationId xmlns:a16="http://schemas.microsoft.com/office/drawing/2014/main" id="{5929A1A1-8BEE-485E-AEA4-46D245D14C99}"/>
-              </a:ext>
-            </a:extLst>
-          </p:cNvPr>
-          <p:cNvSpPr txBox="1"/>
-          <p:nvPr/>
-        </p:nvSpPr>
-        <p:spPr>
-          <a:xfrm>
-            <a:off x="2915073" y="4034653"/>
-            <a:ext cx="4387392" cy="461665"/>
-          </a:xfrm>
-          <a:prstGeom prst="rect">
-            <a:avLst/>
-          </a:prstGeom>
-          <a:noFill/>
-        </p:spPr>
-        <p:txBody>
-          <a:bodyPr wrap="square" rtlCol="0">
-            <a:spAutoFit/>
-          </a:bodyPr>
-          <a:lstStyle/>
-          <a:p>
-            <a:r>
-              <a:rPr lang="en-US" altLang="zh-CN" sz="2400" dirty="0" err="1"/>
-              <a:t>Parachains</a:t>
-            </a:r>
-            <a:endParaRPr lang="zh-CN" altLang="en-US" sz="2400" dirty="0"/>
-          </a:p>
-        </p:txBody>
-      </p:sp>
-      <p:sp>
-        <p:nvSpPr>
-          <p:cNvPr id="31" name="文本框 30">
-            <a:extLst>
-              <a:ext uri="{FF2B5EF4-FFF2-40B4-BE49-F238E27FC236}">
-                <a16:creationId xmlns:a16="http://schemas.microsoft.com/office/drawing/2014/main" id="{4B1788CD-ACAF-4A8E-BDE5-F7C5AF27E736}"/>
-              </a:ext>
-            </a:extLst>
-          </p:cNvPr>
-          <p:cNvSpPr txBox="1"/>
-          <p:nvPr/>
-        </p:nvSpPr>
-        <p:spPr>
-          <a:xfrm>
-            <a:off x="2915073" y="4954628"/>
-            <a:ext cx="5137744" cy="461665"/>
-          </a:xfrm>
-          <a:prstGeom prst="rect">
-            <a:avLst/>
-          </a:prstGeom>
-          <a:noFill/>
-        </p:spPr>
-        <p:txBody>
-          <a:bodyPr wrap="square" rtlCol="0">
-            <a:spAutoFit/>
-          </a:bodyPr>
-          <a:lstStyle/>
-          <a:p>
-            <a:r>
-              <a:rPr lang="en-US" altLang="zh-CN" sz="2400" dirty="0"/>
-              <a:t>Economics, Incentive and Governance</a:t>
-            </a:r>
-            <a:endParaRPr lang="zh-CN" altLang="en-US" sz="2400" dirty="0"/>
+              <a:rPr lang="en-US" altLang="zh-CN" dirty="0"/>
+              <a:t>Relay Chain protocol: A state machine</a:t>
+            </a:r>
+            <a:endParaRPr lang="zh-CN" altLang="en-US" dirty="0"/>
           </a:p>
         </p:txBody>
       </p:sp>
     </p:spTree>
     <p:extLst>
       <p:ext uri="{BB962C8B-B14F-4D97-AF65-F5344CB8AC3E}">
-        <p14:creationId xmlns:p14="http://schemas.microsoft.com/office/powerpoint/2010/main" val="2473960281"/>
+        <p14:creationId xmlns:p14="http://schemas.microsoft.com/office/powerpoint/2010/main" val="3389679380"/>
       </p:ext>
     </p:extLst>
   </p:cSld>
@@ -14013,6 +12915,1351 @@
       </p:grpSpPr>
       <p:sp>
         <p:nvSpPr>
+          <p:cNvPr id="2" name="标题 1"/>
+          <p:cNvSpPr>
+            <a:spLocks noGrp="1"/>
+          </p:cNvSpPr>
+          <p:nvPr>
+            <p:ph type="title"/>
+          </p:nvPr>
+        </p:nvSpPr>
+        <p:spPr/>
+        <p:txBody>
+          <a:bodyPr>
+            <a:normAutofit fontScale="90000"/>
+          </a:bodyPr>
+          <a:lstStyle/>
+          <a:p>
+            <a:r>
+              <a:rPr lang="zh-CN" altLang="en-US" dirty="0">
+                <a:latin typeface="微软雅黑" panose="020B0503020204020204" pitchFamily="34" charset="-122"/>
+                <a:ea typeface="微软雅黑" panose="020B0503020204020204" pitchFamily="34" charset="-122"/>
+              </a:rPr>
+              <a:t>目录 </a:t>
+            </a:r>
+            <a:r>
+              <a:rPr lang="en-US" altLang="zh-CN" dirty="0">
+                <a:latin typeface="微软雅黑" panose="020B0503020204020204" pitchFamily="34" charset="-122"/>
+                <a:ea typeface="微软雅黑" panose="020B0503020204020204" pitchFamily="34" charset="-122"/>
+              </a:rPr>
+              <a:t>Contents</a:t>
+            </a:r>
+            <a:endParaRPr lang="zh-CN" altLang="en-US" dirty="0">
+              <a:latin typeface="微软雅黑" panose="020B0503020204020204" pitchFamily="34" charset="-122"/>
+              <a:ea typeface="微软雅黑" panose="020B0503020204020204" pitchFamily="34" charset="-122"/>
+            </a:endParaRPr>
+          </a:p>
+        </p:txBody>
+      </p:sp>
+      <p:sp>
+        <p:nvSpPr>
+          <p:cNvPr id="4" name="Freeform 10"/>
+          <p:cNvSpPr>
+            <a:spLocks/>
+          </p:cNvSpPr>
+          <p:nvPr userDrawn="1"/>
+        </p:nvSpPr>
+        <p:spPr bwMode="auto">
+          <a:xfrm>
+            <a:off x="1841535" y="1367357"/>
+            <a:ext cx="843427" cy="343858"/>
+          </a:xfrm>
+          <a:custGeom>
+            <a:avLst/>
+            <a:gdLst>
+              <a:gd name="T0" fmla="*/ 3120 w 3800"/>
+              <a:gd name="T1" fmla="*/ 0 h 1532"/>
+              <a:gd name="T2" fmla="*/ 682 w 3800"/>
+              <a:gd name="T3" fmla="*/ 0 h 1532"/>
+              <a:gd name="T4" fmla="*/ 682 w 3800"/>
+              <a:gd name="T5" fmla="*/ 284 h 1532"/>
+              <a:gd name="T6" fmla="*/ 0 w 3800"/>
+              <a:gd name="T7" fmla="*/ 766 h 1532"/>
+              <a:gd name="T8" fmla="*/ 682 w 3800"/>
+              <a:gd name="T9" fmla="*/ 1248 h 1532"/>
+              <a:gd name="T10" fmla="*/ 682 w 3800"/>
+              <a:gd name="T11" fmla="*/ 1532 h 1532"/>
+              <a:gd name="T12" fmla="*/ 3120 w 3800"/>
+              <a:gd name="T13" fmla="*/ 1532 h 1532"/>
+              <a:gd name="T14" fmla="*/ 3120 w 3800"/>
+              <a:gd name="T15" fmla="*/ 1248 h 1532"/>
+              <a:gd name="T16" fmla="*/ 3800 w 3800"/>
+              <a:gd name="T17" fmla="*/ 766 h 1532"/>
+              <a:gd name="T18" fmla="*/ 3120 w 3800"/>
+              <a:gd name="T19" fmla="*/ 284 h 1532"/>
+              <a:gd name="T20" fmla="*/ 3120 w 3800"/>
+              <a:gd name="T21" fmla="*/ 0 h 1532"/>
+            </a:gdLst>
+            <a:ahLst/>
+            <a:cxnLst>
+              <a:cxn ang="0">
+                <a:pos x="T0" y="T1"/>
+              </a:cxn>
+              <a:cxn ang="0">
+                <a:pos x="T2" y="T3"/>
+              </a:cxn>
+              <a:cxn ang="0">
+                <a:pos x="T4" y="T5"/>
+              </a:cxn>
+              <a:cxn ang="0">
+                <a:pos x="T6" y="T7"/>
+              </a:cxn>
+              <a:cxn ang="0">
+                <a:pos x="T8" y="T9"/>
+              </a:cxn>
+              <a:cxn ang="0">
+                <a:pos x="T10" y="T11"/>
+              </a:cxn>
+              <a:cxn ang="0">
+                <a:pos x="T12" y="T13"/>
+              </a:cxn>
+              <a:cxn ang="0">
+                <a:pos x="T14" y="T15"/>
+              </a:cxn>
+              <a:cxn ang="0">
+                <a:pos x="T16" y="T17"/>
+              </a:cxn>
+              <a:cxn ang="0">
+                <a:pos x="T18" y="T19"/>
+              </a:cxn>
+              <a:cxn ang="0">
+                <a:pos x="T20" y="T21"/>
+              </a:cxn>
+            </a:cxnLst>
+            <a:rect l="0" t="0" r="r" b="b"/>
+            <a:pathLst>
+              <a:path w="3800" h="1532">
+                <a:moveTo>
+                  <a:pt x="3120" y="0"/>
+                </a:moveTo>
+                <a:lnTo>
+                  <a:pt x="682" y="0"/>
+                </a:lnTo>
+                <a:lnTo>
+                  <a:pt x="682" y="284"/>
+                </a:lnTo>
+                <a:lnTo>
+                  <a:pt x="0" y="766"/>
+                </a:lnTo>
+                <a:lnTo>
+                  <a:pt x="682" y="1248"/>
+                </a:lnTo>
+                <a:lnTo>
+                  <a:pt x="682" y="1532"/>
+                </a:lnTo>
+                <a:lnTo>
+                  <a:pt x="3120" y="1532"/>
+                </a:lnTo>
+                <a:lnTo>
+                  <a:pt x="3120" y="1248"/>
+                </a:lnTo>
+                <a:lnTo>
+                  <a:pt x="3800" y="766"/>
+                </a:lnTo>
+                <a:lnTo>
+                  <a:pt x="3120" y="284"/>
+                </a:lnTo>
+                <a:lnTo>
+                  <a:pt x="3120" y="0"/>
+                </a:lnTo>
+                <a:close/>
+              </a:path>
+            </a:pathLst>
+          </a:custGeom>
+          <a:solidFill>
+            <a:schemeClr val="bg2"/>
+          </a:solidFill>
+          <a:ln>
+            <a:noFill/>
+          </a:ln>
+        </p:spPr>
+        <p:txBody>
+          <a:bodyPr vert="horz" wrap="square" lIns="91440" tIns="45720" rIns="91440" bIns="45720" numCol="1" anchor="ctr" anchorCtr="0" compatLnSpc="1">
+            <a:prstTxWarp prst="textNoShape">
+              <a:avLst/>
+            </a:prstTxWarp>
+            <a:noAutofit/>
+          </a:bodyPr>
+          <a:lstStyle/>
+          <a:p>
+            <a:pPr algn="ctr"/>
+            <a:endParaRPr lang="zh-CN" altLang="en-US" sz="3200" b="1"/>
+          </a:p>
+        </p:txBody>
+      </p:sp>
+      <p:sp>
+        <p:nvSpPr>
+          <p:cNvPr id="5" name="文本框 4"/>
+          <p:cNvSpPr txBox="1"/>
+          <p:nvPr userDrawn="1"/>
+        </p:nvSpPr>
+        <p:spPr>
+          <a:xfrm>
+            <a:off x="2071646" y="1303550"/>
+            <a:ext cx="383206" cy="443226"/>
+          </a:xfrm>
+          <a:prstGeom prst="rect">
+            <a:avLst/>
+          </a:prstGeom>
+          <a:noFill/>
+        </p:spPr>
+        <p:txBody>
+          <a:bodyPr wrap="none" rtlCol="0" anchor="ctr">
+            <a:noAutofit/>
+          </a:bodyPr>
+          <a:lstStyle/>
+          <a:p>
+            <a:pPr algn="ctr"/>
+            <a:r>
+              <a:rPr lang="en-US" altLang="zh-CN" b="1" dirty="0">
+                <a:solidFill>
+                  <a:schemeClr val="bg1"/>
+                </a:solidFill>
+                <a:latin typeface="微软雅黑" panose="020B0503020204020204" pitchFamily="34" charset="-122"/>
+                <a:ea typeface="微软雅黑" panose="020B0503020204020204" pitchFamily="34" charset="-122"/>
+              </a:rPr>
+              <a:t>1</a:t>
+            </a:r>
+            <a:endParaRPr lang="zh-CN" altLang="en-US" b="1" dirty="0">
+              <a:solidFill>
+                <a:schemeClr val="bg1"/>
+              </a:solidFill>
+              <a:latin typeface="微软雅黑" panose="020B0503020204020204" pitchFamily="34" charset="-122"/>
+              <a:ea typeface="微软雅黑" panose="020B0503020204020204" pitchFamily="34" charset="-122"/>
+            </a:endParaRPr>
+          </a:p>
+        </p:txBody>
+      </p:sp>
+      <p:cxnSp>
+        <p:nvCxnSpPr>
+          <p:cNvPr id="7" name="直接连接符 6"/>
+          <p:cNvCxnSpPr>
+            <a:stCxn id="4" idx="6"/>
+          </p:cNvCxnSpPr>
+          <p:nvPr/>
+        </p:nvCxnSpPr>
+        <p:spPr>
+          <a:xfrm>
+            <a:off x="2534033" y="1711215"/>
+            <a:ext cx="4500000" cy="0"/>
+          </a:xfrm>
+          <a:prstGeom prst="line">
+            <a:avLst/>
+          </a:prstGeom>
+          <a:ln>
+            <a:solidFill>
+              <a:schemeClr val="bg2"/>
+            </a:solidFill>
+          </a:ln>
+        </p:spPr>
+        <p:style>
+          <a:lnRef idx="1">
+            <a:schemeClr val="accent1"/>
+          </a:lnRef>
+          <a:fillRef idx="0">
+            <a:schemeClr val="accent1"/>
+          </a:fillRef>
+          <a:effectRef idx="0">
+            <a:schemeClr val="accent1"/>
+          </a:effectRef>
+          <a:fontRef idx="minor">
+            <a:schemeClr val="tx1"/>
+          </a:fontRef>
+        </p:style>
+      </p:cxnSp>
+      <p:sp>
+        <p:nvSpPr>
+          <p:cNvPr id="13" name="Freeform 10"/>
+          <p:cNvSpPr>
+            <a:spLocks/>
+          </p:cNvSpPr>
+          <p:nvPr userDrawn="1"/>
+        </p:nvSpPr>
+        <p:spPr bwMode="auto">
+          <a:xfrm>
+            <a:off x="1841535" y="2287330"/>
+            <a:ext cx="843427" cy="343858"/>
+          </a:xfrm>
+          <a:custGeom>
+            <a:avLst/>
+            <a:gdLst>
+              <a:gd name="T0" fmla="*/ 3120 w 3800"/>
+              <a:gd name="T1" fmla="*/ 0 h 1532"/>
+              <a:gd name="T2" fmla="*/ 682 w 3800"/>
+              <a:gd name="T3" fmla="*/ 0 h 1532"/>
+              <a:gd name="T4" fmla="*/ 682 w 3800"/>
+              <a:gd name="T5" fmla="*/ 284 h 1532"/>
+              <a:gd name="T6" fmla="*/ 0 w 3800"/>
+              <a:gd name="T7" fmla="*/ 766 h 1532"/>
+              <a:gd name="T8" fmla="*/ 682 w 3800"/>
+              <a:gd name="T9" fmla="*/ 1248 h 1532"/>
+              <a:gd name="T10" fmla="*/ 682 w 3800"/>
+              <a:gd name="T11" fmla="*/ 1532 h 1532"/>
+              <a:gd name="T12" fmla="*/ 3120 w 3800"/>
+              <a:gd name="T13" fmla="*/ 1532 h 1532"/>
+              <a:gd name="T14" fmla="*/ 3120 w 3800"/>
+              <a:gd name="T15" fmla="*/ 1248 h 1532"/>
+              <a:gd name="T16" fmla="*/ 3800 w 3800"/>
+              <a:gd name="T17" fmla="*/ 766 h 1532"/>
+              <a:gd name="T18" fmla="*/ 3120 w 3800"/>
+              <a:gd name="T19" fmla="*/ 284 h 1532"/>
+              <a:gd name="T20" fmla="*/ 3120 w 3800"/>
+              <a:gd name="T21" fmla="*/ 0 h 1532"/>
+            </a:gdLst>
+            <a:ahLst/>
+            <a:cxnLst>
+              <a:cxn ang="0">
+                <a:pos x="T0" y="T1"/>
+              </a:cxn>
+              <a:cxn ang="0">
+                <a:pos x="T2" y="T3"/>
+              </a:cxn>
+              <a:cxn ang="0">
+                <a:pos x="T4" y="T5"/>
+              </a:cxn>
+              <a:cxn ang="0">
+                <a:pos x="T6" y="T7"/>
+              </a:cxn>
+              <a:cxn ang="0">
+                <a:pos x="T8" y="T9"/>
+              </a:cxn>
+              <a:cxn ang="0">
+                <a:pos x="T10" y="T11"/>
+              </a:cxn>
+              <a:cxn ang="0">
+                <a:pos x="T12" y="T13"/>
+              </a:cxn>
+              <a:cxn ang="0">
+                <a:pos x="T14" y="T15"/>
+              </a:cxn>
+              <a:cxn ang="0">
+                <a:pos x="T16" y="T17"/>
+              </a:cxn>
+              <a:cxn ang="0">
+                <a:pos x="T18" y="T19"/>
+              </a:cxn>
+              <a:cxn ang="0">
+                <a:pos x="T20" y="T21"/>
+              </a:cxn>
+            </a:cxnLst>
+            <a:rect l="0" t="0" r="r" b="b"/>
+            <a:pathLst>
+              <a:path w="3800" h="1532">
+                <a:moveTo>
+                  <a:pt x="3120" y="0"/>
+                </a:moveTo>
+                <a:lnTo>
+                  <a:pt x="682" y="0"/>
+                </a:lnTo>
+                <a:lnTo>
+                  <a:pt x="682" y="284"/>
+                </a:lnTo>
+                <a:lnTo>
+                  <a:pt x="0" y="766"/>
+                </a:lnTo>
+                <a:lnTo>
+                  <a:pt x="682" y="1248"/>
+                </a:lnTo>
+                <a:lnTo>
+                  <a:pt x="682" y="1532"/>
+                </a:lnTo>
+                <a:lnTo>
+                  <a:pt x="3120" y="1532"/>
+                </a:lnTo>
+                <a:lnTo>
+                  <a:pt x="3120" y="1248"/>
+                </a:lnTo>
+                <a:lnTo>
+                  <a:pt x="3800" y="766"/>
+                </a:lnTo>
+                <a:lnTo>
+                  <a:pt x="3120" y="284"/>
+                </a:lnTo>
+                <a:lnTo>
+                  <a:pt x="3120" y="0"/>
+                </a:lnTo>
+                <a:close/>
+              </a:path>
+            </a:pathLst>
+          </a:custGeom>
+          <a:solidFill>
+            <a:schemeClr val="bg2"/>
+          </a:solidFill>
+          <a:ln>
+            <a:noFill/>
+          </a:ln>
+        </p:spPr>
+        <p:txBody>
+          <a:bodyPr vert="horz" wrap="square" lIns="91440" tIns="45720" rIns="91440" bIns="45720" numCol="1" anchor="ctr" anchorCtr="0" compatLnSpc="1">
+            <a:prstTxWarp prst="textNoShape">
+              <a:avLst/>
+            </a:prstTxWarp>
+            <a:noAutofit/>
+          </a:bodyPr>
+          <a:lstStyle/>
+          <a:p>
+            <a:pPr algn="ctr"/>
+            <a:endParaRPr lang="zh-CN" altLang="en-US" sz="3200" b="1"/>
+          </a:p>
+        </p:txBody>
+      </p:sp>
+      <p:sp>
+        <p:nvSpPr>
+          <p:cNvPr id="14" name="文本框 13"/>
+          <p:cNvSpPr txBox="1"/>
+          <p:nvPr userDrawn="1"/>
+        </p:nvSpPr>
+        <p:spPr>
+          <a:xfrm>
+            <a:off x="2071646" y="2223523"/>
+            <a:ext cx="383206" cy="443226"/>
+          </a:xfrm>
+          <a:prstGeom prst="rect">
+            <a:avLst/>
+          </a:prstGeom>
+          <a:noFill/>
+        </p:spPr>
+        <p:txBody>
+          <a:bodyPr wrap="none" rtlCol="0" anchor="ctr">
+            <a:noAutofit/>
+          </a:bodyPr>
+          <a:lstStyle/>
+          <a:p>
+            <a:pPr algn="ctr"/>
+            <a:r>
+              <a:rPr lang="en-US" altLang="zh-CN" b="1" dirty="0">
+                <a:solidFill>
+                  <a:schemeClr val="bg1"/>
+                </a:solidFill>
+                <a:latin typeface="微软雅黑" panose="020B0503020204020204" pitchFamily="34" charset="-122"/>
+                <a:ea typeface="微软雅黑" panose="020B0503020204020204" pitchFamily="34" charset="-122"/>
+              </a:rPr>
+              <a:t>2</a:t>
+            </a:r>
+            <a:endParaRPr lang="zh-CN" altLang="en-US" b="1" dirty="0">
+              <a:solidFill>
+                <a:schemeClr val="bg1"/>
+              </a:solidFill>
+              <a:latin typeface="微软雅黑" panose="020B0503020204020204" pitchFamily="34" charset="-122"/>
+              <a:ea typeface="微软雅黑" panose="020B0503020204020204" pitchFamily="34" charset="-122"/>
+            </a:endParaRPr>
+          </a:p>
+        </p:txBody>
+      </p:sp>
+      <p:cxnSp>
+        <p:nvCxnSpPr>
+          <p:cNvPr id="15" name="直接连接符 14"/>
+          <p:cNvCxnSpPr>
+            <a:stCxn id="13" idx="6"/>
+          </p:cNvCxnSpPr>
+          <p:nvPr/>
+        </p:nvCxnSpPr>
+        <p:spPr>
+          <a:xfrm>
+            <a:off x="2534033" y="2631188"/>
+            <a:ext cx="4500000" cy="0"/>
+          </a:xfrm>
+          <a:prstGeom prst="line">
+            <a:avLst/>
+          </a:prstGeom>
+          <a:ln>
+            <a:solidFill>
+              <a:schemeClr val="bg2"/>
+            </a:solidFill>
+          </a:ln>
+        </p:spPr>
+        <p:style>
+          <a:lnRef idx="1">
+            <a:schemeClr val="accent1"/>
+          </a:lnRef>
+          <a:fillRef idx="0">
+            <a:schemeClr val="accent1"/>
+          </a:fillRef>
+          <a:effectRef idx="0">
+            <a:schemeClr val="accent1"/>
+          </a:effectRef>
+          <a:fontRef idx="minor">
+            <a:schemeClr val="tx1"/>
+          </a:fontRef>
+        </p:style>
+      </p:cxnSp>
+      <p:sp>
+        <p:nvSpPr>
+          <p:cNvPr id="18" name="Freeform 10"/>
+          <p:cNvSpPr>
+            <a:spLocks/>
+          </p:cNvSpPr>
+          <p:nvPr userDrawn="1"/>
+        </p:nvSpPr>
+        <p:spPr bwMode="auto">
+          <a:xfrm>
+            <a:off x="1841535" y="3207303"/>
+            <a:ext cx="843427" cy="343858"/>
+          </a:xfrm>
+          <a:custGeom>
+            <a:avLst/>
+            <a:gdLst>
+              <a:gd name="T0" fmla="*/ 3120 w 3800"/>
+              <a:gd name="T1" fmla="*/ 0 h 1532"/>
+              <a:gd name="T2" fmla="*/ 682 w 3800"/>
+              <a:gd name="T3" fmla="*/ 0 h 1532"/>
+              <a:gd name="T4" fmla="*/ 682 w 3800"/>
+              <a:gd name="T5" fmla="*/ 284 h 1532"/>
+              <a:gd name="T6" fmla="*/ 0 w 3800"/>
+              <a:gd name="T7" fmla="*/ 766 h 1532"/>
+              <a:gd name="T8" fmla="*/ 682 w 3800"/>
+              <a:gd name="T9" fmla="*/ 1248 h 1532"/>
+              <a:gd name="T10" fmla="*/ 682 w 3800"/>
+              <a:gd name="T11" fmla="*/ 1532 h 1532"/>
+              <a:gd name="T12" fmla="*/ 3120 w 3800"/>
+              <a:gd name="T13" fmla="*/ 1532 h 1532"/>
+              <a:gd name="T14" fmla="*/ 3120 w 3800"/>
+              <a:gd name="T15" fmla="*/ 1248 h 1532"/>
+              <a:gd name="T16" fmla="*/ 3800 w 3800"/>
+              <a:gd name="T17" fmla="*/ 766 h 1532"/>
+              <a:gd name="T18" fmla="*/ 3120 w 3800"/>
+              <a:gd name="T19" fmla="*/ 284 h 1532"/>
+              <a:gd name="T20" fmla="*/ 3120 w 3800"/>
+              <a:gd name="T21" fmla="*/ 0 h 1532"/>
+            </a:gdLst>
+            <a:ahLst/>
+            <a:cxnLst>
+              <a:cxn ang="0">
+                <a:pos x="T0" y="T1"/>
+              </a:cxn>
+              <a:cxn ang="0">
+                <a:pos x="T2" y="T3"/>
+              </a:cxn>
+              <a:cxn ang="0">
+                <a:pos x="T4" y="T5"/>
+              </a:cxn>
+              <a:cxn ang="0">
+                <a:pos x="T6" y="T7"/>
+              </a:cxn>
+              <a:cxn ang="0">
+                <a:pos x="T8" y="T9"/>
+              </a:cxn>
+              <a:cxn ang="0">
+                <a:pos x="T10" y="T11"/>
+              </a:cxn>
+              <a:cxn ang="0">
+                <a:pos x="T12" y="T13"/>
+              </a:cxn>
+              <a:cxn ang="0">
+                <a:pos x="T14" y="T15"/>
+              </a:cxn>
+              <a:cxn ang="0">
+                <a:pos x="T16" y="T17"/>
+              </a:cxn>
+              <a:cxn ang="0">
+                <a:pos x="T18" y="T19"/>
+              </a:cxn>
+              <a:cxn ang="0">
+                <a:pos x="T20" y="T21"/>
+              </a:cxn>
+            </a:cxnLst>
+            <a:rect l="0" t="0" r="r" b="b"/>
+            <a:pathLst>
+              <a:path w="3800" h="1532">
+                <a:moveTo>
+                  <a:pt x="3120" y="0"/>
+                </a:moveTo>
+                <a:lnTo>
+                  <a:pt x="682" y="0"/>
+                </a:lnTo>
+                <a:lnTo>
+                  <a:pt x="682" y="284"/>
+                </a:lnTo>
+                <a:lnTo>
+                  <a:pt x="0" y="766"/>
+                </a:lnTo>
+                <a:lnTo>
+                  <a:pt x="682" y="1248"/>
+                </a:lnTo>
+                <a:lnTo>
+                  <a:pt x="682" y="1532"/>
+                </a:lnTo>
+                <a:lnTo>
+                  <a:pt x="3120" y="1532"/>
+                </a:lnTo>
+                <a:lnTo>
+                  <a:pt x="3120" y="1248"/>
+                </a:lnTo>
+                <a:lnTo>
+                  <a:pt x="3800" y="766"/>
+                </a:lnTo>
+                <a:lnTo>
+                  <a:pt x="3120" y="284"/>
+                </a:lnTo>
+                <a:lnTo>
+                  <a:pt x="3120" y="0"/>
+                </a:lnTo>
+                <a:close/>
+              </a:path>
+            </a:pathLst>
+          </a:custGeom>
+          <a:solidFill>
+            <a:schemeClr val="accent1"/>
+          </a:solidFill>
+          <a:ln>
+            <a:noFill/>
+          </a:ln>
+        </p:spPr>
+        <p:txBody>
+          <a:bodyPr vert="horz" wrap="square" lIns="91440" tIns="45720" rIns="91440" bIns="45720" numCol="1" anchor="ctr" anchorCtr="0" compatLnSpc="1">
+            <a:prstTxWarp prst="textNoShape">
+              <a:avLst/>
+            </a:prstTxWarp>
+            <a:noAutofit/>
+          </a:bodyPr>
+          <a:lstStyle/>
+          <a:p>
+            <a:pPr algn="ctr"/>
+            <a:endParaRPr lang="zh-CN" altLang="en-US" sz="3200" b="1"/>
+          </a:p>
+        </p:txBody>
+      </p:sp>
+      <p:sp>
+        <p:nvSpPr>
+          <p:cNvPr id="19" name="文本框 18"/>
+          <p:cNvSpPr txBox="1"/>
+          <p:nvPr userDrawn="1"/>
+        </p:nvSpPr>
+        <p:spPr>
+          <a:xfrm>
+            <a:off x="2071646" y="3143496"/>
+            <a:ext cx="383206" cy="443226"/>
+          </a:xfrm>
+          <a:prstGeom prst="rect">
+            <a:avLst/>
+          </a:prstGeom>
+          <a:noFill/>
+        </p:spPr>
+        <p:txBody>
+          <a:bodyPr wrap="none" rtlCol="0" anchor="ctr">
+            <a:noAutofit/>
+          </a:bodyPr>
+          <a:lstStyle/>
+          <a:p>
+            <a:pPr algn="ctr"/>
+            <a:r>
+              <a:rPr lang="en-US" altLang="zh-CN" b="1" dirty="0">
+                <a:solidFill>
+                  <a:schemeClr val="bg1"/>
+                </a:solidFill>
+                <a:latin typeface="微软雅黑" panose="020B0503020204020204" pitchFamily="34" charset="-122"/>
+                <a:ea typeface="微软雅黑" panose="020B0503020204020204" pitchFamily="34" charset="-122"/>
+              </a:rPr>
+              <a:t>3</a:t>
+            </a:r>
+            <a:endParaRPr lang="zh-CN" altLang="en-US" b="1" dirty="0">
+              <a:solidFill>
+                <a:schemeClr val="bg1"/>
+              </a:solidFill>
+              <a:latin typeface="微软雅黑" panose="020B0503020204020204" pitchFamily="34" charset="-122"/>
+              <a:ea typeface="微软雅黑" panose="020B0503020204020204" pitchFamily="34" charset="-122"/>
+            </a:endParaRPr>
+          </a:p>
+        </p:txBody>
+      </p:sp>
+      <p:cxnSp>
+        <p:nvCxnSpPr>
+          <p:cNvPr id="20" name="直接连接符 19"/>
+          <p:cNvCxnSpPr>
+            <a:stCxn id="18" idx="6"/>
+          </p:cNvCxnSpPr>
+          <p:nvPr/>
+        </p:nvCxnSpPr>
+        <p:spPr>
+          <a:xfrm>
+            <a:off x="2534033" y="3551161"/>
+            <a:ext cx="4500000" cy="0"/>
+          </a:xfrm>
+          <a:prstGeom prst="line">
+            <a:avLst/>
+          </a:prstGeom>
+          <a:ln>
+            <a:solidFill>
+              <a:schemeClr val="accent1"/>
+            </a:solidFill>
+          </a:ln>
+        </p:spPr>
+        <p:style>
+          <a:lnRef idx="1">
+            <a:schemeClr val="accent1"/>
+          </a:lnRef>
+          <a:fillRef idx="0">
+            <a:schemeClr val="accent1"/>
+          </a:fillRef>
+          <a:effectRef idx="0">
+            <a:schemeClr val="accent1"/>
+          </a:effectRef>
+          <a:fontRef idx="minor">
+            <a:schemeClr val="tx1"/>
+          </a:fontRef>
+        </p:style>
+      </p:cxnSp>
+      <p:sp>
+        <p:nvSpPr>
+          <p:cNvPr id="23" name="Freeform 10"/>
+          <p:cNvSpPr>
+            <a:spLocks/>
+          </p:cNvSpPr>
+          <p:nvPr userDrawn="1"/>
+        </p:nvSpPr>
+        <p:spPr bwMode="auto">
+          <a:xfrm>
+            <a:off x="1841535" y="4127276"/>
+            <a:ext cx="843427" cy="343858"/>
+          </a:xfrm>
+          <a:custGeom>
+            <a:avLst/>
+            <a:gdLst>
+              <a:gd name="T0" fmla="*/ 3120 w 3800"/>
+              <a:gd name="T1" fmla="*/ 0 h 1532"/>
+              <a:gd name="T2" fmla="*/ 682 w 3800"/>
+              <a:gd name="T3" fmla="*/ 0 h 1532"/>
+              <a:gd name="T4" fmla="*/ 682 w 3800"/>
+              <a:gd name="T5" fmla="*/ 284 h 1532"/>
+              <a:gd name="T6" fmla="*/ 0 w 3800"/>
+              <a:gd name="T7" fmla="*/ 766 h 1532"/>
+              <a:gd name="T8" fmla="*/ 682 w 3800"/>
+              <a:gd name="T9" fmla="*/ 1248 h 1532"/>
+              <a:gd name="T10" fmla="*/ 682 w 3800"/>
+              <a:gd name="T11" fmla="*/ 1532 h 1532"/>
+              <a:gd name="T12" fmla="*/ 3120 w 3800"/>
+              <a:gd name="T13" fmla="*/ 1532 h 1532"/>
+              <a:gd name="T14" fmla="*/ 3120 w 3800"/>
+              <a:gd name="T15" fmla="*/ 1248 h 1532"/>
+              <a:gd name="T16" fmla="*/ 3800 w 3800"/>
+              <a:gd name="T17" fmla="*/ 766 h 1532"/>
+              <a:gd name="T18" fmla="*/ 3120 w 3800"/>
+              <a:gd name="T19" fmla="*/ 284 h 1532"/>
+              <a:gd name="T20" fmla="*/ 3120 w 3800"/>
+              <a:gd name="T21" fmla="*/ 0 h 1532"/>
+            </a:gdLst>
+            <a:ahLst/>
+            <a:cxnLst>
+              <a:cxn ang="0">
+                <a:pos x="T0" y="T1"/>
+              </a:cxn>
+              <a:cxn ang="0">
+                <a:pos x="T2" y="T3"/>
+              </a:cxn>
+              <a:cxn ang="0">
+                <a:pos x="T4" y="T5"/>
+              </a:cxn>
+              <a:cxn ang="0">
+                <a:pos x="T6" y="T7"/>
+              </a:cxn>
+              <a:cxn ang="0">
+                <a:pos x="T8" y="T9"/>
+              </a:cxn>
+              <a:cxn ang="0">
+                <a:pos x="T10" y="T11"/>
+              </a:cxn>
+              <a:cxn ang="0">
+                <a:pos x="T12" y="T13"/>
+              </a:cxn>
+              <a:cxn ang="0">
+                <a:pos x="T14" y="T15"/>
+              </a:cxn>
+              <a:cxn ang="0">
+                <a:pos x="T16" y="T17"/>
+              </a:cxn>
+              <a:cxn ang="0">
+                <a:pos x="T18" y="T19"/>
+              </a:cxn>
+              <a:cxn ang="0">
+                <a:pos x="T20" y="T21"/>
+              </a:cxn>
+            </a:cxnLst>
+            <a:rect l="0" t="0" r="r" b="b"/>
+            <a:pathLst>
+              <a:path w="3800" h="1532">
+                <a:moveTo>
+                  <a:pt x="3120" y="0"/>
+                </a:moveTo>
+                <a:lnTo>
+                  <a:pt x="682" y="0"/>
+                </a:lnTo>
+                <a:lnTo>
+                  <a:pt x="682" y="284"/>
+                </a:lnTo>
+                <a:lnTo>
+                  <a:pt x="0" y="766"/>
+                </a:lnTo>
+                <a:lnTo>
+                  <a:pt x="682" y="1248"/>
+                </a:lnTo>
+                <a:lnTo>
+                  <a:pt x="682" y="1532"/>
+                </a:lnTo>
+                <a:lnTo>
+                  <a:pt x="3120" y="1532"/>
+                </a:lnTo>
+                <a:lnTo>
+                  <a:pt x="3120" y="1248"/>
+                </a:lnTo>
+                <a:lnTo>
+                  <a:pt x="3800" y="766"/>
+                </a:lnTo>
+                <a:lnTo>
+                  <a:pt x="3120" y="284"/>
+                </a:lnTo>
+                <a:lnTo>
+                  <a:pt x="3120" y="0"/>
+                </a:lnTo>
+                <a:close/>
+              </a:path>
+            </a:pathLst>
+          </a:custGeom>
+          <a:solidFill>
+            <a:schemeClr val="bg2"/>
+          </a:solidFill>
+          <a:ln>
+            <a:noFill/>
+          </a:ln>
+        </p:spPr>
+        <p:txBody>
+          <a:bodyPr vert="horz" wrap="square" lIns="91440" tIns="45720" rIns="91440" bIns="45720" numCol="1" anchor="ctr" anchorCtr="0" compatLnSpc="1">
+            <a:prstTxWarp prst="textNoShape">
+              <a:avLst/>
+            </a:prstTxWarp>
+            <a:noAutofit/>
+          </a:bodyPr>
+          <a:lstStyle/>
+          <a:p>
+            <a:pPr algn="ctr"/>
+            <a:endParaRPr lang="zh-CN" altLang="en-US" sz="3200" b="1"/>
+          </a:p>
+        </p:txBody>
+      </p:sp>
+      <p:sp>
+        <p:nvSpPr>
+          <p:cNvPr id="24" name="文本框 23"/>
+          <p:cNvSpPr txBox="1"/>
+          <p:nvPr userDrawn="1"/>
+        </p:nvSpPr>
+        <p:spPr>
+          <a:xfrm>
+            <a:off x="2071646" y="4063469"/>
+            <a:ext cx="383206" cy="443226"/>
+          </a:xfrm>
+          <a:prstGeom prst="rect">
+            <a:avLst/>
+          </a:prstGeom>
+          <a:noFill/>
+        </p:spPr>
+        <p:txBody>
+          <a:bodyPr wrap="none" rtlCol="0" anchor="ctr">
+            <a:noAutofit/>
+          </a:bodyPr>
+          <a:lstStyle/>
+          <a:p>
+            <a:pPr algn="ctr"/>
+            <a:r>
+              <a:rPr lang="en-US" altLang="zh-CN" b="1" dirty="0">
+                <a:solidFill>
+                  <a:schemeClr val="bg1"/>
+                </a:solidFill>
+                <a:latin typeface="微软雅黑" panose="020B0503020204020204" pitchFamily="34" charset="-122"/>
+                <a:ea typeface="微软雅黑" panose="020B0503020204020204" pitchFamily="34" charset="-122"/>
+              </a:rPr>
+              <a:t>4</a:t>
+            </a:r>
+            <a:endParaRPr lang="zh-CN" altLang="en-US" b="1" dirty="0">
+              <a:solidFill>
+                <a:schemeClr val="bg1"/>
+              </a:solidFill>
+              <a:latin typeface="微软雅黑" panose="020B0503020204020204" pitchFamily="34" charset="-122"/>
+              <a:ea typeface="微软雅黑" panose="020B0503020204020204" pitchFamily="34" charset="-122"/>
+            </a:endParaRPr>
+          </a:p>
+        </p:txBody>
+      </p:sp>
+      <p:cxnSp>
+        <p:nvCxnSpPr>
+          <p:cNvPr id="25" name="直接连接符 24"/>
+          <p:cNvCxnSpPr>
+            <a:stCxn id="23" idx="6"/>
+          </p:cNvCxnSpPr>
+          <p:nvPr/>
+        </p:nvCxnSpPr>
+        <p:spPr>
+          <a:xfrm>
+            <a:off x="2534033" y="4471134"/>
+            <a:ext cx="4500000" cy="0"/>
+          </a:xfrm>
+          <a:prstGeom prst="line">
+            <a:avLst/>
+          </a:prstGeom>
+          <a:ln>
+            <a:solidFill>
+              <a:schemeClr val="bg2"/>
+            </a:solidFill>
+          </a:ln>
+        </p:spPr>
+        <p:style>
+          <a:lnRef idx="1">
+            <a:schemeClr val="accent1"/>
+          </a:lnRef>
+          <a:fillRef idx="0">
+            <a:schemeClr val="accent1"/>
+          </a:fillRef>
+          <a:effectRef idx="0">
+            <a:schemeClr val="accent1"/>
+          </a:effectRef>
+          <a:fontRef idx="minor">
+            <a:schemeClr val="tx1"/>
+          </a:fontRef>
+        </p:style>
+      </p:cxnSp>
+      <p:sp>
+        <p:nvSpPr>
+          <p:cNvPr id="33" name="Freeform 10"/>
+          <p:cNvSpPr>
+            <a:spLocks/>
+          </p:cNvSpPr>
+          <p:nvPr userDrawn="1"/>
+        </p:nvSpPr>
+        <p:spPr bwMode="auto">
+          <a:xfrm>
+            <a:off x="1841535" y="5047251"/>
+            <a:ext cx="843427" cy="343858"/>
+          </a:xfrm>
+          <a:custGeom>
+            <a:avLst/>
+            <a:gdLst>
+              <a:gd name="T0" fmla="*/ 3120 w 3800"/>
+              <a:gd name="T1" fmla="*/ 0 h 1532"/>
+              <a:gd name="T2" fmla="*/ 682 w 3800"/>
+              <a:gd name="T3" fmla="*/ 0 h 1532"/>
+              <a:gd name="T4" fmla="*/ 682 w 3800"/>
+              <a:gd name="T5" fmla="*/ 284 h 1532"/>
+              <a:gd name="T6" fmla="*/ 0 w 3800"/>
+              <a:gd name="T7" fmla="*/ 766 h 1532"/>
+              <a:gd name="T8" fmla="*/ 682 w 3800"/>
+              <a:gd name="T9" fmla="*/ 1248 h 1532"/>
+              <a:gd name="T10" fmla="*/ 682 w 3800"/>
+              <a:gd name="T11" fmla="*/ 1532 h 1532"/>
+              <a:gd name="T12" fmla="*/ 3120 w 3800"/>
+              <a:gd name="T13" fmla="*/ 1532 h 1532"/>
+              <a:gd name="T14" fmla="*/ 3120 w 3800"/>
+              <a:gd name="T15" fmla="*/ 1248 h 1532"/>
+              <a:gd name="T16" fmla="*/ 3800 w 3800"/>
+              <a:gd name="T17" fmla="*/ 766 h 1532"/>
+              <a:gd name="T18" fmla="*/ 3120 w 3800"/>
+              <a:gd name="T19" fmla="*/ 284 h 1532"/>
+              <a:gd name="T20" fmla="*/ 3120 w 3800"/>
+              <a:gd name="T21" fmla="*/ 0 h 1532"/>
+            </a:gdLst>
+            <a:ahLst/>
+            <a:cxnLst>
+              <a:cxn ang="0">
+                <a:pos x="T0" y="T1"/>
+              </a:cxn>
+              <a:cxn ang="0">
+                <a:pos x="T2" y="T3"/>
+              </a:cxn>
+              <a:cxn ang="0">
+                <a:pos x="T4" y="T5"/>
+              </a:cxn>
+              <a:cxn ang="0">
+                <a:pos x="T6" y="T7"/>
+              </a:cxn>
+              <a:cxn ang="0">
+                <a:pos x="T8" y="T9"/>
+              </a:cxn>
+              <a:cxn ang="0">
+                <a:pos x="T10" y="T11"/>
+              </a:cxn>
+              <a:cxn ang="0">
+                <a:pos x="T12" y="T13"/>
+              </a:cxn>
+              <a:cxn ang="0">
+                <a:pos x="T14" y="T15"/>
+              </a:cxn>
+              <a:cxn ang="0">
+                <a:pos x="T16" y="T17"/>
+              </a:cxn>
+              <a:cxn ang="0">
+                <a:pos x="T18" y="T19"/>
+              </a:cxn>
+              <a:cxn ang="0">
+                <a:pos x="T20" y="T21"/>
+              </a:cxn>
+            </a:cxnLst>
+            <a:rect l="0" t="0" r="r" b="b"/>
+            <a:pathLst>
+              <a:path w="3800" h="1532">
+                <a:moveTo>
+                  <a:pt x="3120" y="0"/>
+                </a:moveTo>
+                <a:lnTo>
+                  <a:pt x="682" y="0"/>
+                </a:lnTo>
+                <a:lnTo>
+                  <a:pt x="682" y="284"/>
+                </a:lnTo>
+                <a:lnTo>
+                  <a:pt x="0" y="766"/>
+                </a:lnTo>
+                <a:lnTo>
+                  <a:pt x="682" y="1248"/>
+                </a:lnTo>
+                <a:lnTo>
+                  <a:pt x="682" y="1532"/>
+                </a:lnTo>
+                <a:lnTo>
+                  <a:pt x="3120" y="1532"/>
+                </a:lnTo>
+                <a:lnTo>
+                  <a:pt x="3120" y="1248"/>
+                </a:lnTo>
+                <a:lnTo>
+                  <a:pt x="3800" y="766"/>
+                </a:lnTo>
+                <a:lnTo>
+                  <a:pt x="3120" y="284"/>
+                </a:lnTo>
+                <a:lnTo>
+                  <a:pt x="3120" y="0"/>
+                </a:lnTo>
+                <a:close/>
+              </a:path>
+            </a:pathLst>
+          </a:custGeom>
+          <a:solidFill>
+            <a:schemeClr val="bg2"/>
+          </a:solidFill>
+          <a:ln>
+            <a:noFill/>
+          </a:ln>
+        </p:spPr>
+        <p:txBody>
+          <a:bodyPr vert="horz" wrap="square" lIns="91440" tIns="45720" rIns="91440" bIns="45720" numCol="1" anchor="ctr" anchorCtr="0" compatLnSpc="1">
+            <a:prstTxWarp prst="textNoShape">
+              <a:avLst/>
+            </a:prstTxWarp>
+            <a:noAutofit/>
+          </a:bodyPr>
+          <a:lstStyle/>
+          <a:p>
+            <a:pPr algn="ctr"/>
+            <a:endParaRPr lang="zh-CN" altLang="en-US" sz="3200" b="1"/>
+          </a:p>
+        </p:txBody>
+      </p:sp>
+      <p:sp>
+        <p:nvSpPr>
+          <p:cNvPr id="34" name="文本框 33"/>
+          <p:cNvSpPr txBox="1"/>
+          <p:nvPr userDrawn="1"/>
+        </p:nvSpPr>
+        <p:spPr>
+          <a:xfrm>
+            <a:off x="2071646" y="4983444"/>
+            <a:ext cx="383206" cy="443226"/>
+          </a:xfrm>
+          <a:prstGeom prst="rect">
+            <a:avLst/>
+          </a:prstGeom>
+          <a:noFill/>
+        </p:spPr>
+        <p:txBody>
+          <a:bodyPr wrap="none" rtlCol="0" anchor="ctr">
+            <a:noAutofit/>
+          </a:bodyPr>
+          <a:lstStyle/>
+          <a:p>
+            <a:pPr algn="ctr"/>
+            <a:r>
+              <a:rPr lang="en-US" altLang="zh-CN" b="1" dirty="0">
+                <a:solidFill>
+                  <a:schemeClr val="bg1"/>
+                </a:solidFill>
+                <a:latin typeface="微软雅黑" panose="020B0503020204020204" pitchFamily="34" charset="-122"/>
+                <a:ea typeface="微软雅黑" panose="020B0503020204020204" pitchFamily="34" charset="-122"/>
+              </a:rPr>
+              <a:t>5</a:t>
+            </a:r>
+            <a:endParaRPr lang="zh-CN" altLang="en-US" b="1" dirty="0">
+              <a:solidFill>
+                <a:schemeClr val="bg1"/>
+              </a:solidFill>
+              <a:latin typeface="微软雅黑" panose="020B0503020204020204" pitchFamily="34" charset="-122"/>
+              <a:ea typeface="微软雅黑" panose="020B0503020204020204" pitchFamily="34" charset="-122"/>
+            </a:endParaRPr>
+          </a:p>
+        </p:txBody>
+      </p:sp>
+      <p:cxnSp>
+        <p:nvCxnSpPr>
+          <p:cNvPr id="35" name="直接连接符 34"/>
+          <p:cNvCxnSpPr>
+            <a:stCxn id="33" idx="6"/>
+          </p:cNvCxnSpPr>
+          <p:nvPr/>
+        </p:nvCxnSpPr>
+        <p:spPr>
+          <a:xfrm>
+            <a:off x="2534033" y="5391109"/>
+            <a:ext cx="4500000" cy="0"/>
+          </a:xfrm>
+          <a:prstGeom prst="line">
+            <a:avLst/>
+          </a:prstGeom>
+          <a:ln>
+            <a:solidFill>
+              <a:schemeClr val="bg2"/>
+            </a:solidFill>
+          </a:ln>
+        </p:spPr>
+        <p:style>
+          <a:lnRef idx="1">
+            <a:schemeClr val="accent1"/>
+          </a:lnRef>
+          <a:fillRef idx="0">
+            <a:schemeClr val="accent1"/>
+          </a:fillRef>
+          <a:effectRef idx="0">
+            <a:schemeClr val="accent1"/>
+          </a:effectRef>
+          <a:fontRef idx="minor">
+            <a:schemeClr val="tx1"/>
+          </a:fontRef>
+        </p:style>
+      </p:cxnSp>
+      <p:sp>
+        <p:nvSpPr>
+          <p:cNvPr id="27" name="文本框 26">
+            <a:extLst>
+              <a:ext uri="{FF2B5EF4-FFF2-40B4-BE49-F238E27FC236}">
+                <a16:creationId xmlns:a16="http://schemas.microsoft.com/office/drawing/2014/main" id="{C293F93C-C1A3-439F-A262-E1905B2857D9}"/>
+              </a:ext>
+            </a:extLst>
+          </p:cNvPr>
+          <p:cNvSpPr txBox="1"/>
+          <p:nvPr/>
+        </p:nvSpPr>
+        <p:spPr>
+          <a:xfrm>
+            <a:off x="2915072" y="1274734"/>
+            <a:ext cx="6125295" cy="461665"/>
+          </a:xfrm>
+          <a:prstGeom prst="rect">
+            <a:avLst/>
+          </a:prstGeom>
+          <a:noFill/>
+        </p:spPr>
+        <p:txBody>
+          <a:bodyPr wrap="square" rtlCol="0">
+            <a:spAutoFit/>
+          </a:bodyPr>
+          <a:lstStyle/>
+          <a:p>
+            <a:r>
+              <a:rPr lang="en-GB" altLang="zh-CN" sz="2400" dirty="0" err="1"/>
+              <a:t>NPoS</a:t>
+            </a:r>
+            <a:r>
+              <a:rPr lang="en-GB" altLang="zh-CN" sz="2400" dirty="0"/>
+              <a:t> and Validator election</a:t>
+            </a:r>
+            <a:endParaRPr lang="zh-CN" altLang="en-US" sz="2400" dirty="0"/>
+          </a:p>
+        </p:txBody>
+      </p:sp>
+      <p:sp>
+        <p:nvSpPr>
+          <p:cNvPr id="28" name="文本框 27">
+            <a:extLst>
+              <a:ext uri="{FF2B5EF4-FFF2-40B4-BE49-F238E27FC236}">
+                <a16:creationId xmlns:a16="http://schemas.microsoft.com/office/drawing/2014/main" id="{99EAB6ED-066D-4735-9417-28930BB854F6}"/>
+              </a:ext>
+            </a:extLst>
+          </p:cNvPr>
+          <p:cNvSpPr txBox="1"/>
+          <p:nvPr/>
+        </p:nvSpPr>
+        <p:spPr>
+          <a:xfrm>
+            <a:off x="2915073" y="2194707"/>
+            <a:ext cx="4387392" cy="461665"/>
+          </a:xfrm>
+          <a:prstGeom prst="rect">
+            <a:avLst/>
+          </a:prstGeom>
+          <a:noFill/>
+        </p:spPr>
+        <p:txBody>
+          <a:bodyPr wrap="square" rtlCol="0">
+            <a:spAutoFit/>
+          </a:bodyPr>
+          <a:lstStyle/>
+          <a:p>
+            <a:r>
+              <a:rPr lang="en-US" altLang="zh-CN" sz="2400" dirty="0">
+                <a:solidFill>
+                  <a:schemeClr val="tx1">
+                    <a:lumMod val="75000"/>
+                    <a:lumOff val="25000"/>
+                  </a:schemeClr>
+                </a:solidFill>
+              </a:rPr>
+              <a:t>Relay Chain State Machine</a:t>
+            </a:r>
+            <a:endParaRPr lang="zh-CN" altLang="en-US" sz="2400" dirty="0">
+              <a:solidFill>
+                <a:schemeClr val="tx1">
+                  <a:lumMod val="75000"/>
+                  <a:lumOff val="25000"/>
+                </a:schemeClr>
+              </a:solidFill>
+            </a:endParaRPr>
+          </a:p>
+        </p:txBody>
+      </p:sp>
+      <p:sp>
+        <p:nvSpPr>
+          <p:cNvPr id="29" name="文本框 28">
+            <a:extLst>
+              <a:ext uri="{FF2B5EF4-FFF2-40B4-BE49-F238E27FC236}">
+                <a16:creationId xmlns:a16="http://schemas.microsoft.com/office/drawing/2014/main" id="{8FBC93C7-C074-4E41-BD1E-A1FC8D2C52AD}"/>
+              </a:ext>
+            </a:extLst>
+          </p:cNvPr>
+          <p:cNvSpPr txBox="1"/>
+          <p:nvPr/>
+        </p:nvSpPr>
+        <p:spPr>
+          <a:xfrm>
+            <a:off x="2915073" y="3114680"/>
+            <a:ext cx="4387392" cy="461665"/>
+          </a:xfrm>
+          <a:prstGeom prst="rect">
+            <a:avLst/>
+          </a:prstGeom>
+          <a:noFill/>
+        </p:spPr>
+        <p:txBody>
+          <a:bodyPr wrap="square" rtlCol="0">
+            <a:spAutoFit/>
+          </a:bodyPr>
+          <a:lstStyle/>
+          <a:p>
+            <a:r>
+              <a:rPr lang="en-US" altLang="zh-CN" sz="2400" dirty="0"/>
+              <a:t>Consensus</a:t>
+            </a:r>
+          </a:p>
+        </p:txBody>
+      </p:sp>
+      <p:sp>
+        <p:nvSpPr>
+          <p:cNvPr id="30" name="文本框 29">
+            <a:extLst>
+              <a:ext uri="{FF2B5EF4-FFF2-40B4-BE49-F238E27FC236}">
+                <a16:creationId xmlns:a16="http://schemas.microsoft.com/office/drawing/2014/main" id="{5929A1A1-8BEE-485E-AEA4-46D245D14C99}"/>
+              </a:ext>
+            </a:extLst>
+          </p:cNvPr>
+          <p:cNvSpPr txBox="1"/>
+          <p:nvPr/>
+        </p:nvSpPr>
+        <p:spPr>
+          <a:xfrm>
+            <a:off x="2915073" y="4034653"/>
+            <a:ext cx="4387392" cy="461665"/>
+          </a:xfrm>
+          <a:prstGeom prst="rect">
+            <a:avLst/>
+          </a:prstGeom>
+          <a:noFill/>
+        </p:spPr>
+        <p:txBody>
+          <a:bodyPr wrap="square" rtlCol="0">
+            <a:spAutoFit/>
+          </a:bodyPr>
+          <a:lstStyle/>
+          <a:p>
+            <a:r>
+              <a:rPr lang="en-US" altLang="zh-CN" sz="2400" dirty="0" err="1"/>
+              <a:t>Parachains</a:t>
+            </a:r>
+            <a:endParaRPr lang="zh-CN" altLang="en-US" sz="2400" dirty="0"/>
+          </a:p>
+        </p:txBody>
+      </p:sp>
+      <p:sp>
+        <p:nvSpPr>
+          <p:cNvPr id="31" name="文本框 30">
+            <a:extLst>
+              <a:ext uri="{FF2B5EF4-FFF2-40B4-BE49-F238E27FC236}">
+                <a16:creationId xmlns:a16="http://schemas.microsoft.com/office/drawing/2014/main" id="{4B1788CD-ACAF-4A8E-BDE5-F7C5AF27E736}"/>
+              </a:ext>
+            </a:extLst>
+          </p:cNvPr>
+          <p:cNvSpPr txBox="1"/>
+          <p:nvPr/>
+        </p:nvSpPr>
+        <p:spPr>
+          <a:xfrm>
+            <a:off x="2915073" y="4954628"/>
+            <a:ext cx="5137744" cy="461665"/>
+          </a:xfrm>
+          <a:prstGeom prst="rect">
+            <a:avLst/>
+          </a:prstGeom>
+          <a:noFill/>
+        </p:spPr>
+        <p:txBody>
+          <a:bodyPr wrap="square" rtlCol="0">
+            <a:spAutoFit/>
+          </a:bodyPr>
+          <a:lstStyle/>
+          <a:p>
+            <a:r>
+              <a:rPr lang="en-US" altLang="zh-CN" sz="2400" dirty="0"/>
+              <a:t>Economics, Incentive and Governance</a:t>
+            </a:r>
+            <a:endParaRPr lang="zh-CN" altLang="en-US" sz="2400" dirty="0"/>
+          </a:p>
+        </p:txBody>
+      </p:sp>
+    </p:spTree>
+    <p:extLst>
+      <p:ext uri="{BB962C8B-B14F-4D97-AF65-F5344CB8AC3E}">
+        <p14:creationId xmlns:p14="http://schemas.microsoft.com/office/powerpoint/2010/main" val="2473960281"/>
+      </p:ext>
+    </p:extLst>
+  </p:cSld>
+  <p:clrMapOvr>
+    <a:masterClrMapping/>
+  </p:clrMapOvr>
+</p:sld>
+</file>
+
+<file path=ppt/slides/slide21.xml><?xml version="1.0" encoding="utf-8"?>
+<p:sld xmlns:a="http://schemas.openxmlformats.org/drawingml/2006/main" xmlns:r="http://schemas.openxmlformats.org/officeDocument/2006/relationships" xmlns:p="http://schemas.openxmlformats.org/presentationml/2006/main">
+  <p:cSld>
+    <p:spTree>
+      <p:nvGrpSpPr>
+        <p:cNvPr id="1" name=""/>
+        <p:cNvGrpSpPr/>
+        <p:nvPr/>
+      </p:nvGrpSpPr>
+      <p:grpSpPr>
+        <a:xfrm>
+          <a:off x="0" y="0"/>
+          <a:ext cx="0" cy="0"/>
+          <a:chOff x="0" y="0"/>
+          <a:chExt cx="0" cy="0"/>
+        </a:xfrm>
+      </p:grpSpPr>
+      <p:sp>
+        <p:nvSpPr>
           <p:cNvPr id="2" name="内容占位符 1">
             <a:extLst>
               <a:ext uri="{FF2B5EF4-FFF2-40B4-BE49-F238E27FC236}">
@@ -14240,7 +14487,7 @@
 </p:sld>
 </file>
 
-<file path=ppt/slides/slide21.xml><?xml version="1.0" encoding="utf-8"?>
+<file path=ppt/slides/slide22.xml><?xml version="1.0" encoding="utf-8"?>
 <p:sld xmlns:a="http://schemas.openxmlformats.org/drawingml/2006/main" xmlns:r="http://schemas.openxmlformats.org/officeDocument/2006/relationships" xmlns:p="http://schemas.openxmlformats.org/presentationml/2006/main">
   <p:cSld>
     <p:spTree>
@@ -14683,7 +14930,7 @@
 </p:sld>
 </file>
 
-<file path=ppt/slides/slide22.xml><?xml version="1.0" encoding="utf-8"?>
+<file path=ppt/slides/slide23.xml><?xml version="1.0" encoding="utf-8"?>
 <p:sld xmlns:a="http://schemas.openxmlformats.org/drawingml/2006/main" xmlns:r="http://schemas.openxmlformats.org/officeDocument/2006/relationships" xmlns:p="http://schemas.openxmlformats.org/presentationml/2006/main">
   <p:cSld>
     <p:spTree>
@@ -15245,7 +15492,7 @@
 </p:sld>
 </file>
 
-<file path=ppt/slides/slide23.xml><?xml version="1.0" encoding="utf-8"?>
+<file path=ppt/slides/slide24.xml><?xml version="1.0" encoding="utf-8"?>
 <p:sld xmlns:a="http://schemas.openxmlformats.org/drawingml/2006/main" xmlns:r="http://schemas.openxmlformats.org/officeDocument/2006/relationships" xmlns:p="http://schemas.openxmlformats.org/presentationml/2006/main">
   <p:cSld>
     <p:spTree>
@@ -15378,7 +15625,7 @@
 </p:sld>
 </file>
 
-<file path=ppt/slides/slide24.xml><?xml version="1.0" encoding="utf-8"?>
+<file path=ppt/slides/slide25.xml><?xml version="1.0" encoding="utf-8"?>
 <p:sld xmlns:a="http://schemas.openxmlformats.org/drawingml/2006/main" xmlns:r="http://schemas.openxmlformats.org/officeDocument/2006/relationships" xmlns:p="http://schemas.openxmlformats.org/presentationml/2006/main">
   <p:cSld>
     <p:spTree>
@@ -16718,7 +16965,7 @@
 </p:sld>
 </file>
 
-<file path=ppt/slides/slide25.xml><?xml version="1.0" encoding="utf-8"?>
+<file path=ppt/slides/slide26.xml><?xml version="1.0" encoding="utf-8"?>
 <p:sld xmlns:a="http://schemas.openxmlformats.org/drawingml/2006/main" xmlns:r="http://schemas.openxmlformats.org/officeDocument/2006/relationships" xmlns:p="http://schemas.openxmlformats.org/presentationml/2006/main">
   <p:cSld>
     <p:spTree>
@@ -16814,7 +17061,7 @@
 </p:sld>
 </file>
 
-<file path=ppt/slides/slide26.xml><?xml version="1.0" encoding="utf-8"?>
+<file path=ppt/slides/slide27.xml><?xml version="1.0" encoding="utf-8"?>
 <p:sld xmlns:a="http://schemas.openxmlformats.org/drawingml/2006/main" xmlns:r="http://schemas.openxmlformats.org/officeDocument/2006/relationships" xmlns:p="http://schemas.openxmlformats.org/presentationml/2006/main">
   <p:cSld>
     <p:spTree>
@@ -18158,7 +18405,7 @@
 </p:sld>
 </file>
 
-<file path=ppt/slides/slide27.xml><?xml version="1.0" encoding="utf-8"?>
+<file path=ppt/slides/slide28.xml><?xml version="1.0" encoding="utf-8"?>
 <p:sld xmlns:a="http://schemas.openxmlformats.org/drawingml/2006/main" xmlns:r="http://schemas.openxmlformats.org/officeDocument/2006/relationships" xmlns:p="http://schemas.openxmlformats.org/presentationml/2006/main">
   <p:cSld>
     <p:spTree>
@@ -19621,6 +19868,13 @@
             </a:r>
           </a:p>
           <a:p>
+            <a:pPr lvl="1"/>
+            <a:r>
+              <a:rPr lang="en-GB" altLang="zh-CN" dirty="0"/>
+              <a:t>Nominated means it allows many users to indirectly participate in consensus.</a:t>
+            </a:r>
+          </a:p>
+          <a:p>
             <a:r>
               <a:rPr lang="en-GB" altLang="zh-CN" dirty="0" err="1"/>
               <a:t>NPoS’s</a:t>
@@ -19682,7 +19936,15 @@
             </a:r>
             <a:r>
               <a:rPr lang="en-GB" altLang="zh-CN" dirty="0"/>
-              <a:t> and </a:t>
+              <a:t>(Delegated </a:t>
+            </a:r>
+            <a:r>
+              <a:rPr lang="en-GB" altLang="zh-CN" dirty="0" err="1"/>
+              <a:t>PoS</a:t>
+            </a:r>
+            <a:r>
+              <a:rPr lang="en-GB" altLang="zh-CN" dirty="0"/>
+              <a:t>) and </a:t>
             </a:r>
             <a:r>
               <a:rPr lang="en-GB" altLang="zh-CN" dirty="0" err="1"/>
@@ -19690,7 +19952,15 @@
             </a:r>
             <a:r>
               <a:rPr lang="en-GB" altLang="zh-CN" dirty="0"/>
-              <a:t>.</a:t>
+              <a:t>(Bonded </a:t>
+            </a:r>
+            <a:r>
+              <a:rPr lang="en-GB" altLang="zh-CN" dirty="0" err="1"/>
+              <a:t>PoS</a:t>
+            </a:r>
+            <a:r>
+              <a:rPr lang="en-GB" altLang="zh-CN" dirty="0"/>
+              <a:t>) in Cosmos.</a:t>
             </a:r>
           </a:p>
         </p:txBody>
@@ -19752,7 +20022,7 @@
         </p:blipFill>
         <p:spPr>
           <a:xfrm>
-            <a:off x="2592044" y="4232167"/>
+            <a:off x="2592044" y="4511494"/>
             <a:ext cx="4176122" cy="2095682"/>
           </a:xfrm>
           <a:prstGeom prst="rect">
@@ -20177,7 +20447,7 @@
           <a:p>
             <a:r>
               <a:rPr lang="en-GB" altLang="zh-CN" dirty="0"/>
-              <a:t>The goals of validator election: Decentralisation</a:t>
+              <a:t>The goals of validator election: Proportionality</a:t>
             </a:r>
             <a:endParaRPr lang="zh-CN" altLang="en-US" dirty="0"/>
           </a:p>
@@ -21344,7 +21614,7 @@
           <a:p>
             <a:r>
               <a:rPr lang="en-GB" altLang="zh-CN" dirty="0"/>
-              <a:t>The goals of validator election: Decentralisation</a:t>
+              <a:t>The goals of validator election: Proportionality</a:t>
             </a:r>
             <a:endParaRPr lang="zh-CN" altLang="en-US" dirty="0"/>
           </a:p>

--- a/PPT/Polkadot-PPT.pptx
+++ b/PPT/Polkadot-PPT.pptx
@@ -5,10 +5,10 @@
     <p:sldMasterId id="2147483802" r:id="rId1"/>
   </p:sldMasterIdLst>
   <p:notesMasterIdLst>
-    <p:notesMasterId r:id="rId30"/>
+    <p:notesMasterId r:id="rId31"/>
   </p:notesMasterIdLst>
   <p:handoutMasterIdLst>
-    <p:handoutMasterId r:id="rId31"/>
+    <p:handoutMasterId r:id="rId32"/>
   </p:handoutMasterIdLst>
   <p:sldIdLst>
     <p:sldId id="259" r:id="rId2"/>
@@ -23,22 +23,23 @@
     <p:sldId id="285" r:id="rId11"/>
     <p:sldId id="303" r:id="rId12"/>
     <p:sldId id="304" r:id="rId13"/>
-    <p:sldId id="264" r:id="rId14"/>
-    <p:sldId id="288" r:id="rId15"/>
-    <p:sldId id="289" r:id="rId16"/>
-    <p:sldId id="291" r:id="rId17"/>
-    <p:sldId id="290" r:id="rId18"/>
-    <p:sldId id="298" r:id="rId19"/>
-    <p:sldId id="292" r:id="rId20"/>
-    <p:sldId id="270" r:id="rId21"/>
-    <p:sldId id="293" r:id="rId22"/>
-    <p:sldId id="294" r:id="rId23"/>
-    <p:sldId id="295" r:id="rId24"/>
-    <p:sldId id="296" r:id="rId25"/>
-    <p:sldId id="276" r:id="rId26"/>
-    <p:sldId id="297" r:id="rId27"/>
-    <p:sldId id="280" r:id="rId28"/>
-    <p:sldId id="282" r:id="rId29"/>
+    <p:sldId id="305" r:id="rId14"/>
+    <p:sldId id="264" r:id="rId15"/>
+    <p:sldId id="288" r:id="rId16"/>
+    <p:sldId id="289" r:id="rId17"/>
+    <p:sldId id="291" r:id="rId18"/>
+    <p:sldId id="290" r:id="rId19"/>
+    <p:sldId id="298" r:id="rId20"/>
+    <p:sldId id="292" r:id="rId21"/>
+    <p:sldId id="270" r:id="rId22"/>
+    <p:sldId id="293" r:id="rId23"/>
+    <p:sldId id="294" r:id="rId24"/>
+    <p:sldId id="295" r:id="rId25"/>
+    <p:sldId id="296" r:id="rId26"/>
+    <p:sldId id="276" r:id="rId27"/>
+    <p:sldId id="297" r:id="rId28"/>
+    <p:sldId id="280" r:id="rId29"/>
+    <p:sldId id="282" r:id="rId30"/>
   </p:sldIdLst>
   <p:sldSz cx="9144000" cy="6858000" type="screen4x3"/>
   <p:notesSz cx="6858000" cy="9144000"/>
@@ -230,7 +231,7 @@
           <a:p>
             <a:fld id="{202C1FBA-CF23-45CA-A289-03E32D160964}" type="datetimeFigureOut">
               <a:rPr lang="zh-CN" altLang="en-US" smtClean="0"/>
-              <a:t>2020/12/17</a:t>
+              <a:t>2020/12/18</a:t>
             </a:fld>
             <a:endParaRPr lang="zh-CN" altLang="en-US"/>
           </a:p>
@@ -395,7 +396,7 @@
           <a:p>
             <a:fld id="{6D966BD8-0FC1-456F-BDC6-7D0CA8E36566}" type="datetimeFigureOut">
               <a:rPr lang="zh-CN" altLang="en-US" smtClean="0"/>
-              <a:t>2020/12/17</a:t>
+              <a:t>2020/12/18</a:t>
             </a:fld>
             <a:endParaRPr lang="zh-CN" altLang="en-US"/>
           </a:p>
@@ -8359,8 +8360,8 @@
           <a:chExt cx="0" cy="0"/>
         </a:xfrm>
       </p:grpSpPr>
-      <mc:AlternateContent xmlns:mc="http://schemas.openxmlformats.org/markup-compatibility/2006">
-        <mc:Choice xmlns:a14="http://schemas.microsoft.com/office/drawing/2010/main" Requires="a14">
+      <mc:AlternateContent xmlns:mc="http://schemas.openxmlformats.org/markup-compatibility/2006" xmlns:a14="http://schemas.microsoft.com/office/drawing/2010/main">
+        <mc:Choice Requires="a14">
           <p:sp>
             <p:nvSpPr>
               <p:cNvPr id="2" name="内容占位符 1">
@@ -8384,32 +8385,24 @@
               <a:p>
                 <a:r>
                   <a:rPr lang="en-US" altLang="zh-CN" dirty="0"/>
-                  <a:t>Related axioms</a:t>
+                  <a:t>Justified representation(JR)</a:t>
                 </a:r>
               </a:p>
               <a:p>
                 <a:pPr lvl="1"/>
                 <a:r>
                   <a:rPr lang="en-US" altLang="zh-CN" dirty="0"/>
-                  <a:t>Justified representation(JR)</a:t>
-                </a:r>
-              </a:p>
-              <a:p>
-                <a:pPr lvl="2"/>
-                <a:r>
-                  <a:rPr lang="en-US" altLang="zh-CN" dirty="0"/>
                   <a:t>If a large enough group of voters exhibits agreement by supporting the same candidate, then at least one voter in this group has an approved candidate in the winning committee.</a:t>
                 </a:r>
               </a:p>
               <a:p>
-                <a:pPr lvl="1"/>
                 <a:r>
                   <a:rPr lang="en-US" altLang="zh-CN" dirty="0"/>
                   <a:t>Proportional justified representation(PJR)</a:t>
                 </a:r>
               </a:p>
               <a:p>
-                <a:pPr lvl="2"/>
+                <a:pPr lvl="1"/>
                 <a14:m>
                   <m:oMath xmlns:m="http://schemas.openxmlformats.org/officeDocument/2006/math">
                     <m:sSup>
@@ -8449,14 +8442,13 @@
                 </a:r>
               </a:p>
               <a:p>
-                <a:pPr lvl="1"/>
                 <a:r>
                   <a:rPr lang="en-US" altLang="zh-CN" dirty="0"/>
                   <a:t>Extended justified representation(EJR)</a:t>
                 </a:r>
               </a:p>
               <a:p>
-                <a:pPr lvl="2"/>
+                <a:pPr lvl="1"/>
                 <a:r>
                   <a:rPr lang="en-US" altLang="zh-CN" dirty="0"/>
                   <a:t>Required not only that </a:t>
@@ -8502,7 +8494,7 @@
             </p:txBody>
           </p:sp>
         </mc:Choice>
-        <mc:Fallback>
+        <mc:Fallback xmlns="">
           <p:sp>
             <p:nvSpPr>
               <p:cNvPr id="2" name="内容占位符 1">
@@ -8523,7 +8515,7 @@
               <a:blipFill>
                 <a:blip r:embed="rId2"/>
                 <a:stretch>
-                  <a:fillRect l="-801" t="-124" r="-437"/>
+                  <a:fillRect l="-801" t="-124" r="-146"/>
                 </a:stretch>
               </a:blipFill>
             </p:spPr>
@@ -8565,7 +8557,7 @@
           <a:p>
             <a:r>
               <a:rPr lang="en-US" altLang="zh-CN" dirty="0"/>
-              <a:t>More Details about </a:t>
+              <a:t>Related axioms about </a:t>
             </a:r>
             <a:r>
               <a:rPr lang="en-US" altLang="zh-CN" dirty="0" err="1"/>
@@ -8605,9 +8597,725 @@
           <a:chExt cx="0" cy="0"/>
         </a:xfrm>
       </p:grpSpPr>
+      <mc:AlternateContent xmlns:mc="http://schemas.openxmlformats.org/markup-compatibility/2006">
+        <mc:Choice xmlns:a14="http://schemas.microsoft.com/office/drawing/2010/main" Requires="a14">
+          <p:sp>
+            <p:nvSpPr>
+              <p:cNvPr id="2" name="内容占位符 1">
+                <a:extLst>
+                  <a:ext uri="{FF2B5EF4-FFF2-40B4-BE49-F238E27FC236}">
+                    <a16:creationId xmlns:a16="http://schemas.microsoft.com/office/drawing/2014/main" id="{B6664D18-C24E-44BB-9961-8B19A319425B}"/>
+                  </a:ext>
+                </a:extLst>
+              </p:cNvPr>
+              <p:cNvSpPr>
+                <a:spLocks noGrp="1"/>
+              </p:cNvSpPr>
+              <p:nvPr>
+                <p:ph sz="quarter" idx="10"/>
+              </p:nvPr>
+            </p:nvSpPr>
+            <p:spPr/>
+            <p:txBody>
+              <a:bodyPr/>
+              <a:lstStyle/>
+              <a:p>
+                <a:r>
+                  <a:rPr lang="en-US" altLang="zh-CN" dirty="0"/>
+                  <a:t>Preliminary</a:t>
+                </a:r>
+              </a:p>
+              <a:p>
+                <a:pPr lvl="1"/>
+                <a:r>
+                  <a:rPr lang="en-US" altLang="zh-CN" dirty="0"/>
+                  <a:t>Each voter </a:t>
+                </a:r>
+                <a14:m>
+                  <m:oMath xmlns:m="http://schemas.openxmlformats.org/officeDocument/2006/math">
+                    <m:r>
+                      <a:rPr lang="en-US" altLang="zh-CN" b="0" i="1" smtClean="0">
+                        <a:latin typeface="Cambria Math" panose="02040503050406030204" pitchFamily="18" charset="0"/>
+                      </a:rPr>
+                      <m:t>𝑛</m:t>
+                    </m:r>
+                    <m:r>
+                      <a:rPr lang="en-US" altLang="zh-CN" b="0" i="1" smtClean="0">
+                        <a:latin typeface="Cambria Math" panose="02040503050406030204" pitchFamily="18" charset="0"/>
+                      </a:rPr>
+                      <m:t>∈</m:t>
+                    </m:r>
+                    <m:r>
+                      <a:rPr lang="en-US" altLang="zh-CN" b="0" i="1" smtClean="0">
+                        <a:latin typeface="Cambria Math" panose="02040503050406030204" pitchFamily="18" charset="0"/>
+                      </a:rPr>
+                      <m:t>𝑁</m:t>
+                    </m:r>
+                  </m:oMath>
+                </a14:m>
+                <a:r>
+                  <a:rPr lang="en-US" altLang="zh-CN" dirty="0"/>
+                  <a:t> has a vote strength </a:t>
+                </a:r>
+                <a14:m>
+                  <m:oMath xmlns:m="http://schemas.openxmlformats.org/officeDocument/2006/math">
+                    <m:sSub>
+                      <m:sSubPr>
+                        <m:ctrlPr>
+                          <a:rPr lang="en-US" altLang="zh-CN" b="0" i="1" smtClean="0">
+                            <a:latin typeface="Cambria Math" panose="02040503050406030204" pitchFamily="18" charset="0"/>
+                          </a:rPr>
+                        </m:ctrlPr>
+                      </m:sSubPr>
+                      <m:e>
+                        <m:r>
+                          <a:rPr lang="en-US" altLang="zh-CN" b="0" i="1" smtClean="0">
+                            <a:latin typeface="Cambria Math" panose="02040503050406030204" pitchFamily="18" charset="0"/>
+                          </a:rPr>
+                          <m:t>𝑠</m:t>
+                        </m:r>
+                      </m:e>
+                      <m:sub>
+                        <m:r>
+                          <a:rPr lang="en-US" altLang="zh-CN" b="0" i="1" smtClean="0">
+                            <a:latin typeface="Cambria Math" panose="02040503050406030204" pitchFamily="18" charset="0"/>
+                          </a:rPr>
+                          <m:t>𝑛</m:t>
+                        </m:r>
+                      </m:sub>
+                    </m:sSub>
+                  </m:oMath>
+                </a14:m>
+                <a:r>
+                  <a:rPr lang="en-US" altLang="zh-CN" dirty="0"/>
+                  <a:t> and a list of approved candidates </a:t>
+                </a:r>
+                <a14:m>
+                  <m:oMath xmlns:m="http://schemas.openxmlformats.org/officeDocument/2006/math">
+                    <m:sSub>
+                      <m:sSubPr>
+                        <m:ctrlPr>
+                          <a:rPr lang="en-US" altLang="zh-CN" b="0" i="1" smtClean="0">
+                            <a:latin typeface="Cambria Math" panose="02040503050406030204" pitchFamily="18" charset="0"/>
+                          </a:rPr>
+                        </m:ctrlPr>
+                      </m:sSubPr>
+                      <m:e>
+                        <m:r>
+                          <a:rPr lang="en-US" altLang="zh-CN" b="0" i="1" smtClean="0">
+                            <a:latin typeface="Cambria Math" panose="02040503050406030204" pitchFamily="18" charset="0"/>
+                          </a:rPr>
+                          <m:t>𝐶</m:t>
+                        </m:r>
+                      </m:e>
+                      <m:sub>
+                        <m:r>
+                          <a:rPr lang="en-US" altLang="zh-CN" b="0" i="1" smtClean="0">
+                            <a:latin typeface="Cambria Math" panose="02040503050406030204" pitchFamily="18" charset="0"/>
+                          </a:rPr>
+                          <m:t>𝑛</m:t>
+                        </m:r>
+                      </m:sub>
+                    </m:sSub>
+                    <m:r>
+                      <a:rPr lang="en-US" altLang="zh-CN" b="0" i="1" smtClean="0">
+                        <a:latin typeface="Cambria Math" panose="02040503050406030204" pitchFamily="18" charset="0"/>
+                      </a:rPr>
+                      <m:t>⊆</m:t>
+                    </m:r>
+                    <m:r>
+                      <a:rPr lang="en-US" altLang="zh-CN" b="0" i="1" smtClean="0">
+                        <a:latin typeface="Cambria Math" panose="02040503050406030204" pitchFamily="18" charset="0"/>
+                      </a:rPr>
+                      <m:t>𝐶</m:t>
+                    </m:r>
+                  </m:oMath>
+                </a14:m>
+                <a:r>
+                  <a:rPr lang="en-US" altLang="zh-CN" dirty="0"/>
+                  <a:t>.</a:t>
+                </a:r>
+              </a:p>
+              <a:p>
+                <a:pPr lvl="1"/>
+                <a14:m>
+                  <m:oMath xmlns:m="http://schemas.openxmlformats.org/officeDocument/2006/math">
+                    <m:r>
+                      <a:rPr lang="en-US" altLang="zh-CN" b="0" i="1" smtClean="0">
+                        <a:latin typeface="Cambria Math" panose="02040503050406030204" pitchFamily="18" charset="0"/>
+                      </a:rPr>
+                      <m:t>𝐴</m:t>
+                    </m:r>
+                    <m:r>
+                      <a:rPr lang="en-US" altLang="zh-CN" b="0" i="1" smtClean="0">
+                        <a:latin typeface="Cambria Math" panose="02040503050406030204" pitchFamily="18" charset="0"/>
+                      </a:rPr>
+                      <m:t>⊆</m:t>
+                    </m:r>
+                    <m:r>
+                      <a:rPr lang="en-US" altLang="zh-CN" b="0" i="1" smtClean="0">
+                        <a:latin typeface="Cambria Math" panose="02040503050406030204" pitchFamily="18" charset="0"/>
+                      </a:rPr>
+                      <m:t>𝐶</m:t>
+                    </m:r>
+                  </m:oMath>
+                </a14:m>
+                <a:r>
+                  <a:rPr lang="en-US" altLang="zh-CN" dirty="0"/>
+                  <a:t> is the committee, and </a:t>
+                </a:r>
+                <a14:m>
+                  <m:oMath xmlns:m="http://schemas.openxmlformats.org/officeDocument/2006/math">
+                    <m:sSup>
+                      <m:sSupPr>
+                        <m:ctrlPr>
+                          <a:rPr lang="en-US" altLang="zh-CN" b="0" i="1" smtClean="0">
+                            <a:latin typeface="Cambria Math" panose="02040503050406030204" pitchFamily="18" charset="0"/>
+                          </a:rPr>
+                        </m:ctrlPr>
+                      </m:sSupPr>
+                      <m:e>
+                        <m:r>
+                          <a:rPr lang="en-US" altLang="zh-CN" b="0" i="1" smtClean="0">
+                            <a:latin typeface="Cambria Math" panose="02040503050406030204" pitchFamily="18" charset="0"/>
+                          </a:rPr>
+                          <m:t>𝐴</m:t>
+                        </m:r>
+                      </m:e>
+                      <m:sup>
+                        <m:r>
+                          <a:rPr lang="en-US" altLang="zh-CN" b="0" i="1" smtClean="0">
+                            <a:latin typeface="Cambria Math" panose="02040503050406030204" pitchFamily="18" charset="0"/>
+                          </a:rPr>
+                          <m:t>′</m:t>
+                        </m:r>
+                      </m:sup>
+                    </m:sSup>
+                  </m:oMath>
+                </a14:m>
+                <a:r>
+                  <a:rPr lang="en-US" altLang="zh-CN" dirty="0"/>
+                  <a:t> is the group of representatives that </a:t>
+                </a:r>
+                <a:r>
+                  <a:rPr lang="en-US" altLang="zh-CN"/>
+                  <a:t>an adversary </a:t>
+                </a:r>
+                <a:r>
+                  <a:rPr lang="en-US" altLang="zh-CN" dirty="0"/>
+                  <a:t>gain </a:t>
+                </a:r>
+              </a:p>
+              <a:p>
+                <a:pPr lvl="1"/>
+                <a:r>
+                  <a:rPr lang="en-US" altLang="zh-CN" dirty="0"/>
+                  <a:t>Maximize </a:t>
+                </a:r>
+                <a:r>
+                  <a:rPr lang="en-US" altLang="zh-CN" i="1" dirty="0"/>
+                  <a:t>the least possible per-validator cost over all thresholds</a:t>
+                </a:r>
+                <a:r>
+                  <a:rPr lang="zh-CN" altLang="en-US" dirty="0"/>
+                  <a:t>：</a:t>
+                </a:r>
+                <a:endParaRPr lang="en-US" altLang="zh-CN" dirty="0"/>
+              </a:p>
+              <a:p>
+                <a:pPr marL="914400" lvl="2" indent="0">
+                  <a:buNone/>
+                </a:pPr>
+                <a14:m>
+                  <m:oMath xmlns:m="http://schemas.openxmlformats.org/officeDocument/2006/math">
+                    <m:r>
+                      <m:rPr>
+                        <m:sty m:val="p"/>
+                      </m:rPr>
+                      <a:rPr lang="en-US" altLang="zh-CN" i="0" dirty="0">
+                        <a:latin typeface="Cambria Math" panose="02040503050406030204" pitchFamily="18" charset="0"/>
+                      </a:rPr>
+                      <m:t>Maximize</m:t>
+                    </m:r>
+                    <m:limLow>
+                      <m:limLowPr>
+                        <m:ctrlPr>
+                          <a:rPr lang="en-US" altLang="zh-CN" b="0" i="1" dirty="0" smtClean="0">
+                            <a:latin typeface="Cambria Math" panose="02040503050406030204" pitchFamily="18" charset="0"/>
+                          </a:rPr>
+                        </m:ctrlPr>
+                      </m:limLowPr>
+                      <m:e>
+                        <m:r>
+                          <a:rPr lang="en-US" altLang="zh-CN" b="0" i="1" dirty="0" smtClean="0">
+                            <a:latin typeface="Cambria Math" panose="02040503050406030204" pitchFamily="18" charset="0"/>
+                          </a:rPr>
+                          <m:t>𝑚𝑖𝑛</m:t>
+                        </m:r>
+                      </m:e>
+                      <m:lim>
+                        <m:sSup>
+                          <m:sSupPr>
+                            <m:ctrlPr>
+                              <a:rPr lang="en-US" altLang="zh-CN" b="0" i="1" dirty="0" smtClean="0">
+                                <a:latin typeface="Cambria Math" panose="02040503050406030204" pitchFamily="18" charset="0"/>
+                              </a:rPr>
+                            </m:ctrlPr>
+                          </m:sSupPr>
+                          <m:e>
+                            <m:r>
+                              <a:rPr lang="en-US" altLang="zh-CN" b="0" i="1" dirty="0" smtClean="0">
+                                <a:latin typeface="Cambria Math" panose="02040503050406030204" pitchFamily="18" charset="0"/>
+                              </a:rPr>
+                              <m:t>𝐴</m:t>
+                            </m:r>
+                          </m:e>
+                          <m:sup>
+                            <m:r>
+                              <a:rPr lang="en-US" altLang="zh-CN" b="0" i="1" dirty="0" smtClean="0">
+                                <a:latin typeface="Cambria Math" panose="02040503050406030204" pitchFamily="18" charset="0"/>
+                              </a:rPr>
+                              <m:t>′</m:t>
+                            </m:r>
+                          </m:sup>
+                        </m:sSup>
+                        <m:r>
+                          <a:rPr lang="en-US" altLang="zh-CN" b="0" i="1" dirty="0" smtClean="0">
+                            <a:latin typeface="Cambria Math" panose="02040503050406030204" pitchFamily="18" charset="0"/>
+                          </a:rPr>
+                          <m:t>⊆</m:t>
+                        </m:r>
+                        <m:r>
+                          <a:rPr lang="en-US" altLang="zh-CN" b="0" i="1" dirty="0" smtClean="0">
+                            <a:latin typeface="Cambria Math" panose="02040503050406030204" pitchFamily="18" charset="0"/>
+                          </a:rPr>
+                          <m:t>𝐴</m:t>
+                        </m:r>
+                        <m:r>
+                          <a:rPr lang="en-US" altLang="zh-CN" b="0" i="1" dirty="0" smtClean="0">
+                            <a:latin typeface="Cambria Math" panose="02040503050406030204" pitchFamily="18" charset="0"/>
+                          </a:rPr>
+                          <m:t>, </m:t>
+                        </m:r>
+                        <m:sSup>
+                          <m:sSupPr>
+                            <m:ctrlPr>
+                              <a:rPr lang="en-US" altLang="zh-CN" b="0" i="1" dirty="0" smtClean="0">
+                                <a:latin typeface="Cambria Math" panose="02040503050406030204" pitchFamily="18" charset="0"/>
+                              </a:rPr>
+                            </m:ctrlPr>
+                          </m:sSupPr>
+                          <m:e>
+                            <m:r>
+                              <a:rPr lang="en-US" altLang="zh-CN" b="0" i="1" dirty="0" smtClean="0">
+                                <a:latin typeface="Cambria Math" panose="02040503050406030204" pitchFamily="18" charset="0"/>
+                              </a:rPr>
+                              <m:t>𝐴</m:t>
+                            </m:r>
+                          </m:e>
+                          <m:sup>
+                            <m:r>
+                              <a:rPr lang="en-US" altLang="zh-CN" b="0" i="1" dirty="0" smtClean="0">
+                                <a:latin typeface="Cambria Math" panose="02040503050406030204" pitchFamily="18" charset="0"/>
+                              </a:rPr>
+                              <m:t>′</m:t>
+                            </m:r>
+                          </m:sup>
+                        </m:sSup>
+                        <m:r>
+                          <a:rPr lang="en-US" altLang="zh-CN" b="0" i="1" dirty="0" smtClean="0">
+                            <a:latin typeface="Cambria Math" panose="02040503050406030204" pitchFamily="18" charset="0"/>
+                          </a:rPr>
+                          <m:t>≠</m:t>
+                        </m:r>
+                        <m:r>
+                          <a:rPr lang="en-US" altLang="zh-CN" b="0" i="1" dirty="0" smtClean="0">
+                            <a:latin typeface="Cambria Math" panose="02040503050406030204" pitchFamily="18" charset="0"/>
+                          </a:rPr>
+                          <m:t>𝜙</m:t>
+                        </m:r>
+                      </m:lim>
+                    </m:limLow>
+                    <m:f>
+                      <m:fPr>
+                        <m:ctrlPr>
+                          <a:rPr lang="en-US" altLang="zh-CN" b="0" i="1" dirty="0" smtClean="0">
+                            <a:latin typeface="Cambria Math" panose="02040503050406030204" pitchFamily="18" charset="0"/>
+                          </a:rPr>
+                        </m:ctrlPr>
+                      </m:fPr>
+                      <m:num>
+                        <m:r>
+                          <a:rPr lang="en-US" altLang="zh-CN" b="0" i="1" dirty="0" smtClean="0">
+                            <a:latin typeface="Cambria Math" panose="02040503050406030204" pitchFamily="18" charset="0"/>
+                          </a:rPr>
+                          <m:t>1</m:t>
+                        </m:r>
+                      </m:num>
+                      <m:den>
+                        <m:d>
+                          <m:dPr>
+                            <m:begChr m:val="|"/>
+                            <m:endChr m:val="|"/>
+                            <m:ctrlPr>
+                              <a:rPr lang="en-US" altLang="zh-CN" b="0" i="1" dirty="0" smtClean="0">
+                                <a:latin typeface="Cambria Math" panose="02040503050406030204" pitchFamily="18" charset="0"/>
+                              </a:rPr>
+                            </m:ctrlPr>
+                          </m:dPr>
+                          <m:e>
+                            <m:sSup>
+                              <m:sSupPr>
+                                <m:ctrlPr>
+                                  <a:rPr lang="en-US" altLang="zh-CN" b="0" i="1" dirty="0" smtClean="0">
+                                    <a:latin typeface="Cambria Math" panose="02040503050406030204" pitchFamily="18" charset="0"/>
+                                  </a:rPr>
+                                </m:ctrlPr>
+                              </m:sSupPr>
+                              <m:e>
+                                <m:r>
+                                  <a:rPr lang="en-US" altLang="zh-CN" b="0" i="1" dirty="0" smtClean="0">
+                                    <a:latin typeface="Cambria Math" panose="02040503050406030204" pitchFamily="18" charset="0"/>
+                                  </a:rPr>
+                                  <m:t>𝐴</m:t>
+                                </m:r>
+                              </m:e>
+                              <m:sup>
+                                <m:r>
+                                  <a:rPr lang="en-US" altLang="zh-CN" b="0" i="1" dirty="0" smtClean="0">
+                                    <a:latin typeface="Cambria Math" panose="02040503050406030204" pitchFamily="18" charset="0"/>
+                                  </a:rPr>
+                                  <m:t>′</m:t>
+                                </m:r>
+                              </m:sup>
+                            </m:sSup>
+                          </m:e>
+                        </m:d>
+                      </m:den>
+                    </m:f>
+                    <m:nary>
+                      <m:naryPr>
+                        <m:chr m:val="∑"/>
+                        <m:supHide m:val="on"/>
+                        <m:ctrlPr>
+                          <a:rPr lang="en-US" altLang="zh-CN" b="0" i="1" dirty="0" smtClean="0">
+                            <a:latin typeface="Cambria Math" panose="02040503050406030204" pitchFamily="18" charset="0"/>
+                          </a:rPr>
+                        </m:ctrlPr>
+                      </m:naryPr>
+                      <m:sub>
+                        <m:r>
+                          <a:rPr lang="en-US" altLang="zh-CN" b="0" i="1" dirty="0" smtClean="0">
+                            <a:latin typeface="Cambria Math" panose="02040503050406030204" pitchFamily="18" charset="0"/>
+                          </a:rPr>
+                          <m:t>𝑛</m:t>
+                        </m:r>
+                        <m:r>
+                          <a:rPr lang="en-US" altLang="zh-CN" b="0" i="1" dirty="0" smtClean="0">
+                            <a:latin typeface="Cambria Math" panose="02040503050406030204" pitchFamily="18" charset="0"/>
+                          </a:rPr>
+                          <m:t>∈</m:t>
+                        </m:r>
+                        <m:r>
+                          <a:rPr lang="en-US" altLang="zh-CN" b="0" i="1" dirty="0" smtClean="0">
+                            <a:latin typeface="Cambria Math" panose="02040503050406030204" pitchFamily="18" charset="0"/>
+                          </a:rPr>
+                          <m:t>𝑁</m:t>
+                        </m:r>
+                        <m:r>
+                          <a:rPr lang="en-US" altLang="zh-CN" b="0" i="1" dirty="0" smtClean="0">
+                            <a:latin typeface="Cambria Math" panose="02040503050406030204" pitchFamily="18" charset="0"/>
+                          </a:rPr>
+                          <m:t>:</m:t>
+                        </m:r>
+                        <m:sSub>
+                          <m:sSubPr>
+                            <m:ctrlPr>
+                              <a:rPr lang="en-US" altLang="zh-CN" b="0" i="1" dirty="0" smtClean="0">
+                                <a:latin typeface="Cambria Math" panose="02040503050406030204" pitchFamily="18" charset="0"/>
+                              </a:rPr>
+                            </m:ctrlPr>
+                          </m:sSubPr>
+                          <m:e>
+                            <m:r>
+                              <a:rPr lang="en-US" altLang="zh-CN" b="0" i="1" dirty="0" smtClean="0">
+                                <a:latin typeface="Cambria Math" panose="02040503050406030204" pitchFamily="18" charset="0"/>
+                              </a:rPr>
+                              <m:t>𝐶</m:t>
+                            </m:r>
+                          </m:e>
+                          <m:sub>
+                            <m:r>
+                              <a:rPr lang="en-US" altLang="zh-CN" b="0" i="1" dirty="0" smtClean="0">
+                                <a:latin typeface="Cambria Math" panose="02040503050406030204" pitchFamily="18" charset="0"/>
+                              </a:rPr>
+                              <m:t>𝑛</m:t>
+                            </m:r>
+                          </m:sub>
+                        </m:sSub>
+                        <m:r>
+                          <a:rPr lang="en-US" altLang="zh-CN" b="0" i="1" dirty="0" smtClean="0">
+                            <a:latin typeface="Cambria Math" panose="02040503050406030204" pitchFamily="18" charset="0"/>
+                          </a:rPr>
+                          <m:t>∩</m:t>
+                        </m:r>
+                        <m:sSup>
+                          <m:sSupPr>
+                            <m:ctrlPr>
+                              <a:rPr lang="en-US" altLang="zh-CN" b="0" i="1" dirty="0" smtClean="0">
+                                <a:latin typeface="Cambria Math" panose="02040503050406030204" pitchFamily="18" charset="0"/>
+                              </a:rPr>
+                            </m:ctrlPr>
+                          </m:sSupPr>
+                          <m:e>
+                            <m:r>
+                              <a:rPr lang="en-US" altLang="zh-CN" b="0" i="1" dirty="0" smtClean="0">
+                                <a:latin typeface="Cambria Math" panose="02040503050406030204" pitchFamily="18" charset="0"/>
+                              </a:rPr>
+                              <m:t>𝐴</m:t>
+                            </m:r>
+                          </m:e>
+                          <m:sup>
+                            <m:r>
+                              <a:rPr lang="en-US" altLang="zh-CN" b="0" i="1" dirty="0" smtClean="0">
+                                <a:latin typeface="Cambria Math" panose="02040503050406030204" pitchFamily="18" charset="0"/>
+                              </a:rPr>
+                              <m:t>′</m:t>
+                            </m:r>
+                          </m:sup>
+                        </m:sSup>
+                        <m:r>
+                          <a:rPr lang="en-US" altLang="zh-CN" b="0" i="1" dirty="0" smtClean="0">
+                            <a:latin typeface="Cambria Math" panose="02040503050406030204" pitchFamily="18" charset="0"/>
+                          </a:rPr>
+                          <m:t>≠</m:t>
+                        </m:r>
+                        <m:r>
+                          <a:rPr lang="en-US" altLang="zh-CN" b="0" i="1" dirty="0" smtClean="0">
+                            <a:latin typeface="Cambria Math" panose="02040503050406030204" pitchFamily="18" charset="0"/>
+                          </a:rPr>
+                          <m:t>𝜙</m:t>
+                        </m:r>
+                      </m:sub>
+                      <m:sup/>
+                      <m:e>
+                        <m:sSub>
+                          <m:sSubPr>
+                            <m:ctrlPr>
+                              <a:rPr lang="en-US" altLang="zh-CN" b="0" i="1" dirty="0" smtClean="0">
+                                <a:latin typeface="Cambria Math" panose="02040503050406030204" pitchFamily="18" charset="0"/>
+                              </a:rPr>
+                            </m:ctrlPr>
+                          </m:sSubPr>
+                          <m:e>
+                            <m:r>
+                              <a:rPr lang="en-US" altLang="zh-CN" b="0" i="1" dirty="0" smtClean="0">
+                                <a:latin typeface="Cambria Math" panose="02040503050406030204" pitchFamily="18" charset="0"/>
+                              </a:rPr>
+                              <m:t>𝑆</m:t>
+                            </m:r>
+                          </m:e>
+                          <m:sub>
+                            <m:r>
+                              <a:rPr lang="en-US" altLang="zh-CN" b="0" i="1" dirty="0" smtClean="0">
+                                <a:latin typeface="Cambria Math" panose="02040503050406030204" pitchFamily="18" charset="0"/>
+                              </a:rPr>
+                              <m:t>𝑛</m:t>
+                            </m:r>
+                          </m:sub>
+                        </m:sSub>
+                      </m:e>
+                    </m:nary>
+                    <m:r>
+                      <a:rPr lang="en-US" altLang="zh-CN" b="0" i="1" dirty="0" smtClean="0">
+                        <a:latin typeface="Cambria Math" panose="02040503050406030204" pitchFamily="18" charset="0"/>
+                      </a:rPr>
+                      <m:t> , </m:t>
+                    </m:r>
+                    <m:r>
+                      <m:rPr>
+                        <m:sty m:val="p"/>
+                      </m:rPr>
+                      <a:rPr lang="en-US" altLang="zh-CN" b="0" i="0" dirty="0" smtClean="0">
+                        <a:latin typeface="Cambria Math" panose="02040503050406030204" pitchFamily="18" charset="0"/>
+                      </a:rPr>
+                      <m:t>over</m:t>
+                    </m:r>
+                    <m:r>
+                      <a:rPr lang="en-US" altLang="zh-CN" b="0" i="0" dirty="0" smtClean="0">
+                        <a:latin typeface="Cambria Math" panose="02040503050406030204" pitchFamily="18" charset="0"/>
+                      </a:rPr>
+                      <m:t> </m:t>
+                    </m:r>
+                    <m:r>
+                      <m:rPr>
+                        <m:sty m:val="p"/>
+                      </m:rPr>
+                      <a:rPr lang="en-US" altLang="zh-CN" b="0" i="0" dirty="0" smtClean="0">
+                        <a:latin typeface="Cambria Math" panose="02040503050406030204" pitchFamily="18" charset="0"/>
+                      </a:rPr>
+                      <m:t>all</m:t>
+                    </m:r>
+                    <m:r>
+                      <a:rPr lang="en-US" altLang="zh-CN" b="0" i="0" dirty="0" smtClean="0">
+                        <a:latin typeface="Cambria Math" panose="02040503050406030204" pitchFamily="18" charset="0"/>
+                      </a:rPr>
+                      <m:t> </m:t>
+                    </m:r>
+                    <m:r>
+                      <m:rPr>
+                        <m:sty m:val="p"/>
+                      </m:rPr>
+                      <a:rPr lang="en-US" altLang="zh-CN" b="0" i="0" dirty="0" smtClean="0">
+                        <a:latin typeface="Cambria Math" panose="02040503050406030204" pitchFamily="18" charset="0"/>
+                      </a:rPr>
+                      <m:t>commitees</m:t>
+                    </m:r>
+                    <m:r>
+                      <a:rPr lang="en-US" altLang="zh-CN" b="0" i="0" dirty="0" smtClean="0">
+                        <a:latin typeface="Cambria Math" panose="02040503050406030204" pitchFamily="18" charset="0"/>
+                      </a:rPr>
+                      <m:t> </m:t>
+                    </m:r>
+                    <m:r>
+                      <a:rPr lang="en-US" altLang="zh-CN" b="0" i="1" dirty="0" smtClean="0">
+                        <a:latin typeface="Cambria Math" panose="02040503050406030204" pitchFamily="18" charset="0"/>
+                      </a:rPr>
+                      <m:t>𝐴</m:t>
+                    </m:r>
+                    <m:r>
+                      <a:rPr lang="en-US" altLang="zh-CN" b="0" i="1" dirty="0" smtClean="0">
+                        <a:latin typeface="Cambria Math" panose="02040503050406030204" pitchFamily="18" charset="0"/>
+                      </a:rPr>
+                      <m:t>⊆</m:t>
+                    </m:r>
+                    <m:r>
+                      <a:rPr lang="en-US" altLang="zh-CN" b="0" i="1" dirty="0" smtClean="0">
+                        <a:latin typeface="Cambria Math" panose="02040503050406030204" pitchFamily="18" charset="0"/>
+                      </a:rPr>
+                      <m:t>𝐶</m:t>
+                    </m:r>
+                    <m:r>
+                      <a:rPr lang="en-US" altLang="zh-CN" b="0" i="1" dirty="0" smtClean="0">
+                        <a:latin typeface="Cambria Math" panose="02040503050406030204" pitchFamily="18" charset="0"/>
+                      </a:rPr>
+                      <m:t> </m:t>
+                    </m:r>
+                    <m:r>
+                      <m:rPr>
+                        <m:sty m:val="p"/>
+                      </m:rPr>
+                      <a:rPr lang="en-US" altLang="zh-CN" b="0" i="0" dirty="0" smtClean="0">
+                        <a:latin typeface="Cambria Math" panose="02040503050406030204" pitchFamily="18" charset="0"/>
+                      </a:rPr>
+                      <m:t>with</m:t>
+                    </m:r>
+                    <m:r>
+                      <a:rPr lang="en-US" altLang="zh-CN" b="0" i="0" dirty="0" smtClean="0">
+                        <a:latin typeface="Cambria Math" panose="02040503050406030204" pitchFamily="18" charset="0"/>
+                      </a:rPr>
+                      <m:t> </m:t>
+                    </m:r>
+                    <m:d>
+                      <m:dPr>
+                        <m:begChr m:val="|"/>
+                        <m:endChr m:val="|"/>
+                        <m:ctrlPr>
+                          <a:rPr lang="en-US" altLang="zh-CN" b="0" i="1" dirty="0" smtClean="0">
+                            <a:latin typeface="Cambria Math" panose="02040503050406030204" pitchFamily="18" charset="0"/>
+                          </a:rPr>
+                        </m:ctrlPr>
+                      </m:dPr>
+                      <m:e>
+                        <m:r>
+                          <a:rPr lang="en-US" altLang="zh-CN" b="0" i="1" dirty="0" smtClean="0">
+                            <a:latin typeface="Cambria Math" panose="02040503050406030204" pitchFamily="18" charset="0"/>
+                          </a:rPr>
+                          <m:t>𝐴</m:t>
+                        </m:r>
+                      </m:e>
+                    </m:d>
+                    <m:r>
+                      <a:rPr lang="en-US" altLang="zh-CN" b="0" i="1" dirty="0" smtClean="0">
+                        <a:latin typeface="Cambria Math" panose="02040503050406030204" pitchFamily="18" charset="0"/>
+                      </a:rPr>
+                      <m:t>=</m:t>
+                    </m:r>
+                    <m:r>
+                      <a:rPr lang="en-US" altLang="zh-CN" b="0" i="1" dirty="0" smtClean="0">
+                        <a:latin typeface="Cambria Math" panose="02040503050406030204" pitchFamily="18" charset="0"/>
+                      </a:rPr>
+                      <m:t>𝑘</m:t>
+                    </m:r>
+                    <m:r>
+                      <a:rPr lang="en-US" altLang="zh-CN" b="0" i="1" dirty="0" smtClean="0">
+                        <a:latin typeface="Cambria Math" panose="02040503050406030204" pitchFamily="18" charset="0"/>
+                      </a:rPr>
+                      <m:t>.</m:t>
+                    </m:r>
+                  </m:oMath>
+                </a14:m>
+                <a:r>
+                  <a:rPr lang="en-US" altLang="zh-CN" dirty="0"/>
+                  <a:t> </a:t>
+                </a:r>
+              </a:p>
+              <a:p>
+                <a:pPr lvl="2"/>
+                <a:endParaRPr lang="zh-CN" altLang="en-US" dirty="0"/>
+              </a:p>
+            </p:txBody>
+          </p:sp>
+        </mc:Choice>
+        <mc:Fallback>
+          <p:sp>
+            <p:nvSpPr>
+              <p:cNvPr id="2" name="内容占位符 1">
+                <a:extLst>
+                  <a:ext uri="{FF2B5EF4-FFF2-40B4-BE49-F238E27FC236}">
+                    <a16:creationId xmlns:a16="http://schemas.microsoft.com/office/drawing/2014/main" id="{B6664D18-C24E-44BB-9961-8B19A319425B}"/>
+                  </a:ext>
+                </a:extLst>
+              </p:cNvPr>
+              <p:cNvSpPr>
+                <a:spLocks noGrp="1" noRot="1" noChangeAspect="1" noMove="1" noResize="1" noEditPoints="1" noAdjustHandles="1" noChangeArrowheads="1" noChangeShapeType="1" noTextEdit="1"/>
+              </p:cNvSpPr>
+              <p:nvPr>
+                <p:ph sz="quarter" idx="10"/>
+              </p:nvPr>
+            </p:nvSpPr>
+            <p:spPr>
+              <a:blipFill>
+                <a:blip r:embed="rId2"/>
+                <a:stretch>
+                  <a:fillRect l="-801" t="-124"/>
+                </a:stretch>
+              </a:blipFill>
+            </p:spPr>
+            <p:txBody>
+              <a:bodyPr/>
+              <a:lstStyle/>
+              <a:p>
+                <a:r>
+                  <a:rPr lang="zh-CN" altLang="en-US">
+                    <a:noFill/>
+                  </a:rPr>
+                  <a:t> </a:t>
+                </a:r>
+              </a:p>
+            </p:txBody>
+          </p:sp>
+        </mc:Fallback>
+      </mc:AlternateContent>
       <p:sp>
         <p:nvSpPr>
-          <p:cNvPr id="2" name="标题 1"/>
+          <p:cNvPr id="3" name="标题 2">
+            <a:extLst>
+              <a:ext uri="{FF2B5EF4-FFF2-40B4-BE49-F238E27FC236}">
+                <a16:creationId xmlns:a16="http://schemas.microsoft.com/office/drawing/2014/main" id="{862ABB27-AA8C-4F42-9531-91B0E89774C4}"/>
+              </a:ext>
+            </a:extLst>
+          </p:cNvPr>
           <p:cNvSpPr>
             <a:spLocks noGrp="1"/>
           </p:cNvSpPr>
@@ -8617,1307 +9325,25 @@
         </p:nvSpPr>
         <p:spPr/>
         <p:txBody>
-          <a:bodyPr>
-            <a:normAutofit fontScale="90000"/>
-          </a:bodyPr>
+          <a:bodyPr/>
           <a:lstStyle/>
           <a:p>
             <a:r>
-              <a:rPr lang="zh-CN" altLang="en-US" dirty="0">
-                <a:latin typeface="微软雅黑" panose="020B0503020204020204" pitchFamily="34" charset="-122"/>
-                <a:ea typeface="微软雅黑" panose="020B0503020204020204" pitchFamily="34" charset="-122"/>
-              </a:rPr>
-              <a:t>目录 </a:t>
-            </a:r>
-            <a:r>
-              <a:rPr lang="en-US" altLang="zh-CN" dirty="0">
-                <a:latin typeface="微软雅黑" panose="020B0503020204020204" pitchFamily="34" charset="-122"/>
-                <a:ea typeface="微软雅黑" panose="020B0503020204020204" pitchFamily="34" charset="-122"/>
-              </a:rPr>
-              <a:t>Contents</a:t>
-            </a:r>
-            <a:endParaRPr lang="zh-CN" altLang="en-US" dirty="0">
-              <a:latin typeface="微软雅黑" panose="020B0503020204020204" pitchFamily="34" charset="-122"/>
-              <a:ea typeface="微软雅黑" panose="020B0503020204020204" pitchFamily="34" charset="-122"/>
-            </a:endParaRPr>
-          </a:p>
-        </p:txBody>
-      </p:sp>
-      <p:sp>
-        <p:nvSpPr>
-          <p:cNvPr id="4" name="Freeform 10"/>
-          <p:cNvSpPr>
-            <a:spLocks/>
-          </p:cNvSpPr>
-          <p:nvPr userDrawn="1"/>
-        </p:nvSpPr>
-        <p:spPr bwMode="auto">
-          <a:xfrm>
-            <a:off x="1841535" y="1367357"/>
-            <a:ext cx="843427" cy="343858"/>
-          </a:xfrm>
-          <a:custGeom>
-            <a:avLst/>
-            <a:gdLst>
-              <a:gd name="T0" fmla="*/ 3120 w 3800"/>
-              <a:gd name="T1" fmla="*/ 0 h 1532"/>
-              <a:gd name="T2" fmla="*/ 682 w 3800"/>
-              <a:gd name="T3" fmla="*/ 0 h 1532"/>
-              <a:gd name="T4" fmla="*/ 682 w 3800"/>
-              <a:gd name="T5" fmla="*/ 284 h 1532"/>
-              <a:gd name="T6" fmla="*/ 0 w 3800"/>
-              <a:gd name="T7" fmla="*/ 766 h 1532"/>
-              <a:gd name="T8" fmla="*/ 682 w 3800"/>
-              <a:gd name="T9" fmla="*/ 1248 h 1532"/>
-              <a:gd name="T10" fmla="*/ 682 w 3800"/>
-              <a:gd name="T11" fmla="*/ 1532 h 1532"/>
-              <a:gd name="T12" fmla="*/ 3120 w 3800"/>
-              <a:gd name="T13" fmla="*/ 1532 h 1532"/>
-              <a:gd name="T14" fmla="*/ 3120 w 3800"/>
-              <a:gd name="T15" fmla="*/ 1248 h 1532"/>
-              <a:gd name="T16" fmla="*/ 3800 w 3800"/>
-              <a:gd name="T17" fmla="*/ 766 h 1532"/>
-              <a:gd name="T18" fmla="*/ 3120 w 3800"/>
-              <a:gd name="T19" fmla="*/ 284 h 1532"/>
-              <a:gd name="T20" fmla="*/ 3120 w 3800"/>
-              <a:gd name="T21" fmla="*/ 0 h 1532"/>
-            </a:gdLst>
-            <a:ahLst/>
-            <a:cxnLst>
-              <a:cxn ang="0">
-                <a:pos x="T0" y="T1"/>
-              </a:cxn>
-              <a:cxn ang="0">
-                <a:pos x="T2" y="T3"/>
-              </a:cxn>
-              <a:cxn ang="0">
-                <a:pos x="T4" y="T5"/>
-              </a:cxn>
-              <a:cxn ang="0">
-                <a:pos x="T6" y="T7"/>
-              </a:cxn>
-              <a:cxn ang="0">
-                <a:pos x="T8" y="T9"/>
-              </a:cxn>
-              <a:cxn ang="0">
-                <a:pos x="T10" y="T11"/>
-              </a:cxn>
-              <a:cxn ang="0">
-                <a:pos x="T12" y="T13"/>
-              </a:cxn>
-              <a:cxn ang="0">
-                <a:pos x="T14" y="T15"/>
-              </a:cxn>
-              <a:cxn ang="0">
-                <a:pos x="T16" y="T17"/>
-              </a:cxn>
-              <a:cxn ang="0">
-                <a:pos x="T18" y="T19"/>
-              </a:cxn>
-              <a:cxn ang="0">
-                <a:pos x="T20" y="T21"/>
-              </a:cxn>
-            </a:cxnLst>
-            <a:rect l="0" t="0" r="r" b="b"/>
-            <a:pathLst>
-              <a:path w="3800" h="1532">
-                <a:moveTo>
-                  <a:pt x="3120" y="0"/>
-                </a:moveTo>
-                <a:lnTo>
-                  <a:pt x="682" y="0"/>
-                </a:lnTo>
-                <a:lnTo>
-                  <a:pt x="682" y="284"/>
-                </a:lnTo>
-                <a:lnTo>
-                  <a:pt x="0" y="766"/>
-                </a:lnTo>
-                <a:lnTo>
-                  <a:pt x="682" y="1248"/>
-                </a:lnTo>
-                <a:lnTo>
-                  <a:pt x="682" y="1532"/>
-                </a:lnTo>
-                <a:lnTo>
-                  <a:pt x="3120" y="1532"/>
-                </a:lnTo>
-                <a:lnTo>
-                  <a:pt x="3120" y="1248"/>
-                </a:lnTo>
-                <a:lnTo>
-                  <a:pt x="3800" y="766"/>
-                </a:lnTo>
-                <a:lnTo>
-                  <a:pt x="3120" y="284"/>
-                </a:lnTo>
-                <a:lnTo>
-                  <a:pt x="3120" y="0"/>
-                </a:lnTo>
-                <a:close/>
-              </a:path>
-            </a:pathLst>
-          </a:custGeom>
-          <a:solidFill>
-            <a:schemeClr val="bg2"/>
-          </a:solidFill>
-          <a:ln>
-            <a:noFill/>
-          </a:ln>
-        </p:spPr>
-        <p:txBody>
-          <a:bodyPr vert="horz" wrap="square" lIns="91440" tIns="45720" rIns="91440" bIns="45720" numCol="1" anchor="ctr" anchorCtr="0" compatLnSpc="1">
-            <a:prstTxWarp prst="textNoShape">
-              <a:avLst/>
-            </a:prstTxWarp>
-            <a:noAutofit/>
-          </a:bodyPr>
-          <a:lstStyle/>
-          <a:p>
-            <a:pPr algn="ctr"/>
-            <a:endParaRPr lang="zh-CN" altLang="en-US" sz="3200" b="1"/>
-          </a:p>
-        </p:txBody>
-      </p:sp>
-      <p:sp>
-        <p:nvSpPr>
-          <p:cNvPr id="5" name="文本框 4"/>
-          <p:cNvSpPr txBox="1"/>
-          <p:nvPr userDrawn="1"/>
-        </p:nvSpPr>
-        <p:spPr>
-          <a:xfrm>
-            <a:off x="2071646" y="1303550"/>
-            <a:ext cx="383206" cy="443226"/>
-          </a:xfrm>
-          <a:prstGeom prst="rect">
-            <a:avLst/>
-          </a:prstGeom>
-          <a:noFill/>
-        </p:spPr>
-        <p:txBody>
-          <a:bodyPr wrap="none" rtlCol="0" anchor="ctr">
-            <a:noAutofit/>
-          </a:bodyPr>
-          <a:lstStyle/>
-          <a:p>
-            <a:pPr algn="ctr"/>
-            <a:r>
-              <a:rPr lang="en-US" altLang="zh-CN" b="1" dirty="0">
-                <a:solidFill>
-                  <a:schemeClr val="bg1"/>
-                </a:solidFill>
-                <a:latin typeface="微软雅黑" panose="020B0503020204020204" pitchFamily="34" charset="-122"/>
-                <a:ea typeface="微软雅黑" panose="020B0503020204020204" pitchFamily="34" charset="-122"/>
-              </a:rPr>
-              <a:t>1</a:t>
-            </a:r>
-            <a:endParaRPr lang="zh-CN" altLang="en-US" b="1" dirty="0">
-              <a:solidFill>
-                <a:schemeClr val="bg1"/>
-              </a:solidFill>
-              <a:latin typeface="微软雅黑" panose="020B0503020204020204" pitchFamily="34" charset="-122"/>
-              <a:ea typeface="微软雅黑" panose="020B0503020204020204" pitchFamily="34" charset="-122"/>
-            </a:endParaRPr>
-          </a:p>
-        </p:txBody>
-      </p:sp>
-      <p:cxnSp>
-        <p:nvCxnSpPr>
-          <p:cNvPr id="7" name="直接连接符 6"/>
-          <p:cNvCxnSpPr>
-            <a:stCxn id="4" idx="6"/>
-          </p:cNvCxnSpPr>
-          <p:nvPr/>
-        </p:nvCxnSpPr>
-        <p:spPr>
-          <a:xfrm>
-            <a:off x="2534033" y="1711215"/>
-            <a:ext cx="4500000" cy="0"/>
-          </a:xfrm>
-          <a:prstGeom prst="line">
-            <a:avLst/>
-          </a:prstGeom>
-          <a:ln>
-            <a:solidFill>
-              <a:schemeClr val="bg2"/>
-            </a:solidFill>
-          </a:ln>
-        </p:spPr>
-        <p:style>
-          <a:lnRef idx="1">
-            <a:schemeClr val="accent1"/>
-          </a:lnRef>
-          <a:fillRef idx="0">
-            <a:schemeClr val="accent1"/>
-          </a:fillRef>
-          <a:effectRef idx="0">
-            <a:schemeClr val="accent1"/>
-          </a:effectRef>
-          <a:fontRef idx="minor">
-            <a:schemeClr val="tx1"/>
-          </a:fontRef>
-        </p:style>
-      </p:cxnSp>
-      <p:sp>
-        <p:nvSpPr>
-          <p:cNvPr id="13" name="Freeform 10"/>
-          <p:cNvSpPr>
-            <a:spLocks/>
-          </p:cNvSpPr>
-          <p:nvPr userDrawn="1"/>
-        </p:nvSpPr>
-        <p:spPr bwMode="auto">
-          <a:xfrm>
-            <a:off x="1841535" y="2287330"/>
-            <a:ext cx="843427" cy="343858"/>
-          </a:xfrm>
-          <a:custGeom>
-            <a:avLst/>
-            <a:gdLst>
-              <a:gd name="T0" fmla="*/ 3120 w 3800"/>
-              <a:gd name="T1" fmla="*/ 0 h 1532"/>
-              <a:gd name="T2" fmla="*/ 682 w 3800"/>
-              <a:gd name="T3" fmla="*/ 0 h 1532"/>
-              <a:gd name="T4" fmla="*/ 682 w 3800"/>
-              <a:gd name="T5" fmla="*/ 284 h 1532"/>
-              <a:gd name="T6" fmla="*/ 0 w 3800"/>
-              <a:gd name="T7" fmla="*/ 766 h 1532"/>
-              <a:gd name="T8" fmla="*/ 682 w 3800"/>
-              <a:gd name="T9" fmla="*/ 1248 h 1532"/>
-              <a:gd name="T10" fmla="*/ 682 w 3800"/>
-              <a:gd name="T11" fmla="*/ 1532 h 1532"/>
-              <a:gd name="T12" fmla="*/ 3120 w 3800"/>
-              <a:gd name="T13" fmla="*/ 1532 h 1532"/>
-              <a:gd name="T14" fmla="*/ 3120 w 3800"/>
-              <a:gd name="T15" fmla="*/ 1248 h 1532"/>
-              <a:gd name="T16" fmla="*/ 3800 w 3800"/>
-              <a:gd name="T17" fmla="*/ 766 h 1532"/>
-              <a:gd name="T18" fmla="*/ 3120 w 3800"/>
-              <a:gd name="T19" fmla="*/ 284 h 1532"/>
-              <a:gd name="T20" fmla="*/ 3120 w 3800"/>
-              <a:gd name="T21" fmla="*/ 0 h 1532"/>
-            </a:gdLst>
-            <a:ahLst/>
-            <a:cxnLst>
-              <a:cxn ang="0">
-                <a:pos x="T0" y="T1"/>
-              </a:cxn>
-              <a:cxn ang="0">
-                <a:pos x="T2" y="T3"/>
-              </a:cxn>
-              <a:cxn ang="0">
-                <a:pos x="T4" y="T5"/>
-              </a:cxn>
-              <a:cxn ang="0">
-                <a:pos x="T6" y="T7"/>
-              </a:cxn>
-              <a:cxn ang="0">
-                <a:pos x="T8" y="T9"/>
-              </a:cxn>
-              <a:cxn ang="0">
-                <a:pos x="T10" y="T11"/>
-              </a:cxn>
-              <a:cxn ang="0">
-                <a:pos x="T12" y="T13"/>
-              </a:cxn>
-              <a:cxn ang="0">
-                <a:pos x="T14" y="T15"/>
-              </a:cxn>
-              <a:cxn ang="0">
-                <a:pos x="T16" y="T17"/>
-              </a:cxn>
-              <a:cxn ang="0">
-                <a:pos x="T18" y="T19"/>
-              </a:cxn>
-              <a:cxn ang="0">
-                <a:pos x="T20" y="T21"/>
-              </a:cxn>
-            </a:cxnLst>
-            <a:rect l="0" t="0" r="r" b="b"/>
-            <a:pathLst>
-              <a:path w="3800" h="1532">
-                <a:moveTo>
-                  <a:pt x="3120" y="0"/>
-                </a:moveTo>
-                <a:lnTo>
-                  <a:pt x="682" y="0"/>
-                </a:lnTo>
-                <a:lnTo>
-                  <a:pt x="682" y="284"/>
-                </a:lnTo>
-                <a:lnTo>
-                  <a:pt x="0" y="766"/>
-                </a:lnTo>
-                <a:lnTo>
-                  <a:pt x="682" y="1248"/>
-                </a:lnTo>
-                <a:lnTo>
-                  <a:pt x="682" y="1532"/>
-                </a:lnTo>
-                <a:lnTo>
-                  <a:pt x="3120" y="1532"/>
-                </a:lnTo>
-                <a:lnTo>
-                  <a:pt x="3120" y="1248"/>
-                </a:lnTo>
-                <a:lnTo>
-                  <a:pt x="3800" y="766"/>
-                </a:lnTo>
-                <a:lnTo>
-                  <a:pt x="3120" y="284"/>
-                </a:lnTo>
-                <a:lnTo>
-                  <a:pt x="3120" y="0"/>
-                </a:lnTo>
-                <a:close/>
-              </a:path>
-            </a:pathLst>
-          </a:custGeom>
-          <a:solidFill>
-            <a:schemeClr val="accent1"/>
-          </a:solidFill>
-          <a:ln>
-            <a:noFill/>
-          </a:ln>
-        </p:spPr>
-        <p:txBody>
-          <a:bodyPr vert="horz" wrap="square" lIns="91440" tIns="45720" rIns="91440" bIns="45720" numCol="1" anchor="ctr" anchorCtr="0" compatLnSpc="1">
-            <a:prstTxWarp prst="textNoShape">
-              <a:avLst/>
-            </a:prstTxWarp>
-            <a:noAutofit/>
-          </a:bodyPr>
-          <a:lstStyle/>
-          <a:p>
-            <a:pPr algn="ctr"/>
-            <a:endParaRPr lang="zh-CN" altLang="en-US" sz="3200" b="1"/>
-          </a:p>
-        </p:txBody>
-      </p:sp>
-      <p:sp>
-        <p:nvSpPr>
-          <p:cNvPr id="14" name="文本框 13"/>
-          <p:cNvSpPr txBox="1"/>
-          <p:nvPr userDrawn="1"/>
-        </p:nvSpPr>
-        <p:spPr>
-          <a:xfrm>
-            <a:off x="2071646" y="2223523"/>
-            <a:ext cx="383206" cy="443226"/>
-          </a:xfrm>
-          <a:prstGeom prst="rect">
-            <a:avLst/>
-          </a:prstGeom>
-          <a:noFill/>
-        </p:spPr>
-        <p:txBody>
-          <a:bodyPr wrap="none" rtlCol="0" anchor="ctr">
-            <a:noAutofit/>
-          </a:bodyPr>
-          <a:lstStyle/>
-          <a:p>
-            <a:pPr algn="ctr"/>
-            <a:r>
-              <a:rPr lang="en-US" altLang="zh-CN" b="1" dirty="0">
-                <a:solidFill>
-                  <a:schemeClr val="bg1"/>
-                </a:solidFill>
-                <a:latin typeface="微软雅黑" panose="020B0503020204020204" pitchFamily="34" charset="-122"/>
-                <a:ea typeface="微软雅黑" panose="020B0503020204020204" pitchFamily="34" charset="-122"/>
-              </a:rPr>
-              <a:t>2</a:t>
-            </a:r>
-            <a:endParaRPr lang="zh-CN" altLang="en-US" b="1" dirty="0">
-              <a:solidFill>
-                <a:schemeClr val="bg1"/>
-              </a:solidFill>
-              <a:latin typeface="微软雅黑" panose="020B0503020204020204" pitchFamily="34" charset="-122"/>
-              <a:ea typeface="微软雅黑" panose="020B0503020204020204" pitchFamily="34" charset="-122"/>
-            </a:endParaRPr>
-          </a:p>
-        </p:txBody>
-      </p:sp>
-      <p:cxnSp>
-        <p:nvCxnSpPr>
-          <p:cNvPr id="15" name="直接连接符 14"/>
-          <p:cNvCxnSpPr>
-            <a:stCxn id="13" idx="6"/>
-          </p:cNvCxnSpPr>
-          <p:nvPr/>
-        </p:nvCxnSpPr>
-        <p:spPr>
-          <a:xfrm>
-            <a:off x="2534033" y="2631188"/>
-            <a:ext cx="4500000" cy="0"/>
-          </a:xfrm>
-          <a:prstGeom prst="line">
-            <a:avLst/>
-          </a:prstGeom>
-          <a:ln>
-            <a:solidFill>
-              <a:schemeClr val="accent1"/>
-            </a:solidFill>
-          </a:ln>
-        </p:spPr>
-        <p:style>
-          <a:lnRef idx="1">
-            <a:schemeClr val="accent1"/>
-          </a:lnRef>
-          <a:fillRef idx="0">
-            <a:schemeClr val="accent1"/>
-          </a:fillRef>
-          <a:effectRef idx="0">
-            <a:schemeClr val="accent1"/>
-          </a:effectRef>
-          <a:fontRef idx="minor">
-            <a:schemeClr val="tx1"/>
-          </a:fontRef>
-        </p:style>
-      </p:cxnSp>
-      <p:sp>
-        <p:nvSpPr>
-          <p:cNvPr id="16" name="文本框 15"/>
-          <p:cNvSpPr txBox="1"/>
-          <p:nvPr/>
-        </p:nvSpPr>
-        <p:spPr>
-          <a:xfrm>
-            <a:off x="2915073" y="2194707"/>
-            <a:ext cx="4387392" cy="461665"/>
-          </a:xfrm>
-          <a:prstGeom prst="rect">
-            <a:avLst/>
-          </a:prstGeom>
-          <a:noFill/>
-        </p:spPr>
-        <p:txBody>
-          <a:bodyPr wrap="square" rtlCol="0">
-            <a:spAutoFit/>
-          </a:bodyPr>
-          <a:lstStyle/>
-          <a:p>
-            <a:r>
-              <a:rPr lang="en-US" altLang="zh-CN" sz="2400" dirty="0">
-                <a:solidFill>
-                  <a:schemeClr val="tx1">
-                    <a:lumMod val="75000"/>
-                    <a:lumOff val="25000"/>
-                  </a:schemeClr>
-                </a:solidFill>
-              </a:rPr>
-              <a:t>Relay Chain State Machine</a:t>
-            </a:r>
-            <a:endParaRPr lang="zh-CN" altLang="en-US" sz="2400" dirty="0">
-              <a:solidFill>
-                <a:schemeClr val="tx1">
-                  <a:lumMod val="75000"/>
-                  <a:lumOff val="25000"/>
-                </a:schemeClr>
-              </a:solidFill>
-            </a:endParaRPr>
-          </a:p>
-        </p:txBody>
-      </p:sp>
-      <p:sp>
-        <p:nvSpPr>
-          <p:cNvPr id="18" name="Freeform 10"/>
-          <p:cNvSpPr>
-            <a:spLocks/>
-          </p:cNvSpPr>
-          <p:nvPr userDrawn="1"/>
-        </p:nvSpPr>
-        <p:spPr bwMode="auto">
-          <a:xfrm>
-            <a:off x="1841535" y="3207303"/>
-            <a:ext cx="843427" cy="343858"/>
-          </a:xfrm>
-          <a:custGeom>
-            <a:avLst/>
-            <a:gdLst>
-              <a:gd name="T0" fmla="*/ 3120 w 3800"/>
-              <a:gd name="T1" fmla="*/ 0 h 1532"/>
-              <a:gd name="T2" fmla="*/ 682 w 3800"/>
-              <a:gd name="T3" fmla="*/ 0 h 1532"/>
-              <a:gd name="T4" fmla="*/ 682 w 3800"/>
-              <a:gd name="T5" fmla="*/ 284 h 1532"/>
-              <a:gd name="T6" fmla="*/ 0 w 3800"/>
-              <a:gd name="T7" fmla="*/ 766 h 1532"/>
-              <a:gd name="T8" fmla="*/ 682 w 3800"/>
-              <a:gd name="T9" fmla="*/ 1248 h 1532"/>
-              <a:gd name="T10" fmla="*/ 682 w 3800"/>
-              <a:gd name="T11" fmla="*/ 1532 h 1532"/>
-              <a:gd name="T12" fmla="*/ 3120 w 3800"/>
-              <a:gd name="T13" fmla="*/ 1532 h 1532"/>
-              <a:gd name="T14" fmla="*/ 3120 w 3800"/>
-              <a:gd name="T15" fmla="*/ 1248 h 1532"/>
-              <a:gd name="T16" fmla="*/ 3800 w 3800"/>
-              <a:gd name="T17" fmla="*/ 766 h 1532"/>
-              <a:gd name="T18" fmla="*/ 3120 w 3800"/>
-              <a:gd name="T19" fmla="*/ 284 h 1532"/>
-              <a:gd name="T20" fmla="*/ 3120 w 3800"/>
-              <a:gd name="T21" fmla="*/ 0 h 1532"/>
-            </a:gdLst>
-            <a:ahLst/>
-            <a:cxnLst>
-              <a:cxn ang="0">
-                <a:pos x="T0" y="T1"/>
-              </a:cxn>
-              <a:cxn ang="0">
-                <a:pos x="T2" y="T3"/>
-              </a:cxn>
-              <a:cxn ang="0">
-                <a:pos x="T4" y="T5"/>
-              </a:cxn>
-              <a:cxn ang="0">
-                <a:pos x="T6" y="T7"/>
-              </a:cxn>
-              <a:cxn ang="0">
-                <a:pos x="T8" y="T9"/>
-              </a:cxn>
-              <a:cxn ang="0">
-                <a:pos x="T10" y="T11"/>
-              </a:cxn>
-              <a:cxn ang="0">
-                <a:pos x="T12" y="T13"/>
-              </a:cxn>
-              <a:cxn ang="0">
-                <a:pos x="T14" y="T15"/>
-              </a:cxn>
-              <a:cxn ang="0">
-                <a:pos x="T16" y="T17"/>
-              </a:cxn>
-              <a:cxn ang="0">
-                <a:pos x="T18" y="T19"/>
-              </a:cxn>
-              <a:cxn ang="0">
-                <a:pos x="T20" y="T21"/>
-              </a:cxn>
-            </a:cxnLst>
-            <a:rect l="0" t="0" r="r" b="b"/>
-            <a:pathLst>
-              <a:path w="3800" h="1532">
-                <a:moveTo>
-                  <a:pt x="3120" y="0"/>
-                </a:moveTo>
-                <a:lnTo>
-                  <a:pt x="682" y="0"/>
-                </a:lnTo>
-                <a:lnTo>
-                  <a:pt x="682" y="284"/>
-                </a:lnTo>
-                <a:lnTo>
-                  <a:pt x="0" y="766"/>
-                </a:lnTo>
-                <a:lnTo>
-                  <a:pt x="682" y="1248"/>
-                </a:lnTo>
-                <a:lnTo>
-                  <a:pt x="682" y="1532"/>
-                </a:lnTo>
-                <a:lnTo>
-                  <a:pt x="3120" y="1532"/>
-                </a:lnTo>
-                <a:lnTo>
-                  <a:pt x="3120" y="1248"/>
-                </a:lnTo>
-                <a:lnTo>
-                  <a:pt x="3800" y="766"/>
-                </a:lnTo>
-                <a:lnTo>
-                  <a:pt x="3120" y="284"/>
-                </a:lnTo>
-                <a:lnTo>
-                  <a:pt x="3120" y="0"/>
-                </a:lnTo>
-                <a:close/>
-              </a:path>
-            </a:pathLst>
-          </a:custGeom>
-          <a:solidFill>
-            <a:schemeClr val="bg2"/>
-          </a:solidFill>
-          <a:ln>
-            <a:noFill/>
-          </a:ln>
-        </p:spPr>
-        <p:txBody>
-          <a:bodyPr vert="horz" wrap="square" lIns="91440" tIns="45720" rIns="91440" bIns="45720" numCol="1" anchor="ctr" anchorCtr="0" compatLnSpc="1">
-            <a:prstTxWarp prst="textNoShape">
-              <a:avLst/>
-            </a:prstTxWarp>
-            <a:noAutofit/>
-          </a:bodyPr>
-          <a:lstStyle/>
-          <a:p>
-            <a:pPr algn="ctr"/>
-            <a:endParaRPr lang="zh-CN" altLang="en-US" sz="3200" b="1"/>
-          </a:p>
-        </p:txBody>
-      </p:sp>
-      <p:sp>
-        <p:nvSpPr>
-          <p:cNvPr id="19" name="文本框 18"/>
-          <p:cNvSpPr txBox="1"/>
-          <p:nvPr userDrawn="1"/>
-        </p:nvSpPr>
-        <p:spPr>
-          <a:xfrm>
-            <a:off x="2071646" y="3143496"/>
-            <a:ext cx="383206" cy="443226"/>
-          </a:xfrm>
-          <a:prstGeom prst="rect">
-            <a:avLst/>
-          </a:prstGeom>
-          <a:noFill/>
-        </p:spPr>
-        <p:txBody>
-          <a:bodyPr wrap="none" rtlCol="0" anchor="ctr">
-            <a:noAutofit/>
-          </a:bodyPr>
-          <a:lstStyle/>
-          <a:p>
-            <a:pPr algn="ctr"/>
-            <a:r>
-              <a:rPr lang="en-US" altLang="zh-CN" b="1" dirty="0">
-                <a:solidFill>
-                  <a:schemeClr val="bg1"/>
-                </a:solidFill>
-                <a:latin typeface="微软雅黑" panose="020B0503020204020204" pitchFamily="34" charset="-122"/>
-                <a:ea typeface="微软雅黑" panose="020B0503020204020204" pitchFamily="34" charset="-122"/>
-              </a:rPr>
-              <a:t>3</a:t>
-            </a:r>
-            <a:endParaRPr lang="zh-CN" altLang="en-US" b="1" dirty="0">
-              <a:solidFill>
-                <a:schemeClr val="bg1"/>
-              </a:solidFill>
-              <a:latin typeface="微软雅黑" panose="020B0503020204020204" pitchFamily="34" charset="-122"/>
-              <a:ea typeface="微软雅黑" panose="020B0503020204020204" pitchFamily="34" charset="-122"/>
-            </a:endParaRPr>
-          </a:p>
-        </p:txBody>
-      </p:sp>
-      <p:cxnSp>
-        <p:nvCxnSpPr>
-          <p:cNvPr id="20" name="直接连接符 19"/>
-          <p:cNvCxnSpPr>
-            <a:stCxn id="18" idx="6"/>
-          </p:cNvCxnSpPr>
-          <p:nvPr/>
-        </p:nvCxnSpPr>
-        <p:spPr>
-          <a:xfrm>
-            <a:off x="2534033" y="3551161"/>
-            <a:ext cx="4500000" cy="0"/>
-          </a:xfrm>
-          <a:prstGeom prst="line">
-            <a:avLst/>
-          </a:prstGeom>
-          <a:ln>
-            <a:solidFill>
-              <a:schemeClr val="bg2"/>
-            </a:solidFill>
-          </a:ln>
-        </p:spPr>
-        <p:style>
-          <a:lnRef idx="1">
-            <a:schemeClr val="accent1"/>
-          </a:lnRef>
-          <a:fillRef idx="0">
-            <a:schemeClr val="accent1"/>
-          </a:fillRef>
-          <a:effectRef idx="0">
-            <a:schemeClr val="accent1"/>
-          </a:effectRef>
-          <a:fontRef idx="minor">
-            <a:schemeClr val="tx1"/>
-          </a:fontRef>
-        </p:style>
-      </p:cxnSp>
-      <p:sp>
-        <p:nvSpPr>
-          <p:cNvPr id="23" name="Freeform 10"/>
-          <p:cNvSpPr>
-            <a:spLocks/>
-          </p:cNvSpPr>
-          <p:nvPr userDrawn="1"/>
-        </p:nvSpPr>
-        <p:spPr bwMode="auto">
-          <a:xfrm>
-            <a:off x="1841535" y="4127276"/>
-            <a:ext cx="843427" cy="343858"/>
-          </a:xfrm>
-          <a:custGeom>
-            <a:avLst/>
-            <a:gdLst>
-              <a:gd name="T0" fmla="*/ 3120 w 3800"/>
-              <a:gd name="T1" fmla="*/ 0 h 1532"/>
-              <a:gd name="T2" fmla="*/ 682 w 3800"/>
-              <a:gd name="T3" fmla="*/ 0 h 1532"/>
-              <a:gd name="T4" fmla="*/ 682 w 3800"/>
-              <a:gd name="T5" fmla="*/ 284 h 1532"/>
-              <a:gd name="T6" fmla="*/ 0 w 3800"/>
-              <a:gd name="T7" fmla="*/ 766 h 1532"/>
-              <a:gd name="T8" fmla="*/ 682 w 3800"/>
-              <a:gd name="T9" fmla="*/ 1248 h 1532"/>
-              <a:gd name="T10" fmla="*/ 682 w 3800"/>
-              <a:gd name="T11" fmla="*/ 1532 h 1532"/>
-              <a:gd name="T12" fmla="*/ 3120 w 3800"/>
-              <a:gd name="T13" fmla="*/ 1532 h 1532"/>
-              <a:gd name="T14" fmla="*/ 3120 w 3800"/>
-              <a:gd name="T15" fmla="*/ 1248 h 1532"/>
-              <a:gd name="T16" fmla="*/ 3800 w 3800"/>
-              <a:gd name="T17" fmla="*/ 766 h 1532"/>
-              <a:gd name="T18" fmla="*/ 3120 w 3800"/>
-              <a:gd name="T19" fmla="*/ 284 h 1532"/>
-              <a:gd name="T20" fmla="*/ 3120 w 3800"/>
-              <a:gd name="T21" fmla="*/ 0 h 1532"/>
-            </a:gdLst>
-            <a:ahLst/>
-            <a:cxnLst>
-              <a:cxn ang="0">
-                <a:pos x="T0" y="T1"/>
-              </a:cxn>
-              <a:cxn ang="0">
-                <a:pos x="T2" y="T3"/>
-              </a:cxn>
-              <a:cxn ang="0">
-                <a:pos x="T4" y="T5"/>
-              </a:cxn>
-              <a:cxn ang="0">
-                <a:pos x="T6" y="T7"/>
-              </a:cxn>
-              <a:cxn ang="0">
-                <a:pos x="T8" y="T9"/>
-              </a:cxn>
-              <a:cxn ang="0">
-                <a:pos x="T10" y="T11"/>
-              </a:cxn>
-              <a:cxn ang="0">
-                <a:pos x="T12" y="T13"/>
-              </a:cxn>
-              <a:cxn ang="0">
-                <a:pos x="T14" y="T15"/>
-              </a:cxn>
-              <a:cxn ang="0">
-                <a:pos x="T16" y="T17"/>
-              </a:cxn>
-              <a:cxn ang="0">
-                <a:pos x="T18" y="T19"/>
-              </a:cxn>
-              <a:cxn ang="0">
-                <a:pos x="T20" y="T21"/>
-              </a:cxn>
-            </a:cxnLst>
-            <a:rect l="0" t="0" r="r" b="b"/>
-            <a:pathLst>
-              <a:path w="3800" h="1532">
-                <a:moveTo>
-                  <a:pt x="3120" y="0"/>
-                </a:moveTo>
-                <a:lnTo>
-                  <a:pt x="682" y="0"/>
-                </a:lnTo>
-                <a:lnTo>
-                  <a:pt x="682" y="284"/>
-                </a:lnTo>
-                <a:lnTo>
-                  <a:pt x="0" y="766"/>
-                </a:lnTo>
-                <a:lnTo>
-                  <a:pt x="682" y="1248"/>
-                </a:lnTo>
-                <a:lnTo>
-                  <a:pt x="682" y="1532"/>
-                </a:lnTo>
-                <a:lnTo>
-                  <a:pt x="3120" y="1532"/>
-                </a:lnTo>
-                <a:lnTo>
-                  <a:pt x="3120" y="1248"/>
-                </a:lnTo>
-                <a:lnTo>
-                  <a:pt x="3800" y="766"/>
-                </a:lnTo>
-                <a:lnTo>
-                  <a:pt x="3120" y="284"/>
-                </a:lnTo>
-                <a:lnTo>
-                  <a:pt x="3120" y="0"/>
-                </a:lnTo>
-                <a:close/>
-              </a:path>
-            </a:pathLst>
-          </a:custGeom>
-          <a:solidFill>
-            <a:schemeClr val="bg2"/>
-          </a:solidFill>
-          <a:ln>
-            <a:noFill/>
-          </a:ln>
-        </p:spPr>
-        <p:txBody>
-          <a:bodyPr vert="horz" wrap="square" lIns="91440" tIns="45720" rIns="91440" bIns="45720" numCol="1" anchor="ctr" anchorCtr="0" compatLnSpc="1">
-            <a:prstTxWarp prst="textNoShape">
-              <a:avLst/>
-            </a:prstTxWarp>
-            <a:noAutofit/>
-          </a:bodyPr>
-          <a:lstStyle/>
-          <a:p>
-            <a:pPr algn="ctr"/>
-            <a:endParaRPr lang="zh-CN" altLang="en-US" sz="3200" b="1"/>
-          </a:p>
-        </p:txBody>
-      </p:sp>
-      <p:sp>
-        <p:nvSpPr>
-          <p:cNvPr id="24" name="文本框 23"/>
-          <p:cNvSpPr txBox="1"/>
-          <p:nvPr userDrawn="1"/>
-        </p:nvSpPr>
-        <p:spPr>
-          <a:xfrm>
-            <a:off x="2071646" y="4063469"/>
-            <a:ext cx="383206" cy="443226"/>
-          </a:xfrm>
-          <a:prstGeom prst="rect">
-            <a:avLst/>
-          </a:prstGeom>
-          <a:noFill/>
-        </p:spPr>
-        <p:txBody>
-          <a:bodyPr wrap="none" rtlCol="0" anchor="ctr">
-            <a:noAutofit/>
-          </a:bodyPr>
-          <a:lstStyle/>
-          <a:p>
-            <a:pPr algn="ctr"/>
-            <a:r>
-              <a:rPr lang="en-US" altLang="zh-CN" b="1" dirty="0">
-                <a:solidFill>
-                  <a:schemeClr val="bg1"/>
-                </a:solidFill>
-                <a:latin typeface="微软雅黑" panose="020B0503020204020204" pitchFamily="34" charset="-122"/>
-                <a:ea typeface="微软雅黑" panose="020B0503020204020204" pitchFamily="34" charset="-122"/>
-              </a:rPr>
-              <a:t>4</a:t>
-            </a:r>
-            <a:endParaRPr lang="zh-CN" altLang="en-US" b="1" dirty="0">
-              <a:solidFill>
-                <a:schemeClr val="bg1"/>
-              </a:solidFill>
-              <a:latin typeface="微软雅黑" panose="020B0503020204020204" pitchFamily="34" charset="-122"/>
-              <a:ea typeface="微软雅黑" panose="020B0503020204020204" pitchFamily="34" charset="-122"/>
-            </a:endParaRPr>
-          </a:p>
-        </p:txBody>
-      </p:sp>
-      <p:cxnSp>
-        <p:nvCxnSpPr>
-          <p:cNvPr id="25" name="直接连接符 24"/>
-          <p:cNvCxnSpPr>
-            <a:stCxn id="23" idx="6"/>
-          </p:cNvCxnSpPr>
-          <p:nvPr/>
-        </p:nvCxnSpPr>
-        <p:spPr>
-          <a:xfrm>
-            <a:off x="2534033" y="4471134"/>
-            <a:ext cx="4500000" cy="0"/>
-          </a:xfrm>
-          <a:prstGeom prst="line">
-            <a:avLst/>
-          </a:prstGeom>
-          <a:ln>
-            <a:solidFill>
-              <a:schemeClr val="bg2"/>
-            </a:solidFill>
-          </a:ln>
-        </p:spPr>
-        <p:style>
-          <a:lnRef idx="1">
-            <a:schemeClr val="accent1"/>
-          </a:lnRef>
-          <a:fillRef idx="0">
-            <a:schemeClr val="accent1"/>
-          </a:fillRef>
-          <a:effectRef idx="0">
-            <a:schemeClr val="accent1"/>
-          </a:effectRef>
-          <a:fontRef idx="minor">
-            <a:schemeClr val="tx1"/>
-          </a:fontRef>
-        </p:style>
-      </p:cxnSp>
-      <p:sp>
-        <p:nvSpPr>
-          <p:cNvPr id="33" name="Freeform 10"/>
-          <p:cNvSpPr>
-            <a:spLocks/>
-          </p:cNvSpPr>
-          <p:nvPr userDrawn="1"/>
-        </p:nvSpPr>
-        <p:spPr bwMode="auto">
-          <a:xfrm>
-            <a:off x="1841535" y="5047251"/>
-            <a:ext cx="843427" cy="343858"/>
-          </a:xfrm>
-          <a:custGeom>
-            <a:avLst/>
-            <a:gdLst>
-              <a:gd name="T0" fmla="*/ 3120 w 3800"/>
-              <a:gd name="T1" fmla="*/ 0 h 1532"/>
-              <a:gd name="T2" fmla="*/ 682 w 3800"/>
-              <a:gd name="T3" fmla="*/ 0 h 1532"/>
-              <a:gd name="T4" fmla="*/ 682 w 3800"/>
-              <a:gd name="T5" fmla="*/ 284 h 1532"/>
-              <a:gd name="T6" fmla="*/ 0 w 3800"/>
-              <a:gd name="T7" fmla="*/ 766 h 1532"/>
-              <a:gd name="T8" fmla="*/ 682 w 3800"/>
-              <a:gd name="T9" fmla="*/ 1248 h 1532"/>
-              <a:gd name="T10" fmla="*/ 682 w 3800"/>
-              <a:gd name="T11" fmla="*/ 1532 h 1532"/>
-              <a:gd name="T12" fmla="*/ 3120 w 3800"/>
-              <a:gd name="T13" fmla="*/ 1532 h 1532"/>
-              <a:gd name="T14" fmla="*/ 3120 w 3800"/>
-              <a:gd name="T15" fmla="*/ 1248 h 1532"/>
-              <a:gd name="T16" fmla="*/ 3800 w 3800"/>
-              <a:gd name="T17" fmla="*/ 766 h 1532"/>
-              <a:gd name="T18" fmla="*/ 3120 w 3800"/>
-              <a:gd name="T19" fmla="*/ 284 h 1532"/>
-              <a:gd name="T20" fmla="*/ 3120 w 3800"/>
-              <a:gd name="T21" fmla="*/ 0 h 1532"/>
-            </a:gdLst>
-            <a:ahLst/>
-            <a:cxnLst>
-              <a:cxn ang="0">
-                <a:pos x="T0" y="T1"/>
-              </a:cxn>
-              <a:cxn ang="0">
-                <a:pos x="T2" y="T3"/>
-              </a:cxn>
-              <a:cxn ang="0">
-                <a:pos x="T4" y="T5"/>
-              </a:cxn>
-              <a:cxn ang="0">
-                <a:pos x="T6" y="T7"/>
-              </a:cxn>
-              <a:cxn ang="0">
-                <a:pos x="T8" y="T9"/>
-              </a:cxn>
-              <a:cxn ang="0">
-                <a:pos x="T10" y="T11"/>
-              </a:cxn>
-              <a:cxn ang="0">
-                <a:pos x="T12" y="T13"/>
-              </a:cxn>
-              <a:cxn ang="0">
-                <a:pos x="T14" y="T15"/>
-              </a:cxn>
-              <a:cxn ang="0">
-                <a:pos x="T16" y="T17"/>
-              </a:cxn>
-              <a:cxn ang="0">
-                <a:pos x="T18" y="T19"/>
-              </a:cxn>
-              <a:cxn ang="0">
-                <a:pos x="T20" y="T21"/>
-              </a:cxn>
-            </a:cxnLst>
-            <a:rect l="0" t="0" r="r" b="b"/>
-            <a:pathLst>
-              <a:path w="3800" h="1532">
-                <a:moveTo>
-                  <a:pt x="3120" y="0"/>
-                </a:moveTo>
-                <a:lnTo>
-                  <a:pt x="682" y="0"/>
-                </a:lnTo>
-                <a:lnTo>
-                  <a:pt x="682" y="284"/>
-                </a:lnTo>
-                <a:lnTo>
-                  <a:pt x="0" y="766"/>
-                </a:lnTo>
-                <a:lnTo>
-                  <a:pt x="682" y="1248"/>
-                </a:lnTo>
-                <a:lnTo>
-                  <a:pt x="682" y="1532"/>
-                </a:lnTo>
-                <a:lnTo>
-                  <a:pt x="3120" y="1532"/>
-                </a:lnTo>
-                <a:lnTo>
-                  <a:pt x="3120" y="1248"/>
-                </a:lnTo>
-                <a:lnTo>
-                  <a:pt x="3800" y="766"/>
-                </a:lnTo>
-                <a:lnTo>
-                  <a:pt x="3120" y="284"/>
-                </a:lnTo>
-                <a:lnTo>
-                  <a:pt x="3120" y="0"/>
-                </a:lnTo>
-                <a:close/>
-              </a:path>
-            </a:pathLst>
-          </a:custGeom>
-          <a:solidFill>
-            <a:schemeClr val="bg2"/>
-          </a:solidFill>
-          <a:ln>
-            <a:noFill/>
-          </a:ln>
-        </p:spPr>
-        <p:txBody>
-          <a:bodyPr vert="horz" wrap="square" lIns="91440" tIns="45720" rIns="91440" bIns="45720" numCol="1" anchor="ctr" anchorCtr="0" compatLnSpc="1">
-            <a:prstTxWarp prst="textNoShape">
-              <a:avLst/>
-            </a:prstTxWarp>
-            <a:noAutofit/>
-          </a:bodyPr>
-          <a:lstStyle/>
-          <a:p>
-            <a:pPr algn="ctr"/>
-            <a:endParaRPr lang="zh-CN" altLang="en-US" sz="3200" b="1"/>
-          </a:p>
-        </p:txBody>
-      </p:sp>
-      <p:sp>
-        <p:nvSpPr>
-          <p:cNvPr id="34" name="文本框 33"/>
-          <p:cNvSpPr txBox="1"/>
-          <p:nvPr userDrawn="1"/>
-        </p:nvSpPr>
-        <p:spPr>
-          <a:xfrm>
-            <a:off x="2071646" y="4983444"/>
-            <a:ext cx="383206" cy="443226"/>
-          </a:xfrm>
-          <a:prstGeom prst="rect">
-            <a:avLst/>
-          </a:prstGeom>
-          <a:noFill/>
-        </p:spPr>
-        <p:txBody>
-          <a:bodyPr wrap="none" rtlCol="0" anchor="ctr">
-            <a:noAutofit/>
-          </a:bodyPr>
-          <a:lstStyle/>
-          <a:p>
-            <a:pPr algn="ctr"/>
-            <a:r>
-              <a:rPr lang="en-US" altLang="zh-CN" b="1" dirty="0">
-                <a:solidFill>
-                  <a:schemeClr val="bg1"/>
-                </a:solidFill>
-                <a:latin typeface="微软雅黑" panose="020B0503020204020204" pitchFamily="34" charset="-122"/>
-                <a:ea typeface="微软雅黑" panose="020B0503020204020204" pitchFamily="34" charset="-122"/>
-              </a:rPr>
-              <a:t>5</a:t>
-            </a:r>
-            <a:endParaRPr lang="zh-CN" altLang="en-US" b="1" dirty="0">
-              <a:solidFill>
-                <a:schemeClr val="bg1"/>
-              </a:solidFill>
-              <a:latin typeface="微软雅黑" panose="020B0503020204020204" pitchFamily="34" charset="-122"/>
-              <a:ea typeface="微软雅黑" panose="020B0503020204020204" pitchFamily="34" charset="-122"/>
-            </a:endParaRPr>
-          </a:p>
-        </p:txBody>
-      </p:sp>
-      <p:cxnSp>
-        <p:nvCxnSpPr>
-          <p:cNvPr id="35" name="直接连接符 34"/>
-          <p:cNvCxnSpPr>
-            <a:stCxn id="33" idx="6"/>
-          </p:cNvCxnSpPr>
-          <p:nvPr/>
-        </p:nvCxnSpPr>
-        <p:spPr>
-          <a:xfrm>
-            <a:off x="2534033" y="5391109"/>
-            <a:ext cx="4500000" cy="0"/>
-          </a:xfrm>
-          <a:prstGeom prst="line">
-            <a:avLst/>
-          </a:prstGeom>
-          <a:ln>
-            <a:solidFill>
-              <a:schemeClr val="bg2"/>
-            </a:solidFill>
-          </a:ln>
-        </p:spPr>
-        <p:style>
-          <a:lnRef idx="1">
-            <a:schemeClr val="accent1"/>
-          </a:lnRef>
-          <a:fillRef idx="0">
-            <a:schemeClr val="accent1"/>
-          </a:fillRef>
-          <a:effectRef idx="0">
-            <a:schemeClr val="accent1"/>
-          </a:effectRef>
-          <a:fontRef idx="minor">
-            <a:schemeClr val="tx1"/>
-          </a:fontRef>
-        </p:style>
-      </p:cxnSp>
-      <p:sp>
-        <p:nvSpPr>
-          <p:cNvPr id="28" name="文本框 27">
-            <a:extLst>
-              <a:ext uri="{FF2B5EF4-FFF2-40B4-BE49-F238E27FC236}">
-                <a16:creationId xmlns:a16="http://schemas.microsoft.com/office/drawing/2014/main" id="{33740C1C-61C9-47D8-9E2A-A2444B479AD1}"/>
-              </a:ext>
-            </a:extLst>
-          </p:cNvPr>
-          <p:cNvSpPr txBox="1"/>
-          <p:nvPr/>
-        </p:nvSpPr>
-        <p:spPr>
-          <a:xfrm>
-            <a:off x="2915072" y="1274734"/>
-            <a:ext cx="6125295" cy="461665"/>
-          </a:xfrm>
-          <a:prstGeom prst="rect">
-            <a:avLst/>
-          </a:prstGeom>
-          <a:noFill/>
-        </p:spPr>
-        <p:txBody>
-          <a:bodyPr wrap="square" rtlCol="0">
-            <a:spAutoFit/>
-          </a:bodyPr>
-          <a:lstStyle/>
-          <a:p>
-            <a:r>
-              <a:rPr lang="en-GB" altLang="zh-CN" sz="2400" dirty="0" err="1"/>
+              <a:rPr lang="en-US" altLang="zh-CN" dirty="0"/>
+              <a:t>The objective of </a:t>
+            </a:r>
+            <a:r>
+              <a:rPr lang="en-US" altLang="zh-CN" dirty="0" err="1"/>
               <a:t>NPoS</a:t>
             </a:r>
-            <a:r>
-              <a:rPr lang="en-GB" altLang="zh-CN" sz="2400" dirty="0"/>
-              <a:t> and Validator election</a:t>
-            </a:r>
-            <a:endParaRPr lang="zh-CN" altLang="en-US" sz="2400" dirty="0"/>
-          </a:p>
-        </p:txBody>
-      </p:sp>
-      <p:sp>
-        <p:nvSpPr>
-          <p:cNvPr id="27" name="文本框 26">
-            <a:extLst>
-              <a:ext uri="{FF2B5EF4-FFF2-40B4-BE49-F238E27FC236}">
-                <a16:creationId xmlns:a16="http://schemas.microsoft.com/office/drawing/2014/main" id="{38F10A68-B2BB-4E03-BEE7-ACF1D623248C}"/>
-              </a:ext>
-            </a:extLst>
-          </p:cNvPr>
-          <p:cNvSpPr txBox="1"/>
-          <p:nvPr/>
-        </p:nvSpPr>
-        <p:spPr>
-          <a:xfrm>
-            <a:off x="2915073" y="3114680"/>
-            <a:ext cx="4387392" cy="461665"/>
-          </a:xfrm>
-          <a:prstGeom prst="rect">
-            <a:avLst/>
-          </a:prstGeom>
-          <a:noFill/>
-        </p:spPr>
-        <p:txBody>
-          <a:bodyPr wrap="square" rtlCol="0">
-            <a:spAutoFit/>
-          </a:bodyPr>
-          <a:lstStyle/>
-          <a:p>
-            <a:r>
-              <a:rPr lang="en-US" altLang="zh-CN" sz="2400" dirty="0"/>
-              <a:t>Consensus</a:t>
-            </a:r>
-          </a:p>
-        </p:txBody>
-      </p:sp>
-      <p:sp>
-        <p:nvSpPr>
-          <p:cNvPr id="29" name="文本框 28">
-            <a:extLst>
-              <a:ext uri="{FF2B5EF4-FFF2-40B4-BE49-F238E27FC236}">
-                <a16:creationId xmlns:a16="http://schemas.microsoft.com/office/drawing/2014/main" id="{C1B15F69-6774-4175-B851-B16CD1E49593}"/>
-              </a:ext>
-            </a:extLst>
-          </p:cNvPr>
-          <p:cNvSpPr txBox="1"/>
-          <p:nvPr/>
-        </p:nvSpPr>
-        <p:spPr>
-          <a:xfrm>
-            <a:off x="2915073" y="4034653"/>
-            <a:ext cx="4387392" cy="461665"/>
-          </a:xfrm>
-          <a:prstGeom prst="rect">
-            <a:avLst/>
-          </a:prstGeom>
-          <a:noFill/>
-        </p:spPr>
-        <p:txBody>
-          <a:bodyPr wrap="square" rtlCol="0">
-            <a:spAutoFit/>
-          </a:bodyPr>
-          <a:lstStyle/>
-          <a:p>
-            <a:r>
-              <a:rPr lang="en-US" altLang="zh-CN" sz="2400" dirty="0" err="1"/>
-              <a:t>Parachains</a:t>
-            </a:r>
-            <a:endParaRPr lang="zh-CN" altLang="en-US" sz="2400" dirty="0"/>
-          </a:p>
-        </p:txBody>
-      </p:sp>
-      <p:sp>
-        <p:nvSpPr>
-          <p:cNvPr id="30" name="文本框 29">
-            <a:extLst>
-              <a:ext uri="{FF2B5EF4-FFF2-40B4-BE49-F238E27FC236}">
-                <a16:creationId xmlns:a16="http://schemas.microsoft.com/office/drawing/2014/main" id="{B807BB52-D038-4AAF-8C7E-43CD09DECD5C}"/>
-              </a:ext>
-            </a:extLst>
-          </p:cNvPr>
-          <p:cNvSpPr txBox="1"/>
-          <p:nvPr/>
-        </p:nvSpPr>
-        <p:spPr>
-          <a:xfrm>
-            <a:off x="2915073" y="4954628"/>
-            <a:ext cx="5137744" cy="461665"/>
-          </a:xfrm>
-          <a:prstGeom prst="rect">
-            <a:avLst/>
-          </a:prstGeom>
-          <a:noFill/>
-        </p:spPr>
-        <p:txBody>
-          <a:bodyPr wrap="square" rtlCol="0">
-            <a:spAutoFit/>
-          </a:bodyPr>
-          <a:lstStyle/>
-          <a:p>
-            <a:r>
-              <a:rPr lang="en-US" altLang="zh-CN" sz="2400" dirty="0"/>
-              <a:t>Economics, Incentive and Governance</a:t>
-            </a:r>
-            <a:endParaRPr lang="zh-CN" altLang="en-US" sz="2400" dirty="0"/>
+            <a:endParaRPr lang="zh-CN" altLang="en-US" dirty="0"/>
           </a:p>
         </p:txBody>
       </p:sp>
     </p:spTree>
     <p:extLst>
       <p:ext uri="{BB962C8B-B14F-4D97-AF65-F5344CB8AC3E}">
-        <p14:creationId xmlns:p14="http://schemas.microsoft.com/office/powerpoint/2010/main" val="3595279237"/>
+        <p14:creationId xmlns:p14="http://schemas.microsoft.com/office/powerpoint/2010/main" val="4022395569"/>
       </p:ext>
     </p:extLst>
   </p:cSld>
@@ -9946,121 +9372,7 @@
       </p:grpSpPr>
       <p:sp>
         <p:nvSpPr>
-          <p:cNvPr id="2" name="内容占位符 1">
-            <a:extLst>
-              <a:ext uri="{FF2B5EF4-FFF2-40B4-BE49-F238E27FC236}">
-                <a16:creationId xmlns:a16="http://schemas.microsoft.com/office/drawing/2014/main" id="{AF3ED768-F4AC-4570-9A14-87BFBBA452E6}"/>
-              </a:ext>
-            </a:extLst>
-          </p:cNvPr>
-          <p:cNvSpPr>
-            <a:spLocks noGrp="1"/>
-          </p:cNvSpPr>
-          <p:nvPr>
-            <p:ph sz="quarter" idx="10"/>
-          </p:nvPr>
-        </p:nvSpPr>
-        <p:spPr>
-          <a:xfrm>
-            <a:off x="494025" y="1685678"/>
-            <a:ext cx="5467863" cy="4562722"/>
-          </a:xfrm>
-        </p:spPr>
-        <p:txBody>
-          <a:bodyPr/>
-          <a:lstStyle/>
-          <a:p>
-            <a:r>
-              <a:rPr lang="en-US" altLang="zh-CN" dirty="0"/>
-              <a:t>State</a:t>
-            </a:r>
-          </a:p>
-          <a:p>
-            <a:pPr lvl="1"/>
-            <a:r>
-              <a:rPr lang="en-US" altLang="zh-CN" dirty="0"/>
-              <a:t>Represented by an </a:t>
-            </a:r>
-            <a:r>
-              <a:rPr lang="en-US" altLang="zh-CN" b="1" i="1" dirty="0"/>
-              <a:t>associative array </a:t>
-            </a:r>
-            <a:r>
-              <a:rPr lang="en-US" altLang="zh-CN" dirty="0"/>
-              <a:t>data structure, composed by a collection of </a:t>
-            </a:r>
-            <a:r>
-              <a:rPr lang="en-US" altLang="zh-CN" b="1" dirty="0"/>
-              <a:t>key-value pairs</a:t>
-            </a:r>
-            <a:r>
-              <a:rPr lang="en-US" altLang="zh-CN" dirty="0"/>
-              <a:t> where each key is unique.</a:t>
-            </a:r>
-          </a:p>
-          <a:p>
-            <a:pPr lvl="1"/>
-            <a:r>
-              <a:rPr lang="en-US" altLang="zh-CN" dirty="0"/>
-              <a:t>Both key and value need to be </a:t>
-            </a:r>
-            <a:r>
-              <a:rPr lang="en-US" altLang="zh-CN" b="1" dirty="0"/>
-              <a:t>finite byte arrays</a:t>
-            </a:r>
-          </a:p>
-          <a:p>
-            <a:pPr lvl="1"/>
-            <a:r>
-              <a:rPr lang="en-US" altLang="zh-CN" dirty="0"/>
-              <a:t>K-V pairs are arranged in a </a:t>
-            </a:r>
-            <a:r>
-              <a:rPr lang="en-US" altLang="zh-CN" b="1" dirty="0"/>
-              <a:t>Merkel radix-16 tree</a:t>
-            </a:r>
-          </a:p>
-          <a:p>
-            <a:pPr lvl="2"/>
-            <a:r>
-              <a:rPr lang="en-US" altLang="zh-CN" dirty="0"/>
-              <a:t>whose root identifies the current state of the relay chain.</a:t>
-            </a:r>
-          </a:p>
-          <a:p>
-            <a:pPr lvl="2"/>
-            <a:r>
-              <a:rPr lang="en-US" altLang="zh-CN" dirty="0"/>
-              <a:t>provides an efficient mean to produce the proof of inclusion for an individual pair in the state.</a:t>
-            </a:r>
-          </a:p>
-          <a:p>
-            <a:pPr lvl="2"/>
-            <a:r>
-              <a:rPr lang="en-US" altLang="zh-CN" dirty="0"/>
-              <a:t>Shouldn’t store any information regarding the internal operation of the </a:t>
-            </a:r>
-            <a:r>
-              <a:rPr lang="en-US" altLang="zh-CN" dirty="0" err="1"/>
-              <a:t>parachains</a:t>
-            </a:r>
-            <a:r>
-              <a:rPr lang="en-US" altLang="zh-CN" dirty="0"/>
-              <a:t>.</a:t>
-            </a:r>
-            <a:endParaRPr lang="en-US" altLang="zh-CN" b="1" dirty="0"/>
-          </a:p>
-        </p:txBody>
-      </p:sp>
-      <p:sp>
-        <p:nvSpPr>
-          <p:cNvPr id="3" name="标题 2">
-            <a:extLst>
-              <a:ext uri="{FF2B5EF4-FFF2-40B4-BE49-F238E27FC236}">
-                <a16:creationId xmlns:a16="http://schemas.microsoft.com/office/drawing/2014/main" id="{CDC1A08A-FFC4-4FE8-B7F5-70FBB0F936C3}"/>
-              </a:ext>
-            </a:extLst>
-          </p:cNvPr>
+          <p:cNvPr id="2" name="标题 1"/>
           <p:cNvSpPr>
             <a:spLocks noGrp="1"/>
           </p:cNvSpPr>
@@ -10070,113 +9382,1307 @@
         </p:nvSpPr>
         <p:spPr/>
         <p:txBody>
-          <a:bodyPr/>
+          <a:bodyPr>
+            <a:normAutofit fontScale="90000"/>
+          </a:bodyPr>
           <a:lstStyle/>
           <a:p>
             <a:r>
-              <a:rPr lang="en-US" altLang="zh-CN" dirty="0"/>
-              <a:t>Relay Chain protocol: A state machine</a:t>
-            </a:r>
-            <a:endParaRPr lang="zh-CN" altLang="en-US" dirty="0"/>
+              <a:rPr lang="zh-CN" altLang="en-US" dirty="0">
+                <a:latin typeface="微软雅黑" panose="020B0503020204020204" pitchFamily="34" charset="-122"/>
+                <a:ea typeface="微软雅黑" panose="020B0503020204020204" pitchFamily="34" charset="-122"/>
+              </a:rPr>
+              <a:t>目录 </a:t>
+            </a:r>
+            <a:r>
+              <a:rPr lang="en-US" altLang="zh-CN" dirty="0">
+                <a:latin typeface="微软雅黑" panose="020B0503020204020204" pitchFamily="34" charset="-122"/>
+                <a:ea typeface="微软雅黑" panose="020B0503020204020204" pitchFamily="34" charset="-122"/>
+              </a:rPr>
+              <a:t>Contents</a:t>
+            </a:r>
+            <a:endParaRPr lang="zh-CN" altLang="en-US" dirty="0">
+              <a:latin typeface="微软雅黑" panose="020B0503020204020204" pitchFamily="34" charset="-122"/>
+              <a:ea typeface="微软雅黑" panose="020B0503020204020204" pitchFamily="34" charset="-122"/>
+            </a:endParaRPr>
           </a:p>
         </p:txBody>
       </p:sp>
-      <p:pic>
-        <p:nvPicPr>
-          <p:cNvPr id="1028" name="Picture 4" descr="Image for post">
+      <p:sp>
+        <p:nvSpPr>
+          <p:cNvPr id="4" name="Freeform 10"/>
+          <p:cNvSpPr>
+            <a:spLocks/>
+          </p:cNvSpPr>
+          <p:nvPr userDrawn="1"/>
+        </p:nvSpPr>
+        <p:spPr bwMode="auto">
+          <a:xfrm>
+            <a:off x="1841535" y="1367357"/>
+            <a:ext cx="843427" cy="343858"/>
+          </a:xfrm>
+          <a:custGeom>
+            <a:avLst/>
+            <a:gdLst>
+              <a:gd name="T0" fmla="*/ 3120 w 3800"/>
+              <a:gd name="T1" fmla="*/ 0 h 1532"/>
+              <a:gd name="T2" fmla="*/ 682 w 3800"/>
+              <a:gd name="T3" fmla="*/ 0 h 1532"/>
+              <a:gd name="T4" fmla="*/ 682 w 3800"/>
+              <a:gd name="T5" fmla="*/ 284 h 1532"/>
+              <a:gd name="T6" fmla="*/ 0 w 3800"/>
+              <a:gd name="T7" fmla="*/ 766 h 1532"/>
+              <a:gd name="T8" fmla="*/ 682 w 3800"/>
+              <a:gd name="T9" fmla="*/ 1248 h 1532"/>
+              <a:gd name="T10" fmla="*/ 682 w 3800"/>
+              <a:gd name="T11" fmla="*/ 1532 h 1532"/>
+              <a:gd name="T12" fmla="*/ 3120 w 3800"/>
+              <a:gd name="T13" fmla="*/ 1532 h 1532"/>
+              <a:gd name="T14" fmla="*/ 3120 w 3800"/>
+              <a:gd name="T15" fmla="*/ 1248 h 1532"/>
+              <a:gd name="T16" fmla="*/ 3800 w 3800"/>
+              <a:gd name="T17" fmla="*/ 766 h 1532"/>
+              <a:gd name="T18" fmla="*/ 3120 w 3800"/>
+              <a:gd name="T19" fmla="*/ 284 h 1532"/>
+              <a:gd name="T20" fmla="*/ 3120 w 3800"/>
+              <a:gd name="T21" fmla="*/ 0 h 1532"/>
+            </a:gdLst>
+            <a:ahLst/>
+            <a:cxnLst>
+              <a:cxn ang="0">
+                <a:pos x="T0" y="T1"/>
+              </a:cxn>
+              <a:cxn ang="0">
+                <a:pos x="T2" y="T3"/>
+              </a:cxn>
+              <a:cxn ang="0">
+                <a:pos x="T4" y="T5"/>
+              </a:cxn>
+              <a:cxn ang="0">
+                <a:pos x="T6" y="T7"/>
+              </a:cxn>
+              <a:cxn ang="0">
+                <a:pos x="T8" y="T9"/>
+              </a:cxn>
+              <a:cxn ang="0">
+                <a:pos x="T10" y="T11"/>
+              </a:cxn>
+              <a:cxn ang="0">
+                <a:pos x="T12" y="T13"/>
+              </a:cxn>
+              <a:cxn ang="0">
+                <a:pos x="T14" y="T15"/>
+              </a:cxn>
+              <a:cxn ang="0">
+                <a:pos x="T16" y="T17"/>
+              </a:cxn>
+              <a:cxn ang="0">
+                <a:pos x="T18" y="T19"/>
+              </a:cxn>
+              <a:cxn ang="0">
+                <a:pos x="T20" y="T21"/>
+              </a:cxn>
+            </a:cxnLst>
+            <a:rect l="0" t="0" r="r" b="b"/>
+            <a:pathLst>
+              <a:path w="3800" h="1532">
+                <a:moveTo>
+                  <a:pt x="3120" y="0"/>
+                </a:moveTo>
+                <a:lnTo>
+                  <a:pt x="682" y="0"/>
+                </a:lnTo>
+                <a:lnTo>
+                  <a:pt x="682" y="284"/>
+                </a:lnTo>
+                <a:lnTo>
+                  <a:pt x="0" y="766"/>
+                </a:lnTo>
+                <a:lnTo>
+                  <a:pt x="682" y="1248"/>
+                </a:lnTo>
+                <a:lnTo>
+                  <a:pt x="682" y="1532"/>
+                </a:lnTo>
+                <a:lnTo>
+                  <a:pt x="3120" y="1532"/>
+                </a:lnTo>
+                <a:lnTo>
+                  <a:pt x="3120" y="1248"/>
+                </a:lnTo>
+                <a:lnTo>
+                  <a:pt x="3800" y="766"/>
+                </a:lnTo>
+                <a:lnTo>
+                  <a:pt x="3120" y="284"/>
+                </a:lnTo>
+                <a:lnTo>
+                  <a:pt x="3120" y="0"/>
+                </a:lnTo>
+                <a:close/>
+              </a:path>
+            </a:pathLst>
+          </a:custGeom>
+          <a:solidFill>
+            <a:schemeClr val="bg2"/>
+          </a:solidFill>
+          <a:ln>
+            <a:noFill/>
+          </a:ln>
+        </p:spPr>
+        <p:txBody>
+          <a:bodyPr vert="horz" wrap="square" lIns="91440" tIns="45720" rIns="91440" bIns="45720" numCol="1" anchor="ctr" anchorCtr="0" compatLnSpc="1">
+            <a:prstTxWarp prst="textNoShape">
+              <a:avLst/>
+            </a:prstTxWarp>
+            <a:noAutofit/>
+          </a:bodyPr>
+          <a:lstStyle/>
+          <a:p>
+            <a:pPr algn="ctr"/>
+            <a:endParaRPr lang="zh-CN" altLang="en-US" sz="3200" b="1"/>
+          </a:p>
+        </p:txBody>
+      </p:sp>
+      <p:sp>
+        <p:nvSpPr>
+          <p:cNvPr id="5" name="文本框 4"/>
+          <p:cNvSpPr txBox="1"/>
+          <p:nvPr userDrawn="1"/>
+        </p:nvSpPr>
+        <p:spPr>
+          <a:xfrm>
+            <a:off x="2071646" y="1303550"/>
+            <a:ext cx="383206" cy="443226"/>
+          </a:xfrm>
+          <a:prstGeom prst="rect">
+            <a:avLst/>
+          </a:prstGeom>
+          <a:noFill/>
+        </p:spPr>
+        <p:txBody>
+          <a:bodyPr wrap="none" rtlCol="0" anchor="ctr">
+            <a:noAutofit/>
+          </a:bodyPr>
+          <a:lstStyle/>
+          <a:p>
+            <a:pPr algn="ctr"/>
+            <a:r>
+              <a:rPr lang="en-US" altLang="zh-CN" b="1" dirty="0">
+                <a:solidFill>
+                  <a:schemeClr val="bg1"/>
+                </a:solidFill>
+                <a:latin typeface="微软雅黑" panose="020B0503020204020204" pitchFamily="34" charset="-122"/>
+                <a:ea typeface="微软雅黑" panose="020B0503020204020204" pitchFamily="34" charset="-122"/>
+              </a:rPr>
+              <a:t>1</a:t>
+            </a:r>
+            <a:endParaRPr lang="zh-CN" altLang="en-US" b="1" dirty="0">
+              <a:solidFill>
+                <a:schemeClr val="bg1"/>
+              </a:solidFill>
+              <a:latin typeface="微软雅黑" panose="020B0503020204020204" pitchFamily="34" charset="-122"/>
+              <a:ea typeface="微软雅黑" panose="020B0503020204020204" pitchFamily="34" charset="-122"/>
+            </a:endParaRPr>
+          </a:p>
+        </p:txBody>
+      </p:sp>
+      <p:cxnSp>
+        <p:nvCxnSpPr>
+          <p:cNvPr id="7" name="直接连接符 6"/>
+          <p:cNvCxnSpPr>
+            <a:stCxn id="4" idx="6"/>
+          </p:cNvCxnSpPr>
+          <p:nvPr/>
+        </p:nvCxnSpPr>
+        <p:spPr>
+          <a:xfrm>
+            <a:off x="2534033" y="1711215"/>
+            <a:ext cx="4500000" cy="0"/>
+          </a:xfrm>
+          <a:prstGeom prst="line">
+            <a:avLst/>
+          </a:prstGeom>
+          <a:ln>
+            <a:solidFill>
+              <a:schemeClr val="bg2"/>
+            </a:solidFill>
+          </a:ln>
+        </p:spPr>
+        <p:style>
+          <a:lnRef idx="1">
+            <a:schemeClr val="accent1"/>
+          </a:lnRef>
+          <a:fillRef idx="0">
+            <a:schemeClr val="accent1"/>
+          </a:fillRef>
+          <a:effectRef idx="0">
+            <a:schemeClr val="accent1"/>
+          </a:effectRef>
+          <a:fontRef idx="minor">
+            <a:schemeClr val="tx1"/>
+          </a:fontRef>
+        </p:style>
+      </p:cxnSp>
+      <p:sp>
+        <p:nvSpPr>
+          <p:cNvPr id="13" name="Freeform 10"/>
+          <p:cNvSpPr>
+            <a:spLocks/>
+          </p:cNvSpPr>
+          <p:nvPr userDrawn="1"/>
+        </p:nvSpPr>
+        <p:spPr bwMode="auto">
+          <a:xfrm>
+            <a:off x="1841535" y="2287330"/>
+            <a:ext cx="843427" cy="343858"/>
+          </a:xfrm>
+          <a:custGeom>
+            <a:avLst/>
+            <a:gdLst>
+              <a:gd name="T0" fmla="*/ 3120 w 3800"/>
+              <a:gd name="T1" fmla="*/ 0 h 1532"/>
+              <a:gd name="T2" fmla="*/ 682 w 3800"/>
+              <a:gd name="T3" fmla="*/ 0 h 1532"/>
+              <a:gd name="T4" fmla="*/ 682 w 3800"/>
+              <a:gd name="T5" fmla="*/ 284 h 1532"/>
+              <a:gd name="T6" fmla="*/ 0 w 3800"/>
+              <a:gd name="T7" fmla="*/ 766 h 1532"/>
+              <a:gd name="T8" fmla="*/ 682 w 3800"/>
+              <a:gd name="T9" fmla="*/ 1248 h 1532"/>
+              <a:gd name="T10" fmla="*/ 682 w 3800"/>
+              <a:gd name="T11" fmla="*/ 1532 h 1532"/>
+              <a:gd name="T12" fmla="*/ 3120 w 3800"/>
+              <a:gd name="T13" fmla="*/ 1532 h 1532"/>
+              <a:gd name="T14" fmla="*/ 3120 w 3800"/>
+              <a:gd name="T15" fmla="*/ 1248 h 1532"/>
+              <a:gd name="T16" fmla="*/ 3800 w 3800"/>
+              <a:gd name="T17" fmla="*/ 766 h 1532"/>
+              <a:gd name="T18" fmla="*/ 3120 w 3800"/>
+              <a:gd name="T19" fmla="*/ 284 h 1532"/>
+              <a:gd name="T20" fmla="*/ 3120 w 3800"/>
+              <a:gd name="T21" fmla="*/ 0 h 1532"/>
+            </a:gdLst>
+            <a:ahLst/>
+            <a:cxnLst>
+              <a:cxn ang="0">
+                <a:pos x="T0" y="T1"/>
+              </a:cxn>
+              <a:cxn ang="0">
+                <a:pos x="T2" y="T3"/>
+              </a:cxn>
+              <a:cxn ang="0">
+                <a:pos x="T4" y="T5"/>
+              </a:cxn>
+              <a:cxn ang="0">
+                <a:pos x="T6" y="T7"/>
+              </a:cxn>
+              <a:cxn ang="0">
+                <a:pos x="T8" y="T9"/>
+              </a:cxn>
+              <a:cxn ang="0">
+                <a:pos x="T10" y="T11"/>
+              </a:cxn>
+              <a:cxn ang="0">
+                <a:pos x="T12" y="T13"/>
+              </a:cxn>
+              <a:cxn ang="0">
+                <a:pos x="T14" y="T15"/>
+              </a:cxn>
+              <a:cxn ang="0">
+                <a:pos x="T16" y="T17"/>
+              </a:cxn>
+              <a:cxn ang="0">
+                <a:pos x="T18" y="T19"/>
+              </a:cxn>
+              <a:cxn ang="0">
+                <a:pos x="T20" y="T21"/>
+              </a:cxn>
+            </a:cxnLst>
+            <a:rect l="0" t="0" r="r" b="b"/>
+            <a:pathLst>
+              <a:path w="3800" h="1532">
+                <a:moveTo>
+                  <a:pt x="3120" y="0"/>
+                </a:moveTo>
+                <a:lnTo>
+                  <a:pt x="682" y="0"/>
+                </a:lnTo>
+                <a:lnTo>
+                  <a:pt x="682" y="284"/>
+                </a:lnTo>
+                <a:lnTo>
+                  <a:pt x="0" y="766"/>
+                </a:lnTo>
+                <a:lnTo>
+                  <a:pt x="682" y="1248"/>
+                </a:lnTo>
+                <a:lnTo>
+                  <a:pt x="682" y="1532"/>
+                </a:lnTo>
+                <a:lnTo>
+                  <a:pt x="3120" y="1532"/>
+                </a:lnTo>
+                <a:lnTo>
+                  <a:pt x="3120" y="1248"/>
+                </a:lnTo>
+                <a:lnTo>
+                  <a:pt x="3800" y="766"/>
+                </a:lnTo>
+                <a:lnTo>
+                  <a:pt x="3120" y="284"/>
+                </a:lnTo>
+                <a:lnTo>
+                  <a:pt x="3120" y="0"/>
+                </a:lnTo>
+                <a:close/>
+              </a:path>
+            </a:pathLst>
+          </a:custGeom>
+          <a:solidFill>
+            <a:schemeClr val="accent1"/>
+          </a:solidFill>
+          <a:ln>
+            <a:noFill/>
+          </a:ln>
+        </p:spPr>
+        <p:txBody>
+          <a:bodyPr vert="horz" wrap="square" lIns="91440" tIns="45720" rIns="91440" bIns="45720" numCol="1" anchor="ctr" anchorCtr="0" compatLnSpc="1">
+            <a:prstTxWarp prst="textNoShape">
+              <a:avLst/>
+            </a:prstTxWarp>
+            <a:noAutofit/>
+          </a:bodyPr>
+          <a:lstStyle/>
+          <a:p>
+            <a:pPr algn="ctr"/>
+            <a:endParaRPr lang="zh-CN" altLang="en-US" sz="3200" b="1"/>
+          </a:p>
+        </p:txBody>
+      </p:sp>
+      <p:sp>
+        <p:nvSpPr>
+          <p:cNvPr id="14" name="文本框 13"/>
+          <p:cNvSpPr txBox="1"/>
+          <p:nvPr userDrawn="1"/>
+        </p:nvSpPr>
+        <p:spPr>
+          <a:xfrm>
+            <a:off x="2071646" y="2223523"/>
+            <a:ext cx="383206" cy="443226"/>
+          </a:xfrm>
+          <a:prstGeom prst="rect">
+            <a:avLst/>
+          </a:prstGeom>
+          <a:noFill/>
+        </p:spPr>
+        <p:txBody>
+          <a:bodyPr wrap="none" rtlCol="0" anchor="ctr">
+            <a:noAutofit/>
+          </a:bodyPr>
+          <a:lstStyle/>
+          <a:p>
+            <a:pPr algn="ctr"/>
+            <a:r>
+              <a:rPr lang="en-US" altLang="zh-CN" b="1" dirty="0">
+                <a:solidFill>
+                  <a:schemeClr val="bg1"/>
+                </a:solidFill>
+                <a:latin typeface="微软雅黑" panose="020B0503020204020204" pitchFamily="34" charset="-122"/>
+                <a:ea typeface="微软雅黑" panose="020B0503020204020204" pitchFamily="34" charset="-122"/>
+              </a:rPr>
+              <a:t>2</a:t>
+            </a:r>
+            <a:endParaRPr lang="zh-CN" altLang="en-US" b="1" dirty="0">
+              <a:solidFill>
+                <a:schemeClr val="bg1"/>
+              </a:solidFill>
+              <a:latin typeface="微软雅黑" panose="020B0503020204020204" pitchFamily="34" charset="-122"/>
+              <a:ea typeface="微软雅黑" panose="020B0503020204020204" pitchFamily="34" charset="-122"/>
+            </a:endParaRPr>
+          </a:p>
+        </p:txBody>
+      </p:sp>
+      <p:cxnSp>
+        <p:nvCxnSpPr>
+          <p:cNvPr id="15" name="直接连接符 14"/>
+          <p:cNvCxnSpPr>
+            <a:stCxn id="13" idx="6"/>
+          </p:cNvCxnSpPr>
+          <p:nvPr/>
+        </p:nvCxnSpPr>
+        <p:spPr>
+          <a:xfrm>
+            <a:off x="2534033" y="2631188"/>
+            <a:ext cx="4500000" cy="0"/>
+          </a:xfrm>
+          <a:prstGeom prst="line">
+            <a:avLst/>
+          </a:prstGeom>
+          <a:ln>
+            <a:solidFill>
+              <a:schemeClr val="accent1"/>
+            </a:solidFill>
+          </a:ln>
+        </p:spPr>
+        <p:style>
+          <a:lnRef idx="1">
+            <a:schemeClr val="accent1"/>
+          </a:lnRef>
+          <a:fillRef idx="0">
+            <a:schemeClr val="accent1"/>
+          </a:fillRef>
+          <a:effectRef idx="0">
+            <a:schemeClr val="accent1"/>
+          </a:effectRef>
+          <a:fontRef idx="minor">
+            <a:schemeClr val="tx1"/>
+          </a:fontRef>
+        </p:style>
+      </p:cxnSp>
+      <p:sp>
+        <p:nvSpPr>
+          <p:cNvPr id="16" name="文本框 15"/>
+          <p:cNvSpPr txBox="1"/>
+          <p:nvPr/>
+        </p:nvSpPr>
+        <p:spPr>
+          <a:xfrm>
+            <a:off x="2915073" y="2194707"/>
+            <a:ext cx="4387392" cy="461665"/>
+          </a:xfrm>
+          <a:prstGeom prst="rect">
+            <a:avLst/>
+          </a:prstGeom>
+          <a:noFill/>
+        </p:spPr>
+        <p:txBody>
+          <a:bodyPr wrap="square" rtlCol="0">
+            <a:spAutoFit/>
+          </a:bodyPr>
+          <a:lstStyle/>
+          <a:p>
+            <a:r>
+              <a:rPr lang="en-US" altLang="zh-CN" sz="2400" dirty="0">
+                <a:solidFill>
+                  <a:schemeClr val="tx1">
+                    <a:lumMod val="75000"/>
+                    <a:lumOff val="25000"/>
+                  </a:schemeClr>
+                </a:solidFill>
+              </a:rPr>
+              <a:t>Relay Chain State Machine</a:t>
+            </a:r>
+            <a:endParaRPr lang="zh-CN" altLang="en-US" sz="2400" dirty="0">
+              <a:solidFill>
+                <a:schemeClr val="tx1">
+                  <a:lumMod val="75000"/>
+                  <a:lumOff val="25000"/>
+                </a:schemeClr>
+              </a:solidFill>
+            </a:endParaRPr>
+          </a:p>
+        </p:txBody>
+      </p:sp>
+      <p:sp>
+        <p:nvSpPr>
+          <p:cNvPr id="18" name="Freeform 10"/>
+          <p:cNvSpPr>
+            <a:spLocks/>
+          </p:cNvSpPr>
+          <p:nvPr userDrawn="1"/>
+        </p:nvSpPr>
+        <p:spPr bwMode="auto">
+          <a:xfrm>
+            <a:off x="1841535" y="3207303"/>
+            <a:ext cx="843427" cy="343858"/>
+          </a:xfrm>
+          <a:custGeom>
+            <a:avLst/>
+            <a:gdLst>
+              <a:gd name="T0" fmla="*/ 3120 w 3800"/>
+              <a:gd name="T1" fmla="*/ 0 h 1532"/>
+              <a:gd name="T2" fmla="*/ 682 w 3800"/>
+              <a:gd name="T3" fmla="*/ 0 h 1532"/>
+              <a:gd name="T4" fmla="*/ 682 w 3800"/>
+              <a:gd name="T5" fmla="*/ 284 h 1532"/>
+              <a:gd name="T6" fmla="*/ 0 w 3800"/>
+              <a:gd name="T7" fmla="*/ 766 h 1532"/>
+              <a:gd name="T8" fmla="*/ 682 w 3800"/>
+              <a:gd name="T9" fmla="*/ 1248 h 1532"/>
+              <a:gd name="T10" fmla="*/ 682 w 3800"/>
+              <a:gd name="T11" fmla="*/ 1532 h 1532"/>
+              <a:gd name="T12" fmla="*/ 3120 w 3800"/>
+              <a:gd name="T13" fmla="*/ 1532 h 1532"/>
+              <a:gd name="T14" fmla="*/ 3120 w 3800"/>
+              <a:gd name="T15" fmla="*/ 1248 h 1532"/>
+              <a:gd name="T16" fmla="*/ 3800 w 3800"/>
+              <a:gd name="T17" fmla="*/ 766 h 1532"/>
+              <a:gd name="T18" fmla="*/ 3120 w 3800"/>
+              <a:gd name="T19" fmla="*/ 284 h 1532"/>
+              <a:gd name="T20" fmla="*/ 3120 w 3800"/>
+              <a:gd name="T21" fmla="*/ 0 h 1532"/>
+            </a:gdLst>
+            <a:ahLst/>
+            <a:cxnLst>
+              <a:cxn ang="0">
+                <a:pos x="T0" y="T1"/>
+              </a:cxn>
+              <a:cxn ang="0">
+                <a:pos x="T2" y="T3"/>
+              </a:cxn>
+              <a:cxn ang="0">
+                <a:pos x="T4" y="T5"/>
+              </a:cxn>
+              <a:cxn ang="0">
+                <a:pos x="T6" y="T7"/>
+              </a:cxn>
+              <a:cxn ang="0">
+                <a:pos x="T8" y="T9"/>
+              </a:cxn>
+              <a:cxn ang="0">
+                <a:pos x="T10" y="T11"/>
+              </a:cxn>
+              <a:cxn ang="0">
+                <a:pos x="T12" y="T13"/>
+              </a:cxn>
+              <a:cxn ang="0">
+                <a:pos x="T14" y="T15"/>
+              </a:cxn>
+              <a:cxn ang="0">
+                <a:pos x="T16" y="T17"/>
+              </a:cxn>
+              <a:cxn ang="0">
+                <a:pos x="T18" y="T19"/>
+              </a:cxn>
+              <a:cxn ang="0">
+                <a:pos x="T20" y="T21"/>
+              </a:cxn>
+            </a:cxnLst>
+            <a:rect l="0" t="0" r="r" b="b"/>
+            <a:pathLst>
+              <a:path w="3800" h="1532">
+                <a:moveTo>
+                  <a:pt x="3120" y="0"/>
+                </a:moveTo>
+                <a:lnTo>
+                  <a:pt x="682" y="0"/>
+                </a:lnTo>
+                <a:lnTo>
+                  <a:pt x="682" y="284"/>
+                </a:lnTo>
+                <a:lnTo>
+                  <a:pt x="0" y="766"/>
+                </a:lnTo>
+                <a:lnTo>
+                  <a:pt x="682" y="1248"/>
+                </a:lnTo>
+                <a:lnTo>
+                  <a:pt x="682" y="1532"/>
+                </a:lnTo>
+                <a:lnTo>
+                  <a:pt x="3120" y="1532"/>
+                </a:lnTo>
+                <a:lnTo>
+                  <a:pt x="3120" y="1248"/>
+                </a:lnTo>
+                <a:lnTo>
+                  <a:pt x="3800" y="766"/>
+                </a:lnTo>
+                <a:lnTo>
+                  <a:pt x="3120" y="284"/>
+                </a:lnTo>
+                <a:lnTo>
+                  <a:pt x="3120" y="0"/>
+                </a:lnTo>
+                <a:close/>
+              </a:path>
+            </a:pathLst>
+          </a:custGeom>
+          <a:solidFill>
+            <a:schemeClr val="bg2"/>
+          </a:solidFill>
+          <a:ln>
+            <a:noFill/>
+          </a:ln>
+        </p:spPr>
+        <p:txBody>
+          <a:bodyPr vert="horz" wrap="square" lIns="91440" tIns="45720" rIns="91440" bIns="45720" numCol="1" anchor="ctr" anchorCtr="0" compatLnSpc="1">
+            <a:prstTxWarp prst="textNoShape">
+              <a:avLst/>
+            </a:prstTxWarp>
+            <a:noAutofit/>
+          </a:bodyPr>
+          <a:lstStyle/>
+          <a:p>
+            <a:pPr algn="ctr"/>
+            <a:endParaRPr lang="zh-CN" altLang="en-US" sz="3200" b="1"/>
+          </a:p>
+        </p:txBody>
+      </p:sp>
+      <p:sp>
+        <p:nvSpPr>
+          <p:cNvPr id="19" name="文本框 18"/>
+          <p:cNvSpPr txBox="1"/>
+          <p:nvPr userDrawn="1"/>
+        </p:nvSpPr>
+        <p:spPr>
+          <a:xfrm>
+            <a:off x="2071646" y="3143496"/>
+            <a:ext cx="383206" cy="443226"/>
+          </a:xfrm>
+          <a:prstGeom prst="rect">
+            <a:avLst/>
+          </a:prstGeom>
+          <a:noFill/>
+        </p:spPr>
+        <p:txBody>
+          <a:bodyPr wrap="none" rtlCol="0" anchor="ctr">
+            <a:noAutofit/>
+          </a:bodyPr>
+          <a:lstStyle/>
+          <a:p>
+            <a:pPr algn="ctr"/>
+            <a:r>
+              <a:rPr lang="en-US" altLang="zh-CN" b="1" dirty="0">
+                <a:solidFill>
+                  <a:schemeClr val="bg1"/>
+                </a:solidFill>
+                <a:latin typeface="微软雅黑" panose="020B0503020204020204" pitchFamily="34" charset="-122"/>
+                <a:ea typeface="微软雅黑" panose="020B0503020204020204" pitchFamily="34" charset="-122"/>
+              </a:rPr>
+              <a:t>3</a:t>
+            </a:r>
+            <a:endParaRPr lang="zh-CN" altLang="en-US" b="1" dirty="0">
+              <a:solidFill>
+                <a:schemeClr val="bg1"/>
+              </a:solidFill>
+              <a:latin typeface="微软雅黑" panose="020B0503020204020204" pitchFamily="34" charset="-122"/>
+              <a:ea typeface="微软雅黑" panose="020B0503020204020204" pitchFamily="34" charset="-122"/>
+            </a:endParaRPr>
+          </a:p>
+        </p:txBody>
+      </p:sp>
+      <p:cxnSp>
+        <p:nvCxnSpPr>
+          <p:cNvPr id="20" name="直接连接符 19"/>
+          <p:cNvCxnSpPr>
+            <a:stCxn id="18" idx="6"/>
+          </p:cNvCxnSpPr>
+          <p:nvPr/>
+        </p:nvCxnSpPr>
+        <p:spPr>
+          <a:xfrm>
+            <a:off x="2534033" y="3551161"/>
+            <a:ext cx="4500000" cy="0"/>
+          </a:xfrm>
+          <a:prstGeom prst="line">
+            <a:avLst/>
+          </a:prstGeom>
+          <a:ln>
+            <a:solidFill>
+              <a:schemeClr val="bg2"/>
+            </a:solidFill>
+          </a:ln>
+        </p:spPr>
+        <p:style>
+          <a:lnRef idx="1">
+            <a:schemeClr val="accent1"/>
+          </a:lnRef>
+          <a:fillRef idx="0">
+            <a:schemeClr val="accent1"/>
+          </a:fillRef>
+          <a:effectRef idx="0">
+            <a:schemeClr val="accent1"/>
+          </a:effectRef>
+          <a:fontRef idx="minor">
+            <a:schemeClr val="tx1"/>
+          </a:fontRef>
+        </p:style>
+      </p:cxnSp>
+      <p:sp>
+        <p:nvSpPr>
+          <p:cNvPr id="23" name="Freeform 10"/>
+          <p:cNvSpPr>
+            <a:spLocks/>
+          </p:cNvSpPr>
+          <p:nvPr userDrawn="1"/>
+        </p:nvSpPr>
+        <p:spPr bwMode="auto">
+          <a:xfrm>
+            <a:off x="1841535" y="4127276"/>
+            <a:ext cx="843427" cy="343858"/>
+          </a:xfrm>
+          <a:custGeom>
+            <a:avLst/>
+            <a:gdLst>
+              <a:gd name="T0" fmla="*/ 3120 w 3800"/>
+              <a:gd name="T1" fmla="*/ 0 h 1532"/>
+              <a:gd name="T2" fmla="*/ 682 w 3800"/>
+              <a:gd name="T3" fmla="*/ 0 h 1532"/>
+              <a:gd name="T4" fmla="*/ 682 w 3800"/>
+              <a:gd name="T5" fmla="*/ 284 h 1532"/>
+              <a:gd name="T6" fmla="*/ 0 w 3800"/>
+              <a:gd name="T7" fmla="*/ 766 h 1532"/>
+              <a:gd name="T8" fmla="*/ 682 w 3800"/>
+              <a:gd name="T9" fmla="*/ 1248 h 1532"/>
+              <a:gd name="T10" fmla="*/ 682 w 3800"/>
+              <a:gd name="T11" fmla="*/ 1532 h 1532"/>
+              <a:gd name="T12" fmla="*/ 3120 w 3800"/>
+              <a:gd name="T13" fmla="*/ 1532 h 1532"/>
+              <a:gd name="T14" fmla="*/ 3120 w 3800"/>
+              <a:gd name="T15" fmla="*/ 1248 h 1532"/>
+              <a:gd name="T16" fmla="*/ 3800 w 3800"/>
+              <a:gd name="T17" fmla="*/ 766 h 1532"/>
+              <a:gd name="T18" fmla="*/ 3120 w 3800"/>
+              <a:gd name="T19" fmla="*/ 284 h 1532"/>
+              <a:gd name="T20" fmla="*/ 3120 w 3800"/>
+              <a:gd name="T21" fmla="*/ 0 h 1532"/>
+            </a:gdLst>
+            <a:ahLst/>
+            <a:cxnLst>
+              <a:cxn ang="0">
+                <a:pos x="T0" y="T1"/>
+              </a:cxn>
+              <a:cxn ang="0">
+                <a:pos x="T2" y="T3"/>
+              </a:cxn>
+              <a:cxn ang="0">
+                <a:pos x="T4" y="T5"/>
+              </a:cxn>
+              <a:cxn ang="0">
+                <a:pos x="T6" y="T7"/>
+              </a:cxn>
+              <a:cxn ang="0">
+                <a:pos x="T8" y="T9"/>
+              </a:cxn>
+              <a:cxn ang="0">
+                <a:pos x="T10" y="T11"/>
+              </a:cxn>
+              <a:cxn ang="0">
+                <a:pos x="T12" y="T13"/>
+              </a:cxn>
+              <a:cxn ang="0">
+                <a:pos x="T14" y="T15"/>
+              </a:cxn>
+              <a:cxn ang="0">
+                <a:pos x="T16" y="T17"/>
+              </a:cxn>
+              <a:cxn ang="0">
+                <a:pos x="T18" y="T19"/>
+              </a:cxn>
+              <a:cxn ang="0">
+                <a:pos x="T20" y="T21"/>
+              </a:cxn>
+            </a:cxnLst>
+            <a:rect l="0" t="0" r="r" b="b"/>
+            <a:pathLst>
+              <a:path w="3800" h="1532">
+                <a:moveTo>
+                  <a:pt x="3120" y="0"/>
+                </a:moveTo>
+                <a:lnTo>
+                  <a:pt x="682" y="0"/>
+                </a:lnTo>
+                <a:lnTo>
+                  <a:pt x="682" y="284"/>
+                </a:lnTo>
+                <a:lnTo>
+                  <a:pt x="0" y="766"/>
+                </a:lnTo>
+                <a:lnTo>
+                  <a:pt x="682" y="1248"/>
+                </a:lnTo>
+                <a:lnTo>
+                  <a:pt x="682" y="1532"/>
+                </a:lnTo>
+                <a:lnTo>
+                  <a:pt x="3120" y="1532"/>
+                </a:lnTo>
+                <a:lnTo>
+                  <a:pt x="3120" y="1248"/>
+                </a:lnTo>
+                <a:lnTo>
+                  <a:pt x="3800" y="766"/>
+                </a:lnTo>
+                <a:lnTo>
+                  <a:pt x="3120" y="284"/>
+                </a:lnTo>
+                <a:lnTo>
+                  <a:pt x="3120" y="0"/>
+                </a:lnTo>
+                <a:close/>
+              </a:path>
+            </a:pathLst>
+          </a:custGeom>
+          <a:solidFill>
+            <a:schemeClr val="bg2"/>
+          </a:solidFill>
+          <a:ln>
+            <a:noFill/>
+          </a:ln>
+        </p:spPr>
+        <p:txBody>
+          <a:bodyPr vert="horz" wrap="square" lIns="91440" tIns="45720" rIns="91440" bIns="45720" numCol="1" anchor="ctr" anchorCtr="0" compatLnSpc="1">
+            <a:prstTxWarp prst="textNoShape">
+              <a:avLst/>
+            </a:prstTxWarp>
+            <a:noAutofit/>
+          </a:bodyPr>
+          <a:lstStyle/>
+          <a:p>
+            <a:pPr algn="ctr"/>
+            <a:endParaRPr lang="zh-CN" altLang="en-US" sz="3200" b="1"/>
+          </a:p>
+        </p:txBody>
+      </p:sp>
+      <p:sp>
+        <p:nvSpPr>
+          <p:cNvPr id="24" name="文本框 23"/>
+          <p:cNvSpPr txBox="1"/>
+          <p:nvPr userDrawn="1"/>
+        </p:nvSpPr>
+        <p:spPr>
+          <a:xfrm>
+            <a:off x="2071646" y="4063469"/>
+            <a:ext cx="383206" cy="443226"/>
+          </a:xfrm>
+          <a:prstGeom prst="rect">
+            <a:avLst/>
+          </a:prstGeom>
+          <a:noFill/>
+        </p:spPr>
+        <p:txBody>
+          <a:bodyPr wrap="none" rtlCol="0" anchor="ctr">
+            <a:noAutofit/>
+          </a:bodyPr>
+          <a:lstStyle/>
+          <a:p>
+            <a:pPr algn="ctr"/>
+            <a:r>
+              <a:rPr lang="en-US" altLang="zh-CN" b="1" dirty="0">
+                <a:solidFill>
+                  <a:schemeClr val="bg1"/>
+                </a:solidFill>
+                <a:latin typeface="微软雅黑" panose="020B0503020204020204" pitchFamily="34" charset="-122"/>
+                <a:ea typeface="微软雅黑" panose="020B0503020204020204" pitchFamily="34" charset="-122"/>
+              </a:rPr>
+              <a:t>4</a:t>
+            </a:r>
+            <a:endParaRPr lang="zh-CN" altLang="en-US" b="1" dirty="0">
+              <a:solidFill>
+                <a:schemeClr val="bg1"/>
+              </a:solidFill>
+              <a:latin typeface="微软雅黑" panose="020B0503020204020204" pitchFamily="34" charset="-122"/>
+              <a:ea typeface="微软雅黑" panose="020B0503020204020204" pitchFamily="34" charset="-122"/>
+            </a:endParaRPr>
+          </a:p>
+        </p:txBody>
+      </p:sp>
+      <p:cxnSp>
+        <p:nvCxnSpPr>
+          <p:cNvPr id="25" name="直接连接符 24"/>
+          <p:cNvCxnSpPr>
+            <a:stCxn id="23" idx="6"/>
+          </p:cNvCxnSpPr>
+          <p:nvPr/>
+        </p:nvCxnSpPr>
+        <p:spPr>
+          <a:xfrm>
+            <a:off x="2534033" y="4471134"/>
+            <a:ext cx="4500000" cy="0"/>
+          </a:xfrm>
+          <a:prstGeom prst="line">
+            <a:avLst/>
+          </a:prstGeom>
+          <a:ln>
+            <a:solidFill>
+              <a:schemeClr val="bg2"/>
+            </a:solidFill>
+          </a:ln>
+        </p:spPr>
+        <p:style>
+          <a:lnRef idx="1">
+            <a:schemeClr val="accent1"/>
+          </a:lnRef>
+          <a:fillRef idx="0">
+            <a:schemeClr val="accent1"/>
+          </a:fillRef>
+          <a:effectRef idx="0">
+            <a:schemeClr val="accent1"/>
+          </a:effectRef>
+          <a:fontRef idx="minor">
+            <a:schemeClr val="tx1"/>
+          </a:fontRef>
+        </p:style>
+      </p:cxnSp>
+      <p:sp>
+        <p:nvSpPr>
+          <p:cNvPr id="33" name="Freeform 10"/>
+          <p:cNvSpPr>
+            <a:spLocks/>
+          </p:cNvSpPr>
+          <p:nvPr userDrawn="1"/>
+        </p:nvSpPr>
+        <p:spPr bwMode="auto">
+          <a:xfrm>
+            <a:off x="1841535" y="5047251"/>
+            <a:ext cx="843427" cy="343858"/>
+          </a:xfrm>
+          <a:custGeom>
+            <a:avLst/>
+            <a:gdLst>
+              <a:gd name="T0" fmla="*/ 3120 w 3800"/>
+              <a:gd name="T1" fmla="*/ 0 h 1532"/>
+              <a:gd name="T2" fmla="*/ 682 w 3800"/>
+              <a:gd name="T3" fmla="*/ 0 h 1532"/>
+              <a:gd name="T4" fmla="*/ 682 w 3800"/>
+              <a:gd name="T5" fmla="*/ 284 h 1532"/>
+              <a:gd name="T6" fmla="*/ 0 w 3800"/>
+              <a:gd name="T7" fmla="*/ 766 h 1532"/>
+              <a:gd name="T8" fmla="*/ 682 w 3800"/>
+              <a:gd name="T9" fmla="*/ 1248 h 1532"/>
+              <a:gd name="T10" fmla="*/ 682 w 3800"/>
+              <a:gd name="T11" fmla="*/ 1532 h 1532"/>
+              <a:gd name="T12" fmla="*/ 3120 w 3800"/>
+              <a:gd name="T13" fmla="*/ 1532 h 1532"/>
+              <a:gd name="T14" fmla="*/ 3120 w 3800"/>
+              <a:gd name="T15" fmla="*/ 1248 h 1532"/>
+              <a:gd name="T16" fmla="*/ 3800 w 3800"/>
+              <a:gd name="T17" fmla="*/ 766 h 1532"/>
+              <a:gd name="T18" fmla="*/ 3120 w 3800"/>
+              <a:gd name="T19" fmla="*/ 284 h 1532"/>
+              <a:gd name="T20" fmla="*/ 3120 w 3800"/>
+              <a:gd name="T21" fmla="*/ 0 h 1532"/>
+            </a:gdLst>
+            <a:ahLst/>
+            <a:cxnLst>
+              <a:cxn ang="0">
+                <a:pos x="T0" y="T1"/>
+              </a:cxn>
+              <a:cxn ang="0">
+                <a:pos x="T2" y="T3"/>
+              </a:cxn>
+              <a:cxn ang="0">
+                <a:pos x="T4" y="T5"/>
+              </a:cxn>
+              <a:cxn ang="0">
+                <a:pos x="T6" y="T7"/>
+              </a:cxn>
+              <a:cxn ang="0">
+                <a:pos x="T8" y="T9"/>
+              </a:cxn>
+              <a:cxn ang="0">
+                <a:pos x="T10" y="T11"/>
+              </a:cxn>
+              <a:cxn ang="0">
+                <a:pos x="T12" y="T13"/>
+              </a:cxn>
+              <a:cxn ang="0">
+                <a:pos x="T14" y="T15"/>
+              </a:cxn>
+              <a:cxn ang="0">
+                <a:pos x="T16" y="T17"/>
+              </a:cxn>
+              <a:cxn ang="0">
+                <a:pos x="T18" y="T19"/>
+              </a:cxn>
+              <a:cxn ang="0">
+                <a:pos x="T20" y="T21"/>
+              </a:cxn>
+            </a:cxnLst>
+            <a:rect l="0" t="0" r="r" b="b"/>
+            <a:pathLst>
+              <a:path w="3800" h="1532">
+                <a:moveTo>
+                  <a:pt x="3120" y="0"/>
+                </a:moveTo>
+                <a:lnTo>
+                  <a:pt x="682" y="0"/>
+                </a:lnTo>
+                <a:lnTo>
+                  <a:pt x="682" y="284"/>
+                </a:lnTo>
+                <a:lnTo>
+                  <a:pt x="0" y="766"/>
+                </a:lnTo>
+                <a:lnTo>
+                  <a:pt x="682" y="1248"/>
+                </a:lnTo>
+                <a:lnTo>
+                  <a:pt x="682" y="1532"/>
+                </a:lnTo>
+                <a:lnTo>
+                  <a:pt x="3120" y="1532"/>
+                </a:lnTo>
+                <a:lnTo>
+                  <a:pt x="3120" y="1248"/>
+                </a:lnTo>
+                <a:lnTo>
+                  <a:pt x="3800" y="766"/>
+                </a:lnTo>
+                <a:lnTo>
+                  <a:pt x="3120" y="284"/>
+                </a:lnTo>
+                <a:lnTo>
+                  <a:pt x="3120" y="0"/>
+                </a:lnTo>
+                <a:close/>
+              </a:path>
+            </a:pathLst>
+          </a:custGeom>
+          <a:solidFill>
+            <a:schemeClr val="bg2"/>
+          </a:solidFill>
+          <a:ln>
+            <a:noFill/>
+          </a:ln>
+        </p:spPr>
+        <p:txBody>
+          <a:bodyPr vert="horz" wrap="square" lIns="91440" tIns="45720" rIns="91440" bIns="45720" numCol="1" anchor="ctr" anchorCtr="0" compatLnSpc="1">
+            <a:prstTxWarp prst="textNoShape">
+              <a:avLst/>
+            </a:prstTxWarp>
+            <a:noAutofit/>
+          </a:bodyPr>
+          <a:lstStyle/>
+          <a:p>
+            <a:pPr algn="ctr"/>
+            <a:endParaRPr lang="zh-CN" altLang="en-US" sz="3200" b="1"/>
+          </a:p>
+        </p:txBody>
+      </p:sp>
+      <p:sp>
+        <p:nvSpPr>
+          <p:cNvPr id="34" name="文本框 33"/>
+          <p:cNvSpPr txBox="1"/>
+          <p:nvPr userDrawn="1"/>
+        </p:nvSpPr>
+        <p:spPr>
+          <a:xfrm>
+            <a:off x="2071646" y="4983444"/>
+            <a:ext cx="383206" cy="443226"/>
+          </a:xfrm>
+          <a:prstGeom prst="rect">
+            <a:avLst/>
+          </a:prstGeom>
+          <a:noFill/>
+        </p:spPr>
+        <p:txBody>
+          <a:bodyPr wrap="none" rtlCol="0" anchor="ctr">
+            <a:noAutofit/>
+          </a:bodyPr>
+          <a:lstStyle/>
+          <a:p>
+            <a:pPr algn="ctr"/>
+            <a:r>
+              <a:rPr lang="en-US" altLang="zh-CN" b="1" dirty="0">
+                <a:solidFill>
+                  <a:schemeClr val="bg1"/>
+                </a:solidFill>
+                <a:latin typeface="微软雅黑" panose="020B0503020204020204" pitchFamily="34" charset="-122"/>
+                <a:ea typeface="微软雅黑" panose="020B0503020204020204" pitchFamily="34" charset="-122"/>
+              </a:rPr>
+              <a:t>5</a:t>
+            </a:r>
+            <a:endParaRPr lang="zh-CN" altLang="en-US" b="1" dirty="0">
+              <a:solidFill>
+                <a:schemeClr val="bg1"/>
+              </a:solidFill>
+              <a:latin typeface="微软雅黑" panose="020B0503020204020204" pitchFamily="34" charset="-122"/>
+              <a:ea typeface="微软雅黑" panose="020B0503020204020204" pitchFamily="34" charset="-122"/>
+            </a:endParaRPr>
+          </a:p>
+        </p:txBody>
+      </p:sp>
+      <p:cxnSp>
+        <p:nvCxnSpPr>
+          <p:cNvPr id="35" name="直接连接符 34"/>
+          <p:cNvCxnSpPr>
+            <a:stCxn id="33" idx="6"/>
+          </p:cNvCxnSpPr>
+          <p:nvPr/>
+        </p:nvCxnSpPr>
+        <p:spPr>
+          <a:xfrm>
+            <a:off x="2534033" y="5391109"/>
+            <a:ext cx="4500000" cy="0"/>
+          </a:xfrm>
+          <a:prstGeom prst="line">
+            <a:avLst/>
+          </a:prstGeom>
+          <a:ln>
+            <a:solidFill>
+              <a:schemeClr val="bg2"/>
+            </a:solidFill>
+          </a:ln>
+        </p:spPr>
+        <p:style>
+          <a:lnRef idx="1">
+            <a:schemeClr val="accent1"/>
+          </a:lnRef>
+          <a:fillRef idx="0">
+            <a:schemeClr val="accent1"/>
+          </a:fillRef>
+          <a:effectRef idx="0">
+            <a:schemeClr val="accent1"/>
+          </a:effectRef>
+          <a:fontRef idx="minor">
+            <a:schemeClr val="tx1"/>
+          </a:fontRef>
+        </p:style>
+      </p:cxnSp>
+      <p:sp>
+        <p:nvSpPr>
+          <p:cNvPr id="28" name="文本框 27">
             <a:extLst>
               <a:ext uri="{FF2B5EF4-FFF2-40B4-BE49-F238E27FC236}">
-                <a16:creationId xmlns:a16="http://schemas.microsoft.com/office/drawing/2014/main" id="{894962E4-700B-49B9-872D-84F3BCB9FB80}"/>
+                <a16:creationId xmlns:a16="http://schemas.microsoft.com/office/drawing/2014/main" id="{33740C1C-61C9-47D8-9E2A-A2444B479AD1}"/>
               </a:ext>
             </a:extLst>
           </p:cNvPr>
-          <p:cNvPicPr>
-            <a:picLocks noChangeAspect="1" noChangeArrowheads="1"/>
-          </p:cNvPicPr>
+          <p:cNvSpPr txBox="1"/>
           <p:nvPr/>
-        </p:nvPicPr>
-        <p:blipFill>
-          <a:blip r:embed="rId2" cstate="print">
-            <a:extLst>
-              <a:ext uri="{28A0092B-C50C-407E-A947-70E740481C1C}">
-                <a14:useLocalDpi xmlns:a14="http://schemas.microsoft.com/office/drawing/2010/main" val="0"/>
-              </a:ext>
-            </a:extLst>
-          </a:blip>
-          <a:srcRect/>
-          <a:stretch>
-            <a:fillRect/>
-          </a:stretch>
-        </p:blipFill>
-        <p:spPr bwMode="auto">
-          <a:xfrm>
-            <a:off x="5911370" y="1826391"/>
-            <a:ext cx="3232630" cy="2056761"/>
+        </p:nvSpPr>
+        <p:spPr>
+          <a:xfrm>
+            <a:off x="2915072" y="1274734"/>
+            <a:ext cx="6125295" cy="461665"/>
           </a:xfrm>
           <a:prstGeom prst="rect">
             <a:avLst/>
           </a:prstGeom>
           <a:noFill/>
-          <a:extLst>
-            <a:ext uri="{909E8E84-426E-40DD-AFC4-6F175D3DCCD1}">
-              <a14:hiddenFill xmlns:a14="http://schemas.microsoft.com/office/drawing/2010/main">
-                <a:solidFill>
-                  <a:srgbClr val="FFFFFF"/>
-                </a:solidFill>
-              </a14:hiddenFill>
-            </a:ext>
-          </a:extLst>
-        </p:spPr>
-      </p:pic>
-      <p:pic>
-        <p:nvPicPr>
-          <p:cNvPr id="1032" name="Picture 8" descr="在这里插入图片描述">
+        </p:spPr>
+        <p:txBody>
+          <a:bodyPr wrap="square" rtlCol="0">
+            <a:spAutoFit/>
+          </a:bodyPr>
+          <a:lstStyle/>
+          <a:p>
+            <a:r>
+              <a:rPr lang="en-GB" altLang="zh-CN" sz="2400" dirty="0" err="1"/>
+              <a:t>NPoS</a:t>
+            </a:r>
+            <a:r>
+              <a:rPr lang="en-GB" altLang="zh-CN" sz="2400" dirty="0"/>
+              <a:t> and Validator election</a:t>
+            </a:r>
+            <a:endParaRPr lang="zh-CN" altLang="en-US" sz="2400" dirty="0"/>
+          </a:p>
+        </p:txBody>
+      </p:sp>
+      <p:sp>
+        <p:nvSpPr>
+          <p:cNvPr id="27" name="文本框 26">
             <a:extLst>
               <a:ext uri="{FF2B5EF4-FFF2-40B4-BE49-F238E27FC236}">
-                <a16:creationId xmlns:a16="http://schemas.microsoft.com/office/drawing/2014/main" id="{9AD33FE6-61C2-437A-B21E-9A57BE1D5478}"/>
+                <a16:creationId xmlns:a16="http://schemas.microsoft.com/office/drawing/2014/main" id="{38F10A68-B2BB-4E03-BEE7-ACF1D623248C}"/>
               </a:ext>
             </a:extLst>
           </p:cNvPr>
-          <p:cNvPicPr>
-            <a:picLocks noChangeAspect="1" noChangeArrowheads="1"/>
-          </p:cNvPicPr>
+          <p:cNvSpPr txBox="1"/>
           <p:nvPr/>
-        </p:nvPicPr>
-        <p:blipFill rotWithShape="1">
-          <a:blip r:embed="rId3" cstate="print">
+        </p:nvSpPr>
+        <p:spPr>
+          <a:xfrm>
+            <a:off x="2915073" y="3114680"/>
+            <a:ext cx="4387392" cy="461665"/>
+          </a:xfrm>
+          <a:prstGeom prst="rect">
+            <a:avLst/>
+          </a:prstGeom>
+          <a:noFill/>
+        </p:spPr>
+        <p:txBody>
+          <a:bodyPr wrap="square" rtlCol="0">
+            <a:spAutoFit/>
+          </a:bodyPr>
+          <a:lstStyle/>
+          <a:p>
+            <a:r>
+              <a:rPr lang="en-US" altLang="zh-CN" sz="2400" dirty="0"/>
+              <a:t>Consensus</a:t>
+            </a:r>
+          </a:p>
+        </p:txBody>
+      </p:sp>
+      <p:sp>
+        <p:nvSpPr>
+          <p:cNvPr id="29" name="文本框 28">
             <a:extLst>
-              <a:ext uri="{28A0092B-C50C-407E-A947-70E740481C1C}">
-                <a14:useLocalDpi xmlns:a14="http://schemas.microsoft.com/office/drawing/2010/main" val="0"/>
+              <a:ext uri="{FF2B5EF4-FFF2-40B4-BE49-F238E27FC236}">
+                <a16:creationId xmlns:a16="http://schemas.microsoft.com/office/drawing/2014/main" id="{C1B15F69-6774-4175-B851-B16CD1E49593}"/>
               </a:ext>
             </a:extLst>
-          </a:blip>
-          <a:srcRect r="4334" b="5235"/>
-          <a:stretch/>
-        </p:blipFill>
-        <p:spPr bwMode="auto">
-          <a:xfrm>
-            <a:off x="5961888" y="4161083"/>
-            <a:ext cx="2791719" cy="1695256"/>
+          </p:cNvPr>
+          <p:cNvSpPr txBox="1"/>
+          <p:nvPr/>
+        </p:nvSpPr>
+        <p:spPr>
+          <a:xfrm>
+            <a:off x="2915073" y="4034653"/>
+            <a:ext cx="4387392" cy="461665"/>
           </a:xfrm>
           <a:prstGeom prst="rect">
             <a:avLst/>
           </a:prstGeom>
           <a:noFill/>
-          <a:extLst>
-            <a:ext uri="{909E8E84-426E-40DD-AFC4-6F175D3DCCD1}">
-              <a14:hiddenFill xmlns:a14="http://schemas.microsoft.com/office/drawing/2010/main">
-                <a:solidFill>
-                  <a:srgbClr val="FFFFFF"/>
-                </a:solidFill>
-              </a14:hiddenFill>
-            </a:ext>
-          </a:extLst>
-        </p:spPr>
-      </p:pic>
+        </p:spPr>
+        <p:txBody>
+          <a:bodyPr wrap="square" rtlCol="0">
+            <a:spAutoFit/>
+          </a:bodyPr>
+          <a:lstStyle/>
+          <a:p>
+            <a:r>
+              <a:rPr lang="en-US" altLang="zh-CN" sz="2400" dirty="0" err="1"/>
+              <a:t>Parachains</a:t>
+            </a:r>
+            <a:endParaRPr lang="zh-CN" altLang="en-US" sz="2400" dirty="0"/>
+          </a:p>
+        </p:txBody>
+      </p:sp>
+      <p:sp>
+        <p:nvSpPr>
+          <p:cNvPr id="30" name="文本框 29">
+            <a:extLst>
+              <a:ext uri="{FF2B5EF4-FFF2-40B4-BE49-F238E27FC236}">
+                <a16:creationId xmlns:a16="http://schemas.microsoft.com/office/drawing/2014/main" id="{B807BB52-D038-4AAF-8C7E-43CD09DECD5C}"/>
+              </a:ext>
+            </a:extLst>
+          </p:cNvPr>
+          <p:cNvSpPr txBox="1"/>
+          <p:nvPr/>
+        </p:nvSpPr>
+        <p:spPr>
+          <a:xfrm>
+            <a:off x="2915073" y="4954628"/>
+            <a:ext cx="5137744" cy="461665"/>
+          </a:xfrm>
+          <a:prstGeom prst="rect">
+            <a:avLst/>
+          </a:prstGeom>
+          <a:noFill/>
+        </p:spPr>
+        <p:txBody>
+          <a:bodyPr wrap="square" rtlCol="0">
+            <a:spAutoFit/>
+          </a:bodyPr>
+          <a:lstStyle/>
+          <a:p>
+            <a:r>
+              <a:rPr lang="en-US" altLang="zh-CN" sz="2400" dirty="0"/>
+              <a:t>Economics, Incentive and Governance</a:t>
+            </a:r>
+            <a:endParaRPr lang="zh-CN" altLang="en-US" sz="2400" dirty="0"/>
+          </a:p>
+        </p:txBody>
+      </p:sp>
     </p:spTree>
     <p:extLst>
       <p:ext uri="{BB962C8B-B14F-4D97-AF65-F5344CB8AC3E}">
-        <p14:creationId xmlns:p14="http://schemas.microsoft.com/office/powerpoint/2010/main" val="3134510520"/>
+        <p14:creationId xmlns:p14="http://schemas.microsoft.com/office/powerpoint/2010/main" val="3595279237"/>
       </p:ext>
     </p:extLst>
   </p:cSld>
@@ -10221,123 +10727,93 @@
         </p:nvSpPr>
         <p:spPr>
           <a:xfrm>
-            <a:off x="494025" y="1685677"/>
-            <a:ext cx="8070855" cy="5015373"/>
+            <a:off x="494025" y="1685678"/>
+            <a:ext cx="5467863" cy="4562722"/>
           </a:xfrm>
         </p:spPr>
         <p:txBody>
-          <a:bodyPr>
-            <a:normAutofit/>
-          </a:bodyPr>
+          <a:bodyPr/>
           <a:lstStyle/>
           <a:p>
             <a:r>
               <a:rPr lang="en-US" altLang="zh-CN" dirty="0"/>
-              <a:t>State transition</a:t>
+              <a:t>State</a:t>
             </a:r>
           </a:p>
           <a:p>
             <a:pPr lvl="1"/>
             <a:r>
               <a:rPr lang="en-US" altLang="zh-CN" dirty="0"/>
-              <a:t>Via an executing ordered set of instructions, known as </a:t>
+              <a:t>Represented by an </a:t>
+            </a:r>
+            <a:r>
+              <a:rPr lang="en-US" altLang="zh-CN" b="1" i="1" dirty="0"/>
+              <a:t>associative array </a:t>
+            </a:r>
+            <a:r>
+              <a:rPr lang="en-US" altLang="zh-CN" dirty="0"/>
+              <a:t>data structure, composed by a collection of </a:t>
+            </a:r>
+            <a:r>
+              <a:rPr lang="en-US" altLang="zh-CN" b="1" dirty="0"/>
+              <a:t>key-value pairs</a:t>
+            </a:r>
+            <a:r>
+              <a:rPr lang="en-US" altLang="zh-CN" dirty="0"/>
+              <a:t> where each key is unique.</a:t>
+            </a:r>
+          </a:p>
+          <a:p>
+            <a:pPr lvl="1"/>
+            <a:r>
+              <a:rPr lang="en-US" altLang="zh-CN" dirty="0"/>
+              <a:t>Both key and value need to be </a:t>
+            </a:r>
+            <a:r>
+              <a:rPr lang="en-US" altLang="zh-CN" b="1" dirty="0"/>
+              <a:t>finite byte arrays</a:t>
+            </a:r>
+          </a:p>
+          <a:p>
+            <a:pPr lvl="1"/>
+            <a:r>
+              <a:rPr lang="en-US" altLang="zh-CN" dirty="0"/>
+              <a:t>K-V pairs are arranged in a </a:t>
+            </a:r>
+            <a:r>
+              <a:rPr lang="en-US" altLang="zh-CN" b="1" dirty="0"/>
+              <a:t>Merkel radix-16 tree</a:t>
+            </a:r>
+          </a:p>
+          <a:p>
+            <a:pPr lvl="2"/>
+            <a:r>
+              <a:rPr lang="en-US" altLang="zh-CN" dirty="0"/>
+              <a:t>whose root identifies the current state of the relay chain.</a:t>
+            </a:r>
+          </a:p>
+          <a:p>
+            <a:pPr lvl="2"/>
+            <a:r>
+              <a:rPr lang="en-US" altLang="zh-CN" dirty="0"/>
+              <a:t>provides an efficient mean to produce the proof of inclusion for an individual pair in the state.</a:t>
+            </a:r>
+          </a:p>
+          <a:p>
+            <a:pPr lvl="2"/>
+            <a:r>
+              <a:rPr lang="en-US" altLang="zh-CN" dirty="0"/>
+              <a:t>Shouldn’t store any information regarding the internal operation of the </a:t>
             </a:r>
             <a:r>
               <a:rPr lang="en-US" altLang="zh-CN" dirty="0" err="1"/>
-              <a:t>extrinsics</a:t>
+              <a:t>parachains</a:t>
             </a:r>
             <a:r>
               <a:rPr lang="en-US" altLang="zh-CN" dirty="0"/>
-              <a:t>, which include transactions submitted by the public and any data which can affect state transition.</a:t>
-            </a:r>
-          </a:p>
-          <a:p>
-            <a:pPr lvl="1"/>
-            <a:r>
-              <a:rPr lang="en-US" altLang="zh-CN" dirty="0"/>
-              <a:t>Relay chain is divided into “Runtime” and the “Runtime environment”</a:t>
-            </a:r>
-          </a:p>
-          <a:p>
-            <a:pPr lvl="2"/>
-            <a:r>
-              <a:rPr lang="en-US" altLang="zh-CN" dirty="0"/>
-              <a:t>The execution logic of State-transition function is encapsulated in Runtime</a:t>
-            </a:r>
-          </a:p>
-          <a:p>
-            <a:pPr lvl="2"/>
-            <a:r>
-              <a:rPr lang="en-US" altLang="zh-CN" dirty="0"/>
-              <a:t>Other generic operation are embedded into the runtime environment</a:t>
-            </a:r>
-          </a:p>
-          <a:p>
-            <a:pPr lvl="1"/>
-            <a:r>
-              <a:rPr lang="en-US" altLang="zh-CN" dirty="0"/>
-              <a:t>Runtime function</a:t>
-            </a:r>
-          </a:p>
-          <a:p>
-            <a:pPr lvl="2"/>
-            <a:r>
-              <a:rPr lang="en-US" altLang="zh-CN" dirty="0"/>
-              <a:t>Compiled into a </a:t>
-            </a:r>
-            <a:r>
-              <a:rPr lang="en-US" altLang="zh-CN" dirty="0" err="1"/>
-              <a:t>WebAssembly</a:t>
-            </a:r>
-            <a:r>
-              <a:rPr lang="en-US" altLang="zh-CN" dirty="0"/>
-              <a:t> module</a:t>
-            </a:r>
-          </a:p>
-          <a:p>
-            <a:pPr lvl="2"/>
-            <a:r>
-              <a:rPr lang="en-US" altLang="zh-CN" dirty="0"/>
-              <a:t>Stored as part of the state</a:t>
-            </a:r>
-          </a:p>
-          <a:p>
-            <a:pPr lvl="1"/>
-            <a:r>
-              <a:rPr lang="en-US" altLang="zh-CN" dirty="0"/>
-              <a:t>The Runtime environment communicates the </a:t>
-            </a:r>
-            <a:r>
-              <a:rPr lang="en-US" altLang="zh-CN" dirty="0" err="1"/>
-              <a:t>extrinsics</a:t>
-            </a:r>
-            <a:r>
-              <a:rPr lang="en-US" altLang="zh-CN" dirty="0"/>
-              <a:t> to the Runtime and interacts with it to execute the state transition. </a:t>
-            </a:r>
-          </a:p>
-          <a:p>
-            <a:pPr lvl="2"/>
-            <a:r>
-              <a:rPr lang="en-US" altLang="zh-CN" dirty="0"/>
-              <a:t>the state transition logic itself can be upgraded as a part of the state transition.</a:t>
-            </a:r>
-          </a:p>
-          <a:p>
-            <a:pPr lvl="1"/>
-            <a:endParaRPr lang="en-US" altLang="zh-CN" dirty="0"/>
-          </a:p>
-          <a:p>
-            <a:pPr lvl="1"/>
-            <a:endParaRPr lang="en-US" altLang="zh-CN" dirty="0"/>
-          </a:p>
-          <a:p>
-            <a:pPr lvl="1"/>
-            <a:endParaRPr lang="en-US" altLang="zh-CN" dirty="0"/>
-          </a:p>
-          <a:p>
-            <a:pPr lvl="1"/>
-            <a:endParaRPr lang="en-US" altLang="zh-CN" dirty="0"/>
+              <a:t>.</a:t>
+            </a:r>
+            <a:endParaRPr lang="en-US" altLang="zh-CN" b="1" dirty="0"/>
           </a:p>
         </p:txBody>
       </p:sp>
@@ -10370,10 +10846,102 @@
           </a:p>
         </p:txBody>
       </p:sp>
+      <p:pic>
+        <p:nvPicPr>
+          <p:cNvPr id="1028" name="Picture 4" descr="Image for post">
+            <a:extLst>
+              <a:ext uri="{FF2B5EF4-FFF2-40B4-BE49-F238E27FC236}">
+                <a16:creationId xmlns:a16="http://schemas.microsoft.com/office/drawing/2014/main" id="{894962E4-700B-49B9-872D-84F3BCB9FB80}"/>
+              </a:ext>
+            </a:extLst>
+          </p:cNvPr>
+          <p:cNvPicPr>
+            <a:picLocks noChangeAspect="1" noChangeArrowheads="1"/>
+          </p:cNvPicPr>
+          <p:nvPr/>
+        </p:nvPicPr>
+        <p:blipFill>
+          <a:blip r:embed="rId2" cstate="print">
+            <a:extLst>
+              <a:ext uri="{28A0092B-C50C-407E-A947-70E740481C1C}">
+                <a14:useLocalDpi xmlns:a14="http://schemas.microsoft.com/office/drawing/2010/main" val="0"/>
+              </a:ext>
+            </a:extLst>
+          </a:blip>
+          <a:srcRect/>
+          <a:stretch>
+            <a:fillRect/>
+          </a:stretch>
+        </p:blipFill>
+        <p:spPr bwMode="auto">
+          <a:xfrm>
+            <a:off x="5911370" y="1826391"/>
+            <a:ext cx="3232630" cy="2056761"/>
+          </a:xfrm>
+          <a:prstGeom prst="rect">
+            <a:avLst/>
+          </a:prstGeom>
+          <a:noFill/>
+          <a:extLst>
+            <a:ext uri="{909E8E84-426E-40DD-AFC4-6F175D3DCCD1}">
+              <a14:hiddenFill xmlns:a14="http://schemas.microsoft.com/office/drawing/2010/main">
+                <a:solidFill>
+                  <a:srgbClr val="FFFFFF"/>
+                </a:solidFill>
+              </a14:hiddenFill>
+            </a:ext>
+          </a:extLst>
+        </p:spPr>
+      </p:pic>
+      <p:pic>
+        <p:nvPicPr>
+          <p:cNvPr id="1032" name="Picture 8" descr="在这里插入图片描述">
+            <a:extLst>
+              <a:ext uri="{FF2B5EF4-FFF2-40B4-BE49-F238E27FC236}">
+                <a16:creationId xmlns:a16="http://schemas.microsoft.com/office/drawing/2014/main" id="{9AD33FE6-61C2-437A-B21E-9A57BE1D5478}"/>
+              </a:ext>
+            </a:extLst>
+          </p:cNvPr>
+          <p:cNvPicPr>
+            <a:picLocks noChangeAspect="1" noChangeArrowheads="1"/>
+          </p:cNvPicPr>
+          <p:nvPr/>
+        </p:nvPicPr>
+        <p:blipFill rotWithShape="1">
+          <a:blip r:embed="rId3" cstate="print">
+            <a:extLst>
+              <a:ext uri="{28A0092B-C50C-407E-A947-70E740481C1C}">
+                <a14:useLocalDpi xmlns:a14="http://schemas.microsoft.com/office/drawing/2010/main" val="0"/>
+              </a:ext>
+            </a:extLst>
+          </a:blip>
+          <a:srcRect r="4334" b="5235"/>
+          <a:stretch/>
+        </p:blipFill>
+        <p:spPr bwMode="auto">
+          <a:xfrm>
+            <a:off x="5961888" y="4161083"/>
+            <a:ext cx="2791719" cy="1695256"/>
+          </a:xfrm>
+          <a:prstGeom prst="rect">
+            <a:avLst/>
+          </a:prstGeom>
+          <a:noFill/>
+          <a:extLst>
+            <a:ext uri="{909E8E84-426E-40DD-AFC4-6F175D3DCCD1}">
+              <a14:hiddenFill xmlns:a14="http://schemas.microsoft.com/office/drawing/2010/main">
+                <a:solidFill>
+                  <a:srgbClr val="FFFFFF"/>
+                </a:solidFill>
+              </a14:hiddenFill>
+            </a:ext>
+          </a:extLst>
+        </p:spPr>
+      </p:pic>
     </p:spTree>
     <p:extLst>
       <p:ext uri="{BB962C8B-B14F-4D97-AF65-F5344CB8AC3E}">
-        <p14:creationId xmlns:p14="http://schemas.microsoft.com/office/powerpoint/2010/main" val="745560625"/>
+        <p14:creationId xmlns:p14="http://schemas.microsoft.com/office/powerpoint/2010/main" val="3134510520"/>
       </p:ext>
     </p:extLst>
   </p:cSld>
@@ -10430,75 +10998,98 @@
           <a:p>
             <a:r>
               <a:rPr lang="en-US" altLang="zh-CN" dirty="0"/>
-              <a:t>Relay chain block format</a:t>
+              <a:t>State transition</a:t>
             </a:r>
           </a:p>
           <a:p>
             <a:pPr lvl="1"/>
             <a:r>
               <a:rPr lang="en-US" altLang="zh-CN" dirty="0"/>
-              <a:t>Header</a:t>
-            </a:r>
-          </a:p>
-          <a:p>
-            <a:pPr lvl="2"/>
-            <a:r>
-              <a:rPr lang="en-US" altLang="zh-CN" dirty="0"/>
-              <a:t>Hash of parent block</a:t>
-            </a:r>
-          </a:p>
-          <a:p>
-            <a:pPr lvl="2"/>
-            <a:r>
-              <a:rPr lang="en-US" altLang="zh-CN" dirty="0"/>
-              <a:t>Block number</a:t>
-            </a:r>
-          </a:p>
-          <a:p>
-            <a:pPr lvl="2"/>
-            <a:r>
-              <a:rPr lang="en-US" altLang="zh-CN" dirty="0"/>
-              <a:t>The root of the state tree</a:t>
-            </a:r>
-          </a:p>
-          <a:p>
-            <a:pPr lvl="2"/>
-            <a:r>
-              <a:rPr lang="en-US" altLang="zh-CN" dirty="0"/>
-              <a:t>The root of the Merkle tree</a:t>
-            </a:r>
-          </a:p>
-          <a:p>
-            <a:pPr lvl="2"/>
-            <a:r>
-              <a:rPr lang="en-US" altLang="zh-CN" dirty="0"/>
-              <a:t>Digest</a:t>
-            </a:r>
-          </a:p>
-          <a:p>
-            <a:pPr lvl="3"/>
-            <a:r>
-              <a:rPr lang="en-US" altLang="zh-CN" dirty="0"/>
-              <a:t>Store auxiliary information from the consensus engines for validating the block</a:t>
-            </a:r>
-          </a:p>
-          <a:p>
-            <a:pPr lvl="1"/>
-            <a:r>
-              <a:rPr lang="en-US" altLang="zh-CN" dirty="0"/>
-              <a:t>Body</a:t>
-            </a:r>
-          </a:p>
-          <a:p>
-            <a:pPr lvl="2"/>
-            <a:r>
-              <a:rPr lang="en-US" altLang="zh-CN" dirty="0"/>
-              <a:t>A list of </a:t>
+              <a:t>Via an executing ordered set of instructions, known as </a:t>
             </a:r>
             <a:r>
               <a:rPr lang="en-US" altLang="zh-CN" dirty="0" err="1"/>
               <a:t>extrinsics</a:t>
             </a:r>
+            <a:r>
+              <a:rPr lang="en-US" altLang="zh-CN" dirty="0"/>
+              <a:t>, which include transactions submitted by the public and any data which can affect state transition.</a:t>
+            </a:r>
+          </a:p>
+          <a:p>
+            <a:pPr lvl="1"/>
+            <a:r>
+              <a:rPr lang="en-US" altLang="zh-CN" dirty="0"/>
+              <a:t>Relay chain is divided into “Runtime” and the “Runtime environment”</a:t>
+            </a:r>
+          </a:p>
+          <a:p>
+            <a:pPr lvl="2"/>
+            <a:r>
+              <a:rPr lang="en-US" altLang="zh-CN" dirty="0"/>
+              <a:t>The execution logic of State-transition function is encapsulated in Runtime</a:t>
+            </a:r>
+          </a:p>
+          <a:p>
+            <a:pPr lvl="2"/>
+            <a:r>
+              <a:rPr lang="en-US" altLang="zh-CN" dirty="0"/>
+              <a:t>Other generic operation are embedded into the runtime environment</a:t>
+            </a:r>
+          </a:p>
+          <a:p>
+            <a:pPr lvl="1"/>
+            <a:r>
+              <a:rPr lang="en-US" altLang="zh-CN" dirty="0"/>
+              <a:t>Runtime function</a:t>
+            </a:r>
+          </a:p>
+          <a:p>
+            <a:pPr lvl="2"/>
+            <a:r>
+              <a:rPr lang="en-US" altLang="zh-CN" dirty="0"/>
+              <a:t>Compiled into a </a:t>
+            </a:r>
+            <a:r>
+              <a:rPr lang="en-US" altLang="zh-CN" dirty="0" err="1"/>
+              <a:t>WebAssembly</a:t>
+            </a:r>
+            <a:r>
+              <a:rPr lang="en-US" altLang="zh-CN" dirty="0"/>
+              <a:t> module</a:t>
+            </a:r>
+          </a:p>
+          <a:p>
+            <a:pPr lvl="2"/>
+            <a:r>
+              <a:rPr lang="en-US" altLang="zh-CN" dirty="0"/>
+              <a:t>Stored as part of the state</a:t>
+            </a:r>
+          </a:p>
+          <a:p>
+            <a:pPr lvl="1"/>
+            <a:r>
+              <a:rPr lang="en-US" altLang="zh-CN" dirty="0"/>
+              <a:t>The Runtime environment communicates the </a:t>
+            </a:r>
+            <a:r>
+              <a:rPr lang="en-US" altLang="zh-CN" dirty="0" err="1"/>
+              <a:t>extrinsics</a:t>
+            </a:r>
+            <a:r>
+              <a:rPr lang="en-US" altLang="zh-CN" dirty="0"/>
+              <a:t> to the Runtime and interacts with it to execute the state transition. </a:t>
+            </a:r>
+          </a:p>
+          <a:p>
+            <a:pPr lvl="2"/>
+            <a:r>
+              <a:rPr lang="en-US" altLang="zh-CN" dirty="0"/>
+              <a:t>the state transition logic itself can be upgraded as a part of the state transition.</a:t>
+            </a:r>
+          </a:p>
+          <a:p>
+            <a:pPr lvl="1"/>
             <a:endParaRPr lang="en-US" altLang="zh-CN" dirty="0"/>
           </a:p>
           <a:p>
@@ -10544,40 +11135,10 @@
           </a:p>
         </p:txBody>
       </p:sp>
-      <p:pic>
-        <p:nvPicPr>
-          <p:cNvPr id="4" name="图片 3">
-            <a:extLst>
-              <a:ext uri="{FF2B5EF4-FFF2-40B4-BE49-F238E27FC236}">
-                <a16:creationId xmlns:a16="http://schemas.microsoft.com/office/drawing/2014/main" id="{A9F7B1D4-8F6C-433F-9CF6-A8CF4EFD1362}"/>
-              </a:ext>
-            </a:extLst>
-          </p:cNvPr>
-          <p:cNvPicPr>
-            <a:picLocks noChangeAspect="1"/>
-          </p:cNvPicPr>
-          <p:nvPr/>
-        </p:nvPicPr>
-        <p:blipFill>
-          <a:blip r:embed="rId2"/>
-          <a:stretch>
-            <a:fillRect/>
-          </a:stretch>
-        </p:blipFill>
-        <p:spPr>
-          <a:xfrm>
-            <a:off x="4736606" y="1629654"/>
-            <a:ext cx="4072113" cy="2607066"/>
-          </a:xfrm>
-          <a:prstGeom prst="rect">
-            <a:avLst/>
-          </a:prstGeom>
-        </p:spPr>
-      </p:pic>
     </p:spTree>
     <p:extLst>
       <p:ext uri="{BB962C8B-B14F-4D97-AF65-F5344CB8AC3E}">
-        <p14:creationId xmlns:p14="http://schemas.microsoft.com/office/powerpoint/2010/main" val="848296587"/>
+        <p14:creationId xmlns:p14="http://schemas.microsoft.com/office/powerpoint/2010/main" val="745560625"/>
       </p:ext>
     </p:extLst>
   </p:cSld>
@@ -10633,103 +11194,76 @@
           <a:lstStyle/>
           <a:p>
             <a:r>
+              <a:rPr lang="en-US" altLang="zh-CN" dirty="0"/>
+              <a:t>Relay chain block format</a:t>
+            </a:r>
+          </a:p>
+          <a:p>
+            <a:pPr lvl="1"/>
+            <a:r>
+              <a:rPr lang="en-US" altLang="zh-CN" dirty="0"/>
+              <a:t>Header</a:t>
+            </a:r>
+          </a:p>
+          <a:p>
+            <a:pPr lvl="2"/>
+            <a:r>
+              <a:rPr lang="en-US" altLang="zh-CN" dirty="0"/>
+              <a:t>Hash of parent block</a:t>
+            </a:r>
+          </a:p>
+          <a:p>
+            <a:pPr lvl="2"/>
+            <a:r>
+              <a:rPr lang="en-US" altLang="zh-CN" dirty="0"/>
+              <a:t>Block number</a:t>
+            </a:r>
+          </a:p>
+          <a:p>
+            <a:pPr lvl="2"/>
+            <a:r>
+              <a:rPr lang="en-US" altLang="zh-CN" dirty="0"/>
+              <a:t>The root of the state tree</a:t>
+            </a:r>
+          </a:p>
+          <a:p>
+            <a:pPr lvl="2"/>
+            <a:r>
+              <a:rPr lang="en-US" altLang="zh-CN" dirty="0"/>
+              <a:t>The root of the Merkle tree</a:t>
+            </a:r>
+          </a:p>
+          <a:p>
+            <a:pPr lvl="2"/>
+            <a:r>
+              <a:rPr lang="en-US" altLang="zh-CN" dirty="0"/>
+              <a:t>Digest</a:t>
+            </a:r>
+          </a:p>
+          <a:p>
+            <a:pPr lvl="3"/>
+            <a:r>
+              <a:rPr lang="en-US" altLang="zh-CN" dirty="0"/>
+              <a:t>Store auxiliary information from the consensus engines for validating the block</a:t>
+            </a:r>
+          </a:p>
+          <a:p>
+            <a:pPr lvl="1"/>
+            <a:r>
+              <a:rPr lang="en-US" altLang="zh-CN" dirty="0"/>
+              <a:t>Body</a:t>
+            </a:r>
+          </a:p>
+          <a:p>
+            <a:pPr lvl="2"/>
+            <a:r>
+              <a:rPr lang="en-US" altLang="zh-CN" dirty="0"/>
+              <a:t>A list of </a:t>
+            </a:r>
+            <a:r>
               <a:rPr lang="en-US" altLang="zh-CN" dirty="0" err="1"/>
-              <a:t>Extrinsics</a:t>
-            </a:r>
-            <a:r>
-              <a:rPr lang="en-US" altLang="zh-CN" dirty="0"/>
-              <a:t>, an executing ordered set of instructions</a:t>
-            </a:r>
-          </a:p>
-          <a:p>
-            <a:pPr lvl="1"/>
-            <a:r>
-              <a:rPr lang="en-US" altLang="zh-CN" dirty="0"/>
-              <a:t>are the input data supplied to the Relay-chain state machine to transition to new states.</a:t>
-            </a:r>
-          </a:p>
-          <a:p>
-            <a:pPr lvl="1"/>
-            <a:r>
-              <a:rPr lang="en-US" altLang="zh-CN" dirty="0"/>
-              <a:t> be stored into blocks of the relay chain  to achieve consensus among the state machine replica.</a:t>
-            </a:r>
-          </a:p>
-          <a:p>
-            <a:r>
-              <a:rPr lang="en-US" altLang="zh-CN" dirty="0"/>
-              <a:t>Two categories of </a:t>
-            </a:r>
-            <a:r>
-              <a:rPr lang="en-US" altLang="zh-CN" dirty="0" err="1"/>
-              <a:t>Extrinsics</a:t>
-            </a:r>
-            <a:endParaRPr lang="en-US" altLang="zh-CN" dirty="0"/>
-          </a:p>
-          <a:p>
-            <a:pPr lvl="1"/>
-            <a:r>
-              <a:rPr lang="en-US" altLang="zh-CN" dirty="0"/>
-              <a:t>Transactions</a:t>
-            </a:r>
-          </a:p>
-          <a:p>
-            <a:pPr lvl="2"/>
-            <a:r>
-              <a:rPr lang="en-US" altLang="zh-CN" dirty="0"/>
-              <a:t>Examples: </a:t>
-            </a:r>
-            <a:r>
-              <a:rPr lang="en-US" altLang="zh-CN" dirty="0" err="1"/>
-              <a:t>set_code</a:t>
-            </a:r>
-            <a:r>
-              <a:rPr lang="en-US" altLang="zh-CN" dirty="0"/>
-              <a:t>, transfer, bond, validate, nominate, vote</a:t>
-            </a:r>
-          </a:p>
-          <a:p>
-            <a:pPr lvl="2"/>
-            <a:r>
-              <a:rPr lang="en-US" altLang="zh-CN" dirty="0"/>
-              <a:t>Signed and unsigned</a:t>
-            </a:r>
-          </a:p>
-          <a:p>
-            <a:pPr lvl="1"/>
-            <a:r>
-              <a:rPr lang="en-US" altLang="zh-CN" dirty="0"/>
-              <a:t>“</a:t>
-            </a:r>
-            <a:r>
-              <a:rPr lang="en-US" altLang="zh-CN" dirty="0" err="1"/>
-              <a:t>inherents</a:t>
-            </a:r>
-            <a:r>
-              <a:rPr lang="en-US" altLang="zh-CN" dirty="0"/>
-              <a:t>”, the data that is inherent to a relay chain block. </a:t>
-            </a:r>
-          </a:p>
-          <a:p>
-            <a:pPr lvl="2"/>
-            <a:r>
-              <a:rPr lang="en-US" altLang="zh-CN" dirty="0"/>
-              <a:t>Example: The timestamp t of blocks</a:t>
-            </a:r>
-          </a:p>
-          <a:p>
-            <a:pPr lvl="2"/>
-            <a:r>
-              <a:rPr lang="en-US" altLang="zh-CN" dirty="0"/>
-              <a:t>Not signed and not gossiped, rather only when they are included in a block</a:t>
-            </a:r>
-          </a:p>
-          <a:p>
-            <a:pPr lvl="2"/>
-            <a:endParaRPr lang="en-US" altLang="zh-CN" dirty="0"/>
-          </a:p>
-          <a:p>
-            <a:pPr lvl="1"/>
+              <a:t>extrinsics</a:t>
+            </a:r>
             <a:endParaRPr lang="en-US" altLang="zh-CN" dirty="0"/>
           </a:p>
           <a:p>
@@ -10775,10 +11309,40 @@
           </a:p>
         </p:txBody>
       </p:sp>
+      <p:pic>
+        <p:nvPicPr>
+          <p:cNvPr id="4" name="图片 3">
+            <a:extLst>
+              <a:ext uri="{FF2B5EF4-FFF2-40B4-BE49-F238E27FC236}">
+                <a16:creationId xmlns:a16="http://schemas.microsoft.com/office/drawing/2014/main" id="{A9F7B1D4-8F6C-433F-9CF6-A8CF4EFD1362}"/>
+              </a:ext>
+            </a:extLst>
+          </p:cNvPr>
+          <p:cNvPicPr>
+            <a:picLocks noChangeAspect="1"/>
+          </p:cNvPicPr>
+          <p:nvPr/>
+        </p:nvPicPr>
+        <p:blipFill>
+          <a:blip r:embed="rId2"/>
+          <a:stretch>
+            <a:fillRect/>
+          </a:stretch>
+        </p:blipFill>
+        <p:spPr>
+          <a:xfrm>
+            <a:off x="4736606" y="1629654"/>
+            <a:ext cx="4072113" cy="2607066"/>
+          </a:xfrm>
+          <a:prstGeom prst="rect">
+            <a:avLst/>
+          </a:prstGeom>
+        </p:spPr>
+      </p:pic>
     </p:spTree>
     <p:extLst>
       <p:ext uri="{BB962C8B-B14F-4D97-AF65-F5344CB8AC3E}">
-        <p14:creationId xmlns:p14="http://schemas.microsoft.com/office/powerpoint/2010/main" val="4185833312"/>
+        <p14:creationId xmlns:p14="http://schemas.microsoft.com/office/powerpoint/2010/main" val="848296587"/>
       </p:ext>
     </p:extLst>
   </p:cSld>
@@ -10843,6 +11407,90 @@
             </a:r>
           </a:p>
           <a:p>
+            <a:pPr lvl="1"/>
+            <a:r>
+              <a:rPr lang="en-US" altLang="zh-CN" dirty="0"/>
+              <a:t>are the input data supplied to the Relay-chain state machine to transition to new states.</a:t>
+            </a:r>
+          </a:p>
+          <a:p>
+            <a:pPr lvl="1"/>
+            <a:r>
+              <a:rPr lang="en-US" altLang="zh-CN" dirty="0"/>
+              <a:t> be stored into blocks of the relay chain  to achieve consensus among the state machine replica.</a:t>
+            </a:r>
+          </a:p>
+          <a:p>
+            <a:r>
+              <a:rPr lang="en-US" altLang="zh-CN" dirty="0"/>
+              <a:t>Two categories of </a:t>
+            </a:r>
+            <a:r>
+              <a:rPr lang="en-US" altLang="zh-CN" dirty="0" err="1"/>
+              <a:t>Extrinsics</a:t>
+            </a:r>
+            <a:endParaRPr lang="en-US" altLang="zh-CN" dirty="0"/>
+          </a:p>
+          <a:p>
+            <a:pPr lvl="1"/>
+            <a:r>
+              <a:rPr lang="en-US" altLang="zh-CN" dirty="0"/>
+              <a:t>Transactions</a:t>
+            </a:r>
+          </a:p>
+          <a:p>
+            <a:pPr lvl="2"/>
+            <a:r>
+              <a:rPr lang="en-US" altLang="zh-CN" dirty="0"/>
+              <a:t>Examples: </a:t>
+            </a:r>
+            <a:r>
+              <a:rPr lang="en-US" altLang="zh-CN" dirty="0" err="1"/>
+              <a:t>set_code</a:t>
+            </a:r>
+            <a:r>
+              <a:rPr lang="en-US" altLang="zh-CN" dirty="0"/>
+              <a:t>, transfer, bond, validate, nominate, vote</a:t>
+            </a:r>
+          </a:p>
+          <a:p>
+            <a:pPr lvl="2"/>
+            <a:r>
+              <a:rPr lang="en-US" altLang="zh-CN" dirty="0"/>
+              <a:t>Signed and unsigned</a:t>
+            </a:r>
+          </a:p>
+          <a:p>
+            <a:pPr lvl="1"/>
+            <a:r>
+              <a:rPr lang="en-US" altLang="zh-CN" dirty="0"/>
+              <a:t>“</a:t>
+            </a:r>
+            <a:r>
+              <a:rPr lang="en-US" altLang="zh-CN" dirty="0" err="1"/>
+              <a:t>inherents</a:t>
+            </a:r>
+            <a:r>
+              <a:rPr lang="en-US" altLang="zh-CN" dirty="0"/>
+              <a:t>”, the data that is inherent to a relay chain block. </a:t>
+            </a:r>
+          </a:p>
+          <a:p>
+            <a:pPr lvl="2"/>
+            <a:r>
+              <a:rPr lang="en-US" altLang="zh-CN" dirty="0"/>
+              <a:t>Example: The timestamp t of blocks</a:t>
+            </a:r>
+          </a:p>
+          <a:p>
+            <a:pPr lvl="2"/>
+            <a:r>
+              <a:rPr lang="en-US" altLang="zh-CN" dirty="0"/>
+              <a:t>Not signed and not gossiped, rather only when they are included in a block</a:t>
+            </a:r>
+          </a:p>
+          <a:p>
+            <a:pPr lvl="2"/>
             <a:endParaRPr lang="en-US" altLang="zh-CN" dirty="0"/>
           </a:p>
           <a:p>
@@ -10892,439 +11540,10 @@
           </a:p>
         </p:txBody>
       </p:sp>
-      <p:pic>
-        <p:nvPicPr>
-          <p:cNvPr id="4" name="图片 3">
-            <a:extLst>
-              <a:ext uri="{FF2B5EF4-FFF2-40B4-BE49-F238E27FC236}">
-                <a16:creationId xmlns:a16="http://schemas.microsoft.com/office/drawing/2014/main" id="{AFBEB4A9-6A7A-48CE-B2FD-5FD9E7D41D22}"/>
-              </a:ext>
-            </a:extLst>
-          </p:cNvPr>
-          <p:cNvPicPr>
-            <a:picLocks noChangeAspect="1"/>
-          </p:cNvPicPr>
-          <p:nvPr/>
-        </p:nvPicPr>
-        <p:blipFill>
-          <a:blip r:embed="rId2"/>
-          <a:stretch>
-            <a:fillRect/>
-          </a:stretch>
-        </p:blipFill>
-        <p:spPr>
-          <a:xfrm>
-            <a:off x="1549400" y="2107024"/>
-            <a:ext cx="6334760" cy="4440057"/>
-          </a:xfrm>
-          <a:prstGeom prst="rect">
-            <a:avLst/>
-          </a:prstGeom>
-        </p:spPr>
-      </p:pic>
-      <p:sp>
-        <p:nvSpPr>
-          <p:cNvPr id="5" name="矩形 4">
-            <a:extLst>
-              <a:ext uri="{FF2B5EF4-FFF2-40B4-BE49-F238E27FC236}">
-                <a16:creationId xmlns:a16="http://schemas.microsoft.com/office/drawing/2014/main" id="{24F6A571-1999-43FE-B0BF-818338B9AAC1}"/>
-              </a:ext>
-            </a:extLst>
-          </p:cNvPr>
-          <p:cNvSpPr/>
-          <p:nvPr/>
-        </p:nvSpPr>
-        <p:spPr>
-          <a:xfrm>
-            <a:off x="1600200" y="2489200"/>
-            <a:ext cx="4577080" cy="1671320"/>
-          </a:xfrm>
-          <a:prstGeom prst="rect">
-            <a:avLst/>
-          </a:prstGeom>
-          <a:noFill/>
-          <a:ln>
-            <a:solidFill>
-              <a:schemeClr val="accent1"/>
-            </a:solidFill>
-          </a:ln>
-        </p:spPr>
-        <p:style>
-          <a:lnRef idx="2">
-            <a:schemeClr val="accent1">
-              <a:shade val="50000"/>
-            </a:schemeClr>
-          </a:lnRef>
-          <a:fillRef idx="1">
-            <a:schemeClr val="accent1"/>
-          </a:fillRef>
-          <a:effectRef idx="0">
-            <a:schemeClr val="accent1"/>
-          </a:effectRef>
-          <a:fontRef idx="minor">
-            <a:schemeClr val="lt1"/>
-          </a:fontRef>
-        </p:style>
-        <p:txBody>
-          <a:bodyPr rtlCol="0" anchor="ctr"/>
-          <a:lstStyle/>
-          <a:p>
-            <a:pPr algn="ctr"/>
-            <a:endParaRPr lang="zh-CN" altLang="en-US"/>
-          </a:p>
-        </p:txBody>
-      </p:sp>
-      <p:cxnSp>
-        <p:nvCxnSpPr>
-          <p:cNvPr id="9" name="直接箭头连接符 8">
-            <a:extLst>
-              <a:ext uri="{FF2B5EF4-FFF2-40B4-BE49-F238E27FC236}">
-                <a16:creationId xmlns:a16="http://schemas.microsoft.com/office/drawing/2014/main" id="{5352E759-A2BC-4B18-8B20-138E0288FA59}"/>
-              </a:ext>
-            </a:extLst>
-          </p:cNvPr>
-          <p:cNvCxnSpPr>
-            <a:cxnSpLocks/>
-            <a:stCxn id="5" idx="1"/>
-          </p:cNvCxnSpPr>
-          <p:nvPr/>
-        </p:nvCxnSpPr>
-        <p:spPr>
-          <a:xfrm flipH="1" flipV="1">
-            <a:off x="1143000" y="3141980"/>
-            <a:ext cx="457200" cy="182880"/>
-          </a:xfrm>
-          <a:prstGeom prst="straightConnector1">
-            <a:avLst/>
-          </a:prstGeom>
-          <a:ln w="12700">
-            <a:tailEnd type="triangle"/>
-          </a:ln>
-        </p:spPr>
-        <p:style>
-          <a:lnRef idx="1">
-            <a:schemeClr val="accent1"/>
-          </a:lnRef>
-          <a:fillRef idx="0">
-            <a:schemeClr val="accent1"/>
-          </a:fillRef>
-          <a:effectRef idx="0">
-            <a:schemeClr val="accent1"/>
-          </a:effectRef>
-          <a:fontRef idx="minor">
-            <a:schemeClr val="tx1"/>
-          </a:fontRef>
-        </p:style>
-      </p:cxnSp>
-      <p:sp>
-        <p:nvSpPr>
-          <p:cNvPr id="11" name="文本框 10">
-            <a:extLst>
-              <a:ext uri="{FF2B5EF4-FFF2-40B4-BE49-F238E27FC236}">
-                <a16:creationId xmlns:a16="http://schemas.microsoft.com/office/drawing/2014/main" id="{5BA36DF0-F244-4244-A480-0A2590783C80}"/>
-              </a:ext>
-            </a:extLst>
-          </p:cNvPr>
-          <p:cNvSpPr txBox="1"/>
-          <p:nvPr/>
-        </p:nvSpPr>
-        <p:spPr>
-          <a:xfrm>
-            <a:off x="0" y="2704040"/>
-            <a:ext cx="1452880" cy="369332"/>
-          </a:xfrm>
-          <a:prstGeom prst="rect">
-            <a:avLst/>
-          </a:prstGeom>
-          <a:noFill/>
-        </p:spPr>
-        <p:txBody>
-          <a:bodyPr wrap="square" rtlCol="0">
-            <a:spAutoFit/>
-          </a:bodyPr>
-          <a:lstStyle/>
-          <a:p>
-            <a:r>
-              <a:rPr lang="en-US" altLang="zh-CN" dirty="0"/>
-              <a:t>“</a:t>
-            </a:r>
-            <a:r>
-              <a:rPr lang="en-US" altLang="zh-CN" dirty="0" err="1"/>
-              <a:t>Inherents</a:t>
-            </a:r>
-            <a:r>
-              <a:rPr lang="en-US" altLang="zh-CN" dirty="0"/>
-              <a:t>”</a:t>
-            </a:r>
-            <a:endParaRPr lang="zh-CN" altLang="en-US" dirty="0"/>
-          </a:p>
-        </p:txBody>
-      </p:sp>
-      <p:sp>
-        <p:nvSpPr>
-          <p:cNvPr id="15" name="矩形 14">
-            <a:extLst>
-              <a:ext uri="{FF2B5EF4-FFF2-40B4-BE49-F238E27FC236}">
-                <a16:creationId xmlns:a16="http://schemas.microsoft.com/office/drawing/2014/main" id="{9D527624-D4C4-41EB-ACAC-11C762D8F29E}"/>
-              </a:ext>
-            </a:extLst>
-          </p:cNvPr>
-          <p:cNvSpPr/>
-          <p:nvPr/>
-        </p:nvSpPr>
-        <p:spPr>
-          <a:xfrm>
-            <a:off x="1600200" y="4272280"/>
-            <a:ext cx="6223000" cy="2199640"/>
-          </a:xfrm>
-          <a:prstGeom prst="rect">
-            <a:avLst/>
-          </a:prstGeom>
-          <a:noFill/>
-          <a:ln>
-            <a:solidFill>
-              <a:schemeClr val="accent1"/>
-            </a:solidFill>
-          </a:ln>
-        </p:spPr>
-        <p:style>
-          <a:lnRef idx="2">
-            <a:schemeClr val="accent1">
-              <a:shade val="50000"/>
-            </a:schemeClr>
-          </a:lnRef>
-          <a:fillRef idx="1">
-            <a:schemeClr val="accent1"/>
-          </a:fillRef>
-          <a:effectRef idx="0">
-            <a:schemeClr val="accent1"/>
-          </a:effectRef>
-          <a:fontRef idx="minor">
-            <a:schemeClr val="lt1"/>
-          </a:fontRef>
-        </p:style>
-        <p:txBody>
-          <a:bodyPr rtlCol="0" anchor="ctr"/>
-          <a:lstStyle/>
-          <a:p>
-            <a:pPr algn="ctr"/>
-            <a:endParaRPr lang="zh-CN" altLang="en-US"/>
-          </a:p>
-        </p:txBody>
-      </p:sp>
-      <p:cxnSp>
-        <p:nvCxnSpPr>
-          <p:cNvPr id="18" name="直接箭头连接符 17">
-            <a:extLst>
-              <a:ext uri="{FF2B5EF4-FFF2-40B4-BE49-F238E27FC236}">
-                <a16:creationId xmlns:a16="http://schemas.microsoft.com/office/drawing/2014/main" id="{F1AED48E-0F4F-44BA-A1E5-C5A44F4916A4}"/>
-              </a:ext>
-            </a:extLst>
-          </p:cNvPr>
-          <p:cNvCxnSpPr>
-            <a:stCxn id="15" idx="1"/>
-          </p:cNvCxnSpPr>
-          <p:nvPr/>
-        </p:nvCxnSpPr>
-        <p:spPr>
-          <a:xfrm flipH="1" flipV="1">
-            <a:off x="919480" y="5267960"/>
-            <a:ext cx="680720" cy="104140"/>
-          </a:xfrm>
-          <a:prstGeom prst="straightConnector1">
-            <a:avLst/>
-          </a:prstGeom>
-          <a:ln w="12700">
-            <a:tailEnd type="triangle"/>
-          </a:ln>
-        </p:spPr>
-        <p:style>
-          <a:lnRef idx="1">
-            <a:schemeClr val="accent1"/>
-          </a:lnRef>
-          <a:fillRef idx="0">
-            <a:schemeClr val="accent1"/>
-          </a:fillRef>
-          <a:effectRef idx="0">
-            <a:schemeClr val="accent1"/>
-          </a:effectRef>
-          <a:fontRef idx="minor">
-            <a:schemeClr val="tx1"/>
-          </a:fontRef>
-        </p:style>
-      </p:cxnSp>
-      <p:sp>
-        <p:nvSpPr>
-          <p:cNvPr id="19" name="文本框 18">
-            <a:extLst>
-              <a:ext uri="{FF2B5EF4-FFF2-40B4-BE49-F238E27FC236}">
-                <a16:creationId xmlns:a16="http://schemas.microsoft.com/office/drawing/2014/main" id="{CF8E7907-92E5-46F5-A6B7-D5121945C169}"/>
-              </a:ext>
-            </a:extLst>
-          </p:cNvPr>
-          <p:cNvSpPr txBox="1"/>
-          <p:nvPr/>
-        </p:nvSpPr>
-        <p:spPr>
-          <a:xfrm>
-            <a:off x="96520" y="4551345"/>
-            <a:ext cx="1452880" cy="646331"/>
-          </a:xfrm>
-          <a:prstGeom prst="rect">
-            <a:avLst/>
-          </a:prstGeom>
-          <a:noFill/>
-        </p:spPr>
-        <p:txBody>
-          <a:bodyPr wrap="square" rtlCol="0">
-            <a:spAutoFit/>
-          </a:bodyPr>
-          <a:lstStyle/>
-          <a:p>
-            <a:r>
-              <a:rPr lang="en-US" altLang="zh-CN" dirty="0"/>
-              <a:t>Signed transaction</a:t>
-            </a:r>
-            <a:endParaRPr lang="zh-CN" altLang="en-US" dirty="0"/>
-          </a:p>
-        </p:txBody>
-      </p:sp>
-      <p:sp>
-        <p:nvSpPr>
-          <p:cNvPr id="20" name="矩形 19">
-            <a:extLst>
-              <a:ext uri="{FF2B5EF4-FFF2-40B4-BE49-F238E27FC236}">
-                <a16:creationId xmlns:a16="http://schemas.microsoft.com/office/drawing/2014/main" id="{9DCB6E6E-59CF-480D-B366-E2B97235D783}"/>
-              </a:ext>
-            </a:extLst>
-          </p:cNvPr>
-          <p:cNvSpPr/>
-          <p:nvPr/>
-        </p:nvSpPr>
-        <p:spPr>
-          <a:xfrm>
-            <a:off x="4033520" y="2250440"/>
-            <a:ext cx="2479040" cy="3708400"/>
-          </a:xfrm>
-          <a:prstGeom prst="rect">
-            <a:avLst/>
-          </a:prstGeom>
-          <a:noFill/>
-          <a:ln>
-            <a:solidFill>
-              <a:schemeClr val="accent1"/>
-            </a:solidFill>
-          </a:ln>
-        </p:spPr>
-        <p:style>
-          <a:lnRef idx="2">
-            <a:schemeClr val="accent1">
-              <a:shade val="50000"/>
-            </a:schemeClr>
-          </a:lnRef>
-          <a:fillRef idx="1">
-            <a:schemeClr val="accent1"/>
-          </a:fillRef>
-          <a:effectRef idx="0">
-            <a:schemeClr val="accent1"/>
-          </a:effectRef>
-          <a:fontRef idx="minor">
-            <a:schemeClr val="lt1"/>
-          </a:fontRef>
-        </p:style>
-        <p:txBody>
-          <a:bodyPr rot="0" spcFirstLastPara="0" vertOverflow="overflow" horzOverflow="overflow" vert="horz" wrap="square" lIns="91440" tIns="45720" rIns="91440" bIns="45720" numCol="1" spcCol="0" rtlCol="0" fromWordArt="0" anchor="ctr" anchorCtr="0" forceAA="0" compatLnSpc="1">
-            <a:prstTxWarp prst="textNoShape">
-              <a:avLst/>
-            </a:prstTxWarp>
-            <a:noAutofit/>
-          </a:bodyPr>
-          <a:lstStyle/>
-          <a:p>
-            <a:pPr algn="ctr"/>
-            <a:endParaRPr lang="zh-CN" altLang="en-US"/>
-          </a:p>
-        </p:txBody>
-      </p:sp>
-      <p:cxnSp>
-        <p:nvCxnSpPr>
-          <p:cNvPr id="22" name="直接箭头连接符 21">
-            <a:extLst>
-              <a:ext uri="{FF2B5EF4-FFF2-40B4-BE49-F238E27FC236}">
-                <a16:creationId xmlns:a16="http://schemas.microsoft.com/office/drawing/2014/main" id="{B5E4A5EC-0404-450A-983C-78929E9220B6}"/>
-              </a:ext>
-            </a:extLst>
-          </p:cNvPr>
-          <p:cNvCxnSpPr/>
-          <p:nvPr/>
-        </p:nvCxnSpPr>
-        <p:spPr>
-          <a:xfrm flipV="1">
-            <a:off x="6512560" y="3570300"/>
-            <a:ext cx="1600200" cy="548011"/>
-          </a:xfrm>
-          <a:prstGeom prst="straightConnector1">
-            <a:avLst/>
-          </a:prstGeom>
-          <a:ln w="12700">
-            <a:tailEnd type="triangle"/>
-          </a:ln>
-        </p:spPr>
-        <p:style>
-          <a:lnRef idx="1">
-            <a:schemeClr val="accent1"/>
-          </a:lnRef>
-          <a:fillRef idx="0">
-            <a:schemeClr val="accent1"/>
-          </a:fillRef>
-          <a:effectRef idx="0">
-            <a:schemeClr val="accent1"/>
-          </a:effectRef>
-          <a:fontRef idx="minor">
-            <a:schemeClr val="tx1"/>
-          </a:fontRef>
-        </p:style>
-      </p:cxnSp>
-      <p:sp>
-        <p:nvSpPr>
-          <p:cNvPr id="23" name="文本框 22">
-            <a:extLst>
-              <a:ext uri="{FF2B5EF4-FFF2-40B4-BE49-F238E27FC236}">
-                <a16:creationId xmlns:a16="http://schemas.microsoft.com/office/drawing/2014/main" id="{51E1D524-DE41-4F13-B62A-D3FEA785C7EE}"/>
-              </a:ext>
-            </a:extLst>
-          </p:cNvPr>
-          <p:cNvSpPr txBox="1"/>
-          <p:nvPr/>
-        </p:nvSpPr>
-        <p:spPr>
-          <a:xfrm>
-            <a:off x="8219440" y="3429000"/>
-            <a:ext cx="803425" cy="369332"/>
-          </a:xfrm>
-          <a:prstGeom prst="rect">
-            <a:avLst/>
-          </a:prstGeom>
-          <a:noFill/>
-        </p:spPr>
-        <p:txBody>
-          <a:bodyPr wrap="none" rtlCol="0">
-            <a:spAutoFit/>
-          </a:bodyPr>
-          <a:lstStyle/>
-          <a:p>
-            <a:r>
-              <a:rPr lang="en-US" altLang="zh-CN" dirty="0"/>
-              <a:t>Events</a:t>
-            </a:r>
-            <a:endParaRPr lang="zh-CN" altLang="en-US" dirty="0"/>
-          </a:p>
-        </p:txBody>
-      </p:sp>
     </p:spTree>
     <p:extLst>
       <p:ext uri="{BB962C8B-B14F-4D97-AF65-F5344CB8AC3E}">
-        <p14:creationId xmlns:p14="http://schemas.microsoft.com/office/powerpoint/2010/main" val="1167778820"/>
+        <p14:creationId xmlns:p14="http://schemas.microsoft.com/office/powerpoint/2010/main" val="4185833312"/>
       </p:ext>
     </p:extLst>
   </p:cSld>
@@ -11380,58 +11599,12 @@
           <a:lstStyle/>
           <a:p>
             <a:r>
+              <a:rPr lang="en-US" altLang="zh-CN" dirty="0" err="1"/>
+              <a:t>Extrinsics</a:t>
+            </a:r>
+            <a:r>
               <a:rPr lang="en-US" altLang="zh-CN" dirty="0"/>
-              <a:t>the validator’s operations for building relay chain block</a:t>
-            </a:r>
-          </a:p>
-          <a:p>
-            <a:pPr lvl="1"/>
-            <a:r>
-              <a:rPr lang="en-US" altLang="zh-CN" dirty="0"/>
-              <a:t>Step one: each relay chain Validators privately knows the time when they should produce a block </a:t>
-            </a:r>
-          </a:p>
-          <a:p>
-            <a:pPr lvl="1"/>
-            <a:r>
-              <a:rPr lang="en-US" altLang="zh-CN" dirty="0"/>
-              <a:t>Step two: transactions (validated </a:t>
-            </a:r>
-            <a:r>
-              <a:rPr lang="en-US" altLang="zh-CN" dirty="0" err="1"/>
-              <a:t>parachain</a:t>
-            </a:r>
-            <a:r>
-              <a:rPr lang="en-US" altLang="zh-CN" dirty="0"/>
-              <a:t> block hash, transfer, staking, nomination or slashing for violation) are submitted to relay chain validators.</a:t>
-            </a:r>
-          </a:p>
-          <a:p>
-            <a:pPr lvl="1"/>
-            <a:r>
-              <a:rPr lang="en-US" altLang="zh-CN" dirty="0"/>
-              <a:t>Step three: relay chain validators examine the validity and store them in their transaction pool</a:t>
-            </a:r>
-          </a:p>
-          <a:p>
-            <a:pPr lvl="1"/>
-            <a:r>
-              <a:rPr lang="en-US" altLang="zh-CN" dirty="0"/>
-              <a:t>Step four: When the validator should produce a block, it will estimate the block which most likely represents the state which is going to be finalized by the finality protocol and set it as the current state of the relay chain.</a:t>
-            </a:r>
-          </a:p>
-          <a:p>
-            <a:pPr lvl="1"/>
-            <a:r>
-              <a:rPr lang="en-US" altLang="zh-CN" dirty="0"/>
-              <a:t>Step five: Validator select and executes transactions and updates the state.</a:t>
-            </a:r>
-          </a:p>
-          <a:p>
-            <a:pPr lvl="1"/>
-            <a:r>
-              <a:rPr lang="en-US" altLang="zh-CN" dirty="0"/>
-              <a:t>Step Six: Validator attaches a digest of the final stage of relay chain, then signs and publishes the built block.</a:t>
+              <a:t>, an executing ordered set of instructions</a:t>
             </a:r>
           </a:p>
           <a:p>
@@ -11484,10 +11657,439 @@
           </a:p>
         </p:txBody>
       </p:sp>
+      <p:pic>
+        <p:nvPicPr>
+          <p:cNvPr id="4" name="图片 3">
+            <a:extLst>
+              <a:ext uri="{FF2B5EF4-FFF2-40B4-BE49-F238E27FC236}">
+                <a16:creationId xmlns:a16="http://schemas.microsoft.com/office/drawing/2014/main" id="{AFBEB4A9-6A7A-48CE-B2FD-5FD9E7D41D22}"/>
+              </a:ext>
+            </a:extLst>
+          </p:cNvPr>
+          <p:cNvPicPr>
+            <a:picLocks noChangeAspect="1"/>
+          </p:cNvPicPr>
+          <p:nvPr/>
+        </p:nvPicPr>
+        <p:blipFill>
+          <a:blip r:embed="rId2"/>
+          <a:stretch>
+            <a:fillRect/>
+          </a:stretch>
+        </p:blipFill>
+        <p:spPr>
+          <a:xfrm>
+            <a:off x="1549400" y="2107024"/>
+            <a:ext cx="6334760" cy="4440057"/>
+          </a:xfrm>
+          <a:prstGeom prst="rect">
+            <a:avLst/>
+          </a:prstGeom>
+        </p:spPr>
+      </p:pic>
+      <p:sp>
+        <p:nvSpPr>
+          <p:cNvPr id="5" name="矩形 4">
+            <a:extLst>
+              <a:ext uri="{FF2B5EF4-FFF2-40B4-BE49-F238E27FC236}">
+                <a16:creationId xmlns:a16="http://schemas.microsoft.com/office/drawing/2014/main" id="{24F6A571-1999-43FE-B0BF-818338B9AAC1}"/>
+              </a:ext>
+            </a:extLst>
+          </p:cNvPr>
+          <p:cNvSpPr/>
+          <p:nvPr/>
+        </p:nvSpPr>
+        <p:spPr>
+          <a:xfrm>
+            <a:off x="1600200" y="2489200"/>
+            <a:ext cx="4577080" cy="1671320"/>
+          </a:xfrm>
+          <a:prstGeom prst="rect">
+            <a:avLst/>
+          </a:prstGeom>
+          <a:noFill/>
+          <a:ln>
+            <a:solidFill>
+              <a:schemeClr val="accent1"/>
+            </a:solidFill>
+          </a:ln>
+        </p:spPr>
+        <p:style>
+          <a:lnRef idx="2">
+            <a:schemeClr val="accent1">
+              <a:shade val="50000"/>
+            </a:schemeClr>
+          </a:lnRef>
+          <a:fillRef idx="1">
+            <a:schemeClr val="accent1"/>
+          </a:fillRef>
+          <a:effectRef idx="0">
+            <a:schemeClr val="accent1"/>
+          </a:effectRef>
+          <a:fontRef idx="minor">
+            <a:schemeClr val="lt1"/>
+          </a:fontRef>
+        </p:style>
+        <p:txBody>
+          <a:bodyPr rtlCol="0" anchor="ctr"/>
+          <a:lstStyle/>
+          <a:p>
+            <a:pPr algn="ctr"/>
+            <a:endParaRPr lang="zh-CN" altLang="en-US"/>
+          </a:p>
+        </p:txBody>
+      </p:sp>
+      <p:cxnSp>
+        <p:nvCxnSpPr>
+          <p:cNvPr id="9" name="直接箭头连接符 8">
+            <a:extLst>
+              <a:ext uri="{FF2B5EF4-FFF2-40B4-BE49-F238E27FC236}">
+                <a16:creationId xmlns:a16="http://schemas.microsoft.com/office/drawing/2014/main" id="{5352E759-A2BC-4B18-8B20-138E0288FA59}"/>
+              </a:ext>
+            </a:extLst>
+          </p:cNvPr>
+          <p:cNvCxnSpPr>
+            <a:cxnSpLocks/>
+            <a:stCxn id="5" idx="1"/>
+          </p:cNvCxnSpPr>
+          <p:nvPr/>
+        </p:nvCxnSpPr>
+        <p:spPr>
+          <a:xfrm flipH="1" flipV="1">
+            <a:off x="1143000" y="3141980"/>
+            <a:ext cx="457200" cy="182880"/>
+          </a:xfrm>
+          <a:prstGeom prst="straightConnector1">
+            <a:avLst/>
+          </a:prstGeom>
+          <a:ln w="12700">
+            <a:tailEnd type="triangle"/>
+          </a:ln>
+        </p:spPr>
+        <p:style>
+          <a:lnRef idx="1">
+            <a:schemeClr val="accent1"/>
+          </a:lnRef>
+          <a:fillRef idx="0">
+            <a:schemeClr val="accent1"/>
+          </a:fillRef>
+          <a:effectRef idx="0">
+            <a:schemeClr val="accent1"/>
+          </a:effectRef>
+          <a:fontRef idx="minor">
+            <a:schemeClr val="tx1"/>
+          </a:fontRef>
+        </p:style>
+      </p:cxnSp>
+      <p:sp>
+        <p:nvSpPr>
+          <p:cNvPr id="11" name="文本框 10">
+            <a:extLst>
+              <a:ext uri="{FF2B5EF4-FFF2-40B4-BE49-F238E27FC236}">
+                <a16:creationId xmlns:a16="http://schemas.microsoft.com/office/drawing/2014/main" id="{5BA36DF0-F244-4244-A480-0A2590783C80}"/>
+              </a:ext>
+            </a:extLst>
+          </p:cNvPr>
+          <p:cNvSpPr txBox="1"/>
+          <p:nvPr/>
+        </p:nvSpPr>
+        <p:spPr>
+          <a:xfrm>
+            <a:off x="0" y="2704040"/>
+            <a:ext cx="1452880" cy="369332"/>
+          </a:xfrm>
+          <a:prstGeom prst="rect">
+            <a:avLst/>
+          </a:prstGeom>
+          <a:noFill/>
+        </p:spPr>
+        <p:txBody>
+          <a:bodyPr wrap="square" rtlCol="0">
+            <a:spAutoFit/>
+          </a:bodyPr>
+          <a:lstStyle/>
+          <a:p>
+            <a:r>
+              <a:rPr lang="en-US" altLang="zh-CN" dirty="0"/>
+              <a:t>“</a:t>
+            </a:r>
+            <a:r>
+              <a:rPr lang="en-US" altLang="zh-CN" dirty="0" err="1"/>
+              <a:t>Inherents</a:t>
+            </a:r>
+            <a:r>
+              <a:rPr lang="en-US" altLang="zh-CN" dirty="0"/>
+              <a:t>”</a:t>
+            </a:r>
+            <a:endParaRPr lang="zh-CN" altLang="en-US" dirty="0"/>
+          </a:p>
+        </p:txBody>
+      </p:sp>
+      <p:sp>
+        <p:nvSpPr>
+          <p:cNvPr id="15" name="矩形 14">
+            <a:extLst>
+              <a:ext uri="{FF2B5EF4-FFF2-40B4-BE49-F238E27FC236}">
+                <a16:creationId xmlns:a16="http://schemas.microsoft.com/office/drawing/2014/main" id="{9D527624-D4C4-41EB-ACAC-11C762D8F29E}"/>
+              </a:ext>
+            </a:extLst>
+          </p:cNvPr>
+          <p:cNvSpPr/>
+          <p:nvPr/>
+        </p:nvSpPr>
+        <p:spPr>
+          <a:xfrm>
+            <a:off x="1600200" y="4272280"/>
+            <a:ext cx="6223000" cy="2199640"/>
+          </a:xfrm>
+          <a:prstGeom prst="rect">
+            <a:avLst/>
+          </a:prstGeom>
+          <a:noFill/>
+          <a:ln>
+            <a:solidFill>
+              <a:schemeClr val="accent1"/>
+            </a:solidFill>
+          </a:ln>
+        </p:spPr>
+        <p:style>
+          <a:lnRef idx="2">
+            <a:schemeClr val="accent1">
+              <a:shade val="50000"/>
+            </a:schemeClr>
+          </a:lnRef>
+          <a:fillRef idx="1">
+            <a:schemeClr val="accent1"/>
+          </a:fillRef>
+          <a:effectRef idx="0">
+            <a:schemeClr val="accent1"/>
+          </a:effectRef>
+          <a:fontRef idx="minor">
+            <a:schemeClr val="lt1"/>
+          </a:fontRef>
+        </p:style>
+        <p:txBody>
+          <a:bodyPr rtlCol="0" anchor="ctr"/>
+          <a:lstStyle/>
+          <a:p>
+            <a:pPr algn="ctr"/>
+            <a:endParaRPr lang="zh-CN" altLang="en-US"/>
+          </a:p>
+        </p:txBody>
+      </p:sp>
+      <p:cxnSp>
+        <p:nvCxnSpPr>
+          <p:cNvPr id="18" name="直接箭头连接符 17">
+            <a:extLst>
+              <a:ext uri="{FF2B5EF4-FFF2-40B4-BE49-F238E27FC236}">
+                <a16:creationId xmlns:a16="http://schemas.microsoft.com/office/drawing/2014/main" id="{F1AED48E-0F4F-44BA-A1E5-C5A44F4916A4}"/>
+              </a:ext>
+            </a:extLst>
+          </p:cNvPr>
+          <p:cNvCxnSpPr>
+            <a:stCxn id="15" idx="1"/>
+          </p:cNvCxnSpPr>
+          <p:nvPr/>
+        </p:nvCxnSpPr>
+        <p:spPr>
+          <a:xfrm flipH="1" flipV="1">
+            <a:off x="919480" y="5267960"/>
+            <a:ext cx="680720" cy="104140"/>
+          </a:xfrm>
+          <a:prstGeom prst="straightConnector1">
+            <a:avLst/>
+          </a:prstGeom>
+          <a:ln w="12700">
+            <a:tailEnd type="triangle"/>
+          </a:ln>
+        </p:spPr>
+        <p:style>
+          <a:lnRef idx="1">
+            <a:schemeClr val="accent1"/>
+          </a:lnRef>
+          <a:fillRef idx="0">
+            <a:schemeClr val="accent1"/>
+          </a:fillRef>
+          <a:effectRef idx="0">
+            <a:schemeClr val="accent1"/>
+          </a:effectRef>
+          <a:fontRef idx="minor">
+            <a:schemeClr val="tx1"/>
+          </a:fontRef>
+        </p:style>
+      </p:cxnSp>
+      <p:sp>
+        <p:nvSpPr>
+          <p:cNvPr id="19" name="文本框 18">
+            <a:extLst>
+              <a:ext uri="{FF2B5EF4-FFF2-40B4-BE49-F238E27FC236}">
+                <a16:creationId xmlns:a16="http://schemas.microsoft.com/office/drawing/2014/main" id="{CF8E7907-92E5-46F5-A6B7-D5121945C169}"/>
+              </a:ext>
+            </a:extLst>
+          </p:cNvPr>
+          <p:cNvSpPr txBox="1"/>
+          <p:nvPr/>
+        </p:nvSpPr>
+        <p:spPr>
+          <a:xfrm>
+            <a:off x="96520" y="4551345"/>
+            <a:ext cx="1452880" cy="646331"/>
+          </a:xfrm>
+          <a:prstGeom prst="rect">
+            <a:avLst/>
+          </a:prstGeom>
+          <a:noFill/>
+        </p:spPr>
+        <p:txBody>
+          <a:bodyPr wrap="square" rtlCol="0">
+            <a:spAutoFit/>
+          </a:bodyPr>
+          <a:lstStyle/>
+          <a:p>
+            <a:r>
+              <a:rPr lang="en-US" altLang="zh-CN" dirty="0"/>
+              <a:t>Signed transaction</a:t>
+            </a:r>
+            <a:endParaRPr lang="zh-CN" altLang="en-US" dirty="0"/>
+          </a:p>
+        </p:txBody>
+      </p:sp>
+      <p:sp>
+        <p:nvSpPr>
+          <p:cNvPr id="20" name="矩形 19">
+            <a:extLst>
+              <a:ext uri="{FF2B5EF4-FFF2-40B4-BE49-F238E27FC236}">
+                <a16:creationId xmlns:a16="http://schemas.microsoft.com/office/drawing/2014/main" id="{9DCB6E6E-59CF-480D-B366-E2B97235D783}"/>
+              </a:ext>
+            </a:extLst>
+          </p:cNvPr>
+          <p:cNvSpPr/>
+          <p:nvPr/>
+        </p:nvSpPr>
+        <p:spPr>
+          <a:xfrm>
+            <a:off x="4033520" y="2250440"/>
+            <a:ext cx="2479040" cy="3708400"/>
+          </a:xfrm>
+          <a:prstGeom prst="rect">
+            <a:avLst/>
+          </a:prstGeom>
+          <a:noFill/>
+          <a:ln>
+            <a:solidFill>
+              <a:schemeClr val="accent1"/>
+            </a:solidFill>
+          </a:ln>
+        </p:spPr>
+        <p:style>
+          <a:lnRef idx="2">
+            <a:schemeClr val="accent1">
+              <a:shade val="50000"/>
+            </a:schemeClr>
+          </a:lnRef>
+          <a:fillRef idx="1">
+            <a:schemeClr val="accent1"/>
+          </a:fillRef>
+          <a:effectRef idx="0">
+            <a:schemeClr val="accent1"/>
+          </a:effectRef>
+          <a:fontRef idx="minor">
+            <a:schemeClr val="lt1"/>
+          </a:fontRef>
+        </p:style>
+        <p:txBody>
+          <a:bodyPr rot="0" spcFirstLastPara="0" vertOverflow="overflow" horzOverflow="overflow" vert="horz" wrap="square" lIns="91440" tIns="45720" rIns="91440" bIns="45720" numCol="1" spcCol="0" rtlCol="0" fromWordArt="0" anchor="ctr" anchorCtr="0" forceAA="0" compatLnSpc="1">
+            <a:prstTxWarp prst="textNoShape">
+              <a:avLst/>
+            </a:prstTxWarp>
+            <a:noAutofit/>
+          </a:bodyPr>
+          <a:lstStyle/>
+          <a:p>
+            <a:pPr algn="ctr"/>
+            <a:endParaRPr lang="zh-CN" altLang="en-US"/>
+          </a:p>
+        </p:txBody>
+      </p:sp>
+      <p:cxnSp>
+        <p:nvCxnSpPr>
+          <p:cNvPr id="22" name="直接箭头连接符 21">
+            <a:extLst>
+              <a:ext uri="{FF2B5EF4-FFF2-40B4-BE49-F238E27FC236}">
+                <a16:creationId xmlns:a16="http://schemas.microsoft.com/office/drawing/2014/main" id="{B5E4A5EC-0404-450A-983C-78929E9220B6}"/>
+              </a:ext>
+            </a:extLst>
+          </p:cNvPr>
+          <p:cNvCxnSpPr/>
+          <p:nvPr/>
+        </p:nvCxnSpPr>
+        <p:spPr>
+          <a:xfrm flipV="1">
+            <a:off x="6512560" y="3570300"/>
+            <a:ext cx="1600200" cy="548011"/>
+          </a:xfrm>
+          <a:prstGeom prst="straightConnector1">
+            <a:avLst/>
+          </a:prstGeom>
+          <a:ln w="12700">
+            <a:tailEnd type="triangle"/>
+          </a:ln>
+        </p:spPr>
+        <p:style>
+          <a:lnRef idx="1">
+            <a:schemeClr val="accent1"/>
+          </a:lnRef>
+          <a:fillRef idx="0">
+            <a:schemeClr val="accent1"/>
+          </a:fillRef>
+          <a:effectRef idx="0">
+            <a:schemeClr val="accent1"/>
+          </a:effectRef>
+          <a:fontRef idx="minor">
+            <a:schemeClr val="tx1"/>
+          </a:fontRef>
+        </p:style>
+      </p:cxnSp>
+      <p:sp>
+        <p:nvSpPr>
+          <p:cNvPr id="23" name="文本框 22">
+            <a:extLst>
+              <a:ext uri="{FF2B5EF4-FFF2-40B4-BE49-F238E27FC236}">
+                <a16:creationId xmlns:a16="http://schemas.microsoft.com/office/drawing/2014/main" id="{51E1D524-DE41-4F13-B62A-D3FEA785C7EE}"/>
+              </a:ext>
+            </a:extLst>
+          </p:cNvPr>
+          <p:cNvSpPr txBox="1"/>
+          <p:nvPr/>
+        </p:nvSpPr>
+        <p:spPr>
+          <a:xfrm>
+            <a:off x="8219440" y="3429000"/>
+            <a:ext cx="803425" cy="369332"/>
+          </a:xfrm>
+          <a:prstGeom prst="rect">
+            <a:avLst/>
+          </a:prstGeom>
+          <a:noFill/>
+        </p:spPr>
+        <p:txBody>
+          <a:bodyPr wrap="none" rtlCol="0">
+            <a:spAutoFit/>
+          </a:bodyPr>
+          <a:lstStyle/>
+          <a:p>
+            <a:r>
+              <a:rPr lang="en-US" altLang="zh-CN" dirty="0"/>
+              <a:t>Events</a:t>
+            </a:r>
+            <a:endParaRPr lang="zh-CN" altLang="en-US" dirty="0"/>
+          </a:p>
+        </p:txBody>
+      </p:sp>
     </p:spTree>
     <p:extLst>
       <p:ext uri="{BB962C8B-B14F-4D97-AF65-F5344CB8AC3E}">
-        <p14:creationId xmlns:p14="http://schemas.microsoft.com/office/powerpoint/2010/main" val="3389679380"/>
+        <p14:creationId xmlns:p14="http://schemas.microsoft.com/office/powerpoint/2010/main" val="1167778820"/>
       </p:ext>
     </p:extLst>
   </p:cSld>
@@ -12915,6 +13517,169 @@
       </p:grpSpPr>
       <p:sp>
         <p:nvSpPr>
+          <p:cNvPr id="2" name="内容占位符 1">
+            <a:extLst>
+              <a:ext uri="{FF2B5EF4-FFF2-40B4-BE49-F238E27FC236}">
+                <a16:creationId xmlns:a16="http://schemas.microsoft.com/office/drawing/2014/main" id="{AF3ED768-F4AC-4570-9A14-87BFBBA452E6}"/>
+              </a:ext>
+            </a:extLst>
+          </p:cNvPr>
+          <p:cNvSpPr>
+            <a:spLocks noGrp="1"/>
+          </p:cNvSpPr>
+          <p:nvPr>
+            <p:ph sz="quarter" idx="10"/>
+          </p:nvPr>
+        </p:nvSpPr>
+        <p:spPr>
+          <a:xfrm>
+            <a:off x="494025" y="1685677"/>
+            <a:ext cx="8070855" cy="5015373"/>
+          </a:xfrm>
+        </p:spPr>
+        <p:txBody>
+          <a:bodyPr>
+            <a:normAutofit/>
+          </a:bodyPr>
+          <a:lstStyle/>
+          <a:p>
+            <a:r>
+              <a:rPr lang="en-US" altLang="zh-CN" dirty="0"/>
+              <a:t>the validator’s operations for building relay chain block</a:t>
+            </a:r>
+          </a:p>
+          <a:p>
+            <a:pPr lvl="1"/>
+            <a:r>
+              <a:rPr lang="en-US" altLang="zh-CN" dirty="0"/>
+              <a:t>Step one: each relay chain Validators privately knows the time when they should produce a block </a:t>
+            </a:r>
+          </a:p>
+          <a:p>
+            <a:pPr lvl="1"/>
+            <a:r>
+              <a:rPr lang="en-US" altLang="zh-CN" dirty="0"/>
+              <a:t>Step two: transactions (validated </a:t>
+            </a:r>
+            <a:r>
+              <a:rPr lang="en-US" altLang="zh-CN" dirty="0" err="1"/>
+              <a:t>parachain</a:t>
+            </a:r>
+            <a:r>
+              <a:rPr lang="en-US" altLang="zh-CN" dirty="0"/>
+              <a:t> block hash, transfer, staking, nomination or slashing for violation) are submitted to relay chain validators.</a:t>
+            </a:r>
+          </a:p>
+          <a:p>
+            <a:pPr lvl="1"/>
+            <a:r>
+              <a:rPr lang="en-US" altLang="zh-CN" dirty="0"/>
+              <a:t>Step three: relay chain validators examine the validity and store them in their transaction pool</a:t>
+            </a:r>
+          </a:p>
+          <a:p>
+            <a:pPr lvl="1"/>
+            <a:r>
+              <a:rPr lang="en-US" altLang="zh-CN" dirty="0"/>
+              <a:t>Step four: When the validator should produce a block, it will estimate the block which most likely represents the state which is going to be finalized by the finality protocol and set it as the current state of the relay chain.</a:t>
+            </a:r>
+          </a:p>
+          <a:p>
+            <a:pPr lvl="1"/>
+            <a:r>
+              <a:rPr lang="en-US" altLang="zh-CN" dirty="0"/>
+              <a:t>Step five: Validator select and executes transactions and updates the state.</a:t>
+            </a:r>
+          </a:p>
+          <a:p>
+            <a:pPr lvl="1"/>
+            <a:r>
+              <a:rPr lang="en-US" altLang="zh-CN" dirty="0"/>
+              <a:t>Step Six: Validator attaches a digest of the final stage of relay chain, then signs and publishes the built block.</a:t>
+            </a:r>
+          </a:p>
+          <a:p>
+            <a:endParaRPr lang="en-US" altLang="zh-CN" dirty="0"/>
+          </a:p>
+          <a:p>
+            <a:pPr lvl="1"/>
+            <a:endParaRPr lang="en-US" altLang="zh-CN" dirty="0"/>
+          </a:p>
+          <a:p>
+            <a:pPr lvl="1"/>
+            <a:endParaRPr lang="en-US" altLang="zh-CN" dirty="0"/>
+          </a:p>
+          <a:p>
+            <a:pPr lvl="1"/>
+            <a:endParaRPr lang="en-US" altLang="zh-CN" dirty="0"/>
+          </a:p>
+          <a:p>
+            <a:pPr lvl="1"/>
+            <a:endParaRPr lang="en-US" altLang="zh-CN" dirty="0"/>
+          </a:p>
+        </p:txBody>
+      </p:sp>
+      <p:sp>
+        <p:nvSpPr>
+          <p:cNvPr id="3" name="标题 2">
+            <a:extLst>
+              <a:ext uri="{FF2B5EF4-FFF2-40B4-BE49-F238E27FC236}">
+                <a16:creationId xmlns:a16="http://schemas.microsoft.com/office/drawing/2014/main" id="{CDC1A08A-FFC4-4FE8-B7F5-70FBB0F936C3}"/>
+              </a:ext>
+            </a:extLst>
+          </p:cNvPr>
+          <p:cNvSpPr>
+            <a:spLocks noGrp="1"/>
+          </p:cNvSpPr>
+          <p:nvPr>
+            <p:ph type="title"/>
+          </p:nvPr>
+        </p:nvSpPr>
+        <p:spPr/>
+        <p:txBody>
+          <a:bodyPr/>
+          <a:lstStyle/>
+          <a:p>
+            <a:r>
+              <a:rPr lang="en-US" altLang="zh-CN" dirty="0"/>
+              <a:t>Relay Chain protocol: A state machine</a:t>
+            </a:r>
+            <a:endParaRPr lang="zh-CN" altLang="en-US" dirty="0"/>
+          </a:p>
+        </p:txBody>
+      </p:sp>
+    </p:spTree>
+    <p:extLst>
+      <p:ext uri="{BB962C8B-B14F-4D97-AF65-F5344CB8AC3E}">
+        <p14:creationId xmlns:p14="http://schemas.microsoft.com/office/powerpoint/2010/main" val="3389679380"/>
+      </p:ext>
+    </p:extLst>
+  </p:cSld>
+  <p:clrMapOvr>
+    <a:masterClrMapping/>
+  </p:clrMapOvr>
+</p:sld>
+</file>
+
+<file path=ppt/slides/slide21.xml><?xml version="1.0" encoding="utf-8"?>
+<p:sld xmlns:a="http://schemas.openxmlformats.org/drawingml/2006/main" xmlns:r="http://schemas.openxmlformats.org/officeDocument/2006/relationships" xmlns:p="http://schemas.openxmlformats.org/presentationml/2006/main">
+  <p:cSld>
+    <p:spTree>
+      <p:nvGrpSpPr>
+        <p:cNvPr id="1" name=""/>
+        <p:cNvGrpSpPr/>
+        <p:nvPr/>
+      </p:nvGrpSpPr>
+      <p:grpSpPr>
+        <a:xfrm>
+          <a:off x="0" y="0"/>
+          <a:ext cx="0" cy="0"/>
+          <a:chOff x="0" y="0"/>
+          <a:chExt cx="0" cy="0"/>
+        </a:xfrm>
+      </p:grpSpPr>
+      <p:sp>
+        <p:nvSpPr>
           <p:cNvPr id="2" name="标题 1"/>
           <p:cNvSpPr>
             <a:spLocks noGrp="1"/>
@@ -14241,7 +15006,7 @@
 </p:sld>
 </file>
 
-<file path=ppt/slides/slide21.xml><?xml version="1.0" encoding="utf-8"?>
+<file path=ppt/slides/slide22.xml><?xml version="1.0" encoding="utf-8"?>
 <p:sld xmlns:a="http://schemas.openxmlformats.org/drawingml/2006/main" xmlns:r="http://schemas.openxmlformats.org/officeDocument/2006/relationships" xmlns:p="http://schemas.openxmlformats.org/presentationml/2006/main">
   <p:cSld>
     <p:spTree>
@@ -14487,7 +15252,7 @@
 </p:sld>
 </file>
 
-<file path=ppt/slides/slide22.xml><?xml version="1.0" encoding="utf-8"?>
+<file path=ppt/slides/slide23.xml><?xml version="1.0" encoding="utf-8"?>
 <p:sld xmlns:a="http://schemas.openxmlformats.org/drawingml/2006/main" xmlns:r="http://schemas.openxmlformats.org/officeDocument/2006/relationships" xmlns:p="http://schemas.openxmlformats.org/presentationml/2006/main">
   <p:cSld>
     <p:spTree>
@@ -14930,7 +15695,7 @@
 </p:sld>
 </file>
 
-<file path=ppt/slides/slide23.xml><?xml version="1.0" encoding="utf-8"?>
+<file path=ppt/slides/slide24.xml><?xml version="1.0" encoding="utf-8"?>
 <p:sld xmlns:a="http://schemas.openxmlformats.org/drawingml/2006/main" xmlns:r="http://schemas.openxmlformats.org/officeDocument/2006/relationships" xmlns:p="http://schemas.openxmlformats.org/presentationml/2006/main">
   <p:cSld>
     <p:spTree>
@@ -15492,7 +16257,7 @@
 </p:sld>
 </file>
 
-<file path=ppt/slides/slide24.xml><?xml version="1.0" encoding="utf-8"?>
+<file path=ppt/slides/slide25.xml><?xml version="1.0" encoding="utf-8"?>
 <p:sld xmlns:a="http://schemas.openxmlformats.org/drawingml/2006/main" xmlns:r="http://schemas.openxmlformats.org/officeDocument/2006/relationships" xmlns:p="http://schemas.openxmlformats.org/presentationml/2006/main">
   <p:cSld>
     <p:spTree>
@@ -15625,7 +16390,7 @@
 </p:sld>
 </file>
 
-<file path=ppt/slides/slide25.xml><?xml version="1.0" encoding="utf-8"?>
+<file path=ppt/slides/slide26.xml><?xml version="1.0" encoding="utf-8"?>
 <p:sld xmlns:a="http://schemas.openxmlformats.org/drawingml/2006/main" xmlns:r="http://schemas.openxmlformats.org/officeDocument/2006/relationships" xmlns:p="http://schemas.openxmlformats.org/presentationml/2006/main">
   <p:cSld>
     <p:spTree>
@@ -16965,7 +17730,7 @@
 </p:sld>
 </file>
 
-<file path=ppt/slides/slide26.xml><?xml version="1.0" encoding="utf-8"?>
+<file path=ppt/slides/slide27.xml><?xml version="1.0" encoding="utf-8"?>
 <p:sld xmlns:a="http://schemas.openxmlformats.org/drawingml/2006/main" xmlns:r="http://schemas.openxmlformats.org/officeDocument/2006/relationships" xmlns:p="http://schemas.openxmlformats.org/presentationml/2006/main">
   <p:cSld>
     <p:spTree>
@@ -17061,7 +17826,7 @@
 </p:sld>
 </file>
 
-<file path=ppt/slides/slide27.xml><?xml version="1.0" encoding="utf-8"?>
+<file path=ppt/slides/slide28.xml><?xml version="1.0" encoding="utf-8"?>
 <p:sld xmlns:a="http://schemas.openxmlformats.org/drawingml/2006/main" xmlns:r="http://schemas.openxmlformats.org/officeDocument/2006/relationships" xmlns:p="http://schemas.openxmlformats.org/presentationml/2006/main">
   <p:cSld>
     <p:spTree>
@@ -18405,7 +19170,7 @@
 </p:sld>
 </file>
 
-<file path=ppt/slides/slide28.xml><?xml version="1.0" encoding="utf-8"?>
+<file path=ppt/slides/slide29.xml><?xml version="1.0" encoding="utf-8"?>
 <p:sld xmlns:a="http://schemas.openxmlformats.org/drawingml/2006/main" xmlns:r="http://schemas.openxmlformats.org/officeDocument/2006/relationships" xmlns:p="http://schemas.openxmlformats.org/presentationml/2006/main">
   <p:cSld>
     <p:spTree>
@@ -19865,13 +20630,6 @@
             <a:r>
               <a:rPr lang="en-GB" altLang="zh-CN" dirty="0"/>
               <a:t>(Nominated proof-of-state) is a new type of scheme used to select the validators who are allowed to participate in the consensus protocol.</a:t>
-            </a:r>
-          </a:p>
-          <a:p>
-            <a:pPr lvl="1"/>
-            <a:r>
-              <a:rPr lang="en-GB" altLang="zh-CN" dirty="0"/>
-              <a:t>Nominated means it allows many users to indirectly participate in consensus.</a:t>
             </a:r>
           </a:p>
           <a:p>

--- a/PPT/Polkadot-PPT.pptx
+++ b/PPT/Polkadot-PPT.pptx
@@ -5,10 +5,10 @@
     <p:sldMasterId id="2147483802" r:id="rId1"/>
   </p:sldMasterIdLst>
   <p:notesMasterIdLst>
-    <p:notesMasterId r:id="rId31"/>
+    <p:notesMasterId r:id="rId32"/>
   </p:notesMasterIdLst>
   <p:handoutMasterIdLst>
-    <p:handoutMasterId r:id="rId32"/>
+    <p:handoutMasterId r:id="rId33"/>
   </p:handoutMasterIdLst>
   <p:sldIdLst>
     <p:sldId id="259" r:id="rId2"/>
@@ -26,20 +26,21 @@
     <p:sldId id="305" r:id="rId14"/>
     <p:sldId id="264" r:id="rId15"/>
     <p:sldId id="288" r:id="rId16"/>
-    <p:sldId id="289" r:id="rId17"/>
-    <p:sldId id="291" r:id="rId18"/>
-    <p:sldId id="290" r:id="rId19"/>
-    <p:sldId id="298" r:id="rId20"/>
-    <p:sldId id="292" r:id="rId21"/>
-    <p:sldId id="270" r:id="rId22"/>
-    <p:sldId id="293" r:id="rId23"/>
-    <p:sldId id="294" r:id="rId24"/>
-    <p:sldId id="295" r:id="rId25"/>
-    <p:sldId id="296" r:id="rId26"/>
-    <p:sldId id="276" r:id="rId27"/>
-    <p:sldId id="297" r:id="rId28"/>
-    <p:sldId id="280" r:id="rId29"/>
-    <p:sldId id="282" r:id="rId30"/>
+    <p:sldId id="306" r:id="rId17"/>
+    <p:sldId id="289" r:id="rId18"/>
+    <p:sldId id="291" r:id="rId19"/>
+    <p:sldId id="290" r:id="rId20"/>
+    <p:sldId id="298" r:id="rId21"/>
+    <p:sldId id="292" r:id="rId22"/>
+    <p:sldId id="270" r:id="rId23"/>
+    <p:sldId id="293" r:id="rId24"/>
+    <p:sldId id="294" r:id="rId25"/>
+    <p:sldId id="295" r:id="rId26"/>
+    <p:sldId id="296" r:id="rId27"/>
+    <p:sldId id="276" r:id="rId28"/>
+    <p:sldId id="297" r:id="rId29"/>
+    <p:sldId id="280" r:id="rId30"/>
+    <p:sldId id="282" r:id="rId31"/>
   </p:sldIdLst>
   <p:sldSz cx="9144000" cy="6858000" type="screen4x3"/>
   <p:notesSz cx="6858000" cy="9144000"/>
@@ -8597,8 +8598,8 @@
           <a:chExt cx="0" cy="0"/>
         </a:xfrm>
       </p:grpSpPr>
-      <mc:AlternateContent xmlns:mc="http://schemas.openxmlformats.org/markup-compatibility/2006">
-        <mc:Choice xmlns:a14="http://schemas.microsoft.com/office/drawing/2010/main" Requires="a14">
+      <mc:AlternateContent xmlns:mc="http://schemas.openxmlformats.org/markup-compatibility/2006" xmlns:a14="http://schemas.microsoft.com/office/drawing/2010/main">
+        <mc:Choice Requires="a14">
           <p:sp>
             <p:nvSpPr>
               <p:cNvPr id="2" name="内容占位符 1">
@@ -9267,7 +9268,7 @@
             </p:txBody>
           </p:sp>
         </mc:Choice>
-        <mc:Fallback>
+        <mc:Fallback xmlns="">
           <p:sp>
             <p:nvSpPr>
               <p:cNvPr id="2" name="内容占位符 1">
@@ -10987,114 +10988,113 @@
         <p:spPr>
           <a:xfrm>
             <a:off x="494025" y="1685677"/>
-            <a:ext cx="8070855" cy="5015373"/>
+            <a:ext cx="4885843" cy="4990329"/>
           </a:xfrm>
         </p:spPr>
         <p:txBody>
           <a:bodyPr>
-            <a:normAutofit/>
+            <a:normAutofit fontScale="92500" lnSpcReduction="10000"/>
           </a:bodyPr>
           <a:lstStyle/>
           <a:p>
             <a:r>
               <a:rPr lang="en-US" altLang="zh-CN" dirty="0"/>
-              <a:t>State transition</a:t>
+              <a:t>State category</a:t>
             </a:r>
           </a:p>
           <a:p>
             <a:pPr lvl="1"/>
             <a:r>
               <a:rPr lang="en-US" altLang="zh-CN" dirty="0"/>
-              <a:t>Via an executing ordered set of instructions, known as </a:t>
-            </a:r>
+              <a:t>Authorship</a:t>
+            </a:r>
+          </a:p>
+          <a:p>
+            <a:pPr lvl="1"/>
+            <a:r>
+              <a:rPr lang="en-US" altLang="zh-CN" dirty="0"/>
+              <a:t>Babe</a:t>
+            </a:r>
+          </a:p>
+          <a:p>
+            <a:pPr lvl="1"/>
+            <a:r>
+              <a:rPr lang="en-US" altLang="zh-CN" dirty="0"/>
+              <a:t>Balances</a:t>
+            </a:r>
+          </a:p>
+          <a:p>
+            <a:pPr lvl="1"/>
+            <a:r>
+              <a:rPr lang="en-US" altLang="zh-CN" dirty="0"/>
+              <a:t>Claims</a:t>
+            </a:r>
+          </a:p>
+          <a:p>
+            <a:pPr lvl="1"/>
+            <a:r>
+              <a:rPr lang="en-US" altLang="zh-CN" dirty="0"/>
+              <a:t>Council</a:t>
+            </a:r>
+          </a:p>
+          <a:p>
+            <a:pPr lvl="1"/>
+            <a:r>
+              <a:rPr lang="en-US" altLang="zh-CN" dirty="0"/>
+              <a:t>Democracy</a:t>
+            </a:r>
+          </a:p>
+          <a:p>
+            <a:pPr lvl="1"/>
             <a:r>
               <a:rPr lang="en-US" altLang="zh-CN" dirty="0" err="1"/>
-              <a:t>extrinsics</a:t>
-            </a:r>
+              <a:t>electionsPhragmen</a:t>
+            </a:r>
+            <a:endParaRPr lang="en-US" altLang="zh-CN" dirty="0"/>
+          </a:p>
+          <a:p>
+            <a:pPr lvl="1"/>
             <a:r>
               <a:rPr lang="en-US" altLang="zh-CN" dirty="0"/>
-              <a:t>, which include transactions submitted by the public and any data which can affect state transition.</a:t>
+              <a:t>Grandpa</a:t>
             </a:r>
           </a:p>
           <a:p>
             <a:pPr lvl="1"/>
             <a:r>
               <a:rPr lang="en-US" altLang="zh-CN" dirty="0"/>
-              <a:t>Relay chain is divided into “Runtime” and the “Runtime environment”</a:t>
-            </a:r>
-          </a:p>
-          <a:p>
-            <a:pPr lvl="2"/>
+              <a:t>Identity</a:t>
+            </a:r>
+          </a:p>
+          <a:p>
+            <a:pPr lvl="1"/>
+            <a:r>
+              <a:rPr lang="en-US" altLang="zh-CN" dirty="0" err="1"/>
+              <a:t>technicalCommittee&amp;techinicalMembership</a:t>
+            </a:r>
+            <a:endParaRPr lang="en-US" altLang="zh-CN" dirty="0"/>
+          </a:p>
+          <a:p>
+            <a:pPr lvl="1"/>
+            <a:r>
+              <a:rPr lang="en-US" altLang="zh-CN" dirty="0" err="1"/>
+              <a:t>transactionPayment</a:t>
+            </a:r>
+            <a:endParaRPr lang="en-US" altLang="zh-CN" dirty="0"/>
+          </a:p>
+          <a:p>
+            <a:pPr lvl="1"/>
             <a:r>
               <a:rPr lang="en-US" altLang="zh-CN" dirty="0"/>
-              <a:t>The execution logic of State-transition function is encapsulated in Runtime</a:t>
-            </a:r>
-          </a:p>
-          <a:p>
-            <a:pPr lvl="2"/>
+              <a:t>Treasury</a:t>
+            </a:r>
+          </a:p>
+          <a:p>
+            <a:pPr lvl="1"/>
             <a:r>
               <a:rPr lang="en-US" altLang="zh-CN" dirty="0"/>
-              <a:t>Other generic operation are embedded into the runtime environment</a:t>
-            </a:r>
-          </a:p>
-          <a:p>
-            <a:pPr lvl="1"/>
-            <a:r>
-              <a:rPr lang="en-US" altLang="zh-CN" dirty="0"/>
-              <a:t>Runtime function</a:t>
-            </a:r>
-          </a:p>
-          <a:p>
-            <a:pPr lvl="2"/>
-            <a:r>
-              <a:rPr lang="en-US" altLang="zh-CN" dirty="0"/>
-              <a:t>Compiled into a </a:t>
-            </a:r>
-            <a:r>
-              <a:rPr lang="en-US" altLang="zh-CN" dirty="0" err="1"/>
-              <a:t>WebAssembly</a:t>
-            </a:r>
-            <a:r>
-              <a:rPr lang="en-US" altLang="zh-CN" dirty="0"/>
-              <a:t> module</a:t>
-            </a:r>
-          </a:p>
-          <a:p>
-            <a:pPr lvl="2"/>
-            <a:r>
-              <a:rPr lang="en-US" altLang="zh-CN" dirty="0"/>
-              <a:t>Stored as part of the state</a:t>
-            </a:r>
-          </a:p>
-          <a:p>
-            <a:pPr lvl="1"/>
-            <a:r>
-              <a:rPr lang="en-US" altLang="zh-CN" dirty="0"/>
-              <a:t>The Runtime environment communicates the </a:t>
-            </a:r>
-            <a:r>
-              <a:rPr lang="en-US" altLang="zh-CN" dirty="0" err="1"/>
-              <a:t>extrinsics</a:t>
-            </a:r>
-            <a:r>
-              <a:rPr lang="en-US" altLang="zh-CN" dirty="0"/>
-              <a:t> to the Runtime and interacts with it to execute the state transition. </a:t>
-            </a:r>
-          </a:p>
-          <a:p>
-            <a:pPr lvl="2"/>
-            <a:r>
-              <a:rPr lang="en-US" altLang="zh-CN" dirty="0"/>
-              <a:t>the state transition logic itself can be upgraded as a part of the state transition.</a:t>
-            </a:r>
-          </a:p>
-          <a:p>
-            <a:pPr lvl="1"/>
-            <a:endParaRPr lang="en-US" altLang="zh-CN" dirty="0"/>
-          </a:p>
-          <a:p>
-            <a:pPr lvl="1"/>
-            <a:endParaRPr lang="en-US" altLang="zh-CN" dirty="0"/>
+              <a:t>vesting</a:t>
+            </a:r>
           </a:p>
           <a:p>
             <a:pPr lvl="1"/>
@@ -11135,10 +11135,323 @@
           </a:p>
         </p:txBody>
       </p:sp>
+      <p:sp>
+        <p:nvSpPr>
+          <p:cNvPr id="6" name="内容占位符 1">
+            <a:extLst>
+              <a:ext uri="{FF2B5EF4-FFF2-40B4-BE49-F238E27FC236}">
+                <a16:creationId xmlns:a16="http://schemas.microsoft.com/office/drawing/2014/main" id="{653727E6-0074-481F-8744-109222EE8D48}"/>
+              </a:ext>
+            </a:extLst>
+          </p:cNvPr>
+          <p:cNvSpPr txBox="1">
+            <a:spLocks/>
+          </p:cNvSpPr>
+          <p:nvPr/>
+        </p:nvSpPr>
+        <p:spPr>
+          <a:xfrm>
+            <a:off x="5262813" y="1685678"/>
+            <a:ext cx="3603374" cy="4990330"/>
+          </a:xfrm>
+          <a:prstGeom prst="rect">
+            <a:avLst/>
+          </a:prstGeom>
+        </p:spPr>
+        <p:txBody>
+          <a:bodyPr vert="horz" lIns="91440" tIns="45720" rIns="91440" bIns="45720" rtlCol="0">
+            <a:normAutofit/>
+          </a:bodyPr>
+          <a:lstStyle>
+            <a:lvl1pPr marL="228600" indent="-228600" algn="l" defTabSz="914400" rtl="0" eaLnBrk="1" latinLnBrk="0" hangingPunct="1">
+              <a:lnSpc>
+                <a:spcPct val="120000"/>
+              </a:lnSpc>
+              <a:spcBef>
+                <a:spcPts val="1000"/>
+              </a:spcBef>
+              <a:buClr>
+                <a:schemeClr val="accent1"/>
+              </a:buClr>
+              <a:buSzPct val="100000"/>
+              <a:buFont typeface="Calibri" panose="020F0502020204030204" pitchFamily="34" charset="0"/>
+              <a:buChar char="▪"/>
+              <a:defRPr sz="2000" kern="1200">
+                <a:solidFill>
+                  <a:schemeClr val="tx1"/>
+                </a:solidFill>
+                <a:latin typeface="+mn-lt"/>
+                <a:ea typeface="+mn-ea"/>
+                <a:cs typeface="+mn-cs"/>
+              </a:defRPr>
+            </a:lvl1pPr>
+            <a:lvl2pPr marL="685800" indent="-228600" algn="l" defTabSz="914400" rtl="0" eaLnBrk="1" latinLnBrk="0" hangingPunct="1">
+              <a:lnSpc>
+                <a:spcPct val="120000"/>
+              </a:lnSpc>
+              <a:spcBef>
+                <a:spcPts val="500"/>
+              </a:spcBef>
+              <a:buClr>
+                <a:schemeClr val="accent1"/>
+              </a:buClr>
+              <a:buSzPct val="100000"/>
+              <a:buFont typeface="Calibri" panose="020F0502020204030204" pitchFamily="34" charset="0"/>
+              <a:buChar char="▪"/>
+              <a:defRPr sz="1800" kern="1200">
+                <a:solidFill>
+                  <a:schemeClr val="tx1"/>
+                </a:solidFill>
+                <a:latin typeface="+mn-lt"/>
+                <a:ea typeface="+mn-ea"/>
+                <a:cs typeface="+mn-cs"/>
+              </a:defRPr>
+            </a:lvl2pPr>
+            <a:lvl3pPr marL="1143000" indent="-228600" algn="l" defTabSz="914400" rtl="0" eaLnBrk="1" latinLnBrk="0" hangingPunct="1">
+              <a:lnSpc>
+                <a:spcPct val="120000"/>
+              </a:lnSpc>
+              <a:spcBef>
+                <a:spcPts val="500"/>
+              </a:spcBef>
+              <a:buClr>
+                <a:schemeClr val="accent1"/>
+              </a:buClr>
+              <a:buSzPct val="100000"/>
+              <a:buFont typeface="Calibri" panose="020F0502020204030204" pitchFamily="34" charset="0"/>
+              <a:buChar char="▪"/>
+              <a:defRPr sz="1600" kern="1200">
+                <a:solidFill>
+                  <a:schemeClr val="tx1"/>
+                </a:solidFill>
+                <a:latin typeface="+mn-lt"/>
+                <a:ea typeface="+mn-ea"/>
+                <a:cs typeface="+mn-cs"/>
+              </a:defRPr>
+            </a:lvl3pPr>
+            <a:lvl4pPr marL="1600200" indent="-228600" algn="l" defTabSz="914400" rtl="0" eaLnBrk="1" latinLnBrk="0" hangingPunct="1">
+              <a:lnSpc>
+                <a:spcPct val="120000"/>
+              </a:lnSpc>
+              <a:spcBef>
+                <a:spcPts val="500"/>
+              </a:spcBef>
+              <a:buClr>
+                <a:schemeClr val="accent1"/>
+              </a:buClr>
+              <a:buSzPct val="100000"/>
+              <a:buFont typeface="Calibri" panose="020F0502020204030204" pitchFamily="34" charset="0"/>
+              <a:buChar char="▪"/>
+              <a:defRPr sz="1400" kern="1200">
+                <a:solidFill>
+                  <a:schemeClr val="tx1"/>
+                </a:solidFill>
+                <a:latin typeface="+mn-lt"/>
+                <a:ea typeface="+mn-ea"/>
+                <a:cs typeface="+mn-cs"/>
+              </a:defRPr>
+            </a:lvl4pPr>
+            <a:lvl5pPr marL="2057400" indent="-228600" algn="l" defTabSz="914400" rtl="0" eaLnBrk="1" latinLnBrk="0" hangingPunct="1">
+              <a:lnSpc>
+                <a:spcPct val="120000"/>
+              </a:lnSpc>
+              <a:spcBef>
+                <a:spcPts val="500"/>
+              </a:spcBef>
+              <a:buClr>
+                <a:schemeClr val="accent1"/>
+              </a:buClr>
+              <a:buSzPct val="100000"/>
+              <a:buFont typeface="Calibri" panose="020F0502020204030204" pitchFamily="34" charset="0"/>
+              <a:buChar char="▪"/>
+              <a:defRPr sz="1400" kern="1200">
+                <a:solidFill>
+                  <a:schemeClr val="tx1"/>
+                </a:solidFill>
+                <a:latin typeface="+mn-lt"/>
+                <a:ea typeface="+mn-ea"/>
+                <a:cs typeface="+mn-cs"/>
+              </a:defRPr>
+            </a:lvl5pPr>
+            <a:lvl6pPr marL="2514600" indent="-228600" algn="l" defTabSz="914400" rtl="0" eaLnBrk="1" latinLnBrk="0" hangingPunct="1">
+              <a:lnSpc>
+                <a:spcPct val="90000"/>
+              </a:lnSpc>
+              <a:spcBef>
+                <a:spcPts val="500"/>
+              </a:spcBef>
+              <a:buFont typeface="Arial" panose="020B0604020202020204" pitchFamily="34" charset="0"/>
+              <a:buChar char="•"/>
+              <a:defRPr sz="1800" kern="1200">
+                <a:solidFill>
+                  <a:schemeClr val="tx1"/>
+                </a:solidFill>
+                <a:latin typeface="+mn-lt"/>
+                <a:ea typeface="+mn-ea"/>
+                <a:cs typeface="+mn-cs"/>
+              </a:defRPr>
+            </a:lvl6pPr>
+            <a:lvl7pPr marL="2971800" indent="-228600" algn="l" defTabSz="914400" rtl="0" eaLnBrk="1" latinLnBrk="0" hangingPunct="1">
+              <a:lnSpc>
+                <a:spcPct val="90000"/>
+              </a:lnSpc>
+              <a:spcBef>
+                <a:spcPts val="500"/>
+              </a:spcBef>
+              <a:buFont typeface="Arial" panose="020B0604020202020204" pitchFamily="34" charset="0"/>
+              <a:buChar char="•"/>
+              <a:defRPr sz="1800" kern="1200">
+                <a:solidFill>
+                  <a:schemeClr val="tx1"/>
+                </a:solidFill>
+                <a:latin typeface="+mn-lt"/>
+                <a:ea typeface="+mn-ea"/>
+                <a:cs typeface="+mn-cs"/>
+              </a:defRPr>
+            </a:lvl7pPr>
+            <a:lvl8pPr marL="3429000" indent="-228600" algn="l" defTabSz="914400" rtl="0" eaLnBrk="1" latinLnBrk="0" hangingPunct="1">
+              <a:lnSpc>
+                <a:spcPct val="90000"/>
+              </a:lnSpc>
+              <a:spcBef>
+                <a:spcPts val="500"/>
+              </a:spcBef>
+              <a:buFont typeface="Arial" panose="020B0604020202020204" pitchFamily="34" charset="0"/>
+              <a:buChar char="•"/>
+              <a:defRPr sz="1800" kern="1200">
+                <a:solidFill>
+                  <a:schemeClr val="tx1"/>
+                </a:solidFill>
+                <a:latin typeface="+mn-lt"/>
+                <a:ea typeface="+mn-ea"/>
+                <a:cs typeface="+mn-cs"/>
+              </a:defRPr>
+            </a:lvl8pPr>
+            <a:lvl9pPr marL="3886200" indent="-228600" algn="l" defTabSz="914400" rtl="0" eaLnBrk="1" latinLnBrk="0" hangingPunct="1">
+              <a:lnSpc>
+                <a:spcPct val="90000"/>
+              </a:lnSpc>
+              <a:spcBef>
+                <a:spcPts val="500"/>
+              </a:spcBef>
+              <a:buFont typeface="Arial" panose="020B0604020202020204" pitchFamily="34" charset="0"/>
+              <a:buChar char="•"/>
+              <a:defRPr sz="1800" kern="1200">
+                <a:solidFill>
+                  <a:schemeClr val="tx1"/>
+                </a:solidFill>
+                <a:latin typeface="+mn-lt"/>
+                <a:ea typeface="+mn-ea"/>
+                <a:cs typeface="+mn-cs"/>
+              </a:defRPr>
+            </a:lvl9pPr>
+          </a:lstStyle>
+          <a:p>
+            <a:pPr lvl="1"/>
+            <a:r>
+              <a:rPr lang="en-US" altLang="zh-CN" dirty="0" err="1"/>
+              <a:t>imOnline</a:t>
+            </a:r>
+            <a:endParaRPr lang="en-US" altLang="zh-CN" dirty="0"/>
+          </a:p>
+          <a:p>
+            <a:pPr lvl="1"/>
+            <a:r>
+              <a:rPr lang="en-US" altLang="zh-CN" dirty="0" err="1"/>
+              <a:t>Indeices</a:t>
+            </a:r>
+            <a:endParaRPr lang="en-US" altLang="zh-CN" dirty="0"/>
+          </a:p>
+          <a:p>
+            <a:pPr lvl="1"/>
+            <a:r>
+              <a:rPr lang="en-US" altLang="zh-CN" dirty="0" err="1"/>
+              <a:t>Multisig</a:t>
+            </a:r>
+            <a:endParaRPr lang="en-US" altLang="zh-CN" dirty="0"/>
+          </a:p>
+          <a:p>
+            <a:pPr lvl="1"/>
+            <a:r>
+              <a:rPr lang="en-US" altLang="zh-CN" dirty="0"/>
+              <a:t>Offences</a:t>
+            </a:r>
+          </a:p>
+          <a:p>
+            <a:pPr lvl="1"/>
+            <a:r>
+              <a:rPr lang="en-US" altLang="zh-CN" dirty="0"/>
+              <a:t>Proxy</a:t>
+            </a:r>
+          </a:p>
+          <a:p>
+            <a:pPr lvl="1"/>
+            <a:r>
+              <a:rPr lang="en-US" altLang="zh-CN" dirty="0" err="1"/>
+              <a:t>randomnessCollectiveFlip</a:t>
+            </a:r>
+            <a:endParaRPr lang="en-US" altLang="zh-CN" dirty="0"/>
+          </a:p>
+          <a:p>
+            <a:pPr lvl="1"/>
+            <a:r>
+              <a:rPr lang="en-US" altLang="zh-CN" dirty="0"/>
+              <a:t>Scheduler</a:t>
+            </a:r>
+          </a:p>
+          <a:p>
+            <a:pPr lvl="1"/>
+            <a:r>
+              <a:rPr lang="en-US" altLang="zh-CN" dirty="0"/>
+              <a:t>Session</a:t>
+            </a:r>
+          </a:p>
+          <a:p>
+            <a:pPr lvl="1"/>
+            <a:r>
+              <a:rPr lang="en-US" altLang="zh-CN" dirty="0"/>
+              <a:t>Staking</a:t>
+            </a:r>
+          </a:p>
+          <a:p>
+            <a:pPr lvl="1"/>
+            <a:r>
+              <a:rPr lang="en-US" altLang="zh-CN" dirty="0"/>
+              <a:t>Substrate</a:t>
+            </a:r>
+          </a:p>
+          <a:p>
+            <a:pPr lvl="1"/>
+            <a:r>
+              <a:rPr lang="en-US" altLang="zh-CN" dirty="0"/>
+              <a:t>System</a:t>
+            </a:r>
+          </a:p>
+          <a:p>
+            <a:pPr lvl="1"/>
+            <a:r>
+              <a:rPr lang="en-US" altLang="zh-CN" dirty="0"/>
+              <a:t>Timestamp</a:t>
+            </a:r>
+          </a:p>
+          <a:p>
+            <a:pPr lvl="1"/>
+            <a:endParaRPr lang="en-US" altLang="zh-CN" dirty="0"/>
+          </a:p>
+          <a:p>
+            <a:pPr lvl="1"/>
+            <a:endParaRPr lang="en-US" altLang="zh-CN" dirty="0"/>
+          </a:p>
+          <a:p>
+            <a:pPr lvl="1"/>
+            <a:endParaRPr lang="en-US" altLang="zh-CN" dirty="0"/>
+          </a:p>
+        </p:txBody>
+      </p:sp>
     </p:spTree>
     <p:extLst>
       <p:ext uri="{BB962C8B-B14F-4D97-AF65-F5344CB8AC3E}">
-        <p14:creationId xmlns:p14="http://schemas.microsoft.com/office/powerpoint/2010/main" val="745560625"/>
+        <p14:creationId xmlns:p14="http://schemas.microsoft.com/office/powerpoint/2010/main" val="4177106655"/>
       </p:ext>
     </p:extLst>
   </p:cSld>
@@ -11195,75 +11508,98 @@
           <a:p>
             <a:r>
               <a:rPr lang="en-US" altLang="zh-CN" dirty="0"/>
-              <a:t>Relay chain block format</a:t>
+              <a:t>State transition</a:t>
             </a:r>
           </a:p>
           <a:p>
             <a:pPr lvl="1"/>
             <a:r>
               <a:rPr lang="en-US" altLang="zh-CN" dirty="0"/>
-              <a:t>Header</a:t>
-            </a:r>
-          </a:p>
-          <a:p>
-            <a:pPr lvl="2"/>
-            <a:r>
-              <a:rPr lang="en-US" altLang="zh-CN" dirty="0"/>
-              <a:t>Hash of parent block</a:t>
-            </a:r>
-          </a:p>
-          <a:p>
-            <a:pPr lvl="2"/>
-            <a:r>
-              <a:rPr lang="en-US" altLang="zh-CN" dirty="0"/>
-              <a:t>Block number</a:t>
-            </a:r>
-          </a:p>
-          <a:p>
-            <a:pPr lvl="2"/>
-            <a:r>
-              <a:rPr lang="en-US" altLang="zh-CN" dirty="0"/>
-              <a:t>The root of the state tree</a:t>
-            </a:r>
-          </a:p>
-          <a:p>
-            <a:pPr lvl="2"/>
-            <a:r>
-              <a:rPr lang="en-US" altLang="zh-CN" dirty="0"/>
-              <a:t>The root of the Merkle tree</a:t>
-            </a:r>
-          </a:p>
-          <a:p>
-            <a:pPr lvl="2"/>
-            <a:r>
-              <a:rPr lang="en-US" altLang="zh-CN" dirty="0"/>
-              <a:t>Digest</a:t>
-            </a:r>
-          </a:p>
-          <a:p>
-            <a:pPr lvl="3"/>
-            <a:r>
-              <a:rPr lang="en-US" altLang="zh-CN" dirty="0"/>
-              <a:t>Store auxiliary information from the consensus engines for validating the block</a:t>
-            </a:r>
-          </a:p>
-          <a:p>
-            <a:pPr lvl="1"/>
-            <a:r>
-              <a:rPr lang="en-US" altLang="zh-CN" dirty="0"/>
-              <a:t>Body</a:t>
-            </a:r>
-          </a:p>
-          <a:p>
-            <a:pPr lvl="2"/>
-            <a:r>
-              <a:rPr lang="en-US" altLang="zh-CN" dirty="0"/>
-              <a:t>A list of </a:t>
+              <a:t>Via an executing ordered set of instructions, known as </a:t>
             </a:r>
             <a:r>
               <a:rPr lang="en-US" altLang="zh-CN" dirty="0" err="1"/>
               <a:t>extrinsics</a:t>
             </a:r>
+            <a:r>
+              <a:rPr lang="en-US" altLang="zh-CN" dirty="0"/>
+              <a:t>, which include transactions submitted by the public and any data which can affect state transition.</a:t>
+            </a:r>
+          </a:p>
+          <a:p>
+            <a:pPr lvl="1"/>
+            <a:r>
+              <a:rPr lang="en-US" altLang="zh-CN" dirty="0"/>
+              <a:t>Relay chain is divided into “Runtime” and the “Runtime environment”</a:t>
+            </a:r>
+          </a:p>
+          <a:p>
+            <a:pPr lvl="2"/>
+            <a:r>
+              <a:rPr lang="en-US" altLang="zh-CN" dirty="0"/>
+              <a:t>The execution logic of State-transition function is encapsulated in Runtime</a:t>
+            </a:r>
+          </a:p>
+          <a:p>
+            <a:pPr lvl="2"/>
+            <a:r>
+              <a:rPr lang="en-US" altLang="zh-CN" dirty="0"/>
+              <a:t>Other generic operation are embedded into the runtime environment</a:t>
+            </a:r>
+          </a:p>
+          <a:p>
+            <a:pPr lvl="1"/>
+            <a:r>
+              <a:rPr lang="en-US" altLang="zh-CN" dirty="0"/>
+              <a:t>Runtime function</a:t>
+            </a:r>
+          </a:p>
+          <a:p>
+            <a:pPr lvl="2"/>
+            <a:r>
+              <a:rPr lang="en-US" altLang="zh-CN" dirty="0"/>
+              <a:t>Compiled into a </a:t>
+            </a:r>
+            <a:r>
+              <a:rPr lang="en-US" altLang="zh-CN" dirty="0" err="1"/>
+              <a:t>WebAssembly</a:t>
+            </a:r>
+            <a:r>
+              <a:rPr lang="en-US" altLang="zh-CN" dirty="0"/>
+              <a:t> module</a:t>
+            </a:r>
+          </a:p>
+          <a:p>
+            <a:pPr lvl="2"/>
+            <a:r>
+              <a:rPr lang="en-US" altLang="zh-CN" dirty="0"/>
+              <a:t>Stored as part of the state</a:t>
+            </a:r>
+          </a:p>
+          <a:p>
+            <a:pPr lvl="1"/>
+            <a:r>
+              <a:rPr lang="en-US" altLang="zh-CN" dirty="0"/>
+              <a:t>The Runtime environment communicates the </a:t>
+            </a:r>
+            <a:r>
+              <a:rPr lang="en-US" altLang="zh-CN" dirty="0" err="1"/>
+              <a:t>extrinsics</a:t>
+            </a:r>
+            <a:r>
+              <a:rPr lang="en-US" altLang="zh-CN" dirty="0"/>
+              <a:t> to the Runtime and interacts with it to execute the state transition. </a:t>
+            </a:r>
+          </a:p>
+          <a:p>
+            <a:pPr lvl="2"/>
+            <a:r>
+              <a:rPr lang="en-US" altLang="zh-CN" dirty="0"/>
+              <a:t>the state transition logic itself can be upgraded as a part of the state transition.</a:t>
+            </a:r>
+          </a:p>
+          <a:p>
+            <a:pPr lvl="1"/>
             <a:endParaRPr lang="en-US" altLang="zh-CN" dirty="0"/>
           </a:p>
           <a:p>
@@ -11309,40 +11645,10 @@
           </a:p>
         </p:txBody>
       </p:sp>
-      <p:pic>
-        <p:nvPicPr>
-          <p:cNvPr id="4" name="图片 3">
-            <a:extLst>
-              <a:ext uri="{FF2B5EF4-FFF2-40B4-BE49-F238E27FC236}">
-                <a16:creationId xmlns:a16="http://schemas.microsoft.com/office/drawing/2014/main" id="{A9F7B1D4-8F6C-433F-9CF6-A8CF4EFD1362}"/>
-              </a:ext>
-            </a:extLst>
-          </p:cNvPr>
-          <p:cNvPicPr>
-            <a:picLocks noChangeAspect="1"/>
-          </p:cNvPicPr>
-          <p:nvPr/>
-        </p:nvPicPr>
-        <p:blipFill>
-          <a:blip r:embed="rId2"/>
-          <a:stretch>
-            <a:fillRect/>
-          </a:stretch>
-        </p:blipFill>
-        <p:spPr>
-          <a:xfrm>
-            <a:off x="4736606" y="1629654"/>
-            <a:ext cx="4072113" cy="2607066"/>
-          </a:xfrm>
-          <a:prstGeom prst="rect">
-            <a:avLst/>
-          </a:prstGeom>
-        </p:spPr>
-      </p:pic>
     </p:spTree>
     <p:extLst>
       <p:ext uri="{BB962C8B-B14F-4D97-AF65-F5344CB8AC3E}">
-        <p14:creationId xmlns:p14="http://schemas.microsoft.com/office/powerpoint/2010/main" val="848296587"/>
+        <p14:creationId xmlns:p14="http://schemas.microsoft.com/office/powerpoint/2010/main" val="745560625"/>
       </p:ext>
     </p:extLst>
   </p:cSld>
@@ -11398,103 +11704,76 @@
           <a:lstStyle/>
           <a:p>
             <a:r>
+              <a:rPr lang="en-US" altLang="zh-CN" dirty="0"/>
+              <a:t>Relay chain block format</a:t>
+            </a:r>
+          </a:p>
+          <a:p>
+            <a:pPr lvl="1"/>
+            <a:r>
+              <a:rPr lang="en-US" altLang="zh-CN" dirty="0"/>
+              <a:t>Header</a:t>
+            </a:r>
+          </a:p>
+          <a:p>
+            <a:pPr lvl="2"/>
+            <a:r>
+              <a:rPr lang="en-US" altLang="zh-CN" dirty="0"/>
+              <a:t>Hash of parent block</a:t>
+            </a:r>
+          </a:p>
+          <a:p>
+            <a:pPr lvl="2"/>
+            <a:r>
+              <a:rPr lang="en-US" altLang="zh-CN" dirty="0"/>
+              <a:t>Block number</a:t>
+            </a:r>
+          </a:p>
+          <a:p>
+            <a:pPr lvl="2"/>
+            <a:r>
+              <a:rPr lang="en-US" altLang="zh-CN" dirty="0"/>
+              <a:t>The root of the state tree</a:t>
+            </a:r>
+          </a:p>
+          <a:p>
+            <a:pPr lvl="2"/>
+            <a:r>
+              <a:rPr lang="en-US" altLang="zh-CN" dirty="0"/>
+              <a:t>The root of the Merkle tree</a:t>
+            </a:r>
+          </a:p>
+          <a:p>
+            <a:pPr lvl="2"/>
+            <a:r>
+              <a:rPr lang="en-US" altLang="zh-CN" dirty="0"/>
+              <a:t>Digest</a:t>
+            </a:r>
+          </a:p>
+          <a:p>
+            <a:pPr lvl="3"/>
+            <a:r>
+              <a:rPr lang="en-US" altLang="zh-CN" dirty="0"/>
+              <a:t>Store auxiliary information from the consensus engines for validating the block</a:t>
+            </a:r>
+          </a:p>
+          <a:p>
+            <a:pPr lvl="1"/>
+            <a:r>
+              <a:rPr lang="en-US" altLang="zh-CN" dirty="0"/>
+              <a:t>Body</a:t>
+            </a:r>
+          </a:p>
+          <a:p>
+            <a:pPr lvl="2"/>
+            <a:r>
+              <a:rPr lang="en-US" altLang="zh-CN" dirty="0"/>
+              <a:t>A list of </a:t>
+            </a:r>
+            <a:r>
               <a:rPr lang="en-US" altLang="zh-CN" dirty="0" err="1"/>
-              <a:t>Extrinsics</a:t>
-            </a:r>
-            <a:r>
-              <a:rPr lang="en-US" altLang="zh-CN" dirty="0"/>
-              <a:t>, an executing ordered set of instructions</a:t>
-            </a:r>
-          </a:p>
-          <a:p>
-            <a:pPr lvl="1"/>
-            <a:r>
-              <a:rPr lang="en-US" altLang="zh-CN" dirty="0"/>
-              <a:t>are the input data supplied to the Relay-chain state machine to transition to new states.</a:t>
-            </a:r>
-          </a:p>
-          <a:p>
-            <a:pPr lvl="1"/>
-            <a:r>
-              <a:rPr lang="en-US" altLang="zh-CN" dirty="0"/>
-              <a:t> be stored into blocks of the relay chain  to achieve consensus among the state machine replica.</a:t>
-            </a:r>
-          </a:p>
-          <a:p>
-            <a:r>
-              <a:rPr lang="en-US" altLang="zh-CN" dirty="0"/>
-              <a:t>Two categories of </a:t>
-            </a:r>
-            <a:r>
-              <a:rPr lang="en-US" altLang="zh-CN" dirty="0" err="1"/>
-              <a:t>Extrinsics</a:t>
-            </a:r>
-            <a:endParaRPr lang="en-US" altLang="zh-CN" dirty="0"/>
-          </a:p>
-          <a:p>
-            <a:pPr lvl="1"/>
-            <a:r>
-              <a:rPr lang="en-US" altLang="zh-CN" dirty="0"/>
-              <a:t>Transactions</a:t>
-            </a:r>
-          </a:p>
-          <a:p>
-            <a:pPr lvl="2"/>
-            <a:r>
-              <a:rPr lang="en-US" altLang="zh-CN" dirty="0"/>
-              <a:t>Examples: </a:t>
-            </a:r>
-            <a:r>
-              <a:rPr lang="en-US" altLang="zh-CN" dirty="0" err="1"/>
-              <a:t>set_code</a:t>
-            </a:r>
-            <a:r>
-              <a:rPr lang="en-US" altLang="zh-CN" dirty="0"/>
-              <a:t>, transfer, bond, validate, nominate, vote</a:t>
-            </a:r>
-          </a:p>
-          <a:p>
-            <a:pPr lvl="2"/>
-            <a:r>
-              <a:rPr lang="en-US" altLang="zh-CN" dirty="0"/>
-              <a:t>Signed and unsigned</a:t>
-            </a:r>
-          </a:p>
-          <a:p>
-            <a:pPr lvl="1"/>
-            <a:r>
-              <a:rPr lang="en-US" altLang="zh-CN" dirty="0"/>
-              <a:t>“</a:t>
-            </a:r>
-            <a:r>
-              <a:rPr lang="en-US" altLang="zh-CN" dirty="0" err="1"/>
-              <a:t>inherents</a:t>
-            </a:r>
-            <a:r>
-              <a:rPr lang="en-US" altLang="zh-CN" dirty="0"/>
-              <a:t>”, the data that is inherent to a relay chain block. </a:t>
-            </a:r>
-          </a:p>
-          <a:p>
-            <a:pPr lvl="2"/>
-            <a:r>
-              <a:rPr lang="en-US" altLang="zh-CN" dirty="0"/>
-              <a:t>Example: The timestamp t of blocks</a:t>
-            </a:r>
-          </a:p>
-          <a:p>
-            <a:pPr lvl="2"/>
-            <a:r>
-              <a:rPr lang="en-US" altLang="zh-CN" dirty="0"/>
-              <a:t>Not signed and not gossiped, rather only when they are included in a block</a:t>
-            </a:r>
-          </a:p>
-          <a:p>
-            <a:pPr lvl="2"/>
-            <a:endParaRPr lang="en-US" altLang="zh-CN" dirty="0"/>
-          </a:p>
-          <a:p>
-            <a:pPr lvl="1"/>
+              <a:t>extrinsics</a:t>
+            </a:r>
             <a:endParaRPr lang="en-US" altLang="zh-CN" dirty="0"/>
           </a:p>
           <a:p>
@@ -11540,10 +11819,40 @@
           </a:p>
         </p:txBody>
       </p:sp>
+      <p:pic>
+        <p:nvPicPr>
+          <p:cNvPr id="4" name="图片 3">
+            <a:extLst>
+              <a:ext uri="{FF2B5EF4-FFF2-40B4-BE49-F238E27FC236}">
+                <a16:creationId xmlns:a16="http://schemas.microsoft.com/office/drawing/2014/main" id="{A9F7B1D4-8F6C-433F-9CF6-A8CF4EFD1362}"/>
+              </a:ext>
+            </a:extLst>
+          </p:cNvPr>
+          <p:cNvPicPr>
+            <a:picLocks noChangeAspect="1"/>
+          </p:cNvPicPr>
+          <p:nvPr/>
+        </p:nvPicPr>
+        <p:blipFill>
+          <a:blip r:embed="rId2"/>
+          <a:stretch>
+            <a:fillRect/>
+          </a:stretch>
+        </p:blipFill>
+        <p:spPr>
+          <a:xfrm>
+            <a:off x="4736606" y="1629654"/>
+            <a:ext cx="4072113" cy="2607066"/>
+          </a:xfrm>
+          <a:prstGeom prst="rect">
+            <a:avLst/>
+          </a:prstGeom>
+        </p:spPr>
+      </p:pic>
     </p:spTree>
     <p:extLst>
       <p:ext uri="{BB962C8B-B14F-4D97-AF65-F5344CB8AC3E}">
-        <p14:creationId xmlns:p14="http://schemas.microsoft.com/office/powerpoint/2010/main" val="4185833312"/>
+        <p14:creationId xmlns:p14="http://schemas.microsoft.com/office/powerpoint/2010/main" val="848296587"/>
       </p:ext>
     </p:extLst>
   </p:cSld>
@@ -11608,6 +11917,90 @@
             </a:r>
           </a:p>
           <a:p>
+            <a:pPr lvl="1"/>
+            <a:r>
+              <a:rPr lang="en-US" altLang="zh-CN" dirty="0"/>
+              <a:t>are the input data supplied to the Relay-chain state machine to transition to new states.</a:t>
+            </a:r>
+          </a:p>
+          <a:p>
+            <a:pPr lvl="1"/>
+            <a:r>
+              <a:rPr lang="en-US" altLang="zh-CN" dirty="0"/>
+              <a:t> be stored into blocks of the relay chain  to achieve consensus among the state machine replica.</a:t>
+            </a:r>
+          </a:p>
+          <a:p>
+            <a:r>
+              <a:rPr lang="en-US" altLang="zh-CN" dirty="0"/>
+              <a:t>Two categories of </a:t>
+            </a:r>
+            <a:r>
+              <a:rPr lang="en-US" altLang="zh-CN" dirty="0" err="1"/>
+              <a:t>Extrinsics</a:t>
+            </a:r>
+            <a:endParaRPr lang="en-US" altLang="zh-CN" dirty="0"/>
+          </a:p>
+          <a:p>
+            <a:pPr lvl="1"/>
+            <a:r>
+              <a:rPr lang="en-US" altLang="zh-CN" dirty="0"/>
+              <a:t>Transactions</a:t>
+            </a:r>
+          </a:p>
+          <a:p>
+            <a:pPr lvl="2"/>
+            <a:r>
+              <a:rPr lang="en-US" altLang="zh-CN" dirty="0"/>
+              <a:t>Examples: </a:t>
+            </a:r>
+            <a:r>
+              <a:rPr lang="en-US" altLang="zh-CN" dirty="0" err="1"/>
+              <a:t>set_code</a:t>
+            </a:r>
+            <a:r>
+              <a:rPr lang="en-US" altLang="zh-CN" dirty="0"/>
+              <a:t>, transfer, bond, validate, nominate, vote</a:t>
+            </a:r>
+          </a:p>
+          <a:p>
+            <a:pPr lvl="2"/>
+            <a:r>
+              <a:rPr lang="en-US" altLang="zh-CN" dirty="0"/>
+              <a:t>Signed and unsigned</a:t>
+            </a:r>
+          </a:p>
+          <a:p>
+            <a:pPr lvl="1"/>
+            <a:r>
+              <a:rPr lang="en-US" altLang="zh-CN" dirty="0"/>
+              <a:t>“</a:t>
+            </a:r>
+            <a:r>
+              <a:rPr lang="en-US" altLang="zh-CN" dirty="0" err="1"/>
+              <a:t>inherents</a:t>
+            </a:r>
+            <a:r>
+              <a:rPr lang="en-US" altLang="zh-CN" dirty="0"/>
+              <a:t>”, the data that is inherent to a relay chain block. </a:t>
+            </a:r>
+          </a:p>
+          <a:p>
+            <a:pPr lvl="2"/>
+            <a:r>
+              <a:rPr lang="en-US" altLang="zh-CN" dirty="0"/>
+              <a:t>Example: The timestamp t of blocks</a:t>
+            </a:r>
+          </a:p>
+          <a:p>
+            <a:pPr lvl="2"/>
+            <a:r>
+              <a:rPr lang="en-US" altLang="zh-CN" dirty="0"/>
+              <a:t>Not signed and not gossiped, rather only when they are included in a block</a:t>
+            </a:r>
+          </a:p>
+          <a:p>
+            <a:pPr lvl="2"/>
             <a:endParaRPr lang="en-US" altLang="zh-CN" dirty="0"/>
           </a:p>
           <a:p>
@@ -11657,439 +12050,10 @@
           </a:p>
         </p:txBody>
       </p:sp>
-      <p:pic>
-        <p:nvPicPr>
-          <p:cNvPr id="4" name="图片 3">
-            <a:extLst>
-              <a:ext uri="{FF2B5EF4-FFF2-40B4-BE49-F238E27FC236}">
-                <a16:creationId xmlns:a16="http://schemas.microsoft.com/office/drawing/2014/main" id="{AFBEB4A9-6A7A-48CE-B2FD-5FD9E7D41D22}"/>
-              </a:ext>
-            </a:extLst>
-          </p:cNvPr>
-          <p:cNvPicPr>
-            <a:picLocks noChangeAspect="1"/>
-          </p:cNvPicPr>
-          <p:nvPr/>
-        </p:nvPicPr>
-        <p:blipFill>
-          <a:blip r:embed="rId2"/>
-          <a:stretch>
-            <a:fillRect/>
-          </a:stretch>
-        </p:blipFill>
-        <p:spPr>
-          <a:xfrm>
-            <a:off x="1549400" y="2107024"/>
-            <a:ext cx="6334760" cy="4440057"/>
-          </a:xfrm>
-          <a:prstGeom prst="rect">
-            <a:avLst/>
-          </a:prstGeom>
-        </p:spPr>
-      </p:pic>
-      <p:sp>
-        <p:nvSpPr>
-          <p:cNvPr id="5" name="矩形 4">
-            <a:extLst>
-              <a:ext uri="{FF2B5EF4-FFF2-40B4-BE49-F238E27FC236}">
-                <a16:creationId xmlns:a16="http://schemas.microsoft.com/office/drawing/2014/main" id="{24F6A571-1999-43FE-B0BF-818338B9AAC1}"/>
-              </a:ext>
-            </a:extLst>
-          </p:cNvPr>
-          <p:cNvSpPr/>
-          <p:nvPr/>
-        </p:nvSpPr>
-        <p:spPr>
-          <a:xfrm>
-            <a:off x="1600200" y="2489200"/>
-            <a:ext cx="4577080" cy="1671320"/>
-          </a:xfrm>
-          <a:prstGeom prst="rect">
-            <a:avLst/>
-          </a:prstGeom>
-          <a:noFill/>
-          <a:ln>
-            <a:solidFill>
-              <a:schemeClr val="accent1"/>
-            </a:solidFill>
-          </a:ln>
-        </p:spPr>
-        <p:style>
-          <a:lnRef idx="2">
-            <a:schemeClr val="accent1">
-              <a:shade val="50000"/>
-            </a:schemeClr>
-          </a:lnRef>
-          <a:fillRef idx="1">
-            <a:schemeClr val="accent1"/>
-          </a:fillRef>
-          <a:effectRef idx="0">
-            <a:schemeClr val="accent1"/>
-          </a:effectRef>
-          <a:fontRef idx="minor">
-            <a:schemeClr val="lt1"/>
-          </a:fontRef>
-        </p:style>
-        <p:txBody>
-          <a:bodyPr rtlCol="0" anchor="ctr"/>
-          <a:lstStyle/>
-          <a:p>
-            <a:pPr algn="ctr"/>
-            <a:endParaRPr lang="zh-CN" altLang="en-US"/>
-          </a:p>
-        </p:txBody>
-      </p:sp>
-      <p:cxnSp>
-        <p:nvCxnSpPr>
-          <p:cNvPr id="9" name="直接箭头连接符 8">
-            <a:extLst>
-              <a:ext uri="{FF2B5EF4-FFF2-40B4-BE49-F238E27FC236}">
-                <a16:creationId xmlns:a16="http://schemas.microsoft.com/office/drawing/2014/main" id="{5352E759-A2BC-4B18-8B20-138E0288FA59}"/>
-              </a:ext>
-            </a:extLst>
-          </p:cNvPr>
-          <p:cNvCxnSpPr>
-            <a:cxnSpLocks/>
-            <a:stCxn id="5" idx="1"/>
-          </p:cNvCxnSpPr>
-          <p:nvPr/>
-        </p:nvCxnSpPr>
-        <p:spPr>
-          <a:xfrm flipH="1" flipV="1">
-            <a:off x="1143000" y="3141980"/>
-            <a:ext cx="457200" cy="182880"/>
-          </a:xfrm>
-          <a:prstGeom prst="straightConnector1">
-            <a:avLst/>
-          </a:prstGeom>
-          <a:ln w="12700">
-            <a:tailEnd type="triangle"/>
-          </a:ln>
-        </p:spPr>
-        <p:style>
-          <a:lnRef idx="1">
-            <a:schemeClr val="accent1"/>
-          </a:lnRef>
-          <a:fillRef idx="0">
-            <a:schemeClr val="accent1"/>
-          </a:fillRef>
-          <a:effectRef idx="0">
-            <a:schemeClr val="accent1"/>
-          </a:effectRef>
-          <a:fontRef idx="minor">
-            <a:schemeClr val="tx1"/>
-          </a:fontRef>
-        </p:style>
-      </p:cxnSp>
-      <p:sp>
-        <p:nvSpPr>
-          <p:cNvPr id="11" name="文本框 10">
-            <a:extLst>
-              <a:ext uri="{FF2B5EF4-FFF2-40B4-BE49-F238E27FC236}">
-                <a16:creationId xmlns:a16="http://schemas.microsoft.com/office/drawing/2014/main" id="{5BA36DF0-F244-4244-A480-0A2590783C80}"/>
-              </a:ext>
-            </a:extLst>
-          </p:cNvPr>
-          <p:cNvSpPr txBox="1"/>
-          <p:nvPr/>
-        </p:nvSpPr>
-        <p:spPr>
-          <a:xfrm>
-            <a:off x="0" y="2704040"/>
-            <a:ext cx="1452880" cy="369332"/>
-          </a:xfrm>
-          <a:prstGeom prst="rect">
-            <a:avLst/>
-          </a:prstGeom>
-          <a:noFill/>
-        </p:spPr>
-        <p:txBody>
-          <a:bodyPr wrap="square" rtlCol="0">
-            <a:spAutoFit/>
-          </a:bodyPr>
-          <a:lstStyle/>
-          <a:p>
-            <a:r>
-              <a:rPr lang="en-US" altLang="zh-CN" dirty="0"/>
-              <a:t>“</a:t>
-            </a:r>
-            <a:r>
-              <a:rPr lang="en-US" altLang="zh-CN" dirty="0" err="1"/>
-              <a:t>Inherents</a:t>
-            </a:r>
-            <a:r>
-              <a:rPr lang="en-US" altLang="zh-CN" dirty="0"/>
-              <a:t>”</a:t>
-            </a:r>
-            <a:endParaRPr lang="zh-CN" altLang="en-US" dirty="0"/>
-          </a:p>
-        </p:txBody>
-      </p:sp>
-      <p:sp>
-        <p:nvSpPr>
-          <p:cNvPr id="15" name="矩形 14">
-            <a:extLst>
-              <a:ext uri="{FF2B5EF4-FFF2-40B4-BE49-F238E27FC236}">
-                <a16:creationId xmlns:a16="http://schemas.microsoft.com/office/drawing/2014/main" id="{9D527624-D4C4-41EB-ACAC-11C762D8F29E}"/>
-              </a:ext>
-            </a:extLst>
-          </p:cNvPr>
-          <p:cNvSpPr/>
-          <p:nvPr/>
-        </p:nvSpPr>
-        <p:spPr>
-          <a:xfrm>
-            <a:off x="1600200" y="4272280"/>
-            <a:ext cx="6223000" cy="2199640"/>
-          </a:xfrm>
-          <a:prstGeom prst="rect">
-            <a:avLst/>
-          </a:prstGeom>
-          <a:noFill/>
-          <a:ln>
-            <a:solidFill>
-              <a:schemeClr val="accent1"/>
-            </a:solidFill>
-          </a:ln>
-        </p:spPr>
-        <p:style>
-          <a:lnRef idx="2">
-            <a:schemeClr val="accent1">
-              <a:shade val="50000"/>
-            </a:schemeClr>
-          </a:lnRef>
-          <a:fillRef idx="1">
-            <a:schemeClr val="accent1"/>
-          </a:fillRef>
-          <a:effectRef idx="0">
-            <a:schemeClr val="accent1"/>
-          </a:effectRef>
-          <a:fontRef idx="minor">
-            <a:schemeClr val="lt1"/>
-          </a:fontRef>
-        </p:style>
-        <p:txBody>
-          <a:bodyPr rtlCol="0" anchor="ctr"/>
-          <a:lstStyle/>
-          <a:p>
-            <a:pPr algn="ctr"/>
-            <a:endParaRPr lang="zh-CN" altLang="en-US"/>
-          </a:p>
-        </p:txBody>
-      </p:sp>
-      <p:cxnSp>
-        <p:nvCxnSpPr>
-          <p:cNvPr id="18" name="直接箭头连接符 17">
-            <a:extLst>
-              <a:ext uri="{FF2B5EF4-FFF2-40B4-BE49-F238E27FC236}">
-                <a16:creationId xmlns:a16="http://schemas.microsoft.com/office/drawing/2014/main" id="{F1AED48E-0F4F-44BA-A1E5-C5A44F4916A4}"/>
-              </a:ext>
-            </a:extLst>
-          </p:cNvPr>
-          <p:cNvCxnSpPr>
-            <a:stCxn id="15" idx="1"/>
-          </p:cNvCxnSpPr>
-          <p:nvPr/>
-        </p:nvCxnSpPr>
-        <p:spPr>
-          <a:xfrm flipH="1" flipV="1">
-            <a:off x="919480" y="5267960"/>
-            <a:ext cx="680720" cy="104140"/>
-          </a:xfrm>
-          <a:prstGeom prst="straightConnector1">
-            <a:avLst/>
-          </a:prstGeom>
-          <a:ln w="12700">
-            <a:tailEnd type="triangle"/>
-          </a:ln>
-        </p:spPr>
-        <p:style>
-          <a:lnRef idx="1">
-            <a:schemeClr val="accent1"/>
-          </a:lnRef>
-          <a:fillRef idx="0">
-            <a:schemeClr val="accent1"/>
-          </a:fillRef>
-          <a:effectRef idx="0">
-            <a:schemeClr val="accent1"/>
-          </a:effectRef>
-          <a:fontRef idx="minor">
-            <a:schemeClr val="tx1"/>
-          </a:fontRef>
-        </p:style>
-      </p:cxnSp>
-      <p:sp>
-        <p:nvSpPr>
-          <p:cNvPr id="19" name="文本框 18">
-            <a:extLst>
-              <a:ext uri="{FF2B5EF4-FFF2-40B4-BE49-F238E27FC236}">
-                <a16:creationId xmlns:a16="http://schemas.microsoft.com/office/drawing/2014/main" id="{CF8E7907-92E5-46F5-A6B7-D5121945C169}"/>
-              </a:ext>
-            </a:extLst>
-          </p:cNvPr>
-          <p:cNvSpPr txBox="1"/>
-          <p:nvPr/>
-        </p:nvSpPr>
-        <p:spPr>
-          <a:xfrm>
-            <a:off x="96520" y="4551345"/>
-            <a:ext cx="1452880" cy="646331"/>
-          </a:xfrm>
-          <a:prstGeom prst="rect">
-            <a:avLst/>
-          </a:prstGeom>
-          <a:noFill/>
-        </p:spPr>
-        <p:txBody>
-          <a:bodyPr wrap="square" rtlCol="0">
-            <a:spAutoFit/>
-          </a:bodyPr>
-          <a:lstStyle/>
-          <a:p>
-            <a:r>
-              <a:rPr lang="en-US" altLang="zh-CN" dirty="0"/>
-              <a:t>Signed transaction</a:t>
-            </a:r>
-            <a:endParaRPr lang="zh-CN" altLang="en-US" dirty="0"/>
-          </a:p>
-        </p:txBody>
-      </p:sp>
-      <p:sp>
-        <p:nvSpPr>
-          <p:cNvPr id="20" name="矩形 19">
-            <a:extLst>
-              <a:ext uri="{FF2B5EF4-FFF2-40B4-BE49-F238E27FC236}">
-                <a16:creationId xmlns:a16="http://schemas.microsoft.com/office/drawing/2014/main" id="{9DCB6E6E-59CF-480D-B366-E2B97235D783}"/>
-              </a:ext>
-            </a:extLst>
-          </p:cNvPr>
-          <p:cNvSpPr/>
-          <p:nvPr/>
-        </p:nvSpPr>
-        <p:spPr>
-          <a:xfrm>
-            <a:off x="4033520" y="2250440"/>
-            <a:ext cx="2479040" cy="3708400"/>
-          </a:xfrm>
-          <a:prstGeom prst="rect">
-            <a:avLst/>
-          </a:prstGeom>
-          <a:noFill/>
-          <a:ln>
-            <a:solidFill>
-              <a:schemeClr val="accent1"/>
-            </a:solidFill>
-          </a:ln>
-        </p:spPr>
-        <p:style>
-          <a:lnRef idx="2">
-            <a:schemeClr val="accent1">
-              <a:shade val="50000"/>
-            </a:schemeClr>
-          </a:lnRef>
-          <a:fillRef idx="1">
-            <a:schemeClr val="accent1"/>
-          </a:fillRef>
-          <a:effectRef idx="0">
-            <a:schemeClr val="accent1"/>
-          </a:effectRef>
-          <a:fontRef idx="minor">
-            <a:schemeClr val="lt1"/>
-          </a:fontRef>
-        </p:style>
-        <p:txBody>
-          <a:bodyPr rot="0" spcFirstLastPara="0" vertOverflow="overflow" horzOverflow="overflow" vert="horz" wrap="square" lIns="91440" tIns="45720" rIns="91440" bIns="45720" numCol="1" spcCol="0" rtlCol="0" fromWordArt="0" anchor="ctr" anchorCtr="0" forceAA="0" compatLnSpc="1">
-            <a:prstTxWarp prst="textNoShape">
-              <a:avLst/>
-            </a:prstTxWarp>
-            <a:noAutofit/>
-          </a:bodyPr>
-          <a:lstStyle/>
-          <a:p>
-            <a:pPr algn="ctr"/>
-            <a:endParaRPr lang="zh-CN" altLang="en-US"/>
-          </a:p>
-        </p:txBody>
-      </p:sp>
-      <p:cxnSp>
-        <p:nvCxnSpPr>
-          <p:cNvPr id="22" name="直接箭头连接符 21">
-            <a:extLst>
-              <a:ext uri="{FF2B5EF4-FFF2-40B4-BE49-F238E27FC236}">
-                <a16:creationId xmlns:a16="http://schemas.microsoft.com/office/drawing/2014/main" id="{B5E4A5EC-0404-450A-983C-78929E9220B6}"/>
-              </a:ext>
-            </a:extLst>
-          </p:cNvPr>
-          <p:cNvCxnSpPr/>
-          <p:nvPr/>
-        </p:nvCxnSpPr>
-        <p:spPr>
-          <a:xfrm flipV="1">
-            <a:off x="6512560" y="3570300"/>
-            <a:ext cx="1600200" cy="548011"/>
-          </a:xfrm>
-          <a:prstGeom prst="straightConnector1">
-            <a:avLst/>
-          </a:prstGeom>
-          <a:ln w="12700">
-            <a:tailEnd type="triangle"/>
-          </a:ln>
-        </p:spPr>
-        <p:style>
-          <a:lnRef idx="1">
-            <a:schemeClr val="accent1"/>
-          </a:lnRef>
-          <a:fillRef idx="0">
-            <a:schemeClr val="accent1"/>
-          </a:fillRef>
-          <a:effectRef idx="0">
-            <a:schemeClr val="accent1"/>
-          </a:effectRef>
-          <a:fontRef idx="minor">
-            <a:schemeClr val="tx1"/>
-          </a:fontRef>
-        </p:style>
-      </p:cxnSp>
-      <p:sp>
-        <p:nvSpPr>
-          <p:cNvPr id="23" name="文本框 22">
-            <a:extLst>
-              <a:ext uri="{FF2B5EF4-FFF2-40B4-BE49-F238E27FC236}">
-                <a16:creationId xmlns:a16="http://schemas.microsoft.com/office/drawing/2014/main" id="{51E1D524-DE41-4F13-B62A-D3FEA785C7EE}"/>
-              </a:ext>
-            </a:extLst>
-          </p:cNvPr>
-          <p:cNvSpPr txBox="1"/>
-          <p:nvPr/>
-        </p:nvSpPr>
-        <p:spPr>
-          <a:xfrm>
-            <a:off x="8219440" y="3429000"/>
-            <a:ext cx="803425" cy="369332"/>
-          </a:xfrm>
-          <a:prstGeom prst="rect">
-            <a:avLst/>
-          </a:prstGeom>
-          <a:noFill/>
-        </p:spPr>
-        <p:txBody>
-          <a:bodyPr wrap="none" rtlCol="0">
-            <a:spAutoFit/>
-          </a:bodyPr>
-          <a:lstStyle/>
-          <a:p>
-            <a:r>
-              <a:rPr lang="en-US" altLang="zh-CN" dirty="0"/>
-              <a:t>Events</a:t>
-            </a:r>
-            <a:endParaRPr lang="zh-CN" altLang="en-US" dirty="0"/>
-          </a:p>
-        </p:txBody>
-      </p:sp>
     </p:spTree>
     <p:extLst>
       <p:ext uri="{BB962C8B-B14F-4D97-AF65-F5344CB8AC3E}">
-        <p14:creationId xmlns:p14="http://schemas.microsoft.com/office/powerpoint/2010/main" val="1167778820"/>
+        <p14:creationId xmlns:p14="http://schemas.microsoft.com/office/powerpoint/2010/main" val="4185833312"/>
       </p:ext>
     </p:extLst>
   </p:cSld>
@@ -13544,58 +13508,12 @@
           <a:lstStyle/>
           <a:p>
             <a:r>
+              <a:rPr lang="en-US" altLang="zh-CN" dirty="0" err="1"/>
+              <a:t>Extrinsics</a:t>
+            </a:r>
+            <a:r>
               <a:rPr lang="en-US" altLang="zh-CN" dirty="0"/>
-              <a:t>the validator’s operations for building relay chain block</a:t>
-            </a:r>
-          </a:p>
-          <a:p>
-            <a:pPr lvl="1"/>
-            <a:r>
-              <a:rPr lang="en-US" altLang="zh-CN" dirty="0"/>
-              <a:t>Step one: each relay chain Validators privately knows the time when they should produce a block </a:t>
-            </a:r>
-          </a:p>
-          <a:p>
-            <a:pPr lvl="1"/>
-            <a:r>
-              <a:rPr lang="en-US" altLang="zh-CN" dirty="0"/>
-              <a:t>Step two: transactions (validated </a:t>
-            </a:r>
-            <a:r>
-              <a:rPr lang="en-US" altLang="zh-CN" dirty="0" err="1"/>
-              <a:t>parachain</a:t>
-            </a:r>
-            <a:r>
-              <a:rPr lang="en-US" altLang="zh-CN" dirty="0"/>
-              <a:t> block hash, transfer, staking, nomination or slashing for violation) are submitted to relay chain validators.</a:t>
-            </a:r>
-          </a:p>
-          <a:p>
-            <a:pPr lvl="1"/>
-            <a:r>
-              <a:rPr lang="en-US" altLang="zh-CN" dirty="0"/>
-              <a:t>Step three: relay chain validators examine the validity and store them in their transaction pool</a:t>
-            </a:r>
-          </a:p>
-          <a:p>
-            <a:pPr lvl="1"/>
-            <a:r>
-              <a:rPr lang="en-US" altLang="zh-CN" dirty="0"/>
-              <a:t>Step four: When the validator should produce a block, it will estimate the block which most likely represents the state which is going to be finalized by the finality protocol and set it as the current state of the relay chain.</a:t>
-            </a:r>
-          </a:p>
-          <a:p>
-            <a:pPr lvl="1"/>
-            <a:r>
-              <a:rPr lang="en-US" altLang="zh-CN" dirty="0"/>
-              <a:t>Step five: Validator select and executes transactions and updates the state.</a:t>
-            </a:r>
-          </a:p>
-          <a:p>
-            <a:pPr lvl="1"/>
-            <a:r>
-              <a:rPr lang="en-US" altLang="zh-CN" dirty="0"/>
-              <a:t>Step Six: Validator attaches a digest of the final stage of relay chain, then signs and publishes the built block.</a:t>
+              <a:t>, an executing ordered set of instructions</a:t>
             </a:r>
           </a:p>
           <a:p>
@@ -13648,6 +13566,598 @@
           </a:p>
         </p:txBody>
       </p:sp>
+      <p:pic>
+        <p:nvPicPr>
+          <p:cNvPr id="4" name="图片 3">
+            <a:extLst>
+              <a:ext uri="{FF2B5EF4-FFF2-40B4-BE49-F238E27FC236}">
+                <a16:creationId xmlns:a16="http://schemas.microsoft.com/office/drawing/2014/main" id="{AFBEB4A9-6A7A-48CE-B2FD-5FD9E7D41D22}"/>
+              </a:ext>
+            </a:extLst>
+          </p:cNvPr>
+          <p:cNvPicPr>
+            <a:picLocks noChangeAspect="1"/>
+          </p:cNvPicPr>
+          <p:nvPr/>
+        </p:nvPicPr>
+        <p:blipFill>
+          <a:blip r:embed="rId2"/>
+          <a:stretch>
+            <a:fillRect/>
+          </a:stretch>
+        </p:blipFill>
+        <p:spPr>
+          <a:xfrm>
+            <a:off x="1549400" y="2107024"/>
+            <a:ext cx="6334760" cy="4440057"/>
+          </a:xfrm>
+          <a:prstGeom prst="rect">
+            <a:avLst/>
+          </a:prstGeom>
+        </p:spPr>
+      </p:pic>
+      <p:sp>
+        <p:nvSpPr>
+          <p:cNvPr id="5" name="矩形 4">
+            <a:extLst>
+              <a:ext uri="{FF2B5EF4-FFF2-40B4-BE49-F238E27FC236}">
+                <a16:creationId xmlns:a16="http://schemas.microsoft.com/office/drawing/2014/main" id="{24F6A571-1999-43FE-B0BF-818338B9AAC1}"/>
+              </a:ext>
+            </a:extLst>
+          </p:cNvPr>
+          <p:cNvSpPr/>
+          <p:nvPr/>
+        </p:nvSpPr>
+        <p:spPr>
+          <a:xfrm>
+            <a:off x="1600200" y="2489200"/>
+            <a:ext cx="4577080" cy="1671320"/>
+          </a:xfrm>
+          <a:prstGeom prst="rect">
+            <a:avLst/>
+          </a:prstGeom>
+          <a:noFill/>
+          <a:ln>
+            <a:solidFill>
+              <a:schemeClr val="accent1"/>
+            </a:solidFill>
+          </a:ln>
+        </p:spPr>
+        <p:style>
+          <a:lnRef idx="2">
+            <a:schemeClr val="accent1">
+              <a:shade val="50000"/>
+            </a:schemeClr>
+          </a:lnRef>
+          <a:fillRef idx="1">
+            <a:schemeClr val="accent1"/>
+          </a:fillRef>
+          <a:effectRef idx="0">
+            <a:schemeClr val="accent1"/>
+          </a:effectRef>
+          <a:fontRef idx="minor">
+            <a:schemeClr val="lt1"/>
+          </a:fontRef>
+        </p:style>
+        <p:txBody>
+          <a:bodyPr rtlCol="0" anchor="ctr"/>
+          <a:lstStyle/>
+          <a:p>
+            <a:pPr algn="ctr"/>
+            <a:endParaRPr lang="zh-CN" altLang="en-US"/>
+          </a:p>
+        </p:txBody>
+      </p:sp>
+      <p:cxnSp>
+        <p:nvCxnSpPr>
+          <p:cNvPr id="9" name="直接箭头连接符 8">
+            <a:extLst>
+              <a:ext uri="{FF2B5EF4-FFF2-40B4-BE49-F238E27FC236}">
+                <a16:creationId xmlns:a16="http://schemas.microsoft.com/office/drawing/2014/main" id="{5352E759-A2BC-4B18-8B20-138E0288FA59}"/>
+              </a:ext>
+            </a:extLst>
+          </p:cNvPr>
+          <p:cNvCxnSpPr>
+            <a:cxnSpLocks/>
+            <a:stCxn id="5" idx="1"/>
+          </p:cNvCxnSpPr>
+          <p:nvPr/>
+        </p:nvCxnSpPr>
+        <p:spPr>
+          <a:xfrm flipH="1" flipV="1">
+            <a:off x="1143000" y="3141980"/>
+            <a:ext cx="457200" cy="182880"/>
+          </a:xfrm>
+          <a:prstGeom prst="straightConnector1">
+            <a:avLst/>
+          </a:prstGeom>
+          <a:ln w="12700">
+            <a:tailEnd type="triangle"/>
+          </a:ln>
+        </p:spPr>
+        <p:style>
+          <a:lnRef idx="1">
+            <a:schemeClr val="accent1"/>
+          </a:lnRef>
+          <a:fillRef idx="0">
+            <a:schemeClr val="accent1"/>
+          </a:fillRef>
+          <a:effectRef idx="0">
+            <a:schemeClr val="accent1"/>
+          </a:effectRef>
+          <a:fontRef idx="minor">
+            <a:schemeClr val="tx1"/>
+          </a:fontRef>
+        </p:style>
+      </p:cxnSp>
+      <p:sp>
+        <p:nvSpPr>
+          <p:cNvPr id="11" name="文本框 10">
+            <a:extLst>
+              <a:ext uri="{FF2B5EF4-FFF2-40B4-BE49-F238E27FC236}">
+                <a16:creationId xmlns:a16="http://schemas.microsoft.com/office/drawing/2014/main" id="{5BA36DF0-F244-4244-A480-0A2590783C80}"/>
+              </a:ext>
+            </a:extLst>
+          </p:cNvPr>
+          <p:cNvSpPr txBox="1"/>
+          <p:nvPr/>
+        </p:nvSpPr>
+        <p:spPr>
+          <a:xfrm>
+            <a:off x="0" y="2704040"/>
+            <a:ext cx="1452880" cy="369332"/>
+          </a:xfrm>
+          <a:prstGeom prst="rect">
+            <a:avLst/>
+          </a:prstGeom>
+          <a:noFill/>
+        </p:spPr>
+        <p:txBody>
+          <a:bodyPr wrap="square" rtlCol="0">
+            <a:spAutoFit/>
+          </a:bodyPr>
+          <a:lstStyle/>
+          <a:p>
+            <a:r>
+              <a:rPr lang="en-US" altLang="zh-CN" dirty="0"/>
+              <a:t>“</a:t>
+            </a:r>
+            <a:r>
+              <a:rPr lang="en-US" altLang="zh-CN" dirty="0" err="1"/>
+              <a:t>Inherents</a:t>
+            </a:r>
+            <a:r>
+              <a:rPr lang="en-US" altLang="zh-CN" dirty="0"/>
+              <a:t>”</a:t>
+            </a:r>
+            <a:endParaRPr lang="zh-CN" altLang="en-US" dirty="0"/>
+          </a:p>
+        </p:txBody>
+      </p:sp>
+      <p:sp>
+        <p:nvSpPr>
+          <p:cNvPr id="15" name="矩形 14">
+            <a:extLst>
+              <a:ext uri="{FF2B5EF4-FFF2-40B4-BE49-F238E27FC236}">
+                <a16:creationId xmlns:a16="http://schemas.microsoft.com/office/drawing/2014/main" id="{9D527624-D4C4-41EB-ACAC-11C762D8F29E}"/>
+              </a:ext>
+            </a:extLst>
+          </p:cNvPr>
+          <p:cNvSpPr/>
+          <p:nvPr/>
+        </p:nvSpPr>
+        <p:spPr>
+          <a:xfrm>
+            <a:off x="1600200" y="4272280"/>
+            <a:ext cx="6223000" cy="2199640"/>
+          </a:xfrm>
+          <a:prstGeom prst="rect">
+            <a:avLst/>
+          </a:prstGeom>
+          <a:noFill/>
+          <a:ln>
+            <a:solidFill>
+              <a:schemeClr val="accent1"/>
+            </a:solidFill>
+          </a:ln>
+        </p:spPr>
+        <p:style>
+          <a:lnRef idx="2">
+            <a:schemeClr val="accent1">
+              <a:shade val="50000"/>
+            </a:schemeClr>
+          </a:lnRef>
+          <a:fillRef idx="1">
+            <a:schemeClr val="accent1"/>
+          </a:fillRef>
+          <a:effectRef idx="0">
+            <a:schemeClr val="accent1"/>
+          </a:effectRef>
+          <a:fontRef idx="minor">
+            <a:schemeClr val="lt1"/>
+          </a:fontRef>
+        </p:style>
+        <p:txBody>
+          <a:bodyPr rtlCol="0" anchor="ctr"/>
+          <a:lstStyle/>
+          <a:p>
+            <a:pPr algn="ctr"/>
+            <a:endParaRPr lang="zh-CN" altLang="en-US"/>
+          </a:p>
+        </p:txBody>
+      </p:sp>
+      <p:cxnSp>
+        <p:nvCxnSpPr>
+          <p:cNvPr id="18" name="直接箭头连接符 17">
+            <a:extLst>
+              <a:ext uri="{FF2B5EF4-FFF2-40B4-BE49-F238E27FC236}">
+                <a16:creationId xmlns:a16="http://schemas.microsoft.com/office/drawing/2014/main" id="{F1AED48E-0F4F-44BA-A1E5-C5A44F4916A4}"/>
+              </a:ext>
+            </a:extLst>
+          </p:cNvPr>
+          <p:cNvCxnSpPr>
+            <a:stCxn id="15" idx="1"/>
+          </p:cNvCxnSpPr>
+          <p:nvPr/>
+        </p:nvCxnSpPr>
+        <p:spPr>
+          <a:xfrm flipH="1" flipV="1">
+            <a:off x="919480" y="5267960"/>
+            <a:ext cx="680720" cy="104140"/>
+          </a:xfrm>
+          <a:prstGeom prst="straightConnector1">
+            <a:avLst/>
+          </a:prstGeom>
+          <a:ln w="12700">
+            <a:tailEnd type="triangle"/>
+          </a:ln>
+        </p:spPr>
+        <p:style>
+          <a:lnRef idx="1">
+            <a:schemeClr val="accent1"/>
+          </a:lnRef>
+          <a:fillRef idx="0">
+            <a:schemeClr val="accent1"/>
+          </a:fillRef>
+          <a:effectRef idx="0">
+            <a:schemeClr val="accent1"/>
+          </a:effectRef>
+          <a:fontRef idx="minor">
+            <a:schemeClr val="tx1"/>
+          </a:fontRef>
+        </p:style>
+      </p:cxnSp>
+      <p:sp>
+        <p:nvSpPr>
+          <p:cNvPr id="19" name="文本框 18">
+            <a:extLst>
+              <a:ext uri="{FF2B5EF4-FFF2-40B4-BE49-F238E27FC236}">
+                <a16:creationId xmlns:a16="http://schemas.microsoft.com/office/drawing/2014/main" id="{CF8E7907-92E5-46F5-A6B7-D5121945C169}"/>
+              </a:ext>
+            </a:extLst>
+          </p:cNvPr>
+          <p:cNvSpPr txBox="1"/>
+          <p:nvPr/>
+        </p:nvSpPr>
+        <p:spPr>
+          <a:xfrm>
+            <a:off x="96520" y="4551345"/>
+            <a:ext cx="1452880" cy="646331"/>
+          </a:xfrm>
+          <a:prstGeom prst="rect">
+            <a:avLst/>
+          </a:prstGeom>
+          <a:noFill/>
+        </p:spPr>
+        <p:txBody>
+          <a:bodyPr wrap="square" rtlCol="0">
+            <a:spAutoFit/>
+          </a:bodyPr>
+          <a:lstStyle/>
+          <a:p>
+            <a:r>
+              <a:rPr lang="en-US" altLang="zh-CN" dirty="0"/>
+              <a:t>Signed transaction</a:t>
+            </a:r>
+            <a:endParaRPr lang="zh-CN" altLang="en-US" dirty="0"/>
+          </a:p>
+        </p:txBody>
+      </p:sp>
+      <p:sp>
+        <p:nvSpPr>
+          <p:cNvPr id="20" name="矩形 19">
+            <a:extLst>
+              <a:ext uri="{FF2B5EF4-FFF2-40B4-BE49-F238E27FC236}">
+                <a16:creationId xmlns:a16="http://schemas.microsoft.com/office/drawing/2014/main" id="{9DCB6E6E-59CF-480D-B366-E2B97235D783}"/>
+              </a:ext>
+            </a:extLst>
+          </p:cNvPr>
+          <p:cNvSpPr/>
+          <p:nvPr/>
+        </p:nvSpPr>
+        <p:spPr>
+          <a:xfrm>
+            <a:off x="4033520" y="2250440"/>
+            <a:ext cx="2479040" cy="3708400"/>
+          </a:xfrm>
+          <a:prstGeom prst="rect">
+            <a:avLst/>
+          </a:prstGeom>
+          <a:noFill/>
+          <a:ln>
+            <a:solidFill>
+              <a:schemeClr val="accent1"/>
+            </a:solidFill>
+          </a:ln>
+        </p:spPr>
+        <p:style>
+          <a:lnRef idx="2">
+            <a:schemeClr val="accent1">
+              <a:shade val="50000"/>
+            </a:schemeClr>
+          </a:lnRef>
+          <a:fillRef idx="1">
+            <a:schemeClr val="accent1"/>
+          </a:fillRef>
+          <a:effectRef idx="0">
+            <a:schemeClr val="accent1"/>
+          </a:effectRef>
+          <a:fontRef idx="minor">
+            <a:schemeClr val="lt1"/>
+          </a:fontRef>
+        </p:style>
+        <p:txBody>
+          <a:bodyPr rot="0" spcFirstLastPara="0" vertOverflow="overflow" horzOverflow="overflow" vert="horz" wrap="square" lIns="91440" tIns="45720" rIns="91440" bIns="45720" numCol="1" spcCol="0" rtlCol="0" fromWordArt="0" anchor="ctr" anchorCtr="0" forceAA="0" compatLnSpc="1">
+            <a:prstTxWarp prst="textNoShape">
+              <a:avLst/>
+            </a:prstTxWarp>
+            <a:noAutofit/>
+          </a:bodyPr>
+          <a:lstStyle/>
+          <a:p>
+            <a:pPr algn="ctr"/>
+            <a:endParaRPr lang="zh-CN" altLang="en-US"/>
+          </a:p>
+        </p:txBody>
+      </p:sp>
+      <p:cxnSp>
+        <p:nvCxnSpPr>
+          <p:cNvPr id="22" name="直接箭头连接符 21">
+            <a:extLst>
+              <a:ext uri="{FF2B5EF4-FFF2-40B4-BE49-F238E27FC236}">
+                <a16:creationId xmlns:a16="http://schemas.microsoft.com/office/drawing/2014/main" id="{B5E4A5EC-0404-450A-983C-78929E9220B6}"/>
+              </a:ext>
+            </a:extLst>
+          </p:cNvPr>
+          <p:cNvCxnSpPr/>
+          <p:nvPr/>
+        </p:nvCxnSpPr>
+        <p:spPr>
+          <a:xfrm flipV="1">
+            <a:off x="6512560" y="3570300"/>
+            <a:ext cx="1600200" cy="548011"/>
+          </a:xfrm>
+          <a:prstGeom prst="straightConnector1">
+            <a:avLst/>
+          </a:prstGeom>
+          <a:ln w="12700">
+            <a:tailEnd type="triangle"/>
+          </a:ln>
+        </p:spPr>
+        <p:style>
+          <a:lnRef idx="1">
+            <a:schemeClr val="accent1"/>
+          </a:lnRef>
+          <a:fillRef idx="0">
+            <a:schemeClr val="accent1"/>
+          </a:fillRef>
+          <a:effectRef idx="0">
+            <a:schemeClr val="accent1"/>
+          </a:effectRef>
+          <a:fontRef idx="minor">
+            <a:schemeClr val="tx1"/>
+          </a:fontRef>
+        </p:style>
+      </p:cxnSp>
+      <p:sp>
+        <p:nvSpPr>
+          <p:cNvPr id="23" name="文本框 22">
+            <a:extLst>
+              <a:ext uri="{FF2B5EF4-FFF2-40B4-BE49-F238E27FC236}">
+                <a16:creationId xmlns:a16="http://schemas.microsoft.com/office/drawing/2014/main" id="{51E1D524-DE41-4F13-B62A-D3FEA785C7EE}"/>
+              </a:ext>
+            </a:extLst>
+          </p:cNvPr>
+          <p:cNvSpPr txBox="1"/>
+          <p:nvPr/>
+        </p:nvSpPr>
+        <p:spPr>
+          <a:xfrm>
+            <a:off x="8219440" y="3429000"/>
+            <a:ext cx="803425" cy="369332"/>
+          </a:xfrm>
+          <a:prstGeom prst="rect">
+            <a:avLst/>
+          </a:prstGeom>
+          <a:noFill/>
+        </p:spPr>
+        <p:txBody>
+          <a:bodyPr wrap="none" rtlCol="0">
+            <a:spAutoFit/>
+          </a:bodyPr>
+          <a:lstStyle/>
+          <a:p>
+            <a:r>
+              <a:rPr lang="en-US" altLang="zh-CN" dirty="0"/>
+              <a:t>Events</a:t>
+            </a:r>
+            <a:endParaRPr lang="zh-CN" altLang="en-US" dirty="0"/>
+          </a:p>
+        </p:txBody>
+      </p:sp>
+    </p:spTree>
+    <p:extLst>
+      <p:ext uri="{BB962C8B-B14F-4D97-AF65-F5344CB8AC3E}">
+        <p14:creationId xmlns:p14="http://schemas.microsoft.com/office/powerpoint/2010/main" val="1167778820"/>
+      </p:ext>
+    </p:extLst>
+  </p:cSld>
+  <p:clrMapOvr>
+    <a:masterClrMapping/>
+  </p:clrMapOvr>
+</p:sld>
+</file>
+
+<file path=ppt/slides/slide21.xml><?xml version="1.0" encoding="utf-8"?>
+<p:sld xmlns:a="http://schemas.openxmlformats.org/drawingml/2006/main" xmlns:r="http://schemas.openxmlformats.org/officeDocument/2006/relationships" xmlns:p="http://schemas.openxmlformats.org/presentationml/2006/main">
+  <p:cSld>
+    <p:spTree>
+      <p:nvGrpSpPr>
+        <p:cNvPr id="1" name=""/>
+        <p:cNvGrpSpPr/>
+        <p:nvPr/>
+      </p:nvGrpSpPr>
+      <p:grpSpPr>
+        <a:xfrm>
+          <a:off x="0" y="0"/>
+          <a:ext cx="0" cy="0"/>
+          <a:chOff x="0" y="0"/>
+          <a:chExt cx="0" cy="0"/>
+        </a:xfrm>
+      </p:grpSpPr>
+      <p:sp>
+        <p:nvSpPr>
+          <p:cNvPr id="2" name="内容占位符 1">
+            <a:extLst>
+              <a:ext uri="{FF2B5EF4-FFF2-40B4-BE49-F238E27FC236}">
+                <a16:creationId xmlns:a16="http://schemas.microsoft.com/office/drawing/2014/main" id="{AF3ED768-F4AC-4570-9A14-87BFBBA452E6}"/>
+              </a:ext>
+            </a:extLst>
+          </p:cNvPr>
+          <p:cNvSpPr>
+            <a:spLocks noGrp="1"/>
+          </p:cNvSpPr>
+          <p:nvPr>
+            <p:ph sz="quarter" idx="10"/>
+          </p:nvPr>
+        </p:nvSpPr>
+        <p:spPr>
+          <a:xfrm>
+            <a:off x="494025" y="1685677"/>
+            <a:ext cx="8070855" cy="5015373"/>
+          </a:xfrm>
+        </p:spPr>
+        <p:txBody>
+          <a:bodyPr>
+            <a:normAutofit/>
+          </a:bodyPr>
+          <a:lstStyle/>
+          <a:p>
+            <a:r>
+              <a:rPr lang="en-US" altLang="zh-CN" dirty="0"/>
+              <a:t>the validator’s operations for building relay chain block</a:t>
+            </a:r>
+          </a:p>
+          <a:p>
+            <a:pPr lvl="1"/>
+            <a:r>
+              <a:rPr lang="en-US" altLang="zh-CN" dirty="0"/>
+              <a:t>Step one: each relay chain Validators privately knows the time when they should produce a block </a:t>
+            </a:r>
+          </a:p>
+          <a:p>
+            <a:pPr lvl="1"/>
+            <a:r>
+              <a:rPr lang="en-US" altLang="zh-CN" dirty="0"/>
+              <a:t>Step two: transactions (validated </a:t>
+            </a:r>
+            <a:r>
+              <a:rPr lang="en-US" altLang="zh-CN" dirty="0" err="1"/>
+              <a:t>parachain</a:t>
+            </a:r>
+            <a:r>
+              <a:rPr lang="en-US" altLang="zh-CN" dirty="0"/>
+              <a:t> block hash, transfer, staking, nomination or slashing for violation) are submitted to relay chain validators.</a:t>
+            </a:r>
+          </a:p>
+          <a:p>
+            <a:pPr lvl="1"/>
+            <a:r>
+              <a:rPr lang="en-US" altLang="zh-CN" dirty="0"/>
+              <a:t>Step three: relay chain validators examine the validity and store them in their transaction pool</a:t>
+            </a:r>
+          </a:p>
+          <a:p>
+            <a:pPr lvl="1"/>
+            <a:r>
+              <a:rPr lang="en-US" altLang="zh-CN" dirty="0"/>
+              <a:t>Step four: When the validator should produce a block, it will estimate the block which most likely represents the state which is going to be finalized by the finality protocol and set it as the current state of the relay chain.</a:t>
+            </a:r>
+          </a:p>
+          <a:p>
+            <a:pPr lvl="1"/>
+            <a:r>
+              <a:rPr lang="en-US" altLang="zh-CN" dirty="0"/>
+              <a:t>Step five: Validator select and executes transactions and updates the state.</a:t>
+            </a:r>
+          </a:p>
+          <a:p>
+            <a:pPr lvl="1"/>
+            <a:r>
+              <a:rPr lang="en-US" altLang="zh-CN" dirty="0"/>
+              <a:t>Step Six: Validator attaches a digest of the final stage of relay chain, then signs and publishes the built block.</a:t>
+            </a:r>
+          </a:p>
+          <a:p>
+            <a:endParaRPr lang="en-US" altLang="zh-CN" dirty="0"/>
+          </a:p>
+          <a:p>
+            <a:pPr lvl="1"/>
+            <a:endParaRPr lang="en-US" altLang="zh-CN" dirty="0"/>
+          </a:p>
+          <a:p>
+            <a:pPr lvl="1"/>
+            <a:endParaRPr lang="en-US" altLang="zh-CN" dirty="0"/>
+          </a:p>
+          <a:p>
+            <a:pPr lvl="1"/>
+            <a:endParaRPr lang="en-US" altLang="zh-CN" dirty="0"/>
+          </a:p>
+          <a:p>
+            <a:pPr lvl="1"/>
+            <a:endParaRPr lang="en-US" altLang="zh-CN" dirty="0"/>
+          </a:p>
+        </p:txBody>
+      </p:sp>
+      <p:sp>
+        <p:nvSpPr>
+          <p:cNvPr id="3" name="标题 2">
+            <a:extLst>
+              <a:ext uri="{FF2B5EF4-FFF2-40B4-BE49-F238E27FC236}">
+                <a16:creationId xmlns:a16="http://schemas.microsoft.com/office/drawing/2014/main" id="{CDC1A08A-FFC4-4FE8-B7F5-70FBB0F936C3}"/>
+              </a:ext>
+            </a:extLst>
+          </p:cNvPr>
+          <p:cNvSpPr>
+            <a:spLocks noGrp="1"/>
+          </p:cNvSpPr>
+          <p:nvPr>
+            <p:ph type="title"/>
+          </p:nvPr>
+        </p:nvSpPr>
+        <p:spPr/>
+        <p:txBody>
+          <a:bodyPr/>
+          <a:lstStyle/>
+          <a:p>
+            <a:r>
+              <a:rPr lang="en-US" altLang="zh-CN" dirty="0"/>
+              <a:t>Relay Chain protocol: A state machine</a:t>
+            </a:r>
+            <a:endParaRPr lang="zh-CN" altLang="en-US" dirty="0"/>
+          </a:p>
+        </p:txBody>
+      </p:sp>
     </p:spTree>
     <p:extLst>
       <p:ext uri="{BB962C8B-B14F-4D97-AF65-F5344CB8AC3E}">
@@ -13661,7 +14171,7 @@
 </p:sld>
 </file>
 
-<file path=ppt/slides/slide21.xml><?xml version="1.0" encoding="utf-8"?>
+<file path=ppt/slides/slide22.xml><?xml version="1.0" encoding="utf-8"?>
 <p:sld xmlns:a="http://schemas.openxmlformats.org/drawingml/2006/main" xmlns:r="http://schemas.openxmlformats.org/officeDocument/2006/relationships" xmlns:p="http://schemas.openxmlformats.org/presentationml/2006/main">
   <p:cSld>
     <p:spTree>
@@ -15006,7 +15516,7 @@
 </p:sld>
 </file>
 
-<file path=ppt/slides/slide22.xml><?xml version="1.0" encoding="utf-8"?>
+<file path=ppt/slides/slide23.xml><?xml version="1.0" encoding="utf-8"?>
 <p:sld xmlns:a="http://schemas.openxmlformats.org/drawingml/2006/main" xmlns:r="http://schemas.openxmlformats.org/officeDocument/2006/relationships" xmlns:p="http://schemas.openxmlformats.org/presentationml/2006/main">
   <p:cSld>
     <p:spTree>
@@ -15252,7 +15762,7 @@
 </p:sld>
 </file>
 
-<file path=ppt/slides/slide23.xml><?xml version="1.0" encoding="utf-8"?>
+<file path=ppt/slides/slide24.xml><?xml version="1.0" encoding="utf-8"?>
 <p:sld xmlns:a="http://schemas.openxmlformats.org/drawingml/2006/main" xmlns:r="http://schemas.openxmlformats.org/officeDocument/2006/relationships" xmlns:p="http://schemas.openxmlformats.org/presentationml/2006/main">
   <p:cSld>
     <p:spTree>
@@ -15695,7 +16205,7 @@
 </p:sld>
 </file>
 
-<file path=ppt/slides/slide24.xml><?xml version="1.0" encoding="utf-8"?>
+<file path=ppt/slides/slide25.xml><?xml version="1.0" encoding="utf-8"?>
 <p:sld xmlns:a="http://schemas.openxmlformats.org/drawingml/2006/main" xmlns:r="http://schemas.openxmlformats.org/officeDocument/2006/relationships" xmlns:p="http://schemas.openxmlformats.org/presentationml/2006/main">
   <p:cSld>
     <p:spTree>
@@ -16257,7 +16767,7 @@
 </p:sld>
 </file>
 
-<file path=ppt/slides/slide25.xml><?xml version="1.0" encoding="utf-8"?>
+<file path=ppt/slides/slide26.xml><?xml version="1.0" encoding="utf-8"?>
 <p:sld xmlns:a="http://schemas.openxmlformats.org/drawingml/2006/main" xmlns:r="http://schemas.openxmlformats.org/officeDocument/2006/relationships" xmlns:p="http://schemas.openxmlformats.org/presentationml/2006/main">
   <p:cSld>
     <p:spTree>
@@ -16390,7 +16900,7 @@
 </p:sld>
 </file>
 
-<file path=ppt/slides/slide26.xml><?xml version="1.0" encoding="utf-8"?>
+<file path=ppt/slides/slide27.xml><?xml version="1.0" encoding="utf-8"?>
 <p:sld xmlns:a="http://schemas.openxmlformats.org/drawingml/2006/main" xmlns:r="http://schemas.openxmlformats.org/officeDocument/2006/relationships" xmlns:p="http://schemas.openxmlformats.org/presentationml/2006/main">
   <p:cSld>
     <p:spTree>
@@ -17730,7 +18240,7 @@
 </p:sld>
 </file>
 
-<file path=ppt/slides/slide27.xml><?xml version="1.0" encoding="utf-8"?>
+<file path=ppt/slides/slide28.xml><?xml version="1.0" encoding="utf-8"?>
 <p:sld xmlns:a="http://schemas.openxmlformats.org/drawingml/2006/main" xmlns:r="http://schemas.openxmlformats.org/officeDocument/2006/relationships" xmlns:p="http://schemas.openxmlformats.org/presentationml/2006/main">
   <p:cSld>
     <p:spTree>
@@ -17826,7 +18336,7 @@
 </p:sld>
 </file>
 
-<file path=ppt/slides/slide28.xml><?xml version="1.0" encoding="utf-8"?>
+<file path=ppt/slides/slide29.xml><?xml version="1.0" encoding="utf-8"?>
 <p:sld xmlns:a="http://schemas.openxmlformats.org/drawingml/2006/main" xmlns:r="http://schemas.openxmlformats.org/officeDocument/2006/relationships" xmlns:p="http://schemas.openxmlformats.org/presentationml/2006/main">
   <p:cSld>
     <p:spTree>
@@ -19161,61 +19671,6 @@
     <p:extLst>
       <p:ext uri="{BB962C8B-B14F-4D97-AF65-F5344CB8AC3E}">
         <p14:creationId xmlns:p14="http://schemas.microsoft.com/office/powerpoint/2010/main" val="2085259256"/>
-      </p:ext>
-    </p:extLst>
-  </p:cSld>
-  <p:clrMapOvr>
-    <a:masterClrMapping/>
-  </p:clrMapOvr>
-</p:sld>
-</file>
-
-<file path=ppt/slides/slide29.xml><?xml version="1.0" encoding="utf-8"?>
-<p:sld xmlns:a="http://schemas.openxmlformats.org/drawingml/2006/main" xmlns:r="http://schemas.openxmlformats.org/officeDocument/2006/relationships" xmlns:p="http://schemas.openxmlformats.org/presentationml/2006/main">
-  <p:cSld>
-    <p:spTree>
-      <p:nvGrpSpPr>
-        <p:cNvPr id="1" name=""/>
-        <p:cNvGrpSpPr/>
-        <p:nvPr/>
-      </p:nvGrpSpPr>
-      <p:grpSpPr>
-        <a:xfrm>
-          <a:off x="0" y="0"/>
-          <a:ext cx="0" cy="0"/>
-          <a:chOff x="0" y="0"/>
-          <a:chExt cx="0" cy="0"/>
-        </a:xfrm>
-      </p:grpSpPr>
-      <p:sp>
-        <p:nvSpPr>
-          <p:cNvPr id="3" name="标题 2"/>
-          <p:cNvSpPr>
-            <a:spLocks noGrp="1"/>
-          </p:cNvSpPr>
-          <p:nvPr>
-            <p:ph type="title"/>
-          </p:nvPr>
-        </p:nvSpPr>
-        <p:spPr/>
-        <p:txBody>
-          <a:bodyPr/>
-          <a:lstStyle/>
-          <a:p>
-            <a:r>
-              <a:rPr lang="zh-CN" altLang="en-US" dirty="0">
-                <a:latin typeface="+mn-ea"/>
-                <a:ea typeface="+mn-ea"/>
-              </a:rPr>
-              <a:t>谢谢！</a:t>
-            </a:r>
-          </a:p>
-        </p:txBody>
-      </p:sp>
-    </p:spTree>
-    <p:extLst>
-      <p:ext uri="{BB962C8B-B14F-4D97-AF65-F5344CB8AC3E}">
-        <p14:creationId xmlns:p14="http://schemas.microsoft.com/office/powerpoint/2010/main" val="1362973645"/>
       </p:ext>
     </p:extLst>
   </p:cSld>
@@ -20580,6 +21035,61 @@
       <p:transition/>
     </mc:Fallback>
   </mc:AlternateContent>
+</p:sld>
+</file>
+
+<file path=ppt/slides/slide30.xml><?xml version="1.0" encoding="utf-8"?>
+<p:sld xmlns:a="http://schemas.openxmlformats.org/drawingml/2006/main" xmlns:r="http://schemas.openxmlformats.org/officeDocument/2006/relationships" xmlns:p="http://schemas.openxmlformats.org/presentationml/2006/main">
+  <p:cSld>
+    <p:spTree>
+      <p:nvGrpSpPr>
+        <p:cNvPr id="1" name=""/>
+        <p:cNvGrpSpPr/>
+        <p:nvPr/>
+      </p:nvGrpSpPr>
+      <p:grpSpPr>
+        <a:xfrm>
+          <a:off x="0" y="0"/>
+          <a:ext cx="0" cy="0"/>
+          <a:chOff x="0" y="0"/>
+          <a:chExt cx="0" cy="0"/>
+        </a:xfrm>
+      </p:grpSpPr>
+      <p:sp>
+        <p:nvSpPr>
+          <p:cNvPr id="3" name="标题 2"/>
+          <p:cNvSpPr>
+            <a:spLocks noGrp="1"/>
+          </p:cNvSpPr>
+          <p:nvPr>
+            <p:ph type="title"/>
+          </p:nvPr>
+        </p:nvSpPr>
+        <p:spPr/>
+        <p:txBody>
+          <a:bodyPr/>
+          <a:lstStyle/>
+          <a:p>
+            <a:r>
+              <a:rPr lang="zh-CN" altLang="en-US" dirty="0">
+                <a:latin typeface="+mn-ea"/>
+                <a:ea typeface="+mn-ea"/>
+              </a:rPr>
+              <a:t>谢谢！</a:t>
+            </a:r>
+          </a:p>
+        </p:txBody>
+      </p:sp>
+    </p:spTree>
+    <p:extLst>
+      <p:ext uri="{BB962C8B-B14F-4D97-AF65-F5344CB8AC3E}">
+        <p14:creationId xmlns:p14="http://schemas.microsoft.com/office/powerpoint/2010/main" val="1362973645"/>
+      </p:ext>
+    </p:extLst>
+  </p:cSld>
+  <p:clrMapOvr>
+    <a:masterClrMapping/>
+  </p:clrMapOvr>
 </p:sld>
 </file>
 

--- a/PPT/Polkadot-PPT.pptx
+++ b/PPT/Polkadot-PPT.pptx
@@ -232,7 +232,7 @@
           <a:p>
             <a:fld id="{202C1FBA-CF23-45CA-A289-03E32D160964}" type="datetimeFigureOut">
               <a:rPr lang="zh-CN" altLang="en-US" smtClean="0"/>
-              <a:t>2020/12/18</a:t>
+              <a:t>2020/12/23</a:t>
             </a:fld>
             <a:endParaRPr lang="zh-CN" altLang="en-US"/>
           </a:p>
@@ -397,7 +397,7 @@
           <a:p>
             <a:fld id="{6D966BD8-0FC1-456F-BDC6-7D0CA8E36566}" type="datetimeFigureOut">
               <a:rPr lang="zh-CN" altLang="en-US" smtClean="0"/>
-              <a:t>2020/12/18</a:t>
+              <a:t>2020/12/23</a:t>
             </a:fld>
             <a:endParaRPr lang="zh-CN" altLang="en-US"/>
           </a:p>
